--- a/Documentos_generados/Integracion_Alcance/Alcance/WBS.pptx
+++ b/Documentos_generados/Integracion_Alcance/Alcance/WBS.pptx
@@ -106,7 +106,18 @@
   </p:defaultTextStyle>
   <p:extLst>
     <p:ext uri="{EFAFB233-063F-42B5-8137-9DF3F51BA10A}">
-      <p15:sldGuideLst xmlns:p15="http://schemas.microsoft.com/office/powerpoint/2012/main" xmlns=""/>
+      <p15:sldGuideLst xmlns:p15="http://schemas.microsoft.com/office/powerpoint/2012/main">
+        <p15:guide id="1" orient="horz" pos="2160">
+          <p15:clr>
+            <a:srgbClr val="A4A3A4"/>
+          </p15:clr>
+        </p15:guide>
+        <p15:guide id="2" pos="3840">
+          <p15:clr>
+            <a:srgbClr val="A4A3A4"/>
+          </p15:clr>
+        </p15:guide>
+      </p15:sldGuideLst>
     </p:ext>
   </p:extLst>
 </p:presentation>
@@ -1007,7 +1018,7 @@
             <a:t>Proyecto </a:t>
           </a:r>
           <a:r>
-            <a:rPr lang="es-ES_tradnl" dirty="0" err="1" smtClean="0"/>
+            <a:rPr lang="es-ES_tradnl" dirty="0" err="1"/>
             <a:t>MeCuida</a:t>
           </a:r>
           <a:endParaRPr lang="es-ES" dirty="0"/>
@@ -1044,7 +1055,7 @@
         <a:lstStyle/>
         <a:p>
           <a:r>
-            <a:rPr lang="es-ES_tradnl" dirty="0" smtClean="0"/>
+            <a:rPr lang="es-ES_tradnl" dirty="0"/>
             <a:t>1. Análisis</a:t>
           </a:r>
           <a:endParaRPr lang="es-ES" dirty="0"/>
@@ -1081,8 +1092,8 @@
         <a:lstStyle/>
         <a:p>
           <a:r>
-            <a:rPr lang="es-ES_tradnl" dirty="0" smtClean="0"/>
-            <a:t>1.1. Requerimientos</a:t>
+            <a:rPr lang="es-ES_tradnl" dirty="0"/>
+            <a:t>1.1. Requerimientos Funcionales</a:t>
           </a:r>
           <a:endParaRPr lang="es-ES" dirty="0"/>
         </a:p>
@@ -1118,7 +1129,7 @@
         <a:lstStyle/>
         <a:p>
           <a:r>
-            <a:rPr lang="es-ES_tradnl" dirty="0" smtClean="0"/>
+            <a:rPr lang="es-ES_tradnl" dirty="0"/>
             <a:t>6. Cierre</a:t>
           </a:r>
           <a:endParaRPr lang="es-ES" dirty="0"/>
@@ -1155,12 +1166,8 @@
         <a:lstStyle/>
         <a:p>
           <a:r>
-            <a:rPr lang="es-ES_tradnl" dirty="0" smtClean="0"/>
-            <a:t>6.1. Implementación </a:t>
-          </a:r>
-          <a:r>
             <a:rPr lang="es-ES_tradnl" dirty="0"/>
-            <a:t>final</a:t>
+            <a:t>6.1. Implementación final</a:t>
           </a:r>
           <a:endParaRPr lang="es-ES" dirty="0"/>
         </a:p>
@@ -1196,7 +1203,7 @@
         <a:lstStyle/>
         <a:p>
           <a:r>
-            <a:rPr lang="es-ES_tradnl" dirty="0" smtClean="0"/>
+            <a:rPr lang="es-ES_tradnl" dirty="0"/>
             <a:t>2. Planificación</a:t>
           </a:r>
           <a:endParaRPr lang="es-ES" dirty="0"/>
@@ -1233,7 +1240,7 @@
         <a:lstStyle/>
         <a:p>
           <a:r>
-            <a:rPr lang="es-ES_tradnl" dirty="0" smtClean="0"/>
+            <a:rPr lang="es-ES_tradnl" dirty="0"/>
             <a:t>3. Desarrollo</a:t>
           </a:r>
           <a:endParaRPr lang="es-ES" dirty="0"/>
@@ -1270,7 +1277,7 @@
         <a:lstStyle/>
         <a:p>
           <a:r>
-            <a:rPr lang="es-ES_tradnl" dirty="0" smtClean="0"/>
+            <a:rPr lang="es-ES_tradnl" dirty="0"/>
             <a:t>4. Formación</a:t>
           </a:r>
           <a:endParaRPr lang="es-ES" dirty="0"/>
@@ -1307,12 +1314,8 @@
         <a:lstStyle/>
         <a:p>
           <a:r>
-            <a:rPr lang="es-ES_tradnl" dirty="0" smtClean="0"/>
-            <a:t>5. Integración </a:t>
-          </a:r>
-          <a:r>
             <a:rPr lang="es-ES_tradnl" dirty="0"/>
-            <a:t>y pruebas</a:t>
+            <a:t>5. Integración y pruebas</a:t>
           </a:r>
           <a:endParaRPr lang="es-ES" dirty="0"/>
         </a:p>
@@ -1340,7 +1343,7 @@
         </a:p>
       </dgm:t>
     </dgm:pt>
-    <dgm:pt modelId="{818A50AE-2897-4A8A-A2D4-C798E3839759}">
+    <dgm:pt modelId="{95F92B39-5BD1-41DA-921B-40270E333897}">
       <dgm:prSet/>
       <dgm:spPr/>
       <dgm:t>
@@ -1348,14 +1351,14 @@
         <a:lstStyle/>
         <a:p>
           <a:r>
-            <a:rPr lang="es-ES_tradnl" dirty="0" smtClean="0"/>
-            <a:t>1.2. Riesgos</a:t>
+            <a:rPr lang="es-ES_tradnl" dirty="0"/>
+            <a:t>1.3. Riesgos</a:t>
           </a:r>
           <a:endParaRPr lang="es-ES" dirty="0"/>
         </a:p>
       </dgm:t>
     </dgm:pt>
-    <dgm:pt modelId="{6E64CD67-6FB7-4233-986F-C1A61F90D25C}" type="parTrans" cxnId="{5C8AD39E-048A-4F0B-A4E5-8E7E28CD4E8E}">
+    <dgm:pt modelId="{78A11304-B47B-426C-80D9-23F105284D80}" type="parTrans" cxnId="{8A33DAC6-D9DF-4D48-B64D-808F92F2B77E}">
       <dgm:prSet/>
       <dgm:spPr/>
       <dgm:t>
@@ -1366,7 +1369,7 @@
         </a:p>
       </dgm:t>
     </dgm:pt>
-    <dgm:pt modelId="{C0AF5DF9-2ED6-42D3-8F8C-F06FCA8338A2}" type="sibTrans" cxnId="{5C8AD39E-048A-4F0B-A4E5-8E7E28CD4E8E}">
+    <dgm:pt modelId="{19CA03D8-84BD-45E9-ACB4-36731CEB3A27}" type="sibTrans" cxnId="{8A33DAC6-D9DF-4D48-B64D-808F92F2B77E}">
       <dgm:prSet/>
       <dgm:spPr/>
       <dgm:t>
@@ -1377,7 +1380,7 @@
         </a:p>
       </dgm:t>
     </dgm:pt>
-    <dgm:pt modelId="{95F92B39-5BD1-41DA-921B-40270E333897}">
+    <dgm:pt modelId="{595FCBCB-6F4C-41E0-9D57-CC8BC973C07C}">
       <dgm:prSet/>
       <dgm:spPr/>
       <dgm:t>
@@ -1385,14 +1388,14 @@
         <a:lstStyle/>
         <a:p>
           <a:r>
-            <a:rPr lang="es-ES_tradnl" dirty="0" smtClean="0"/>
-            <a:t>1.3. Contexto</a:t>
+            <a:rPr lang="es-ES_tradnl" dirty="0"/>
+            <a:t>1.4. Contexto</a:t>
           </a:r>
           <a:endParaRPr lang="es-ES" dirty="0"/>
         </a:p>
       </dgm:t>
     </dgm:pt>
-    <dgm:pt modelId="{78A11304-B47B-426C-80D9-23F105284D80}" type="parTrans" cxnId="{8A33DAC6-D9DF-4D48-B64D-808F92F2B77E}">
+    <dgm:pt modelId="{51635E7D-94AB-42DB-A23F-6B9E2711ADB8}" type="parTrans" cxnId="{CE25B188-AF7E-45A6-B483-2C1585C607A0}">
       <dgm:prSet/>
       <dgm:spPr/>
       <dgm:t>
@@ -1403,7 +1406,7 @@
         </a:p>
       </dgm:t>
     </dgm:pt>
-    <dgm:pt modelId="{19CA03D8-84BD-45E9-ACB4-36731CEB3A27}" type="sibTrans" cxnId="{8A33DAC6-D9DF-4D48-B64D-808F92F2B77E}">
+    <dgm:pt modelId="{0B43550C-8A90-4189-9B67-1225304E0089}" type="sibTrans" cxnId="{CE25B188-AF7E-45A6-B483-2C1585C607A0}">
       <dgm:prSet/>
       <dgm:spPr/>
       <dgm:t>
@@ -1414,7 +1417,7 @@
         </a:p>
       </dgm:t>
     </dgm:pt>
-    <dgm:pt modelId="{595FCBCB-6F4C-41E0-9D57-CC8BC973C07C}">
+    <dgm:pt modelId="{7B8C88F9-23A6-428A-9D84-EE8685A0B867}">
       <dgm:prSet/>
       <dgm:spPr/>
       <dgm:t>
@@ -1422,18 +1425,14 @@
         <a:lstStyle/>
         <a:p>
           <a:r>
-            <a:rPr lang="es-ES_tradnl" dirty="0" smtClean="0"/>
-            <a:t>1.4. Documentación </a:t>
-          </a:r>
-          <a:r>
             <a:rPr lang="es-ES_tradnl" dirty="0"/>
-            <a:t>Inicial</a:t>
+            <a:t>1.5. Documentación Inicial</a:t>
           </a:r>
           <a:endParaRPr lang="es-ES" dirty="0"/>
         </a:p>
       </dgm:t>
     </dgm:pt>
-    <dgm:pt modelId="{51635E7D-94AB-42DB-A23F-6B9E2711ADB8}" type="parTrans" cxnId="{CE25B188-AF7E-45A6-B483-2C1585C607A0}">
+    <dgm:pt modelId="{55BF91F1-8371-43F3-B796-D886F4AEA607}" type="parTrans" cxnId="{9258CF10-A21F-436C-8DD6-66D5F2257114}">
       <dgm:prSet/>
       <dgm:spPr/>
       <dgm:t>
@@ -1444,7 +1443,7 @@
         </a:p>
       </dgm:t>
     </dgm:pt>
-    <dgm:pt modelId="{0B43550C-8A90-4189-9B67-1225304E0089}" type="sibTrans" cxnId="{CE25B188-AF7E-45A6-B483-2C1585C607A0}">
+    <dgm:pt modelId="{AB932049-799D-400F-96A9-390092336D78}" type="sibTrans" cxnId="{9258CF10-A21F-436C-8DD6-66D5F2257114}">
       <dgm:prSet/>
       <dgm:spPr/>
       <dgm:t>
@@ -1455,7 +1454,7 @@
         </a:p>
       </dgm:t>
     </dgm:pt>
-    <dgm:pt modelId="{7B8C88F9-23A6-428A-9D84-EE8685A0B867}">
+    <dgm:pt modelId="{22D68CCB-4BEE-4732-BA18-145918E71689}">
       <dgm:prSet/>
       <dgm:spPr/>
       <dgm:t>
@@ -1463,18 +1462,14 @@
         <a:lstStyle/>
         <a:p>
           <a:r>
-            <a:rPr lang="es-ES_tradnl" dirty="0" smtClean="0"/>
-            <a:t>1.5. Identificación </a:t>
-          </a:r>
-          <a:r>
             <a:rPr lang="es-ES_tradnl" dirty="0"/>
-            <a:t>de interesados</a:t>
+            <a:t>2.1. Acuerdos</a:t>
           </a:r>
           <a:endParaRPr lang="es-ES" dirty="0"/>
         </a:p>
       </dgm:t>
     </dgm:pt>
-    <dgm:pt modelId="{55BF91F1-8371-43F3-B796-D886F4AEA607}" type="parTrans" cxnId="{9258CF10-A21F-436C-8DD6-66D5F2257114}">
+    <dgm:pt modelId="{845F5D8C-040E-4743-ACA2-252EB4E11E64}" type="parTrans" cxnId="{AEAE211C-05CA-406B-A485-10AC5B28C623}">
       <dgm:prSet/>
       <dgm:spPr/>
       <dgm:t>
@@ -1485,7 +1480,7 @@
         </a:p>
       </dgm:t>
     </dgm:pt>
-    <dgm:pt modelId="{AB932049-799D-400F-96A9-390092336D78}" type="sibTrans" cxnId="{9258CF10-A21F-436C-8DD6-66D5F2257114}">
+    <dgm:pt modelId="{96F038F0-8321-4A68-ABFB-0F5C2D7FE10A}" type="sibTrans" cxnId="{AEAE211C-05CA-406B-A485-10AC5B28C623}">
       <dgm:prSet/>
       <dgm:spPr/>
       <dgm:t>
@@ -1496,7 +1491,7 @@
         </a:p>
       </dgm:t>
     </dgm:pt>
-    <dgm:pt modelId="{22D68CCB-4BEE-4732-BA18-145918E71689}">
+    <dgm:pt modelId="{638D4A18-E8B7-45E5-8EAA-4C0D29849159}">
       <dgm:prSet/>
       <dgm:spPr/>
       <dgm:t>
@@ -1504,14 +1499,14 @@
         <a:lstStyle/>
         <a:p>
           <a:r>
-            <a:rPr lang="es-ES_tradnl" dirty="0" smtClean="0"/>
-            <a:t>2.1. Acuerdos</a:t>
+            <a:rPr lang="es-ES_tradnl" dirty="0"/>
+            <a:t>2.2. Reuniones</a:t>
           </a:r>
           <a:endParaRPr lang="es-ES" dirty="0"/>
         </a:p>
       </dgm:t>
     </dgm:pt>
-    <dgm:pt modelId="{845F5D8C-040E-4743-ACA2-252EB4E11E64}" type="parTrans" cxnId="{AEAE211C-05CA-406B-A485-10AC5B28C623}">
+    <dgm:pt modelId="{6331599E-52B8-4A6C-B3A0-6191E729069E}" type="parTrans" cxnId="{D47CA79C-8F8E-4F6C-B4A4-DC7B0D45936D}">
       <dgm:prSet/>
       <dgm:spPr/>
       <dgm:t>
@@ -1522,7 +1517,7 @@
         </a:p>
       </dgm:t>
     </dgm:pt>
-    <dgm:pt modelId="{96F038F0-8321-4A68-ABFB-0F5C2D7FE10A}" type="sibTrans" cxnId="{AEAE211C-05CA-406B-A485-10AC5B28C623}">
+    <dgm:pt modelId="{96BDABD5-5B11-468E-B806-E97AD8AE4AFA}" type="sibTrans" cxnId="{D47CA79C-8F8E-4F6C-B4A4-DC7B0D45936D}">
       <dgm:prSet/>
       <dgm:spPr/>
       <dgm:t>
@@ -1533,7 +1528,7 @@
         </a:p>
       </dgm:t>
     </dgm:pt>
-    <dgm:pt modelId="{638D4A18-E8B7-45E5-8EAA-4C0D29849159}">
+    <dgm:pt modelId="{D692D1F3-8B04-4096-AA22-E14E93E2AD30}">
       <dgm:prSet/>
       <dgm:spPr/>
       <dgm:t>
@@ -1541,14 +1536,14 @@
         <a:lstStyle/>
         <a:p>
           <a:r>
-            <a:rPr lang="es-ES_tradnl" dirty="0" smtClean="0"/>
-            <a:t>2.2. Reuniones</a:t>
+            <a:rPr lang="es-ES_tradnl" dirty="0"/>
+            <a:t>2.3. Calidad y Validación</a:t>
           </a:r>
           <a:endParaRPr lang="es-ES" dirty="0"/>
         </a:p>
       </dgm:t>
     </dgm:pt>
-    <dgm:pt modelId="{6331599E-52B8-4A6C-B3A0-6191E729069E}" type="parTrans" cxnId="{D47CA79C-8F8E-4F6C-B4A4-DC7B0D45936D}">
+    <dgm:pt modelId="{D4015DCB-90CE-418D-BA17-E20EB5979634}" type="parTrans" cxnId="{30A55F96-8DA0-4EC1-A524-A47232E0498E}">
       <dgm:prSet/>
       <dgm:spPr/>
       <dgm:t>
@@ -1559,7 +1554,7 @@
         </a:p>
       </dgm:t>
     </dgm:pt>
-    <dgm:pt modelId="{96BDABD5-5B11-468E-B806-E97AD8AE4AFA}" type="sibTrans" cxnId="{D47CA79C-8F8E-4F6C-B4A4-DC7B0D45936D}">
+    <dgm:pt modelId="{9DF5544D-7133-4BEC-80D5-5F4AB2FCACF0}" type="sibTrans" cxnId="{30A55F96-8DA0-4EC1-A524-A47232E0498E}">
       <dgm:prSet/>
       <dgm:spPr/>
       <dgm:t>
@@ -1570,7 +1565,7 @@
         </a:p>
       </dgm:t>
     </dgm:pt>
-    <dgm:pt modelId="{D692D1F3-8B04-4096-AA22-E14E93E2AD30}">
+    <dgm:pt modelId="{1CCEED45-57D7-4641-81C9-5908579CE245}">
       <dgm:prSet/>
       <dgm:spPr/>
       <dgm:t>
@@ -1578,18 +1573,14 @@
         <a:lstStyle/>
         <a:p>
           <a:r>
-            <a:rPr lang="es-ES_tradnl" dirty="0" smtClean="0"/>
-            <a:t>2.3. Calidad </a:t>
-          </a:r>
-          <a:r>
             <a:rPr lang="es-ES_tradnl" dirty="0"/>
-            <a:t>y Validación</a:t>
+            <a:t>2.4. Cronograma</a:t>
           </a:r>
           <a:endParaRPr lang="es-ES" dirty="0"/>
         </a:p>
       </dgm:t>
     </dgm:pt>
-    <dgm:pt modelId="{D4015DCB-90CE-418D-BA17-E20EB5979634}" type="parTrans" cxnId="{30A55F96-8DA0-4EC1-A524-A47232E0498E}">
+    <dgm:pt modelId="{0B8E2C65-A4D7-4B41-A006-CAAA09EDACC5}" type="parTrans" cxnId="{8237BEE0-D1B1-440F-9385-3C24B42C9D37}">
       <dgm:prSet/>
       <dgm:spPr/>
       <dgm:t>
@@ -1600,7 +1591,7 @@
         </a:p>
       </dgm:t>
     </dgm:pt>
-    <dgm:pt modelId="{9DF5544D-7133-4BEC-80D5-5F4AB2FCACF0}" type="sibTrans" cxnId="{30A55F96-8DA0-4EC1-A524-A47232E0498E}">
+    <dgm:pt modelId="{3565B9CB-B1EE-400D-B2B9-2B551D737D10}" type="sibTrans" cxnId="{8237BEE0-D1B1-440F-9385-3C24B42C9D37}">
       <dgm:prSet/>
       <dgm:spPr/>
       <dgm:t>
@@ -1611,7 +1602,7 @@
         </a:p>
       </dgm:t>
     </dgm:pt>
-    <dgm:pt modelId="{1CCEED45-57D7-4641-81C9-5908579CE245}">
+    <dgm:pt modelId="{C6E69E37-3961-44EE-94E9-D23872BEE4C9}">
       <dgm:prSet/>
       <dgm:spPr/>
       <dgm:t>
@@ -1619,14 +1610,14 @@
         <a:lstStyle/>
         <a:p>
           <a:r>
-            <a:rPr lang="es-ES_tradnl" dirty="0" smtClean="0"/>
-            <a:t>2.4. Cronograma</a:t>
+            <a:rPr lang="es-ES_tradnl" dirty="0"/>
+            <a:t>3.1. Control de procesos</a:t>
           </a:r>
           <a:endParaRPr lang="es-ES" dirty="0"/>
         </a:p>
       </dgm:t>
     </dgm:pt>
-    <dgm:pt modelId="{0B8E2C65-A4D7-4B41-A006-CAAA09EDACC5}" type="parTrans" cxnId="{8237BEE0-D1B1-440F-9385-3C24B42C9D37}">
+    <dgm:pt modelId="{39E7187F-BF44-4434-ABA8-1C914D1E277A}" type="parTrans" cxnId="{6C09A7CF-ED9E-4F5C-A208-29FC73FCD37A}">
       <dgm:prSet/>
       <dgm:spPr/>
       <dgm:t>
@@ -1637,7 +1628,7 @@
         </a:p>
       </dgm:t>
     </dgm:pt>
-    <dgm:pt modelId="{3565B9CB-B1EE-400D-B2B9-2B551D737D10}" type="sibTrans" cxnId="{8237BEE0-D1B1-440F-9385-3C24B42C9D37}">
+    <dgm:pt modelId="{DEA9B8DE-9278-41C4-8958-F47B791467F4}" type="sibTrans" cxnId="{6C09A7CF-ED9E-4F5C-A208-29FC73FCD37A}">
       <dgm:prSet/>
       <dgm:spPr/>
       <dgm:t>
@@ -1648,7 +1639,7 @@
         </a:p>
       </dgm:t>
     </dgm:pt>
-    <dgm:pt modelId="{C6E69E37-3961-44EE-94E9-D23872BEE4C9}">
+    <dgm:pt modelId="{DEA8DC5E-722E-4FFF-BA91-EA999F6AAE91}">
       <dgm:prSet/>
       <dgm:spPr/>
       <dgm:t>
@@ -1656,18 +1647,14 @@
         <a:lstStyle/>
         <a:p>
           <a:r>
-            <a:rPr lang="es-ES_tradnl" dirty="0" smtClean="0"/>
-            <a:t>3.1. Control </a:t>
-          </a:r>
-          <a:r>
             <a:rPr lang="es-ES_tradnl" dirty="0"/>
-            <a:t>de procesos</a:t>
+            <a:t>3.2. Gestión de compras</a:t>
           </a:r>
           <a:endParaRPr lang="es-ES" dirty="0"/>
         </a:p>
       </dgm:t>
     </dgm:pt>
-    <dgm:pt modelId="{39E7187F-BF44-4434-ABA8-1C914D1E277A}" type="parTrans" cxnId="{6C09A7CF-ED9E-4F5C-A208-29FC73FCD37A}">
+    <dgm:pt modelId="{CA5091F9-074B-4255-B185-C09D0BE2BF7B}" type="parTrans" cxnId="{8AF7D83C-2A35-4B4E-9A89-87807C35D1FB}">
       <dgm:prSet/>
       <dgm:spPr/>
       <dgm:t>
@@ -1678,7 +1665,7 @@
         </a:p>
       </dgm:t>
     </dgm:pt>
-    <dgm:pt modelId="{DEA9B8DE-9278-41C4-8958-F47B791467F4}" type="sibTrans" cxnId="{6C09A7CF-ED9E-4F5C-A208-29FC73FCD37A}">
+    <dgm:pt modelId="{64D4773E-534A-4E7B-A0A1-8D87DE867EA7}" type="sibTrans" cxnId="{8AF7D83C-2A35-4B4E-9A89-87807C35D1FB}">
       <dgm:prSet/>
       <dgm:spPr/>
       <dgm:t>
@@ -1689,7 +1676,7 @@
         </a:p>
       </dgm:t>
     </dgm:pt>
-    <dgm:pt modelId="{DEA8DC5E-722E-4FFF-BA91-EA999F6AAE91}">
+    <dgm:pt modelId="{142E7667-7801-477A-80B1-678DFCEE8B9B}">
       <dgm:prSet/>
       <dgm:spPr/>
       <dgm:t>
@@ -1697,18 +1684,14 @@
         <a:lstStyle/>
         <a:p>
           <a:r>
-            <a:rPr lang="es-ES_tradnl" dirty="0" smtClean="0"/>
-            <a:t>3.2. Gestión </a:t>
-          </a:r>
-          <a:r>
             <a:rPr lang="es-ES_tradnl" dirty="0"/>
-            <a:t>de compras</a:t>
+            <a:t>4.1. Cursos</a:t>
           </a:r>
           <a:endParaRPr lang="es-ES" dirty="0"/>
         </a:p>
       </dgm:t>
     </dgm:pt>
-    <dgm:pt modelId="{CA5091F9-074B-4255-B185-C09D0BE2BF7B}" type="parTrans" cxnId="{8AF7D83C-2A35-4B4E-9A89-87807C35D1FB}">
+    <dgm:pt modelId="{ACDCB4B0-FE3A-4189-B855-4AF36F6C0D74}" type="parTrans" cxnId="{4236410F-A92F-4C87-BF14-3DA943DADA64}">
       <dgm:prSet/>
       <dgm:spPr/>
       <dgm:t>
@@ -1719,7 +1702,7 @@
         </a:p>
       </dgm:t>
     </dgm:pt>
-    <dgm:pt modelId="{64D4773E-534A-4E7B-A0A1-8D87DE867EA7}" type="sibTrans" cxnId="{8AF7D83C-2A35-4B4E-9A89-87807C35D1FB}">
+    <dgm:pt modelId="{5C06A405-8210-48F4-A408-225051F39FBE}" type="sibTrans" cxnId="{4236410F-A92F-4C87-BF14-3DA943DADA64}">
       <dgm:prSet/>
       <dgm:spPr/>
       <dgm:t>
@@ -1730,7 +1713,7 @@
         </a:p>
       </dgm:t>
     </dgm:pt>
-    <dgm:pt modelId="{142E7667-7801-477A-80B1-678DFCEE8B9B}">
+    <dgm:pt modelId="{6343E979-4FE4-4A70-B59E-3E22D3659816}">
       <dgm:prSet/>
       <dgm:spPr/>
       <dgm:t>
@@ -1738,14 +1721,14 @@
         <a:lstStyle/>
         <a:p>
           <a:r>
-            <a:rPr lang="es-ES_tradnl" dirty="0" smtClean="0"/>
-            <a:t>4.1. Cursos</a:t>
+            <a:rPr lang="es-ES_tradnl" dirty="0"/>
+            <a:t>4.2. Personal</a:t>
           </a:r>
           <a:endParaRPr lang="es-ES" dirty="0"/>
         </a:p>
       </dgm:t>
     </dgm:pt>
-    <dgm:pt modelId="{ACDCB4B0-FE3A-4189-B855-4AF36F6C0D74}" type="parTrans" cxnId="{4236410F-A92F-4C87-BF14-3DA943DADA64}">
+    <dgm:pt modelId="{7A8423F9-E18F-49C7-AF47-88948CD8E18D}" type="parTrans" cxnId="{E66A6DFA-838B-4265-BAE3-732A6B928409}">
       <dgm:prSet/>
       <dgm:spPr/>
       <dgm:t>
@@ -1756,7 +1739,7 @@
         </a:p>
       </dgm:t>
     </dgm:pt>
-    <dgm:pt modelId="{5C06A405-8210-48F4-A408-225051F39FBE}" type="sibTrans" cxnId="{4236410F-A92F-4C87-BF14-3DA943DADA64}">
+    <dgm:pt modelId="{A2AAA9C3-C9BC-414E-AD60-200EF2F1EFA3}" type="sibTrans" cxnId="{E66A6DFA-838B-4265-BAE3-732A6B928409}">
       <dgm:prSet/>
       <dgm:spPr/>
       <dgm:t>
@@ -1767,7 +1750,7 @@
         </a:p>
       </dgm:t>
     </dgm:pt>
-    <dgm:pt modelId="{6343E979-4FE4-4A70-B59E-3E22D3659816}">
+    <dgm:pt modelId="{90E52BB7-1EB0-47DC-82EE-28BBD13D64E9}">
       <dgm:prSet/>
       <dgm:spPr/>
       <dgm:t>
@@ -1775,14 +1758,14 @@
         <a:lstStyle/>
         <a:p>
           <a:r>
-            <a:rPr lang="es-ES_tradnl" dirty="0" smtClean="0"/>
-            <a:t>4.2. Personal</a:t>
+            <a:rPr lang="es-ES_tradnl" dirty="0"/>
+            <a:t>4.3 Documentación</a:t>
           </a:r>
           <a:endParaRPr lang="es-ES" dirty="0"/>
         </a:p>
       </dgm:t>
     </dgm:pt>
-    <dgm:pt modelId="{7A8423F9-E18F-49C7-AF47-88948CD8E18D}" type="parTrans" cxnId="{E66A6DFA-838B-4265-BAE3-732A6B928409}">
+    <dgm:pt modelId="{7B0BD396-2B46-40BD-AC76-2EF21EDDDC81}" type="parTrans" cxnId="{8BBAB2EF-486F-4C2D-8E6B-30F22B08CEDE}">
       <dgm:prSet/>
       <dgm:spPr/>
       <dgm:t>
@@ -1793,7 +1776,7 @@
         </a:p>
       </dgm:t>
     </dgm:pt>
-    <dgm:pt modelId="{A2AAA9C3-C9BC-414E-AD60-200EF2F1EFA3}" type="sibTrans" cxnId="{E66A6DFA-838B-4265-BAE3-732A6B928409}">
+    <dgm:pt modelId="{6C2204E5-3FD4-4E2D-A0D8-AA639C5B78BB}" type="sibTrans" cxnId="{8BBAB2EF-486F-4C2D-8E6B-30F22B08CEDE}">
       <dgm:prSet/>
       <dgm:spPr/>
       <dgm:t>
@@ -1804,7 +1787,7 @@
         </a:p>
       </dgm:t>
     </dgm:pt>
-    <dgm:pt modelId="{90E52BB7-1EB0-47DC-82EE-28BBD13D64E9}">
+    <dgm:pt modelId="{65164E71-4DD3-40F1-A30B-EC613D040542}">
       <dgm:prSet/>
       <dgm:spPr/>
       <dgm:t>
@@ -1812,14 +1795,14 @@
         <a:lstStyle/>
         <a:p>
           <a:r>
-            <a:rPr lang="es-ES_tradnl" dirty="0" smtClean="0"/>
-            <a:t>4.3 Certificación</a:t>
+            <a:rPr lang="es-ES_tradnl" dirty="0"/>
+            <a:t>4.4 Certificación</a:t>
           </a:r>
           <a:endParaRPr lang="es-ES" dirty="0"/>
         </a:p>
       </dgm:t>
     </dgm:pt>
-    <dgm:pt modelId="{7B0BD396-2B46-40BD-AC76-2EF21EDDDC81}" type="parTrans" cxnId="{8BBAB2EF-486F-4C2D-8E6B-30F22B08CEDE}">
+    <dgm:pt modelId="{602223CB-CFD7-40C2-91FA-E4E1E82D12F8}" type="parTrans" cxnId="{CA998EDF-D1EC-4F21-BC02-F8E5D809124E}">
       <dgm:prSet/>
       <dgm:spPr/>
       <dgm:t>
@@ -1830,7 +1813,7 @@
         </a:p>
       </dgm:t>
     </dgm:pt>
-    <dgm:pt modelId="{6C2204E5-3FD4-4E2D-A0D8-AA639C5B78BB}" type="sibTrans" cxnId="{8BBAB2EF-486F-4C2D-8E6B-30F22B08CEDE}">
+    <dgm:pt modelId="{21CD02D9-E652-489A-8BF4-F425E3CF6D26}" type="sibTrans" cxnId="{CA998EDF-D1EC-4F21-BC02-F8E5D809124E}">
       <dgm:prSet/>
       <dgm:spPr/>
       <dgm:t>
@@ -1841,7 +1824,7 @@
         </a:p>
       </dgm:t>
     </dgm:pt>
-    <dgm:pt modelId="{65164E71-4DD3-40F1-A30B-EC613D040542}">
+    <dgm:pt modelId="{64108CB1-DB75-4E6C-B114-0F078EBFAA65}">
       <dgm:prSet/>
       <dgm:spPr/>
       <dgm:t>
@@ -1849,18 +1832,14 @@
         <a:lstStyle/>
         <a:p>
           <a:r>
-            <a:rPr lang="es-ES_tradnl" dirty="0" smtClean="0"/>
-            <a:t>4.4 Documentación </a:t>
-          </a:r>
-          <a:r>
             <a:rPr lang="es-ES_tradnl" dirty="0"/>
-            <a:t>de formación</a:t>
+            <a:t>5.1. Integración en muestra</a:t>
           </a:r>
           <a:endParaRPr lang="es-ES" dirty="0"/>
         </a:p>
       </dgm:t>
     </dgm:pt>
-    <dgm:pt modelId="{602223CB-CFD7-40C2-91FA-E4E1E82D12F8}" type="parTrans" cxnId="{CA998EDF-D1EC-4F21-BC02-F8E5D809124E}">
+    <dgm:pt modelId="{4672E1E4-8BCB-4F8A-9715-DD03D099E9B8}" type="parTrans" cxnId="{8F9BFC49-62BA-4DBB-A4FA-FDF3587EA851}">
       <dgm:prSet/>
       <dgm:spPr/>
       <dgm:t>
@@ -1871,7 +1850,7 @@
         </a:p>
       </dgm:t>
     </dgm:pt>
-    <dgm:pt modelId="{21CD02D9-E652-489A-8BF4-F425E3CF6D26}" type="sibTrans" cxnId="{CA998EDF-D1EC-4F21-BC02-F8E5D809124E}">
+    <dgm:pt modelId="{926064D3-9C23-498F-82E9-95C446588308}" type="sibTrans" cxnId="{8F9BFC49-62BA-4DBB-A4FA-FDF3587EA851}">
       <dgm:prSet/>
       <dgm:spPr/>
       <dgm:t>
@@ -1882,7 +1861,7 @@
         </a:p>
       </dgm:t>
     </dgm:pt>
-    <dgm:pt modelId="{64108CB1-DB75-4E6C-B114-0F078EBFAA65}">
+    <dgm:pt modelId="{210E38F1-6443-4897-BC67-3DC469B10B3A}">
       <dgm:prSet/>
       <dgm:spPr/>
       <dgm:t>
@@ -1890,18 +1869,14 @@
         <a:lstStyle/>
         <a:p>
           <a:r>
-            <a:rPr lang="es-ES_tradnl" dirty="0" smtClean="0"/>
-            <a:t>5.1. Integración </a:t>
-          </a:r>
-          <a:r>
             <a:rPr lang="es-ES_tradnl" dirty="0"/>
-            <a:t>en muestra</a:t>
+            <a:t>5.2. Obtención de resultados</a:t>
           </a:r>
           <a:endParaRPr lang="es-ES" dirty="0"/>
         </a:p>
       </dgm:t>
     </dgm:pt>
-    <dgm:pt modelId="{4672E1E4-8BCB-4F8A-9715-DD03D099E9B8}" type="parTrans" cxnId="{8F9BFC49-62BA-4DBB-A4FA-FDF3587EA851}">
+    <dgm:pt modelId="{658605B8-67B6-4965-9219-87AD07A2BD57}" type="parTrans" cxnId="{6193E151-7B4B-421D-8E3E-D3E6FEF0B0BC}">
       <dgm:prSet/>
       <dgm:spPr/>
       <dgm:t>
@@ -1912,7 +1887,7 @@
         </a:p>
       </dgm:t>
     </dgm:pt>
-    <dgm:pt modelId="{926064D3-9C23-498F-82E9-95C446588308}" type="sibTrans" cxnId="{8F9BFC49-62BA-4DBB-A4FA-FDF3587EA851}">
+    <dgm:pt modelId="{0132DBF9-A877-41CA-AAEC-9BACB1A6367E}" type="sibTrans" cxnId="{6193E151-7B4B-421D-8E3E-D3E6FEF0B0BC}">
       <dgm:prSet/>
       <dgm:spPr/>
       <dgm:t>
@@ -1923,7 +1898,7 @@
         </a:p>
       </dgm:t>
     </dgm:pt>
-    <dgm:pt modelId="{210E38F1-6443-4897-BC67-3DC469B10B3A}">
+    <dgm:pt modelId="{E195E9F6-7564-48BE-A20F-8E15DF27D81A}">
       <dgm:prSet/>
       <dgm:spPr/>
       <dgm:t>
@@ -1931,18 +1906,14 @@
         <a:lstStyle/>
         <a:p>
           <a:r>
-            <a:rPr lang="es-ES_tradnl" dirty="0" smtClean="0"/>
-            <a:t>5.2. Obtención </a:t>
-          </a:r>
-          <a:r>
             <a:rPr lang="es-ES_tradnl" dirty="0"/>
-            <a:t>de resultados</a:t>
+            <a:t>5.3. Validación de resultados</a:t>
           </a:r>
           <a:endParaRPr lang="es-ES" dirty="0"/>
         </a:p>
       </dgm:t>
     </dgm:pt>
-    <dgm:pt modelId="{658605B8-67B6-4965-9219-87AD07A2BD57}" type="parTrans" cxnId="{6193E151-7B4B-421D-8E3E-D3E6FEF0B0BC}">
+    <dgm:pt modelId="{D0F8BDB2-13EF-4738-B074-310F7068418D}" type="parTrans" cxnId="{B822AFDD-53D7-4668-990A-0FC76370D21F}">
       <dgm:prSet/>
       <dgm:spPr/>
       <dgm:t>
@@ -1953,7 +1924,7 @@
         </a:p>
       </dgm:t>
     </dgm:pt>
-    <dgm:pt modelId="{0132DBF9-A877-41CA-AAEC-9BACB1A6367E}" type="sibTrans" cxnId="{6193E151-7B4B-421D-8E3E-D3E6FEF0B0BC}">
+    <dgm:pt modelId="{4A84E83F-0A4E-451D-B074-37C705FAC49A}" type="sibTrans" cxnId="{B822AFDD-53D7-4668-990A-0FC76370D21F}">
       <dgm:prSet/>
       <dgm:spPr/>
       <dgm:t>
@@ -1964,7 +1935,7 @@
         </a:p>
       </dgm:t>
     </dgm:pt>
-    <dgm:pt modelId="{E195E9F6-7564-48BE-A20F-8E15DF27D81A}">
+    <dgm:pt modelId="{2B9145D1-EB7E-4900-B323-62729B920F30}">
       <dgm:prSet/>
       <dgm:spPr/>
       <dgm:t>
@@ -1972,18 +1943,14 @@
         <a:lstStyle/>
         <a:p>
           <a:r>
-            <a:rPr lang="es-ES_tradnl" dirty="0" smtClean="0"/>
-            <a:t>5.3. Validación </a:t>
-          </a:r>
-          <a:r>
             <a:rPr lang="es-ES_tradnl" dirty="0"/>
-            <a:t>de resultados</a:t>
+            <a:t>6.2. Documentación</a:t>
           </a:r>
           <a:endParaRPr lang="es-ES" dirty="0"/>
         </a:p>
       </dgm:t>
     </dgm:pt>
-    <dgm:pt modelId="{D0F8BDB2-13EF-4738-B074-310F7068418D}" type="parTrans" cxnId="{B822AFDD-53D7-4668-990A-0FC76370D21F}">
+    <dgm:pt modelId="{5A1392F2-9813-4C0C-9524-55F25A946D72}" type="parTrans" cxnId="{E9FD1272-E01D-4880-BFDE-9A1AAA5292D5}">
       <dgm:prSet/>
       <dgm:spPr/>
       <dgm:t>
@@ -1994,7 +1961,7 @@
         </a:p>
       </dgm:t>
     </dgm:pt>
-    <dgm:pt modelId="{4A84E83F-0A4E-451D-B074-37C705FAC49A}" type="sibTrans" cxnId="{B822AFDD-53D7-4668-990A-0FC76370D21F}">
+    <dgm:pt modelId="{FE9D72FD-6015-4C6F-8761-506C30B7F8B6}" type="sibTrans" cxnId="{E9FD1272-E01D-4880-BFDE-9A1AAA5292D5}">
       <dgm:prSet/>
       <dgm:spPr/>
       <dgm:t>
@@ -2005,7 +1972,7 @@
         </a:p>
       </dgm:t>
     </dgm:pt>
-    <dgm:pt modelId="{2B9145D1-EB7E-4900-B323-62729B920F30}">
+    <dgm:pt modelId="{818A50AE-2897-4A8A-A2D4-C798E3839759}">
       <dgm:prSet/>
       <dgm:spPr/>
       <dgm:t>
@@ -2013,14 +1980,14 @@
         <a:lstStyle/>
         <a:p>
           <a:r>
-            <a:rPr lang="es-ES_tradnl" dirty="0" smtClean="0"/>
-            <a:t>6.2. Documentación</a:t>
+            <a:rPr lang="es-ES_tradnl" dirty="0"/>
+            <a:t>1.2. Requerimientos no funcionales</a:t>
           </a:r>
           <a:endParaRPr lang="es-ES" dirty="0"/>
         </a:p>
       </dgm:t>
     </dgm:pt>
-    <dgm:pt modelId="{5A1392F2-9813-4C0C-9524-55F25A946D72}" type="parTrans" cxnId="{E9FD1272-E01D-4880-BFDE-9A1AAA5292D5}">
+    <dgm:pt modelId="{C0AF5DF9-2ED6-42D3-8F8C-F06FCA8338A2}" type="sibTrans" cxnId="{5C8AD39E-048A-4F0B-A4E5-8E7E28CD4E8E}">
       <dgm:prSet/>
       <dgm:spPr/>
       <dgm:t>
@@ -2031,7 +1998,7 @@
         </a:p>
       </dgm:t>
     </dgm:pt>
-    <dgm:pt modelId="{FE9D72FD-6015-4C6F-8761-506C30B7F8B6}" type="sibTrans" cxnId="{E9FD1272-E01D-4880-BFDE-9A1AAA5292D5}">
+    <dgm:pt modelId="{6E64CD67-6FB7-4233-986F-C1A61F90D25C}" type="parTrans" cxnId="{5C8AD39E-048A-4F0B-A4E5-8E7E28CD4E8E}">
       <dgm:prSet/>
       <dgm:spPr/>
       <dgm:t>
@@ -2039,6 +2006,42 @@
         <a:lstStyle/>
         <a:p>
           <a:endParaRPr lang="es-ES"/>
+        </a:p>
+      </dgm:t>
+    </dgm:pt>
+    <dgm:pt modelId="{EAF0C93C-99EC-4761-A238-EDB38940DB5B}">
+      <dgm:prSet/>
+      <dgm:spPr/>
+      <dgm:t>
+        <a:bodyPr/>
+        <a:lstStyle/>
+        <a:p>
+          <a:r>
+            <a:rPr lang="es-ES_tradnl" dirty="0"/>
+            <a:t>1.6 Identificación de Interesados</a:t>
+          </a:r>
+        </a:p>
+      </dgm:t>
+    </dgm:pt>
+    <dgm:pt modelId="{DF2F3A9E-C911-49B0-8EFA-E8DD45E8BB46}" type="parTrans" cxnId="{C224C23D-C824-4668-AC04-7957B683F5F3}">
+      <dgm:prSet/>
+      <dgm:spPr/>
+      <dgm:t>
+        <a:bodyPr/>
+        <a:lstStyle/>
+        <a:p>
+          <a:endParaRPr lang="es-ES_tradnl"/>
+        </a:p>
+      </dgm:t>
+    </dgm:pt>
+    <dgm:pt modelId="{3E27A8CB-92C0-471A-9570-F3E8EDE556AE}" type="sibTrans" cxnId="{C224C23D-C824-4668-AC04-7957B683F5F3}">
+      <dgm:prSet/>
+      <dgm:spPr/>
+      <dgm:t>
+        <a:bodyPr/>
+        <a:lstStyle/>
+        <a:p>
+          <a:endParaRPr lang="es-ES_tradnl"/>
         </a:p>
       </dgm:t>
     </dgm:pt>
@@ -2053,24 +2056,10 @@
         </dgm:presLayoutVars>
       </dgm:prSet>
       <dgm:spPr/>
-      <dgm:t>
-        <a:bodyPr/>
-        <a:lstStyle/>
-        <a:p>
-          <a:endParaRPr lang="es-ES"/>
-        </a:p>
-      </dgm:t>
     </dgm:pt>
     <dgm:pt modelId="{F042D168-04ED-406A-BCDD-96683E332C13}" type="pres">
       <dgm:prSet presAssocID="{664B246F-00B5-4610-86EB-ACE0B8B7FA38}" presName="hierFlow" presStyleCnt="0"/>
       <dgm:spPr/>
-      <dgm:t>
-        <a:bodyPr/>
-        <a:lstStyle/>
-        <a:p>
-          <a:endParaRPr lang="es-ES"/>
-        </a:p>
-      </dgm:t>
     </dgm:pt>
     <dgm:pt modelId="{7FFCBE30-6850-4976-A6ED-5C6F49188539}" type="pres">
       <dgm:prSet presAssocID="{664B246F-00B5-4610-86EB-ACE0B8B7FA38}" presName="hierChild1" presStyleCnt="0">
@@ -2081,24 +2070,10 @@
         </dgm:presLayoutVars>
       </dgm:prSet>
       <dgm:spPr/>
-      <dgm:t>
-        <a:bodyPr/>
-        <a:lstStyle/>
-        <a:p>
-          <a:endParaRPr lang="es-ES"/>
-        </a:p>
-      </dgm:t>
     </dgm:pt>
     <dgm:pt modelId="{E2405E1B-AD31-4EB2-A052-20046520C88A}" type="pres">
       <dgm:prSet presAssocID="{984E7E1A-DD08-4E2E-A546-5DAB66C40362}" presName="Name14" presStyleCnt="0"/>
       <dgm:spPr/>
-      <dgm:t>
-        <a:bodyPr/>
-        <a:lstStyle/>
-        <a:p>
-          <a:endParaRPr lang="es-ES"/>
-        </a:p>
-      </dgm:t>
     </dgm:pt>
     <dgm:pt modelId="{AA34BBA1-AEFC-405E-88F0-054659A90B63}" type="pres">
       <dgm:prSet presAssocID="{984E7E1A-DD08-4E2E-A546-5DAB66C40362}" presName="level1Shape" presStyleLbl="node0" presStyleIdx="0" presStyleCnt="1">
@@ -2107,1263 +2082,533 @@
         </dgm:presLayoutVars>
       </dgm:prSet>
       <dgm:spPr/>
-      <dgm:t>
-        <a:bodyPr/>
-        <a:lstStyle/>
-        <a:p>
-          <a:endParaRPr lang="es-ES"/>
-        </a:p>
-      </dgm:t>
     </dgm:pt>
     <dgm:pt modelId="{1310C93A-257F-43F9-9C19-53032BA77C1A}" type="pres">
       <dgm:prSet presAssocID="{984E7E1A-DD08-4E2E-A546-5DAB66C40362}" presName="hierChild2" presStyleCnt="0"/>
       <dgm:spPr/>
-      <dgm:t>
-        <a:bodyPr/>
-        <a:lstStyle/>
-        <a:p>
-          <a:endParaRPr lang="es-ES"/>
-        </a:p>
-      </dgm:t>
     </dgm:pt>
     <dgm:pt modelId="{ECE94489-582E-4D24-A60B-70DA935857A8}" type="pres">
       <dgm:prSet presAssocID="{EBD4D5EB-965D-43EB-B803-B2DBA1A47692}" presName="Name19" presStyleLbl="parChTrans1D2" presStyleIdx="0" presStyleCnt="6"/>
       <dgm:spPr/>
-      <dgm:t>
-        <a:bodyPr/>
-        <a:lstStyle/>
-        <a:p>
-          <a:endParaRPr lang="es-ES"/>
-        </a:p>
-      </dgm:t>
     </dgm:pt>
     <dgm:pt modelId="{5F312DF0-B144-46EF-80A8-6149129CD48F}" type="pres">
       <dgm:prSet presAssocID="{8D053341-47DE-4A56-8DB5-F4344314674C}" presName="Name21" presStyleCnt="0"/>
       <dgm:spPr/>
-      <dgm:t>
-        <a:bodyPr/>
-        <a:lstStyle/>
-        <a:p>
-          <a:endParaRPr lang="es-ES"/>
-        </a:p>
-      </dgm:t>
     </dgm:pt>
     <dgm:pt modelId="{B6589975-B071-491E-8570-70970CA1F480}" type="pres">
       <dgm:prSet presAssocID="{8D053341-47DE-4A56-8DB5-F4344314674C}" presName="level2Shape" presStyleLbl="node2" presStyleIdx="0" presStyleCnt="6"/>
       <dgm:spPr/>
-      <dgm:t>
-        <a:bodyPr/>
-        <a:lstStyle/>
-        <a:p>
-          <a:endParaRPr lang="es-ES"/>
-        </a:p>
-      </dgm:t>
     </dgm:pt>
     <dgm:pt modelId="{6ED74DED-473C-4A59-A8E8-4B4D6ADF5E5C}" type="pres">
       <dgm:prSet presAssocID="{8D053341-47DE-4A56-8DB5-F4344314674C}" presName="hierChild3" presStyleCnt="0"/>
       <dgm:spPr/>
-      <dgm:t>
-        <a:bodyPr/>
-        <a:lstStyle/>
-        <a:p>
-          <a:endParaRPr lang="es-ES"/>
-        </a:p>
-      </dgm:t>
     </dgm:pt>
     <dgm:pt modelId="{CD65A56E-BEB9-4A66-90D9-A9B1CD0B97DF}" type="pres">
       <dgm:prSet presAssocID="{DFFEDB4F-CB16-440A-AC1A-1DC7D4CDB94A}" presName="Name19" presStyleLbl="parChTrans1D3" presStyleIdx="0" presStyleCnt="6"/>
       <dgm:spPr/>
-      <dgm:t>
-        <a:bodyPr/>
-        <a:lstStyle/>
-        <a:p>
-          <a:endParaRPr lang="es-ES"/>
-        </a:p>
-      </dgm:t>
     </dgm:pt>
     <dgm:pt modelId="{3EE2DEFF-E970-4131-B36A-2F6424042DF4}" type="pres">
       <dgm:prSet presAssocID="{EFFA102A-5D82-49D3-A6E7-45C00C42107B}" presName="Name21" presStyleCnt="0"/>
       <dgm:spPr/>
-      <dgm:t>
-        <a:bodyPr/>
-        <a:lstStyle/>
-        <a:p>
-          <a:endParaRPr lang="es-ES"/>
-        </a:p>
-      </dgm:t>
     </dgm:pt>
     <dgm:pt modelId="{BCE69E19-3950-4634-98DB-22EACA842756}" type="pres">
       <dgm:prSet presAssocID="{EFFA102A-5D82-49D3-A6E7-45C00C42107B}" presName="level2Shape" presStyleLbl="node3" presStyleIdx="0" presStyleCnt="6"/>
       <dgm:spPr/>
-      <dgm:t>
-        <a:bodyPr/>
-        <a:lstStyle/>
-        <a:p>
-          <a:endParaRPr lang="es-ES"/>
-        </a:p>
-      </dgm:t>
     </dgm:pt>
     <dgm:pt modelId="{CC92A5DE-A111-4E5F-9584-E116B07E6C9A}" type="pres">
       <dgm:prSet presAssocID="{EFFA102A-5D82-49D3-A6E7-45C00C42107B}" presName="hierChild3" presStyleCnt="0"/>
       <dgm:spPr/>
-      <dgm:t>
-        <a:bodyPr/>
-        <a:lstStyle/>
-        <a:p>
-          <a:endParaRPr lang="es-ES"/>
-        </a:p>
-      </dgm:t>
     </dgm:pt>
     <dgm:pt modelId="{A181B12C-7C20-4BE9-8886-24DDE0080781}" type="pres">
-      <dgm:prSet presAssocID="{6E64CD67-6FB7-4233-986F-C1A61F90D25C}" presName="Name19" presStyleLbl="parChTrans1D4" presStyleIdx="0" presStyleCnt="14"/>
-      <dgm:spPr/>
-      <dgm:t>
-        <a:bodyPr/>
-        <a:lstStyle/>
-        <a:p>
-          <a:endParaRPr lang="es-ES"/>
-        </a:p>
-      </dgm:t>
+      <dgm:prSet presAssocID="{6E64CD67-6FB7-4233-986F-C1A61F90D25C}" presName="Name19" presStyleLbl="parChTrans1D4" presStyleIdx="0" presStyleCnt="15"/>
+      <dgm:spPr/>
     </dgm:pt>
     <dgm:pt modelId="{0105F6F2-5817-4FF1-AB62-D7013DF19AC5}" type="pres">
       <dgm:prSet presAssocID="{818A50AE-2897-4A8A-A2D4-C798E3839759}" presName="Name21" presStyleCnt="0"/>
       <dgm:spPr/>
-      <dgm:t>
-        <a:bodyPr/>
-        <a:lstStyle/>
-        <a:p>
-          <a:endParaRPr lang="es-ES"/>
-        </a:p>
-      </dgm:t>
     </dgm:pt>
     <dgm:pt modelId="{6A78302F-C42E-4BD7-B84C-CB25A3C0F412}" type="pres">
-      <dgm:prSet presAssocID="{818A50AE-2897-4A8A-A2D4-C798E3839759}" presName="level2Shape" presStyleLbl="node4" presStyleIdx="0" presStyleCnt="14"/>
-      <dgm:spPr/>
-      <dgm:t>
-        <a:bodyPr/>
-        <a:lstStyle/>
-        <a:p>
-          <a:endParaRPr lang="es-ES"/>
-        </a:p>
-      </dgm:t>
+      <dgm:prSet presAssocID="{818A50AE-2897-4A8A-A2D4-C798E3839759}" presName="level2Shape" presStyleLbl="node4" presStyleIdx="0" presStyleCnt="15"/>
+      <dgm:spPr/>
     </dgm:pt>
     <dgm:pt modelId="{DB340480-A83C-4660-BD91-76653F6A6971}" type="pres">
       <dgm:prSet presAssocID="{818A50AE-2897-4A8A-A2D4-C798E3839759}" presName="hierChild3" presStyleCnt="0"/>
       <dgm:spPr/>
-      <dgm:t>
-        <a:bodyPr/>
-        <a:lstStyle/>
-        <a:p>
-          <a:endParaRPr lang="es-ES"/>
-        </a:p>
-      </dgm:t>
     </dgm:pt>
     <dgm:pt modelId="{9B8E5F4D-3D7A-47D4-BEB1-7A4D761EC373}" type="pres">
-      <dgm:prSet presAssocID="{78A11304-B47B-426C-80D9-23F105284D80}" presName="Name19" presStyleLbl="parChTrans1D4" presStyleIdx="1" presStyleCnt="14"/>
-      <dgm:spPr/>
-      <dgm:t>
-        <a:bodyPr/>
-        <a:lstStyle/>
-        <a:p>
-          <a:endParaRPr lang="es-ES"/>
-        </a:p>
-      </dgm:t>
+      <dgm:prSet presAssocID="{78A11304-B47B-426C-80D9-23F105284D80}" presName="Name19" presStyleLbl="parChTrans1D4" presStyleIdx="1" presStyleCnt="15"/>
+      <dgm:spPr/>
     </dgm:pt>
     <dgm:pt modelId="{7A1FB452-FB2C-4721-A9BA-FE2A490FD508}" type="pres">
       <dgm:prSet presAssocID="{95F92B39-5BD1-41DA-921B-40270E333897}" presName="Name21" presStyleCnt="0"/>
       <dgm:spPr/>
-      <dgm:t>
-        <a:bodyPr/>
-        <a:lstStyle/>
-        <a:p>
-          <a:endParaRPr lang="es-ES"/>
-        </a:p>
-      </dgm:t>
     </dgm:pt>
     <dgm:pt modelId="{EA693939-0FD8-4332-A064-9C5C4989F6C3}" type="pres">
-      <dgm:prSet presAssocID="{95F92B39-5BD1-41DA-921B-40270E333897}" presName="level2Shape" presStyleLbl="node4" presStyleIdx="1" presStyleCnt="14"/>
-      <dgm:spPr/>
-      <dgm:t>
-        <a:bodyPr/>
-        <a:lstStyle/>
-        <a:p>
-          <a:endParaRPr lang="es-ES"/>
-        </a:p>
-      </dgm:t>
+      <dgm:prSet presAssocID="{95F92B39-5BD1-41DA-921B-40270E333897}" presName="level2Shape" presStyleLbl="node4" presStyleIdx="1" presStyleCnt="15"/>
+      <dgm:spPr/>
     </dgm:pt>
     <dgm:pt modelId="{CDB800C3-DCBF-42B3-8E7A-8A9E5EC43744}" type="pres">
       <dgm:prSet presAssocID="{95F92B39-5BD1-41DA-921B-40270E333897}" presName="hierChild3" presStyleCnt="0"/>
       <dgm:spPr/>
-      <dgm:t>
-        <a:bodyPr/>
-        <a:lstStyle/>
-        <a:p>
-          <a:endParaRPr lang="es-ES"/>
-        </a:p>
-      </dgm:t>
     </dgm:pt>
     <dgm:pt modelId="{439A7915-4019-4A23-8AAB-5EA84524E00E}" type="pres">
-      <dgm:prSet presAssocID="{51635E7D-94AB-42DB-A23F-6B9E2711ADB8}" presName="Name19" presStyleLbl="parChTrans1D4" presStyleIdx="2" presStyleCnt="14"/>
-      <dgm:spPr/>
-      <dgm:t>
-        <a:bodyPr/>
-        <a:lstStyle/>
-        <a:p>
-          <a:endParaRPr lang="es-ES"/>
-        </a:p>
-      </dgm:t>
+      <dgm:prSet presAssocID="{51635E7D-94AB-42DB-A23F-6B9E2711ADB8}" presName="Name19" presStyleLbl="parChTrans1D4" presStyleIdx="2" presStyleCnt="15"/>
+      <dgm:spPr/>
     </dgm:pt>
     <dgm:pt modelId="{D0B0546A-D532-4ACD-9D86-90216A7665A1}" type="pres">
       <dgm:prSet presAssocID="{595FCBCB-6F4C-41E0-9D57-CC8BC973C07C}" presName="Name21" presStyleCnt="0"/>
       <dgm:spPr/>
-      <dgm:t>
-        <a:bodyPr/>
-        <a:lstStyle/>
-        <a:p>
-          <a:endParaRPr lang="es-ES"/>
-        </a:p>
-      </dgm:t>
     </dgm:pt>
     <dgm:pt modelId="{2D6C4C6A-CE06-40A6-A211-64F15A14B0FC}" type="pres">
-      <dgm:prSet presAssocID="{595FCBCB-6F4C-41E0-9D57-CC8BC973C07C}" presName="level2Shape" presStyleLbl="node4" presStyleIdx="2" presStyleCnt="14"/>
-      <dgm:spPr/>
-      <dgm:t>
-        <a:bodyPr/>
-        <a:lstStyle/>
-        <a:p>
-          <a:endParaRPr lang="es-ES"/>
-        </a:p>
-      </dgm:t>
+      <dgm:prSet presAssocID="{595FCBCB-6F4C-41E0-9D57-CC8BC973C07C}" presName="level2Shape" presStyleLbl="node4" presStyleIdx="2" presStyleCnt="15"/>
+      <dgm:spPr/>
     </dgm:pt>
     <dgm:pt modelId="{760313C0-717F-4AE7-A5F2-574534105C44}" type="pres">
       <dgm:prSet presAssocID="{595FCBCB-6F4C-41E0-9D57-CC8BC973C07C}" presName="hierChild3" presStyleCnt="0"/>
       <dgm:spPr/>
-      <dgm:t>
-        <a:bodyPr/>
-        <a:lstStyle/>
-        <a:p>
-          <a:endParaRPr lang="es-ES"/>
-        </a:p>
-      </dgm:t>
     </dgm:pt>
     <dgm:pt modelId="{CF7FDC77-853E-4DFC-9828-0DC60053379E}" type="pres">
-      <dgm:prSet presAssocID="{55BF91F1-8371-43F3-B796-D886F4AEA607}" presName="Name19" presStyleLbl="parChTrans1D4" presStyleIdx="3" presStyleCnt="14"/>
-      <dgm:spPr/>
-      <dgm:t>
-        <a:bodyPr/>
-        <a:lstStyle/>
-        <a:p>
-          <a:endParaRPr lang="es-ES"/>
-        </a:p>
-      </dgm:t>
+      <dgm:prSet presAssocID="{55BF91F1-8371-43F3-B796-D886F4AEA607}" presName="Name19" presStyleLbl="parChTrans1D4" presStyleIdx="3" presStyleCnt="15"/>
+      <dgm:spPr/>
     </dgm:pt>
     <dgm:pt modelId="{5BD994D5-C433-4FE2-AB61-4264BFEF7809}" type="pres">
       <dgm:prSet presAssocID="{7B8C88F9-23A6-428A-9D84-EE8685A0B867}" presName="Name21" presStyleCnt="0"/>
       <dgm:spPr/>
-      <dgm:t>
-        <a:bodyPr/>
-        <a:lstStyle/>
-        <a:p>
-          <a:endParaRPr lang="es-ES"/>
-        </a:p>
-      </dgm:t>
     </dgm:pt>
     <dgm:pt modelId="{7B17D095-05F0-4567-ACF5-DAE1C7F71050}" type="pres">
-      <dgm:prSet presAssocID="{7B8C88F9-23A6-428A-9D84-EE8685A0B867}" presName="level2Shape" presStyleLbl="node4" presStyleIdx="3" presStyleCnt="14"/>
-      <dgm:spPr/>
-      <dgm:t>
-        <a:bodyPr/>
-        <a:lstStyle/>
-        <a:p>
-          <a:endParaRPr lang="es-ES"/>
-        </a:p>
-      </dgm:t>
+      <dgm:prSet presAssocID="{7B8C88F9-23A6-428A-9D84-EE8685A0B867}" presName="level2Shape" presStyleLbl="node4" presStyleIdx="3" presStyleCnt="15"/>
+      <dgm:spPr/>
     </dgm:pt>
     <dgm:pt modelId="{90EFF611-D625-4166-8403-F0F91E00F887}" type="pres">
       <dgm:prSet presAssocID="{7B8C88F9-23A6-428A-9D84-EE8685A0B867}" presName="hierChild3" presStyleCnt="0"/>
       <dgm:spPr/>
-      <dgm:t>
-        <a:bodyPr/>
-        <a:lstStyle/>
-        <a:p>
-          <a:endParaRPr lang="es-ES"/>
-        </a:p>
-      </dgm:t>
+    </dgm:pt>
+    <dgm:pt modelId="{1BEB3F5D-527E-4392-A984-BA9906967D01}" type="pres">
+      <dgm:prSet presAssocID="{DF2F3A9E-C911-49B0-8EFA-E8DD45E8BB46}" presName="Name19" presStyleLbl="parChTrans1D4" presStyleIdx="4" presStyleCnt="15"/>
+      <dgm:spPr/>
+    </dgm:pt>
+    <dgm:pt modelId="{03025104-540D-4BA6-9A3D-EA09C36727C9}" type="pres">
+      <dgm:prSet presAssocID="{EAF0C93C-99EC-4761-A238-EDB38940DB5B}" presName="Name21" presStyleCnt="0"/>
+      <dgm:spPr/>
+    </dgm:pt>
+    <dgm:pt modelId="{149DFA66-F11C-4DFF-BDBE-E00AC7EA378B}" type="pres">
+      <dgm:prSet presAssocID="{EAF0C93C-99EC-4761-A238-EDB38940DB5B}" presName="level2Shape" presStyleLbl="node4" presStyleIdx="4" presStyleCnt="15"/>
+      <dgm:spPr/>
+    </dgm:pt>
+    <dgm:pt modelId="{360CDA88-C970-408D-858E-968CC4642C27}" type="pres">
+      <dgm:prSet presAssocID="{EAF0C93C-99EC-4761-A238-EDB38940DB5B}" presName="hierChild3" presStyleCnt="0"/>
+      <dgm:spPr/>
     </dgm:pt>
     <dgm:pt modelId="{61106BEE-8394-41F9-A438-4FF037DCC549}" type="pres">
       <dgm:prSet presAssocID="{4CC81563-AFF2-44A9-B9B0-EF1C87661122}" presName="Name19" presStyleLbl="parChTrans1D2" presStyleIdx="1" presStyleCnt="6"/>
       <dgm:spPr/>
-      <dgm:t>
-        <a:bodyPr/>
-        <a:lstStyle/>
-        <a:p>
-          <a:endParaRPr lang="es-ES"/>
-        </a:p>
-      </dgm:t>
     </dgm:pt>
     <dgm:pt modelId="{A905BD00-D3F3-4827-A249-E4CC3BEC9E1E}" type="pres">
       <dgm:prSet presAssocID="{8FAE6191-0821-4960-BC96-F58E46C703A9}" presName="Name21" presStyleCnt="0"/>
       <dgm:spPr/>
-      <dgm:t>
-        <a:bodyPr/>
-        <a:lstStyle/>
-        <a:p>
-          <a:endParaRPr lang="es-ES"/>
-        </a:p>
-      </dgm:t>
     </dgm:pt>
     <dgm:pt modelId="{98829285-C359-4558-A8AB-ED49C5195838}" type="pres">
       <dgm:prSet presAssocID="{8FAE6191-0821-4960-BC96-F58E46C703A9}" presName="level2Shape" presStyleLbl="node2" presStyleIdx="1" presStyleCnt="6"/>
       <dgm:spPr/>
-      <dgm:t>
-        <a:bodyPr/>
-        <a:lstStyle/>
-        <a:p>
-          <a:endParaRPr lang="es-ES"/>
-        </a:p>
-      </dgm:t>
     </dgm:pt>
     <dgm:pt modelId="{C79E3FC8-6FFA-4104-9274-2CE789AF8770}" type="pres">
       <dgm:prSet presAssocID="{8FAE6191-0821-4960-BC96-F58E46C703A9}" presName="hierChild3" presStyleCnt="0"/>
       <dgm:spPr/>
-      <dgm:t>
-        <a:bodyPr/>
-        <a:lstStyle/>
-        <a:p>
-          <a:endParaRPr lang="es-ES"/>
-        </a:p>
-      </dgm:t>
     </dgm:pt>
     <dgm:pt modelId="{9B20D733-63A4-4B62-A174-9E852702C56C}" type="pres">
       <dgm:prSet presAssocID="{845F5D8C-040E-4743-ACA2-252EB4E11E64}" presName="Name19" presStyleLbl="parChTrans1D3" presStyleIdx="1" presStyleCnt="6"/>
       <dgm:spPr/>
-      <dgm:t>
-        <a:bodyPr/>
-        <a:lstStyle/>
-        <a:p>
-          <a:endParaRPr lang="es-ES"/>
-        </a:p>
-      </dgm:t>
     </dgm:pt>
     <dgm:pt modelId="{0A780892-20FA-4CAE-B5A0-9EB90BE4DDCC}" type="pres">
       <dgm:prSet presAssocID="{22D68CCB-4BEE-4732-BA18-145918E71689}" presName="Name21" presStyleCnt="0"/>
       <dgm:spPr/>
-      <dgm:t>
-        <a:bodyPr/>
-        <a:lstStyle/>
-        <a:p>
-          <a:endParaRPr lang="es-ES"/>
-        </a:p>
-      </dgm:t>
     </dgm:pt>
     <dgm:pt modelId="{66711AFB-4282-4BD5-A024-70EEE22E8ED8}" type="pres">
       <dgm:prSet presAssocID="{22D68CCB-4BEE-4732-BA18-145918E71689}" presName="level2Shape" presStyleLbl="node3" presStyleIdx="1" presStyleCnt="6"/>
       <dgm:spPr/>
-      <dgm:t>
-        <a:bodyPr/>
-        <a:lstStyle/>
-        <a:p>
-          <a:endParaRPr lang="es-ES"/>
-        </a:p>
-      </dgm:t>
     </dgm:pt>
     <dgm:pt modelId="{2C2F2558-EE81-4BDE-8A7A-443008F126E3}" type="pres">
       <dgm:prSet presAssocID="{22D68CCB-4BEE-4732-BA18-145918E71689}" presName="hierChild3" presStyleCnt="0"/>
       <dgm:spPr/>
-      <dgm:t>
-        <a:bodyPr/>
-        <a:lstStyle/>
-        <a:p>
-          <a:endParaRPr lang="es-ES"/>
-        </a:p>
-      </dgm:t>
     </dgm:pt>
     <dgm:pt modelId="{FBEC95B0-C69A-4159-A230-69B97543DC08}" type="pres">
-      <dgm:prSet presAssocID="{6331599E-52B8-4A6C-B3A0-6191E729069E}" presName="Name19" presStyleLbl="parChTrans1D4" presStyleIdx="4" presStyleCnt="14"/>
-      <dgm:spPr/>
-      <dgm:t>
-        <a:bodyPr/>
-        <a:lstStyle/>
-        <a:p>
-          <a:endParaRPr lang="es-ES"/>
-        </a:p>
-      </dgm:t>
+      <dgm:prSet presAssocID="{6331599E-52B8-4A6C-B3A0-6191E729069E}" presName="Name19" presStyleLbl="parChTrans1D4" presStyleIdx="5" presStyleCnt="15"/>
+      <dgm:spPr/>
     </dgm:pt>
     <dgm:pt modelId="{583EE7A7-AB15-4E84-9056-1298A137DA59}" type="pres">
       <dgm:prSet presAssocID="{638D4A18-E8B7-45E5-8EAA-4C0D29849159}" presName="Name21" presStyleCnt="0"/>
       <dgm:spPr/>
-      <dgm:t>
-        <a:bodyPr/>
-        <a:lstStyle/>
-        <a:p>
-          <a:endParaRPr lang="es-ES"/>
-        </a:p>
-      </dgm:t>
     </dgm:pt>
     <dgm:pt modelId="{F1CD7CC0-9E0D-4303-82AE-D7A2B5AF17DB}" type="pres">
-      <dgm:prSet presAssocID="{638D4A18-E8B7-45E5-8EAA-4C0D29849159}" presName="level2Shape" presStyleLbl="node4" presStyleIdx="4" presStyleCnt="14"/>
-      <dgm:spPr/>
-      <dgm:t>
-        <a:bodyPr/>
-        <a:lstStyle/>
-        <a:p>
-          <a:endParaRPr lang="es-ES"/>
-        </a:p>
-      </dgm:t>
+      <dgm:prSet presAssocID="{638D4A18-E8B7-45E5-8EAA-4C0D29849159}" presName="level2Shape" presStyleLbl="node4" presStyleIdx="5" presStyleCnt="15"/>
+      <dgm:spPr/>
     </dgm:pt>
     <dgm:pt modelId="{9D18E0B5-D1B0-4C2C-9208-AE34251A3D41}" type="pres">
       <dgm:prSet presAssocID="{638D4A18-E8B7-45E5-8EAA-4C0D29849159}" presName="hierChild3" presStyleCnt="0"/>
       <dgm:spPr/>
-      <dgm:t>
-        <a:bodyPr/>
-        <a:lstStyle/>
-        <a:p>
-          <a:endParaRPr lang="es-ES"/>
-        </a:p>
-      </dgm:t>
     </dgm:pt>
     <dgm:pt modelId="{E16ADE93-99AF-45AE-A7EE-51F95CB0B46A}" type="pres">
-      <dgm:prSet presAssocID="{D4015DCB-90CE-418D-BA17-E20EB5979634}" presName="Name19" presStyleLbl="parChTrans1D4" presStyleIdx="5" presStyleCnt="14"/>
-      <dgm:spPr/>
-      <dgm:t>
-        <a:bodyPr/>
-        <a:lstStyle/>
-        <a:p>
-          <a:endParaRPr lang="es-ES"/>
-        </a:p>
-      </dgm:t>
+      <dgm:prSet presAssocID="{D4015DCB-90CE-418D-BA17-E20EB5979634}" presName="Name19" presStyleLbl="parChTrans1D4" presStyleIdx="6" presStyleCnt="15"/>
+      <dgm:spPr/>
     </dgm:pt>
     <dgm:pt modelId="{F9DCA430-5528-44F3-AD22-5D1130D7C8CE}" type="pres">
       <dgm:prSet presAssocID="{D692D1F3-8B04-4096-AA22-E14E93E2AD30}" presName="Name21" presStyleCnt="0"/>
       <dgm:spPr/>
-      <dgm:t>
-        <a:bodyPr/>
-        <a:lstStyle/>
-        <a:p>
-          <a:endParaRPr lang="es-ES"/>
-        </a:p>
-      </dgm:t>
     </dgm:pt>
     <dgm:pt modelId="{DBC340A0-3818-4944-BAC4-6FC41200E407}" type="pres">
-      <dgm:prSet presAssocID="{D692D1F3-8B04-4096-AA22-E14E93E2AD30}" presName="level2Shape" presStyleLbl="node4" presStyleIdx="5" presStyleCnt="14"/>
-      <dgm:spPr/>
-      <dgm:t>
-        <a:bodyPr/>
-        <a:lstStyle/>
-        <a:p>
-          <a:endParaRPr lang="es-ES"/>
-        </a:p>
-      </dgm:t>
+      <dgm:prSet presAssocID="{D692D1F3-8B04-4096-AA22-E14E93E2AD30}" presName="level2Shape" presStyleLbl="node4" presStyleIdx="6" presStyleCnt="15"/>
+      <dgm:spPr/>
     </dgm:pt>
     <dgm:pt modelId="{869B50F0-9FD0-4765-844E-562E1EB55596}" type="pres">
       <dgm:prSet presAssocID="{D692D1F3-8B04-4096-AA22-E14E93E2AD30}" presName="hierChild3" presStyleCnt="0"/>
       <dgm:spPr/>
-      <dgm:t>
-        <a:bodyPr/>
-        <a:lstStyle/>
-        <a:p>
-          <a:endParaRPr lang="es-ES"/>
-        </a:p>
-      </dgm:t>
     </dgm:pt>
     <dgm:pt modelId="{3E27615C-4EFE-4C20-92E5-F66765CC04DB}" type="pres">
-      <dgm:prSet presAssocID="{0B8E2C65-A4D7-4B41-A006-CAAA09EDACC5}" presName="Name19" presStyleLbl="parChTrans1D4" presStyleIdx="6" presStyleCnt="14"/>
-      <dgm:spPr/>
-      <dgm:t>
-        <a:bodyPr/>
-        <a:lstStyle/>
-        <a:p>
-          <a:endParaRPr lang="es-ES"/>
-        </a:p>
-      </dgm:t>
+      <dgm:prSet presAssocID="{0B8E2C65-A4D7-4B41-A006-CAAA09EDACC5}" presName="Name19" presStyleLbl="parChTrans1D4" presStyleIdx="7" presStyleCnt="15"/>
+      <dgm:spPr/>
     </dgm:pt>
     <dgm:pt modelId="{947C2A81-96B4-4538-A048-A7C54725EA18}" type="pres">
       <dgm:prSet presAssocID="{1CCEED45-57D7-4641-81C9-5908579CE245}" presName="Name21" presStyleCnt="0"/>
       <dgm:spPr/>
-      <dgm:t>
-        <a:bodyPr/>
-        <a:lstStyle/>
-        <a:p>
-          <a:endParaRPr lang="es-ES"/>
-        </a:p>
-      </dgm:t>
     </dgm:pt>
     <dgm:pt modelId="{51E35AD2-0735-436F-A82F-19F611F0258D}" type="pres">
-      <dgm:prSet presAssocID="{1CCEED45-57D7-4641-81C9-5908579CE245}" presName="level2Shape" presStyleLbl="node4" presStyleIdx="6" presStyleCnt="14"/>
-      <dgm:spPr/>
-      <dgm:t>
-        <a:bodyPr/>
-        <a:lstStyle/>
-        <a:p>
-          <a:endParaRPr lang="es-ES"/>
-        </a:p>
-      </dgm:t>
+      <dgm:prSet presAssocID="{1CCEED45-57D7-4641-81C9-5908579CE245}" presName="level2Shape" presStyleLbl="node4" presStyleIdx="7" presStyleCnt="15"/>
+      <dgm:spPr/>
     </dgm:pt>
     <dgm:pt modelId="{F7C8D71A-AB03-4A25-9FDF-E79865D25CE8}" type="pres">
       <dgm:prSet presAssocID="{1CCEED45-57D7-4641-81C9-5908579CE245}" presName="hierChild3" presStyleCnt="0"/>
       <dgm:spPr/>
-      <dgm:t>
-        <a:bodyPr/>
-        <a:lstStyle/>
-        <a:p>
-          <a:endParaRPr lang="es-ES"/>
-        </a:p>
-      </dgm:t>
     </dgm:pt>
     <dgm:pt modelId="{02AF57A5-5631-4829-8B1F-9F87C7E5BF9A}" type="pres">
       <dgm:prSet presAssocID="{8EBD0BB1-A983-499A-AFE0-A135C6D6EAF4}" presName="Name19" presStyleLbl="parChTrans1D2" presStyleIdx="2" presStyleCnt="6"/>
       <dgm:spPr/>
-      <dgm:t>
-        <a:bodyPr/>
-        <a:lstStyle/>
-        <a:p>
-          <a:endParaRPr lang="es-ES"/>
-        </a:p>
-      </dgm:t>
     </dgm:pt>
     <dgm:pt modelId="{9E80533F-1EE1-40B2-9B7E-67577DC38AE8}" type="pres">
       <dgm:prSet presAssocID="{46EFE5C5-7E26-4632-AB0D-CFDE009726AC}" presName="Name21" presStyleCnt="0"/>
       <dgm:spPr/>
-      <dgm:t>
-        <a:bodyPr/>
-        <a:lstStyle/>
-        <a:p>
-          <a:endParaRPr lang="es-ES"/>
-        </a:p>
-      </dgm:t>
     </dgm:pt>
     <dgm:pt modelId="{5B4C9849-DEB8-40B2-959E-E2FFC9C320FA}" type="pres">
       <dgm:prSet presAssocID="{46EFE5C5-7E26-4632-AB0D-CFDE009726AC}" presName="level2Shape" presStyleLbl="node2" presStyleIdx="2" presStyleCnt="6"/>
       <dgm:spPr/>
-      <dgm:t>
-        <a:bodyPr/>
-        <a:lstStyle/>
-        <a:p>
-          <a:endParaRPr lang="es-ES"/>
-        </a:p>
-      </dgm:t>
     </dgm:pt>
     <dgm:pt modelId="{5D0B2B23-C64F-440F-84A3-01FF45CFA593}" type="pres">
       <dgm:prSet presAssocID="{46EFE5C5-7E26-4632-AB0D-CFDE009726AC}" presName="hierChild3" presStyleCnt="0"/>
       <dgm:spPr/>
-      <dgm:t>
-        <a:bodyPr/>
-        <a:lstStyle/>
-        <a:p>
-          <a:endParaRPr lang="es-ES"/>
-        </a:p>
-      </dgm:t>
     </dgm:pt>
     <dgm:pt modelId="{F75CBFB9-BF0A-44D1-A33C-B79AA986F053}" type="pres">
       <dgm:prSet presAssocID="{39E7187F-BF44-4434-ABA8-1C914D1E277A}" presName="Name19" presStyleLbl="parChTrans1D3" presStyleIdx="2" presStyleCnt="6"/>
       <dgm:spPr/>
-      <dgm:t>
-        <a:bodyPr/>
-        <a:lstStyle/>
-        <a:p>
-          <a:endParaRPr lang="es-ES"/>
-        </a:p>
-      </dgm:t>
     </dgm:pt>
     <dgm:pt modelId="{67DE66BD-20EA-42E4-BA13-B22F5E9296A9}" type="pres">
       <dgm:prSet presAssocID="{C6E69E37-3961-44EE-94E9-D23872BEE4C9}" presName="Name21" presStyleCnt="0"/>
       <dgm:spPr/>
-      <dgm:t>
-        <a:bodyPr/>
-        <a:lstStyle/>
-        <a:p>
-          <a:endParaRPr lang="es-ES"/>
-        </a:p>
-      </dgm:t>
     </dgm:pt>
     <dgm:pt modelId="{A53AEAF4-DE63-41BC-865B-CDA9095339F1}" type="pres">
       <dgm:prSet presAssocID="{C6E69E37-3961-44EE-94E9-D23872BEE4C9}" presName="level2Shape" presStyleLbl="node3" presStyleIdx="2" presStyleCnt="6"/>
       <dgm:spPr/>
-      <dgm:t>
-        <a:bodyPr/>
-        <a:lstStyle/>
-        <a:p>
-          <a:endParaRPr lang="es-ES"/>
-        </a:p>
-      </dgm:t>
     </dgm:pt>
     <dgm:pt modelId="{F44AAF35-394F-47E3-8E27-174E41BB2B6D}" type="pres">
       <dgm:prSet presAssocID="{C6E69E37-3961-44EE-94E9-D23872BEE4C9}" presName="hierChild3" presStyleCnt="0"/>
       <dgm:spPr/>
-      <dgm:t>
-        <a:bodyPr/>
-        <a:lstStyle/>
-        <a:p>
-          <a:endParaRPr lang="es-ES"/>
-        </a:p>
-      </dgm:t>
     </dgm:pt>
     <dgm:pt modelId="{CA90F6F9-60A6-482D-9CEF-AA80F0D193AE}" type="pres">
-      <dgm:prSet presAssocID="{CA5091F9-074B-4255-B185-C09D0BE2BF7B}" presName="Name19" presStyleLbl="parChTrans1D4" presStyleIdx="7" presStyleCnt="14"/>
-      <dgm:spPr/>
-      <dgm:t>
-        <a:bodyPr/>
-        <a:lstStyle/>
-        <a:p>
-          <a:endParaRPr lang="es-ES"/>
-        </a:p>
-      </dgm:t>
+      <dgm:prSet presAssocID="{CA5091F9-074B-4255-B185-C09D0BE2BF7B}" presName="Name19" presStyleLbl="parChTrans1D4" presStyleIdx="8" presStyleCnt="15"/>
+      <dgm:spPr/>
     </dgm:pt>
     <dgm:pt modelId="{5E62636B-7A4A-4996-905D-FE6B0DAA9875}" type="pres">
       <dgm:prSet presAssocID="{DEA8DC5E-722E-4FFF-BA91-EA999F6AAE91}" presName="Name21" presStyleCnt="0"/>
       <dgm:spPr/>
-      <dgm:t>
-        <a:bodyPr/>
-        <a:lstStyle/>
-        <a:p>
-          <a:endParaRPr lang="es-ES"/>
-        </a:p>
-      </dgm:t>
     </dgm:pt>
     <dgm:pt modelId="{FAE55E79-8B96-4C0A-BE86-86E1DECB95C8}" type="pres">
-      <dgm:prSet presAssocID="{DEA8DC5E-722E-4FFF-BA91-EA999F6AAE91}" presName="level2Shape" presStyleLbl="node4" presStyleIdx="7" presStyleCnt="14"/>
-      <dgm:spPr/>
-      <dgm:t>
-        <a:bodyPr/>
-        <a:lstStyle/>
-        <a:p>
-          <a:endParaRPr lang="es-ES"/>
-        </a:p>
-      </dgm:t>
+      <dgm:prSet presAssocID="{DEA8DC5E-722E-4FFF-BA91-EA999F6AAE91}" presName="level2Shape" presStyleLbl="node4" presStyleIdx="8" presStyleCnt="15"/>
+      <dgm:spPr/>
     </dgm:pt>
     <dgm:pt modelId="{AD793D23-3C02-4A8E-A566-B2B63E9511E3}" type="pres">
       <dgm:prSet presAssocID="{DEA8DC5E-722E-4FFF-BA91-EA999F6AAE91}" presName="hierChild3" presStyleCnt="0"/>
       <dgm:spPr/>
-      <dgm:t>
-        <a:bodyPr/>
-        <a:lstStyle/>
-        <a:p>
-          <a:endParaRPr lang="es-ES"/>
-        </a:p>
-      </dgm:t>
     </dgm:pt>
     <dgm:pt modelId="{2DFB326B-B609-43F8-A763-08BEA677E07F}" type="pres">
       <dgm:prSet presAssocID="{84BE1630-6BEF-48BE-BEB4-441EA60AE7C5}" presName="Name19" presStyleLbl="parChTrans1D2" presStyleIdx="3" presStyleCnt="6"/>
       <dgm:spPr/>
-      <dgm:t>
-        <a:bodyPr/>
-        <a:lstStyle/>
-        <a:p>
-          <a:endParaRPr lang="es-ES"/>
-        </a:p>
-      </dgm:t>
     </dgm:pt>
     <dgm:pt modelId="{0E91A336-26C0-4988-8AFD-FD0ADA59622E}" type="pres">
       <dgm:prSet presAssocID="{FB132DEB-3EBB-4B7B-9E10-1EA28E437B0C}" presName="Name21" presStyleCnt="0"/>
       <dgm:spPr/>
-      <dgm:t>
-        <a:bodyPr/>
-        <a:lstStyle/>
-        <a:p>
-          <a:endParaRPr lang="es-ES"/>
-        </a:p>
-      </dgm:t>
     </dgm:pt>
     <dgm:pt modelId="{ED51B719-283F-4EED-B2CC-182439F80BA8}" type="pres">
       <dgm:prSet presAssocID="{FB132DEB-3EBB-4B7B-9E10-1EA28E437B0C}" presName="level2Shape" presStyleLbl="node2" presStyleIdx="3" presStyleCnt="6"/>
       <dgm:spPr/>
-      <dgm:t>
-        <a:bodyPr/>
-        <a:lstStyle/>
-        <a:p>
-          <a:endParaRPr lang="es-ES"/>
-        </a:p>
-      </dgm:t>
     </dgm:pt>
     <dgm:pt modelId="{E18409C6-6472-4325-82AD-0CFC42357F07}" type="pres">
       <dgm:prSet presAssocID="{FB132DEB-3EBB-4B7B-9E10-1EA28E437B0C}" presName="hierChild3" presStyleCnt="0"/>
       <dgm:spPr/>
-      <dgm:t>
-        <a:bodyPr/>
-        <a:lstStyle/>
-        <a:p>
-          <a:endParaRPr lang="es-ES"/>
-        </a:p>
-      </dgm:t>
     </dgm:pt>
     <dgm:pt modelId="{291C996E-0EB8-4C7C-A09D-BCD184B0D448}" type="pres">
       <dgm:prSet presAssocID="{ACDCB4B0-FE3A-4189-B855-4AF36F6C0D74}" presName="Name19" presStyleLbl="parChTrans1D3" presStyleIdx="3" presStyleCnt="6"/>
       <dgm:spPr/>
-      <dgm:t>
-        <a:bodyPr/>
-        <a:lstStyle/>
-        <a:p>
-          <a:endParaRPr lang="es-ES"/>
-        </a:p>
-      </dgm:t>
     </dgm:pt>
     <dgm:pt modelId="{C21A9BE0-E976-4A83-95BD-260F6B2B8B28}" type="pres">
       <dgm:prSet presAssocID="{142E7667-7801-477A-80B1-678DFCEE8B9B}" presName="Name21" presStyleCnt="0"/>
       <dgm:spPr/>
-      <dgm:t>
-        <a:bodyPr/>
-        <a:lstStyle/>
-        <a:p>
-          <a:endParaRPr lang="es-ES"/>
-        </a:p>
-      </dgm:t>
     </dgm:pt>
     <dgm:pt modelId="{FC12F369-519B-4055-B6C8-695637AC848E}" type="pres">
       <dgm:prSet presAssocID="{142E7667-7801-477A-80B1-678DFCEE8B9B}" presName="level2Shape" presStyleLbl="node3" presStyleIdx="3" presStyleCnt="6"/>
       <dgm:spPr/>
-      <dgm:t>
-        <a:bodyPr/>
-        <a:lstStyle/>
-        <a:p>
-          <a:endParaRPr lang="es-ES"/>
-        </a:p>
-      </dgm:t>
     </dgm:pt>
     <dgm:pt modelId="{B0462487-E286-448F-90A0-64B688911226}" type="pres">
       <dgm:prSet presAssocID="{142E7667-7801-477A-80B1-678DFCEE8B9B}" presName="hierChild3" presStyleCnt="0"/>
       <dgm:spPr/>
-      <dgm:t>
-        <a:bodyPr/>
-        <a:lstStyle/>
-        <a:p>
-          <a:endParaRPr lang="es-ES"/>
-        </a:p>
-      </dgm:t>
     </dgm:pt>
     <dgm:pt modelId="{D7F2430B-BCB5-408D-B434-E52E0A1944C0}" type="pres">
-      <dgm:prSet presAssocID="{7A8423F9-E18F-49C7-AF47-88948CD8E18D}" presName="Name19" presStyleLbl="parChTrans1D4" presStyleIdx="8" presStyleCnt="14"/>
-      <dgm:spPr/>
-      <dgm:t>
-        <a:bodyPr/>
-        <a:lstStyle/>
-        <a:p>
-          <a:endParaRPr lang="es-ES"/>
-        </a:p>
-      </dgm:t>
+      <dgm:prSet presAssocID="{7A8423F9-E18F-49C7-AF47-88948CD8E18D}" presName="Name19" presStyleLbl="parChTrans1D4" presStyleIdx="9" presStyleCnt="15"/>
+      <dgm:spPr/>
     </dgm:pt>
     <dgm:pt modelId="{5C8173AF-9672-4BF6-9AF5-834E599B74D0}" type="pres">
       <dgm:prSet presAssocID="{6343E979-4FE4-4A70-B59E-3E22D3659816}" presName="Name21" presStyleCnt="0"/>
       <dgm:spPr/>
-      <dgm:t>
-        <a:bodyPr/>
-        <a:lstStyle/>
-        <a:p>
-          <a:endParaRPr lang="es-ES"/>
-        </a:p>
-      </dgm:t>
     </dgm:pt>
     <dgm:pt modelId="{95C57D1B-15F4-4DDD-96A4-BFBFEA71B3BB}" type="pres">
-      <dgm:prSet presAssocID="{6343E979-4FE4-4A70-B59E-3E22D3659816}" presName="level2Shape" presStyleLbl="node4" presStyleIdx="8" presStyleCnt="14"/>
-      <dgm:spPr/>
-      <dgm:t>
-        <a:bodyPr/>
-        <a:lstStyle/>
-        <a:p>
-          <a:endParaRPr lang="es-ES"/>
-        </a:p>
-      </dgm:t>
+      <dgm:prSet presAssocID="{6343E979-4FE4-4A70-B59E-3E22D3659816}" presName="level2Shape" presStyleLbl="node4" presStyleIdx="9" presStyleCnt="15"/>
+      <dgm:spPr/>
     </dgm:pt>
     <dgm:pt modelId="{75A1DEC4-64BE-4286-9069-8CDFE3D2B551}" type="pres">
       <dgm:prSet presAssocID="{6343E979-4FE4-4A70-B59E-3E22D3659816}" presName="hierChild3" presStyleCnt="0"/>
       <dgm:spPr/>
-      <dgm:t>
-        <a:bodyPr/>
-        <a:lstStyle/>
-        <a:p>
-          <a:endParaRPr lang="es-ES"/>
-        </a:p>
-      </dgm:t>
     </dgm:pt>
     <dgm:pt modelId="{F3B7109E-FC5E-4032-9E48-7AE989930E7F}" type="pres">
-      <dgm:prSet presAssocID="{7B0BD396-2B46-40BD-AC76-2EF21EDDDC81}" presName="Name19" presStyleLbl="parChTrans1D4" presStyleIdx="9" presStyleCnt="14"/>
-      <dgm:spPr/>
-      <dgm:t>
-        <a:bodyPr/>
-        <a:lstStyle/>
-        <a:p>
-          <a:endParaRPr lang="es-ES"/>
-        </a:p>
-      </dgm:t>
+      <dgm:prSet presAssocID="{7B0BD396-2B46-40BD-AC76-2EF21EDDDC81}" presName="Name19" presStyleLbl="parChTrans1D4" presStyleIdx="10" presStyleCnt="15"/>
+      <dgm:spPr/>
     </dgm:pt>
     <dgm:pt modelId="{2B8B9E40-5DE3-4297-87BA-B7CEF8A0A728}" type="pres">
       <dgm:prSet presAssocID="{90E52BB7-1EB0-47DC-82EE-28BBD13D64E9}" presName="Name21" presStyleCnt="0"/>
       <dgm:spPr/>
-      <dgm:t>
-        <a:bodyPr/>
-        <a:lstStyle/>
-        <a:p>
-          <a:endParaRPr lang="es-ES"/>
-        </a:p>
-      </dgm:t>
     </dgm:pt>
     <dgm:pt modelId="{EF24AA40-32E7-44EE-B69D-486DD25DA9EB}" type="pres">
-      <dgm:prSet presAssocID="{90E52BB7-1EB0-47DC-82EE-28BBD13D64E9}" presName="level2Shape" presStyleLbl="node4" presStyleIdx="9" presStyleCnt="14"/>
-      <dgm:spPr/>
-      <dgm:t>
-        <a:bodyPr/>
-        <a:lstStyle/>
-        <a:p>
-          <a:endParaRPr lang="es-ES"/>
-        </a:p>
-      </dgm:t>
+      <dgm:prSet presAssocID="{90E52BB7-1EB0-47DC-82EE-28BBD13D64E9}" presName="level2Shape" presStyleLbl="node4" presStyleIdx="10" presStyleCnt="15"/>
+      <dgm:spPr/>
     </dgm:pt>
     <dgm:pt modelId="{2269E0C1-CD48-4A37-99AA-4353054B5DE3}" type="pres">
       <dgm:prSet presAssocID="{90E52BB7-1EB0-47DC-82EE-28BBD13D64E9}" presName="hierChild3" presStyleCnt="0"/>
       <dgm:spPr/>
-      <dgm:t>
-        <a:bodyPr/>
-        <a:lstStyle/>
-        <a:p>
-          <a:endParaRPr lang="es-ES"/>
-        </a:p>
-      </dgm:t>
     </dgm:pt>
     <dgm:pt modelId="{1B1B1F7A-7EF2-4ACB-B5C6-900D03138544}" type="pres">
-      <dgm:prSet presAssocID="{602223CB-CFD7-40C2-91FA-E4E1E82D12F8}" presName="Name19" presStyleLbl="parChTrans1D4" presStyleIdx="10" presStyleCnt="14"/>
-      <dgm:spPr/>
-      <dgm:t>
-        <a:bodyPr/>
-        <a:lstStyle/>
-        <a:p>
-          <a:endParaRPr lang="es-ES"/>
-        </a:p>
-      </dgm:t>
+      <dgm:prSet presAssocID="{602223CB-CFD7-40C2-91FA-E4E1E82D12F8}" presName="Name19" presStyleLbl="parChTrans1D4" presStyleIdx="11" presStyleCnt="15"/>
+      <dgm:spPr/>
     </dgm:pt>
     <dgm:pt modelId="{0282E576-4781-48E5-98C4-B2C8833E05C7}" type="pres">
       <dgm:prSet presAssocID="{65164E71-4DD3-40F1-A30B-EC613D040542}" presName="Name21" presStyleCnt="0"/>
       <dgm:spPr/>
-      <dgm:t>
-        <a:bodyPr/>
-        <a:lstStyle/>
-        <a:p>
-          <a:endParaRPr lang="es-ES"/>
-        </a:p>
-      </dgm:t>
     </dgm:pt>
     <dgm:pt modelId="{D96C27F6-8F1F-4C78-BC8B-2BA73823F3B2}" type="pres">
-      <dgm:prSet presAssocID="{65164E71-4DD3-40F1-A30B-EC613D040542}" presName="level2Shape" presStyleLbl="node4" presStyleIdx="10" presStyleCnt="14"/>
-      <dgm:spPr/>
-      <dgm:t>
-        <a:bodyPr/>
-        <a:lstStyle/>
-        <a:p>
-          <a:endParaRPr lang="es-ES"/>
-        </a:p>
-      </dgm:t>
+      <dgm:prSet presAssocID="{65164E71-4DD3-40F1-A30B-EC613D040542}" presName="level2Shape" presStyleLbl="node4" presStyleIdx="11" presStyleCnt="15"/>
+      <dgm:spPr/>
     </dgm:pt>
     <dgm:pt modelId="{FA67AF65-67DB-40B9-AC54-180B9D0EE6EC}" type="pres">
       <dgm:prSet presAssocID="{65164E71-4DD3-40F1-A30B-EC613D040542}" presName="hierChild3" presStyleCnt="0"/>
       <dgm:spPr/>
-      <dgm:t>
-        <a:bodyPr/>
-        <a:lstStyle/>
-        <a:p>
-          <a:endParaRPr lang="es-ES"/>
-        </a:p>
-      </dgm:t>
     </dgm:pt>
     <dgm:pt modelId="{F466743B-97CF-4FAA-9E07-3737C57455A5}" type="pres">
       <dgm:prSet presAssocID="{28EC855E-094C-4BED-9FB2-2C030C8FFA45}" presName="Name19" presStyleLbl="parChTrans1D2" presStyleIdx="4" presStyleCnt="6"/>
       <dgm:spPr/>
-      <dgm:t>
-        <a:bodyPr/>
-        <a:lstStyle/>
-        <a:p>
-          <a:endParaRPr lang="es-ES"/>
-        </a:p>
-      </dgm:t>
     </dgm:pt>
     <dgm:pt modelId="{910B1F4A-7546-445F-AEF0-7D9E58A38AE0}" type="pres">
       <dgm:prSet presAssocID="{6169ABB3-9EA3-4A97-9BDB-7BF1A5E8319C}" presName="Name21" presStyleCnt="0"/>
       <dgm:spPr/>
-      <dgm:t>
-        <a:bodyPr/>
-        <a:lstStyle/>
-        <a:p>
-          <a:endParaRPr lang="es-ES"/>
-        </a:p>
-      </dgm:t>
     </dgm:pt>
     <dgm:pt modelId="{A41A0699-52FD-4C1F-BA71-1940B09DFCB3}" type="pres">
       <dgm:prSet presAssocID="{6169ABB3-9EA3-4A97-9BDB-7BF1A5E8319C}" presName="level2Shape" presStyleLbl="node2" presStyleIdx="4" presStyleCnt="6"/>
       <dgm:spPr/>
-      <dgm:t>
-        <a:bodyPr/>
-        <a:lstStyle/>
-        <a:p>
-          <a:endParaRPr lang="es-ES"/>
-        </a:p>
-      </dgm:t>
     </dgm:pt>
     <dgm:pt modelId="{F2672B5B-774F-4E17-9064-11B64443A4B2}" type="pres">
       <dgm:prSet presAssocID="{6169ABB3-9EA3-4A97-9BDB-7BF1A5E8319C}" presName="hierChild3" presStyleCnt="0"/>
       <dgm:spPr/>
-      <dgm:t>
-        <a:bodyPr/>
-        <a:lstStyle/>
-        <a:p>
-          <a:endParaRPr lang="es-ES"/>
-        </a:p>
-      </dgm:t>
     </dgm:pt>
     <dgm:pt modelId="{7F4F1B5F-FC30-4418-B6B9-340A889AAB9A}" type="pres">
       <dgm:prSet presAssocID="{4672E1E4-8BCB-4F8A-9715-DD03D099E9B8}" presName="Name19" presStyleLbl="parChTrans1D3" presStyleIdx="4" presStyleCnt="6"/>
       <dgm:spPr/>
-      <dgm:t>
-        <a:bodyPr/>
-        <a:lstStyle/>
-        <a:p>
-          <a:endParaRPr lang="es-ES"/>
-        </a:p>
-      </dgm:t>
     </dgm:pt>
     <dgm:pt modelId="{B8E27EE2-3F57-4053-9C7E-C862359B5E62}" type="pres">
       <dgm:prSet presAssocID="{64108CB1-DB75-4E6C-B114-0F078EBFAA65}" presName="Name21" presStyleCnt="0"/>
       <dgm:spPr/>
-      <dgm:t>
-        <a:bodyPr/>
-        <a:lstStyle/>
-        <a:p>
-          <a:endParaRPr lang="es-ES"/>
-        </a:p>
-      </dgm:t>
     </dgm:pt>
     <dgm:pt modelId="{9E0003AA-36A8-4BDA-A4D5-AE9FD5909BC7}" type="pres">
       <dgm:prSet presAssocID="{64108CB1-DB75-4E6C-B114-0F078EBFAA65}" presName="level2Shape" presStyleLbl="node3" presStyleIdx="4" presStyleCnt="6"/>
       <dgm:spPr/>
-      <dgm:t>
-        <a:bodyPr/>
-        <a:lstStyle/>
-        <a:p>
-          <a:endParaRPr lang="es-ES"/>
-        </a:p>
-      </dgm:t>
     </dgm:pt>
     <dgm:pt modelId="{EE3406C2-0F9C-4D1C-ACA4-2C3C20DB7B05}" type="pres">
       <dgm:prSet presAssocID="{64108CB1-DB75-4E6C-B114-0F078EBFAA65}" presName="hierChild3" presStyleCnt="0"/>
       <dgm:spPr/>
-      <dgm:t>
-        <a:bodyPr/>
-        <a:lstStyle/>
-        <a:p>
-          <a:endParaRPr lang="es-ES"/>
-        </a:p>
-      </dgm:t>
     </dgm:pt>
     <dgm:pt modelId="{C7ECFBED-B4C0-49F9-8060-B5CF65818561}" type="pres">
-      <dgm:prSet presAssocID="{658605B8-67B6-4965-9219-87AD07A2BD57}" presName="Name19" presStyleLbl="parChTrans1D4" presStyleIdx="11" presStyleCnt="14"/>
-      <dgm:spPr/>
-      <dgm:t>
-        <a:bodyPr/>
-        <a:lstStyle/>
-        <a:p>
-          <a:endParaRPr lang="es-ES"/>
-        </a:p>
-      </dgm:t>
+      <dgm:prSet presAssocID="{658605B8-67B6-4965-9219-87AD07A2BD57}" presName="Name19" presStyleLbl="parChTrans1D4" presStyleIdx="12" presStyleCnt="15"/>
+      <dgm:spPr/>
     </dgm:pt>
     <dgm:pt modelId="{E084BBFE-2722-4C42-92DF-4A57675786AF}" type="pres">
       <dgm:prSet presAssocID="{210E38F1-6443-4897-BC67-3DC469B10B3A}" presName="Name21" presStyleCnt="0"/>
       <dgm:spPr/>
-      <dgm:t>
-        <a:bodyPr/>
-        <a:lstStyle/>
-        <a:p>
-          <a:endParaRPr lang="es-ES"/>
-        </a:p>
-      </dgm:t>
     </dgm:pt>
     <dgm:pt modelId="{88BF71CB-FA56-4717-8190-D58921A87BD4}" type="pres">
-      <dgm:prSet presAssocID="{210E38F1-6443-4897-BC67-3DC469B10B3A}" presName="level2Shape" presStyleLbl="node4" presStyleIdx="11" presStyleCnt="14"/>
-      <dgm:spPr/>
-      <dgm:t>
-        <a:bodyPr/>
-        <a:lstStyle/>
-        <a:p>
-          <a:endParaRPr lang="es-ES"/>
-        </a:p>
-      </dgm:t>
+      <dgm:prSet presAssocID="{210E38F1-6443-4897-BC67-3DC469B10B3A}" presName="level2Shape" presStyleLbl="node4" presStyleIdx="12" presStyleCnt="15"/>
+      <dgm:spPr/>
     </dgm:pt>
     <dgm:pt modelId="{4FBD2F03-0729-4C7D-80BB-89C15520BE60}" type="pres">
       <dgm:prSet presAssocID="{210E38F1-6443-4897-BC67-3DC469B10B3A}" presName="hierChild3" presStyleCnt="0"/>
       <dgm:spPr/>
-      <dgm:t>
-        <a:bodyPr/>
-        <a:lstStyle/>
-        <a:p>
-          <a:endParaRPr lang="es-ES"/>
-        </a:p>
-      </dgm:t>
     </dgm:pt>
     <dgm:pt modelId="{508D3B25-CBDB-434C-AECC-728B5C07BAD5}" type="pres">
-      <dgm:prSet presAssocID="{D0F8BDB2-13EF-4738-B074-310F7068418D}" presName="Name19" presStyleLbl="parChTrans1D4" presStyleIdx="12" presStyleCnt="14"/>
-      <dgm:spPr/>
-      <dgm:t>
-        <a:bodyPr/>
-        <a:lstStyle/>
-        <a:p>
-          <a:endParaRPr lang="es-ES"/>
-        </a:p>
-      </dgm:t>
+      <dgm:prSet presAssocID="{D0F8BDB2-13EF-4738-B074-310F7068418D}" presName="Name19" presStyleLbl="parChTrans1D4" presStyleIdx="13" presStyleCnt="15"/>
+      <dgm:spPr/>
     </dgm:pt>
     <dgm:pt modelId="{3E540AA3-5704-4090-A67D-865DF8D30698}" type="pres">
       <dgm:prSet presAssocID="{E195E9F6-7564-48BE-A20F-8E15DF27D81A}" presName="Name21" presStyleCnt="0"/>
       <dgm:spPr/>
-      <dgm:t>
-        <a:bodyPr/>
-        <a:lstStyle/>
-        <a:p>
-          <a:endParaRPr lang="es-ES"/>
-        </a:p>
-      </dgm:t>
     </dgm:pt>
     <dgm:pt modelId="{8F73F0A0-EB89-411D-B484-5DDA096E7375}" type="pres">
-      <dgm:prSet presAssocID="{E195E9F6-7564-48BE-A20F-8E15DF27D81A}" presName="level2Shape" presStyleLbl="node4" presStyleIdx="12" presStyleCnt="14"/>
-      <dgm:spPr/>
-      <dgm:t>
-        <a:bodyPr/>
-        <a:lstStyle/>
-        <a:p>
-          <a:endParaRPr lang="es-ES"/>
-        </a:p>
-      </dgm:t>
+      <dgm:prSet presAssocID="{E195E9F6-7564-48BE-A20F-8E15DF27D81A}" presName="level2Shape" presStyleLbl="node4" presStyleIdx="13" presStyleCnt="15"/>
+      <dgm:spPr/>
     </dgm:pt>
     <dgm:pt modelId="{B5A80A12-AD68-4B8E-AA02-DAB23B0EC808}" type="pres">
       <dgm:prSet presAssocID="{E195E9F6-7564-48BE-A20F-8E15DF27D81A}" presName="hierChild3" presStyleCnt="0"/>
       <dgm:spPr/>
-      <dgm:t>
-        <a:bodyPr/>
-        <a:lstStyle/>
-        <a:p>
-          <a:endParaRPr lang="es-ES"/>
-        </a:p>
-      </dgm:t>
     </dgm:pt>
     <dgm:pt modelId="{674FAE3C-400A-42DF-AF51-5FE9A33D05FF}" type="pres">
       <dgm:prSet presAssocID="{39401BF9-8334-48FD-97B1-B5FF75DD8ED7}" presName="Name19" presStyleLbl="parChTrans1D2" presStyleIdx="5" presStyleCnt="6"/>
       <dgm:spPr/>
-      <dgm:t>
-        <a:bodyPr/>
-        <a:lstStyle/>
-        <a:p>
-          <a:endParaRPr lang="es-ES"/>
-        </a:p>
-      </dgm:t>
     </dgm:pt>
     <dgm:pt modelId="{8470595E-4388-4A58-9637-586E180AD740}" type="pres">
       <dgm:prSet presAssocID="{F27108DA-E888-48DE-8C97-7FDC95CC2EF6}" presName="Name21" presStyleCnt="0"/>
       <dgm:spPr/>
-      <dgm:t>
-        <a:bodyPr/>
-        <a:lstStyle/>
-        <a:p>
-          <a:endParaRPr lang="es-ES"/>
-        </a:p>
-      </dgm:t>
     </dgm:pt>
     <dgm:pt modelId="{06FE7757-0221-4CB4-905F-C6A4BCBA3C71}" type="pres">
       <dgm:prSet presAssocID="{F27108DA-E888-48DE-8C97-7FDC95CC2EF6}" presName="level2Shape" presStyleLbl="node2" presStyleIdx="5" presStyleCnt="6"/>
       <dgm:spPr/>
-      <dgm:t>
-        <a:bodyPr/>
-        <a:lstStyle/>
-        <a:p>
-          <a:endParaRPr lang="es-ES"/>
-        </a:p>
-      </dgm:t>
     </dgm:pt>
     <dgm:pt modelId="{5BD4478D-B641-48B8-8A2A-420109793208}" type="pres">
       <dgm:prSet presAssocID="{F27108DA-E888-48DE-8C97-7FDC95CC2EF6}" presName="hierChild3" presStyleCnt="0"/>
       <dgm:spPr/>
-      <dgm:t>
-        <a:bodyPr/>
-        <a:lstStyle/>
-        <a:p>
-          <a:endParaRPr lang="es-ES"/>
-        </a:p>
-      </dgm:t>
     </dgm:pt>
     <dgm:pt modelId="{9F6C2837-18E1-42E8-B36E-26D798F13CAA}" type="pres">
       <dgm:prSet presAssocID="{F9806694-F79F-4F0F-B80B-D8AEC14A4AE4}" presName="Name19" presStyleLbl="parChTrans1D3" presStyleIdx="5" presStyleCnt="6"/>
       <dgm:spPr/>
-      <dgm:t>
-        <a:bodyPr/>
-        <a:lstStyle/>
-        <a:p>
-          <a:endParaRPr lang="es-ES"/>
-        </a:p>
-      </dgm:t>
     </dgm:pt>
     <dgm:pt modelId="{4E141796-AC40-4B30-9C5B-C2F45C40886F}" type="pres">
       <dgm:prSet presAssocID="{910FF4E3-4B73-471E-A733-428EDE879319}" presName="Name21" presStyleCnt="0"/>
       <dgm:spPr/>
-      <dgm:t>
-        <a:bodyPr/>
-        <a:lstStyle/>
-        <a:p>
-          <a:endParaRPr lang="es-ES"/>
-        </a:p>
-      </dgm:t>
     </dgm:pt>
     <dgm:pt modelId="{7A395ACB-AFE5-47F8-A645-E93A88EBEA6B}" type="pres">
       <dgm:prSet presAssocID="{910FF4E3-4B73-471E-A733-428EDE879319}" presName="level2Shape" presStyleLbl="node3" presStyleIdx="5" presStyleCnt="6"/>
       <dgm:spPr/>
-      <dgm:t>
-        <a:bodyPr/>
-        <a:lstStyle/>
-        <a:p>
-          <a:endParaRPr lang="es-ES"/>
-        </a:p>
-      </dgm:t>
     </dgm:pt>
     <dgm:pt modelId="{8F51FB6D-419B-4757-8A2B-6084DECD1589}" type="pres">
       <dgm:prSet presAssocID="{910FF4E3-4B73-471E-A733-428EDE879319}" presName="hierChild3" presStyleCnt="0"/>
       <dgm:spPr/>
-      <dgm:t>
-        <a:bodyPr/>
-        <a:lstStyle/>
-        <a:p>
-          <a:endParaRPr lang="es-ES"/>
-        </a:p>
-      </dgm:t>
     </dgm:pt>
     <dgm:pt modelId="{2BA6003D-FD41-41E9-BCA1-01EBE4EE20D3}" type="pres">
-      <dgm:prSet presAssocID="{5A1392F2-9813-4C0C-9524-55F25A946D72}" presName="Name19" presStyleLbl="parChTrans1D4" presStyleIdx="13" presStyleCnt="14"/>
-      <dgm:spPr/>
-      <dgm:t>
-        <a:bodyPr/>
-        <a:lstStyle/>
-        <a:p>
-          <a:endParaRPr lang="es-ES"/>
-        </a:p>
-      </dgm:t>
+      <dgm:prSet presAssocID="{5A1392F2-9813-4C0C-9524-55F25A946D72}" presName="Name19" presStyleLbl="parChTrans1D4" presStyleIdx="14" presStyleCnt="15"/>
+      <dgm:spPr/>
     </dgm:pt>
     <dgm:pt modelId="{4985FEBC-40F4-4116-8833-83E61FD2B786}" type="pres">
       <dgm:prSet presAssocID="{2B9145D1-EB7E-4900-B323-62729B920F30}" presName="Name21" presStyleCnt="0"/>
       <dgm:spPr/>
-      <dgm:t>
-        <a:bodyPr/>
-        <a:lstStyle/>
-        <a:p>
-          <a:endParaRPr lang="es-ES"/>
-        </a:p>
-      </dgm:t>
     </dgm:pt>
     <dgm:pt modelId="{7AC4104E-E4B8-401B-8EEB-D04E808E6EE5}" type="pres">
-      <dgm:prSet presAssocID="{2B9145D1-EB7E-4900-B323-62729B920F30}" presName="level2Shape" presStyleLbl="node4" presStyleIdx="13" presStyleCnt="14"/>
-      <dgm:spPr/>
-      <dgm:t>
-        <a:bodyPr/>
-        <a:lstStyle/>
-        <a:p>
-          <a:endParaRPr lang="es-ES"/>
-        </a:p>
-      </dgm:t>
+      <dgm:prSet presAssocID="{2B9145D1-EB7E-4900-B323-62729B920F30}" presName="level2Shape" presStyleLbl="node4" presStyleIdx="14" presStyleCnt="15"/>
+      <dgm:spPr/>
     </dgm:pt>
     <dgm:pt modelId="{E2C8F209-971D-404B-9F44-DC7BD439D3B3}" type="pres">
       <dgm:prSet presAssocID="{2B9145D1-EB7E-4900-B323-62729B920F30}" presName="hierChild3" presStyleCnt="0"/>
       <dgm:spPr/>
-      <dgm:t>
-        <a:bodyPr/>
-        <a:lstStyle/>
-        <a:p>
-          <a:endParaRPr lang="es-ES"/>
-        </a:p>
-      </dgm:t>
     </dgm:pt>
     <dgm:pt modelId="{9E32E7D7-3694-4D3D-93A8-B6E3BCA66E70}" type="pres">
       <dgm:prSet presAssocID="{664B246F-00B5-4610-86EB-ACE0B8B7FA38}" presName="bgShapesFlow" presStyleCnt="0"/>
       <dgm:spPr/>
-      <dgm:t>
-        <a:bodyPr/>
-        <a:lstStyle/>
-        <a:p>
-          <a:endParaRPr lang="es-ES"/>
-        </a:p>
-      </dgm:t>
     </dgm:pt>
   </dgm:ptLst>
   <dgm:cxnLst>
+    <dgm:cxn modelId="{D8A9B400-7A48-4EDB-B41F-AD84DBF35F21}" type="presOf" srcId="{FB132DEB-3EBB-4B7B-9E10-1EA28E437B0C}" destId="{ED51B719-283F-4EED-B2CC-182439F80BA8}" srcOrd="0" destOrd="0" presId="urn:microsoft.com/office/officeart/2005/8/layout/hierarchy6"/>
+    <dgm:cxn modelId="{F5731501-99AB-44A3-AF43-1AAFC2AEBFAF}" type="presOf" srcId="{818A50AE-2897-4A8A-A2D4-C798E3839759}" destId="{6A78302F-C42E-4BD7-B84C-CB25A3C0F412}" srcOrd="0" destOrd="0" presId="urn:microsoft.com/office/officeart/2005/8/layout/hierarchy6"/>
+    <dgm:cxn modelId="{F1101002-5CE5-4FCB-B939-DBDC719D8088}" type="presOf" srcId="{0B8E2C65-A4D7-4B41-A006-CAAA09EDACC5}" destId="{3E27615C-4EFE-4C20-92E5-F66765CC04DB}" srcOrd="0" destOrd="0" presId="urn:microsoft.com/office/officeart/2005/8/layout/hierarchy6"/>
+    <dgm:cxn modelId="{13F68E04-F892-44EA-AC85-5C55BCCACE31}" type="presOf" srcId="{845F5D8C-040E-4743-ACA2-252EB4E11E64}" destId="{9B20D733-63A4-4B62-A174-9E852702C56C}" srcOrd="0" destOrd="0" presId="urn:microsoft.com/office/officeart/2005/8/layout/hierarchy6"/>
+    <dgm:cxn modelId="{466D7E0B-F240-4D21-B075-148F30221A3B}" type="presOf" srcId="{E195E9F6-7564-48BE-A20F-8E15DF27D81A}" destId="{8F73F0A0-EB89-411D-B484-5DDA096E7375}" srcOrd="0" destOrd="0" presId="urn:microsoft.com/office/officeart/2005/8/layout/hierarchy6"/>
+    <dgm:cxn modelId="{4236410F-A92F-4C87-BF14-3DA943DADA64}" srcId="{FB132DEB-3EBB-4B7B-9E10-1EA28E437B0C}" destId="{142E7667-7801-477A-80B1-678DFCEE8B9B}" srcOrd="0" destOrd="0" parTransId="{ACDCB4B0-FE3A-4189-B855-4AF36F6C0D74}" sibTransId="{5C06A405-8210-48F4-A408-225051F39FBE}"/>
+    <dgm:cxn modelId="{9258CF10-A21F-436C-8DD6-66D5F2257114}" srcId="{595FCBCB-6F4C-41E0-9D57-CC8BC973C07C}" destId="{7B8C88F9-23A6-428A-9D84-EE8685A0B867}" srcOrd="0" destOrd="0" parTransId="{55BF91F1-8371-43F3-B796-D886F4AEA607}" sibTransId="{AB932049-799D-400F-96A9-390092336D78}"/>
+    <dgm:cxn modelId="{0AE68312-1AB6-4BEC-B6AD-8F4B57093E37}" type="presOf" srcId="{DF2F3A9E-C911-49B0-8EFA-E8DD45E8BB46}" destId="{1BEB3F5D-527E-4392-A984-BA9906967D01}" srcOrd="0" destOrd="0" presId="urn:microsoft.com/office/officeart/2005/8/layout/hierarchy6"/>
+    <dgm:cxn modelId="{EB37C513-6344-4968-8D2C-B7690BA37372}" type="presOf" srcId="{EAF0C93C-99EC-4761-A238-EDB38940DB5B}" destId="{149DFA66-F11C-4DFF-BDBE-E00AC7EA378B}" srcOrd="0" destOrd="0" presId="urn:microsoft.com/office/officeart/2005/8/layout/hierarchy6"/>
+    <dgm:cxn modelId="{EE720115-9484-482A-880C-C4C55B1A6361}" type="presOf" srcId="{95F92B39-5BD1-41DA-921B-40270E333897}" destId="{EA693939-0FD8-4332-A064-9C5C4989F6C3}" srcOrd="0" destOrd="0" presId="urn:microsoft.com/office/officeart/2005/8/layout/hierarchy6"/>
+    <dgm:cxn modelId="{A82D7115-D175-4E2D-9D2A-0015285A99C9}" type="presOf" srcId="{658605B8-67B6-4965-9219-87AD07A2BD57}" destId="{C7ECFBED-B4C0-49F9-8060-B5CF65818561}" srcOrd="0" destOrd="0" presId="urn:microsoft.com/office/officeart/2005/8/layout/hierarchy6"/>
+    <dgm:cxn modelId="{B6555617-2FBB-48E7-9D92-8BC0E336D671}" type="presOf" srcId="{638D4A18-E8B7-45E5-8EAA-4C0D29849159}" destId="{F1CD7CC0-9E0D-4303-82AE-D7A2B5AF17DB}" srcOrd="0" destOrd="0" presId="urn:microsoft.com/office/officeart/2005/8/layout/hierarchy6"/>
+    <dgm:cxn modelId="{FFBE421A-96E6-4728-9F99-D28C6318BB17}" type="presOf" srcId="{602223CB-CFD7-40C2-91FA-E4E1E82D12F8}" destId="{1B1B1F7A-7EF2-4ACB-B5C6-900D03138544}" srcOrd="0" destOrd="0" presId="urn:microsoft.com/office/officeart/2005/8/layout/hierarchy6"/>
+    <dgm:cxn modelId="{AEAE211C-05CA-406B-A485-10AC5B28C623}" srcId="{8FAE6191-0821-4960-BC96-F58E46C703A9}" destId="{22D68CCB-4BEE-4732-BA18-145918E71689}" srcOrd="0" destOrd="0" parTransId="{845F5D8C-040E-4743-ACA2-252EB4E11E64}" sibTransId="{96F038F0-8321-4A68-ABFB-0F5C2D7FE10A}"/>
+    <dgm:cxn modelId="{585D811E-D1DC-4005-A2E1-10A91687431B}" srcId="{664B246F-00B5-4610-86EB-ACE0B8B7FA38}" destId="{984E7E1A-DD08-4E2E-A546-5DAB66C40362}" srcOrd="0" destOrd="0" parTransId="{AE2E2423-B2F0-4C74-A8DB-4BBE21532EE2}" sibTransId="{54838042-35A6-423A-9D5B-CC6E4DD67A85}"/>
+    <dgm:cxn modelId="{8F478C23-D9B8-4684-87CF-064D223FC730}" type="presOf" srcId="{ACDCB4B0-FE3A-4189-B855-4AF36F6C0D74}" destId="{291C996E-0EB8-4C7C-A09D-BCD184B0D448}" srcOrd="0" destOrd="0" presId="urn:microsoft.com/office/officeart/2005/8/layout/hierarchy6"/>
+    <dgm:cxn modelId="{1DB74C26-04B0-46CF-914A-E108FAEBA0D6}" srcId="{F27108DA-E888-48DE-8C97-7FDC95CC2EF6}" destId="{910FF4E3-4B73-471E-A733-428EDE879319}" srcOrd="0" destOrd="0" parTransId="{F9806694-F79F-4F0F-B80B-D8AEC14A4AE4}" sibTransId="{1559325B-7160-4295-9AC9-2388904B54D3}"/>
+    <dgm:cxn modelId="{5B8EBB31-303D-487F-AEA4-D50AF546E6A4}" type="presOf" srcId="{6343E979-4FE4-4A70-B59E-3E22D3659816}" destId="{95C57D1B-15F4-4DDD-96A4-BFBFEA71B3BB}" srcOrd="0" destOrd="0" presId="urn:microsoft.com/office/officeart/2005/8/layout/hierarchy6"/>
+    <dgm:cxn modelId="{B66F8733-D3FB-45D3-9FD0-68C01E9038CC}" type="presOf" srcId="{4672E1E4-8BCB-4F8A-9715-DD03D099E9B8}" destId="{7F4F1B5F-FC30-4418-B6B9-340A889AAB9A}" srcOrd="0" destOrd="0" presId="urn:microsoft.com/office/officeart/2005/8/layout/hierarchy6"/>
+    <dgm:cxn modelId="{264D0B35-662F-4A1C-A94E-0E07790C5719}" type="presOf" srcId="{595FCBCB-6F4C-41E0-9D57-CC8BC973C07C}" destId="{2D6C4C6A-CE06-40A6-A211-64F15A14B0FC}" srcOrd="0" destOrd="0" presId="urn:microsoft.com/office/officeart/2005/8/layout/hierarchy6"/>
+    <dgm:cxn modelId="{3678BB3C-ABCE-4036-8BF9-7D306D14FF35}" srcId="{984E7E1A-DD08-4E2E-A546-5DAB66C40362}" destId="{F27108DA-E888-48DE-8C97-7FDC95CC2EF6}" srcOrd="5" destOrd="0" parTransId="{39401BF9-8334-48FD-97B1-B5FF75DD8ED7}" sibTransId="{66761398-FF62-4B70-AD78-EE255350EFAC}"/>
+    <dgm:cxn modelId="{8AF7D83C-2A35-4B4E-9A89-87807C35D1FB}" srcId="{C6E69E37-3961-44EE-94E9-D23872BEE4C9}" destId="{DEA8DC5E-722E-4FFF-BA91-EA999F6AAE91}" srcOrd="0" destOrd="0" parTransId="{CA5091F9-074B-4255-B185-C09D0BE2BF7B}" sibTransId="{64D4773E-534A-4E7B-A0A1-8D87DE867EA7}"/>
+    <dgm:cxn modelId="{93F3283D-FB98-4B39-8399-B657990A16F1}" type="presOf" srcId="{CA5091F9-074B-4255-B185-C09D0BE2BF7B}" destId="{CA90F6F9-60A6-482D-9CEF-AA80F0D193AE}" srcOrd="0" destOrd="0" presId="urn:microsoft.com/office/officeart/2005/8/layout/hierarchy6"/>
+    <dgm:cxn modelId="{51C6363D-A016-436F-A5EC-4E1FD4FE7A7E}" type="presOf" srcId="{EBD4D5EB-965D-43EB-B803-B2DBA1A47692}" destId="{ECE94489-582E-4D24-A60B-70DA935857A8}" srcOrd="0" destOrd="0" presId="urn:microsoft.com/office/officeart/2005/8/layout/hierarchy6"/>
+    <dgm:cxn modelId="{C224C23D-C824-4668-AC04-7957B683F5F3}" srcId="{7B8C88F9-23A6-428A-9D84-EE8685A0B867}" destId="{EAF0C93C-99EC-4761-A238-EDB38940DB5B}" srcOrd="0" destOrd="0" parTransId="{DF2F3A9E-C911-49B0-8EFA-E8DD45E8BB46}" sibTransId="{3E27A8CB-92C0-471A-9570-F3E8EDE556AE}"/>
+    <dgm:cxn modelId="{C779DB3F-B5DA-40B5-BD04-85BDED782DA3}" type="presOf" srcId="{84BE1630-6BEF-48BE-BEB4-441EA60AE7C5}" destId="{2DFB326B-B609-43F8-A763-08BEA677E07F}" srcOrd="0" destOrd="0" presId="urn:microsoft.com/office/officeart/2005/8/layout/hierarchy6"/>
+    <dgm:cxn modelId="{01CAE140-A84C-4F7A-B2BB-802CF8CC95AC}" type="presOf" srcId="{142E7667-7801-477A-80B1-678DFCEE8B9B}" destId="{FC12F369-519B-4055-B6C8-695637AC848E}" srcOrd="0" destOrd="0" presId="urn:microsoft.com/office/officeart/2005/8/layout/hierarchy6"/>
+    <dgm:cxn modelId="{19A72260-1696-4377-A1D7-7CD65B9FDE05}" type="presOf" srcId="{4CC81563-AFF2-44A9-B9B0-EF1C87661122}" destId="{61106BEE-8394-41F9-A438-4FF037DCC549}" srcOrd="0" destOrd="0" presId="urn:microsoft.com/office/officeart/2005/8/layout/hierarchy6"/>
+    <dgm:cxn modelId="{78257164-1925-4869-B44A-2163251005E0}" type="presOf" srcId="{8EBD0BB1-A983-499A-AFE0-A135C6D6EAF4}" destId="{02AF57A5-5631-4829-8B1F-9F87C7E5BF9A}" srcOrd="0" destOrd="0" presId="urn:microsoft.com/office/officeart/2005/8/layout/hierarchy6"/>
+    <dgm:cxn modelId="{73EF6046-3531-425E-89B1-C08A2836C212}" type="presOf" srcId="{55BF91F1-8371-43F3-B796-D886F4AEA607}" destId="{CF7FDC77-853E-4DFC-9828-0DC60053379E}" srcOrd="0" destOrd="0" presId="urn:microsoft.com/office/officeart/2005/8/layout/hierarchy6"/>
+    <dgm:cxn modelId="{19267D47-12AF-407B-95D0-CE67232A70C6}" type="presOf" srcId="{664B246F-00B5-4610-86EB-ACE0B8B7FA38}" destId="{327FBF58-624F-4F1F-9921-6E06642364B9}" srcOrd="0" destOrd="0" presId="urn:microsoft.com/office/officeart/2005/8/layout/hierarchy6"/>
+    <dgm:cxn modelId="{8F9BFC49-62BA-4DBB-A4FA-FDF3587EA851}" srcId="{6169ABB3-9EA3-4A97-9BDB-7BF1A5E8319C}" destId="{64108CB1-DB75-4E6C-B114-0F078EBFAA65}" srcOrd="0" destOrd="0" parTransId="{4672E1E4-8BCB-4F8A-9715-DD03D099E9B8}" sibTransId="{926064D3-9C23-498F-82E9-95C446588308}"/>
+    <dgm:cxn modelId="{9ABDE14A-C136-42D3-8FC9-0CBFC6B20EDD}" type="presOf" srcId="{D4015DCB-90CE-418D-BA17-E20EB5979634}" destId="{E16ADE93-99AF-45AE-A7EE-51F95CB0B46A}" srcOrd="0" destOrd="0" presId="urn:microsoft.com/office/officeart/2005/8/layout/hierarchy6"/>
+    <dgm:cxn modelId="{8EA2144C-00D4-43CC-9DED-FF57F76C3C26}" type="presOf" srcId="{DEA8DC5E-722E-4FFF-BA91-EA999F6AAE91}" destId="{FAE55E79-8B96-4C0A-BE86-86E1DECB95C8}" srcOrd="0" destOrd="0" presId="urn:microsoft.com/office/officeart/2005/8/layout/hierarchy6"/>
+    <dgm:cxn modelId="{7C3DE64C-953A-4B36-89BF-C3A300F94624}" srcId="{984E7E1A-DD08-4E2E-A546-5DAB66C40362}" destId="{FB132DEB-3EBB-4B7B-9E10-1EA28E437B0C}" srcOrd="3" destOrd="0" parTransId="{84BE1630-6BEF-48BE-BEB4-441EA60AE7C5}" sibTransId="{3DA0803E-74EB-47A7-880B-91D87ACD481A}"/>
+    <dgm:cxn modelId="{6548AE4D-94C7-44BB-95FD-5DD037D3FBD3}" type="presOf" srcId="{78A11304-B47B-426C-80D9-23F105284D80}" destId="{9B8E5F4D-3D7A-47D4-BEB1-7A4D761EC373}" srcOrd="0" destOrd="0" presId="urn:microsoft.com/office/officeart/2005/8/layout/hierarchy6"/>
+    <dgm:cxn modelId="{6193E151-7B4B-421D-8E3E-D3E6FEF0B0BC}" srcId="{64108CB1-DB75-4E6C-B114-0F078EBFAA65}" destId="{210E38F1-6443-4897-BC67-3DC469B10B3A}" srcOrd="0" destOrd="0" parTransId="{658605B8-67B6-4965-9219-87AD07A2BD57}" sibTransId="{0132DBF9-A877-41CA-AAEC-9BACB1A6367E}"/>
+    <dgm:cxn modelId="{E9FD1272-E01D-4880-BFDE-9A1AAA5292D5}" srcId="{910FF4E3-4B73-471E-A733-428EDE879319}" destId="{2B9145D1-EB7E-4900-B323-62729B920F30}" srcOrd="0" destOrd="0" parTransId="{5A1392F2-9813-4C0C-9524-55F25A946D72}" sibTransId="{FE9D72FD-6015-4C6F-8761-506C30B7F8B6}"/>
+    <dgm:cxn modelId="{8145C653-6280-4F2D-8678-3F69D5CD17DF}" type="presOf" srcId="{7B0BD396-2B46-40BD-AC76-2EF21EDDDC81}" destId="{F3B7109E-FC5E-4032-9E48-7AE989930E7F}" srcOrd="0" destOrd="0" presId="urn:microsoft.com/office/officeart/2005/8/layout/hierarchy6"/>
+    <dgm:cxn modelId="{8E0F5C75-BF33-46B4-A61F-D0B9F3D3BE7B}" type="presOf" srcId="{EFFA102A-5D82-49D3-A6E7-45C00C42107B}" destId="{BCE69E19-3950-4634-98DB-22EACA842756}" srcOrd="0" destOrd="0" presId="urn:microsoft.com/office/officeart/2005/8/layout/hierarchy6"/>
+    <dgm:cxn modelId="{0FE9AE56-8660-49F8-84CD-4AF07C5F12FB}" type="presOf" srcId="{39401BF9-8334-48FD-97B1-B5FF75DD8ED7}" destId="{674FAE3C-400A-42DF-AF51-5FE9A33D05FF}" srcOrd="0" destOrd="0" presId="urn:microsoft.com/office/officeart/2005/8/layout/hierarchy6"/>
     <dgm:cxn modelId="{A7B4A77F-17AC-4C8F-A17C-7ED71A64266B}" type="presOf" srcId="{51635E7D-94AB-42DB-A23F-6B9E2711ADB8}" destId="{439A7915-4019-4A23-8AAB-5EA84524E00E}" srcOrd="0" destOrd="0" presId="urn:microsoft.com/office/officeart/2005/8/layout/hierarchy6"/>
-    <dgm:cxn modelId="{8F9BFC49-62BA-4DBB-A4FA-FDF3587EA851}" srcId="{6169ABB3-9EA3-4A97-9BDB-7BF1A5E8319C}" destId="{64108CB1-DB75-4E6C-B114-0F078EBFAA65}" srcOrd="0" destOrd="0" parTransId="{4672E1E4-8BCB-4F8A-9715-DD03D099E9B8}" sibTransId="{926064D3-9C23-498F-82E9-95C446588308}"/>
+    <dgm:cxn modelId="{D0DCC87F-FDBD-4AEB-A04B-CC698B69B140}" type="presOf" srcId="{7B8C88F9-23A6-428A-9D84-EE8685A0B867}" destId="{7B17D095-05F0-4567-ACF5-DAE1C7F71050}" srcOrd="0" destOrd="0" presId="urn:microsoft.com/office/officeart/2005/8/layout/hierarchy6"/>
+    <dgm:cxn modelId="{2384D281-B6AE-40D6-9D9D-04418BCD48A4}" type="presOf" srcId="{8D053341-47DE-4A56-8DB5-F4344314674C}" destId="{B6589975-B071-491E-8570-70970CA1F480}" srcOrd="0" destOrd="0" presId="urn:microsoft.com/office/officeart/2005/8/layout/hierarchy6"/>
+    <dgm:cxn modelId="{CE25B188-AF7E-45A6-B483-2C1585C607A0}" srcId="{95F92B39-5BD1-41DA-921B-40270E333897}" destId="{595FCBCB-6F4C-41E0-9D57-CC8BC973C07C}" srcOrd="0" destOrd="0" parTransId="{51635E7D-94AB-42DB-A23F-6B9E2711ADB8}" sibTransId="{0B43550C-8A90-4189-9B67-1225304E0089}"/>
+    <dgm:cxn modelId="{F62D2C8B-4463-41B4-9FA8-643CE8E3126A}" type="presOf" srcId="{F27108DA-E888-48DE-8C97-7FDC95CC2EF6}" destId="{06FE7757-0221-4CB4-905F-C6A4BCBA3C71}" srcOrd="0" destOrd="0" presId="urn:microsoft.com/office/officeart/2005/8/layout/hierarchy6"/>
+    <dgm:cxn modelId="{502F4795-9AF2-4388-ABC6-BA3E03AE3ACC}" type="presOf" srcId="{64108CB1-DB75-4E6C-B114-0F078EBFAA65}" destId="{9E0003AA-36A8-4BDA-A4D5-AE9FD5909BC7}" srcOrd="0" destOrd="0" presId="urn:microsoft.com/office/officeart/2005/8/layout/hierarchy6"/>
+    <dgm:cxn modelId="{30A55F96-8DA0-4EC1-A524-A47232E0498E}" srcId="{638D4A18-E8B7-45E5-8EAA-4C0D29849159}" destId="{D692D1F3-8B04-4096-AA22-E14E93E2AD30}" srcOrd="0" destOrd="0" parTransId="{D4015DCB-90CE-418D-BA17-E20EB5979634}" sibTransId="{9DF5544D-7133-4BEC-80D5-5F4AB2FCACF0}"/>
+    <dgm:cxn modelId="{2931A296-5E67-41F4-B655-2D2D97556CF3}" type="presOf" srcId="{39E7187F-BF44-4434-ABA8-1C914D1E277A}" destId="{F75CBFB9-BF0A-44D1-A33C-B79AA986F053}" srcOrd="0" destOrd="0" presId="urn:microsoft.com/office/officeart/2005/8/layout/hierarchy6"/>
+    <dgm:cxn modelId="{1A358F98-1340-4BF0-A227-6269E1BC5FDB}" srcId="{984E7E1A-DD08-4E2E-A546-5DAB66C40362}" destId="{8FAE6191-0821-4960-BC96-F58E46C703A9}" srcOrd="1" destOrd="0" parTransId="{4CC81563-AFF2-44A9-B9B0-EF1C87661122}" sibTransId="{D7A373A9-FF3D-4DB9-BAA4-871B43426D41}"/>
+    <dgm:cxn modelId="{D47CA79C-8F8E-4F6C-B4A4-DC7B0D45936D}" srcId="{22D68CCB-4BEE-4732-BA18-145918E71689}" destId="{638D4A18-E8B7-45E5-8EAA-4C0D29849159}" srcOrd="0" destOrd="0" parTransId="{6331599E-52B8-4A6C-B3A0-6191E729069E}" sibTransId="{96BDABD5-5B11-468E-B806-E97AD8AE4AFA}"/>
+    <dgm:cxn modelId="{5C8AD39E-048A-4F0B-A4E5-8E7E28CD4E8E}" srcId="{EFFA102A-5D82-49D3-A6E7-45C00C42107B}" destId="{818A50AE-2897-4A8A-A2D4-C798E3839759}" srcOrd="0" destOrd="0" parTransId="{6E64CD67-6FB7-4233-986F-C1A61F90D25C}" sibTransId="{C0AF5DF9-2ED6-42D3-8F8C-F06FCA8338A2}"/>
+    <dgm:cxn modelId="{4B88D7A5-3EC0-4459-AA6F-F6EF968C760A}" type="presOf" srcId="{D0F8BDB2-13EF-4738-B074-310F7068418D}" destId="{508D3B25-CBDB-434C-AECC-728B5C07BAD5}" srcOrd="0" destOrd="0" presId="urn:microsoft.com/office/officeart/2005/8/layout/hierarchy6"/>
+    <dgm:cxn modelId="{50A123AB-70AF-42EF-B4AC-A864625C080A}" type="presOf" srcId="{6E64CD67-6FB7-4233-986F-C1A61F90D25C}" destId="{A181B12C-7C20-4BE9-8886-24DDE0080781}" srcOrd="0" destOrd="0" presId="urn:microsoft.com/office/officeart/2005/8/layout/hierarchy6"/>
+    <dgm:cxn modelId="{092181AB-6C19-4EB2-9873-D2A1DC6C023B}" type="presOf" srcId="{8FAE6191-0821-4960-BC96-F58E46C703A9}" destId="{98829285-C359-4558-A8AB-ED49C5195838}" srcOrd="0" destOrd="0" presId="urn:microsoft.com/office/officeart/2005/8/layout/hierarchy6"/>
     <dgm:cxn modelId="{BB0EF5AC-564D-459C-B645-0E52862EFB04}" type="presOf" srcId="{910FF4E3-4B73-471E-A733-428EDE879319}" destId="{7A395ACB-AFE5-47F8-A645-E93A88EBEA6B}" srcOrd="0" destOrd="0" presId="urn:microsoft.com/office/officeart/2005/8/layout/hierarchy6"/>
-    <dgm:cxn modelId="{73EF6046-3531-425E-89B1-C08A2836C212}" type="presOf" srcId="{55BF91F1-8371-43F3-B796-D886F4AEA607}" destId="{CF7FDC77-853E-4DFC-9828-0DC60053379E}" srcOrd="0" destOrd="0" presId="urn:microsoft.com/office/officeart/2005/8/layout/hierarchy6"/>
-    <dgm:cxn modelId="{3678BB3C-ABCE-4036-8BF9-7D306D14FF35}" srcId="{984E7E1A-DD08-4E2E-A546-5DAB66C40362}" destId="{F27108DA-E888-48DE-8C97-7FDC95CC2EF6}" srcOrd="5" destOrd="0" parTransId="{39401BF9-8334-48FD-97B1-B5FF75DD8ED7}" sibTransId="{66761398-FF62-4B70-AD78-EE255350EFAC}"/>
+    <dgm:cxn modelId="{606288B5-F503-4B9D-A927-3107CB71235F}" type="presOf" srcId="{90E52BB7-1EB0-47DC-82EE-28BBD13D64E9}" destId="{EF24AA40-32E7-44EE-B69D-486DD25DA9EB}" srcOrd="0" destOrd="0" presId="urn:microsoft.com/office/officeart/2005/8/layout/hierarchy6"/>
+    <dgm:cxn modelId="{CBB959BD-F310-42E3-94D7-20241BC405C5}" type="presOf" srcId="{210E38F1-6443-4897-BC67-3DC469B10B3A}" destId="{88BF71CB-FA56-4717-8190-D58921A87BD4}" srcOrd="0" destOrd="0" presId="urn:microsoft.com/office/officeart/2005/8/layout/hierarchy6"/>
+    <dgm:cxn modelId="{1A0C89BF-D174-4ED0-8083-1CC9998E7155}" srcId="{8D053341-47DE-4A56-8DB5-F4344314674C}" destId="{EFFA102A-5D82-49D3-A6E7-45C00C42107B}" srcOrd="0" destOrd="0" parTransId="{DFFEDB4F-CB16-440A-AC1A-1DC7D4CDB94A}" sibTransId="{B62333E8-4DCB-4AEF-9231-01F6B6767A44}"/>
+    <dgm:cxn modelId="{A1A42AC5-B3CA-474B-A03B-83A5BC59A4EF}" srcId="{984E7E1A-DD08-4E2E-A546-5DAB66C40362}" destId="{8D053341-47DE-4A56-8DB5-F4344314674C}" srcOrd="0" destOrd="0" parTransId="{EBD4D5EB-965D-43EB-B803-B2DBA1A47692}" sibTransId="{176D6055-7813-445A-AD4E-B8512697E12E}"/>
+    <dgm:cxn modelId="{8A33DAC6-D9DF-4D48-B64D-808F92F2B77E}" srcId="{818A50AE-2897-4A8A-A2D4-C798E3839759}" destId="{95F92B39-5BD1-41DA-921B-40270E333897}" srcOrd="0" destOrd="0" parTransId="{78A11304-B47B-426C-80D9-23F105284D80}" sibTransId="{19CA03D8-84BD-45E9-ACB4-36731CEB3A27}"/>
+    <dgm:cxn modelId="{6C09A7CF-ED9E-4F5C-A208-29FC73FCD37A}" srcId="{46EFE5C5-7E26-4632-AB0D-CFDE009726AC}" destId="{C6E69E37-3961-44EE-94E9-D23872BEE4C9}" srcOrd="0" destOrd="0" parTransId="{39E7187F-BF44-4434-ABA8-1C914D1E277A}" sibTransId="{DEA9B8DE-9278-41C4-8958-F47B791467F4}"/>
+    <dgm:cxn modelId="{0D9639D3-0F68-4944-810F-23C0962D110F}" type="presOf" srcId="{28EC855E-094C-4BED-9FB2-2C030C8FFA45}" destId="{F466743B-97CF-4FAA-9E07-3737C57455A5}" srcOrd="0" destOrd="0" presId="urn:microsoft.com/office/officeart/2005/8/layout/hierarchy6"/>
+    <dgm:cxn modelId="{4900DBD3-31F0-49AE-8333-B1D734FB2364}" type="presOf" srcId="{5A1392F2-9813-4C0C-9524-55F25A946D72}" destId="{2BA6003D-FD41-41E9-BCA1-01EBE4EE20D3}" srcOrd="0" destOrd="0" presId="urn:microsoft.com/office/officeart/2005/8/layout/hierarchy6"/>
+    <dgm:cxn modelId="{242DF2D3-F3A7-4348-A721-6000EAFAE055}" srcId="{984E7E1A-DD08-4E2E-A546-5DAB66C40362}" destId="{46EFE5C5-7E26-4632-AB0D-CFDE009726AC}" srcOrd="2" destOrd="0" parTransId="{8EBD0BB1-A983-499A-AFE0-A135C6D6EAF4}" sibTransId="{5914253C-0C02-433E-BBB4-A56090EFD1EA}"/>
+    <dgm:cxn modelId="{FF2520D5-DC6D-4AA8-A9F8-CF8972E73887}" type="presOf" srcId="{984E7E1A-DD08-4E2E-A546-5DAB66C40362}" destId="{AA34BBA1-AEFC-405E-88F0-054659A90B63}" srcOrd="0" destOrd="0" presId="urn:microsoft.com/office/officeart/2005/8/layout/hierarchy6"/>
+    <dgm:cxn modelId="{B822AFDD-53D7-4668-990A-0FC76370D21F}" srcId="{210E38F1-6443-4897-BC67-3DC469B10B3A}" destId="{E195E9F6-7564-48BE-A20F-8E15DF27D81A}" srcOrd="0" destOrd="0" parTransId="{D0F8BDB2-13EF-4738-B074-310F7068418D}" sibTransId="{4A84E83F-0A4E-451D-B074-37C705FAC49A}"/>
+    <dgm:cxn modelId="{9CD9DEDE-0ABC-4BC8-8EED-926624F8029E}" type="presOf" srcId="{F9806694-F79F-4F0F-B80B-D8AEC14A4AE4}" destId="{9F6C2837-18E1-42E8-B36E-26D798F13CAA}" srcOrd="0" destOrd="0" presId="urn:microsoft.com/office/officeart/2005/8/layout/hierarchy6"/>
+    <dgm:cxn modelId="{CA998EDF-D1EC-4F21-BC02-F8E5D809124E}" srcId="{90E52BB7-1EB0-47DC-82EE-28BBD13D64E9}" destId="{65164E71-4DD3-40F1-A30B-EC613D040542}" srcOrd="0" destOrd="0" parTransId="{602223CB-CFD7-40C2-91FA-E4E1E82D12F8}" sibTransId="{21CD02D9-E652-489A-8BF4-F425E3CF6D26}"/>
+    <dgm:cxn modelId="{318806E0-51BA-4146-A58B-683225FF1FD9}" type="presOf" srcId="{65164E71-4DD3-40F1-A30B-EC613D040542}" destId="{D96C27F6-8F1F-4C78-BC8B-2BA73823F3B2}" srcOrd="0" destOrd="0" presId="urn:microsoft.com/office/officeart/2005/8/layout/hierarchy6"/>
     <dgm:cxn modelId="{95A684E0-D949-4D3E-B0E7-62A76A87E434}" type="presOf" srcId="{22D68CCB-4BEE-4732-BA18-145918E71689}" destId="{66711AFB-4282-4BD5-A024-70EEE22E8ED8}" srcOrd="0" destOrd="0" presId="urn:microsoft.com/office/officeart/2005/8/layout/hierarchy6"/>
-    <dgm:cxn modelId="{0FE9AE56-8660-49F8-84CD-4AF07C5F12FB}" type="presOf" srcId="{39401BF9-8334-48FD-97B1-B5FF75DD8ED7}" destId="{674FAE3C-400A-42DF-AF51-5FE9A33D05FF}" srcOrd="0" destOrd="0" presId="urn:microsoft.com/office/officeart/2005/8/layout/hierarchy6"/>
-    <dgm:cxn modelId="{2931A296-5E67-41F4-B655-2D2D97556CF3}" type="presOf" srcId="{39E7187F-BF44-4434-ABA8-1C914D1E277A}" destId="{F75CBFB9-BF0A-44D1-A33C-B79AA986F053}" srcOrd="0" destOrd="0" presId="urn:microsoft.com/office/officeart/2005/8/layout/hierarchy6"/>
-    <dgm:cxn modelId="{01CAE140-A84C-4F7A-B2BB-802CF8CC95AC}" type="presOf" srcId="{142E7667-7801-477A-80B1-678DFCEE8B9B}" destId="{FC12F369-519B-4055-B6C8-695637AC848E}" srcOrd="0" destOrd="0" presId="urn:microsoft.com/office/officeart/2005/8/layout/hierarchy6"/>
-    <dgm:cxn modelId="{B66F8733-D3FB-45D3-9FD0-68C01E9038CC}" type="presOf" srcId="{4672E1E4-8BCB-4F8A-9715-DD03D099E9B8}" destId="{7F4F1B5F-FC30-4418-B6B9-340A889AAB9A}" srcOrd="0" destOrd="0" presId="urn:microsoft.com/office/officeart/2005/8/layout/hierarchy6"/>
-    <dgm:cxn modelId="{5B8EBB31-303D-487F-AEA4-D50AF546E6A4}" type="presOf" srcId="{6343E979-4FE4-4A70-B59E-3E22D3659816}" destId="{95C57D1B-15F4-4DDD-96A4-BFBFEA71B3BB}" srcOrd="0" destOrd="0" presId="urn:microsoft.com/office/officeart/2005/8/layout/hierarchy6"/>
-    <dgm:cxn modelId="{19267D47-12AF-407B-95D0-CE67232A70C6}" type="presOf" srcId="{664B246F-00B5-4610-86EB-ACE0B8B7FA38}" destId="{327FBF58-624F-4F1F-9921-6E06642364B9}" srcOrd="0" destOrd="0" presId="urn:microsoft.com/office/officeart/2005/8/layout/hierarchy6"/>
+    <dgm:cxn modelId="{8237BEE0-D1B1-440F-9385-3C24B42C9D37}" srcId="{D692D1F3-8B04-4096-AA22-E14E93E2AD30}" destId="{1CCEED45-57D7-4641-81C9-5908579CE245}" srcOrd="0" destOrd="0" parTransId="{0B8E2C65-A4D7-4B41-A006-CAAA09EDACC5}" sibTransId="{3565B9CB-B1EE-400D-B2B9-2B551D737D10}"/>
+    <dgm:cxn modelId="{315020E2-D7B1-470A-A75B-A8A3010E177D}" type="presOf" srcId="{46EFE5C5-7E26-4632-AB0D-CFDE009726AC}" destId="{5B4C9849-DEB8-40B2-959E-E2FFC9C320FA}" srcOrd="0" destOrd="0" presId="urn:microsoft.com/office/officeart/2005/8/layout/hierarchy6"/>
+    <dgm:cxn modelId="{44BC1EE3-FF57-452E-9F1C-1297E9ECAE80}" srcId="{984E7E1A-DD08-4E2E-A546-5DAB66C40362}" destId="{6169ABB3-9EA3-4A97-9BDB-7BF1A5E8319C}" srcOrd="4" destOrd="0" parTransId="{28EC855E-094C-4BED-9FB2-2C030C8FFA45}" sibTransId="{5DD54D20-2A68-4F1C-81FF-4637F3180AB6}"/>
+    <dgm:cxn modelId="{18B771E9-B40D-4B8A-AEDA-9DA0FAD87DAE}" type="presOf" srcId="{6169ABB3-9EA3-4A97-9BDB-7BF1A5E8319C}" destId="{A41A0699-52FD-4C1F-BA71-1940B09DFCB3}" srcOrd="0" destOrd="0" presId="urn:microsoft.com/office/officeart/2005/8/layout/hierarchy6"/>
     <dgm:cxn modelId="{856BF3EA-08CB-4C8D-9091-C873E64B660B}" type="presOf" srcId="{C6E69E37-3961-44EE-94E9-D23872BEE4C9}" destId="{A53AEAF4-DE63-41BC-865B-CDA9095339F1}" srcOrd="0" destOrd="0" presId="urn:microsoft.com/office/officeart/2005/8/layout/hierarchy6"/>
-    <dgm:cxn modelId="{1A0C89BF-D174-4ED0-8083-1CC9998E7155}" srcId="{8D053341-47DE-4A56-8DB5-F4344314674C}" destId="{EFFA102A-5D82-49D3-A6E7-45C00C42107B}" srcOrd="0" destOrd="0" parTransId="{DFFEDB4F-CB16-440A-AC1A-1DC7D4CDB94A}" sibTransId="{B62333E8-4DCB-4AEF-9231-01F6B6767A44}"/>
-    <dgm:cxn modelId="{F5731501-99AB-44A3-AF43-1AAFC2AEBFAF}" type="presOf" srcId="{818A50AE-2897-4A8A-A2D4-C798E3839759}" destId="{6A78302F-C42E-4BD7-B84C-CB25A3C0F412}" srcOrd="0" destOrd="0" presId="urn:microsoft.com/office/officeart/2005/8/layout/hierarchy6"/>
-    <dgm:cxn modelId="{18B771E9-B40D-4B8A-AEDA-9DA0FAD87DAE}" type="presOf" srcId="{6169ABB3-9EA3-4A97-9BDB-7BF1A5E8319C}" destId="{A41A0699-52FD-4C1F-BA71-1940B09DFCB3}" srcOrd="0" destOrd="0" presId="urn:microsoft.com/office/officeart/2005/8/layout/hierarchy6"/>
-    <dgm:cxn modelId="{19A72260-1696-4377-A1D7-7CD65B9FDE05}" type="presOf" srcId="{4CC81563-AFF2-44A9-B9B0-EF1C87661122}" destId="{61106BEE-8394-41F9-A438-4FF037DCC549}" srcOrd="0" destOrd="0" presId="urn:microsoft.com/office/officeart/2005/8/layout/hierarchy6"/>
-    <dgm:cxn modelId="{CBB959BD-F310-42E3-94D7-20241BC405C5}" type="presOf" srcId="{210E38F1-6443-4897-BC67-3DC469B10B3A}" destId="{88BF71CB-FA56-4717-8190-D58921A87BD4}" srcOrd="0" destOrd="0" presId="urn:microsoft.com/office/officeart/2005/8/layout/hierarchy6"/>
-    <dgm:cxn modelId="{264D0B35-662F-4A1C-A94E-0E07790C5719}" type="presOf" srcId="{595FCBCB-6F4C-41E0-9D57-CC8BC973C07C}" destId="{2D6C4C6A-CE06-40A6-A211-64F15A14B0FC}" srcOrd="0" destOrd="0" presId="urn:microsoft.com/office/officeart/2005/8/layout/hierarchy6"/>
-    <dgm:cxn modelId="{8A33DAC6-D9DF-4D48-B64D-808F92F2B77E}" srcId="{818A50AE-2897-4A8A-A2D4-C798E3839759}" destId="{95F92B39-5BD1-41DA-921B-40270E333897}" srcOrd="0" destOrd="0" parTransId="{78A11304-B47B-426C-80D9-23F105284D80}" sibTransId="{19CA03D8-84BD-45E9-ACB4-36731CEB3A27}"/>
-    <dgm:cxn modelId="{1DB74C26-04B0-46CF-914A-E108FAEBA0D6}" srcId="{F27108DA-E888-48DE-8C97-7FDC95CC2EF6}" destId="{910FF4E3-4B73-471E-A733-428EDE879319}" srcOrd="0" destOrd="0" parTransId="{F9806694-F79F-4F0F-B80B-D8AEC14A4AE4}" sibTransId="{1559325B-7160-4295-9AC9-2388904B54D3}"/>
-    <dgm:cxn modelId="{E9FD1272-E01D-4880-BFDE-9A1AAA5292D5}" srcId="{910FF4E3-4B73-471E-A733-428EDE879319}" destId="{2B9145D1-EB7E-4900-B323-62729B920F30}" srcOrd="0" destOrd="0" parTransId="{5A1392F2-9813-4C0C-9524-55F25A946D72}" sibTransId="{FE9D72FD-6015-4C6F-8761-506C30B7F8B6}"/>
-    <dgm:cxn modelId="{9258CF10-A21F-436C-8DD6-66D5F2257114}" srcId="{595FCBCB-6F4C-41E0-9D57-CC8BC973C07C}" destId="{7B8C88F9-23A6-428A-9D84-EE8685A0B867}" srcOrd="0" destOrd="0" parTransId="{55BF91F1-8371-43F3-B796-D886F4AEA607}" sibTransId="{AB932049-799D-400F-96A9-390092336D78}"/>
-    <dgm:cxn modelId="{CE25B188-AF7E-45A6-B483-2C1585C607A0}" srcId="{95F92B39-5BD1-41DA-921B-40270E333897}" destId="{595FCBCB-6F4C-41E0-9D57-CC8BC973C07C}" srcOrd="0" destOrd="0" parTransId="{51635E7D-94AB-42DB-A23F-6B9E2711ADB8}" sibTransId="{0B43550C-8A90-4189-9B67-1225304E0089}"/>
-    <dgm:cxn modelId="{93F3283D-FB98-4B39-8399-B657990A16F1}" type="presOf" srcId="{CA5091F9-074B-4255-B185-C09D0BE2BF7B}" destId="{CA90F6F9-60A6-482D-9CEF-AA80F0D193AE}" srcOrd="0" destOrd="0" presId="urn:microsoft.com/office/officeart/2005/8/layout/hierarchy6"/>
-    <dgm:cxn modelId="{30A55F96-8DA0-4EC1-A524-A47232E0498E}" srcId="{638D4A18-E8B7-45E5-8EAA-4C0D29849159}" destId="{D692D1F3-8B04-4096-AA22-E14E93E2AD30}" srcOrd="0" destOrd="0" parTransId="{D4015DCB-90CE-418D-BA17-E20EB5979634}" sibTransId="{9DF5544D-7133-4BEC-80D5-5F4AB2FCACF0}"/>
-    <dgm:cxn modelId="{FF2520D5-DC6D-4AA8-A9F8-CF8972E73887}" type="presOf" srcId="{984E7E1A-DD08-4E2E-A546-5DAB66C40362}" destId="{AA34BBA1-AEFC-405E-88F0-054659A90B63}" srcOrd="0" destOrd="0" presId="urn:microsoft.com/office/officeart/2005/8/layout/hierarchy6"/>
-    <dgm:cxn modelId="{466D7E0B-F240-4D21-B075-148F30221A3B}" type="presOf" srcId="{E195E9F6-7564-48BE-A20F-8E15DF27D81A}" destId="{8F73F0A0-EB89-411D-B484-5DDA096E7375}" srcOrd="0" destOrd="0" presId="urn:microsoft.com/office/officeart/2005/8/layout/hierarchy6"/>
-    <dgm:cxn modelId="{FFBE421A-96E6-4728-9F99-D28C6318BB17}" type="presOf" srcId="{602223CB-CFD7-40C2-91FA-E4E1E82D12F8}" destId="{1B1B1F7A-7EF2-4ACB-B5C6-900D03138544}" srcOrd="0" destOrd="0" presId="urn:microsoft.com/office/officeart/2005/8/layout/hierarchy6"/>
-    <dgm:cxn modelId="{4B88D7A5-3EC0-4459-AA6F-F6EF968C760A}" type="presOf" srcId="{D0F8BDB2-13EF-4738-B074-310F7068418D}" destId="{508D3B25-CBDB-434C-AECC-728B5C07BAD5}" srcOrd="0" destOrd="0" presId="urn:microsoft.com/office/officeart/2005/8/layout/hierarchy6"/>
-    <dgm:cxn modelId="{6548AE4D-94C7-44BB-95FD-5DD037D3FBD3}" type="presOf" srcId="{78A11304-B47B-426C-80D9-23F105284D80}" destId="{9B8E5F4D-3D7A-47D4-BEB1-7A4D761EC373}" srcOrd="0" destOrd="0" presId="urn:microsoft.com/office/officeart/2005/8/layout/hierarchy6"/>
-    <dgm:cxn modelId="{C779DB3F-B5DA-40B5-BD04-85BDED782DA3}" type="presOf" srcId="{84BE1630-6BEF-48BE-BEB4-441EA60AE7C5}" destId="{2DFB326B-B609-43F8-A763-08BEA677E07F}" srcOrd="0" destOrd="0" presId="urn:microsoft.com/office/officeart/2005/8/layout/hierarchy6"/>
-    <dgm:cxn modelId="{78257164-1925-4869-B44A-2163251005E0}" type="presOf" srcId="{8EBD0BB1-A983-499A-AFE0-A135C6D6EAF4}" destId="{02AF57A5-5631-4829-8B1F-9F87C7E5BF9A}" srcOrd="0" destOrd="0" presId="urn:microsoft.com/office/officeart/2005/8/layout/hierarchy6"/>
-    <dgm:cxn modelId="{1A358F98-1340-4BF0-A227-6269E1BC5FDB}" srcId="{984E7E1A-DD08-4E2E-A546-5DAB66C40362}" destId="{8FAE6191-0821-4960-BC96-F58E46C703A9}" srcOrd="1" destOrd="0" parTransId="{4CC81563-AFF2-44A9-B9B0-EF1C87661122}" sibTransId="{D7A373A9-FF3D-4DB9-BAA4-871B43426D41}"/>
-    <dgm:cxn modelId="{AEAE211C-05CA-406B-A485-10AC5B28C623}" srcId="{8FAE6191-0821-4960-BC96-F58E46C703A9}" destId="{22D68CCB-4BEE-4732-BA18-145918E71689}" srcOrd="0" destOrd="0" parTransId="{845F5D8C-040E-4743-ACA2-252EB4E11E64}" sibTransId="{96F038F0-8321-4A68-ABFB-0F5C2D7FE10A}"/>
-    <dgm:cxn modelId="{B822AFDD-53D7-4668-990A-0FC76370D21F}" srcId="{210E38F1-6443-4897-BC67-3DC469B10B3A}" destId="{E195E9F6-7564-48BE-A20F-8E15DF27D81A}" srcOrd="0" destOrd="0" parTransId="{D0F8BDB2-13EF-4738-B074-310F7068418D}" sibTransId="{4A84E83F-0A4E-451D-B074-37C705FAC49A}"/>
+    <dgm:cxn modelId="{2FC541EE-72D6-4594-BA4D-2E2FAF5A220F}" type="presOf" srcId="{DFFEDB4F-CB16-440A-AC1A-1DC7D4CDB94A}" destId="{CD65A56E-BEB9-4A66-90D9-A9B1CD0B97DF}" srcOrd="0" destOrd="0" presId="urn:microsoft.com/office/officeart/2005/8/layout/hierarchy6"/>
+    <dgm:cxn modelId="{8BBAB2EF-486F-4C2D-8E6B-30F22B08CEDE}" srcId="{6343E979-4FE4-4A70-B59E-3E22D3659816}" destId="{90E52BB7-1EB0-47DC-82EE-28BBD13D64E9}" srcOrd="0" destOrd="0" parTransId="{7B0BD396-2B46-40BD-AC76-2EF21EDDDC81}" sibTransId="{6C2204E5-3FD4-4E2D-A0D8-AA639C5B78BB}"/>
+    <dgm:cxn modelId="{D9C5D9F2-5AD0-46AC-B53A-0532970DAECF}" type="presOf" srcId="{7A8423F9-E18F-49C7-AF47-88948CD8E18D}" destId="{D7F2430B-BCB5-408D-B434-E52E0A1944C0}" srcOrd="0" destOrd="0" presId="urn:microsoft.com/office/officeart/2005/8/layout/hierarchy6"/>
+    <dgm:cxn modelId="{965517F4-C9E3-4AEB-9595-DB78F8BE46AA}" type="presOf" srcId="{1CCEED45-57D7-4641-81C9-5908579CE245}" destId="{51E35AD2-0735-436F-A82F-19F611F0258D}" srcOrd="0" destOrd="0" presId="urn:microsoft.com/office/officeart/2005/8/layout/hierarchy6"/>
+    <dgm:cxn modelId="{6308E6F4-05B7-49BF-9773-6262DF0A5586}" type="presOf" srcId="{2B9145D1-EB7E-4900-B323-62729B920F30}" destId="{7AC4104E-E4B8-401B-8EEB-D04E808E6EE5}" srcOrd="0" destOrd="0" presId="urn:microsoft.com/office/officeart/2005/8/layout/hierarchy6"/>
+    <dgm:cxn modelId="{4236A6F7-FF9C-4705-BCEE-4E9B1754C1A2}" type="presOf" srcId="{6331599E-52B8-4A6C-B3A0-6191E729069E}" destId="{FBEC95B0-C69A-4159-A230-69B97543DC08}" srcOrd="0" destOrd="0" presId="urn:microsoft.com/office/officeart/2005/8/layout/hierarchy6"/>
     <dgm:cxn modelId="{E66A6DFA-838B-4265-BAE3-732A6B928409}" srcId="{142E7667-7801-477A-80B1-678DFCEE8B9B}" destId="{6343E979-4FE4-4A70-B59E-3E22D3659816}" srcOrd="0" destOrd="0" parTransId="{7A8423F9-E18F-49C7-AF47-88948CD8E18D}" sibTransId="{A2AAA9C3-C9BC-414E-AD60-200EF2F1EFA3}"/>
-    <dgm:cxn modelId="{5C8AD39E-048A-4F0B-A4E5-8E7E28CD4E8E}" srcId="{EFFA102A-5D82-49D3-A6E7-45C00C42107B}" destId="{818A50AE-2897-4A8A-A2D4-C798E3839759}" srcOrd="0" destOrd="0" parTransId="{6E64CD67-6FB7-4233-986F-C1A61F90D25C}" sibTransId="{C0AF5DF9-2ED6-42D3-8F8C-F06FCA8338A2}"/>
-    <dgm:cxn modelId="{44BC1EE3-FF57-452E-9F1C-1297E9ECAE80}" srcId="{984E7E1A-DD08-4E2E-A546-5DAB66C40362}" destId="{6169ABB3-9EA3-4A97-9BDB-7BF1A5E8319C}" srcOrd="4" destOrd="0" parTransId="{28EC855E-094C-4BED-9FB2-2C030C8FFA45}" sibTransId="{5DD54D20-2A68-4F1C-81FF-4637F3180AB6}"/>
-    <dgm:cxn modelId="{242DF2D3-F3A7-4348-A721-6000EAFAE055}" srcId="{984E7E1A-DD08-4E2E-A546-5DAB66C40362}" destId="{46EFE5C5-7E26-4632-AB0D-CFDE009726AC}" srcOrd="2" destOrd="0" parTransId="{8EBD0BB1-A983-499A-AFE0-A135C6D6EAF4}" sibTransId="{5914253C-0C02-433E-BBB4-A56090EFD1EA}"/>
-    <dgm:cxn modelId="{9ABDE14A-C136-42D3-8FC9-0CBFC6B20EDD}" type="presOf" srcId="{D4015DCB-90CE-418D-BA17-E20EB5979634}" destId="{E16ADE93-99AF-45AE-A7EE-51F95CB0B46A}" srcOrd="0" destOrd="0" presId="urn:microsoft.com/office/officeart/2005/8/layout/hierarchy6"/>
-    <dgm:cxn modelId="{9CD9DEDE-0ABC-4BC8-8EED-926624F8029E}" type="presOf" srcId="{F9806694-F79F-4F0F-B80B-D8AEC14A4AE4}" destId="{9F6C2837-18E1-42E8-B36E-26D798F13CAA}" srcOrd="0" destOrd="0" presId="urn:microsoft.com/office/officeart/2005/8/layout/hierarchy6"/>
-    <dgm:cxn modelId="{51C6363D-A016-436F-A5EC-4E1FD4FE7A7E}" type="presOf" srcId="{EBD4D5EB-965D-43EB-B803-B2DBA1A47692}" destId="{ECE94489-582E-4D24-A60B-70DA935857A8}" srcOrd="0" destOrd="0" presId="urn:microsoft.com/office/officeart/2005/8/layout/hierarchy6"/>
-    <dgm:cxn modelId="{8145C653-6280-4F2D-8678-3F69D5CD17DF}" type="presOf" srcId="{7B0BD396-2B46-40BD-AC76-2EF21EDDDC81}" destId="{F3B7109E-FC5E-4032-9E48-7AE989930E7F}" srcOrd="0" destOrd="0" presId="urn:microsoft.com/office/officeart/2005/8/layout/hierarchy6"/>
-    <dgm:cxn modelId="{CA998EDF-D1EC-4F21-BC02-F8E5D809124E}" srcId="{90E52BB7-1EB0-47DC-82EE-28BBD13D64E9}" destId="{65164E71-4DD3-40F1-A30B-EC613D040542}" srcOrd="0" destOrd="0" parTransId="{602223CB-CFD7-40C2-91FA-E4E1E82D12F8}" sibTransId="{21CD02D9-E652-489A-8BF4-F425E3CF6D26}"/>
-    <dgm:cxn modelId="{6308E6F4-05B7-49BF-9773-6262DF0A5586}" type="presOf" srcId="{2B9145D1-EB7E-4900-B323-62729B920F30}" destId="{7AC4104E-E4B8-401B-8EEB-D04E808E6EE5}" srcOrd="0" destOrd="0" presId="urn:microsoft.com/office/officeart/2005/8/layout/hierarchy6"/>
-    <dgm:cxn modelId="{318806E0-51BA-4146-A58B-683225FF1FD9}" type="presOf" srcId="{65164E71-4DD3-40F1-A30B-EC613D040542}" destId="{D96C27F6-8F1F-4C78-BC8B-2BA73823F3B2}" srcOrd="0" destOrd="0" presId="urn:microsoft.com/office/officeart/2005/8/layout/hierarchy6"/>
-    <dgm:cxn modelId="{6C09A7CF-ED9E-4F5C-A208-29FC73FCD37A}" srcId="{46EFE5C5-7E26-4632-AB0D-CFDE009726AC}" destId="{C6E69E37-3961-44EE-94E9-D23872BEE4C9}" srcOrd="0" destOrd="0" parTransId="{39E7187F-BF44-4434-ABA8-1C914D1E277A}" sibTransId="{DEA9B8DE-9278-41C4-8958-F47B791467F4}"/>
-    <dgm:cxn modelId="{D47CA79C-8F8E-4F6C-B4A4-DC7B0D45936D}" srcId="{22D68CCB-4BEE-4732-BA18-145918E71689}" destId="{638D4A18-E8B7-45E5-8EAA-4C0D29849159}" srcOrd="0" destOrd="0" parTransId="{6331599E-52B8-4A6C-B3A0-6191E729069E}" sibTransId="{96BDABD5-5B11-468E-B806-E97AD8AE4AFA}"/>
-    <dgm:cxn modelId="{8E0F5C75-BF33-46B4-A61F-D0B9F3D3BE7B}" type="presOf" srcId="{EFFA102A-5D82-49D3-A6E7-45C00C42107B}" destId="{BCE69E19-3950-4634-98DB-22EACA842756}" srcOrd="0" destOrd="0" presId="urn:microsoft.com/office/officeart/2005/8/layout/hierarchy6"/>
-    <dgm:cxn modelId="{D9C5D9F2-5AD0-46AC-B53A-0532970DAECF}" type="presOf" srcId="{7A8423F9-E18F-49C7-AF47-88948CD8E18D}" destId="{D7F2430B-BCB5-408D-B434-E52E0A1944C0}" srcOrd="0" destOrd="0" presId="urn:microsoft.com/office/officeart/2005/8/layout/hierarchy6"/>
-    <dgm:cxn modelId="{F1101002-5CE5-4FCB-B939-DBDC719D8088}" type="presOf" srcId="{0B8E2C65-A4D7-4B41-A006-CAAA09EDACC5}" destId="{3E27615C-4EFE-4C20-92E5-F66765CC04DB}" srcOrd="0" destOrd="0" presId="urn:microsoft.com/office/officeart/2005/8/layout/hierarchy6"/>
-    <dgm:cxn modelId="{8237BEE0-D1B1-440F-9385-3C24B42C9D37}" srcId="{D692D1F3-8B04-4096-AA22-E14E93E2AD30}" destId="{1CCEED45-57D7-4641-81C9-5908579CE245}" srcOrd="0" destOrd="0" parTransId="{0B8E2C65-A4D7-4B41-A006-CAAA09EDACC5}" sibTransId="{3565B9CB-B1EE-400D-B2B9-2B551D737D10}"/>
-    <dgm:cxn modelId="{50A123AB-70AF-42EF-B4AC-A864625C080A}" type="presOf" srcId="{6E64CD67-6FB7-4233-986F-C1A61F90D25C}" destId="{A181B12C-7C20-4BE9-8886-24DDE0080781}" srcOrd="0" destOrd="0" presId="urn:microsoft.com/office/officeart/2005/8/layout/hierarchy6"/>
-    <dgm:cxn modelId="{F62D2C8B-4463-41B4-9FA8-643CE8E3126A}" type="presOf" srcId="{F27108DA-E888-48DE-8C97-7FDC95CC2EF6}" destId="{06FE7757-0221-4CB4-905F-C6A4BCBA3C71}" srcOrd="0" destOrd="0" presId="urn:microsoft.com/office/officeart/2005/8/layout/hierarchy6"/>
-    <dgm:cxn modelId="{A82D7115-D175-4E2D-9D2A-0015285A99C9}" type="presOf" srcId="{658605B8-67B6-4965-9219-87AD07A2BD57}" destId="{C7ECFBED-B4C0-49F9-8060-B5CF65818561}" srcOrd="0" destOrd="0" presId="urn:microsoft.com/office/officeart/2005/8/layout/hierarchy6"/>
-    <dgm:cxn modelId="{6193E151-7B4B-421D-8E3E-D3E6FEF0B0BC}" srcId="{64108CB1-DB75-4E6C-B114-0F078EBFAA65}" destId="{210E38F1-6443-4897-BC67-3DC469B10B3A}" srcOrd="0" destOrd="0" parTransId="{658605B8-67B6-4965-9219-87AD07A2BD57}" sibTransId="{0132DBF9-A877-41CA-AAEC-9BACB1A6367E}"/>
-    <dgm:cxn modelId="{2384D281-B6AE-40D6-9D9D-04418BCD48A4}" type="presOf" srcId="{8D053341-47DE-4A56-8DB5-F4344314674C}" destId="{B6589975-B071-491E-8570-70970CA1F480}" srcOrd="0" destOrd="0" presId="urn:microsoft.com/office/officeart/2005/8/layout/hierarchy6"/>
-    <dgm:cxn modelId="{D0DCC87F-FDBD-4AEB-A04B-CC698B69B140}" type="presOf" srcId="{7B8C88F9-23A6-428A-9D84-EE8685A0B867}" destId="{7B17D095-05F0-4567-ACF5-DAE1C7F71050}" srcOrd="0" destOrd="0" presId="urn:microsoft.com/office/officeart/2005/8/layout/hierarchy6"/>
-    <dgm:cxn modelId="{EE720115-9484-482A-880C-C4C55B1A6361}" type="presOf" srcId="{95F92B39-5BD1-41DA-921B-40270E333897}" destId="{EA693939-0FD8-4332-A064-9C5C4989F6C3}" srcOrd="0" destOrd="0" presId="urn:microsoft.com/office/officeart/2005/8/layout/hierarchy6"/>
-    <dgm:cxn modelId="{8F478C23-D9B8-4684-87CF-064D223FC730}" type="presOf" srcId="{ACDCB4B0-FE3A-4189-B855-4AF36F6C0D74}" destId="{291C996E-0EB8-4C7C-A09D-BCD184B0D448}" srcOrd="0" destOrd="0" presId="urn:microsoft.com/office/officeart/2005/8/layout/hierarchy6"/>
-    <dgm:cxn modelId="{8BBAB2EF-486F-4C2D-8E6B-30F22B08CEDE}" srcId="{6343E979-4FE4-4A70-B59E-3E22D3659816}" destId="{90E52BB7-1EB0-47DC-82EE-28BBD13D64E9}" srcOrd="0" destOrd="0" parTransId="{7B0BD396-2B46-40BD-AC76-2EF21EDDDC81}" sibTransId="{6C2204E5-3FD4-4E2D-A0D8-AA639C5B78BB}"/>
-    <dgm:cxn modelId="{8AF7D83C-2A35-4B4E-9A89-87807C35D1FB}" srcId="{C6E69E37-3961-44EE-94E9-D23872BEE4C9}" destId="{DEA8DC5E-722E-4FFF-BA91-EA999F6AAE91}" srcOrd="0" destOrd="0" parTransId="{CA5091F9-074B-4255-B185-C09D0BE2BF7B}" sibTransId="{64D4773E-534A-4E7B-A0A1-8D87DE867EA7}"/>
-    <dgm:cxn modelId="{606288B5-F503-4B9D-A927-3107CB71235F}" type="presOf" srcId="{90E52BB7-1EB0-47DC-82EE-28BBD13D64E9}" destId="{EF24AA40-32E7-44EE-B69D-486DD25DA9EB}" srcOrd="0" destOrd="0" presId="urn:microsoft.com/office/officeart/2005/8/layout/hierarchy6"/>
-    <dgm:cxn modelId="{585D811E-D1DC-4005-A2E1-10A91687431B}" srcId="{664B246F-00B5-4610-86EB-ACE0B8B7FA38}" destId="{984E7E1A-DD08-4E2E-A546-5DAB66C40362}" srcOrd="0" destOrd="0" parTransId="{AE2E2423-B2F0-4C74-A8DB-4BBE21532EE2}" sibTransId="{54838042-35A6-423A-9D5B-CC6E4DD67A85}"/>
-    <dgm:cxn modelId="{502F4795-9AF2-4388-ABC6-BA3E03AE3ACC}" type="presOf" srcId="{64108CB1-DB75-4E6C-B114-0F078EBFAA65}" destId="{9E0003AA-36A8-4BDA-A4D5-AE9FD5909BC7}" srcOrd="0" destOrd="0" presId="urn:microsoft.com/office/officeart/2005/8/layout/hierarchy6"/>
     <dgm:cxn modelId="{62BB2EFC-BB8A-4B92-8454-390B74124D28}" type="presOf" srcId="{D692D1F3-8B04-4096-AA22-E14E93E2AD30}" destId="{DBC340A0-3818-4944-BAC4-6FC41200E407}" srcOrd="0" destOrd="0" presId="urn:microsoft.com/office/officeart/2005/8/layout/hierarchy6"/>
-    <dgm:cxn modelId="{4900DBD3-31F0-49AE-8333-B1D734FB2364}" type="presOf" srcId="{5A1392F2-9813-4C0C-9524-55F25A946D72}" destId="{2BA6003D-FD41-41E9-BCA1-01EBE4EE20D3}" srcOrd="0" destOrd="0" presId="urn:microsoft.com/office/officeart/2005/8/layout/hierarchy6"/>
-    <dgm:cxn modelId="{2FC541EE-72D6-4594-BA4D-2E2FAF5A220F}" type="presOf" srcId="{DFFEDB4F-CB16-440A-AC1A-1DC7D4CDB94A}" destId="{CD65A56E-BEB9-4A66-90D9-A9B1CD0B97DF}" srcOrd="0" destOrd="0" presId="urn:microsoft.com/office/officeart/2005/8/layout/hierarchy6"/>
-    <dgm:cxn modelId="{315020E2-D7B1-470A-A75B-A8A3010E177D}" type="presOf" srcId="{46EFE5C5-7E26-4632-AB0D-CFDE009726AC}" destId="{5B4C9849-DEB8-40B2-959E-E2FFC9C320FA}" srcOrd="0" destOrd="0" presId="urn:microsoft.com/office/officeart/2005/8/layout/hierarchy6"/>
-    <dgm:cxn modelId="{0D9639D3-0F68-4944-810F-23C0962D110F}" type="presOf" srcId="{28EC855E-094C-4BED-9FB2-2C030C8FFA45}" destId="{F466743B-97CF-4FAA-9E07-3737C57455A5}" srcOrd="0" destOrd="0" presId="urn:microsoft.com/office/officeart/2005/8/layout/hierarchy6"/>
-    <dgm:cxn modelId="{D8A9B400-7A48-4EDB-B41F-AD84DBF35F21}" type="presOf" srcId="{FB132DEB-3EBB-4B7B-9E10-1EA28E437B0C}" destId="{ED51B719-283F-4EED-B2CC-182439F80BA8}" srcOrd="0" destOrd="0" presId="urn:microsoft.com/office/officeart/2005/8/layout/hierarchy6"/>
-    <dgm:cxn modelId="{092181AB-6C19-4EB2-9873-D2A1DC6C023B}" type="presOf" srcId="{8FAE6191-0821-4960-BC96-F58E46C703A9}" destId="{98829285-C359-4558-A8AB-ED49C5195838}" srcOrd="0" destOrd="0" presId="urn:microsoft.com/office/officeart/2005/8/layout/hierarchy6"/>
-    <dgm:cxn modelId="{4236A6F7-FF9C-4705-BCEE-4E9B1754C1A2}" type="presOf" srcId="{6331599E-52B8-4A6C-B3A0-6191E729069E}" destId="{FBEC95B0-C69A-4159-A230-69B97543DC08}" srcOrd="0" destOrd="0" presId="urn:microsoft.com/office/officeart/2005/8/layout/hierarchy6"/>
-    <dgm:cxn modelId="{B6555617-2FBB-48E7-9D92-8BC0E336D671}" type="presOf" srcId="{638D4A18-E8B7-45E5-8EAA-4C0D29849159}" destId="{F1CD7CC0-9E0D-4303-82AE-D7A2B5AF17DB}" srcOrd="0" destOrd="0" presId="urn:microsoft.com/office/officeart/2005/8/layout/hierarchy6"/>
-    <dgm:cxn modelId="{965517F4-C9E3-4AEB-9595-DB78F8BE46AA}" type="presOf" srcId="{1CCEED45-57D7-4641-81C9-5908579CE245}" destId="{51E35AD2-0735-436F-A82F-19F611F0258D}" srcOrd="0" destOrd="0" presId="urn:microsoft.com/office/officeart/2005/8/layout/hierarchy6"/>
-    <dgm:cxn modelId="{13F68E04-F892-44EA-AC85-5C55BCCACE31}" type="presOf" srcId="{845F5D8C-040E-4743-ACA2-252EB4E11E64}" destId="{9B20D733-63A4-4B62-A174-9E852702C56C}" srcOrd="0" destOrd="0" presId="urn:microsoft.com/office/officeart/2005/8/layout/hierarchy6"/>
-    <dgm:cxn modelId="{7C3DE64C-953A-4B36-89BF-C3A300F94624}" srcId="{984E7E1A-DD08-4E2E-A546-5DAB66C40362}" destId="{FB132DEB-3EBB-4B7B-9E10-1EA28E437B0C}" srcOrd="3" destOrd="0" parTransId="{84BE1630-6BEF-48BE-BEB4-441EA60AE7C5}" sibTransId="{3DA0803E-74EB-47A7-880B-91D87ACD481A}"/>
-    <dgm:cxn modelId="{8EA2144C-00D4-43CC-9DED-FF57F76C3C26}" type="presOf" srcId="{DEA8DC5E-722E-4FFF-BA91-EA999F6AAE91}" destId="{FAE55E79-8B96-4C0A-BE86-86E1DECB95C8}" srcOrd="0" destOrd="0" presId="urn:microsoft.com/office/officeart/2005/8/layout/hierarchy6"/>
-    <dgm:cxn modelId="{4236410F-A92F-4C87-BF14-3DA943DADA64}" srcId="{FB132DEB-3EBB-4B7B-9E10-1EA28E437B0C}" destId="{142E7667-7801-477A-80B1-678DFCEE8B9B}" srcOrd="0" destOrd="0" parTransId="{ACDCB4B0-FE3A-4189-B855-4AF36F6C0D74}" sibTransId="{5C06A405-8210-48F4-A408-225051F39FBE}"/>
-    <dgm:cxn modelId="{A1A42AC5-B3CA-474B-A03B-83A5BC59A4EF}" srcId="{984E7E1A-DD08-4E2E-A546-5DAB66C40362}" destId="{8D053341-47DE-4A56-8DB5-F4344314674C}" srcOrd="0" destOrd="0" parTransId="{EBD4D5EB-965D-43EB-B803-B2DBA1A47692}" sibTransId="{176D6055-7813-445A-AD4E-B8512697E12E}"/>
     <dgm:cxn modelId="{FE7B2495-E11B-4F2A-A472-9C4679DD959E}" type="presParOf" srcId="{327FBF58-624F-4F1F-9921-6E06642364B9}" destId="{F042D168-04ED-406A-BCDD-96683E332C13}" srcOrd="0" destOrd="0" presId="urn:microsoft.com/office/officeart/2005/8/layout/hierarchy6"/>
     <dgm:cxn modelId="{F78C82B2-410C-4859-BFB9-C14C59C714CE}" type="presParOf" srcId="{F042D168-04ED-406A-BCDD-96683E332C13}" destId="{7FFCBE30-6850-4976-A6ED-5C6F49188539}" srcOrd="0" destOrd="0" presId="urn:microsoft.com/office/officeart/2005/8/layout/hierarchy6"/>
     <dgm:cxn modelId="{9D50259A-7E3A-4076-BFD8-E98B3AC83138}" type="presParOf" srcId="{7FFCBE30-6850-4976-A6ED-5C6F49188539}" destId="{E2405E1B-AD31-4EB2-A052-20046520C88A}" srcOrd="0" destOrd="0" presId="urn:microsoft.com/office/officeart/2005/8/layout/hierarchy6"/>
@@ -3393,6 +2638,10 @@
     <dgm:cxn modelId="{DCEAE172-C913-4C08-A985-5456A7F1CFE3}" type="presParOf" srcId="{760313C0-717F-4AE7-A5F2-574534105C44}" destId="{5BD994D5-C433-4FE2-AB61-4264BFEF7809}" srcOrd="1" destOrd="0" presId="urn:microsoft.com/office/officeart/2005/8/layout/hierarchy6"/>
     <dgm:cxn modelId="{AB577680-3D68-47DF-8664-C6AE5417AF2E}" type="presParOf" srcId="{5BD994D5-C433-4FE2-AB61-4264BFEF7809}" destId="{7B17D095-05F0-4567-ACF5-DAE1C7F71050}" srcOrd="0" destOrd="0" presId="urn:microsoft.com/office/officeart/2005/8/layout/hierarchy6"/>
     <dgm:cxn modelId="{9E1F569E-0462-4CFD-A2BF-CEC72E7E7A77}" type="presParOf" srcId="{5BD994D5-C433-4FE2-AB61-4264BFEF7809}" destId="{90EFF611-D625-4166-8403-F0F91E00F887}" srcOrd="1" destOrd="0" presId="urn:microsoft.com/office/officeart/2005/8/layout/hierarchy6"/>
+    <dgm:cxn modelId="{F763AFA7-28EC-49FA-97E0-0E4E1C6DEEC4}" type="presParOf" srcId="{90EFF611-D625-4166-8403-F0F91E00F887}" destId="{1BEB3F5D-527E-4392-A984-BA9906967D01}" srcOrd="0" destOrd="0" presId="urn:microsoft.com/office/officeart/2005/8/layout/hierarchy6"/>
+    <dgm:cxn modelId="{F5D185E7-E459-4134-B59B-9F845837F2F8}" type="presParOf" srcId="{90EFF611-D625-4166-8403-F0F91E00F887}" destId="{03025104-540D-4BA6-9A3D-EA09C36727C9}" srcOrd="1" destOrd="0" presId="urn:microsoft.com/office/officeart/2005/8/layout/hierarchy6"/>
+    <dgm:cxn modelId="{83E16EB9-2439-4E2C-9D67-C8C867D5BB2A}" type="presParOf" srcId="{03025104-540D-4BA6-9A3D-EA09C36727C9}" destId="{149DFA66-F11C-4DFF-BDBE-E00AC7EA378B}" srcOrd="0" destOrd="0" presId="urn:microsoft.com/office/officeart/2005/8/layout/hierarchy6"/>
+    <dgm:cxn modelId="{F52216C6-6AB1-46D5-A600-342A01F87792}" type="presParOf" srcId="{03025104-540D-4BA6-9A3D-EA09C36727C9}" destId="{360CDA88-C970-408D-858E-968CC4642C27}" srcOrd="1" destOrd="0" presId="urn:microsoft.com/office/officeart/2005/8/layout/hierarchy6"/>
     <dgm:cxn modelId="{172D4185-08D3-4FB0-A9EB-79BE772234AE}" type="presParOf" srcId="{1310C93A-257F-43F9-9C19-53032BA77C1A}" destId="{61106BEE-8394-41F9-A438-4FF037DCC549}" srcOrd="2" destOrd="0" presId="urn:microsoft.com/office/officeart/2005/8/layout/hierarchy6"/>
     <dgm:cxn modelId="{548F8743-7D1D-4246-AB1E-AF02896AE7F9}" type="presParOf" srcId="{1310C93A-257F-43F9-9C19-53032BA77C1A}" destId="{A905BD00-D3F3-4827-A249-E4CC3BEC9E1E}" srcOrd="3" destOrd="0" presId="urn:microsoft.com/office/officeart/2005/8/layout/hierarchy6"/>
     <dgm:cxn modelId="{913D643B-D419-4CB9-8B97-6A31D3060918}" type="presParOf" srcId="{A905BD00-D3F3-4827-A249-E4CC3BEC9E1E}" destId="{98829285-C359-4558-A8AB-ED49C5195838}" srcOrd="0" destOrd="0" presId="urn:microsoft.com/office/officeart/2005/8/layout/hierarchy6"/>
@@ -3500,8 +2749,8 @@
       </dsp:nvSpPr>
       <dsp:spPr>
         <a:xfrm>
-          <a:off x="4954034" y="2070"/>
-          <a:ext cx="1024972" cy="683315"/>
+          <a:off x="5020764" y="4206"/>
+          <a:ext cx="891512" cy="594341"/>
         </a:xfrm>
         <a:prstGeom prst="roundRect">
           <a:avLst>
@@ -3546,12 +2795,12 @@
         </a:fontRef>
       </dsp:style>
       <dsp:txBody>
-        <a:bodyPr spcFirstLastPara="0" vert="horz" wrap="square" lIns="38100" tIns="38100" rIns="38100" bIns="38100" numCol="1" spcCol="1270" anchor="ctr" anchorCtr="0">
+        <a:bodyPr spcFirstLastPara="0" vert="horz" wrap="square" lIns="34290" tIns="34290" rIns="34290" bIns="34290" numCol="1" spcCol="1270" anchor="ctr" anchorCtr="0">
           <a:noAutofit/>
         </a:bodyPr>
         <a:lstStyle/>
         <a:p>
-          <a:pPr lvl="0" algn="ctr" defTabSz="444500">
+          <a:pPr marL="0" lvl="0" indent="0" algn="ctr" defTabSz="400050">
             <a:lnSpc>
               <a:spcPct val="90000"/>
             </a:lnSpc>
@@ -3561,21 +2810,22 @@
             <a:spcAft>
               <a:spcPct val="35000"/>
             </a:spcAft>
+            <a:buNone/>
           </a:pPr>
           <a:r>
-            <a:rPr lang="es-ES_tradnl" sz="1000" kern="1200" dirty="0"/>
+            <a:rPr lang="es-ES_tradnl" sz="900" kern="1200" dirty="0"/>
             <a:t>Proyecto </a:t>
           </a:r>
           <a:r>
-            <a:rPr lang="es-ES_tradnl" sz="1000" kern="1200" dirty="0" err="1" smtClean="0"/>
+            <a:rPr lang="es-ES_tradnl" sz="900" kern="1200" dirty="0" err="1"/>
             <a:t>MeCuida</a:t>
           </a:r>
-          <a:endParaRPr lang="es-ES" sz="1000" kern="1200" dirty="0"/>
+          <a:endParaRPr lang="es-ES" sz="900" kern="1200" dirty="0"/>
         </a:p>
       </dsp:txBody>
       <dsp:txXfrm>
-        <a:off x="4974048" y="22084"/>
-        <a:ext cx="984944" cy="643287"/>
+        <a:off x="5038172" y="21614"/>
+        <a:ext cx="856696" cy="559525"/>
       </dsp:txXfrm>
     </dsp:sp>
     <dsp:sp modelId="{ECE94489-582E-4D24-A60B-70DA935857A8}">
@@ -3585,8 +2835,8 @@
       </dsp:nvSpPr>
       <dsp:spPr>
         <a:xfrm>
-          <a:off x="2135359" y="685386"/>
-          <a:ext cx="3331161" cy="273326"/>
+          <a:off x="2569104" y="598548"/>
+          <a:ext cx="2897416" cy="237736"/>
         </a:xfrm>
         <a:custGeom>
           <a:avLst/>
@@ -3597,16 +2847,16 @@
           <a:pathLst>
             <a:path>
               <a:moveTo>
-                <a:pt x="3331161" y="0"/>
+                <a:pt x="2897416" y="0"/>
               </a:moveTo>
               <a:lnTo>
-                <a:pt x="3331161" y="136663"/>
+                <a:pt x="2897416" y="118868"/>
               </a:lnTo>
               <a:lnTo>
-                <a:pt x="0" y="136663"/>
+                <a:pt x="0" y="118868"/>
               </a:lnTo>
               <a:lnTo>
-                <a:pt x="0" y="273326"/>
+                <a:pt x="0" y="237736"/>
               </a:lnTo>
             </a:path>
           </a:pathLst>
@@ -3647,8 +2897,8 @@
       </dsp:nvSpPr>
       <dsp:spPr>
         <a:xfrm>
-          <a:off x="1622873" y="958712"/>
-          <a:ext cx="1024972" cy="683315"/>
+          <a:off x="2123348" y="836284"/>
+          <a:ext cx="891512" cy="594341"/>
         </a:xfrm>
         <a:prstGeom prst="roundRect">
           <a:avLst>
@@ -3693,12 +2943,12 @@
         </a:fontRef>
       </dsp:style>
       <dsp:txBody>
-        <a:bodyPr spcFirstLastPara="0" vert="horz" wrap="square" lIns="38100" tIns="38100" rIns="38100" bIns="38100" numCol="1" spcCol="1270" anchor="ctr" anchorCtr="0">
+        <a:bodyPr spcFirstLastPara="0" vert="horz" wrap="square" lIns="34290" tIns="34290" rIns="34290" bIns="34290" numCol="1" spcCol="1270" anchor="ctr" anchorCtr="0">
           <a:noAutofit/>
         </a:bodyPr>
         <a:lstStyle/>
         <a:p>
-          <a:pPr lvl="0" algn="ctr" defTabSz="444500">
+          <a:pPr marL="0" lvl="0" indent="0" algn="ctr" defTabSz="400050">
             <a:lnSpc>
               <a:spcPct val="90000"/>
             </a:lnSpc>
@@ -3708,17 +2958,18 @@
             <a:spcAft>
               <a:spcPct val="35000"/>
             </a:spcAft>
+            <a:buNone/>
           </a:pPr>
           <a:r>
-            <a:rPr lang="es-ES_tradnl" sz="1000" kern="1200" dirty="0" smtClean="0"/>
+            <a:rPr lang="es-ES_tradnl" sz="900" kern="1200" dirty="0"/>
             <a:t>1. Análisis</a:t>
           </a:r>
-          <a:endParaRPr lang="es-ES" sz="1000" kern="1200" dirty="0"/>
+          <a:endParaRPr lang="es-ES" sz="900" kern="1200" dirty="0"/>
         </a:p>
       </dsp:txBody>
       <dsp:txXfrm>
-        <a:off x="1642887" y="978726"/>
-        <a:ext cx="984944" cy="643287"/>
+        <a:off x="2140756" y="853692"/>
+        <a:ext cx="856696" cy="559525"/>
       </dsp:txXfrm>
     </dsp:sp>
     <dsp:sp modelId="{CD65A56E-BEB9-4A66-90D9-A9B1CD0B97DF}">
@@ -3728,8 +2979,8 @@
       </dsp:nvSpPr>
       <dsp:spPr>
         <a:xfrm>
-          <a:off x="2089639" y="1642027"/>
-          <a:ext cx="91440" cy="273326"/>
+          <a:off x="2523384" y="1430626"/>
+          <a:ext cx="91440" cy="237736"/>
         </a:xfrm>
         <a:custGeom>
           <a:avLst/>
@@ -3743,7 +2994,7 @@
                 <a:pt x="45720" y="0"/>
               </a:moveTo>
               <a:lnTo>
-                <a:pt x="45720" y="273326"/>
+                <a:pt x="45720" y="237736"/>
               </a:lnTo>
             </a:path>
           </a:pathLst>
@@ -3784,8 +3035,8 @@
       </dsp:nvSpPr>
       <dsp:spPr>
         <a:xfrm>
-          <a:off x="1622873" y="1915353"/>
-          <a:ext cx="1024972" cy="683315"/>
+          <a:off x="2123348" y="1668363"/>
+          <a:ext cx="891512" cy="594341"/>
         </a:xfrm>
         <a:prstGeom prst="roundRect">
           <a:avLst>
@@ -3830,12 +3081,12 @@
         </a:fontRef>
       </dsp:style>
       <dsp:txBody>
-        <a:bodyPr spcFirstLastPara="0" vert="horz" wrap="square" lIns="38100" tIns="38100" rIns="38100" bIns="38100" numCol="1" spcCol="1270" anchor="ctr" anchorCtr="0">
+        <a:bodyPr spcFirstLastPara="0" vert="horz" wrap="square" lIns="34290" tIns="34290" rIns="34290" bIns="34290" numCol="1" spcCol="1270" anchor="ctr" anchorCtr="0">
           <a:noAutofit/>
         </a:bodyPr>
         <a:lstStyle/>
         <a:p>
-          <a:pPr lvl="0" algn="ctr" defTabSz="444500">
+          <a:pPr marL="0" lvl="0" indent="0" algn="ctr" defTabSz="400050">
             <a:lnSpc>
               <a:spcPct val="90000"/>
             </a:lnSpc>
@@ -3845,17 +3096,18 @@
             <a:spcAft>
               <a:spcPct val="35000"/>
             </a:spcAft>
+            <a:buNone/>
           </a:pPr>
           <a:r>
-            <a:rPr lang="es-ES_tradnl" sz="1000" kern="1200" dirty="0" smtClean="0"/>
-            <a:t>1.1. Requerimientos</a:t>
+            <a:rPr lang="es-ES_tradnl" sz="900" kern="1200" dirty="0"/>
+            <a:t>1.1. Requerimientos Funcionales</a:t>
           </a:r>
-          <a:endParaRPr lang="es-ES" sz="1000" kern="1200" dirty="0"/>
+          <a:endParaRPr lang="es-ES" sz="900" kern="1200" dirty="0"/>
         </a:p>
       </dsp:txBody>
       <dsp:txXfrm>
-        <a:off x="1642887" y="1935367"/>
-        <a:ext cx="984944" cy="643287"/>
+        <a:off x="2140756" y="1685771"/>
+        <a:ext cx="856696" cy="559525"/>
       </dsp:txXfrm>
     </dsp:sp>
     <dsp:sp modelId="{A181B12C-7C20-4BE9-8886-24DDE0080781}">
@@ -3865,8 +3117,8 @@
       </dsp:nvSpPr>
       <dsp:spPr>
         <a:xfrm>
-          <a:off x="2089639" y="2598668"/>
-          <a:ext cx="91440" cy="273326"/>
+          <a:off x="2523384" y="2262705"/>
+          <a:ext cx="91440" cy="237736"/>
         </a:xfrm>
         <a:custGeom>
           <a:avLst/>
@@ -3880,7 +3132,7 @@
                 <a:pt x="45720" y="0"/>
               </a:moveTo>
               <a:lnTo>
-                <a:pt x="45720" y="273326"/>
+                <a:pt x="45720" y="237736"/>
               </a:lnTo>
             </a:path>
           </a:pathLst>
@@ -3921,8 +3173,8 @@
       </dsp:nvSpPr>
       <dsp:spPr>
         <a:xfrm>
-          <a:off x="1622873" y="2871994"/>
-          <a:ext cx="1024972" cy="683315"/>
+          <a:off x="2123348" y="2500441"/>
+          <a:ext cx="891512" cy="594341"/>
         </a:xfrm>
         <a:prstGeom prst="roundRect">
           <a:avLst>
@@ -3967,12 +3219,12 @@
         </a:fontRef>
       </dsp:style>
       <dsp:txBody>
-        <a:bodyPr spcFirstLastPara="0" vert="horz" wrap="square" lIns="38100" tIns="38100" rIns="38100" bIns="38100" numCol="1" spcCol="1270" anchor="ctr" anchorCtr="0">
+        <a:bodyPr spcFirstLastPara="0" vert="horz" wrap="square" lIns="34290" tIns="34290" rIns="34290" bIns="34290" numCol="1" spcCol="1270" anchor="ctr" anchorCtr="0">
           <a:noAutofit/>
         </a:bodyPr>
         <a:lstStyle/>
         <a:p>
-          <a:pPr lvl="0" algn="ctr" defTabSz="444500">
+          <a:pPr marL="0" lvl="0" indent="0" algn="ctr" defTabSz="400050">
             <a:lnSpc>
               <a:spcPct val="90000"/>
             </a:lnSpc>
@@ -3982,17 +3234,18 @@
             <a:spcAft>
               <a:spcPct val="35000"/>
             </a:spcAft>
+            <a:buNone/>
           </a:pPr>
           <a:r>
-            <a:rPr lang="es-ES_tradnl" sz="1000" kern="1200" dirty="0" smtClean="0"/>
-            <a:t>1.2. Riesgos</a:t>
+            <a:rPr lang="es-ES_tradnl" sz="900" kern="1200" dirty="0"/>
+            <a:t>1.2. Requerimientos no funcionales</a:t>
           </a:r>
-          <a:endParaRPr lang="es-ES" sz="1000" kern="1200" dirty="0"/>
+          <a:endParaRPr lang="es-ES" sz="900" kern="1200" dirty="0"/>
         </a:p>
       </dsp:txBody>
       <dsp:txXfrm>
-        <a:off x="1642887" y="2892008"/>
-        <a:ext cx="984944" cy="643287"/>
+        <a:off x="2140756" y="2517849"/>
+        <a:ext cx="856696" cy="559525"/>
       </dsp:txXfrm>
     </dsp:sp>
     <dsp:sp modelId="{9B8E5F4D-3D7A-47D4-BEB1-7A4D761EC373}">
@@ -4002,8 +3255,8 @@
       </dsp:nvSpPr>
       <dsp:spPr>
         <a:xfrm>
-          <a:off x="2089639" y="3555309"/>
-          <a:ext cx="91440" cy="273326"/>
+          <a:off x="2523384" y="3094783"/>
+          <a:ext cx="91440" cy="237736"/>
         </a:xfrm>
         <a:custGeom>
           <a:avLst/>
@@ -4017,7 +3270,7 @@
                 <a:pt x="45720" y="0"/>
               </a:moveTo>
               <a:lnTo>
-                <a:pt x="45720" y="273326"/>
+                <a:pt x="45720" y="237736"/>
               </a:lnTo>
             </a:path>
           </a:pathLst>
@@ -4058,8 +3311,8 @@
       </dsp:nvSpPr>
       <dsp:spPr>
         <a:xfrm>
-          <a:off x="1622873" y="3828635"/>
-          <a:ext cx="1024972" cy="683315"/>
+          <a:off x="2123348" y="3332520"/>
+          <a:ext cx="891512" cy="594341"/>
         </a:xfrm>
         <a:prstGeom prst="roundRect">
           <a:avLst>
@@ -4104,12 +3357,12 @@
         </a:fontRef>
       </dsp:style>
       <dsp:txBody>
-        <a:bodyPr spcFirstLastPara="0" vert="horz" wrap="square" lIns="38100" tIns="38100" rIns="38100" bIns="38100" numCol="1" spcCol="1270" anchor="ctr" anchorCtr="0">
+        <a:bodyPr spcFirstLastPara="0" vert="horz" wrap="square" lIns="34290" tIns="34290" rIns="34290" bIns="34290" numCol="1" spcCol="1270" anchor="ctr" anchorCtr="0">
           <a:noAutofit/>
         </a:bodyPr>
         <a:lstStyle/>
         <a:p>
-          <a:pPr lvl="0" algn="ctr" defTabSz="444500">
+          <a:pPr marL="0" lvl="0" indent="0" algn="ctr" defTabSz="400050">
             <a:lnSpc>
               <a:spcPct val="90000"/>
             </a:lnSpc>
@@ -4119,17 +3372,18 @@
             <a:spcAft>
               <a:spcPct val="35000"/>
             </a:spcAft>
+            <a:buNone/>
           </a:pPr>
           <a:r>
-            <a:rPr lang="es-ES_tradnl" sz="1000" kern="1200" dirty="0" smtClean="0"/>
-            <a:t>1.3. Contexto</a:t>
+            <a:rPr lang="es-ES_tradnl" sz="900" kern="1200" dirty="0"/>
+            <a:t>1.3. Riesgos</a:t>
           </a:r>
-          <a:endParaRPr lang="es-ES" sz="1000" kern="1200" dirty="0"/>
+          <a:endParaRPr lang="es-ES" sz="900" kern="1200" dirty="0"/>
         </a:p>
       </dsp:txBody>
       <dsp:txXfrm>
-        <a:off x="1642887" y="3848649"/>
-        <a:ext cx="984944" cy="643287"/>
+        <a:off x="2140756" y="3349928"/>
+        <a:ext cx="856696" cy="559525"/>
       </dsp:txXfrm>
     </dsp:sp>
     <dsp:sp modelId="{439A7915-4019-4A23-8AAB-5EA84524E00E}">
@@ -4139,8 +3393,8 @@
       </dsp:nvSpPr>
       <dsp:spPr>
         <a:xfrm>
-          <a:off x="2089639" y="4511950"/>
-          <a:ext cx="91440" cy="273326"/>
+          <a:off x="2523384" y="3926862"/>
+          <a:ext cx="91440" cy="237736"/>
         </a:xfrm>
         <a:custGeom>
           <a:avLst/>
@@ -4154,7 +3408,7 @@
                 <a:pt x="45720" y="0"/>
               </a:moveTo>
               <a:lnTo>
-                <a:pt x="45720" y="273326"/>
+                <a:pt x="45720" y="237736"/>
               </a:lnTo>
             </a:path>
           </a:pathLst>
@@ -4195,8 +3449,8 @@
       </dsp:nvSpPr>
       <dsp:spPr>
         <a:xfrm>
-          <a:off x="1622873" y="4785276"/>
-          <a:ext cx="1024972" cy="683315"/>
+          <a:off x="2123348" y="4164598"/>
+          <a:ext cx="891512" cy="594341"/>
         </a:xfrm>
         <a:prstGeom prst="roundRect">
           <a:avLst>
@@ -4241,12 +3495,12 @@
         </a:fontRef>
       </dsp:style>
       <dsp:txBody>
-        <a:bodyPr spcFirstLastPara="0" vert="horz" wrap="square" lIns="38100" tIns="38100" rIns="38100" bIns="38100" numCol="1" spcCol="1270" anchor="ctr" anchorCtr="0">
+        <a:bodyPr spcFirstLastPara="0" vert="horz" wrap="square" lIns="34290" tIns="34290" rIns="34290" bIns="34290" numCol="1" spcCol="1270" anchor="ctr" anchorCtr="0">
           <a:noAutofit/>
         </a:bodyPr>
         <a:lstStyle/>
         <a:p>
-          <a:pPr lvl="0" algn="ctr" defTabSz="444500">
+          <a:pPr marL="0" lvl="0" indent="0" algn="ctr" defTabSz="400050">
             <a:lnSpc>
               <a:spcPct val="90000"/>
             </a:lnSpc>
@@ -4256,21 +3510,18 @@
             <a:spcAft>
               <a:spcPct val="35000"/>
             </a:spcAft>
+            <a:buNone/>
           </a:pPr>
           <a:r>
-            <a:rPr lang="es-ES_tradnl" sz="1000" kern="1200" dirty="0" smtClean="0"/>
-            <a:t>1.4. Documentación </a:t>
+            <a:rPr lang="es-ES_tradnl" sz="900" kern="1200" dirty="0"/>
+            <a:t>1.4. Contexto</a:t>
           </a:r>
-          <a:r>
-            <a:rPr lang="es-ES_tradnl" sz="1000" kern="1200" dirty="0"/>
-            <a:t>Inicial</a:t>
-          </a:r>
-          <a:endParaRPr lang="es-ES" sz="1000" kern="1200" dirty="0"/>
+          <a:endParaRPr lang="es-ES" sz="900" kern="1200" dirty="0"/>
         </a:p>
       </dsp:txBody>
       <dsp:txXfrm>
-        <a:off x="1642887" y="4805290"/>
-        <a:ext cx="984944" cy="643287"/>
+        <a:off x="2140756" y="4182006"/>
+        <a:ext cx="856696" cy="559525"/>
       </dsp:txXfrm>
     </dsp:sp>
     <dsp:sp modelId="{CF7FDC77-853E-4DFC-9828-0DC60053379E}">
@@ -4280,8 +3531,8 @@
       </dsp:nvSpPr>
       <dsp:spPr>
         <a:xfrm>
-          <a:off x="2089639" y="5468591"/>
-          <a:ext cx="91440" cy="273326"/>
+          <a:off x="2523384" y="4758940"/>
+          <a:ext cx="91440" cy="237736"/>
         </a:xfrm>
         <a:custGeom>
           <a:avLst/>
@@ -4295,7 +3546,7 @@
                 <a:pt x="45720" y="0"/>
               </a:moveTo>
               <a:lnTo>
-                <a:pt x="45720" y="273326"/>
+                <a:pt x="45720" y="237736"/>
               </a:lnTo>
             </a:path>
           </a:pathLst>
@@ -4336,8 +3587,8 @@
       </dsp:nvSpPr>
       <dsp:spPr>
         <a:xfrm>
-          <a:off x="1622873" y="5741917"/>
-          <a:ext cx="1024972" cy="683315"/>
+          <a:off x="2123348" y="4996677"/>
+          <a:ext cx="891512" cy="594341"/>
         </a:xfrm>
         <a:prstGeom prst="roundRect">
           <a:avLst>
@@ -4382,12 +3633,12 @@
         </a:fontRef>
       </dsp:style>
       <dsp:txBody>
-        <a:bodyPr spcFirstLastPara="0" vert="horz" wrap="square" lIns="38100" tIns="38100" rIns="38100" bIns="38100" numCol="1" spcCol="1270" anchor="ctr" anchorCtr="0">
+        <a:bodyPr spcFirstLastPara="0" vert="horz" wrap="square" lIns="34290" tIns="34290" rIns="34290" bIns="34290" numCol="1" spcCol="1270" anchor="ctr" anchorCtr="0">
           <a:noAutofit/>
         </a:bodyPr>
         <a:lstStyle/>
         <a:p>
-          <a:pPr lvl="0" algn="ctr" defTabSz="444500">
+          <a:pPr marL="0" lvl="0" indent="0" algn="ctr" defTabSz="400050">
             <a:lnSpc>
               <a:spcPct val="90000"/>
             </a:lnSpc>
@@ -4397,32 +3648,29 @@
             <a:spcAft>
               <a:spcPct val="35000"/>
             </a:spcAft>
+            <a:buNone/>
           </a:pPr>
           <a:r>
-            <a:rPr lang="es-ES_tradnl" sz="1000" kern="1200" dirty="0" smtClean="0"/>
-            <a:t>1.5. Identificación </a:t>
+            <a:rPr lang="es-ES_tradnl" sz="900" kern="1200" dirty="0"/>
+            <a:t>1.5. Documentación Inicial</a:t>
           </a:r>
-          <a:r>
-            <a:rPr lang="es-ES_tradnl" sz="1000" kern="1200" dirty="0"/>
-            <a:t>de interesados</a:t>
-          </a:r>
-          <a:endParaRPr lang="es-ES" sz="1000" kern="1200" dirty="0"/>
+          <a:endParaRPr lang="es-ES" sz="900" kern="1200" dirty="0"/>
         </a:p>
       </dsp:txBody>
       <dsp:txXfrm>
-        <a:off x="1642887" y="5761931"/>
-        <a:ext cx="984944" cy="643287"/>
+        <a:off x="2140756" y="5014085"/>
+        <a:ext cx="856696" cy="559525"/>
       </dsp:txXfrm>
     </dsp:sp>
-    <dsp:sp modelId="{61106BEE-8394-41F9-A438-4FF037DCC549}">
+    <dsp:sp modelId="{1BEB3F5D-527E-4392-A984-BA9906967D01}">
       <dsp:nvSpPr>
         <dsp:cNvPr id="0" name=""/>
         <dsp:cNvSpPr/>
       </dsp:nvSpPr>
       <dsp:spPr>
         <a:xfrm>
-          <a:off x="3467824" y="685386"/>
-          <a:ext cx="1998696" cy="273326"/>
+          <a:off x="2523384" y="5591019"/>
+          <a:ext cx="91440" cy="237736"/>
         </a:xfrm>
         <a:custGeom>
           <a:avLst/>
@@ -4433,16 +3681,153 @@
           <a:pathLst>
             <a:path>
               <a:moveTo>
-                <a:pt x="1998696" y="0"/>
+                <a:pt x="45720" y="0"/>
               </a:moveTo>
               <a:lnTo>
-                <a:pt x="1998696" y="136663"/>
+                <a:pt x="45720" y="237736"/>
+              </a:lnTo>
+            </a:path>
+          </a:pathLst>
+        </a:custGeom>
+        <a:noFill/>
+        <a:ln w="12700" cap="flat" cmpd="sng" algn="ctr">
+          <a:solidFill>
+            <a:schemeClr val="accent1">
+              <a:tint val="50000"/>
+              <a:hueOff val="0"/>
+              <a:satOff val="0"/>
+              <a:lumOff val="0"/>
+              <a:alphaOff val="0"/>
+            </a:schemeClr>
+          </a:solidFill>
+          <a:prstDash val="solid"/>
+          <a:miter lim="800000"/>
+        </a:ln>
+        <a:effectLst/>
+      </dsp:spPr>
+      <dsp:style>
+        <a:lnRef idx="2">
+          <a:scrgbClr r="0" g="0" b="0"/>
+        </a:lnRef>
+        <a:fillRef idx="0">
+          <a:scrgbClr r="0" g="0" b="0"/>
+        </a:fillRef>
+        <a:effectRef idx="0">
+          <a:scrgbClr r="0" g="0" b="0"/>
+        </a:effectRef>
+        <a:fontRef idx="minor"/>
+      </dsp:style>
+    </dsp:sp>
+    <dsp:sp modelId="{149DFA66-F11C-4DFF-BDBE-E00AC7EA378B}">
+      <dsp:nvSpPr>
+        <dsp:cNvPr id="0" name=""/>
+        <dsp:cNvSpPr/>
+      </dsp:nvSpPr>
+      <dsp:spPr>
+        <a:xfrm>
+          <a:off x="2123348" y="5828755"/>
+          <a:ext cx="891512" cy="594341"/>
+        </a:xfrm>
+        <a:prstGeom prst="roundRect">
+          <a:avLst>
+            <a:gd name="adj" fmla="val 10000"/>
+          </a:avLst>
+        </a:prstGeom>
+        <a:solidFill>
+          <a:schemeClr val="accent1">
+            <a:tint val="70000"/>
+            <a:hueOff val="0"/>
+            <a:satOff val="0"/>
+            <a:lumOff val="0"/>
+            <a:alphaOff val="0"/>
+          </a:schemeClr>
+        </a:solidFill>
+        <a:ln w="19050" cap="flat" cmpd="sng" algn="ctr">
+          <a:solidFill>
+            <a:schemeClr val="lt1">
+              <a:hueOff val="0"/>
+              <a:satOff val="0"/>
+              <a:lumOff val="0"/>
+              <a:alphaOff val="0"/>
+            </a:schemeClr>
+          </a:solidFill>
+          <a:prstDash val="solid"/>
+          <a:miter lim="800000"/>
+        </a:ln>
+        <a:effectLst/>
+      </dsp:spPr>
+      <dsp:style>
+        <a:lnRef idx="3">
+          <a:scrgbClr r="0" g="0" b="0"/>
+        </a:lnRef>
+        <a:fillRef idx="1">
+          <a:scrgbClr r="0" g="0" b="0"/>
+        </a:fillRef>
+        <a:effectRef idx="1">
+          <a:scrgbClr r="0" g="0" b="0"/>
+        </a:effectRef>
+        <a:fontRef idx="minor">
+          <a:schemeClr val="lt1"/>
+        </a:fontRef>
+      </dsp:style>
+      <dsp:txBody>
+        <a:bodyPr spcFirstLastPara="0" vert="horz" wrap="square" lIns="34290" tIns="34290" rIns="34290" bIns="34290" numCol="1" spcCol="1270" anchor="ctr" anchorCtr="0">
+          <a:noAutofit/>
+        </a:bodyPr>
+        <a:lstStyle/>
+        <a:p>
+          <a:pPr marL="0" lvl="0" indent="0" algn="ctr" defTabSz="400050">
+            <a:lnSpc>
+              <a:spcPct val="90000"/>
+            </a:lnSpc>
+            <a:spcBef>
+              <a:spcPct val="0"/>
+            </a:spcBef>
+            <a:spcAft>
+              <a:spcPct val="35000"/>
+            </a:spcAft>
+            <a:buNone/>
+          </a:pPr>
+          <a:r>
+            <a:rPr lang="es-ES_tradnl" sz="900" kern="1200" dirty="0"/>
+            <a:t>1.6 Identificación de Interesados</a:t>
+          </a:r>
+        </a:p>
+      </dsp:txBody>
+      <dsp:txXfrm>
+        <a:off x="2140756" y="5846163"/>
+        <a:ext cx="856696" cy="559525"/>
+      </dsp:txXfrm>
+    </dsp:sp>
+    <dsp:sp modelId="{61106BEE-8394-41F9-A438-4FF037DCC549}">
+      <dsp:nvSpPr>
+        <dsp:cNvPr id="0" name=""/>
+        <dsp:cNvSpPr/>
+      </dsp:nvSpPr>
+      <dsp:spPr>
+        <a:xfrm>
+          <a:off x="3728071" y="598548"/>
+          <a:ext cx="1738449" cy="237736"/>
+        </a:xfrm>
+        <a:custGeom>
+          <a:avLst/>
+          <a:gdLst/>
+          <a:ahLst/>
+          <a:cxnLst/>
+          <a:rect l="0" t="0" r="0" b="0"/>
+          <a:pathLst>
+            <a:path>
+              <a:moveTo>
+                <a:pt x="1738449" y="0"/>
+              </a:moveTo>
+              <a:lnTo>
+                <a:pt x="1738449" y="118868"/>
               </a:lnTo>
               <a:lnTo>
-                <a:pt x="0" y="136663"/>
+                <a:pt x="0" y="118868"/>
               </a:lnTo>
               <a:lnTo>
-                <a:pt x="0" y="273326"/>
+                <a:pt x="0" y="237736"/>
               </a:lnTo>
             </a:path>
           </a:pathLst>
@@ -4483,8 +3868,8 @@
       </dsp:nvSpPr>
       <dsp:spPr>
         <a:xfrm>
-          <a:off x="2955337" y="958712"/>
-          <a:ext cx="1024972" cy="683315"/>
+          <a:off x="3282314" y="836284"/>
+          <a:ext cx="891512" cy="594341"/>
         </a:xfrm>
         <a:prstGeom prst="roundRect">
           <a:avLst>
@@ -4529,12 +3914,12 @@
         </a:fontRef>
       </dsp:style>
       <dsp:txBody>
-        <a:bodyPr spcFirstLastPara="0" vert="horz" wrap="square" lIns="38100" tIns="38100" rIns="38100" bIns="38100" numCol="1" spcCol="1270" anchor="ctr" anchorCtr="0">
+        <a:bodyPr spcFirstLastPara="0" vert="horz" wrap="square" lIns="34290" tIns="34290" rIns="34290" bIns="34290" numCol="1" spcCol="1270" anchor="ctr" anchorCtr="0">
           <a:noAutofit/>
         </a:bodyPr>
         <a:lstStyle/>
         <a:p>
-          <a:pPr lvl="0" algn="ctr" defTabSz="444500">
+          <a:pPr marL="0" lvl="0" indent="0" algn="ctr" defTabSz="400050">
             <a:lnSpc>
               <a:spcPct val="90000"/>
             </a:lnSpc>
@@ -4544,17 +3929,18 @@
             <a:spcAft>
               <a:spcPct val="35000"/>
             </a:spcAft>
+            <a:buNone/>
           </a:pPr>
           <a:r>
-            <a:rPr lang="es-ES_tradnl" sz="1000" kern="1200" dirty="0" smtClean="0"/>
+            <a:rPr lang="es-ES_tradnl" sz="900" kern="1200" dirty="0"/>
             <a:t>2. Planificación</a:t>
           </a:r>
-          <a:endParaRPr lang="es-ES" sz="1000" kern="1200" dirty="0"/>
+          <a:endParaRPr lang="es-ES" sz="900" kern="1200" dirty="0"/>
         </a:p>
       </dsp:txBody>
       <dsp:txXfrm>
-        <a:off x="2975351" y="978726"/>
-        <a:ext cx="984944" cy="643287"/>
+        <a:off x="3299722" y="853692"/>
+        <a:ext cx="856696" cy="559525"/>
       </dsp:txXfrm>
     </dsp:sp>
     <dsp:sp modelId="{9B20D733-63A4-4B62-A174-9E852702C56C}">
@@ -4564,8 +3950,8 @@
       </dsp:nvSpPr>
       <dsp:spPr>
         <a:xfrm>
-          <a:off x="3422104" y="1642027"/>
-          <a:ext cx="91440" cy="273326"/>
+          <a:off x="3682351" y="1430626"/>
+          <a:ext cx="91440" cy="237736"/>
         </a:xfrm>
         <a:custGeom>
           <a:avLst/>
@@ -4579,7 +3965,7 @@
                 <a:pt x="45720" y="0"/>
               </a:moveTo>
               <a:lnTo>
-                <a:pt x="45720" y="273326"/>
+                <a:pt x="45720" y="237736"/>
               </a:lnTo>
             </a:path>
           </a:pathLst>
@@ -4620,8 +4006,8 @@
       </dsp:nvSpPr>
       <dsp:spPr>
         <a:xfrm>
-          <a:off x="2955337" y="1915353"/>
-          <a:ext cx="1024972" cy="683315"/>
+          <a:off x="3282314" y="1668363"/>
+          <a:ext cx="891512" cy="594341"/>
         </a:xfrm>
         <a:prstGeom prst="roundRect">
           <a:avLst>
@@ -4666,12 +4052,12 @@
         </a:fontRef>
       </dsp:style>
       <dsp:txBody>
-        <a:bodyPr spcFirstLastPara="0" vert="horz" wrap="square" lIns="38100" tIns="38100" rIns="38100" bIns="38100" numCol="1" spcCol="1270" anchor="ctr" anchorCtr="0">
+        <a:bodyPr spcFirstLastPara="0" vert="horz" wrap="square" lIns="34290" tIns="34290" rIns="34290" bIns="34290" numCol="1" spcCol="1270" anchor="ctr" anchorCtr="0">
           <a:noAutofit/>
         </a:bodyPr>
         <a:lstStyle/>
         <a:p>
-          <a:pPr lvl="0" algn="ctr" defTabSz="444500">
+          <a:pPr marL="0" lvl="0" indent="0" algn="ctr" defTabSz="400050">
             <a:lnSpc>
               <a:spcPct val="90000"/>
             </a:lnSpc>
@@ -4681,17 +4067,18 @@
             <a:spcAft>
               <a:spcPct val="35000"/>
             </a:spcAft>
+            <a:buNone/>
           </a:pPr>
           <a:r>
-            <a:rPr lang="es-ES_tradnl" sz="1000" kern="1200" dirty="0" smtClean="0"/>
+            <a:rPr lang="es-ES_tradnl" sz="900" kern="1200" dirty="0"/>
             <a:t>2.1. Acuerdos</a:t>
           </a:r>
-          <a:endParaRPr lang="es-ES" sz="1000" kern="1200" dirty="0"/>
+          <a:endParaRPr lang="es-ES" sz="900" kern="1200" dirty="0"/>
         </a:p>
       </dsp:txBody>
       <dsp:txXfrm>
-        <a:off x="2975351" y="1935367"/>
-        <a:ext cx="984944" cy="643287"/>
+        <a:off x="3299722" y="1685771"/>
+        <a:ext cx="856696" cy="559525"/>
       </dsp:txXfrm>
     </dsp:sp>
     <dsp:sp modelId="{FBEC95B0-C69A-4159-A230-69B97543DC08}">
@@ -4701,8 +4088,8 @@
       </dsp:nvSpPr>
       <dsp:spPr>
         <a:xfrm>
-          <a:off x="3422104" y="2598668"/>
-          <a:ext cx="91440" cy="273326"/>
+          <a:off x="3682351" y="2262705"/>
+          <a:ext cx="91440" cy="237736"/>
         </a:xfrm>
         <a:custGeom>
           <a:avLst/>
@@ -4716,7 +4103,7 @@
                 <a:pt x="45720" y="0"/>
               </a:moveTo>
               <a:lnTo>
-                <a:pt x="45720" y="273326"/>
+                <a:pt x="45720" y="237736"/>
               </a:lnTo>
             </a:path>
           </a:pathLst>
@@ -4757,8 +4144,8 @@
       </dsp:nvSpPr>
       <dsp:spPr>
         <a:xfrm>
-          <a:off x="2955337" y="2871994"/>
-          <a:ext cx="1024972" cy="683315"/>
+          <a:off x="3282314" y="2500441"/>
+          <a:ext cx="891512" cy="594341"/>
         </a:xfrm>
         <a:prstGeom prst="roundRect">
           <a:avLst>
@@ -4803,12 +4190,12 @@
         </a:fontRef>
       </dsp:style>
       <dsp:txBody>
-        <a:bodyPr spcFirstLastPara="0" vert="horz" wrap="square" lIns="38100" tIns="38100" rIns="38100" bIns="38100" numCol="1" spcCol="1270" anchor="ctr" anchorCtr="0">
+        <a:bodyPr spcFirstLastPara="0" vert="horz" wrap="square" lIns="34290" tIns="34290" rIns="34290" bIns="34290" numCol="1" spcCol="1270" anchor="ctr" anchorCtr="0">
           <a:noAutofit/>
         </a:bodyPr>
         <a:lstStyle/>
         <a:p>
-          <a:pPr lvl="0" algn="ctr" defTabSz="444500">
+          <a:pPr marL="0" lvl="0" indent="0" algn="ctr" defTabSz="400050">
             <a:lnSpc>
               <a:spcPct val="90000"/>
             </a:lnSpc>
@@ -4818,17 +4205,18 @@
             <a:spcAft>
               <a:spcPct val="35000"/>
             </a:spcAft>
+            <a:buNone/>
           </a:pPr>
           <a:r>
-            <a:rPr lang="es-ES_tradnl" sz="1000" kern="1200" dirty="0" smtClean="0"/>
+            <a:rPr lang="es-ES_tradnl" sz="900" kern="1200" dirty="0"/>
             <a:t>2.2. Reuniones</a:t>
           </a:r>
-          <a:endParaRPr lang="es-ES" sz="1000" kern="1200" dirty="0"/>
+          <a:endParaRPr lang="es-ES" sz="900" kern="1200" dirty="0"/>
         </a:p>
       </dsp:txBody>
       <dsp:txXfrm>
-        <a:off x="2975351" y="2892008"/>
-        <a:ext cx="984944" cy="643287"/>
+        <a:off x="3299722" y="2517849"/>
+        <a:ext cx="856696" cy="559525"/>
       </dsp:txXfrm>
     </dsp:sp>
     <dsp:sp modelId="{E16ADE93-99AF-45AE-A7EE-51F95CB0B46A}">
@@ -4838,8 +4226,8 @@
       </dsp:nvSpPr>
       <dsp:spPr>
         <a:xfrm>
-          <a:off x="3422104" y="3555309"/>
-          <a:ext cx="91440" cy="273326"/>
+          <a:off x="3682351" y="3094783"/>
+          <a:ext cx="91440" cy="237736"/>
         </a:xfrm>
         <a:custGeom>
           <a:avLst/>
@@ -4853,7 +4241,7 @@
                 <a:pt x="45720" y="0"/>
               </a:moveTo>
               <a:lnTo>
-                <a:pt x="45720" y="273326"/>
+                <a:pt x="45720" y="237736"/>
               </a:lnTo>
             </a:path>
           </a:pathLst>
@@ -4894,8 +4282,8 @@
       </dsp:nvSpPr>
       <dsp:spPr>
         <a:xfrm>
-          <a:off x="2955337" y="3828635"/>
-          <a:ext cx="1024972" cy="683315"/>
+          <a:off x="3282314" y="3332520"/>
+          <a:ext cx="891512" cy="594341"/>
         </a:xfrm>
         <a:prstGeom prst="roundRect">
           <a:avLst>
@@ -4940,12 +4328,12 @@
         </a:fontRef>
       </dsp:style>
       <dsp:txBody>
-        <a:bodyPr spcFirstLastPara="0" vert="horz" wrap="square" lIns="38100" tIns="38100" rIns="38100" bIns="38100" numCol="1" spcCol="1270" anchor="ctr" anchorCtr="0">
+        <a:bodyPr spcFirstLastPara="0" vert="horz" wrap="square" lIns="34290" tIns="34290" rIns="34290" bIns="34290" numCol="1" spcCol="1270" anchor="ctr" anchorCtr="0">
           <a:noAutofit/>
         </a:bodyPr>
         <a:lstStyle/>
         <a:p>
-          <a:pPr lvl="0" algn="ctr" defTabSz="444500">
+          <a:pPr marL="0" lvl="0" indent="0" algn="ctr" defTabSz="400050">
             <a:lnSpc>
               <a:spcPct val="90000"/>
             </a:lnSpc>
@@ -4955,21 +4343,18 @@
             <a:spcAft>
               <a:spcPct val="35000"/>
             </a:spcAft>
+            <a:buNone/>
           </a:pPr>
           <a:r>
-            <a:rPr lang="es-ES_tradnl" sz="1000" kern="1200" dirty="0" smtClean="0"/>
-            <a:t>2.3. Calidad </a:t>
+            <a:rPr lang="es-ES_tradnl" sz="900" kern="1200" dirty="0"/>
+            <a:t>2.3. Calidad y Validación</a:t>
           </a:r>
-          <a:r>
-            <a:rPr lang="es-ES_tradnl" sz="1000" kern="1200" dirty="0"/>
-            <a:t>y Validación</a:t>
-          </a:r>
-          <a:endParaRPr lang="es-ES" sz="1000" kern="1200" dirty="0"/>
+          <a:endParaRPr lang="es-ES" sz="900" kern="1200" dirty="0"/>
         </a:p>
       </dsp:txBody>
       <dsp:txXfrm>
-        <a:off x="2975351" y="3848649"/>
-        <a:ext cx="984944" cy="643287"/>
+        <a:off x="3299722" y="3349928"/>
+        <a:ext cx="856696" cy="559525"/>
       </dsp:txXfrm>
     </dsp:sp>
     <dsp:sp modelId="{3E27615C-4EFE-4C20-92E5-F66765CC04DB}">
@@ -4979,8 +4364,8 @@
       </dsp:nvSpPr>
       <dsp:spPr>
         <a:xfrm>
-          <a:off x="3422104" y="4511950"/>
-          <a:ext cx="91440" cy="273326"/>
+          <a:off x="3682351" y="3926862"/>
+          <a:ext cx="91440" cy="237736"/>
         </a:xfrm>
         <a:custGeom>
           <a:avLst/>
@@ -4994,7 +4379,7 @@
                 <a:pt x="45720" y="0"/>
               </a:moveTo>
               <a:lnTo>
-                <a:pt x="45720" y="273326"/>
+                <a:pt x="45720" y="237736"/>
               </a:lnTo>
             </a:path>
           </a:pathLst>
@@ -5035,8 +4420,8 @@
       </dsp:nvSpPr>
       <dsp:spPr>
         <a:xfrm>
-          <a:off x="2955337" y="4785276"/>
-          <a:ext cx="1024972" cy="683315"/>
+          <a:off x="3282314" y="4164598"/>
+          <a:ext cx="891512" cy="594341"/>
         </a:xfrm>
         <a:prstGeom prst="roundRect">
           <a:avLst>
@@ -5081,12 +4466,12 @@
         </a:fontRef>
       </dsp:style>
       <dsp:txBody>
-        <a:bodyPr spcFirstLastPara="0" vert="horz" wrap="square" lIns="38100" tIns="38100" rIns="38100" bIns="38100" numCol="1" spcCol="1270" anchor="ctr" anchorCtr="0">
+        <a:bodyPr spcFirstLastPara="0" vert="horz" wrap="square" lIns="34290" tIns="34290" rIns="34290" bIns="34290" numCol="1" spcCol="1270" anchor="ctr" anchorCtr="0">
           <a:noAutofit/>
         </a:bodyPr>
         <a:lstStyle/>
         <a:p>
-          <a:pPr lvl="0" algn="ctr" defTabSz="444500">
+          <a:pPr marL="0" lvl="0" indent="0" algn="ctr" defTabSz="400050">
             <a:lnSpc>
               <a:spcPct val="90000"/>
             </a:lnSpc>
@@ -5096,17 +4481,18 @@
             <a:spcAft>
               <a:spcPct val="35000"/>
             </a:spcAft>
+            <a:buNone/>
           </a:pPr>
           <a:r>
-            <a:rPr lang="es-ES_tradnl" sz="1000" kern="1200" dirty="0" smtClean="0"/>
+            <a:rPr lang="es-ES_tradnl" sz="900" kern="1200" dirty="0"/>
             <a:t>2.4. Cronograma</a:t>
           </a:r>
-          <a:endParaRPr lang="es-ES" sz="1000" kern="1200" dirty="0"/>
+          <a:endParaRPr lang="es-ES" sz="900" kern="1200" dirty="0"/>
         </a:p>
       </dsp:txBody>
       <dsp:txXfrm>
-        <a:off x="2975351" y="4805290"/>
-        <a:ext cx="984944" cy="643287"/>
+        <a:off x="3299722" y="4182006"/>
+        <a:ext cx="856696" cy="559525"/>
       </dsp:txXfrm>
     </dsp:sp>
     <dsp:sp modelId="{02AF57A5-5631-4829-8B1F-9F87C7E5BF9A}">
@@ -5116,8 +4502,8 @@
       </dsp:nvSpPr>
       <dsp:spPr>
         <a:xfrm>
-          <a:off x="4800288" y="685386"/>
-          <a:ext cx="666232" cy="273326"/>
+          <a:off x="4887037" y="598548"/>
+          <a:ext cx="579483" cy="237736"/>
         </a:xfrm>
         <a:custGeom>
           <a:avLst/>
@@ -5128,16 +4514,16 @@
           <a:pathLst>
             <a:path>
               <a:moveTo>
-                <a:pt x="666232" y="0"/>
+                <a:pt x="579483" y="0"/>
               </a:moveTo>
               <a:lnTo>
-                <a:pt x="666232" y="136663"/>
+                <a:pt x="579483" y="118868"/>
               </a:lnTo>
               <a:lnTo>
-                <a:pt x="0" y="136663"/>
+                <a:pt x="0" y="118868"/>
               </a:lnTo>
               <a:lnTo>
-                <a:pt x="0" y="273326"/>
+                <a:pt x="0" y="237736"/>
               </a:lnTo>
             </a:path>
           </a:pathLst>
@@ -5178,8 +4564,8 @@
       </dsp:nvSpPr>
       <dsp:spPr>
         <a:xfrm>
-          <a:off x="4287802" y="958712"/>
-          <a:ext cx="1024972" cy="683315"/>
+          <a:off x="4441281" y="836284"/>
+          <a:ext cx="891512" cy="594341"/>
         </a:xfrm>
         <a:prstGeom prst="roundRect">
           <a:avLst>
@@ -5224,12 +4610,12 @@
         </a:fontRef>
       </dsp:style>
       <dsp:txBody>
-        <a:bodyPr spcFirstLastPara="0" vert="horz" wrap="square" lIns="38100" tIns="38100" rIns="38100" bIns="38100" numCol="1" spcCol="1270" anchor="ctr" anchorCtr="0">
+        <a:bodyPr spcFirstLastPara="0" vert="horz" wrap="square" lIns="34290" tIns="34290" rIns="34290" bIns="34290" numCol="1" spcCol="1270" anchor="ctr" anchorCtr="0">
           <a:noAutofit/>
         </a:bodyPr>
         <a:lstStyle/>
         <a:p>
-          <a:pPr lvl="0" algn="ctr" defTabSz="444500">
+          <a:pPr marL="0" lvl="0" indent="0" algn="ctr" defTabSz="400050">
             <a:lnSpc>
               <a:spcPct val="90000"/>
             </a:lnSpc>
@@ -5239,17 +4625,18 @@
             <a:spcAft>
               <a:spcPct val="35000"/>
             </a:spcAft>
+            <a:buNone/>
           </a:pPr>
           <a:r>
-            <a:rPr lang="es-ES_tradnl" sz="1000" kern="1200" dirty="0" smtClean="0"/>
+            <a:rPr lang="es-ES_tradnl" sz="900" kern="1200" dirty="0"/>
             <a:t>3. Desarrollo</a:t>
           </a:r>
-          <a:endParaRPr lang="es-ES" sz="1000" kern="1200" dirty="0"/>
+          <a:endParaRPr lang="es-ES" sz="900" kern="1200" dirty="0"/>
         </a:p>
       </dsp:txBody>
       <dsp:txXfrm>
-        <a:off x="4307816" y="978726"/>
-        <a:ext cx="984944" cy="643287"/>
+        <a:off x="4458689" y="853692"/>
+        <a:ext cx="856696" cy="559525"/>
       </dsp:txXfrm>
     </dsp:sp>
     <dsp:sp modelId="{F75CBFB9-BF0A-44D1-A33C-B79AA986F053}">
@@ -5259,8 +4646,8 @@
       </dsp:nvSpPr>
       <dsp:spPr>
         <a:xfrm>
-          <a:off x="4754568" y="1642027"/>
-          <a:ext cx="91440" cy="273326"/>
+          <a:off x="4841317" y="1430626"/>
+          <a:ext cx="91440" cy="237736"/>
         </a:xfrm>
         <a:custGeom>
           <a:avLst/>
@@ -5274,7 +4661,7 @@
                 <a:pt x="45720" y="0"/>
               </a:moveTo>
               <a:lnTo>
-                <a:pt x="45720" y="273326"/>
+                <a:pt x="45720" y="237736"/>
               </a:lnTo>
             </a:path>
           </a:pathLst>
@@ -5315,8 +4702,8 @@
       </dsp:nvSpPr>
       <dsp:spPr>
         <a:xfrm>
-          <a:off x="4287802" y="1915353"/>
-          <a:ext cx="1024972" cy="683315"/>
+          <a:off x="4441281" y="1668363"/>
+          <a:ext cx="891512" cy="594341"/>
         </a:xfrm>
         <a:prstGeom prst="roundRect">
           <a:avLst>
@@ -5361,12 +4748,12 @@
         </a:fontRef>
       </dsp:style>
       <dsp:txBody>
-        <a:bodyPr spcFirstLastPara="0" vert="horz" wrap="square" lIns="38100" tIns="38100" rIns="38100" bIns="38100" numCol="1" spcCol="1270" anchor="ctr" anchorCtr="0">
+        <a:bodyPr spcFirstLastPara="0" vert="horz" wrap="square" lIns="34290" tIns="34290" rIns="34290" bIns="34290" numCol="1" spcCol="1270" anchor="ctr" anchorCtr="0">
           <a:noAutofit/>
         </a:bodyPr>
         <a:lstStyle/>
         <a:p>
-          <a:pPr lvl="0" algn="ctr" defTabSz="444500">
+          <a:pPr marL="0" lvl="0" indent="0" algn="ctr" defTabSz="400050">
             <a:lnSpc>
               <a:spcPct val="90000"/>
             </a:lnSpc>
@@ -5376,21 +4763,18 @@
             <a:spcAft>
               <a:spcPct val="35000"/>
             </a:spcAft>
+            <a:buNone/>
           </a:pPr>
           <a:r>
-            <a:rPr lang="es-ES_tradnl" sz="1000" kern="1200" dirty="0" smtClean="0"/>
-            <a:t>3.1. Control </a:t>
+            <a:rPr lang="es-ES_tradnl" sz="900" kern="1200" dirty="0"/>
+            <a:t>3.1. Control de procesos</a:t>
           </a:r>
-          <a:r>
-            <a:rPr lang="es-ES_tradnl" sz="1000" kern="1200" dirty="0"/>
-            <a:t>de procesos</a:t>
-          </a:r>
-          <a:endParaRPr lang="es-ES" sz="1000" kern="1200" dirty="0"/>
+          <a:endParaRPr lang="es-ES" sz="900" kern="1200" dirty="0"/>
         </a:p>
       </dsp:txBody>
       <dsp:txXfrm>
-        <a:off x="4307816" y="1935367"/>
-        <a:ext cx="984944" cy="643287"/>
+        <a:off x="4458689" y="1685771"/>
+        <a:ext cx="856696" cy="559525"/>
       </dsp:txXfrm>
     </dsp:sp>
     <dsp:sp modelId="{CA90F6F9-60A6-482D-9CEF-AA80F0D193AE}">
@@ -5400,8 +4784,8 @@
       </dsp:nvSpPr>
       <dsp:spPr>
         <a:xfrm>
-          <a:off x="4754568" y="2598668"/>
-          <a:ext cx="91440" cy="273326"/>
+          <a:off x="4841317" y="2262705"/>
+          <a:ext cx="91440" cy="237736"/>
         </a:xfrm>
         <a:custGeom>
           <a:avLst/>
@@ -5415,7 +4799,7 @@
                 <a:pt x="45720" y="0"/>
               </a:moveTo>
               <a:lnTo>
-                <a:pt x="45720" y="273326"/>
+                <a:pt x="45720" y="237736"/>
               </a:lnTo>
             </a:path>
           </a:pathLst>
@@ -5456,8 +4840,8 @@
       </dsp:nvSpPr>
       <dsp:spPr>
         <a:xfrm>
-          <a:off x="4287802" y="2871994"/>
-          <a:ext cx="1024972" cy="683315"/>
+          <a:off x="4441281" y="2500441"/>
+          <a:ext cx="891512" cy="594341"/>
         </a:xfrm>
         <a:prstGeom prst="roundRect">
           <a:avLst>
@@ -5502,12 +4886,12 @@
         </a:fontRef>
       </dsp:style>
       <dsp:txBody>
-        <a:bodyPr spcFirstLastPara="0" vert="horz" wrap="square" lIns="38100" tIns="38100" rIns="38100" bIns="38100" numCol="1" spcCol="1270" anchor="ctr" anchorCtr="0">
+        <a:bodyPr spcFirstLastPara="0" vert="horz" wrap="square" lIns="34290" tIns="34290" rIns="34290" bIns="34290" numCol="1" spcCol="1270" anchor="ctr" anchorCtr="0">
           <a:noAutofit/>
         </a:bodyPr>
         <a:lstStyle/>
         <a:p>
-          <a:pPr lvl="0" algn="ctr" defTabSz="444500">
+          <a:pPr marL="0" lvl="0" indent="0" algn="ctr" defTabSz="400050">
             <a:lnSpc>
               <a:spcPct val="90000"/>
             </a:lnSpc>
@@ -5517,21 +4901,18 @@
             <a:spcAft>
               <a:spcPct val="35000"/>
             </a:spcAft>
+            <a:buNone/>
           </a:pPr>
           <a:r>
-            <a:rPr lang="es-ES_tradnl" sz="1000" kern="1200" dirty="0" smtClean="0"/>
-            <a:t>3.2. Gestión </a:t>
+            <a:rPr lang="es-ES_tradnl" sz="900" kern="1200" dirty="0"/>
+            <a:t>3.2. Gestión de compras</a:t>
           </a:r>
-          <a:r>
-            <a:rPr lang="es-ES_tradnl" sz="1000" kern="1200" dirty="0"/>
-            <a:t>de compras</a:t>
-          </a:r>
-          <a:endParaRPr lang="es-ES" sz="1000" kern="1200" dirty="0"/>
+          <a:endParaRPr lang="es-ES" sz="900" kern="1200" dirty="0"/>
         </a:p>
       </dsp:txBody>
       <dsp:txXfrm>
-        <a:off x="4307816" y="2892008"/>
-        <a:ext cx="984944" cy="643287"/>
+        <a:off x="4458689" y="2517849"/>
+        <a:ext cx="856696" cy="559525"/>
       </dsp:txXfrm>
     </dsp:sp>
     <dsp:sp modelId="{2DFB326B-B609-43F8-A763-08BEA677E07F}">
@@ -5541,8 +4922,8 @@
       </dsp:nvSpPr>
       <dsp:spPr>
         <a:xfrm>
-          <a:off x="5466521" y="685386"/>
-          <a:ext cx="666232" cy="273326"/>
+          <a:off x="5466521" y="598548"/>
+          <a:ext cx="579483" cy="237736"/>
         </a:xfrm>
         <a:custGeom>
           <a:avLst/>
@@ -5556,13 +4937,13 @@
                 <a:pt x="0" y="0"/>
               </a:moveTo>
               <a:lnTo>
-                <a:pt x="0" y="136663"/>
+                <a:pt x="0" y="118868"/>
               </a:lnTo>
               <a:lnTo>
-                <a:pt x="666232" y="136663"/>
+                <a:pt x="579483" y="118868"/>
               </a:lnTo>
               <a:lnTo>
-                <a:pt x="666232" y="273326"/>
+                <a:pt x="579483" y="237736"/>
               </a:lnTo>
             </a:path>
           </a:pathLst>
@@ -5603,8 +4984,8 @@
       </dsp:nvSpPr>
       <dsp:spPr>
         <a:xfrm>
-          <a:off x="5620266" y="958712"/>
-          <a:ext cx="1024972" cy="683315"/>
+          <a:off x="5600247" y="836284"/>
+          <a:ext cx="891512" cy="594341"/>
         </a:xfrm>
         <a:prstGeom prst="roundRect">
           <a:avLst>
@@ -5649,12 +5030,12 @@
         </a:fontRef>
       </dsp:style>
       <dsp:txBody>
-        <a:bodyPr spcFirstLastPara="0" vert="horz" wrap="square" lIns="38100" tIns="38100" rIns="38100" bIns="38100" numCol="1" spcCol="1270" anchor="ctr" anchorCtr="0">
+        <a:bodyPr spcFirstLastPara="0" vert="horz" wrap="square" lIns="34290" tIns="34290" rIns="34290" bIns="34290" numCol="1" spcCol="1270" anchor="ctr" anchorCtr="0">
           <a:noAutofit/>
         </a:bodyPr>
         <a:lstStyle/>
         <a:p>
-          <a:pPr lvl="0" algn="ctr" defTabSz="444500">
+          <a:pPr marL="0" lvl="0" indent="0" algn="ctr" defTabSz="400050">
             <a:lnSpc>
               <a:spcPct val="90000"/>
             </a:lnSpc>
@@ -5664,17 +5045,18 @@
             <a:spcAft>
               <a:spcPct val="35000"/>
             </a:spcAft>
+            <a:buNone/>
           </a:pPr>
           <a:r>
-            <a:rPr lang="es-ES_tradnl" sz="1000" kern="1200" dirty="0" smtClean="0"/>
+            <a:rPr lang="es-ES_tradnl" sz="900" kern="1200" dirty="0"/>
             <a:t>4. Formación</a:t>
           </a:r>
-          <a:endParaRPr lang="es-ES" sz="1000" kern="1200" dirty="0"/>
+          <a:endParaRPr lang="es-ES" sz="900" kern="1200" dirty="0"/>
         </a:p>
       </dsp:txBody>
       <dsp:txXfrm>
-        <a:off x="5640280" y="978726"/>
-        <a:ext cx="984944" cy="643287"/>
+        <a:off x="5617655" y="853692"/>
+        <a:ext cx="856696" cy="559525"/>
       </dsp:txXfrm>
     </dsp:sp>
     <dsp:sp modelId="{291C996E-0EB8-4C7C-A09D-BCD184B0D448}">
@@ -5684,8 +5066,8 @@
       </dsp:nvSpPr>
       <dsp:spPr>
         <a:xfrm>
-          <a:off x="6087033" y="1642027"/>
-          <a:ext cx="91440" cy="273326"/>
+          <a:off x="6000284" y="1430626"/>
+          <a:ext cx="91440" cy="237736"/>
         </a:xfrm>
         <a:custGeom>
           <a:avLst/>
@@ -5699,7 +5081,7 @@
                 <a:pt x="45720" y="0"/>
               </a:moveTo>
               <a:lnTo>
-                <a:pt x="45720" y="273326"/>
+                <a:pt x="45720" y="237736"/>
               </a:lnTo>
             </a:path>
           </a:pathLst>
@@ -5740,8 +5122,8 @@
       </dsp:nvSpPr>
       <dsp:spPr>
         <a:xfrm>
-          <a:off x="5620266" y="1915353"/>
-          <a:ext cx="1024972" cy="683315"/>
+          <a:off x="5600247" y="1668363"/>
+          <a:ext cx="891512" cy="594341"/>
         </a:xfrm>
         <a:prstGeom prst="roundRect">
           <a:avLst>
@@ -5786,12 +5168,12 @@
         </a:fontRef>
       </dsp:style>
       <dsp:txBody>
-        <a:bodyPr spcFirstLastPara="0" vert="horz" wrap="square" lIns="38100" tIns="38100" rIns="38100" bIns="38100" numCol="1" spcCol="1270" anchor="ctr" anchorCtr="0">
+        <a:bodyPr spcFirstLastPara="0" vert="horz" wrap="square" lIns="34290" tIns="34290" rIns="34290" bIns="34290" numCol="1" spcCol="1270" anchor="ctr" anchorCtr="0">
           <a:noAutofit/>
         </a:bodyPr>
         <a:lstStyle/>
         <a:p>
-          <a:pPr lvl="0" algn="ctr" defTabSz="444500">
+          <a:pPr marL="0" lvl="0" indent="0" algn="ctr" defTabSz="400050">
             <a:lnSpc>
               <a:spcPct val="90000"/>
             </a:lnSpc>
@@ -5801,17 +5183,18 @@
             <a:spcAft>
               <a:spcPct val="35000"/>
             </a:spcAft>
+            <a:buNone/>
           </a:pPr>
           <a:r>
-            <a:rPr lang="es-ES_tradnl" sz="1000" kern="1200" dirty="0" smtClean="0"/>
+            <a:rPr lang="es-ES_tradnl" sz="900" kern="1200" dirty="0"/>
             <a:t>4.1. Cursos</a:t>
           </a:r>
-          <a:endParaRPr lang="es-ES" sz="1000" kern="1200" dirty="0"/>
+          <a:endParaRPr lang="es-ES" sz="900" kern="1200" dirty="0"/>
         </a:p>
       </dsp:txBody>
       <dsp:txXfrm>
-        <a:off x="5640280" y="1935367"/>
-        <a:ext cx="984944" cy="643287"/>
+        <a:off x="5617655" y="1685771"/>
+        <a:ext cx="856696" cy="559525"/>
       </dsp:txXfrm>
     </dsp:sp>
     <dsp:sp modelId="{D7F2430B-BCB5-408D-B434-E52E0A1944C0}">
@@ -5821,8 +5204,8 @@
       </dsp:nvSpPr>
       <dsp:spPr>
         <a:xfrm>
-          <a:off x="6087033" y="2598668"/>
-          <a:ext cx="91440" cy="273326"/>
+          <a:off x="6000284" y="2262705"/>
+          <a:ext cx="91440" cy="237736"/>
         </a:xfrm>
         <a:custGeom>
           <a:avLst/>
@@ -5836,7 +5219,7 @@
                 <a:pt x="45720" y="0"/>
               </a:moveTo>
               <a:lnTo>
-                <a:pt x="45720" y="273326"/>
+                <a:pt x="45720" y="237736"/>
               </a:lnTo>
             </a:path>
           </a:pathLst>
@@ -5877,8 +5260,8 @@
       </dsp:nvSpPr>
       <dsp:spPr>
         <a:xfrm>
-          <a:off x="5620266" y="2871994"/>
-          <a:ext cx="1024972" cy="683315"/>
+          <a:off x="5600247" y="2500441"/>
+          <a:ext cx="891512" cy="594341"/>
         </a:xfrm>
         <a:prstGeom prst="roundRect">
           <a:avLst>
@@ -5923,12 +5306,12 @@
         </a:fontRef>
       </dsp:style>
       <dsp:txBody>
-        <a:bodyPr spcFirstLastPara="0" vert="horz" wrap="square" lIns="38100" tIns="38100" rIns="38100" bIns="38100" numCol="1" spcCol="1270" anchor="ctr" anchorCtr="0">
+        <a:bodyPr spcFirstLastPara="0" vert="horz" wrap="square" lIns="34290" tIns="34290" rIns="34290" bIns="34290" numCol="1" spcCol="1270" anchor="ctr" anchorCtr="0">
           <a:noAutofit/>
         </a:bodyPr>
         <a:lstStyle/>
         <a:p>
-          <a:pPr lvl="0" algn="ctr" defTabSz="444500">
+          <a:pPr marL="0" lvl="0" indent="0" algn="ctr" defTabSz="400050">
             <a:lnSpc>
               <a:spcPct val="90000"/>
             </a:lnSpc>
@@ -5938,17 +5321,18 @@
             <a:spcAft>
               <a:spcPct val="35000"/>
             </a:spcAft>
+            <a:buNone/>
           </a:pPr>
           <a:r>
-            <a:rPr lang="es-ES_tradnl" sz="1000" kern="1200" dirty="0" smtClean="0"/>
+            <a:rPr lang="es-ES_tradnl" sz="900" kern="1200" dirty="0"/>
             <a:t>4.2. Personal</a:t>
           </a:r>
-          <a:endParaRPr lang="es-ES" sz="1000" kern="1200" dirty="0"/>
+          <a:endParaRPr lang="es-ES" sz="900" kern="1200" dirty="0"/>
         </a:p>
       </dsp:txBody>
       <dsp:txXfrm>
-        <a:off x="5640280" y="2892008"/>
-        <a:ext cx="984944" cy="643287"/>
+        <a:off x="5617655" y="2517849"/>
+        <a:ext cx="856696" cy="559525"/>
       </dsp:txXfrm>
     </dsp:sp>
     <dsp:sp modelId="{F3B7109E-FC5E-4032-9E48-7AE989930E7F}">
@@ -5958,8 +5342,8 @@
       </dsp:nvSpPr>
       <dsp:spPr>
         <a:xfrm>
-          <a:off x="6087033" y="3555309"/>
-          <a:ext cx="91440" cy="273326"/>
+          <a:off x="6000284" y="3094783"/>
+          <a:ext cx="91440" cy="237736"/>
         </a:xfrm>
         <a:custGeom>
           <a:avLst/>
@@ -5973,7 +5357,7 @@
                 <a:pt x="45720" y="0"/>
               </a:moveTo>
               <a:lnTo>
-                <a:pt x="45720" y="273326"/>
+                <a:pt x="45720" y="237736"/>
               </a:lnTo>
             </a:path>
           </a:pathLst>
@@ -6014,8 +5398,8 @@
       </dsp:nvSpPr>
       <dsp:spPr>
         <a:xfrm>
-          <a:off x="5620266" y="3828635"/>
-          <a:ext cx="1024972" cy="683315"/>
+          <a:off x="5600247" y="3332520"/>
+          <a:ext cx="891512" cy="594341"/>
         </a:xfrm>
         <a:prstGeom prst="roundRect">
           <a:avLst>
@@ -6060,12 +5444,12 @@
         </a:fontRef>
       </dsp:style>
       <dsp:txBody>
-        <a:bodyPr spcFirstLastPara="0" vert="horz" wrap="square" lIns="38100" tIns="38100" rIns="38100" bIns="38100" numCol="1" spcCol="1270" anchor="ctr" anchorCtr="0">
+        <a:bodyPr spcFirstLastPara="0" vert="horz" wrap="square" lIns="34290" tIns="34290" rIns="34290" bIns="34290" numCol="1" spcCol="1270" anchor="ctr" anchorCtr="0">
           <a:noAutofit/>
         </a:bodyPr>
         <a:lstStyle/>
         <a:p>
-          <a:pPr lvl="0" algn="ctr" defTabSz="444500">
+          <a:pPr marL="0" lvl="0" indent="0" algn="ctr" defTabSz="400050">
             <a:lnSpc>
               <a:spcPct val="90000"/>
             </a:lnSpc>
@@ -6075,17 +5459,18 @@
             <a:spcAft>
               <a:spcPct val="35000"/>
             </a:spcAft>
+            <a:buNone/>
           </a:pPr>
           <a:r>
-            <a:rPr lang="es-ES_tradnl" sz="1000" kern="1200" dirty="0" smtClean="0"/>
-            <a:t>4.3 Certificación</a:t>
+            <a:rPr lang="es-ES_tradnl" sz="900" kern="1200" dirty="0"/>
+            <a:t>4.3 Documentación</a:t>
           </a:r>
-          <a:endParaRPr lang="es-ES" sz="1000" kern="1200" dirty="0"/>
+          <a:endParaRPr lang="es-ES" sz="900" kern="1200" dirty="0"/>
         </a:p>
       </dsp:txBody>
       <dsp:txXfrm>
-        <a:off x="5640280" y="3848649"/>
-        <a:ext cx="984944" cy="643287"/>
+        <a:off x="5617655" y="3349928"/>
+        <a:ext cx="856696" cy="559525"/>
       </dsp:txXfrm>
     </dsp:sp>
     <dsp:sp modelId="{1B1B1F7A-7EF2-4ACB-B5C6-900D03138544}">
@@ -6095,8 +5480,8 @@
       </dsp:nvSpPr>
       <dsp:spPr>
         <a:xfrm>
-          <a:off x="6087033" y="4511950"/>
-          <a:ext cx="91440" cy="273326"/>
+          <a:off x="6000284" y="3926862"/>
+          <a:ext cx="91440" cy="237736"/>
         </a:xfrm>
         <a:custGeom>
           <a:avLst/>
@@ -6110,7 +5495,7 @@
                 <a:pt x="45720" y="0"/>
               </a:moveTo>
               <a:lnTo>
-                <a:pt x="45720" y="273326"/>
+                <a:pt x="45720" y="237736"/>
               </a:lnTo>
             </a:path>
           </a:pathLst>
@@ -6151,8 +5536,8 @@
       </dsp:nvSpPr>
       <dsp:spPr>
         <a:xfrm>
-          <a:off x="5620266" y="4785276"/>
-          <a:ext cx="1024972" cy="683315"/>
+          <a:off x="5600247" y="4164598"/>
+          <a:ext cx="891512" cy="594341"/>
         </a:xfrm>
         <a:prstGeom prst="roundRect">
           <a:avLst>
@@ -6197,12 +5582,12 @@
         </a:fontRef>
       </dsp:style>
       <dsp:txBody>
-        <a:bodyPr spcFirstLastPara="0" vert="horz" wrap="square" lIns="38100" tIns="38100" rIns="38100" bIns="38100" numCol="1" spcCol="1270" anchor="ctr" anchorCtr="0">
+        <a:bodyPr spcFirstLastPara="0" vert="horz" wrap="square" lIns="34290" tIns="34290" rIns="34290" bIns="34290" numCol="1" spcCol="1270" anchor="ctr" anchorCtr="0">
           <a:noAutofit/>
         </a:bodyPr>
         <a:lstStyle/>
         <a:p>
-          <a:pPr lvl="0" algn="ctr" defTabSz="444500">
+          <a:pPr marL="0" lvl="0" indent="0" algn="ctr" defTabSz="400050">
             <a:lnSpc>
               <a:spcPct val="90000"/>
             </a:lnSpc>
@@ -6212,21 +5597,18 @@
             <a:spcAft>
               <a:spcPct val="35000"/>
             </a:spcAft>
+            <a:buNone/>
           </a:pPr>
           <a:r>
-            <a:rPr lang="es-ES_tradnl" sz="1000" kern="1200" dirty="0" smtClean="0"/>
-            <a:t>4.4 Documentación </a:t>
+            <a:rPr lang="es-ES_tradnl" sz="900" kern="1200" dirty="0"/>
+            <a:t>4.4 Certificación</a:t>
           </a:r>
-          <a:r>
-            <a:rPr lang="es-ES_tradnl" sz="1000" kern="1200" dirty="0"/>
-            <a:t>de formación</a:t>
-          </a:r>
-          <a:endParaRPr lang="es-ES" sz="1000" kern="1200" dirty="0"/>
+          <a:endParaRPr lang="es-ES" sz="900" kern="1200" dirty="0"/>
         </a:p>
       </dsp:txBody>
       <dsp:txXfrm>
-        <a:off x="5640280" y="4805290"/>
-        <a:ext cx="984944" cy="643287"/>
+        <a:off x="5617655" y="4182006"/>
+        <a:ext cx="856696" cy="559525"/>
       </dsp:txXfrm>
     </dsp:sp>
     <dsp:sp modelId="{F466743B-97CF-4FAA-9E07-3737C57455A5}">
@@ -6236,8 +5618,8 @@
       </dsp:nvSpPr>
       <dsp:spPr>
         <a:xfrm>
-          <a:off x="5466521" y="685386"/>
-          <a:ext cx="1998696" cy="273326"/>
+          <a:off x="5466521" y="598548"/>
+          <a:ext cx="1738449" cy="237736"/>
         </a:xfrm>
         <a:custGeom>
           <a:avLst/>
@@ -6251,13 +5633,13 @@
                 <a:pt x="0" y="0"/>
               </a:moveTo>
               <a:lnTo>
-                <a:pt x="0" y="136663"/>
+                <a:pt x="0" y="118868"/>
               </a:lnTo>
               <a:lnTo>
-                <a:pt x="1998696" y="136663"/>
+                <a:pt x="1738449" y="118868"/>
               </a:lnTo>
               <a:lnTo>
-                <a:pt x="1998696" y="273326"/>
+                <a:pt x="1738449" y="237736"/>
               </a:lnTo>
             </a:path>
           </a:pathLst>
@@ -6298,8 +5680,8 @@
       </dsp:nvSpPr>
       <dsp:spPr>
         <a:xfrm>
-          <a:off x="6952731" y="958712"/>
-          <a:ext cx="1024972" cy="683315"/>
+          <a:off x="6759214" y="836284"/>
+          <a:ext cx="891512" cy="594341"/>
         </a:xfrm>
         <a:prstGeom prst="roundRect">
           <a:avLst>
@@ -6344,12 +5726,12 @@
         </a:fontRef>
       </dsp:style>
       <dsp:txBody>
-        <a:bodyPr spcFirstLastPara="0" vert="horz" wrap="square" lIns="38100" tIns="38100" rIns="38100" bIns="38100" numCol="1" spcCol="1270" anchor="ctr" anchorCtr="0">
+        <a:bodyPr spcFirstLastPara="0" vert="horz" wrap="square" lIns="34290" tIns="34290" rIns="34290" bIns="34290" numCol="1" spcCol="1270" anchor="ctr" anchorCtr="0">
           <a:noAutofit/>
         </a:bodyPr>
         <a:lstStyle/>
         <a:p>
-          <a:pPr lvl="0" algn="ctr" defTabSz="444500">
+          <a:pPr marL="0" lvl="0" indent="0" algn="ctr" defTabSz="400050">
             <a:lnSpc>
               <a:spcPct val="90000"/>
             </a:lnSpc>
@@ -6359,21 +5741,18 @@
             <a:spcAft>
               <a:spcPct val="35000"/>
             </a:spcAft>
+            <a:buNone/>
           </a:pPr>
           <a:r>
-            <a:rPr lang="es-ES_tradnl" sz="1000" kern="1200" dirty="0" smtClean="0"/>
-            <a:t>5. Integración </a:t>
+            <a:rPr lang="es-ES_tradnl" sz="900" kern="1200" dirty="0"/>
+            <a:t>5. Integración y pruebas</a:t>
           </a:r>
-          <a:r>
-            <a:rPr lang="es-ES_tradnl" sz="1000" kern="1200" dirty="0"/>
-            <a:t>y pruebas</a:t>
-          </a:r>
-          <a:endParaRPr lang="es-ES" sz="1000" kern="1200" dirty="0"/>
+          <a:endParaRPr lang="es-ES" sz="900" kern="1200" dirty="0"/>
         </a:p>
       </dsp:txBody>
       <dsp:txXfrm>
-        <a:off x="6972745" y="978726"/>
-        <a:ext cx="984944" cy="643287"/>
+        <a:off x="6776622" y="853692"/>
+        <a:ext cx="856696" cy="559525"/>
       </dsp:txXfrm>
     </dsp:sp>
     <dsp:sp modelId="{7F4F1B5F-FC30-4418-B6B9-340A889AAB9A}">
@@ -6383,8 +5762,8 @@
       </dsp:nvSpPr>
       <dsp:spPr>
         <a:xfrm>
-          <a:off x="7419497" y="1642027"/>
-          <a:ext cx="91440" cy="273326"/>
+          <a:off x="7159250" y="1430626"/>
+          <a:ext cx="91440" cy="237736"/>
         </a:xfrm>
         <a:custGeom>
           <a:avLst/>
@@ -6398,7 +5777,7 @@
                 <a:pt x="45720" y="0"/>
               </a:moveTo>
               <a:lnTo>
-                <a:pt x="45720" y="273326"/>
+                <a:pt x="45720" y="237736"/>
               </a:lnTo>
             </a:path>
           </a:pathLst>
@@ -6439,8 +5818,8 @@
       </dsp:nvSpPr>
       <dsp:spPr>
         <a:xfrm>
-          <a:off x="6952731" y="1915353"/>
-          <a:ext cx="1024972" cy="683315"/>
+          <a:off x="6759214" y="1668363"/>
+          <a:ext cx="891512" cy="594341"/>
         </a:xfrm>
         <a:prstGeom prst="roundRect">
           <a:avLst>
@@ -6485,12 +5864,12 @@
         </a:fontRef>
       </dsp:style>
       <dsp:txBody>
-        <a:bodyPr spcFirstLastPara="0" vert="horz" wrap="square" lIns="38100" tIns="38100" rIns="38100" bIns="38100" numCol="1" spcCol="1270" anchor="ctr" anchorCtr="0">
+        <a:bodyPr spcFirstLastPara="0" vert="horz" wrap="square" lIns="34290" tIns="34290" rIns="34290" bIns="34290" numCol="1" spcCol="1270" anchor="ctr" anchorCtr="0">
           <a:noAutofit/>
         </a:bodyPr>
         <a:lstStyle/>
         <a:p>
-          <a:pPr lvl="0" algn="ctr" defTabSz="444500">
+          <a:pPr marL="0" lvl="0" indent="0" algn="ctr" defTabSz="400050">
             <a:lnSpc>
               <a:spcPct val="90000"/>
             </a:lnSpc>
@@ -6500,21 +5879,18 @@
             <a:spcAft>
               <a:spcPct val="35000"/>
             </a:spcAft>
+            <a:buNone/>
           </a:pPr>
           <a:r>
-            <a:rPr lang="es-ES_tradnl" sz="1000" kern="1200" dirty="0" smtClean="0"/>
-            <a:t>5.1. Integración </a:t>
+            <a:rPr lang="es-ES_tradnl" sz="900" kern="1200" dirty="0"/>
+            <a:t>5.1. Integración en muestra</a:t>
           </a:r>
-          <a:r>
-            <a:rPr lang="es-ES_tradnl" sz="1000" kern="1200" dirty="0"/>
-            <a:t>en muestra</a:t>
-          </a:r>
-          <a:endParaRPr lang="es-ES" sz="1000" kern="1200" dirty="0"/>
+          <a:endParaRPr lang="es-ES" sz="900" kern="1200" dirty="0"/>
         </a:p>
       </dsp:txBody>
       <dsp:txXfrm>
-        <a:off x="6972745" y="1935367"/>
-        <a:ext cx="984944" cy="643287"/>
+        <a:off x="6776622" y="1685771"/>
+        <a:ext cx="856696" cy="559525"/>
       </dsp:txXfrm>
     </dsp:sp>
     <dsp:sp modelId="{C7ECFBED-B4C0-49F9-8060-B5CF65818561}">
@@ -6524,8 +5900,8 @@
       </dsp:nvSpPr>
       <dsp:spPr>
         <a:xfrm>
-          <a:off x="7419497" y="2598668"/>
-          <a:ext cx="91440" cy="273326"/>
+          <a:off x="7159250" y="2262705"/>
+          <a:ext cx="91440" cy="237736"/>
         </a:xfrm>
         <a:custGeom>
           <a:avLst/>
@@ -6539,7 +5915,7 @@
                 <a:pt x="45720" y="0"/>
               </a:moveTo>
               <a:lnTo>
-                <a:pt x="45720" y="273326"/>
+                <a:pt x="45720" y="237736"/>
               </a:lnTo>
             </a:path>
           </a:pathLst>
@@ -6580,8 +5956,8 @@
       </dsp:nvSpPr>
       <dsp:spPr>
         <a:xfrm>
-          <a:off x="6952731" y="2871994"/>
-          <a:ext cx="1024972" cy="683315"/>
+          <a:off x="6759214" y="2500441"/>
+          <a:ext cx="891512" cy="594341"/>
         </a:xfrm>
         <a:prstGeom prst="roundRect">
           <a:avLst>
@@ -6626,12 +6002,12 @@
         </a:fontRef>
       </dsp:style>
       <dsp:txBody>
-        <a:bodyPr spcFirstLastPara="0" vert="horz" wrap="square" lIns="38100" tIns="38100" rIns="38100" bIns="38100" numCol="1" spcCol="1270" anchor="ctr" anchorCtr="0">
+        <a:bodyPr spcFirstLastPara="0" vert="horz" wrap="square" lIns="34290" tIns="34290" rIns="34290" bIns="34290" numCol="1" spcCol="1270" anchor="ctr" anchorCtr="0">
           <a:noAutofit/>
         </a:bodyPr>
         <a:lstStyle/>
         <a:p>
-          <a:pPr lvl="0" algn="ctr" defTabSz="444500">
+          <a:pPr marL="0" lvl="0" indent="0" algn="ctr" defTabSz="400050">
             <a:lnSpc>
               <a:spcPct val="90000"/>
             </a:lnSpc>
@@ -6641,21 +6017,18 @@
             <a:spcAft>
               <a:spcPct val="35000"/>
             </a:spcAft>
+            <a:buNone/>
           </a:pPr>
           <a:r>
-            <a:rPr lang="es-ES_tradnl" sz="1000" kern="1200" dirty="0" smtClean="0"/>
-            <a:t>5.2. Obtención </a:t>
+            <a:rPr lang="es-ES_tradnl" sz="900" kern="1200" dirty="0"/>
+            <a:t>5.2. Obtención de resultados</a:t>
           </a:r>
-          <a:r>
-            <a:rPr lang="es-ES_tradnl" sz="1000" kern="1200" dirty="0"/>
-            <a:t>de resultados</a:t>
-          </a:r>
-          <a:endParaRPr lang="es-ES" sz="1000" kern="1200" dirty="0"/>
+          <a:endParaRPr lang="es-ES" sz="900" kern="1200" dirty="0"/>
         </a:p>
       </dsp:txBody>
       <dsp:txXfrm>
-        <a:off x="6972745" y="2892008"/>
-        <a:ext cx="984944" cy="643287"/>
+        <a:off x="6776622" y="2517849"/>
+        <a:ext cx="856696" cy="559525"/>
       </dsp:txXfrm>
     </dsp:sp>
     <dsp:sp modelId="{508D3B25-CBDB-434C-AECC-728B5C07BAD5}">
@@ -6665,8 +6038,8 @@
       </dsp:nvSpPr>
       <dsp:spPr>
         <a:xfrm>
-          <a:off x="7419497" y="3555309"/>
-          <a:ext cx="91440" cy="273326"/>
+          <a:off x="7159250" y="3094783"/>
+          <a:ext cx="91440" cy="237736"/>
         </a:xfrm>
         <a:custGeom>
           <a:avLst/>
@@ -6680,7 +6053,7 @@
                 <a:pt x="45720" y="0"/>
               </a:moveTo>
               <a:lnTo>
-                <a:pt x="45720" y="273326"/>
+                <a:pt x="45720" y="237736"/>
               </a:lnTo>
             </a:path>
           </a:pathLst>
@@ -6721,8 +6094,8 @@
       </dsp:nvSpPr>
       <dsp:spPr>
         <a:xfrm>
-          <a:off x="6952731" y="3828635"/>
-          <a:ext cx="1024972" cy="683315"/>
+          <a:off x="6759214" y="3332520"/>
+          <a:ext cx="891512" cy="594341"/>
         </a:xfrm>
         <a:prstGeom prst="roundRect">
           <a:avLst>
@@ -6767,12 +6140,12 @@
         </a:fontRef>
       </dsp:style>
       <dsp:txBody>
-        <a:bodyPr spcFirstLastPara="0" vert="horz" wrap="square" lIns="38100" tIns="38100" rIns="38100" bIns="38100" numCol="1" spcCol="1270" anchor="ctr" anchorCtr="0">
+        <a:bodyPr spcFirstLastPara="0" vert="horz" wrap="square" lIns="34290" tIns="34290" rIns="34290" bIns="34290" numCol="1" spcCol="1270" anchor="ctr" anchorCtr="0">
           <a:noAutofit/>
         </a:bodyPr>
         <a:lstStyle/>
         <a:p>
-          <a:pPr lvl="0" algn="ctr" defTabSz="444500">
+          <a:pPr marL="0" lvl="0" indent="0" algn="ctr" defTabSz="400050">
             <a:lnSpc>
               <a:spcPct val="90000"/>
             </a:lnSpc>
@@ -6782,21 +6155,18 @@
             <a:spcAft>
               <a:spcPct val="35000"/>
             </a:spcAft>
+            <a:buNone/>
           </a:pPr>
           <a:r>
-            <a:rPr lang="es-ES_tradnl" sz="1000" kern="1200" dirty="0" smtClean="0"/>
-            <a:t>5.3. Validación </a:t>
+            <a:rPr lang="es-ES_tradnl" sz="900" kern="1200" dirty="0"/>
+            <a:t>5.3. Validación de resultados</a:t>
           </a:r>
-          <a:r>
-            <a:rPr lang="es-ES_tradnl" sz="1000" kern="1200" dirty="0"/>
-            <a:t>de resultados</a:t>
-          </a:r>
-          <a:endParaRPr lang="es-ES" sz="1000" kern="1200" dirty="0"/>
+          <a:endParaRPr lang="es-ES" sz="900" kern="1200" dirty="0"/>
         </a:p>
       </dsp:txBody>
       <dsp:txXfrm>
-        <a:off x="6972745" y="3848649"/>
-        <a:ext cx="984944" cy="643287"/>
+        <a:off x="6776622" y="3349928"/>
+        <a:ext cx="856696" cy="559525"/>
       </dsp:txXfrm>
     </dsp:sp>
     <dsp:sp modelId="{674FAE3C-400A-42DF-AF51-5FE9A33D05FF}">
@@ -6806,8 +6176,8 @@
       </dsp:nvSpPr>
       <dsp:spPr>
         <a:xfrm>
-          <a:off x="5466521" y="685386"/>
-          <a:ext cx="3331161" cy="273326"/>
+          <a:off x="5466521" y="598548"/>
+          <a:ext cx="2897416" cy="237736"/>
         </a:xfrm>
         <a:custGeom>
           <a:avLst/>
@@ -6821,13 +6191,13 @@
                 <a:pt x="0" y="0"/>
               </a:moveTo>
               <a:lnTo>
-                <a:pt x="0" y="136663"/>
+                <a:pt x="0" y="118868"/>
               </a:lnTo>
               <a:lnTo>
-                <a:pt x="3331161" y="136663"/>
+                <a:pt x="2897416" y="118868"/>
               </a:lnTo>
               <a:lnTo>
-                <a:pt x="3331161" y="273326"/>
+                <a:pt x="2897416" y="237736"/>
               </a:lnTo>
             </a:path>
           </a:pathLst>
@@ -6868,8 +6238,8 @@
       </dsp:nvSpPr>
       <dsp:spPr>
         <a:xfrm>
-          <a:off x="8285195" y="958712"/>
-          <a:ext cx="1024972" cy="683315"/>
+          <a:off x="7918180" y="836284"/>
+          <a:ext cx="891512" cy="594341"/>
         </a:xfrm>
         <a:prstGeom prst="roundRect">
           <a:avLst>
@@ -6914,12 +6284,12 @@
         </a:fontRef>
       </dsp:style>
       <dsp:txBody>
-        <a:bodyPr spcFirstLastPara="0" vert="horz" wrap="square" lIns="38100" tIns="38100" rIns="38100" bIns="38100" numCol="1" spcCol="1270" anchor="ctr" anchorCtr="0">
+        <a:bodyPr spcFirstLastPara="0" vert="horz" wrap="square" lIns="34290" tIns="34290" rIns="34290" bIns="34290" numCol="1" spcCol="1270" anchor="ctr" anchorCtr="0">
           <a:noAutofit/>
         </a:bodyPr>
         <a:lstStyle/>
         <a:p>
-          <a:pPr lvl="0" algn="ctr" defTabSz="444500">
+          <a:pPr marL="0" lvl="0" indent="0" algn="ctr" defTabSz="400050">
             <a:lnSpc>
               <a:spcPct val="90000"/>
             </a:lnSpc>
@@ -6929,17 +6299,18 @@
             <a:spcAft>
               <a:spcPct val="35000"/>
             </a:spcAft>
+            <a:buNone/>
           </a:pPr>
           <a:r>
-            <a:rPr lang="es-ES_tradnl" sz="1000" kern="1200" dirty="0" smtClean="0"/>
+            <a:rPr lang="es-ES_tradnl" sz="900" kern="1200" dirty="0"/>
             <a:t>6. Cierre</a:t>
           </a:r>
-          <a:endParaRPr lang="es-ES" sz="1000" kern="1200" dirty="0"/>
+          <a:endParaRPr lang="es-ES" sz="900" kern="1200" dirty="0"/>
         </a:p>
       </dsp:txBody>
       <dsp:txXfrm>
-        <a:off x="8305209" y="978726"/>
-        <a:ext cx="984944" cy="643287"/>
+        <a:off x="7935588" y="853692"/>
+        <a:ext cx="856696" cy="559525"/>
       </dsp:txXfrm>
     </dsp:sp>
     <dsp:sp modelId="{9F6C2837-18E1-42E8-B36E-26D798F13CAA}">
@@ -6949,8 +6320,8 @@
       </dsp:nvSpPr>
       <dsp:spPr>
         <a:xfrm>
-          <a:off x="8751962" y="1642027"/>
-          <a:ext cx="91440" cy="273326"/>
+          <a:off x="8318217" y="1430626"/>
+          <a:ext cx="91440" cy="237736"/>
         </a:xfrm>
         <a:custGeom>
           <a:avLst/>
@@ -6964,7 +6335,7 @@
                 <a:pt x="45720" y="0"/>
               </a:moveTo>
               <a:lnTo>
-                <a:pt x="45720" y="273326"/>
+                <a:pt x="45720" y="237736"/>
               </a:lnTo>
             </a:path>
           </a:pathLst>
@@ -7005,8 +6376,8 @@
       </dsp:nvSpPr>
       <dsp:spPr>
         <a:xfrm>
-          <a:off x="8285195" y="1915353"/>
-          <a:ext cx="1024972" cy="683315"/>
+          <a:off x="7918180" y="1668363"/>
+          <a:ext cx="891512" cy="594341"/>
         </a:xfrm>
         <a:prstGeom prst="roundRect">
           <a:avLst>
@@ -7051,12 +6422,12 @@
         </a:fontRef>
       </dsp:style>
       <dsp:txBody>
-        <a:bodyPr spcFirstLastPara="0" vert="horz" wrap="square" lIns="38100" tIns="38100" rIns="38100" bIns="38100" numCol="1" spcCol="1270" anchor="ctr" anchorCtr="0">
+        <a:bodyPr spcFirstLastPara="0" vert="horz" wrap="square" lIns="34290" tIns="34290" rIns="34290" bIns="34290" numCol="1" spcCol="1270" anchor="ctr" anchorCtr="0">
           <a:noAutofit/>
         </a:bodyPr>
         <a:lstStyle/>
         <a:p>
-          <a:pPr lvl="0" algn="ctr" defTabSz="444500">
+          <a:pPr marL="0" lvl="0" indent="0" algn="ctr" defTabSz="400050">
             <a:lnSpc>
               <a:spcPct val="90000"/>
             </a:lnSpc>
@@ -7066,21 +6437,18 @@
             <a:spcAft>
               <a:spcPct val="35000"/>
             </a:spcAft>
+            <a:buNone/>
           </a:pPr>
           <a:r>
-            <a:rPr lang="es-ES_tradnl" sz="1000" kern="1200" dirty="0" smtClean="0"/>
-            <a:t>6.1. Implementación </a:t>
+            <a:rPr lang="es-ES_tradnl" sz="900" kern="1200" dirty="0"/>
+            <a:t>6.1. Implementación final</a:t>
           </a:r>
-          <a:r>
-            <a:rPr lang="es-ES_tradnl" sz="1000" kern="1200" dirty="0"/>
-            <a:t>final</a:t>
-          </a:r>
-          <a:endParaRPr lang="es-ES" sz="1000" kern="1200" dirty="0"/>
+          <a:endParaRPr lang="es-ES" sz="900" kern="1200" dirty="0"/>
         </a:p>
       </dsp:txBody>
       <dsp:txXfrm>
-        <a:off x="8305209" y="1935367"/>
-        <a:ext cx="984944" cy="643287"/>
+        <a:off x="7935588" y="1685771"/>
+        <a:ext cx="856696" cy="559525"/>
       </dsp:txXfrm>
     </dsp:sp>
     <dsp:sp modelId="{2BA6003D-FD41-41E9-BCA1-01EBE4EE20D3}">
@@ -7090,8 +6458,8 @@
       </dsp:nvSpPr>
       <dsp:spPr>
         <a:xfrm>
-          <a:off x="8751962" y="2598668"/>
-          <a:ext cx="91440" cy="273326"/>
+          <a:off x="8318217" y="2262705"/>
+          <a:ext cx="91440" cy="237736"/>
         </a:xfrm>
         <a:custGeom>
           <a:avLst/>
@@ -7105,7 +6473,7 @@
                 <a:pt x="45720" y="0"/>
               </a:moveTo>
               <a:lnTo>
-                <a:pt x="45720" y="273326"/>
+                <a:pt x="45720" y="237736"/>
               </a:lnTo>
             </a:path>
           </a:pathLst>
@@ -7146,8 +6514,8 @@
       </dsp:nvSpPr>
       <dsp:spPr>
         <a:xfrm>
-          <a:off x="8285195" y="2871994"/>
-          <a:ext cx="1024972" cy="683315"/>
+          <a:off x="7918180" y="2500441"/>
+          <a:ext cx="891512" cy="594341"/>
         </a:xfrm>
         <a:prstGeom prst="roundRect">
           <a:avLst>
@@ -7192,12 +6560,12 @@
         </a:fontRef>
       </dsp:style>
       <dsp:txBody>
-        <a:bodyPr spcFirstLastPara="0" vert="horz" wrap="square" lIns="38100" tIns="38100" rIns="38100" bIns="38100" numCol="1" spcCol="1270" anchor="ctr" anchorCtr="0">
+        <a:bodyPr spcFirstLastPara="0" vert="horz" wrap="square" lIns="34290" tIns="34290" rIns="34290" bIns="34290" numCol="1" spcCol="1270" anchor="ctr" anchorCtr="0">
           <a:noAutofit/>
         </a:bodyPr>
         <a:lstStyle/>
         <a:p>
-          <a:pPr lvl="0" algn="ctr" defTabSz="444500">
+          <a:pPr marL="0" lvl="0" indent="0" algn="ctr" defTabSz="400050">
             <a:lnSpc>
               <a:spcPct val="90000"/>
             </a:lnSpc>
@@ -7207,17 +6575,18 @@
             <a:spcAft>
               <a:spcPct val="35000"/>
             </a:spcAft>
+            <a:buNone/>
           </a:pPr>
           <a:r>
-            <a:rPr lang="es-ES_tradnl" sz="1000" kern="1200" dirty="0" smtClean="0"/>
+            <a:rPr lang="es-ES_tradnl" sz="900" kern="1200" dirty="0"/>
             <a:t>6.2. Documentación</a:t>
           </a:r>
-          <a:endParaRPr lang="es-ES" sz="1000" kern="1200" dirty="0"/>
+          <a:endParaRPr lang="es-ES" sz="900" kern="1200" dirty="0"/>
         </a:p>
       </dsp:txBody>
       <dsp:txXfrm>
-        <a:off x="8305209" y="2892008"/>
-        <a:ext cx="984944" cy="643287"/>
+        <a:off x="7935588" y="2517849"/>
+        <a:ext cx="856696" cy="559525"/>
       </dsp:txXfrm>
     </dsp:sp>
   </dsp:spTree>
@@ -8791,7 +8160,7 @@
           <p:cNvPr id="2" name="Título 1">
             <a:extLst>
               <a:ext uri="{FF2B5EF4-FFF2-40B4-BE49-F238E27FC236}">
-                <a16:creationId xmlns:a16="http://schemas.microsoft.com/office/drawing/2014/main" xmlns="" id="{CC903C0D-C389-4CAF-8D6C-740B4B690444}"/>
+                <a16:creationId xmlns:a16="http://schemas.microsoft.com/office/drawing/2014/main" id="{CC903C0D-C389-4CAF-8D6C-740B4B690444}"/>
               </a:ext>
             </a:extLst>
           </p:cNvPr>
@@ -8828,7 +8197,7 @@
           <p:cNvPr id="3" name="Subtítulo 2">
             <a:extLst>
               <a:ext uri="{FF2B5EF4-FFF2-40B4-BE49-F238E27FC236}">
-                <a16:creationId xmlns:a16="http://schemas.microsoft.com/office/drawing/2014/main" xmlns="" id="{826867FC-1C2E-4B2F-81AC-FB481A5265C0}"/>
+                <a16:creationId xmlns:a16="http://schemas.microsoft.com/office/drawing/2014/main" id="{826867FC-1C2E-4B2F-81AC-FB481A5265C0}"/>
               </a:ext>
             </a:extLst>
           </p:cNvPr>
@@ -8898,7 +8267,7 @@
           <p:cNvPr id="4" name="Marcador de fecha 3">
             <a:extLst>
               <a:ext uri="{FF2B5EF4-FFF2-40B4-BE49-F238E27FC236}">
-                <a16:creationId xmlns:a16="http://schemas.microsoft.com/office/drawing/2014/main" xmlns="" id="{BA977B47-0DAF-43C4-9D11-5FF99BB5089A}"/>
+                <a16:creationId xmlns:a16="http://schemas.microsoft.com/office/drawing/2014/main" id="{BA977B47-0DAF-43C4-9D11-5FF99BB5089A}"/>
               </a:ext>
             </a:extLst>
           </p:cNvPr>
@@ -8927,7 +8296,7 @@
           <p:cNvPr id="5" name="Marcador de pie de página 4">
             <a:extLst>
               <a:ext uri="{FF2B5EF4-FFF2-40B4-BE49-F238E27FC236}">
-                <a16:creationId xmlns:a16="http://schemas.microsoft.com/office/drawing/2014/main" xmlns="" id="{EA220040-DBB0-4C2C-8C14-F9BA45D6AD2B}"/>
+                <a16:creationId xmlns:a16="http://schemas.microsoft.com/office/drawing/2014/main" id="{EA220040-DBB0-4C2C-8C14-F9BA45D6AD2B}"/>
               </a:ext>
             </a:extLst>
           </p:cNvPr>
@@ -8952,7 +8321,7 @@
           <p:cNvPr id="6" name="Marcador de número de diapositiva 5">
             <a:extLst>
               <a:ext uri="{FF2B5EF4-FFF2-40B4-BE49-F238E27FC236}">
-                <a16:creationId xmlns:a16="http://schemas.microsoft.com/office/drawing/2014/main" xmlns="" id="{5E514D59-71F6-4875-A32F-67C3B08CAC97}"/>
+                <a16:creationId xmlns:a16="http://schemas.microsoft.com/office/drawing/2014/main" id="{5E514D59-71F6-4875-A32F-67C3B08CAC97}"/>
               </a:ext>
             </a:extLst>
           </p:cNvPr>
@@ -9011,7 +8380,7 @@
           <p:cNvPr id="2" name="Título 1">
             <a:extLst>
               <a:ext uri="{FF2B5EF4-FFF2-40B4-BE49-F238E27FC236}">
-                <a16:creationId xmlns:a16="http://schemas.microsoft.com/office/drawing/2014/main" xmlns="" id="{26C90FDC-A903-4FE4-8815-A92CAC4F18B3}"/>
+                <a16:creationId xmlns:a16="http://schemas.microsoft.com/office/drawing/2014/main" id="{26C90FDC-A903-4FE4-8815-A92CAC4F18B3}"/>
               </a:ext>
             </a:extLst>
           </p:cNvPr>
@@ -9039,7 +8408,7 @@
           <p:cNvPr id="3" name="Marcador de texto vertical 2">
             <a:extLst>
               <a:ext uri="{FF2B5EF4-FFF2-40B4-BE49-F238E27FC236}">
-                <a16:creationId xmlns:a16="http://schemas.microsoft.com/office/drawing/2014/main" xmlns="" id="{C02BDA30-090B-49B8-AFB1-8728F7A71163}"/>
+                <a16:creationId xmlns:a16="http://schemas.microsoft.com/office/drawing/2014/main" id="{C02BDA30-090B-49B8-AFB1-8728F7A71163}"/>
               </a:ext>
             </a:extLst>
           </p:cNvPr>
@@ -9096,7 +8465,7 @@
           <p:cNvPr id="4" name="Marcador de fecha 3">
             <a:extLst>
               <a:ext uri="{FF2B5EF4-FFF2-40B4-BE49-F238E27FC236}">
-                <a16:creationId xmlns:a16="http://schemas.microsoft.com/office/drawing/2014/main" xmlns="" id="{A03215F3-26DE-4583-9AE8-7914222C26DF}"/>
+                <a16:creationId xmlns:a16="http://schemas.microsoft.com/office/drawing/2014/main" id="{A03215F3-26DE-4583-9AE8-7914222C26DF}"/>
               </a:ext>
             </a:extLst>
           </p:cNvPr>
@@ -9125,7 +8494,7 @@
           <p:cNvPr id="5" name="Marcador de pie de página 4">
             <a:extLst>
               <a:ext uri="{FF2B5EF4-FFF2-40B4-BE49-F238E27FC236}">
-                <a16:creationId xmlns:a16="http://schemas.microsoft.com/office/drawing/2014/main" xmlns="" id="{6494EA0F-E1ED-4BEF-8094-1DB1B705D163}"/>
+                <a16:creationId xmlns:a16="http://schemas.microsoft.com/office/drawing/2014/main" id="{6494EA0F-E1ED-4BEF-8094-1DB1B705D163}"/>
               </a:ext>
             </a:extLst>
           </p:cNvPr>
@@ -9150,7 +8519,7 @@
           <p:cNvPr id="6" name="Marcador de número de diapositiva 5">
             <a:extLst>
               <a:ext uri="{FF2B5EF4-FFF2-40B4-BE49-F238E27FC236}">
-                <a16:creationId xmlns:a16="http://schemas.microsoft.com/office/drawing/2014/main" xmlns="" id="{E5D9AA95-17BB-4206-AEEA-4462DF56A770}"/>
+                <a16:creationId xmlns:a16="http://schemas.microsoft.com/office/drawing/2014/main" id="{E5D9AA95-17BB-4206-AEEA-4462DF56A770}"/>
               </a:ext>
             </a:extLst>
           </p:cNvPr>
@@ -9209,7 +8578,7 @@
           <p:cNvPr id="2" name="Título vertical 1">
             <a:extLst>
               <a:ext uri="{FF2B5EF4-FFF2-40B4-BE49-F238E27FC236}">
-                <a16:creationId xmlns:a16="http://schemas.microsoft.com/office/drawing/2014/main" xmlns="" id="{4BF0D357-4686-437C-A151-EFB9FCEACCF5}"/>
+                <a16:creationId xmlns:a16="http://schemas.microsoft.com/office/drawing/2014/main" id="{4BF0D357-4686-437C-A151-EFB9FCEACCF5}"/>
               </a:ext>
             </a:extLst>
           </p:cNvPr>
@@ -9242,7 +8611,7 @@
           <p:cNvPr id="3" name="Marcador de texto vertical 2">
             <a:extLst>
               <a:ext uri="{FF2B5EF4-FFF2-40B4-BE49-F238E27FC236}">
-                <a16:creationId xmlns:a16="http://schemas.microsoft.com/office/drawing/2014/main" xmlns="" id="{2C4456FB-D69B-4B03-806D-5920D225E1C1}"/>
+                <a16:creationId xmlns:a16="http://schemas.microsoft.com/office/drawing/2014/main" id="{2C4456FB-D69B-4B03-806D-5920D225E1C1}"/>
               </a:ext>
             </a:extLst>
           </p:cNvPr>
@@ -9304,7 +8673,7 @@
           <p:cNvPr id="4" name="Marcador de fecha 3">
             <a:extLst>
               <a:ext uri="{FF2B5EF4-FFF2-40B4-BE49-F238E27FC236}">
-                <a16:creationId xmlns:a16="http://schemas.microsoft.com/office/drawing/2014/main" xmlns="" id="{66D53F48-255D-4D56-A07D-F2AE5EE7B8B4}"/>
+                <a16:creationId xmlns:a16="http://schemas.microsoft.com/office/drawing/2014/main" id="{66D53F48-255D-4D56-A07D-F2AE5EE7B8B4}"/>
               </a:ext>
             </a:extLst>
           </p:cNvPr>
@@ -9333,7 +8702,7 @@
           <p:cNvPr id="5" name="Marcador de pie de página 4">
             <a:extLst>
               <a:ext uri="{FF2B5EF4-FFF2-40B4-BE49-F238E27FC236}">
-                <a16:creationId xmlns:a16="http://schemas.microsoft.com/office/drawing/2014/main" xmlns="" id="{C165EFB3-BC81-4081-BEDA-35A6C289EA91}"/>
+                <a16:creationId xmlns:a16="http://schemas.microsoft.com/office/drawing/2014/main" id="{C165EFB3-BC81-4081-BEDA-35A6C289EA91}"/>
               </a:ext>
             </a:extLst>
           </p:cNvPr>
@@ -9358,7 +8727,7 @@
           <p:cNvPr id="6" name="Marcador de número de diapositiva 5">
             <a:extLst>
               <a:ext uri="{FF2B5EF4-FFF2-40B4-BE49-F238E27FC236}">
-                <a16:creationId xmlns:a16="http://schemas.microsoft.com/office/drawing/2014/main" xmlns="" id="{D7B8C533-FD4A-4DF1-8647-4678AE0B62D5}"/>
+                <a16:creationId xmlns:a16="http://schemas.microsoft.com/office/drawing/2014/main" id="{D7B8C533-FD4A-4DF1-8647-4678AE0B62D5}"/>
               </a:ext>
             </a:extLst>
           </p:cNvPr>
@@ -9417,7 +8786,7 @@
           <p:cNvPr id="2" name="Título 1">
             <a:extLst>
               <a:ext uri="{FF2B5EF4-FFF2-40B4-BE49-F238E27FC236}">
-                <a16:creationId xmlns:a16="http://schemas.microsoft.com/office/drawing/2014/main" xmlns="" id="{3C8F8F0B-17A3-436F-A3DD-B6945F8F1E41}"/>
+                <a16:creationId xmlns:a16="http://schemas.microsoft.com/office/drawing/2014/main" id="{3C8F8F0B-17A3-436F-A3DD-B6945F8F1E41}"/>
               </a:ext>
             </a:extLst>
           </p:cNvPr>
@@ -9445,7 +8814,7 @@
           <p:cNvPr id="3" name="Marcador de contenido 2">
             <a:extLst>
               <a:ext uri="{FF2B5EF4-FFF2-40B4-BE49-F238E27FC236}">
-                <a16:creationId xmlns:a16="http://schemas.microsoft.com/office/drawing/2014/main" xmlns="" id="{5CA0BB83-3A1C-4D4D-9009-3860620D70B3}"/>
+                <a16:creationId xmlns:a16="http://schemas.microsoft.com/office/drawing/2014/main" id="{5CA0BB83-3A1C-4D4D-9009-3860620D70B3}"/>
               </a:ext>
             </a:extLst>
           </p:cNvPr>
@@ -9502,7 +8871,7 @@
           <p:cNvPr id="4" name="Marcador de fecha 3">
             <a:extLst>
               <a:ext uri="{FF2B5EF4-FFF2-40B4-BE49-F238E27FC236}">
-                <a16:creationId xmlns:a16="http://schemas.microsoft.com/office/drawing/2014/main" xmlns="" id="{88F256EA-479A-45E6-A89A-5FC7A53BF9CA}"/>
+                <a16:creationId xmlns:a16="http://schemas.microsoft.com/office/drawing/2014/main" id="{88F256EA-479A-45E6-A89A-5FC7A53BF9CA}"/>
               </a:ext>
             </a:extLst>
           </p:cNvPr>
@@ -9531,7 +8900,7 @@
           <p:cNvPr id="5" name="Marcador de pie de página 4">
             <a:extLst>
               <a:ext uri="{FF2B5EF4-FFF2-40B4-BE49-F238E27FC236}">
-                <a16:creationId xmlns:a16="http://schemas.microsoft.com/office/drawing/2014/main" xmlns="" id="{B1ABC90E-5774-4D1F-93BD-4B6D5363C808}"/>
+                <a16:creationId xmlns:a16="http://schemas.microsoft.com/office/drawing/2014/main" id="{B1ABC90E-5774-4D1F-93BD-4B6D5363C808}"/>
               </a:ext>
             </a:extLst>
           </p:cNvPr>
@@ -9556,7 +8925,7 @@
           <p:cNvPr id="6" name="Marcador de número de diapositiva 5">
             <a:extLst>
               <a:ext uri="{FF2B5EF4-FFF2-40B4-BE49-F238E27FC236}">
-                <a16:creationId xmlns:a16="http://schemas.microsoft.com/office/drawing/2014/main" xmlns="" id="{FDBC6D73-E390-4BDD-9C3F-4930E2E625FC}"/>
+                <a16:creationId xmlns:a16="http://schemas.microsoft.com/office/drawing/2014/main" id="{FDBC6D73-E390-4BDD-9C3F-4930E2E625FC}"/>
               </a:ext>
             </a:extLst>
           </p:cNvPr>
@@ -9615,7 +8984,7 @@
           <p:cNvPr id="2" name="Título 1">
             <a:extLst>
               <a:ext uri="{FF2B5EF4-FFF2-40B4-BE49-F238E27FC236}">
-                <a16:creationId xmlns:a16="http://schemas.microsoft.com/office/drawing/2014/main" xmlns="" id="{BB64AE3D-0606-4D5D-B820-8BCC2A0EFBDA}"/>
+                <a16:creationId xmlns:a16="http://schemas.microsoft.com/office/drawing/2014/main" id="{BB64AE3D-0606-4D5D-B820-8BCC2A0EFBDA}"/>
               </a:ext>
             </a:extLst>
           </p:cNvPr>
@@ -9652,7 +9021,7 @@
           <p:cNvPr id="3" name="Marcador de texto 2">
             <a:extLst>
               <a:ext uri="{FF2B5EF4-FFF2-40B4-BE49-F238E27FC236}">
-                <a16:creationId xmlns:a16="http://schemas.microsoft.com/office/drawing/2014/main" xmlns="" id="{C59538C8-7634-4B88-AA87-3D1EDDCC5885}"/>
+                <a16:creationId xmlns:a16="http://schemas.microsoft.com/office/drawing/2014/main" id="{C59538C8-7634-4B88-AA87-3D1EDDCC5885}"/>
               </a:ext>
             </a:extLst>
           </p:cNvPr>
@@ -9777,7 +9146,7 @@
           <p:cNvPr id="4" name="Marcador de fecha 3">
             <a:extLst>
               <a:ext uri="{FF2B5EF4-FFF2-40B4-BE49-F238E27FC236}">
-                <a16:creationId xmlns:a16="http://schemas.microsoft.com/office/drawing/2014/main" xmlns="" id="{0BCE1EA7-3513-4776-9CB7-B7560A25717C}"/>
+                <a16:creationId xmlns:a16="http://schemas.microsoft.com/office/drawing/2014/main" id="{0BCE1EA7-3513-4776-9CB7-B7560A25717C}"/>
               </a:ext>
             </a:extLst>
           </p:cNvPr>
@@ -9806,7 +9175,7 @@
           <p:cNvPr id="5" name="Marcador de pie de página 4">
             <a:extLst>
               <a:ext uri="{FF2B5EF4-FFF2-40B4-BE49-F238E27FC236}">
-                <a16:creationId xmlns:a16="http://schemas.microsoft.com/office/drawing/2014/main" xmlns="" id="{B118C7D0-4FBC-4EB4-A61D-695A230EED1B}"/>
+                <a16:creationId xmlns:a16="http://schemas.microsoft.com/office/drawing/2014/main" id="{B118C7D0-4FBC-4EB4-A61D-695A230EED1B}"/>
               </a:ext>
             </a:extLst>
           </p:cNvPr>
@@ -9831,7 +9200,7 @@
           <p:cNvPr id="6" name="Marcador de número de diapositiva 5">
             <a:extLst>
               <a:ext uri="{FF2B5EF4-FFF2-40B4-BE49-F238E27FC236}">
-                <a16:creationId xmlns:a16="http://schemas.microsoft.com/office/drawing/2014/main" xmlns="" id="{6DB65F46-BE78-488D-8DBE-6138DD92EA30}"/>
+                <a16:creationId xmlns:a16="http://schemas.microsoft.com/office/drawing/2014/main" id="{6DB65F46-BE78-488D-8DBE-6138DD92EA30}"/>
               </a:ext>
             </a:extLst>
           </p:cNvPr>
@@ -9890,7 +9259,7 @@
           <p:cNvPr id="2" name="Título 1">
             <a:extLst>
               <a:ext uri="{FF2B5EF4-FFF2-40B4-BE49-F238E27FC236}">
-                <a16:creationId xmlns:a16="http://schemas.microsoft.com/office/drawing/2014/main" xmlns="" id="{6D226921-87AE-4456-936D-C6FF4E3FF969}"/>
+                <a16:creationId xmlns:a16="http://schemas.microsoft.com/office/drawing/2014/main" id="{6D226921-87AE-4456-936D-C6FF4E3FF969}"/>
               </a:ext>
             </a:extLst>
           </p:cNvPr>
@@ -9918,7 +9287,7 @@
           <p:cNvPr id="3" name="Marcador de contenido 2">
             <a:extLst>
               <a:ext uri="{FF2B5EF4-FFF2-40B4-BE49-F238E27FC236}">
-                <a16:creationId xmlns:a16="http://schemas.microsoft.com/office/drawing/2014/main" xmlns="" id="{E0DC5C4F-E599-4B53-91E6-D4ABDB60B18E}"/>
+                <a16:creationId xmlns:a16="http://schemas.microsoft.com/office/drawing/2014/main" id="{E0DC5C4F-E599-4B53-91E6-D4ABDB60B18E}"/>
               </a:ext>
             </a:extLst>
           </p:cNvPr>
@@ -9980,7 +9349,7 @@
           <p:cNvPr id="4" name="Marcador de contenido 3">
             <a:extLst>
               <a:ext uri="{FF2B5EF4-FFF2-40B4-BE49-F238E27FC236}">
-                <a16:creationId xmlns:a16="http://schemas.microsoft.com/office/drawing/2014/main" xmlns="" id="{C729836B-2455-4F77-B8FC-D19E1788544E}"/>
+                <a16:creationId xmlns:a16="http://schemas.microsoft.com/office/drawing/2014/main" id="{C729836B-2455-4F77-B8FC-D19E1788544E}"/>
               </a:ext>
             </a:extLst>
           </p:cNvPr>
@@ -10042,7 +9411,7 @@
           <p:cNvPr id="5" name="Marcador de fecha 4">
             <a:extLst>
               <a:ext uri="{FF2B5EF4-FFF2-40B4-BE49-F238E27FC236}">
-                <a16:creationId xmlns:a16="http://schemas.microsoft.com/office/drawing/2014/main" xmlns="" id="{5592F784-D080-47C7-A721-9C080B1B209D}"/>
+                <a16:creationId xmlns:a16="http://schemas.microsoft.com/office/drawing/2014/main" id="{5592F784-D080-47C7-A721-9C080B1B209D}"/>
               </a:ext>
             </a:extLst>
           </p:cNvPr>
@@ -10071,7 +9440,7 @@
           <p:cNvPr id="6" name="Marcador de pie de página 5">
             <a:extLst>
               <a:ext uri="{FF2B5EF4-FFF2-40B4-BE49-F238E27FC236}">
-                <a16:creationId xmlns:a16="http://schemas.microsoft.com/office/drawing/2014/main" xmlns="" id="{23A0360C-FABB-4C35-98EC-4456F26734F7}"/>
+                <a16:creationId xmlns:a16="http://schemas.microsoft.com/office/drawing/2014/main" id="{23A0360C-FABB-4C35-98EC-4456F26734F7}"/>
               </a:ext>
             </a:extLst>
           </p:cNvPr>
@@ -10096,7 +9465,7 @@
           <p:cNvPr id="7" name="Marcador de número de diapositiva 6">
             <a:extLst>
               <a:ext uri="{FF2B5EF4-FFF2-40B4-BE49-F238E27FC236}">
-                <a16:creationId xmlns:a16="http://schemas.microsoft.com/office/drawing/2014/main" xmlns="" id="{E369A50B-7D3C-488B-B3C1-EC3CA604FBB0}"/>
+                <a16:creationId xmlns:a16="http://schemas.microsoft.com/office/drawing/2014/main" id="{E369A50B-7D3C-488B-B3C1-EC3CA604FBB0}"/>
               </a:ext>
             </a:extLst>
           </p:cNvPr>
@@ -10155,7 +9524,7 @@
           <p:cNvPr id="2" name="Título 1">
             <a:extLst>
               <a:ext uri="{FF2B5EF4-FFF2-40B4-BE49-F238E27FC236}">
-                <a16:creationId xmlns:a16="http://schemas.microsoft.com/office/drawing/2014/main" xmlns="" id="{D41A082A-75B0-4D49-946E-03995A6FC3A0}"/>
+                <a16:creationId xmlns:a16="http://schemas.microsoft.com/office/drawing/2014/main" id="{D41A082A-75B0-4D49-946E-03995A6FC3A0}"/>
               </a:ext>
             </a:extLst>
           </p:cNvPr>
@@ -10188,7 +9557,7 @@
           <p:cNvPr id="3" name="Marcador de texto 2">
             <a:extLst>
               <a:ext uri="{FF2B5EF4-FFF2-40B4-BE49-F238E27FC236}">
-                <a16:creationId xmlns:a16="http://schemas.microsoft.com/office/drawing/2014/main" xmlns="" id="{2950FEC8-E4B1-46CF-AF4F-7EB4774789C2}"/>
+                <a16:creationId xmlns:a16="http://schemas.microsoft.com/office/drawing/2014/main" id="{2950FEC8-E4B1-46CF-AF4F-7EB4774789C2}"/>
               </a:ext>
             </a:extLst>
           </p:cNvPr>
@@ -10259,7 +9628,7 @@
           <p:cNvPr id="4" name="Marcador de contenido 3">
             <a:extLst>
               <a:ext uri="{FF2B5EF4-FFF2-40B4-BE49-F238E27FC236}">
-                <a16:creationId xmlns:a16="http://schemas.microsoft.com/office/drawing/2014/main" xmlns="" id="{966FD734-BCB5-4962-8329-FE935471B33C}"/>
+                <a16:creationId xmlns:a16="http://schemas.microsoft.com/office/drawing/2014/main" id="{966FD734-BCB5-4962-8329-FE935471B33C}"/>
               </a:ext>
             </a:extLst>
           </p:cNvPr>
@@ -10321,7 +9690,7 @@
           <p:cNvPr id="5" name="Marcador de texto 4">
             <a:extLst>
               <a:ext uri="{FF2B5EF4-FFF2-40B4-BE49-F238E27FC236}">
-                <a16:creationId xmlns:a16="http://schemas.microsoft.com/office/drawing/2014/main" xmlns="" id="{CA520570-8F88-4256-9ECE-89ED8A4EBFBF}"/>
+                <a16:creationId xmlns:a16="http://schemas.microsoft.com/office/drawing/2014/main" id="{CA520570-8F88-4256-9ECE-89ED8A4EBFBF}"/>
               </a:ext>
             </a:extLst>
           </p:cNvPr>
@@ -10392,7 +9761,7 @@
           <p:cNvPr id="6" name="Marcador de contenido 5">
             <a:extLst>
               <a:ext uri="{FF2B5EF4-FFF2-40B4-BE49-F238E27FC236}">
-                <a16:creationId xmlns:a16="http://schemas.microsoft.com/office/drawing/2014/main" xmlns="" id="{0A82C2F7-68FB-4152-9A83-B51AC6B87A8F}"/>
+                <a16:creationId xmlns:a16="http://schemas.microsoft.com/office/drawing/2014/main" id="{0A82C2F7-68FB-4152-9A83-B51AC6B87A8F}"/>
               </a:ext>
             </a:extLst>
           </p:cNvPr>
@@ -10454,7 +9823,7 @@
           <p:cNvPr id="7" name="Marcador de fecha 6">
             <a:extLst>
               <a:ext uri="{FF2B5EF4-FFF2-40B4-BE49-F238E27FC236}">
-                <a16:creationId xmlns:a16="http://schemas.microsoft.com/office/drawing/2014/main" xmlns="" id="{EB19EA14-2CEA-40AA-BB48-08A7C6991128}"/>
+                <a16:creationId xmlns:a16="http://schemas.microsoft.com/office/drawing/2014/main" id="{EB19EA14-2CEA-40AA-BB48-08A7C6991128}"/>
               </a:ext>
             </a:extLst>
           </p:cNvPr>
@@ -10483,7 +9852,7 @@
           <p:cNvPr id="8" name="Marcador de pie de página 7">
             <a:extLst>
               <a:ext uri="{FF2B5EF4-FFF2-40B4-BE49-F238E27FC236}">
-                <a16:creationId xmlns:a16="http://schemas.microsoft.com/office/drawing/2014/main" xmlns="" id="{FC9DB421-F4FC-465B-AB5C-AF9C6EFCE2F1}"/>
+                <a16:creationId xmlns:a16="http://schemas.microsoft.com/office/drawing/2014/main" id="{FC9DB421-F4FC-465B-AB5C-AF9C6EFCE2F1}"/>
               </a:ext>
             </a:extLst>
           </p:cNvPr>
@@ -10508,7 +9877,7 @@
           <p:cNvPr id="9" name="Marcador de número de diapositiva 8">
             <a:extLst>
               <a:ext uri="{FF2B5EF4-FFF2-40B4-BE49-F238E27FC236}">
-                <a16:creationId xmlns:a16="http://schemas.microsoft.com/office/drawing/2014/main" xmlns="" id="{D76C2C0E-75E0-42CD-B825-621281622AAB}"/>
+                <a16:creationId xmlns:a16="http://schemas.microsoft.com/office/drawing/2014/main" id="{D76C2C0E-75E0-42CD-B825-621281622AAB}"/>
               </a:ext>
             </a:extLst>
           </p:cNvPr>
@@ -10567,7 +9936,7 @@
           <p:cNvPr id="2" name="Título 1">
             <a:extLst>
               <a:ext uri="{FF2B5EF4-FFF2-40B4-BE49-F238E27FC236}">
-                <a16:creationId xmlns:a16="http://schemas.microsoft.com/office/drawing/2014/main" xmlns="" id="{F29CE5C4-8B84-4BC9-A047-A2A20FD54EA1}"/>
+                <a16:creationId xmlns:a16="http://schemas.microsoft.com/office/drawing/2014/main" id="{F29CE5C4-8B84-4BC9-A047-A2A20FD54EA1}"/>
               </a:ext>
             </a:extLst>
           </p:cNvPr>
@@ -10595,7 +9964,7 @@
           <p:cNvPr id="3" name="Marcador de fecha 2">
             <a:extLst>
               <a:ext uri="{FF2B5EF4-FFF2-40B4-BE49-F238E27FC236}">
-                <a16:creationId xmlns:a16="http://schemas.microsoft.com/office/drawing/2014/main" xmlns="" id="{2D47C7FB-5D06-49FC-B7EC-98F2EC9F05F7}"/>
+                <a16:creationId xmlns:a16="http://schemas.microsoft.com/office/drawing/2014/main" id="{2D47C7FB-5D06-49FC-B7EC-98F2EC9F05F7}"/>
               </a:ext>
             </a:extLst>
           </p:cNvPr>
@@ -10624,7 +9993,7 @@
           <p:cNvPr id="4" name="Marcador de pie de página 3">
             <a:extLst>
               <a:ext uri="{FF2B5EF4-FFF2-40B4-BE49-F238E27FC236}">
-                <a16:creationId xmlns:a16="http://schemas.microsoft.com/office/drawing/2014/main" xmlns="" id="{DFC766A9-2F1E-42ED-BA9C-49A9F34BA968}"/>
+                <a16:creationId xmlns:a16="http://schemas.microsoft.com/office/drawing/2014/main" id="{DFC766A9-2F1E-42ED-BA9C-49A9F34BA968}"/>
               </a:ext>
             </a:extLst>
           </p:cNvPr>
@@ -10649,7 +10018,7 @@
           <p:cNvPr id="5" name="Marcador de número de diapositiva 4">
             <a:extLst>
               <a:ext uri="{FF2B5EF4-FFF2-40B4-BE49-F238E27FC236}">
-                <a16:creationId xmlns:a16="http://schemas.microsoft.com/office/drawing/2014/main" xmlns="" id="{C20D952D-424A-490C-A10D-2D34A58F1B5F}"/>
+                <a16:creationId xmlns:a16="http://schemas.microsoft.com/office/drawing/2014/main" id="{C20D952D-424A-490C-A10D-2D34A58F1B5F}"/>
               </a:ext>
             </a:extLst>
           </p:cNvPr>
@@ -10708,7 +10077,7 @@
           <p:cNvPr id="2" name="Marcador de fecha 1">
             <a:extLst>
               <a:ext uri="{FF2B5EF4-FFF2-40B4-BE49-F238E27FC236}">
-                <a16:creationId xmlns:a16="http://schemas.microsoft.com/office/drawing/2014/main" xmlns="" id="{0FDA2A59-670B-40C2-86F8-8CB1F3091B6B}"/>
+                <a16:creationId xmlns:a16="http://schemas.microsoft.com/office/drawing/2014/main" id="{0FDA2A59-670B-40C2-86F8-8CB1F3091B6B}"/>
               </a:ext>
             </a:extLst>
           </p:cNvPr>
@@ -10737,7 +10106,7 @@
           <p:cNvPr id="3" name="Marcador de pie de página 2">
             <a:extLst>
               <a:ext uri="{FF2B5EF4-FFF2-40B4-BE49-F238E27FC236}">
-                <a16:creationId xmlns:a16="http://schemas.microsoft.com/office/drawing/2014/main" xmlns="" id="{91109880-1334-4488-AF7F-5687C6F70181}"/>
+                <a16:creationId xmlns:a16="http://schemas.microsoft.com/office/drawing/2014/main" id="{91109880-1334-4488-AF7F-5687C6F70181}"/>
               </a:ext>
             </a:extLst>
           </p:cNvPr>
@@ -10762,7 +10131,7 @@
           <p:cNvPr id="4" name="Marcador de número de diapositiva 3">
             <a:extLst>
               <a:ext uri="{FF2B5EF4-FFF2-40B4-BE49-F238E27FC236}">
-                <a16:creationId xmlns:a16="http://schemas.microsoft.com/office/drawing/2014/main" xmlns="" id="{B17DBF9F-77AA-4FF4-8177-8A6E61BAE1F9}"/>
+                <a16:creationId xmlns:a16="http://schemas.microsoft.com/office/drawing/2014/main" id="{B17DBF9F-77AA-4FF4-8177-8A6E61BAE1F9}"/>
               </a:ext>
             </a:extLst>
           </p:cNvPr>
@@ -10821,7 +10190,7 @@
           <p:cNvPr id="2" name="Título 1">
             <a:extLst>
               <a:ext uri="{FF2B5EF4-FFF2-40B4-BE49-F238E27FC236}">
-                <a16:creationId xmlns:a16="http://schemas.microsoft.com/office/drawing/2014/main" xmlns="" id="{37CB04E0-E288-43DE-A477-FF0A9A303D38}"/>
+                <a16:creationId xmlns:a16="http://schemas.microsoft.com/office/drawing/2014/main" id="{37CB04E0-E288-43DE-A477-FF0A9A303D38}"/>
               </a:ext>
             </a:extLst>
           </p:cNvPr>
@@ -10858,7 +10227,7 @@
           <p:cNvPr id="3" name="Marcador de contenido 2">
             <a:extLst>
               <a:ext uri="{FF2B5EF4-FFF2-40B4-BE49-F238E27FC236}">
-                <a16:creationId xmlns:a16="http://schemas.microsoft.com/office/drawing/2014/main" xmlns="" id="{AF9C1D2C-50AC-45AC-B443-3222085947C9}"/>
+                <a16:creationId xmlns:a16="http://schemas.microsoft.com/office/drawing/2014/main" id="{AF9C1D2C-50AC-45AC-B443-3222085947C9}"/>
               </a:ext>
             </a:extLst>
           </p:cNvPr>
@@ -10948,7 +10317,7 @@
           <p:cNvPr id="4" name="Marcador de texto 3">
             <a:extLst>
               <a:ext uri="{FF2B5EF4-FFF2-40B4-BE49-F238E27FC236}">
-                <a16:creationId xmlns:a16="http://schemas.microsoft.com/office/drawing/2014/main" xmlns="" id="{F7D43D6D-4826-4ADA-88E6-E8D93633CE92}"/>
+                <a16:creationId xmlns:a16="http://schemas.microsoft.com/office/drawing/2014/main" id="{F7D43D6D-4826-4ADA-88E6-E8D93633CE92}"/>
               </a:ext>
             </a:extLst>
           </p:cNvPr>
@@ -11019,7 +10388,7 @@
           <p:cNvPr id="5" name="Marcador de fecha 4">
             <a:extLst>
               <a:ext uri="{FF2B5EF4-FFF2-40B4-BE49-F238E27FC236}">
-                <a16:creationId xmlns:a16="http://schemas.microsoft.com/office/drawing/2014/main" xmlns="" id="{2C6B1363-0C42-4B9F-B7BF-4365E807E821}"/>
+                <a16:creationId xmlns:a16="http://schemas.microsoft.com/office/drawing/2014/main" id="{2C6B1363-0C42-4B9F-B7BF-4365E807E821}"/>
               </a:ext>
             </a:extLst>
           </p:cNvPr>
@@ -11048,7 +10417,7 @@
           <p:cNvPr id="6" name="Marcador de pie de página 5">
             <a:extLst>
               <a:ext uri="{FF2B5EF4-FFF2-40B4-BE49-F238E27FC236}">
-                <a16:creationId xmlns:a16="http://schemas.microsoft.com/office/drawing/2014/main" xmlns="" id="{01A69DE5-DCB0-4267-80FF-397699E03EF2}"/>
+                <a16:creationId xmlns:a16="http://schemas.microsoft.com/office/drawing/2014/main" id="{01A69DE5-DCB0-4267-80FF-397699E03EF2}"/>
               </a:ext>
             </a:extLst>
           </p:cNvPr>
@@ -11073,7 +10442,7 @@
           <p:cNvPr id="7" name="Marcador de número de diapositiva 6">
             <a:extLst>
               <a:ext uri="{FF2B5EF4-FFF2-40B4-BE49-F238E27FC236}">
-                <a16:creationId xmlns:a16="http://schemas.microsoft.com/office/drawing/2014/main" xmlns="" id="{856C19D6-E6B5-435B-A0B1-EAFDCD393CB1}"/>
+                <a16:creationId xmlns:a16="http://schemas.microsoft.com/office/drawing/2014/main" id="{856C19D6-E6B5-435B-A0B1-EAFDCD393CB1}"/>
               </a:ext>
             </a:extLst>
           </p:cNvPr>
@@ -11132,7 +10501,7 @@
           <p:cNvPr id="2" name="Título 1">
             <a:extLst>
               <a:ext uri="{FF2B5EF4-FFF2-40B4-BE49-F238E27FC236}">
-                <a16:creationId xmlns:a16="http://schemas.microsoft.com/office/drawing/2014/main" xmlns="" id="{3BA08F4A-DA9B-4ECB-98AF-0EB10C589C75}"/>
+                <a16:creationId xmlns:a16="http://schemas.microsoft.com/office/drawing/2014/main" id="{3BA08F4A-DA9B-4ECB-98AF-0EB10C589C75}"/>
               </a:ext>
             </a:extLst>
           </p:cNvPr>
@@ -11169,7 +10538,7 @@
           <p:cNvPr id="3" name="Marcador de posición de imagen 2">
             <a:extLst>
               <a:ext uri="{FF2B5EF4-FFF2-40B4-BE49-F238E27FC236}">
-                <a16:creationId xmlns:a16="http://schemas.microsoft.com/office/drawing/2014/main" xmlns="" id="{38708122-9D59-48B0-B7CD-59C96F9CC8E6}"/>
+                <a16:creationId xmlns:a16="http://schemas.microsoft.com/office/drawing/2014/main" id="{38708122-9D59-48B0-B7CD-59C96F9CC8E6}"/>
               </a:ext>
             </a:extLst>
           </p:cNvPr>
@@ -11236,7 +10605,7 @@
           <p:cNvPr id="4" name="Marcador de texto 3">
             <a:extLst>
               <a:ext uri="{FF2B5EF4-FFF2-40B4-BE49-F238E27FC236}">
-                <a16:creationId xmlns:a16="http://schemas.microsoft.com/office/drawing/2014/main" xmlns="" id="{E4F8C755-C6F1-44F4-AE84-EDE378786CA0}"/>
+                <a16:creationId xmlns:a16="http://schemas.microsoft.com/office/drawing/2014/main" id="{E4F8C755-C6F1-44F4-AE84-EDE378786CA0}"/>
               </a:ext>
             </a:extLst>
           </p:cNvPr>
@@ -11307,7 +10676,7 @@
           <p:cNvPr id="5" name="Marcador de fecha 4">
             <a:extLst>
               <a:ext uri="{FF2B5EF4-FFF2-40B4-BE49-F238E27FC236}">
-                <a16:creationId xmlns:a16="http://schemas.microsoft.com/office/drawing/2014/main" xmlns="" id="{B7218895-6A62-47B7-BD6E-51327CBE8AA2}"/>
+                <a16:creationId xmlns:a16="http://schemas.microsoft.com/office/drawing/2014/main" id="{B7218895-6A62-47B7-BD6E-51327CBE8AA2}"/>
               </a:ext>
             </a:extLst>
           </p:cNvPr>
@@ -11336,7 +10705,7 @@
           <p:cNvPr id="6" name="Marcador de pie de página 5">
             <a:extLst>
               <a:ext uri="{FF2B5EF4-FFF2-40B4-BE49-F238E27FC236}">
-                <a16:creationId xmlns:a16="http://schemas.microsoft.com/office/drawing/2014/main" xmlns="" id="{F306B334-6C9C-4565-9479-03CF947F6A32}"/>
+                <a16:creationId xmlns:a16="http://schemas.microsoft.com/office/drawing/2014/main" id="{F306B334-6C9C-4565-9479-03CF947F6A32}"/>
               </a:ext>
             </a:extLst>
           </p:cNvPr>
@@ -11361,7 +10730,7 @@
           <p:cNvPr id="7" name="Marcador de número de diapositiva 6">
             <a:extLst>
               <a:ext uri="{FF2B5EF4-FFF2-40B4-BE49-F238E27FC236}">
-                <a16:creationId xmlns:a16="http://schemas.microsoft.com/office/drawing/2014/main" xmlns="" id="{ED52EED0-9C4A-4067-92DF-25FD8E1B0EDE}"/>
+                <a16:creationId xmlns:a16="http://schemas.microsoft.com/office/drawing/2014/main" id="{ED52EED0-9C4A-4067-92DF-25FD8E1B0EDE}"/>
               </a:ext>
             </a:extLst>
           </p:cNvPr>
@@ -11425,7 +10794,7 @@
           <p:cNvPr id="2" name="Marcador de título 1">
             <a:extLst>
               <a:ext uri="{FF2B5EF4-FFF2-40B4-BE49-F238E27FC236}">
-                <a16:creationId xmlns:a16="http://schemas.microsoft.com/office/drawing/2014/main" xmlns="" id="{0764F778-1D01-4D22-B70B-EA87685E881B}"/>
+                <a16:creationId xmlns:a16="http://schemas.microsoft.com/office/drawing/2014/main" id="{0764F778-1D01-4D22-B70B-EA87685E881B}"/>
               </a:ext>
             </a:extLst>
           </p:cNvPr>
@@ -11463,7 +10832,7 @@
           <p:cNvPr id="3" name="Marcador de texto 2">
             <a:extLst>
               <a:ext uri="{FF2B5EF4-FFF2-40B4-BE49-F238E27FC236}">
-                <a16:creationId xmlns:a16="http://schemas.microsoft.com/office/drawing/2014/main" xmlns="" id="{E34EE774-0F39-4217-B76F-9809639647B3}"/>
+                <a16:creationId xmlns:a16="http://schemas.microsoft.com/office/drawing/2014/main" id="{E34EE774-0F39-4217-B76F-9809639647B3}"/>
               </a:ext>
             </a:extLst>
           </p:cNvPr>
@@ -11530,7 +10899,7 @@
           <p:cNvPr id="4" name="Marcador de fecha 3">
             <a:extLst>
               <a:ext uri="{FF2B5EF4-FFF2-40B4-BE49-F238E27FC236}">
-                <a16:creationId xmlns:a16="http://schemas.microsoft.com/office/drawing/2014/main" xmlns="" id="{BD7D36A4-849A-4159-8549-A0A956F5DC41}"/>
+                <a16:creationId xmlns:a16="http://schemas.microsoft.com/office/drawing/2014/main" id="{BD7D36A4-849A-4159-8549-A0A956F5DC41}"/>
               </a:ext>
             </a:extLst>
           </p:cNvPr>
@@ -11577,7 +10946,7 @@
           <p:cNvPr id="5" name="Marcador de pie de página 4">
             <a:extLst>
               <a:ext uri="{FF2B5EF4-FFF2-40B4-BE49-F238E27FC236}">
-                <a16:creationId xmlns:a16="http://schemas.microsoft.com/office/drawing/2014/main" xmlns="" id="{0E238FCD-B9DC-4E4D-9592-DA93018474F5}"/>
+                <a16:creationId xmlns:a16="http://schemas.microsoft.com/office/drawing/2014/main" id="{0E238FCD-B9DC-4E4D-9592-DA93018474F5}"/>
               </a:ext>
             </a:extLst>
           </p:cNvPr>
@@ -11620,7 +10989,7 @@
           <p:cNvPr id="6" name="Marcador de número de diapositiva 5">
             <a:extLst>
               <a:ext uri="{FF2B5EF4-FFF2-40B4-BE49-F238E27FC236}">
-                <a16:creationId xmlns:a16="http://schemas.microsoft.com/office/drawing/2014/main" xmlns="" id="{5972F16E-B103-44C9-B1D9-EA355AE61745}"/>
+                <a16:creationId xmlns:a16="http://schemas.microsoft.com/office/drawing/2014/main" id="{5972F16E-B103-44C9-B1D9-EA355AE61745}"/>
               </a:ext>
             </a:extLst>
           </p:cNvPr>
@@ -11988,7 +11357,7 @@
           <p:cNvPr id="4" name="Diagrama 3">
             <a:extLst>
               <a:ext uri="{FF2B5EF4-FFF2-40B4-BE49-F238E27FC236}">
-                <a16:creationId xmlns:a16="http://schemas.microsoft.com/office/drawing/2014/main" xmlns="" id="{8046D823-26ED-4890-B680-726CEC7D2C72}"/>
+                <a16:creationId xmlns:a16="http://schemas.microsoft.com/office/drawing/2014/main" id="{8046D823-26ED-4890-B680-726CEC7D2C72}"/>
               </a:ext>
             </a:extLst>
           </p:cNvPr>
@@ -11996,7 +11365,7 @@
           <p:nvPr>
             <p:extLst>
               <p:ext uri="{D42A27DB-BD31-4B8C-83A1-F6EECF244321}">
-                <p14:modId xmlns:p14="http://schemas.microsoft.com/office/powerpoint/2010/main" val="4202419536"/>
+                <p14:modId xmlns:p14="http://schemas.microsoft.com/office/powerpoint/2010/main" val="1497416171"/>
               </p:ext>
             </p:extLst>
           </p:nvPr>
@@ -12313,7 +11682,7 @@
   <a:extraClrSchemeLst/>
   <a:extLst>
     <a:ext uri="{05A4C25C-085E-4340-85A3-A5531E510DB2}">
-      <thm15:themeFamily xmlns:thm15="http://schemas.microsoft.com/office/thememl/2012/main" xmlns="" name="Office Theme" id="{62F939B6-93AF-4DB8-9C6B-D6C7DFDC589F}" vid="{4A3C46E8-61CC-4603-A589-7422A47A8E4A}"/>
+      <thm15:themeFamily xmlns:thm15="http://schemas.microsoft.com/office/thememl/2012/main" name="Office Theme" id="{62F939B6-93AF-4DB8-9C6B-D6C7DFDC589F}" vid="{4A3C46E8-61CC-4603-A589-7422A47A8E4A}"/>
     </a:ext>
   </a:extLst>
 </a:theme>

--- a/Documentos_generados/Integracion_Alcance/Alcance/WBS.pptx
+++ b/Documentos_generados/Integracion_Alcance/Alcance/WBS.pptx
@@ -1056,7 +1056,7 @@
         <a:p>
           <a:r>
             <a:rPr lang="es-ES_tradnl" dirty="0"/>
-            <a:t>1. Análisis</a:t>
+            <a:t>2. Análisis</a:t>
           </a:r>
           <a:endParaRPr lang="es-ES" dirty="0"/>
         </a:p>
@@ -1093,7 +1093,7 @@
         <a:p>
           <a:r>
             <a:rPr lang="es-ES_tradnl" dirty="0"/>
-            <a:t>1.1. Requerimientos Funcionales</a:t>
+            <a:t>2.1. Requerimientos</a:t>
           </a:r>
           <a:endParaRPr lang="es-ES" dirty="0"/>
         </a:p>
@@ -1130,7 +1130,7 @@
         <a:p>
           <a:r>
             <a:rPr lang="es-ES_tradnl" dirty="0"/>
-            <a:t>6. Cierre</a:t>
+            <a:t>7. Cierre</a:t>
           </a:r>
           <a:endParaRPr lang="es-ES" dirty="0"/>
         </a:p>
@@ -1167,7 +1167,7 @@
         <a:p>
           <a:r>
             <a:rPr lang="es-ES_tradnl" dirty="0"/>
-            <a:t>6.1. Implementación final</a:t>
+            <a:t>7.1. Implementación final</a:t>
           </a:r>
           <a:endParaRPr lang="es-ES" dirty="0"/>
         </a:p>
@@ -1195,7 +1195,7 @@
         </a:p>
       </dgm:t>
     </dgm:pt>
-    <dgm:pt modelId="{8FAE6191-0821-4960-BC96-F58E46C703A9}">
+    <dgm:pt modelId="{FB132DEB-3EBB-4B7B-9E10-1EA28E437B0C}">
       <dgm:prSet/>
       <dgm:spPr/>
       <dgm:t>
@@ -1204,13 +1204,13 @@
         <a:p>
           <a:r>
             <a:rPr lang="es-ES_tradnl" dirty="0"/>
-            <a:t>2. Planificación</a:t>
+            <a:t>5. Formación</a:t>
           </a:r>
           <a:endParaRPr lang="es-ES" dirty="0"/>
         </a:p>
       </dgm:t>
     </dgm:pt>
-    <dgm:pt modelId="{4CC81563-AFF2-44A9-B9B0-EF1C87661122}" type="parTrans" cxnId="{1A358F98-1340-4BF0-A227-6269E1BC5FDB}">
+    <dgm:pt modelId="{84BE1630-6BEF-48BE-BEB4-441EA60AE7C5}" type="parTrans" cxnId="{7C3DE64C-953A-4B36-89BF-C3A300F94624}">
       <dgm:prSet/>
       <dgm:spPr/>
       <dgm:t>
@@ -1221,7 +1221,7 @@
         </a:p>
       </dgm:t>
     </dgm:pt>
-    <dgm:pt modelId="{D7A373A9-FF3D-4DB9-BAA4-871B43426D41}" type="sibTrans" cxnId="{1A358F98-1340-4BF0-A227-6269E1BC5FDB}">
+    <dgm:pt modelId="{3DA0803E-74EB-47A7-880B-91D87ACD481A}" type="sibTrans" cxnId="{7C3DE64C-953A-4B36-89BF-C3A300F94624}">
       <dgm:prSet/>
       <dgm:spPr/>
       <dgm:t>
@@ -1232,7 +1232,7 @@
         </a:p>
       </dgm:t>
     </dgm:pt>
-    <dgm:pt modelId="{46EFE5C5-7E26-4632-AB0D-CFDE009726AC}">
+    <dgm:pt modelId="{6169ABB3-9EA3-4A97-9BDB-7BF1A5E8319C}">
       <dgm:prSet/>
       <dgm:spPr/>
       <dgm:t>
@@ -1241,13 +1241,13 @@
         <a:p>
           <a:r>
             <a:rPr lang="es-ES_tradnl" dirty="0"/>
-            <a:t>3. Desarrollo</a:t>
+            <a:t>6. Integración y pruebas</a:t>
           </a:r>
           <a:endParaRPr lang="es-ES" dirty="0"/>
         </a:p>
       </dgm:t>
     </dgm:pt>
-    <dgm:pt modelId="{8EBD0BB1-A983-499A-AFE0-A135C6D6EAF4}" type="parTrans" cxnId="{242DF2D3-F3A7-4348-A721-6000EAFAE055}">
+    <dgm:pt modelId="{28EC855E-094C-4BED-9FB2-2C030C8FFA45}" type="parTrans" cxnId="{44BC1EE3-FF57-452E-9F1C-1297E9ECAE80}">
       <dgm:prSet/>
       <dgm:spPr/>
       <dgm:t>
@@ -1258,7 +1258,7 @@
         </a:p>
       </dgm:t>
     </dgm:pt>
-    <dgm:pt modelId="{5914253C-0C02-433E-BBB4-A56090EFD1EA}" type="sibTrans" cxnId="{242DF2D3-F3A7-4348-A721-6000EAFAE055}">
+    <dgm:pt modelId="{5DD54D20-2A68-4F1C-81FF-4637F3180AB6}" type="sibTrans" cxnId="{44BC1EE3-FF57-452E-9F1C-1297E9ECAE80}">
       <dgm:prSet/>
       <dgm:spPr/>
       <dgm:t>
@@ -1269,7 +1269,7 @@
         </a:p>
       </dgm:t>
     </dgm:pt>
-    <dgm:pt modelId="{FB132DEB-3EBB-4B7B-9E10-1EA28E437B0C}">
+    <dgm:pt modelId="{95F92B39-5BD1-41DA-921B-40270E333897}">
       <dgm:prSet/>
       <dgm:spPr/>
       <dgm:t>
@@ -1278,13 +1278,13 @@
         <a:p>
           <a:r>
             <a:rPr lang="es-ES_tradnl" dirty="0"/>
-            <a:t>4. Formación</a:t>
+            <a:t>2.2. Contexto y Riesgos</a:t>
           </a:r>
           <a:endParaRPr lang="es-ES" dirty="0"/>
         </a:p>
       </dgm:t>
     </dgm:pt>
-    <dgm:pt modelId="{84BE1630-6BEF-48BE-BEB4-441EA60AE7C5}" type="parTrans" cxnId="{7C3DE64C-953A-4B36-89BF-C3A300F94624}">
+    <dgm:pt modelId="{78A11304-B47B-426C-80D9-23F105284D80}" type="parTrans" cxnId="{8A33DAC6-D9DF-4D48-B64D-808F92F2B77E}">
       <dgm:prSet/>
       <dgm:spPr/>
       <dgm:t>
@@ -1295,7 +1295,7 @@
         </a:p>
       </dgm:t>
     </dgm:pt>
-    <dgm:pt modelId="{3DA0803E-74EB-47A7-880B-91D87ACD481A}" type="sibTrans" cxnId="{7C3DE64C-953A-4B36-89BF-C3A300F94624}">
+    <dgm:pt modelId="{19CA03D8-84BD-45E9-ACB4-36731CEB3A27}" type="sibTrans" cxnId="{8A33DAC6-D9DF-4D48-B64D-808F92F2B77E}">
       <dgm:prSet/>
       <dgm:spPr/>
       <dgm:t>
@@ -1306,7 +1306,7 @@
         </a:p>
       </dgm:t>
     </dgm:pt>
-    <dgm:pt modelId="{6169ABB3-9EA3-4A97-9BDB-7BF1A5E8319C}">
+    <dgm:pt modelId="{595FCBCB-6F4C-41E0-9D57-CC8BC973C07C}">
       <dgm:prSet/>
       <dgm:spPr/>
       <dgm:t>
@@ -1315,13 +1315,13 @@
         <a:p>
           <a:r>
             <a:rPr lang="es-ES_tradnl" dirty="0"/>
-            <a:t>5. Integración y pruebas</a:t>
+            <a:t>2.3.Identificación de Interesados</a:t>
           </a:r>
           <a:endParaRPr lang="es-ES" dirty="0"/>
         </a:p>
       </dgm:t>
     </dgm:pt>
-    <dgm:pt modelId="{28EC855E-094C-4BED-9FB2-2C030C8FFA45}" type="parTrans" cxnId="{44BC1EE3-FF57-452E-9F1C-1297E9ECAE80}">
+    <dgm:pt modelId="{51635E7D-94AB-42DB-A23F-6B9E2711ADB8}" type="parTrans" cxnId="{CE25B188-AF7E-45A6-B483-2C1585C607A0}">
       <dgm:prSet/>
       <dgm:spPr/>
       <dgm:t>
@@ -1332,7 +1332,7 @@
         </a:p>
       </dgm:t>
     </dgm:pt>
-    <dgm:pt modelId="{5DD54D20-2A68-4F1C-81FF-4637F3180AB6}" type="sibTrans" cxnId="{44BC1EE3-FF57-452E-9F1C-1297E9ECAE80}">
+    <dgm:pt modelId="{0B43550C-8A90-4189-9B67-1225304E0089}" type="sibTrans" cxnId="{CE25B188-AF7E-45A6-B483-2C1585C607A0}">
       <dgm:prSet/>
       <dgm:spPr/>
       <dgm:t>
@@ -1343,7 +1343,7 @@
         </a:p>
       </dgm:t>
     </dgm:pt>
-    <dgm:pt modelId="{95F92B39-5BD1-41DA-921B-40270E333897}">
+    <dgm:pt modelId="{638D4A18-E8B7-45E5-8EAA-4C0D29849159}">
       <dgm:prSet/>
       <dgm:spPr/>
       <dgm:t>
@@ -1352,13 +1352,13 @@
         <a:p>
           <a:r>
             <a:rPr lang="es-ES_tradnl" dirty="0"/>
-            <a:t>1.3. Riesgos</a:t>
+            <a:t>3.1. Reuniones</a:t>
           </a:r>
           <a:endParaRPr lang="es-ES" dirty="0"/>
         </a:p>
       </dgm:t>
     </dgm:pt>
-    <dgm:pt modelId="{78A11304-B47B-426C-80D9-23F105284D80}" type="parTrans" cxnId="{8A33DAC6-D9DF-4D48-B64D-808F92F2B77E}">
+    <dgm:pt modelId="{6331599E-52B8-4A6C-B3A0-6191E729069E}" type="parTrans" cxnId="{D47CA79C-8F8E-4F6C-B4A4-DC7B0D45936D}">
       <dgm:prSet/>
       <dgm:spPr/>
       <dgm:t>
@@ -1369,7 +1369,7 @@
         </a:p>
       </dgm:t>
     </dgm:pt>
-    <dgm:pt modelId="{19CA03D8-84BD-45E9-ACB4-36731CEB3A27}" type="sibTrans" cxnId="{8A33DAC6-D9DF-4D48-B64D-808F92F2B77E}">
+    <dgm:pt modelId="{96BDABD5-5B11-468E-B806-E97AD8AE4AFA}" type="sibTrans" cxnId="{D47CA79C-8F8E-4F6C-B4A4-DC7B0D45936D}">
       <dgm:prSet/>
       <dgm:spPr/>
       <dgm:t>
@@ -1380,7 +1380,7 @@
         </a:p>
       </dgm:t>
     </dgm:pt>
-    <dgm:pt modelId="{595FCBCB-6F4C-41E0-9D57-CC8BC973C07C}">
+    <dgm:pt modelId="{D692D1F3-8B04-4096-AA22-E14E93E2AD30}">
       <dgm:prSet/>
       <dgm:spPr/>
       <dgm:t>
@@ -1389,13 +1389,13 @@
         <a:p>
           <a:r>
             <a:rPr lang="es-ES_tradnl" dirty="0"/>
-            <a:t>1.4. Contexto</a:t>
+            <a:t>3.3. Calidad y Validación</a:t>
           </a:r>
           <a:endParaRPr lang="es-ES" dirty="0"/>
         </a:p>
       </dgm:t>
     </dgm:pt>
-    <dgm:pt modelId="{51635E7D-94AB-42DB-A23F-6B9E2711ADB8}" type="parTrans" cxnId="{CE25B188-AF7E-45A6-B483-2C1585C607A0}">
+    <dgm:pt modelId="{D4015DCB-90CE-418D-BA17-E20EB5979634}" type="parTrans" cxnId="{30A55F96-8DA0-4EC1-A524-A47232E0498E}">
       <dgm:prSet/>
       <dgm:spPr/>
       <dgm:t>
@@ -1406,7 +1406,7 @@
         </a:p>
       </dgm:t>
     </dgm:pt>
-    <dgm:pt modelId="{0B43550C-8A90-4189-9B67-1225304E0089}" type="sibTrans" cxnId="{CE25B188-AF7E-45A6-B483-2C1585C607A0}">
+    <dgm:pt modelId="{9DF5544D-7133-4BEC-80D5-5F4AB2FCACF0}" type="sibTrans" cxnId="{30A55F96-8DA0-4EC1-A524-A47232E0498E}">
       <dgm:prSet/>
       <dgm:spPr/>
       <dgm:t>
@@ -1417,7 +1417,7 @@
         </a:p>
       </dgm:t>
     </dgm:pt>
-    <dgm:pt modelId="{7B8C88F9-23A6-428A-9D84-EE8685A0B867}">
+    <dgm:pt modelId="{1CCEED45-57D7-4641-81C9-5908579CE245}">
       <dgm:prSet/>
       <dgm:spPr/>
       <dgm:t>
@@ -1426,13 +1426,13 @@
         <a:p>
           <a:r>
             <a:rPr lang="es-ES_tradnl" dirty="0"/>
-            <a:t>1.5. Documentación Inicial</a:t>
+            <a:t>3.4. Costes</a:t>
           </a:r>
           <a:endParaRPr lang="es-ES" dirty="0"/>
         </a:p>
       </dgm:t>
     </dgm:pt>
-    <dgm:pt modelId="{55BF91F1-8371-43F3-B796-D886F4AEA607}" type="parTrans" cxnId="{9258CF10-A21F-436C-8DD6-66D5F2257114}">
+    <dgm:pt modelId="{0B8E2C65-A4D7-4B41-A006-CAAA09EDACC5}" type="parTrans" cxnId="{8237BEE0-D1B1-440F-9385-3C24B42C9D37}">
       <dgm:prSet/>
       <dgm:spPr/>
       <dgm:t>
@@ -1443,7 +1443,7 @@
         </a:p>
       </dgm:t>
     </dgm:pt>
-    <dgm:pt modelId="{AB932049-799D-400F-96A9-390092336D78}" type="sibTrans" cxnId="{9258CF10-A21F-436C-8DD6-66D5F2257114}">
+    <dgm:pt modelId="{3565B9CB-B1EE-400D-B2B9-2B551D737D10}" type="sibTrans" cxnId="{8237BEE0-D1B1-440F-9385-3C24B42C9D37}">
       <dgm:prSet/>
       <dgm:spPr/>
       <dgm:t>
@@ -1454,7 +1454,7 @@
         </a:p>
       </dgm:t>
     </dgm:pt>
-    <dgm:pt modelId="{22D68CCB-4BEE-4732-BA18-145918E71689}">
+    <dgm:pt modelId="{C6E69E37-3961-44EE-94E9-D23872BEE4C9}">
       <dgm:prSet/>
       <dgm:spPr/>
       <dgm:t>
@@ -1463,13 +1463,13 @@
         <a:p>
           <a:r>
             <a:rPr lang="es-ES_tradnl" dirty="0"/>
-            <a:t>2.1. Acuerdos</a:t>
+            <a:t>4.2. Control de procesos</a:t>
           </a:r>
           <a:endParaRPr lang="es-ES" dirty="0"/>
         </a:p>
       </dgm:t>
     </dgm:pt>
-    <dgm:pt modelId="{845F5D8C-040E-4743-ACA2-252EB4E11E64}" type="parTrans" cxnId="{AEAE211C-05CA-406B-A485-10AC5B28C623}">
+    <dgm:pt modelId="{39E7187F-BF44-4434-ABA8-1C914D1E277A}" type="parTrans" cxnId="{6C09A7CF-ED9E-4F5C-A208-29FC73FCD37A}">
       <dgm:prSet/>
       <dgm:spPr/>
       <dgm:t>
@@ -1480,7 +1480,7 @@
         </a:p>
       </dgm:t>
     </dgm:pt>
-    <dgm:pt modelId="{96F038F0-8321-4A68-ABFB-0F5C2D7FE10A}" type="sibTrans" cxnId="{AEAE211C-05CA-406B-A485-10AC5B28C623}">
+    <dgm:pt modelId="{DEA9B8DE-9278-41C4-8958-F47B791467F4}" type="sibTrans" cxnId="{6C09A7CF-ED9E-4F5C-A208-29FC73FCD37A}">
       <dgm:prSet/>
       <dgm:spPr/>
       <dgm:t>
@@ -1491,7 +1491,7 @@
         </a:p>
       </dgm:t>
     </dgm:pt>
-    <dgm:pt modelId="{638D4A18-E8B7-45E5-8EAA-4C0D29849159}">
+    <dgm:pt modelId="{DEA8DC5E-722E-4FFF-BA91-EA999F6AAE91}">
       <dgm:prSet/>
       <dgm:spPr/>
       <dgm:t>
@@ -1500,13 +1500,13 @@
         <a:p>
           <a:r>
             <a:rPr lang="es-ES_tradnl" dirty="0"/>
-            <a:t>2.2. Reuniones</a:t>
+            <a:t>4.2. Gestión de compras</a:t>
           </a:r>
           <a:endParaRPr lang="es-ES" dirty="0"/>
         </a:p>
       </dgm:t>
     </dgm:pt>
-    <dgm:pt modelId="{6331599E-52B8-4A6C-B3A0-6191E729069E}" type="parTrans" cxnId="{D47CA79C-8F8E-4F6C-B4A4-DC7B0D45936D}">
+    <dgm:pt modelId="{CA5091F9-074B-4255-B185-C09D0BE2BF7B}" type="parTrans" cxnId="{8AF7D83C-2A35-4B4E-9A89-87807C35D1FB}">
       <dgm:prSet/>
       <dgm:spPr/>
       <dgm:t>
@@ -1517,7 +1517,7 @@
         </a:p>
       </dgm:t>
     </dgm:pt>
-    <dgm:pt modelId="{96BDABD5-5B11-468E-B806-E97AD8AE4AFA}" type="sibTrans" cxnId="{D47CA79C-8F8E-4F6C-B4A4-DC7B0D45936D}">
+    <dgm:pt modelId="{64D4773E-534A-4E7B-A0A1-8D87DE867EA7}" type="sibTrans" cxnId="{8AF7D83C-2A35-4B4E-9A89-87807C35D1FB}">
       <dgm:prSet/>
       <dgm:spPr/>
       <dgm:t>
@@ -1528,7 +1528,7 @@
         </a:p>
       </dgm:t>
     </dgm:pt>
-    <dgm:pt modelId="{D692D1F3-8B04-4096-AA22-E14E93E2AD30}">
+    <dgm:pt modelId="{142E7667-7801-477A-80B1-678DFCEE8B9B}">
       <dgm:prSet/>
       <dgm:spPr/>
       <dgm:t>
@@ -1537,13 +1537,13 @@
         <a:p>
           <a:r>
             <a:rPr lang="es-ES_tradnl" dirty="0"/>
-            <a:t>2.3. Calidad y Validación</a:t>
+            <a:t>5.1. Cursos</a:t>
           </a:r>
           <a:endParaRPr lang="es-ES" dirty="0"/>
         </a:p>
       </dgm:t>
     </dgm:pt>
-    <dgm:pt modelId="{D4015DCB-90CE-418D-BA17-E20EB5979634}" type="parTrans" cxnId="{30A55F96-8DA0-4EC1-A524-A47232E0498E}">
+    <dgm:pt modelId="{ACDCB4B0-FE3A-4189-B855-4AF36F6C0D74}" type="parTrans" cxnId="{4236410F-A92F-4C87-BF14-3DA943DADA64}">
       <dgm:prSet/>
       <dgm:spPr/>
       <dgm:t>
@@ -1554,7 +1554,7 @@
         </a:p>
       </dgm:t>
     </dgm:pt>
-    <dgm:pt modelId="{9DF5544D-7133-4BEC-80D5-5F4AB2FCACF0}" type="sibTrans" cxnId="{30A55F96-8DA0-4EC1-A524-A47232E0498E}">
+    <dgm:pt modelId="{5C06A405-8210-48F4-A408-225051F39FBE}" type="sibTrans" cxnId="{4236410F-A92F-4C87-BF14-3DA943DADA64}">
       <dgm:prSet/>
       <dgm:spPr/>
       <dgm:t>
@@ -1565,7 +1565,7 @@
         </a:p>
       </dgm:t>
     </dgm:pt>
-    <dgm:pt modelId="{1CCEED45-57D7-4641-81C9-5908579CE245}">
+    <dgm:pt modelId="{6343E979-4FE4-4A70-B59E-3E22D3659816}">
       <dgm:prSet/>
       <dgm:spPr/>
       <dgm:t>
@@ -1574,13 +1574,13 @@
         <a:p>
           <a:r>
             <a:rPr lang="es-ES_tradnl" dirty="0"/>
-            <a:t>2.4. Cronograma</a:t>
+            <a:t>5.2. Personal</a:t>
           </a:r>
           <a:endParaRPr lang="es-ES" dirty="0"/>
         </a:p>
       </dgm:t>
     </dgm:pt>
-    <dgm:pt modelId="{0B8E2C65-A4D7-4B41-A006-CAAA09EDACC5}" type="parTrans" cxnId="{8237BEE0-D1B1-440F-9385-3C24B42C9D37}">
+    <dgm:pt modelId="{7A8423F9-E18F-49C7-AF47-88948CD8E18D}" type="parTrans" cxnId="{E66A6DFA-838B-4265-BAE3-732A6B928409}">
       <dgm:prSet/>
       <dgm:spPr/>
       <dgm:t>
@@ -1591,7 +1591,7 @@
         </a:p>
       </dgm:t>
     </dgm:pt>
-    <dgm:pt modelId="{3565B9CB-B1EE-400D-B2B9-2B551D737D10}" type="sibTrans" cxnId="{8237BEE0-D1B1-440F-9385-3C24B42C9D37}">
+    <dgm:pt modelId="{A2AAA9C3-C9BC-414E-AD60-200EF2F1EFA3}" type="sibTrans" cxnId="{E66A6DFA-838B-4265-BAE3-732A6B928409}">
       <dgm:prSet/>
       <dgm:spPr/>
       <dgm:t>
@@ -1602,7 +1602,7 @@
         </a:p>
       </dgm:t>
     </dgm:pt>
-    <dgm:pt modelId="{C6E69E37-3961-44EE-94E9-D23872BEE4C9}">
+    <dgm:pt modelId="{90E52BB7-1EB0-47DC-82EE-28BBD13D64E9}">
       <dgm:prSet/>
       <dgm:spPr/>
       <dgm:t>
@@ -1611,13 +1611,13 @@
         <a:p>
           <a:r>
             <a:rPr lang="es-ES_tradnl" dirty="0"/>
-            <a:t>3.1. Control de procesos</a:t>
+            <a:t>5.3 Documentación</a:t>
           </a:r>
           <a:endParaRPr lang="es-ES" dirty="0"/>
         </a:p>
       </dgm:t>
     </dgm:pt>
-    <dgm:pt modelId="{39E7187F-BF44-4434-ABA8-1C914D1E277A}" type="parTrans" cxnId="{6C09A7CF-ED9E-4F5C-A208-29FC73FCD37A}">
+    <dgm:pt modelId="{7B0BD396-2B46-40BD-AC76-2EF21EDDDC81}" type="parTrans" cxnId="{8BBAB2EF-486F-4C2D-8E6B-30F22B08CEDE}">
       <dgm:prSet/>
       <dgm:spPr/>
       <dgm:t>
@@ -1628,7 +1628,7 @@
         </a:p>
       </dgm:t>
     </dgm:pt>
-    <dgm:pt modelId="{DEA9B8DE-9278-41C4-8958-F47B791467F4}" type="sibTrans" cxnId="{6C09A7CF-ED9E-4F5C-A208-29FC73FCD37A}">
+    <dgm:pt modelId="{6C2204E5-3FD4-4E2D-A0D8-AA639C5B78BB}" type="sibTrans" cxnId="{8BBAB2EF-486F-4C2D-8E6B-30F22B08CEDE}">
       <dgm:prSet/>
       <dgm:spPr/>
       <dgm:t>
@@ -1639,7 +1639,7 @@
         </a:p>
       </dgm:t>
     </dgm:pt>
-    <dgm:pt modelId="{DEA8DC5E-722E-4FFF-BA91-EA999F6AAE91}">
+    <dgm:pt modelId="{65164E71-4DD3-40F1-A30B-EC613D040542}">
       <dgm:prSet/>
       <dgm:spPr/>
       <dgm:t>
@@ -1648,13 +1648,13 @@
         <a:p>
           <a:r>
             <a:rPr lang="es-ES_tradnl" dirty="0"/>
-            <a:t>3.2. Gestión de compras</a:t>
+            <a:t>5.4 Certificación</a:t>
           </a:r>
           <a:endParaRPr lang="es-ES" dirty="0"/>
         </a:p>
       </dgm:t>
     </dgm:pt>
-    <dgm:pt modelId="{CA5091F9-074B-4255-B185-C09D0BE2BF7B}" type="parTrans" cxnId="{8AF7D83C-2A35-4B4E-9A89-87807C35D1FB}">
+    <dgm:pt modelId="{602223CB-CFD7-40C2-91FA-E4E1E82D12F8}" type="parTrans" cxnId="{CA998EDF-D1EC-4F21-BC02-F8E5D809124E}">
       <dgm:prSet/>
       <dgm:spPr/>
       <dgm:t>
@@ -1665,7 +1665,7 @@
         </a:p>
       </dgm:t>
     </dgm:pt>
-    <dgm:pt modelId="{64D4773E-534A-4E7B-A0A1-8D87DE867EA7}" type="sibTrans" cxnId="{8AF7D83C-2A35-4B4E-9A89-87807C35D1FB}">
+    <dgm:pt modelId="{21CD02D9-E652-489A-8BF4-F425E3CF6D26}" type="sibTrans" cxnId="{CA998EDF-D1EC-4F21-BC02-F8E5D809124E}">
       <dgm:prSet/>
       <dgm:spPr/>
       <dgm:t>
@@ -1676,7 +1676,7 @@
         </a:p>
       </dgm:t>
     </dgm:pt>
-    <dgm:pt modelId="{142E7667-7801-477A-80B1-678DFCEE8B9B}">
+    <dgm:pt modelId="{64108CB1-DB75-4E6C-B114-0F078EBFAA65}">
       <dgm:prSet/>
       <dgm:spPr/>
       <dgm:t>
@@ -1685,13 +1685,13 @@
         <a:p>
           <a:r>
             <a:rPr lang="es-ES_tradnl" dirty="0"/>
-            <a:t>4.1. Cursos</a:t>
+            <a:t>6.1. Integración en muestra</a:t>
           </a:r>
           <a:endParaRPr lang="es-ES" dirty="0"/>
         </a:p>
       </dgm:t>
     </dgm:pt>
-    <dgm:pt modelId="{ACDCB4B0-FE3A-4189-B855-4AF36F6C0D74}" type="parTrans" cxnId="{4236410F-A92F-4C87-BF14-3DA943DADA64}">
+    <dgm:pt modelId="{4672E1E4-8BCB-4F8A-9715-DD03D099E9B8}" type="parTrans" cxnId="{8F9BFC49-62BA-4DBB-A4FA-FDF3587EA851}">
       <dgm:prSet/>
       <dgm:spPr/>
       <dgm:t>
@@ -1702,7 +1702,7 @@
         </a:p>
       </dgm:t>
     </dgm:pt>
-    <dgm:pt modelId="{5C06A405-8210-48F4-A408-225051F39FBE}" type="sibTrans" cxnId="{4236410F-A92F-4C87-BF14-3DA943DADA64}">
+    <dgm:pt modelId="{926064D3-9C23-498F-82E9-95C446588308}" type="sibTrans" cxnId="{8F9BFC49-62BA-4DBB-A4FA-FDF3587EA851}">
       <dgm:prSet/>
       <dgm:spPr/>
       <dgm:t>
@@ -1713,7 +1713,7 @@
         </a:p>
       </dgm:t>
     </dgm:pt>
-    <dgm:pt modelId="{6343E979-4FE4-4A70-B59E-3E22D3659816}">
+    <dgm:pt modelId="{210E38F1-6443-4897-BC67-3DC469B10B3A}">
       <dgm:prSet/>
       <dgm:spPr/>
       <dgm:t>
@@ -1722,13 +1722,13 @@
         <a:p>
           <a:r>
             <a:rPr lang="es-ES_tradnl" dirty="0"/>
-            <a:t>4.2. Personal</a:t>
+            <a:t>6.2. Obtención de resultados</a:t>
           </a:r>
           <a:endParaRPr lang="es-ES" dirty="0"/>
         </a:p>
       </dgm:t>
     </dgm:pt>
-    <dgm:pt modelId="{7A8423F9-E18F-49C7-AF47-88948CD8E18D}" type="parTrans" cxnId="{E66A6DFA-838B-4265-BAE3-732A6B928409}">
+    <dgm:pt modelId="{658605B8-67B6-4965-9219-87AD07A2BD57}" type="parTrans" cxnId="{6193E151-7B4B-421D-8E3E-D3E6FEF0B0BC}">
       <dgm:prSet/>
       <dgm:spPr/>
       <dgm:t>
@@ -1739,7 +1739,7 @@
         </a:p>
       </dgm:t>
     </dgm:pt>
-    <dgm:pt modelId="{A2AAA9C3-C9BC-414E-AD60-200EF2F1EFA3}" type="sibTrans" cxnId="{E66A6DFA-838B-4265-BAE3-732A6B928409}">
+    <dgm:pt modelId="{0132DBF9-A877-41CA-AAEC-9BACB1A6367E}" type="sibTrans" cxnId="{6193E151-7B4B-421D-8E3E-D3E6FEF0B0BC}">
       <dgm:prSet/>
       <dgm:spPr/>
       <dgm:t>
@@ -1750,7 +1750,7 @@
         </a:p>
       </dgm:t>
     </dgm:pt>
-    <dgm:pt modelId="{90E52BB7-1EB0-47DC-82EE-28BBD13D64E9}">
+    <dgm:pt modelId="{E195E9F6-7564-48BE-A20F-8E15DF27D81A}">
       <dgm:prSet/>
       <dgm:spPr/>
       <dgm:t>
@@ -1759,13 +1759,13 @@
         <a:p>
           <a:r>
             <a:rPr lang="es-ES_tradnl" dirty="0"/>
-            <a:t>4.3 Documentación</a:t>
+            <a:t>6.3. Validación de resultados</a:t>
           </a:r>
           <a:endParaRPr lang="es-ES" dirty="0"/>
         </a:p>
       </dgm:t>
     </dgm:pt>
-    <dgm:pt modelId="{7B0BD396-2B46-40BD-AC76-2EF21EDDDC81}" type="parTrans" cxnId="{8BBAB2EF-486F-4C2D-8E6B-30F22B08CEDE}">
+    <dgm:pt modelId="{D0F8BDB2-13EF-4738-B074-310F7068418D}" type="parTrans" cxnId="{B822AFDD-53D7-4668-990A-0FC76370D21F}">
       <dgm:prSet/>
       <dgm:spPr/>
       <dgm:t>
@@ -1776,7 +1776,7 @@
         </a:p>
       </dgm:t>
     </dgm:pt>
-    <dgm:pt modelId="{6C2204E5-3FD4-4E2D-A0D8-AA639C5B78BB}" type="sibTrans" cxnId="{8BBAB2EF-486F-4C2D-8E6B-30F22B08CEDE}">
+    <dgm:pt modelId="{4A84E83F-0A4E-451D-B074-37C705FAC49A}" type="sibTrans" cxnId="{B822AFDD-53D7-4668-990A-0FC76370D21F}">
       <dgm:prSet/>
       <dgm:spPr/>
       <dgm:t>
@@ -1787,7 +1787,7 @@
         </a:p>
       </dgm:t>
     </dgm:pt>
-    <dgm:pt modelId="{65164E71-4DD3-40F1-A30B-EC613D040542}">
+    <dgm:pt modelId="{2B9145D1-EB7E-4900-B323-62729B920F30}">
       <dgm:prSet/>
       <dgm:spPr/>
       <dgm:t>
@@ -1796,13 +1796,13 @@
         <a:p>
           <a:r>
             <a:rPr lang="es-ES_tradnl" dirty="0"/>
-            <a:t>4.4 Certificación</a:t>
+            <a:t>7.2. Documentación</a:t>
           </a:r>
           <a:endParaRPr lang="es-ES" dirty="0"/>
         </a:p>
       </dgm:t>
     </dgm:pt>
-    <dgm:pt modelId="{602223CB-CFD7-40C2-91FA-E4E1E82D12F8}" type="parTrans" cxnId="{CA998EDF-D1EC-4F21-BC02-F8E5D809124E}">
+    <dgm:pt modelId="{5A1392F2-9813-4C0C-9524-55F25A946D72}" type="parTrans" cxnId="{E9FD1272-E01D-4880-BFDE-9A1AAA5292D5}">
       <dgm:prSet/>
       <dgm:spPr/>
       <dgm:t>
@@ -1813,7 +1813,7 @@
         </a:p>
       </dgm:t>
     </dgm:pt>
-    <dgm:pt modelId="{21CD02D9-E652-489A-8BF4-F425E3CF6D26}" type="sibTrans" cxnId="{CA998EDF-D1EC-4F21-BC02-F8E5D809124E}">
+    <dgm:pt modelId="{FE9D72FD-6015-4C6F-8761-506C30B7F8B6}" type="sibTrans" cxnId="{E9FD1272-E01D-4880-BFDE-9A1AAA5292D5}">
       <dgm:prSet/>
       <dgm:spPr/>
       <dgm:t>
@@ -1824,22 +1824,26 @@
         </a:p>
       </dgm:t>
     </dgm:pt>
-    <dgm:pt modelId="{64108CB1-DB75-4E6C-B114-0F078EBFAA65}">
-      <dgm:prSet/>
+    <dgm:pt modelId="{E1A4E5F0-82C1-4444-9CDA-2EFE9A53106D}">
+      <dgm:prSet phldrT="[Text]"/>
       <dgm:spPr/>
       <dgm:t>
         <a:bodyPr/>
         <a:lstStyle/>
         <a:p>
           <a:r>
-            <a:rPr lang="es-ES_tradnl" dirty="0"/>
-            <a:t>5.1. Integración en muestra</a:t>
+            <a:rPr lang="en-US" dirty="0"/>
+            <a:t>1. </a:t>
+          </a:r>
+          <a:r>
+            <a:rPr lang="en-US" dirty="0" err="1"/>
+            <a:t>Inicio</a:t>
           </a:r>
           <a:endParaRPr lang="es-ES" dirty="0"/>
         </a:p>
       </dgm:t>
     </dgm:pt>
-    <dgm:pt modelId="{4672E1E4-8BCB-4F8A-9715-DD03D099E9B8}" type="parTrans" cxnId="{8F9BFC49-62BA-4DBB-A4FA-FDF3587EA851}">
+    <dgm:pt modelId="{FC8D3CF0-2901-4A86-BB1A-052FBF8D6B11}" type="parTrans" cxnId="{362B10BB-9CBA-499E-B87E-549CB8B04D92}">
       <dgm:prSet/>
       <dgm:spPr/>
       <dgm:t>
@@ -1850,7 +1854,7 @@
         </a:p>
       </dgm:t>
     </dgm:pt>
-    <dgm:pt modelId="{926064D3-9C23-498F-82E9-95C446588308}" type="sibTrans" cxnId="{8F9BFC49-62BA-4DBB-A4FA-FDF3587EA851}">
+    <dgm:pt modelId="{1F038FBC-60CA-48E2-9EB7-A456DEFE1AE4}" type="sibTrans" cxnId="{362B10BB-9CBA-499E-B87E-549CB8B04D92}">
       <dgm:prSet/>
       <dgm:spPr/>
       <dgm:t>
@@ -1861,7 +1865,7 @@
         </a:p>
       </dgm:t>
     </dgm:pt>
-    <dgm:pt modelId="{210E38F1-6443-4897-BC67-3DC469B10B3A}">
+    <dgm:pt modelId="{8FAE6191-0821-4960-BC96-F58E46C703A9}">
       <dgm:prSet/>
       <dgm:spPr/>
       <dgm:t>
@@ -1870,13 +1874,13 @@
         <a:p>
           <a:r>
             <a:rPr lang="es-ES_tradnl" dirty="0"/>
-            <a:t>5.2. Obtención de resultados</a:t>
+            <a:t>3. Planificación</a:t>
           </a:r>
           <a:endParaRPr lang="es-ES" dirty="0"/>
         </a:p>
       </dgm:t>
     </dgm:pt>
-    <dgm:pt modelId="{658605B8-67B6-4965-9219-87AD07A2BD57}" type="parTrans" cxnId="{6193E151-7B4B-421D-8E3E-D3E6FEF0B0BC}">
+    <dgm:pt modelId="{D7A373A9-FF3D-4DB9-BAA4-871B43426D41}" type="sibTrans" cxnId="{1A358F98-1340-4BF0-A227-6269E1BC5FDB}">
       <dgm:prSet/>
       <dgm:spPr/>
       <dgm:t>
@@ -1887,7 +1891,7 @@
         </a:p>
       </dgm:t>
     </dgm:pt>
-    <dgm:pt modelId="{0132DBF9-A877-41CA-AAEC-9BACB1A6367E}" type="sibTrans" cxnId="{6193E151-7B4B-421D-8E3E-D3E6FEF0B0BC}">
+    <dgm:pt modelId="{4CC81563-AFF2-44A9-B9B0-EF1C87661122}" type="parTrans" cxnId="{1A358F98-1340-4BF0-A227-6269E1BC5FDB}">
       <dgm:prSet/>
       <dgm:spPr/>
       <dgm:t>
@@ -1898,7 +1902,7 @@
         </a:p>
       </dgm:t>
     </dgm:pt>
-    <dgm:pt modelId="{E195E9F6-7564-48BE-A20F-8E15DF27D81A}">
+    <dgm:pt modelId="{FF50E59C-F10C-40A6-8558-2A7E5F304E5C}">
       <dgm:prSet/>
       <dgm:spPr/>
       <dgm:t>
@@ -1907,13 +1911,13 @@
         <a:p>
           <a:r>
             <a:rPr lang="es-ES_tradnl" dirty="0"/>
-            <a:t>5.3. Validación de resultados</a:t>
+            <a:t>4.1. Acuerdos</a:t>
           </a:r>
           <a:endParaRPr lang="es-ES" dirty="0"/>
         </a:p>
       </dgm:t>
     </dgm:pt>
-    <dgm:pt modelId="{D0F8BDB2-13EF-4738-B074-310F7068418D}" type="parTrans" cxnId="{B822AFDD-53D7-4668-990A-0FC76370D21F}">
+    <dgm:pt modelId="{44E55A98-4A09-4633-8BC8-3C1A3C60F82C}" type="parTrans" cxnId="{1B414D5E-DAE6-43F4-8636-B9840380AF37}">
       <dgm:prSet/>
       <dgm:spPr/>
       <dgm:t>
@@ -1924,7 +1928,7 @@
         </a:p>
       </dgm:t>
     </dgm:pt>
-    <dgm:pt modelId="{4A84E83F-0A4E-451D-B074-37C705FAC49A}" type="sibTrans" cxnId="{B822AFDD-53D7-4668-990A-0FC76370D21F}">
+    <dgm:pt modelId="{CE397DF0-0DE8-4FA7-B0E1-41D1DCB9AFE5}" type="sibTrans" cxnId="{1B414D5E-DAE6-43F4-8636-B9840380AF37}">
       <dgm:prSet/>
       <dgm:spPr/>
       <dgm:t>
@@ -1935,7 +1939,7 @@
         </a:p>
       </dgm:t>
     </dgm:pt>
-    <dgm:pt modelId="{2B9145D1-EB7E-4900-B323-62729B920F30}">
+    <dgm:pt modelId="{46EFE5C5-7E26-4632-AB0D-CFDE009726AC}">
       <dgm:prSet/>
       <dgm:spPr/>
       <dgm:t>
@@ -1944,13 +1948,13 @@
         <a:p>
           <a:r>
             <a:rPr lang="es-ES_tradnl" dirty="0"/>
-            <a:t>6.2. Documentación</a:t>
+            <a:t>4. Desarrollo</a:t>
           </a:r>
           <a:endParaRPr lang="es-ES" dirty="0"/>
         </a:p>
       </dgm:t>
     </dgm:pt>
-    <dgm:pt modelId="{5A1392F2-9813-4C0C-9524-55F25A946D72}" type="parTrans" cxnId="{E9FD1272-E01D-4880-BFDE-9A1AAA5292D5}">
+    <dgm:pt modelId="{5914253C-0C02-433E-BBB4-A56090EFD1EA}" type="sibTrans" cxnId="{242DF2D3-F3A7-4348-A721-6000EAFAE055}">
       <dgm:prSet/>
       <dgm:spPr/>
       <dgm:t>
@@ -1961,7 +1965,7 @@
         </a:p>
       </dgm:t>
     </dgm:pt>
-    <dgm:pt modelId="{FE9D72FD-6015-4C6F-8761-506C30B7F8B6}" type="sibTrans" cxnId="{E9FD1272-E01D-4880-BFDE-9A1AAA5292D5}">
+    <dgm:pt modelId="{8EBD0BB1-A983-499A-AFE0-A135C6D6EAF4}" type="parTrans" cxnId="{242DF2D3-F3A7-4348-A721-6000EAFAE055}">
       <dgm:prSet/>
       <dgm:spPr/>
       <dgm:t>
@@ -1972,7 +1976,7 @@
         </a:p>
       </dgm:t>
     </dgm:pt>
-    <dgm:pt modelId="{818A50AE-2897-4A8A-A2D4-C798E3839759}">
+    <dgm:pt modelId="{A9C89BFF-0134-47A9-B18B-7F769EAE5F3A}">
       <dgm:prSet/>
       <dgm:spPr/>
       <dgm:t>
@@ -1981,13 +1985,13 @@
         <a:p>
           <a:r>
             <a:rPr lang="es-ES_tradnl" dirty="0"/>
-            <a:t>1.2. Requerimientos no funcionales</a:t>
+            <a:t>3.2. Cronograma</a:t>
           </a:r>
           <a:endParaRPr lang="es-ES" dirty="0"/>
         </a:p>
       </dgm:t>
     </dgm:pt>
-    <dgm:pt modelId="{C0AF5DF9-2ED6-42D3-8F8C-F06FCA8338A2}" type="sibTrans" cxnId="{5C8AD39E-048A-4F0B-A4E5-8E7E28CD4E8E}">
+    <dgm:pt modelId="{76C26345-8BCA-4CE2-B48B-2D33FBBB060B}" type="parTrans" cxnId="{B391775D-525A-4463-8187-54DC5ADE9173}">
       <dgm:prSet/>
       <dgm:spPr/>
       <dgm:t>
@@ -1998,7 +2002,7 @@
         </a:p>
       </dgm:t>
     </dgm:pt>
-    <dgm:pt modelId="{6E64CD67-6FB7-4233-986F-C1A61F90D25C}" type="parTrans" cxnId="{5C8AD39E-048A-4F0B-A4E5-8E7E28CD4E8E}">
+    <dgm:pt modelId="{9B9C4B6C-A25D-4B6F-9C1D-204100944D66}" type="sibTrans" cxnId="{B391775D-525A-4463-8187-54DC5ADE9173}">
       <dgm:prSet/>
       <dgm:spPr/>
       <dgm:t>
@@ -2009,39 +2013,81 @@
         </a:p>
       </dgm:t>
     </dgm:pt>
-    <dgm:pt modelId="{EAF0C93C-99EC-4761-A238-EDB38940DB5B}">
-      <dgm:prSet/>
+    <dgm:pt modelId="{F9922D17-25E5-4FD7-B1AA-578A1B7C65C6}">
+      <dgm:prSet phldrT="[Text]"/>
       <dgm:spPr/>
       <dgm:t>
         <a:bodyPr/>
         <a:lstStyle/>
         <a:p>
           <a:r>
-            <a:rPr lang="es-ES_tradnl" dirty="0"/>
-            <a:t>1.6 Identificación de Interesados</a:t>
+            <a:rPr lang="en-US" dirty="0"/>
+            <a:t>3.5. RRHH</a:t>
           </a:r>
+          <a:endParaRPr lang="es-ES" dirty="0"/>
         </a:p>
       </dgm:t>
     </dgm:pt>
-    <dgm:pt modelId="{DF2F3A9E-C911-49B0-8EFA-E8DD45E8BB46}" type="parTrans" cxnId="{C224C23D-C824-4668-AC04-7957B683F5F3}">
+    <dgm:pt modelId="{B3339EB3-2CFC-4D27-A28B-A1DA1C20A05A}" type="parTrans" cxnId="{9DA529F3-75D9-4F31-936B-4F5E7915B8A6}">
       <dgm:prSet/>
       <dgm:spPr/>
       <dgm:t>
         <a:bodyPr/>
         <a:lstStyle/>
         <a:p>
-          <a:endParaRPr lang="es-ES_tradnl"/>
+          <a:endParaRPr lang="es-ES"/>
         </a:p>
       </dgm:t>
     </dgm:pt>
-    <dgm:pt modelId="{3E27A8CB-92C0-471A-9570-F3E8EDE556AE}" type="sibTrans" cxnId="{C224C23D-C824-4668-AC04-7957B683F5F3}">
+    <dgm:pt modelId="{87586727-6439-4071-A1E4-91EA3F157492}" type="sibTrans" cxnId="{9DA529F3-75D9-4F31-936B-4F5E7915B8A6}">
       <dgm:prSet/>
       <dgm:spPr/>
       <dgm:t>
         <a:bodyPr/>
         <a:lstStyle/>
         <a:p>
-          <a:endParaRPr lang="es-ES_tradnl"/>
+          <a:endParaRPr lang="es-ES"/>
+        </a:p>
+      </dgm:t>
+    </dgm:pt>
+    <dgm:pt modelId="{82C78B36-0FA6-435A-86B9-9330BA5F59EB}">
+      <dgm:prSet phldrT="[Text]"/>
+      <dgm:spPr/>
+      <dgm:t>
+        <a:bodyPr/>
+        <a:lstStyle/>
+        <a:p>
+          <a:r>
+            <a:rPr lang="en-US" dirty="0"/>
+            <a:t>3.6. </a:t>
+          </a:r>
+          <a:r>
+            <a:rPr lang="en-US" dirty="0" err="1"/>
+            <a:t>Riesgos</a:t>
+          </a:r>
+          <a:endParaRPr lang="es-ES" dirty="0"/>
+        </a:p>
+      </dgm:t>
+    </dgm:pt>
+    <dgm:pt modelId="{EDC9A178-2154-4366-98B0-33B34586D7EA}" type="parTrans" cxnId="{77E3D7B8-FF68-4B8B-90B6-B8264E692A72}">
+      <dgm:prSet/>
+      <dgm:spPr/>
+      <dgm:t>
+        <a:bodyPr/>
+        <a:lstStyle/>
+        <a:p>
+          <a:endParaRPr lang="es-ES"/>
+        </a:p>
+      </dgm:t>
+    </dgm:pt>
+    <dgm:pt modelId="{01114DF0-1419-4280-A420-E0C884386A4F}" type="sibTrans" cxnId="{77E3D7B8-FF68-4B8B-90B6-B8264E692A72}">
+      <dgm:prSet/>
+      <dgm:spPr/>
+      <dgm:t>
+        <a:bodyPr/>
+        <a:lstStyle/>
+        <a:p>
+          <a:endParaRPr lang="es-ES"/>
         </a:p>
       </dgm:t>
     </dgm:pt>
@@ -2087,435 +2133,451 @@
       <dgm:prSet presAssocID="{984E7E1A-DD08-4E2E-A546-5DAB66C40362}" presName="hierChild2" presStyleCnt="0"/>
       <dgm:spPr/>
     </dgm:pt>
-    <dgm:pt modelId="{ECE94489-582E-4D24-A60B-70DA935857A8}" type="pres">
-      <dgm:prSet presAssocID="{EBD4D5EB-965D-43EB-B803-B2DBA1A47692}" presName="Name19" presStyleLbl="parChTrans1D2" presStyleIdx="0" presStyleCnt="6"/>
-      <dgm:spPr/>
-    </dgm:pt>
-    <dgm:pt modelId="{5F312DF0-B144-46EF-80A8-6149129CD48F}" type="pres">
+    <dgm:pt modelId="{909756E3-99E7-44AA-A3C7-19374AE5DAB8}" type="pres">
+      <dgm:prSet presAssocID="{FC8D3CF0-2901-4A86-BB1A-052FBF8D6B11}" presName="Name19" presStyleLbl="parChTrans1D2" presStyleIdx="0" presStyleCnt="7"/>
+      <dgm:spPr/>
+    </dgm:pt>
+    <dgm:pt modelId="{149939F9-980F-4A64-99A3-ADA2117BBF76}" type="pres">
+      <dgm:prSet presAssocID="{E1A4E5F0-82C1-4444-9CDA-2EFE9A53106D}" presName="Name21" presStyleCnt="0"/>
+      <dgm:spPr/>
+    </dgm:pt>
+    <dgm:pt modelId="{7AC0F532-950B-4237-B2A3-453E379DA90E}" type="pres">
+      <dgm:prSet presAssocID="{E1A4E5F0-82C1-4444-9CDA-2EFE9A53106D}" presName="level2Shape" presStyleLbl="node2" presStyleIdx="0" presStyleCnt="7"/>
+      <dgm:spPr/>
+    </dgm:pt>
+    <dgm:pt modelId="{9F017FD8-B1BC-4867-9605-53103D0083A2}" type="pres">
+      <dgm:prSet presAssocID="{E1A4E5F0-82C1-4444-9CDA-2EFE9A53106D}" presName="hierChild3" presStyleCnt="0"/>
+      <dgm:spPr/>
+    </dgm:pt>
+    <dgm:pt modelId="{6F2A1E2D-C6A8-49EA-9BF1-89BB72F13956}" type="pres">
+      <dgm:prSet presAssocID="{EBD4D5EB-965D-43EB-B803-B2DBA1A47692}" presName="Name19" presStyleLbl="parChTrans1D2" presStyleIdx="1" presStyleCnt="7"/>
+      <dgm:spPr/>
+    </dgm:pt>
+    <dgm:pt modelId="{21D72E1E-6071-433F-B914-13438C8D8E51}" type="pres">
       <dgm:prSet presAssocID="{8D053341-47DE-4A56-8DB5-F4344314674C}" presName="Name21" presStyleCnt="0"/>
       <dgm:spPr/>
     </dgm:pt>
-    <dgm:pt modelId="{B6589975-B071-491E-8570-70970CA1F480}" type="pres">
-      <dgm:prSet presAssocID="{8D053341-47DE-4A56-8DB5-F4344314674C}" presName="level2Shape" presStyleLbl="node2" presStyleIdx="0" presStyleCnt="6"/>
-      <dgm:spPr/>
-    </dgm:pt>
-    <dgm:pt modelId="{6ED74DED-473C-4A59-A8E8-4B4D6ADF5E5C}" type="pres">
+    <dgm:pt modelId="{E3195452-4088-4894-8DFD-AE2BFA9054E4}" type="pres">
+      <dgm:prSet presAssocID="{8D053341-47DE-4A56-8DB5-F4344314674C}" presName="level2Shape" presStyleLbl="node2" presStyleIdx="1" presStyleCnt="7"/>
+      <dgm:spPr/>
+    </dgm:pt>
+    <dgm:pt modelId="{62F5AF95-DFA1-40C4-9CD2-C4F56FF6D824}" type="pres">
       <dgm:prSet presAssocID="{8D053341-47DE-4A56-8DB5-F4344314674C}" presName="hierChild3" presStyleCnt="0"/>
       <dgm:spPr/>
     </dgm:pt>
-    <dgm:pt modelId="{CD65A56E-BEB9-4A66-90D9-A9B1CD0B97DF}" type="pres">
+    <dgm:pt modelId="{CADF8BA8-4C18-4BCF-B785-1B1223495F63}" type="pres">
       <dgm:prSet presAssocID="{DFFEDB4F-CB16-440A-AC1A-1DC7D4CDB94A}" presName="Name19" presStyleLbl="parChTrans1D3" presStyleIdx="0" presStyleCnt="6"/>
       <dgm:spPr/>
     </dgm:pt>
-    <dgm:pt modelId="{3EE2DEFF-E970-4131-B36A-2F6424042DF4}" type="pres">
+    <dgm:pt modelId="{34D5AAE3-37A8-4E7C-819A-D19088BB043E}" type="pres">
       <dgm:prSet presAssocID="{EFFA102A-5D82-49D3-A6E7-45C00C42107B}" presName="Name21" presStyleCnt="0"/>
       <dgm:spPr/>
     </dgm:pt>
-    <dgm:pt modelId="{BCE69E19-3950-4634-98DB-22EACA842756}" type="pres">
+    <dgm:pt modelId="{C85E5849-5BD0-41A7-BC45-A54BCA8E87E7}" type="pres">
       <dgm:prSet presAssocID="{EFFA102A-5D82-49D3-A6E7-45C00C42107B}" presName="level2Shape" presStyleLbl="node3" presStyleIdx="0" presStyleCnt="6"/>
       <dgm:spPr/>
     </dgm:pt>
-    <dgm:pt modelId="{CC92A5DE-A111-4E5F-9584-E116B07E6C9A}" type="pres">
+    <dgm:pt modelId="{DCB2E8AE-66FE-4AD6-880F-C593DC37301C}" type="pres">
       <dgm:prSet presAssocID="{EFFA102A-5D82-49D3-A6E7-45C00C42107B}" presName="hierChild3" presStyleCnt="0"/>
       <dgm:spPr/>
     </dgm:pt>
-    <dgm:pt modelId="{A181B12C-7C20-4BE9-8886-24DDE0080781}" type="pres">
-      <dgm:prSet presAssocID="{6E64CD67-6FB7-4233-986F-C1A61F90D25C}" presName="Name19" presStyleLbl="parChTrans1D4" presStyleIdx="0" presStyleCnt="15"/>
-      <dgm:spPr/>
-    </dgm:pt>
-    <dgm:pt modelId="{0105F6F2-5817-4FF1-AB62-D7013DF19AC5}" type="pres">
-      <dgm:prSet presAssocID="{818A50AE-2897-4A8A-A2D4-C798E3839759}" presName="Name21" presStyleCnt="0"/>
-      <dgm:spPr/>
-    </dgm:pt>
-    <dgm:pt modelId="{6A78302F-C42E-4BD7-B84C-CB25A3C0F412}" type="pres">
-      <dgm:prSet presAssocID="{818A50AE-2897-4A8A-A2D4-C798E3839759}" presName="level2Shape" presStyleLbl="node4" presStyleIdx="0" presStyleCnt="15"/>
-      <dgm:spPr/>
-    </dgm:pt>
-    <dgm:pt modelId="{DB340480-A83C-4660-BD91-76653F6A6971}" type="pres">
-      <dgm:prSet presAssocID="{818A50AE-2897-4A8A-A2D4-C798E3839759}" presName="hierChild3" presStyleCnt="0"/>
-      <dgm:spPr/>
-    </dgm:pt>
-    <dgm:pt modelId="{9B8E5F4D-3D7A-47D4-BEB1-7A4D761EC373}" type="pres">
-      <dgm:prSet presAssocID="{78A11304-B47B-426C-80D9-23F105284D80}" presName="Name19" presStyleLbl="parChTrans1D4" presStyleIdx="1" presStyleCnt="15"/>
-      <dgm:spPr/>
-    </dgm:pt>
-    <dgm:pt modelId="{7A1FB452-FB2C-4721-A9BA-FE2A490FD508}" type="pres">
+    <dgm:pt modelId="{38D40A92-1EB9-4FB5-ADC1-9A0DF87BEE8D}" type="pres">
+      <dgm:prSet presAssocID="{78A11304-B47B-426C-80D9-23F105284D80}" presName="Name19" presStyleLbl="parChTrans1D4" presStyleIdx="0" presStyleCnt="15"/>
+      <dgm:spPr/>
+    </dgm:pt>
+    <dgm:pt modelId="{59416600-D01D-44D5-A7DC-38ADD146E729}" type="pres">
       <dgm:prSet presAssocID="{95F92B39-5BD1-41DA-921B-40270E333897}" presName="Name21" presStyleCnt="0"/>
       <dgm:spPr/>
     </dgm:pt>
-    <dgm:pt modelId="{EA693939-0FD8-4332-A064-9C5C4989F6C3}" type="pres">
-      <dgm:prSet presAssocID="{95F92B39-5BD1-41DA-921B-40270E333897}" presName="level2Shape" presStyleLbl="node4" presStyleIdx="1" presStyleCnt="15"/>
-      <dgm:spPr/>
-    </dgm:pt>
-    <dgm:pt modelId="{CDB800C3-DCBF-42B3-8E7A-8A9E5EC43744}" type="pres">
+    <dgm:pt modelId="{D5810A6F-9BEC-4CA9-A2D9-D690ED127B30}" type="pres">
+      <dgm:prSet presAssocID="{95F92B39-5BD1-41DA-921B-40270E333897}" presName="level2Shape" presStyleLbl="node4" presStyleIdx="0" presStyleCnt="15"/>
+      <dgm:spPr/>
+    </dgm:pt>
+    <dgm:pt modelId="{D087C909-8EBC-4A41-82A3-F989599A6FCF}" type="pres">
       <dgm:prSet presAssocID="{95F92B39-5BD1-41DA-921B-40270E333897}" presName="hierChild3" presStyleCnt="0"/>
       <dgm:spPr/>
     </dgm:pt>
-    <dgm:pt modelId="{439A7915-4019-4A23-8AAB-5EA84524E00E}" type="pres">
-      <dgm:prSet presAssocID="{51635E7D-94AB-42DB-A23F-6B9E2711ADB8}" presName="Name19" presStyleLbl="parChTrans1D4" presStyleIdx="2" presStyleCnt="15"/>
-      <dgm:spPr/>
-    </dgm:pt>
-    <dgm:pt modelId="{D0B0546A-D532-4ACD-9D86-90216A7665A1}" type="pres">
+    <dgm:pt modelId="{03FC8A99-0567-4C91-89DE-DB16B2C0A767}" type="pres">
+      <dgm:prSet presAssocID="{51635E7D-94AB-42DB-A23F-6B9E2711ADB8}" presName="Name19" presStyleLbl="parChTrans1D4" presStyleIdx="1" presStyleCnt="15"/>
+      <dgm:spPr/>
+    </dgm:pt>
+    <dgm:pt modelId="{02A89A3D-B0E3-41F5-8E8F-CFC3C0648A88}" type="pres">
       <dgm:prSet presAssocID="{595FCBCB-6F4C-41E0-9D57-CC8BC973C07C}" presName="Name21" presStyleCnt="0"/>
       <dgm:spPr/>
     </dgm:pt>
-    <dgm:pt modelId="{2D6C4C6A-CE06-40A6-A211-64F15A14B0FC}" type="pres">
-      <dgm:prSet presAssocID="{595FCBCB-6F4C-41E0-9D57-CC8BC973C07C}" presName="level2Shape" presStyleLbl="node4" presStyleIdx="2" presStyleCnt="15"/>
-      <dgm:spPr/>
-    </dgm:pt>
-    <dgm:pt modelId="{760313C0-717F-4AE7-A5F2-574534105C44}" type="pres">
+    <dgm:pt modelId="{55C79116-3FEA-41A8-A479-CB0E380F7808}" type="pres">
+      <dgm:prSet presAssocID="{595FCBCB-6F4C-41E0-9D57-CC8BC973C07C}" presName="level2Shape" presStyleLbl="node4" presStyleIdx="1" presStyleCnt="15"/>
+      <dgm:spPr/>
+    </dgm:pt>
+    <dgm:pt modelId="{71BB90E9-42D8-4260-AC0A-A4147B2D318A}" type="pres">
       <dgm:prSet presAssocID="{595FCBCB-6F4C-41E0-9D57-CC8BC973C07C}" presName="hierChild3" presStyleCnt="0"/>
       <dgm:spPr/>
     </dgm:pt>
-    <dgm:pt modelId="{CF7FDC77-853E-4DFC-9828-0DC60053379E}" type="pres">
-      <dgm:prSet presAssocID="{55BF91F1-8371-43F3-B796-D886F4AEA607}" presName="Name19" presStyleLbl="parChTrans1D4" presStyleIdx="3" presStyleCnt="15"/>
-      <dgm:spPr/>
-    </dgm:pt>
-    <dgm:pt modelId="{5BD994D5-C433-4FE2-AB61-4264BFEF7809}" type="pres">
-      <dgm:prSet presAssocID="{7B8C88F9-23A6-428A-9D84-EE8685A0B867}" presName="Name21" presStyleCnt="0"/>
-      <dgm:spPr/>
-    </dgm:pt>
-    <dgm:pt modelId="{7B17D095-05F0-4567-ACF5-DAE1C7F71050}" type="pres">
-      <dgm:prSet presAssocID="{7B8C88F9-23A6-428A-9D84-EE8685A0B867}" presName="level2Shape" presStyleLbl="node4" presStyleIdx="3" presStyleCnt="15"/>
-      <dgm:spPr/>
-    </dgm:pt>
-    <dgm:pt modelId="{90EFF611-D625-4166-8403-F0F91E00F887}" type="pres">
-      <dgm:prSet presAssocID="{7B8C88F9-23A6-428A-9D84-EE8685A0B867}" presName="hierChild3" presStyleCnt="0"/>
-      <dgm:spPr/>
-    </dgm:pt>
-    <dgm:pt modelId="{1BEB3F5D-527E-4392-A984-BA9906967D01}" type="pres">
-      <dgm:prSet presAssocID="{DF2F3A9E-C911-49B0-8EFA-E8DD45E8BB46}" presName="Name19" presStyleLbl="parChTrans1D4" presStyleIdx="4" presStyleCnt="15"/>
-      <dgm:spPr/>
-    </dgm:pt>
-    <dgm:pt modelId="{03025104-540D-4BA6-9A3D-EA09C36727C9}" type="pres">
-      <dgm:prSet presAssocID="{EAF0C93C-99EC-4761-A238-EDB38940DB5B}" presName="Name21" presStyleCnt="0"/>
-      <dgm:spPr/>
-    </dgm:pt>
-    <dgm:pt modelId="{149DFA66-F11C-4DFF-BDBE-E00AC7EA378B}" type="pres">
-      <dgm:prSet presAssocID="{EAF0C93C-99EC-4761-A238-EDB38940DB5B}" presName="level2Shape" presStyleLbl="node4" presStyleIdx="4" presStyleCnt="15"/>
-      <dgm:spPr/>
-    </dgm:pt>
-    <dgm:pt modelId="{360CDA88-C970-408D-858E-968CC4642C27}" type="pres">
-      <dgm:prSet presAssocID="{EAF0C93C-99EC-4761-A238-EDB38940DB5B}" presName="hierChild3" presStyleCnt="0"/>
-      <dgm:spPr/>
-    </dgm:pt>
-    <dgm:pt modelId="{61106BEE-8394-41F9-A438-4FF037DCC549}" type="pres">
-      <dgm:prSet presAssocID="{4CC81563-AFF2-44A9-B9B0-EF1C87661122}" presName="Name19" presStyleLbl="parChTrans1D2" presStyleIdx="1" presStyleCnt="6"/>
-      <dgm:spPr/>
-    </dgm:pt>
-    <dgm:pt modelId="{A905BD00-D3F3-4827-A249-E4CC3BEC9E1E}" type="pres">
+    <dgm:pt modelId="{8C51603B-18E2-460C-A259-41942E28FCC3}" type="pres">
+      <dgm:prSet presAssocID="{4CC81563-AFF2-44A9-B9B0-EF1C87661122}" presName="Name19" presStyleLbl="parChTrans1D2" presStyleIdx="2" presStyleCnt="7"/>
+      <dgm:spPr/>
+    </dgm:pt>
+    <dgm:pt modelId="{29999C70-A7D1-453F-A16C-32EDE5B12858}" type="pres">
       <dgm:prSet presAssocID="{8FAE6191-0821-4960-BC96-F58E46C703A9}" presName="Name21" presStyleCnt="0"/>
       <dgm:spPr/>
     </dgm:pt>
-    <dgm:pt modelId="{98829285-C359-4558-A8AB-ED49C5195838}" type="pres">
-      <dgm:prSet presAssocID="{8FAE6191-0821-4960-BC96-F58E46C703A9}" presName="level2Shape" presStyleLbl="node2" presStyleIdx="1" presStyleCnt="6"/>
-      <dgm:spPr/>
-    </dgm:pt>
-    <dgm:pt modelId="{C79E3FC8-6FFA-4104-9274-2CE789AF8770}" type="pres">
+    <dgm:pt modelId="{0F2BF6AD-BDCF-45A6-B033-76813ED1DA7F}" type="pres">
+      <dgm:prSet presAssocID="{8FAE6191-0821-4960-BC96-F58E46C703A9}" presName="level2Shape" presStyleLbl="node2" presStyleIdx="2" presStyleCnt="7"/>
+      <dgm:spPr/>
+    </dgm:pt>
+    <dgm:pt modelId="{C941B135-69D7-4323-BA9F-3C43B5F1A467}" type="pres">
       <dgm:prSet presAssocID="{8FAE6191-0821-4960-BC96-F58E46C703A9}" presName="hierChild3" presStyleCnt="0"/>
       <dgm:spPr/>
     </dgm:pt>
-    <dgm:pt modelId="{9B20D733-63A4-4B62-A174-9E852702C56C}" type="pres">
-      <dgm:prSet presAssocID="{845F5D8C-040E-4743-ACA2-252EB4E11E64}" presName="Name19" presStyleLbl="parChTrans1D3" presStyleIdx="1" presStyleCnt="6"/>
-      <dgm:spPr/>
-    </dgm:pt>
-    <dgm:pt modelId="{0A780892-20FA-4CAE-B5A0-9EB90BE4DDCC}" type="pres">
-      <dgm:prSet presAssocID="{22D68CCB-4BEE-4732-BA18-145918E71689}" presName="Name21" presStyleCnt="0"/>
-      <dgm:spPr/>
-    </dgm:pt>
-    <dgm:pt modelId="{66711AFB-4282-4BD5-A024-70EEE22E8ED8}" type="pres">
-      <dgm:prSet presAssocID="{22D68CCB-4BEE-4732-BA18-145918E71689}" presName="level2Shape" presStyleLbl="node3" presStyleIdx="1" presStyleCnt="6"/>
-      <dgm:spPr/>
-    </dgm:pt>
-    <dgm:pt modelId="{2C2F2558-EE81-4BDE-8A7A-443008F126E3}" type="pres">
-      <dgm:prSet presAssocID="{22D68CCB-4BEE-4732-BA18-145918E71689}" presName="hierChild3" presStyleCnt="0"/>
-      <dgm:spPr/>
-    </dgm:pt>
-    <dgm:pt modelId="{FBEC95B0-C69A-4159-A230-69B97543DC08}" type="pres">
-      <dgm:prSet presAssocID="{6331599E-52B8-4A6C-B3A0-6191E729069E}" presName="Name19" presStyleLbl="parChTrans1D4" presStyleIdx="5" presStyleCnt="15"/>
-      <dgm:spPr/>
-    </dgm:pt>
-    <dgm:pt modelId="{583EE7A7-AB15-4E84-9056-1298A137DA59}" type="pres">
+    <dgm:pt modelId="{C35DDB86-B450-4822-9D2F-E71FF9968A21}" type="pres">
+      <dgm:prSet presAssocID="{6331599E-52B8-4A6C-B3A0-6191E729069E}" presName="Name19" presStyleLbl="parChTrans1D3" presStyleIdx="1" presStyleCnt="6"/>
+      <dgm:spPr/>
+    </dgm:pt>
+    <dgm:pt modelId="{BB462D65-ACC4-4544-B7C4-30776D42B558}" type="pres">
       <dgm:prSet presAssocID="{638D4A18-E8B7-45E5-8EAA-4C0D29849159}" presName="Name21" presStyleCnt="0"/>
       <dgm:spPr/>
     </dgm:pt>
-    <dgm:pt modelId="{F1CD7CC0-9E0D-4303-82AE-D7A2B5AF17DB}" type="pres">
-      <dgm:prSet presAssocID="{638D4A18-E8B7-45E5-8EAA-4C0D29849159}" presName="level2Shape" presStyleLbl="node4" presStyleIdx="5" presStyleCnt="15"/>
-      <dgm:spPr/>
-    </dgm:pt>
-    <dgm:pt modelId="{9D18E0B5-D1B0-4C2C-9208-AE34251A3D41}" type="pres">
+    <dgm:pt modelId="{3D170F9E-3701-4D1E-8282-7786501540B5}" type="pres">
+      <dgm:prSet presAssocID="{638D4A18-E8B7-45E5-8EAA-4C0D29849159}" presName="level2Shape" presStyleLbl="node3" presStyleIdx="1" presStyleCnt="6"/>
+      <dgm:spPr/>
+    </dgm:pt>
+    <dgm:pt modelId="{9B480D89-7082-434B-8DB0-91EF10463405}" type="pres">
       <dgm:prSet presAssocID="{638D4A18-E8B7-45E5-8EAA-4C0D29849159}" presName="hierChild3" presStyleCnt="0"/>
       <dgm:spPr/>
     </dgm:pt>
-    <dgm:pt modelId="{E16ADE93-99AF-45AE-A7EE-51F95CB0B46A}" type="pres">
-      <dgm:prSet presAssocID="{D4015DCB-90CE-418D-BA17-E20EB5979634}" presName="Name19" presStyleLbl="parChTrans1D4" presStyleIdx="6" presStyleCnt="15"/>
-      <dgm:spPr/>
-    </dgm:pt>
-    <dgm:pt modelId="{F9DCA430-5528-44F3-AD22-5D1130D7C8CE}" type="pres">
+    <dgm:pt modelId="{6068B2E9-439A-4D4A-9F07-1BD033C7220C}" type="pres">
+      <dgm:prSet presAssocID="{76C26345-8BCA-4CE2-B48B-2D33FBBB060B}" presName="Name19" presStyleLbl="parChTrans1D4" presStyleIdx="2" presStyleCnt="15"/>
+      <dgm:spPr/>
+    </dgm:pt>
+    <dgm:pt modelId="{2AB79E5E-3E0F-4B15-8C12-2C7C7F37CC6E}" type="pres">
+      <dgm:prSet presAssocID="{A9C89BFF-0134-47A9-B18B-7F769EAE5F3A}" presName="Name21" presStyleCnt="0"/>
+      <dgm:spPr/>
+    </dgm:pt>
+    <dgm:pt modelId="{DA212266-545D-45F1-A27D-0FB54745C5C9}" type="pres">
+      <dgm:prSet presAssocID="{A9C89BFF-0134-47A9-B18B-7F769EAE5F3A}" presName="level2Shape" presStyleLbl="node4" presStyleIdx="2" presStyleCnt="15"/>
+      <dgm:spPr/>
+    </dgm:pt>
+    <dgm:pt modelId="{260D8AF3-1154-4CC0-AD53-C84DA5FA04E1}" type="pres">
+      <dgm:prSet presAssocID="{A9C89BFF-0134-47A9-B18B-7F769EAE5F3A}" presName="hierChild3" presStyleCnt="0"/>
+      <dgm:spPr/>
+    </dgm:pt>
+    <dgm:pt modelId="{9546DA21-7CA2-4F3B-87CA-3168F16C6E7E}" type="pres">
+      <dgm:prSet presAssocID="{D4015DCB-90CE-418D-BA17-E20EB5979634}" presName="Name19" presStyleLbl="parChTrans1D4" presStyleIdx="3" presStyleCnt="15"/>
+      <dgm:spPr/>
+    </dgm:pt>
+    <dgm:pt modelId="{8B18F66F-752D-4B20-8C19-341C00949D60}" type="pres">
       <dgm:prSet presAssocID="{D692D1F3-8B04-4096-AA22-E14E93E2AD30}" presName="Name21" presStyleCnt="0"/>
       <dgm:spPr/>
     </dgm:pt>
-    <dgm:pt modelId="{DBC340A0-3818-4944-BAC4-6FC41200E407}" type="pres">
-      <dgm:prSet presAssocID="{D692D1F3-8B04-4096-AA22-E14E93E2AD30}" presName="level2Shape" presStyleLbl="node4" presStyleIdx="6" presStyleCnt="15"/>
-      <dgm:spPr/>
-    </dgm:pt>
-    <dgm:pt modelId="{869B50F0-9FD0-4765-844E-562E1EB55596}" type="pres">
+    <dgm:pt modelId="{C2262EFB-5BE9-4548-98FA-51838DD8F6DF}" type="pres">
+      <dgm:prSet presAssocID="{D692D1F3-8B04-4096-AA22-E14E93E2AD30}" presName="level2Shape" presStyleLbl="node4" presStyleIdx="3" presStyleCnt="15"/>
+      <dgm:spPr/>
+    </dgm:pt>
+    <dgm:pt modelId="{12141DC4-C979-4542-83DB-5BA320FCFE51}" type="pres">
       <dgm:prSet presAssocID="{D692D1F3-8B04-4096-AA22-E14E93E2AD30}" presName="hierChild3" presStyleCnt="0"/>
       <dgm:spPr/>
     </dgm:pt>
-    <dgm:pt modelId="{3E27615C-4EFE-4C20-92E5-F66765CC04DB}" type="pres">
-      <dgm:prSet presAssocID="{0B8E2C65-A4D7-4B41-A006-CAAA09EDACC5}" presName="Name19" presStyleLbl="parChTrans1D4" presStyleIdx="7" presStyleCnt="15"/>
-      <dgm:spPr/>
-    </dgm:pt>
-    <dgm:pt modelId="{947C2A81-96B4-4538-A048-A7C54725EA18}" type="pres">
+    <dgm:pt modelId="{04405E15-0B20-4F53-A85C-E932BDDB8237}" type="pres">
+      <dgm:prSet presAssocID="{0B8E2C65-A4D7-4B41-A006-CAAA09EDACC5}" presName="Name19" presStyleLbl="parChTrans1D4" presStyleIdx="4" presStyleCnt="15"/>
+      <dgm:spPr/>
+    </dgm:pt>
+    <dgm:pt modelId="{19068072-4B54-4A6F-963A-48715DEA5881}" type="pres">
       <dgm:prSet presAssocID="{1CCEED45-57D7-4641-81C9-5908579CE245}" presName="Name21" presStyleCnt="0"/>
       <dgm:spPr/>
     </dgm:pt>
-    <dgm:pt modelId="{51E35AD2-0735-436F-A82F-19F611F0258D}" type="pres">
-      <dgm:prSet presAssocID="{1CCEED45-57D7-4641-81C9-5908579CE245}" presName="level2Shape" presStyleLbl="node4" presStyleIdx="7" presStyleCnt="15"/>
-      <dgm:spPr/>
-    </dgm:pt>
-    <dgm:pt modelId="{F7C8D71A-AB03-4A25-9FDF-E79865D25CE8}" type="pres">
+    <dgm:pt modelId="{6B117D17-8BD8-4AE3-810B-A881321E5DD9}" type="pres">
+      <dgm:prSet presAssocID="{1CCEED45-57D7-4641-81C9-5908579CE245}" presName="level2Shape" presStyleLbl="node4" presStyleIdx="4" presStyleCnt="15"/>
+      <dgm:spPr/>
+    </dgm:pt>
+    <dgm:pt modelId="{BBB2DBB5-E63F-495F-9C9A-8A5D8522A497}" type="pres">
       <dgm:prSet presAssocID="{1CCEED45-57D7-4641-81C9-5908579CE245}" presName="hierChild3" presStyleCnt="0"/>
       <dgm:spPr/>
     </dgm:pt>
-    <dgm:pt modelId="{02AF57A5-5631-4829-8B1F-9F87C7E5BF9A}" type="pres">
-      <dgm:prSet presAssocID="{8EBD0BB1-A983-499A-AFE0-A135C6D6EAF4}" presName="Name19" presStyleLbl="parChTrans1D2" presStyleIdx="2" presStyleCnt="6"/>
-      <dgm:spPr/>
-    </dgm:pt>
-    <dgm:pt modelId="{9E80533F-1EE1-40B2-9B7E-67577DC38AE8}" type="pres">
+    <dgm:pt modelId="{94C352C4-3E3C-489A-9242-7542C89615E3}" type="pres">
+      <dgm:prSet presAssocID="{B3339EB3-2CFC-4D27-A28B-A1DA1C20A05A}" presName="Name19" presStyleLbl="parChTrans1D4" presStyleIdx="5" presStyleCnt="15"/>
+      <dgm:spPr/>
+    </dgm:pt>
+    <dgm:pt modelId="{716E8AC2-84AE-4D29-9A1D-2C84766F12F0}" type="pres">
+      <dgm:prSet presAssocID="{F9922D17-25E5-4FD7-B1AA-578A1B7C65C6}" presName="Name21" presStyleCnt="0"/>
+      <dgm:spPr/>
+    </dgm:pt>
+    <dgm:pt modelId="{2B3CB1BC-6D96-470A-BFBD-A00B79B46B8B}" type="pres">
+      <dgm:prSet presAssocID="{F9922D17-25E5-4FD7-B1AA-578A1B7C65C6}" presName="level2Shape" presStyleLbl="node4" presStyleIdx="5" presStyleCnt="15"/>
+      <dgm:spPr/>
+    </dgm:pt>
+    <dgm:pt modelId="{9539B342-F682-40BB-9BD0-39FC5337E852}" type="pres">
+      <dgm:prSet presAssocID="{F9922D17-25E5-4FD7-B1AA-578A1B7C65C6}" presName="hierChild3" presStyleCnt="0"/>
+      <dgm:spPr/>
+    </dgm:pt>
+    <dgm:pt modelId="{CB6BE97F-F378-44D8-A2B2-1513F719E2F3}" type="pres">
+      <dgm:prSet presAssocID="{EDC9A178-2154-4366-98B0-33B34586D7EA}" presName="Name19" presStyleLbl="parChTrans1D4" presStyleIdx="6" presStyleCnt="15"/>
+      <dgm:spPr/>
+    </dgm:pt>
+    <dgm:pt modelId="{037A5789-658A-4803-8635-D7D7917B1D18}" type="pres">
+      <dgm:prSet presAssocID="{82C78B36-0FA6-435A-86B9-9330BA5F59EB}" presName="Name21" presStyleCnt="0"/>
+      <dgm:spPr/>
+    </dgm:pt>
+    <dgm:pt modelId="{5F36A6FB-CB7F-4DE6-B6F5-DE1826698F42}" type="pres">
+      <dgm:prSet presAssocID="{82C78B36-0FA6-435A-86B9-9330BA5F59EB}" presName="level2Shape" presStyleLbl="node4" presStyleIdx="6" presStyleCnt="15"/>
+      <dgm:spPr/>
+    </dgm:pt>
+    <dgm:pt modelId="{7B16E392-CFB9-4511-80CC-B12B55CE4AF9}" type="pres">
+      <dgm:prSet presAssocID="{82C78B36-0FA6-435A-86B9-9330BA5F59EB}" presName="hierChild3" presStyleCnt="0"/>
+      <dgm:spPr/>
+    </dgm:pt>
+    <dgm:pt modelId="{47BBE90B-CBEF-42FD-96FB-4EAFAF81779C}" type="pres">
+      <dgm:prSet presAssocID="{8EBD0BB1-A983-499A-AFE0-A135C6D6EAF4}" presName="Name19" presStyleLbl="parChTrans1D2" presStyleIdx="3" presStyleCnt="7"/>
+      <dgm:spPr/>
+    </dgm:pt>
+    <dgm:pt modelId="{565B9193-3092-4191-B4D7-4450FED5158B}" type="pres">
       <dgm:prSet presAssocID="{46EFE5C5-7E26-4632-AB0D-CFDE009726AC}" presName="Name21" presStyleCnt="0"/>
       <dgm:spPr/>
     </dgm:pt>
-    <dgm:pt modelId="{5B4C9849-DEB8-40B2-959E-E2FFC9C320FA}" type="pres">
-      <dgm:prSet presAssocID="{46EFE5C5-7E26-4632-AB0D-CFDE009726AC}" presName="level2Shape" presStyleLbl="node2" presStyleIdx="2" presStyleCnt="6"/>
-      <dgm:spPr/>
-    </dgm:pt>
-    <dgm:pt modelId="{5D0B2B23-C64F-440F-84A3-01FF45CFA593}" type="pres">
+    <dgm:pt modelId="{3DD57934-5E09-442C-A927-0F5009AB258D}" type="pres">
+      <dgm:prSet presAssocID="{46EFE5C5-7E26-4632-AB0D-CFDE009726AC}" presName="level2Shape" presStyleLbl="node2" presStyleIdx="3" presStyleCnt="7"/>
+      <dgm:spPr/>
+    </dgm:pt>
+    <dgm:pt modelId="{D24D47FE-523A-4015-9CAA-901FC0D214D5}" type="pres">
       <dgm:prSet presAssocID="{46EFE5C5-7E26-4632-AB0D-CFDE009726AC}" presName="hierChild3" presStyleCnt="0"/>
       <dgm:spPr/>
     </dgm:pt>
-    <dgm:pt modelId="{F75CBFB9-BF0A-44D1-A33C-B79AA986F053}" type="pres">
-      <dgm:prSet presAssocID="{39E7187F-BF44-4434-ABA8-1C914D1E277A}" presName="Name19" presStyleLbl="parChTrans1D3" presStyleIdx="2" presStyleCnt="6"/>
-      <dgm:spPr/>
-    </dgm:pt>
-    <dgm:pt modelId="{67DE66BD-20EA-42E4-BA13-B22F5E9296A9}" type="pres">
+    <dgm:pt modelId="{4E69DF13-5E8E-4E91-975F-9FDDE2936E47}" type="pres">
+      <dgm:prSet presAssocID="{44E55A98-4A09-4633-8BC8-3C1A3C60F82C}" presName="Name19" presStyleLbl="parChTrans1D3" presStyleIdx="2" presStyleCnt="6"/>
+      <dgm:spPr/>
+    </dgm:pt>
+    <dgm:pt modelId="{9D3D95EC-2023-4BA1-A515-21302324505A}" type="pres">
+      <dgm:prSet presAssocID="{FF50E59C-F10C-40A6-8558-2A7E5F304E5C}" presName="Name21" presStyleCnt="0"/>
+      <dgm:spPr/>
+    </dgm:pt>
+    <dgm:pt modelId="{93C93900-8187-43D3-8589-C801987549D8}" type="pres">
+      <dgm:prSet presAssocID="{FF50E59C-F10C-40A6-8558-2A7E5F304E5C}" presName="level2Shape" presStyleLbl="node3" presStyleIdx="2" presStyleCnt="6"/>
+      <dgm:spPr/>
+    </dgm:pt>
+    <dgm:pt modelId="{47B2A419-6ED4-4C73-86AA-9F655C1C9D2A}" type="pres">
+      <dgm:prSet presAssocID="{FF50E59C-F10C-40A6-8558-2A7E5F304E5C}" presName="hierChild3" presStyleCnt="0"/>
+      <dgm:spPr/>
+    </dgm:pt>
+    <dgm:pt modelId="{4EED4EC6-C75E-4237-B513-1F528969B037}" type="pres">
+      <dgm:prSet presAssocID="{39E7187F-BF44-4434-ABA8-1C914D1E277A}" presName="Name19" presStyleLbl="parChTrans1D4" presStyleIdx="7" presStyleCnt="15"/>
+      <dgm:spPr/>
+    </dgm:pt>
+    <dgm:pt modelId="{6E0FDFC1-4213-4B9B-8ECC-5730827380B1}" type="pres">
       <dgm:prSet presAssocID="{C6E69E37-3961-44EE-94E9-D23872BEE4C9}" presName="Name21" presStyleCnt="0"/>
       <dgm:spPr/>
     </dgm:pt>
-    <dgm:pt modelId="{A53AEAF4-DE63-41BC-865B-CDA9095339F1}" type="pres">
-      <dgm:prSet presAssocID="{C6E69E37-3961-44EE-94E9-D23872BEE4C9}" presName="level2Shape" presStyleLbl="node3" presStyleIdx="2" presStyleCnt="6"/>
-      <dgm:spPr/>
-    </dgm:pt>
-    <dgm:pt modelId="{F44AAF35-394F-47E3-8E27-174E41BB2B6D}" type="pres">
+    <dgm:pt modelId="{712DC4DD-54A4-4D11-93B8-AF86C0982CE7}" type="pres">
+      <dgm:prSet presAssocID="{C6E69E37-3961-44EE-94E9-D23872BEE4C9}" presName="level2Shape" presStyleLbl="node4" presStyleIdx="7" presStyleCnt="15"/>
+      <dgm:spPr/>
+    </dgm:pt>
+    <dgm:pt modelId="{06FE832E-06DC-449D-9623-40B31DE5260A}" type="pres">
       <dgm:prSet presAssocID="{C6E69E37-3961-44EE-94E9-D23872BEE4C9}" presName="hierChild3" presStyleCnt="0"/>
       <dgm:spPr/>
     </dgm:pt>
-    <dgm:pt modelId="{CA90F6F9-60A6-482D-9CEF-AA80F0D193AE}" type="pres">
+    <dgm:pt modelId="{C5D095A0-8EE6-4EB9-8612-3D40277D1615}" type="pres">
       <dgm:prSet presAssocID="{CA5091F9-074B-4255-B185-C09D0BE2BF7B}" presName="Name19" presStyleLbl="parChTrans1D4" presStyleIdx="8" presStyleCnt="15"/>
       <dgm:spPr/>
     </dgm:pt>
-    <dgm:pt modelId="{5E62636B-7A4A-4996-905D-FE6B0DAA9875}" type="pres">
+    <dgm:pt modelId="{B6F8A37B-3728-4132-A0B2-2D455B49C14C}" type="pres">
       <dgm:prSet presAssocID="{DEA8DC5E-722E-4FFF-BA91-EA999F6AAE91}" presName="Name21" presStyleCnt="0"/>
       <dgm:spPr/>
     </dgm:pt>
-    <dgm:pt modelId="{FAE55E79-8B96-4C0A-BE86-86E1DECB95C8}" type="pres">
+    <dgm:pt modelId="{23569E60-B42A-46D6-895B-EB403DAEAB39}" type="pres">
       <dgm:prSet presAssocID="{DEA8DC5E-722E-4FFF-BA91-EA999F6AAE91}" presName="level2Shape" presStyleLbl="node4" presStyleIdx="8" presStyleCnt="15"/>
       <dgm:spPr/>
     </dgm:pt>
-    <dgm:pt modelId="{AD793D23-3C02-4A8E-A566-B2B63E9511E3}" type="pres">
+    <dgm:pt modelId="{8AEC3380-BF7F-458C-A43B-E053B8AAB6C8}" type="pres">
       <dgm:prSet presAssocID="{DEA8DC5E-722E-4FFF-BA91-EA999F6AAE91}" presName="hierChild3" presStyleCnt="0"/>
       <dgm:spPr/>
     </dgm:pt>
-    <dgm:pt modelId="{2DFB326B-B609-43F8-A763-08BEA677E07F}" type="pres">
-      <dgm:prSet presAssocID="{84BE1630-6BEF-48BE-BEB4-441EA60AE7C5}" presName="Name19" presStyleLbl="parChTrans1D2" presStyleIdx="3" presStyleCnt="6"/>
-      <dgm:spPr/>
-    </dgm:pt>
-    <dgm:pt modelId="{0E91A336-26C0-4988-8AFD-FD0ADA59622E}" type="pres">
+    <dgm:pt modelId="{F735E2CF-8C29-48C1-84C7-830FEF7D1A26}" type="pres">
+      <dgm:prSet presAssocID="{84BE1630-6BEF-48BE-BEB4-441EA60AE7C5}" presName="Name19" presStyleLbl="parChTrans1D2" presStyleIdx="4" presStyleCnt="7"/>
+      <dgm:spPr/>
+    </dgm:pt>
+    <dgm:pt modelId="{48AFB0DB-A5F1-4E3C-A955-DF837FAD14E4}" type="pres">
       <dgm:prSet presAssocID="{FB132DEB-3EBB-4B7B-9E10-1EA28E437B0C}" presName="Name21" presStyleCnt="0"/>
       <dgm:spPr/>
     </dgm:pt>
-    <dgm:pt modelId="{ED51B719-283F-4EED-B2CC-182439F80BA8}" type="pres">
-      <dgm:prSet presAssocID="{FB132DEB-3EBB-4B7B-9E10-1EA28E437B0C}" presName="level2Shape" presStyleLbl="node2" presStyleIdx="3" presStyleCnt="6"/>
-      <dgm:spPr/>
-    </dgm:pt>
-    <dgm:pt modelId="{E18409C6-6472-4325-82AD-0CFC42357F07}" type="pres">
+    <dgm:pt modelId="{8083ECF3-4A6D-4D09-B080-CA9E2FF57236}" type="pres">
+      <dgm:prSet presAssocID="{FB132DEB-3EBB-4B7B-9E10-1EA28E437B0C}" presName="level2Shape" presStyleLbl="node2" presStyleIdx="4" presStyleCnt="7"/>
+      <dgm:spPr/>
+    </dgm:pt>
+    <dgm:pt modelId="{2C493079-29ED-4E87-A787-50DAC8099E25}" type="pres">
       <dgm:prSet presAssocID="{FB132DEB-3EBB-4B7B-9E10-1EA28E437B0C}" presName="hierChild3" presStyleCnt="0"/>
       <dgm:spPr/>
     </dgm:pt>
-    <dgm:pt modelId="{291C996E-0EB8-4C7C-A09D-BCD184B0D448}" type="pres">
+    <dgm:pt modelId="{64900635-8DCD-4DF3-B12D-2B985CABC71A}" type="pres">
       <dgm:prSet presAssocID="{ACDCB4B0-FE3A-4189-B855-4AF36F6C0D74}" presName="Name19" presStyleLbl="parChTrans1D3" presStyleIdx="3" presStyleCnt="6"/>
       <dgm:spPr/>
     </dgm:pt>
-    <dgm:pt modelId="{C21A9BE0-E976-4A83-95BD-260F6B2B8B28}" type="pres">
+    <dgm:pt modelId="{773E5E19-E898-4FB5-9479-84A75550A456}" type="pres">
       <dgm:prSet presAssocID="{142E7667-7801-477A-80B1-678DFCEE8B9B}" presName="Name21" presStyleCnt="0"/>
       <dgm:spPr/>
     </dgm:pt>
-    <dgm:pt modelId="{FC12F369-519B-4055-B6C8-695637AC848E}" type="pres">
+    <dgm:pt modelId="{92DF44D8-235C-4496-9E5B-04260D070234}" type="pres">
       <dgm:prSet presAssocID="{142E7667-7801-477A-80B1-678DFCEE8B9B}" presName="level2Shape" presStyleLbl="node3" presStyleIdx="3" presStyleCnt="6"/>
       <dgm:spPr/>
     </dgm:pt>
-    <dgm:pt modelId="{B0462487-E286-448F-90A0-64B688911226}" type="pres">
+    <dgm:pt modelId="{B78E7553-FDDA-4447-9D04-EE2E1E15DB85}" type="pres">
       <dgm:prSet presAssocID="{142E7667-7801-477A-80B1-678DFCEE8B9B}" presName="hierChild3" presStyleCnt="0"/>
       <dgm:spPr/>
     </dgm:pt>
-    <dgm:pt modelId="{D7F2430B-BCB5-408D-B434-E52E0A1944C0}" type="pres">
+    <dgm:pt modelId="{70099853-D6C6-45DD-8965-6B3F303FCB7B}" type="pres">
       <dgm:prSet presAssocID="{7A8423F9-E18F-49C7-AF47-88948CD8E18D}" presName="Name19" presStyleLbl="parChTrans1D4" presStyleIdx="9" presStyleCnt="15"/>
       <dgm:spPr/>
     </dgm:pt>
-    <dgm:pt modelId="{5C8173AF-9672-4BF6-9AF5-834E599B74D0}" type="pres">
+    <dgm:pt modelId="{38A51D49-7BF0-47A8-95A1-F9BFBDD027E6}" type="pres">
       <dgm:prSet presAssocID="{6343E979-4FE4-4A70-B59E-3E22D3659816}" presName="Name21" presStyleCnt="0"/>
       <dgm:spPr/>
     </dgm:pt>
-    <dgm:pt modelId="{95C57D1B-15F4-4DDD-96A4-BFBFEA71B3BB}" type="pres">
+    <dgm:pt modelId="{9D4DAB13-3BDF-4004-BBF9-0AF61D5F5F89}" type="pres">
       <dgm:prSet presAssocID="{6343E979-4FE4-4A70-B59E-3E22D3659816}" presName="level2Shape" presStyleLbl="node4" presStyleIdx="9" presStyleCnt="15"/>
       <dgm:spPr/>
     </dgm:pt>
-    <dgm:pt modelId="{75A1DEC4-64BE-4286-9069-8CDFE3D2B551}" type="pres">
+    <dgm:pt modelId="{723F23CC-2BC6-4953-8F94-321AECE23CFE}" type="pres">
       <dgm:prSet presAssocID="{6343E979-4FE4-4A70-B59E-3E22D3659816}" presName="hierChild3" presStyleCnt="0"/>
       <dgm:spPr/>
     </dgm:pt>
-    <dgm:pt modelId="{F3B7109E-FC5E-4032-9E48-7AE989930E7F}" type="pres">
+    <dgm:pt modelId="{4E400D75-3AC2-42DF-9470-72FBEAC0BB79}" type="pres">
       <dgm:prSet presAssocID="{7B0BD396-2B46-40BD-AC76-2EF21EDDDC81}" presName="Name19" presStyleLbl="parChTrans1D4" presStyleIdx="10" presStyleCnt="15"/>
       <dgm:spPr/>
     </dgm:pt>
-    <dgm:pt modelId="{2B8B9E40-5DE3-4297-87BA-B7CEF8A0A728}" type="pres">
+    <dgm:pt modelId="{E95B1BFA-DB58-4ECD-9D19-69ECEFA2AF32}" type="pres">
       <dgm:prSet presAssocID="{90E52BB7-1EB0-47DC-82EE-28BBD13D64E9}" presName="Name21" presStyleCnt="0"/>
       <dgm:spPr/>
     </dgm:pt>
-    <dgm:pt modelId="{EF24AA40-32E7-44EE-B69D-486DD25DA9EB}" type="pres">
+    <dgm:pt modelId="{CF04F5AB-3563-4DB1-A4BC-F556F7D0C9D5}" type="pres">
       <dgm:prSet presAssocID="{90E52BB7-1EB0-47DC-82EE-28BBD13D64E9}" presName="level2Shape" presStyleLbl="node4" presStyleIdx="10" presStyleCnt="15"/>
       <dgm:spPr/>
     </dgm:pt>
-    <dgm:pt modelId="{2269E0C1-CD48-4A37-99AA-4353054B5DE3}" type="pres">
+    <dgm:pt modelId="{5BE4BF58-CDFC-41D8-A720-52A2E11068F3}" type="pres">
       <dgm:prSet presAssocID="{90E52BB7-1EB0-47DC-82EE-28BBD13D64E9}" presName="hierChild3" presStyleCnt="0"/>
       <dgm:spPr/>
     </dgm:pt>
-    <dgm:pt modelId="{1B1B1F7A-7EF2-4ACB-B5C6-900D03138544}" type="pres">
+    <dgm:pt modelId="{B6371254-1FFA-4EC8-9A90-4F69AC26C4B8}" type="pres">
       <dgm:prSet presAssocID="{602223CB-CFD7-40C2-91FA-E4E1E82D12F8}" presName="Name19" presStyleLbl="parChTrans1D4" presStyleIdx="11" presStyleCnt="15"/>
       <dgm:spPr/>
     </dgm:pt>
-    <dgm:pt modelId="{0282E576-4781-48E5-98C4-B2C8833E05C7}" type="pres">
+    <dgm:pt modelId="{A9817A76-8597-449D-B92F-8AEE85191D54}" type="pres">
       <dgm:prSet presAssocID="{65164E71-4DD3-40F1-A30B-EC613D040542}" presName="Name21" presStyleCnt="0"/>
       <dgm:spPr/>
     </dgm:pt>
-    <dgm:pt modelId="{D96C27F6-8F1F-4C78-BC8B-2BA73823F3B2}" type="pres">
+    <dgm:pt modelId="{E9D5C307-8A1D-4EC7-B20E-8E8F48C13981}" type="pres">
       <dgm:prSet presAssocID="{65164E71-4DD3-40F1-A30B-EC613D040542}" presName="level2Shape" presStyleLbl="node4" presStyleIdx="11" presStyleCnt="15"/>
       <dgm:spPr/>
     </dgm:pt>
-    <dgm:pt modelId="{FA67AF65-67DB-40B9-AC54-180B9D0EE6EC}" type="pres">
+    <dgm:pt modelId="{1D2F9C2F-4C3B-4B47-AF86-182981AA931E}" type="pres">
       <dgm:prSet presAssocID="{65164E71-4DD3-40F1-A30B-EC613D040542}" presName="hierChild3" presStyleCnt="0"/>
       <dgm:spPr/>
     </dgm:pt>
-    <dgm:pt modelId="{F466743B-97CF-4FAA-9E07-3737C57455A5}" type="pres">
-      <dgm:prSet presAssocID="{28EC855E-094C-4BED-9FB2-2C030C8FFA45}" presName="Name19" presStyleLbl="parChTrans1D2" presStyleIdx="4" presStyleCnt="6"/>
-      <dgm:spPr/>
-    </dgm:pt>
-    <dgm:pt modelId="{910B1F4A-7546-445F-AEF0-7D9E58A38AE0}" type="pres">
+    <dgm:pt modelId="{B8BBA04E-A661-4440-88BC-48A5A46928AD}" type="pres">
+      <dgm:prSet presAssocID="{28EC855E-094C-4BED-9FB2-2C030C8FFA45}" presName="Name19" presStyleLbl="parChTrans1D2" presStyleIdx="5" presStyleCnt="7"/>
+      <dgm:spPr/>
+    </dgm:pt>
+    <dgm:pt modelId="{21323A3E-798F-4FD2-849A-C556E8FABEB5}" type="pres">
       <dgm:prSet presAssocID="{6169ABB3-9EA3-4A97-9BDB-7BF1A5E8319C}" presName="Name21" presStyleCnt="0"/>
       <dgm:spPr/>
     </dgm:pt>
-    <dgm:pt modelId="{A41A0699-52FD-4C1F-BA71-1940B09DFCB3}" type="pres">
-      <dgm:prSet presAssocID="{6169ABB3-9EA3-4A97-9BDB-7BF1A5E8319C}" presName="level2Shape" presStyleLbl="node2" presStyleIdx="4" presStyleCnt="6"/>
-      <dgm:spPr/>
-    </dgm:pt>
-    <dgm:pt modelId="{F2672B5B-774F-4E17-9064-11B64443A4B2}" type="pres">
+    <dgm:pt modelId="{F5D11855-5721-4682-A076-B1B508937B57}" type="pres">
+      <dgm:prSet presAssocID="{6169ABB3-9EA3-4A97-9BDB-7BF1A5E8319C}" presName="level2Shape" presStyleLbl="node2" presStyleIdx="5" presStyleCnt="7"/>
+      <dgm:spPr/>
+    </dgm:pt>
+    <dgm:pt modelId="{E2849A17-F155-4BD3-88DE-721F27239E2B}" type="pres">
       <dgm:prSet presAssocID="{6169ABB3-9EA3-4A97-9BDB-7BF1A5E8319C}" presName="hierChild3" presStyleCnt="0"/>
       <dgm:spPr/>
     </dgm:pt>
-    <dgm:pt modelId="{7F4F1B5F-FC30-4418-B6B9-340A889AAB9A}" type="pres">
+    <dgm:pt modelId="{7C69395F-B695-4DFD-9AE3-CCCC3BD07CBB}" type="pres">
       <dgm:prSet presAssocID="{4672E1E4-8BCB-4F8A-9715-DD03D099E9B8}" presName="Name19" presStyleLbl="parChTrans1D3" presStyleIdx="4" presStyleCnt="6"/>
       <dgm:spPr/>
     </dgm:pt>
-    <dgm:pt modelId="{B8E27EE2-3F57-4053-9C7E-C862359B5E62}" type="pres">
+    <dgm:pt modelId="{3EE85766-1C49-483D-9618-F660A73E9A38}" type="pres">
       <dgm:prSet presAssocID="{64108CB1-DB75-4E6C-B114-0F078EBFAA65}" presName="Name21" presStyleCnt="0"/>
       <dgm:spPr/>
     </dgm:pt>
-    <dgm:pt modelId="{9E0003AA-36A8-4BDA-A4D5-AE9FD5909BC7}" type="pres">
+    <dgm:pt modelId="{C5044203-A88D-4B18-9810-49E9EA828504}" type="pres">
       <dgm:prSet presAssocID="{64108CB1-DB75-4E6C-B114-0F078EBFAA65}" presName="level2Shape" presStyleLbl="node3" presStyleIdx="4" presStyleCnt="6"/>
       <dgm:spPr/>
     </dgm:pt>
-    <dgm:pt modelId="{EE3406C2-0F9C-4D1C-ACA4-2C3C20DB7B05}" type="pres">
+    <dgm:pt modelId="{144BA307-1F5B-428B-A812-E4187108EE29}" type="pres">
       <dgm:prSet presAssocID="{64108CB1-DB75-4E6C-B114-0F078EBFAA65}" presName="hierChild3" presStyleCnt="0"/>
       <dgm:spPr/>
     </dgm:pt>
-    <dgm:pt modelId="{C7ECFBED-B4C0-49F9-8060-B5CF65818561}" type="pres">
+    <dgm:pt modelId="{3D2151FC-33BA-453D-AA0E-CDDCBD0EEE9C}" type="pres">
       <dgm:prSet presAssocID="{658605B8-67B6-4965-9219-87AD07A2BD57}" presName="Name19" presStyleLbl="parChTrans1D4" presStyleIdx="12" presStyleCnt="15"/>
       <dgm:spPr/>
     </dgm:pt>
-    <dgm:pt modelId="{E084BBFE-2722-4C42-92DF-4A57675786AF}" type="pres">
+    <dgm:pt modelId="{3194FAF6-EE57-4E36-8BE0-00D4A11857C5}" type="pres">
       <dgm:prSet presAssocID="{210E38F1-6443-4897-BC67-3DC469B10B3A}" presName="Name21" presStyleCnt="0"/>
       <dgm:spPr/>
     </dgm:pt>
-    <dgm:pt modelId="{88BF71CB-FA56-4717-8190-D58921A87BD4}" type="pres">
+    <dgm:pt modelId="{AE1D8903-F48F-42E3-945F-5C5316952795}" type="pres">
       <dgm:prSet presAssocID="{210E38F1-6443-4897-BC67-3DC469B10B3A}" presName="level2Shape" presStyleLbl="node4" presStyleIdx="12" presStyleCnt="15"/>
       <dgm:spPr/>
     </dgm:pt>
-    <dgm:pt modelId="{4FBD2F03-0729-4C7D-80BB-89C15520BE60}" type="pres">
+    <dgm:pt modelId="{17165570-09AE-408C-AB80-EDC0C6614B48}" type="pres">
       <dgm:prSet presAssocID="{210E38F1-6443-4897-BC67-3DC469B10B3A}" presName="hierChild3" presStyleCnt="0"/>
       <dgm:spPr/>
     </dgm:pt>
-    <dgm:pt modelId="{508D3B25-CBDB-434C-AECC-728B5C07BAD5}" type="pres">
+    <dgm:pt modelId="{2D318F84-E12B-497C-A08E-FA9EE0475B26}" type="pres">
       <dgm:prSet presAssocID="{D0F8BDB2-13EF-4738-B074-310F7068418D}" presName="Name19" presStyleLbl="parChTrans1D4" presStyleIdx="13" presStyleCnt="15"/>
       <dgm:spPr/>
     </dgm:pt>
-    <dgm:pt modelId="{3E540AA3-5704-4090-A67D-865DF8D30698}" type="pres">
+    <dgm:pt modelId="{D8EC8B46-CDC9-4660-94F0-DF6EFA39AF9C}" type="pres">
       <dgm:prSet presAssocID="{E195E9F6-7564-48BE-A20F-8E15DF27D81A}" presName="Name21" presStyleCnt="0"/>
       <dgm:spPr/>
     </dgm:pt>
-    <dgm:pt modelId="{8F73F0A0-EB89-411D-B484-5DDA096E7375}" type="pres">
+    <dgm:pt modelId="{920982DC-2630-4054-B387-AEC5EDAB1340}" type="pres">
       <dgm:prSet presAssocID="{E195E9F6-7564-48BE-A20F-8E15DF27D81A}" presName="level2Shape" presStyleLbl="node4" presStyleIdx="13" presStyleCnt="15"/>
       <dgm:spPr/>
     </dgm:pt>
-    <dgm:pt modelId="{B5A80A12-AD68-4B8E-AA02-DAB23B0EC808}" type="pres">
+    <dgm:pt modelId="{486EF65B-A10B-44C6-B9CA-9FB5ECE47B71}" type="pres">
       <dgm:prSet presAssocID="{E195E9F6-7564-48BE-A20F-8E15DF27D81A}" presName="hierChild3" presStyleCnt="0"/>
       <dgm:spPr/>
     </dgm:pt>
-    <dgm:pt modelId="{674FAE3C-400A-42DF-AF51-5FE9A33D05FF}" type="pres">
-      <dgm:prSet presAssocID="{39401BF9-8334-48FD-97B1-B5FF75DD8ED7}" presName="Name19" presStyleLbl="parChTrans1D2" presStyleIdx="5" presStyleCnt="6"/>
-      <dgm:spPr/>
-    </dgm:pt>
-    <dgm:pt modelId="{8470595E-4388-4A58-9637-586E180AD740}" type="pres">
+    <dgm:pt modelId="{44A92FEE-33E2-4B91-A94C-B4EA8EE86B60}" type="pres">
+      <dgm:prSet presAssocID="{39401BF9-8334-48FD-97B1-B5FF75DD8ED7}" presName="Name19" presStyleLbl="parChTrans1D2" presStyleIdx="6" presStyleCnt="7"/>
+      <dgm:spPr/>
+    </dgm:pt>
+    <dgm:pt modelId="{26A5A1AB-7539-4101-9F47-3BBB79D00FCA}" type="pres">
       <dgm:prSet presAssocID="{F27108DA-E888-48DE-8C97-7FDC95CC2EF6}" presName="Name21" presStyleCnt="0"/>
       <dgm:spPr/>
     </dgm:pt>
-    <dgm:pt modelId="{06FE7757-0221-4CB4-905F-C6A4BCBA3C71}" type="pres">
-      <dgm:prSet presAssocID="{F27108DA-E888-48DE-8C97-7FDC95CC2EF6}" presName="level2Shape" presStyleLbl="node2" presStyleIdx="5" presStyleCnt="6"/>
-      <dgm:spPr/>
-    </dgm:pt>
-    <dgm:pt modelId="{5BD4478D-B641-48B8-8A2A-420109793208}" type="pres">
+    <dgm:pt modelId="{1D4FB0B1-442C-44CE-BE21-E9FDAD3A9144}" type="pres">
+      <dgm:prSet presAssocID="{F27108DA-E888-48DE-8C97-7FDC95CC2EF6}" presName="level2Shape" presStyleLbl="node2" presStyleIdx="6" presStyleCnt="7"/>
+      <dgm:spPr/>
+    </dgm:pt>
+    <dgm:pt modelId="{F1F1C683-82EB-43FB-9832-003B95D9A3E2}" type="pres">
       <dgm:prSet presAssocID="{F27108DA-E888-48DE-8C97-7FDC95CC2EF6}" presName="hierChild3" presStyleCnt="0"/>
       <dgm:spPr/>
     </dgm:pt>
-    <dgm:pt modelId="{9F6C2837-18E1-42E8-B36E-26D798F13CAA}" type="pres">
+    <dgm:pt modelId="{BD3EDBA1-58E6-46D1-8F92-11C7D932A901}" type="pres">
       <dgm:prSet presAssocID="{F9806694-F79F-4F0F-B80B-D8AEC14A4AE4}" presName="Name19" presStyleLbl="parChTrans1D3" presStyleIdx="5" presStyleCnt="6"/>
       <dgm:spPr/>
     </dgm:pt>
-    <dgm:pt modelId="{4E141796-AC40-4B30-9C5B-C2F45C40886F}" type="pres">
+    <dgm:pt modelId="{73C9CD6F-BB82-478D-BAB4-EE3A6FD8797C}" type="pres">
       <dgm:prSet presAssocID="{910FF4E3-4B73-471E-A733-428EDE879319}" presName="Name21" presStyleCnt="0"/>
       <dgm:spPr/>
     </dgm:pt>
-    <dgm:pt modelId="{7A395ACB-AFE5-47F8-A645-E93A88EBEA6B}" type="pres">
+    <dgm:pt modelId="{AEE5FF50-BB8D-4A70-8A11-9F9219A16C96}" type="pres">
       <dgm:prSet presAssocID="{910FF4E3-4B73-471E-A733-428EDE879319}" presName="level2Shape" presStyleLbl="node3" presStyleIdx="5" presStyleCnt="6"/>
       <dgm:spPr/>
     </dgm:pt>
-    <dgm:pt modelId="{8F51FB6D-419B-4757-8A2B-6084DECD1589}" type="pres">
+    <dgm:pt modelId="{8681F635-FEC3-4AAC-A631-7EF8C3595481}" type="pres">
       <dgm:prSet presAssocID="{910FF4E3-4B73-471E-A733-428EDE879319}" presName="hierChild3" presStyleCnt="0"/>
       <dgm:spPr/>
     </dgm:pt>
-    <dgm:pt modelId="{2BA6003D-FD41-41E9-BCA1-01EBE4EE20D3}" type="pres">
+    <dgm:pt modelId="{95517795-1F73-461A-B8A9-0DB9072BC468}" type="pres">
       <dgm:prSet presAssocID="{5A1392F2-9813-4C0C-9524-55F25A946D72}" presName="Name19" presStyleLbl="parChTrans1D4" presStyleIdx="14" presStyleCnt="15"/>
       <dgm:spPr/>
     </dgm:pt>
-    <dgm:pt modelId="{4985FEBC-40F4-4116-8833-83E61FD2B786}" type="pres">
+    <dgm:pt modelId="{9BFB5F0E-9487-4CD9-94ED-4B747B95E452}" type="pres">
       <dgm:prSet presAssocID="{2B9145D1-EB7E-4900-B323-62729B920F30}" presName="Name21" presStyleCnt="0"/>
       <dgm:spPr/>
     </dgm:pt>
-    <dgm:pt modelId="{7AC4104E-E4B8-401B-8EEB-D04E808E6EE5}" type="pres">
+    <dgm:pt modelId="{51EAB6DB-A7F8-4F89-835D-ED7DFDC5E4CD}" type="pres">
       <dgm:prSet presAssocID="{2B9145D1-EB7E-4900-B323-62729B920F30}" presName="level2Shape" presStyleLbl="node4" presStyleIdx="14" presStyleCnt="15"/>
       <dgm:spPr/>
     </dgm:pt>
-    <dgm:pt modelId="{E2C8F209-971D-404B-9F44-DC7BD439D3B3}" type="pres">
+    <dgm:pt modelId="{39F4CE89-3B6A-4973-B184-14329B08CC52}" type="pres">
       <dgm:prSet presAssocID="{2B9145D1-EB7E-4900-B323-62729B920F30}" presName="hierChild3" presStyleCnt="0"/>
       <dgm:spPr/>
     </dgm:pt>
@@ -2525,203 +2587,210 @@
     </dgm:pt>
   </dgm:ptLst>
   <dgm:cxnLst>
-    <dgm:cxn modelId="{D8A9B400-7A48-4EDB-B41F-AD84DBF35F21}" type="presOf" srcId="{FB132DEB-3EBB-4B7B-9E10-1EA28E437B0C}" destId="{ED51B719-283F-4EED-B2CC-182439F80BA8}" srcOrd="0" destOrd="0" presId="urn:microsoft.com/office/officeart/2005/8/layout/hierarchy6"/>
-    <dgm:cxn modelId="{F5731501-99AB-44A3-AF43-1AAFC2AEBFAF}" type="presOf" srcId="{818A50AE-2897-4A8A-A2D4-C798E3839759}" destId="{6A78302F-C42E-4BD7-B84C-CB25A3C0F412}" srcOrd="0" destOrd="0" presId="urn:microsoft.com/office/officeart/2005/8/layout/hierarchy6"/>
-    <dgm:cxn modelId="{F1101002-5CE5-4FCB-B939-DBDC719D8088}" type="presOf" srcId="{0B8E2C65-A4D7-4B41-A006-CAAA09EDACC5}" destId="{3E27615C-4EFE-4C20-92E5-F66765CC04DB}" srcOrd="0" destOrd="0" presId="urn:microsoft.com/office/officeart/2005/8/layout/hierarchy6"/>
-    <dgm:cxn modelId="{13F68E04-F892-44EA-AC85-5C55BCCACE31}" type="presOf" srcId="{845F5D8C-040E-4743-ACA2-252EB4E11E64}" destId="{9B20D733-63A4-4B62-A174-9E852702C56C}" srcOrd="0" destOrd="0" presId="urn:microsoft.com/office/officeart/2005/8/layout/hierarchy6"/>
-    <dgm:cxn modelId="{466D7E0B-F240-4D21-B075-148F30221A3B}" type="presOf" srcId="{E195E9F6-7564-48BE-A20F-8E15DF27D81A}" destId="{8F73F0A0-EB89-411D-B484-5DDA096E7375}" srcOrd="0" destOrd="0" presId="urn:microsoft.com/office/officeart/2005/8/layout/hierarchy6"/>
+    <dgm:cxn modelId="{00C7670B-4DF1-4DB5-BFF7-10AE2B944122}" type="presOf" srcId="{D0F8BDB2-13EF-4738-B074-310F7068418D}" destId="{2D318F84-E12B-497C-A08E-FA9EE0475B26}" srcOrd="0" destOrd="0" presId="urn:microsoft.com/office/officeart/2005/8/layout/hierarchy6"/>
+    <dgm:cxn modelId="{0285700C-1459-4FDE-AFD8-3B332E3D3F4F}" type="presOf" srcId="{8D053341-47DE-4A56-8DB5-F4344314674C}" destId="{E3195452-4088-4894-8DFD-AE2BFA9054E4}" srcOrd="0" destOrd="0" presId="urn:microsoft.com/office/officeart/2005/8/layout/hierarchy6"/>
     <dgm:cxn modelId="{4236410F-A92F-4C87-BF14-3DA943DADA64}" srcId="{FB132DEB-3EBB-4B7B-9E10-1EA28E437B0C}" destId="{142E7667-7801-477A-80B1-678DFCEE8B9B}" srcOrd="0" destOrd="0" parTransId="{ACDCB4B0-FE3A-4189-B855-4AF36F6C0D74}" sibTransId="{5C06A405-8210-48F4-A408-225051F39FBE}"/>
-    <dgm:cxn modelId="{9258CF10-A21F-436C-8DD6-66D5F2257114}" srcId="{595FCBCB-6F4C-41E0-9D57-CC8BC973C07C}" destId="{7B8C88F9-23A6-428A-9D84-EE8685A0B867}" srcOrd="0" destOrd="0" parTransId="{55BF91F1-8371-43F3-B796-D886F4AEA607}" sibTransId="{AB932049-799D-400F-96A9-390092336D78}"/>
-    <dgm:cxn modelId="{0AE68312-1AB6-4BEC-B6AD-8F4B57093E37}" type="presOf" srcId="{DF2F3A9E-C911-49B0-8EFA-E8DD45E8BB46}" destId="{1BEB3F5D-527E-4392-A984-BA9906967D01}" srcOrd="0" destOrd="0" presId="urn:microsoft.com/office/officeart/2005/8/layout/hierarchy6"/>
-    <dgm:cxn modelId="{EB37C513-6344-4968-8D2C-B7690BA37372}" type="presOf" srcId="{EAF0C93C-99EC-4761-A238-EDB38940DB5B}" destId="{149DFA66-F11C-4DFF-BDBE-E00AC7EA378B}" srcOrd="0" destOrd="0" presId="urn:microsoft.com/office/officeart/2005/8/layout/hierarchy6"/>
-    <dgm:cxn modelId="{EE720115-9484-482A-880C-C4C55B1A6361}" type="presOf" srcId="{95F92B39-5BD1-41DA-921B-40270E333897}" destId="{EA693939-0FD8-4332-A064-9C5C4989F6C3}" srcOrd="0" destOrd="0" presId="urn:microsoft.com/office/officeart/2005/8/layout/hierarchy6"/>
-    <dgm:cxn modelId="{A82D7115-D175-4E2D-9D2A-0015285A99C9}" type="presOf" srcId="{658605B8-67B6-4965-9219-87AD07A2BD57}" destId="{C7ECFBED-B4C0-49F9-8060-B5CF65818561}" srcOrd="0" destOrd="0" presId="urn:microsoft.com/office/officeart/2005/8/layout/hierarchy6"/>
-    <dgm:cxn modelId="{B6555617-2FBB-48E7-9D92-8BC0E336D671}" type="presOf" srcId="{638D4A18-E8B7-45E5-8EAA-4C0D29849159}" destId="{F1CD7CC0-9E0D-4303-82AE-D7A2B5AF17DB}" srcOrd="0" destOrd="0" presId="urn:microsoft.com/office/officeart/2005/8/layout/hierarchy6"/>
-    <dgm:cxn modelId="{FFBE421A-96E6-4728-9F99-D28C6318BB17}" type="presOf" srcId="{602223CB-CFD7-40C2-91FA-E4E1E82D12F8}" destId="{1B1B1F7A-7EF2-4ACB-B5C6-900D03138544}" srcOrd="0" destOrd="0" presId="urn:microsoft.com/office/officeart/2005/8/layout/hierarchy6"/>
-    <dgm:cxn modelId="{AEAE211C-05CA-406B-A485-10AC5B28C623}" srcId="{8FAE6191-0821-4960-BC96-F58E46C703A9}" destId="{22D68CCB-4BEE-4732-BA18-145918E71689}" srcOrd="0" destOrd="0" parTransId="{845F5D8C-040E-4743-ACA2-252EB4E11E64}" sibTransId="{96F038F0-8321-4A68-ABFB-0F5C2D7FE10A}"/>
+    <dgm:cxn modelId="{C2AF3F10-B068-4EE9-A4AD-3563E558DCC9}" type="presOf" srcId="{78A11304-B47B-426C-80D9-23F105284D80}" destId="{38D40A92-1EB9-4FB5-ADC1-9A0DF87BEE8D}" srcOrd="0" destOrd="0" presId="urn:microsoft.com/office/officeart/2005/8/layout/hierarchy6"/>
+    <dgm:cxn modelId="{0ECDBB10-6233-4A2D-AF95-55EC02B08A8C}" type="presOf" srcId="{EDC9A178-2154-4366-98B0-33B34586D7EA}" destId="{CB6BE97F-F378-44D8-A2B2-1513F719E2F3}" srcOrd="0" destOrd="0" presId="urn:microsoft.com/office/officeart/2005/8/layout/hierarchy6"/>
+    <dgm:cxn modelId="{98A3BE10-A8F3-41A0-8CC3-4A18A23321FB}" type="presOf" srcId="{638D4A18-E8B7-45E5-8EAA-4C0D29849159}" destId="{3D170F9E-3701-4D1E-8282-7786501540B5}" srcOrd="0" destOrd="0" presId="urn:microsoft.com/office/officeart/2005/8/layout/hierarchy6"/>
+    <dgm:cxn modelId="{CC955C14-0350-4D28-9D48-AC1A24CCA8E6}" type="presOf" srcId="{6169ABB3-9EA3-4A97-9BDB-7BF1A5E8319C}" destId="{F5D11855-5721-4682-A076-B1B508937B57}" srcOrd="0" destOrd="0" presId="urn:microsoft.com/office/officeart/2005/8/layout/hierarchy6"/>
+    <dgm:cxn modelId="{08E9B119-2CCE-4580-9D8D-0CB50AE08770}" type="presOf" srcId="{51635E7D-94AB-42DB-A23F-6B9E2711ADB8}" destId="{03FC8A99-0567-4C91-89DE-DB16B2C0A767}" srcOrd="0" destOrd="0" presId="urn:microsoft.com/office/officeart/2005/8/layout/hierarchy6"/>
     <dgm:cxn modelId="{585D811E-D1DC-4005-A2E1-10A91687431B}" srcId="{664B246F-00B5-4610-86EB-ACE0B8B7FA38}" destId="{984E7E1A-DD08-4E2E-A546-5DAB66C40362}" srcOrd="0" destOrd="0" parTransId="{AE2E2423-B2F0-4C74-A8DB-4BBE21532EE2}" sibTransId="{54838042-35A6-423A-9D5B-CC6E4DD67A85}"/>
-    <dgm:cxn modelId="{8F478C23-D9B8-4684-87CF-064D223FC730}" type="presOf" srcId="{ACDCB4B0-FE3A-4189-B855-4AF36F6C0D74}" destId="{291C996E-0EB8-4C7C-A09D-BCD184B0D448}" srcOrd="0" destOrd="0" presId="urn:microsoft.com/office/officeart/2005/8/layout/hierarchy6"/>
+    <dgm:cxn modelId="{A6521620-CF17-4C10-9EAC-0474666211F8}" type="presOf" srcId="{76C26345-8BCA-4CE2-B48B-2D33FBBB060B}" destId="{6068B2E9-439A-4D4A-9F07-1BD033C7220C}" srcOrd="0" destOrd="0" presId="urn:microsoft.com/office/officeart/2005/8/layout/hierarchy6"/>
+    <dgm:cxn modelId="{67789F20-2A05-40C1-A1B1-48D75F49656F}" type="presOf" srcId="{142E7667-7801-477A-80B1-678DFCEE8B9B}" destId="{92DF44D8-235C-4496-9E5B-04260D070234}" srcOrd="0" destOrd="0" presId="urn:microsoft.com/office/officeart/2005/8/layout/hierarchy6"/>
     <dgm:cxn modelId="{1DB74C26-04B0-46CF-914A-E108FAEBA0D6}" srcId="{F27108DA-E888-48DE-8C97-7FDC95CC2EF6}" destId="{910FF4E3-4B73-471E-A733-428EDE879319}" srcOrd="0" destOrd="0" parTransId="{F9806694-F79F-4F0F-B80B-D8AEC14A4AE4}" sibTransId="{1559325B-7160-4295-9AC9-2388904B54D3}"/>
-    <dgm:cxn modelId="{5B8EBB31-303D-487F-AEA4-D50AF546E6A4}" type="presOf" srcId="{6343E979-4FE4-4A70-B59E-3E22D3659816}" destId="{95C57D1B-15F4-4DDD-96A4-BFBFEA71B3BB}" srcOrd="0" destOrd="0" presId="urn:microsoft.com/office/officeart/2005/8/layout/hierarchy6"/>
-    <dgm:cxn modelId="{B66F8733-D3FB-45D3-9FD0-68C01E9038CC}" type="presOf" srcId="{4672E1E4-8BCB-4F8A-9715-DD03D099E9B8}" destId="{7F4F1B5F-FC30-4418-B6B9-340A889AAB9A}" srcOrd="0" destOrd="0" presId="urn:microsoft.com/office/officeart/2005/8/layout/hierarchy6"/>
-    <dgm:cxn modelId="{264D0B35-662F-4A1C-A94E-0E07790C5719}" type="presOf" srcId="{595FCBCB-6F4C-41E0-9D57-CC8BC973C07C}" destId="{2D6C4C6A-CE06-40A6-A211-64F15A14B0FC}" srcOrd="0" destOrd="0" presId="urn:microsoft.com/office/officeart/2005/8/layout/hierarchy6"/>
-    <dgm:cxn modelId="{3678BB3C-ABCE-4036-8BF9-7D306D14FF35}" srcId="{984E7E1A-DD08-4E2E-A546-5DAB66C40362}" destId="{F27108DA-E888-48DE-8C97-7FDC95CC2EF6}" srcOrd="5" destOrd="0" parTransId="{39401BF9-8334-48FD-97B1-B5FF75DD8ED7}" sibTransId="{66761398-FF62-4B70-AD78-EE255350EFAC}"/>
+    <dgm:cxn modelId="{AF76462C-0DAF-4AE2-8C93-17E90D99FC44}" type="presOf" srcId="{ACDCB4B0-FE3A-4189-B855-4AF36F6C0D74}" destId="{64900635-8DCD-4DF3-B12D-2B985CABC71A}" srcOrd="0" destOrd="0" presId="urn:microsoft.com/office/officeart/2005/8/layout/hierarchy6"/>
+    <dgm:cxn modelId="{EAD8522E-6B17-47B2-B18C-4832DFFBEF70}" type="presOf" srcId="{90E52BB7-1EB0-47DC-82EE-28BBD13D64E9}" destId="{CF04F5AB-3563-4DB1-A4BC-F556F7D0C9D5}" srcOrd="0" destOrd="0" presId="urn:microsoft.com/office/officeart/2005/8/layout/hierarchy6"/>
+    <dgm:cxn modelId="{70F71330-2F66-42FC-8179-2D7A87F1081B}" type="presOf" srcId="{595FCBCB-6F4C-41E0-9D57-CC8BC973C07C}" destId="{55C79116-3FEA-41A8-A479-CB0E380F7808}" srcOrd="0" destOrd="0" presId="urn:microsoft.com/office/officeart/2005/8/layout/hierarchy6"/>
+    <dgm:cxn modelId="{6D580231-FD67-46DC-8C20-4B7E49C233C5}" type="presOf" srcId="{D4015DCB-90CE-418D-BA17-E20EB5979634}" destId="{9546DA21-7CA2-4F3B-87CA-3168F16C6E7E}" srcOrd="0" destOrd="0" presId="urn:microsoft.com/office/officeart/2005/8/layout/hierarchy6"/>
+    <dgm:cxn modelId="{45BB9B32-B4A5-4135-A6AC-2B9AC33C3CDA}" type="presOf" srcId="{6343E979-4FE4-4A70-B59E-3E22D3659816}" destId="{9D4DAB13-3BDF-4004-BBF9-0AF61D5F5F89}" srcOrd="0" destOrd="0" presId="urn:microsoft.com/office/officeart/2005/8/layout/hierarchy6"/>
+    <dgm:cxn modelId="{9DCF0037-6392-4338-9C43-9BE404EE76C6}" type="presOf" srcId="{FF50E59C-F10C-40A6-8558-2A7E5F304E5C}" destId="{93C93900-8187-43D3-8589-C801987549D8}" srcOrd="0" destOrd="0" presId="urn:microsoft.com/office/officeart/2005/8/layout/hierarchy6"/>
+    <dgm:cxn modelId="{CE761E37-2097-40AB-B199-7E36BC1D1880}" type="presOf" srcId="{EFFA102A-5D82-49D3-A6E7-45C00C42107B}" destId="{C85E5849-5BD0-41A7-BC45-A54BCA8E87E7}" srcOrd="0" destOrd="0" presId="urn:microsoft.com/office/officeart/2005/8/layout/hierarchy6"/>
+    <dgm:cxn modelId="{3678BB3C-ABCE-4036-8BF9-7D306D14FF35}" srcId="{984E7E1A-DD08-4E2E-A546-5DAB66C40362}" destId="{F27108DA-E888-48DE-8C97-7FDC95CC2EF6}" srcOrd="6" destOrd="0" parTransId="{39401BF9-8334-48FD-97B1-B5FF75DD8ED7}" sibTransId="{66761398-FF62-4B70-AD78-EE255350EFAC}"/>
     <dgm:cxn modelId="{8AF7D83C-2A35-4B4E-9A89-87807C35D1FB}" srcId="{C6E69E37-3961-44EE-94E9-D23872BEE4C9}" destId="{DEA8DC5E-722E-4FFF-BA91-EA999F6AAE91}" srcOrd="0" destOrd="0" parTransId="{CA5091F9-074B-4255-B185-C09D0BE2BF7B}" sibTransId="{64D4773E-534A-4E7B-A0A1-8D87DE867EA7}"/>
-    <dgm:cxn modelId="{93F3283D-FB98-4B39-8399-B657990A16F1}" type="presOf" srcId="{CA5091F9-074B-4255-B185-C09D0BE2BF7B}" destId="{CA90F6F9-60A6-482D-9CEF-AA80F0D193AE}" srcOrd="0" destOrd="0" presId="urn:microsoft.com/office/officeart/2005/8/layout/hierarchy6"/>
-    <dgm:cxn modelId="{51C6363D-A016-436F-A5EC-4E1FD4FE7A7E}" type="presOf" srcId="{EBD4D5EB-965D-43EB-B803-B2DBA1A47692}" destId="{ECE94489-582E-4D24-A60B-70DA935857A8}" srcOrd="0" destOrd="0" presId="urn:microsoft.com/office/officeart/2005/8/layout/hierarchy6"/>
-    <dgm:cxn modelId="{C224C23D-C824-4668-AC04-7957B683F5F3}" srcId="{7B8C88F9-23A6-428A-9D84-EE8685A0B867}" destId="{EAF0C93C-99EC-4761-A238-EDB38940DB5B}" srcOrd="0" destOrd="0" parTransId="{DF2F3A9E-C911-49B0-8EFA-E8DD45E8BB46}" sibTransId="{3E27A8CB-92C0-471A-9570-F3E8EDE556AE}"/>
-    <dgm:cxn modelId="{C779DB3F-B5DA-40B5-BD04-85BDED782DA3}" type="presOf" srcId="{84BE1630-6BEF-48BE-BEB4-441EA60AE7C5}" destId="{2DFB326B-B609-43F8-A763-08BEA677E07F}" srcOrd="0" destOrd="0" presId="urn:microsoft.com/office/officeart/2005/8/layout/hierarchy6"/>
-    <dgm:cxn modelId="{01CAE140-A84C-4F7A-B2BB-802CF8CC95AC}" type="presOf" srcId="{142E7667-7801-477A-80B1-678DFCEE8B9B}" destId="{FC12F369-519B-4055-B6C8-695637AC848E}" srcOrd="0" destOrd="0" presId="urn:microsoft.com/office/officeart/2005/8/layout/hierarchy6"/>
-    <dgm:cxn modelId="{19A72260-1696-4377-A1D7-7CD65B9FDE05}" type="presOf" srcId="{4CC81563-AFF2-44A9-B9B0-EF1C87661122}" destId="{61106BEE-8394-41F9-A438-4FF037DCC549}" srcOrd="0" destOrd="0" presId="urn:microsoft.com/office/officeart/2005/8/layout/hierarchy6"/>
-    <dgm:cxn modelId="{78257164-1925-4869-B44A-2163251005E0}" type="presOf" srcId="{8EBD0BB1-A983-499A-AFE0-A135C6D6EAF4}" destId="{02AF57A5-5631-4829-8B1F-9F87C7E5BF9A}" srcOrd="0" destOrd="0" presId="urn:microsoft.com/office/officeart/2005/8/layout/hierarchy6"/>
-    <dgm:cxn modelId="{73EF6046-3531-425E-89B1-C08A2836C212}" type="presOf" srcId="{55BF91F1-8371-43F3-B796-D886F4AEA607}" destId="{CF7FDC77-853E-4DFC-9828-0DC60053379E}" srcOrd="0" destOrd="0" presId="urn:microsoft.com/office/officeart/2005/8/layout/hierarchy6"/>
+    <dgm:cxn modelId="{A2852640-88E7-443E-9784-8B9CD43E7FFF}" type="presOf" srcId="{602223CB-CFD7-40C2-91FA-E4E1E82D12F8}" destId="{B6371254-1FFA-4EC8-9A90-4F69AC26C4B8}" srcOrd="0" destOrd="0" presId="urn:microsoft.com/office/officeart/2005/8/layout/hierarchy6"/>
+    <dgm:cxn modelId="{B391775D-525A-4463-8187-54DC5ADE9173}" srcId="{638D4A18-E8B7-45E5-8EAA-4C0D29849159}" destId="{A9C89BFF-0134-47A9-B18B-7F769EAE5F3A}" srcOrd="0" destOrd="0" parTransId="{76C26345-8BCA-4CE2-B48B-2D33FBBB060B}" sibTransId="{9B9C4B6C-A25D-4B6F-9C1D-204100944D66}"/>
+    <dgm:cxn modelId="{1B414D5E-DAE6-43F4-8636-B9840380AF37}" srcId="{46EFE5C5-7E26-4632-AB0D-CFDE009726AC}" destId="{FF50E59C-F10C-40A6-8558-2A7E5F304E5C}" srcOrd="0" destOrd="0" parTransId="{44E55A98-4A09-4633-8BC8-3C1A3C60F82C}" sibTransId="{CE397DF0-0DE8-4FA7-B0E1-41D1DCB9AFE5}"/>
+    <dgm:cxn modelId="{CA475D5F-B922-4F1A-BAC9-748E3A74C050}" type="presOf" srcId="{EBD4D5EB-965D-43EB-B803-B2DBA1A47692}" destId="{6F2A1E2D-C6A8-49EA-9BF1-89BB72F13956}" srcOrd="0" destOrd="0" presId="urn:microsoft.com/office/officeart/2005/8/layout/hierarchy6"/>
+    <dgm:cxn modelId="{3075BF60-0E71-406F-899F-7B94CC627092}" type="presOf" srcId="{F27108DA-E888-48DE-8C97-7FDC95CC2EF6}" destId="{1D4FB0B1-442C-44CE-BE21-E9FDAD3A9144}" srcOrd="0" destOrd="0" presId="urn:microsoft.com/office/officeart/2005/8/layout/hierarchy6"/>
+    <dgm:cxn modelId="{AE0BF061-65D8-4D34-8606-743D4072C890}" type="presOf" srcId="{DFFEDB4F-CB16-440A-AC1A-1DC7D4CDB94A}" destId="{CADF8BA8-4C18-4BCF-B785-1B1223495F63}" srcOrd="0" destOrd="0" presId="urn:microsoft.com/office/officeart/2005/8/layout/hierarchy6"/>
+    <dgm:cxn modelId="{F804F562-696E-426C-80BC-987310D8D62E}" type="presOf" srcId="{C6E69E37-3961-44EE-94E9-D23872BEE4C9}" destId="{712DC4DD-54A4-4D11-93B8-AF86C0982CE7}" srcOrd="0" destOrd="0" presId="urn:microsoft.com/office/officeart/2005/8/layout/hierarchy6"/>
+    <dgm:cxn modelId="{8B58F964-2F52-4B55-83BA-29040AD2CF62}" type="presOf" srcId="{DEA8DC5E-722E-4FFF-BA91-EA999F6AAE91}" destId="{23569E60-B42A-46D6-895B-EB403DAEAB39}" srcOrd="0" destOrd="0" presId="urn:microsoft.com/office/officeart/2005/8/layout/hierarchy6"/>
+    <dgm:cxn modelId="{076B8F65-719A-45DD-B51F-75F05F158467}" type="presOf" srcId="{658605B8-67B6-4965-9219-87AD07A2BD57}" destId="{3D2151FC-33BA-453D-AA0E-CDDCBD0EEE9C}" srcOrd="0" destOrd="0" presId="urn:microsoft.com/office/officeart/2005/8/layout/hierarchy6"/>
     <dgm:cxn modelId="{19267D47-12AF-407B-95D0-CE67232A70C6}" type="presOf" srcId="{664B246F-00B5-4610-86EB-ACE0B8B7FA38}" destId="{327FBF58-624F-4F1F-9921-6E06642364B9}" srcOrd="0" destOrd="0" presId="urn:microsoft.com/office/officeart/2005/8/layout/hierarchy6"/>
+    <dgm:cxn modelId="{28D1F069-CC6A-4B7D-87AB-024ED5B8F742}" type="presOf" srcId="{FC8D3CF0-2901-4A86-BB1A-052FBF8D6B11}" destId="{909756E3-99E7-44AA-A3C7-19374AE5DAB8}" srcOrd="0" destOrd="0" presId="urn:microsoft.com/office/officeart/2005/8/layout/hierarchy6"/>
     <dgm:cxn modelId="{8F9BFC49-62BA-4DBB-A4FA-FDF3587EA851}" srcId="{6169ABB3-9EA3-4A97-9BDB-7BF1A5E8319C}" destId="{64108CB1-DB75-4E6C-B114-0F078EBFAA65}" srcOrd="0" destOrd="0" parTransId="{4672E1E4-8BCB-4F8A-9715-DD03D099E9B8}" sibTransId="{926064D3-9C23-498F-82E9-95C446588308}"/>
-    <dgm:cxn modelId="{9ABDE14A-C136-42D3-8FC9-0CBFC6B20EDD}" type="presOf" srcId="{D4015DCB-90CE-418D-BA17-E20EB5979634}" destId="{E16ADE93-99AF-45AE-A7EE-51F95CB0B46A}" srcOrd="0" destOrd="0" presId="urn:microsoft.com/office/officeart/2005/8/layout/hierarchy6"/>
-    <dgm:cxn modelId="{8EA2144C-00D4-43CC-9DED-FF57F76C3C26}" type="presOf" srcId="{DEA8DC5E-722E-4FFF-BA91-EA999F6AAE91}" destId="{FAE55E79-8B96-4C0A-BE86-86E1DECB95C8}" srcOrd="0" destOrd="0" presId="urn:microsoft.com/office/officeart/2005/8/layout/hierarchy6"/>
-    <dgm:cxn modelId="{7C3DE64C-953A-4B36-89BF-C3A300F94624}" srcId="{984E7E1A-DD08-4E2E-A546-5DAB66C40362}" destId="{FB132DEB-3EBB-4B7B-9E10-1EA28E437B0C}" srcOrd="3" destOrd="0" parTransId="{84BE1630-6BEF-48BE-BEB4-441EA60AE7C5}" sibTransId="{3DA0803E-74EB-47A7-880B-91D87ACD481A}"/>
-    <dgm:cxn modelId="{6548AE4D-94C7-44BB-95FD-5DD037D3FBD3}" type="presOf" srcId="{78A11304-B47B-426C-80D9-23F105284D80}" destId="{9B8E5F4D-3D7A-47D4-BEB1-7A4D761EC373}" srcOrd="0" destOrd="0" presId="urn:microsoft.com/office/officeart/2005/8/layout/hierarchy6"/>
+    <dgm:cxn modelId="{7C3DE64C-953A-4B36-89BF-C3A300F94624}" srcId="{984E7E1A-DD08-4E2E-A546-5DAB66C40362}" destId="{FB132DEB-3EBB-4B7B-9E10-1EA28E437B0C}" srcOrd="4" destOrd="0" parTransId="{84BE1630-6BEF-48BE-BEB4-441EA60AE7C5}" sibTransId="{3DA0803E-74EB-47A7-880B-91D87ACD481A}"/>
     <dgm:cxn modelId="{6193E151-7B4B-421D-8E3E-D3E6FEF0B0BC}" srcId="{64108CB1-DB75-4E6C-B114-0F078EBFAA65}" destId="{210E38F1-6443-4897-BC67-3DC469B10B3A}" srcOrd="0" destOrd="0" parTransId="{658605B8-67B6-4965-9219-87AD07A2BD57}" sibTransId="{0132DBF9-A877-41CA-AAEC-9BACB1A6367E}"/>
     <dgm:cxn modelId="{E9FD1272-E01D-4880-BFDE-9A1AAA5292D5}" srcId="{910FF4E3-4B73-471E-A733-428EDE879319}" destId="{2B9145D1-EB7E-4900-B323-62729B920F30}" srcOrd="0" destOrd="0" parTransId="{5A1392F2-9813-4C0C-9524-55F25A946D72}" sibTransId="{FE9D72FD-6015-4C6F-8761-506C30B7F8B6}"/>
-    <dgm:cxn modelId="{8145C653-6280-4F2D-8678-3F69D5CD17DF}" type="presOf" srcId="{7B0BD396-2B46-40BD-AC76-2EF21EDDDC81}" destId="{F3B7109E-FC5E-4032-9E48-7AE989930E7F}" srcOrd="0" destOrd="0" presId="urn:microsoft.com/office/officeart/2005/8/layout/hierarchy6"/>
-    <dgm:cxn modelId="{8E0F5C75-BF33-46B4-A61F-D0B9F3D3BE7B}" type="presOf" srcId="{EFFA102A-5D82-49D3-A6E7-45C00C42107B}" destId="{BCE69E19-3950-4634-98DB-22EACA842756}" srcOrd="0" destOrd="0" presId="urn:microsoft.com/office/officeart/2005/8/layout/hierarchy6"/>
-    <dgm:cxn modelId="{0FE9AE56-8660-49F8-84CD-4AF07C5F12FB}" type="presOf" srcId="{39401BF9-8334-48FD-97B1-B5FF75DD8ED7}" destId="{674FAE3C-400A-42DF-AF51-5FE9A33D05FF}" srcOrd="0" destOrd="0" presId="urn:microsoft.com/office/officeart/2005/8/layout/hierarchy6"/>
-    <dgm:cxn modelId="{A7B4A77F-17AC-4C8F-A17C-7ED71A64266B}" type="presOf" srcId="{51635E7D-94AB-42DB-A23F-6B9E2711ADB8}" destId="{439A7915-4019-4A23-8AAB-5EA84524E00E}" srcOrd="0" destOrd="0" presId="urn:microsoft.com/office/officeart/2005/8/layout/hierarchy6"/>
-    <dgm:cxn modelId="{D0DCC87F-FDBD-4AEB-A04B-CC698B69B140}" type="presOf" srcId="{7B8C88F9-23A6-428A-9D84-EE8685A0B867}" destId="{7B17D095-05F0-4567-ACF5-DAE1C7F71050}" srcOrd="0" destOrd="0" presId="urn:microsoft.com/office/officeart/2005/8/layout/hierarchy6"/>
-    <dgm:cxn modelId="{2384D281-B6AE-40D6-9D9D-04418BCD48A4}" type="presOf" srcId="{8D053341-47DE-4A56-8DB5-F4344314674C}" destId="{B6589975-B071-491E-8570-70970CA1F480}" srcOrd="0" destOrd="0" presId="urn:microsoft.com/office/officeart/2005/8/layout/hierarchy6"/>
+    <dgm:cxn modelId="{4C43D973-FE5F-4969-B009-5FF2F8FD2D9D}" type="presOf" srcId="{F9806694-F79F-4F0F-B80B-D8AEC14A4AE4}" destId="{BD3EDBA1-58E6-46D1-8F92-11C7D932A901}" srcOrd="0" destOrd="0" presId="urn:microsoft.com/office/officeart/2005/8/layout/hierarchy6"/>
+    <dgm:cxn modelId="{85363456-C352-4A49-B620-DC5013112521}" type="presOf" srcId="{E1A4E5F0-82C1-4444-9CDA-2EFE9A53106D}" destId="{7AC0F532-950B-4237-B2A3-453E379DA90E}" srcOrd="0" destOrd="0" presId="urn:microsoft.com/office/officeart/2005/8/layout/hierarchy6"/>
+    <dgm:cxn modelId="{B835F177-20F8-4C9B-8676-0FA87CFA76ED}" type="presOf" srcId="{FB132DEB-3EBB-4B7B-9E10-1EA28E437B0C}" destId="{8083ECF3-4A6D-4D09-B080-CA9E2FF57236}" srcOrd="0" destOrd="0" presId="urn:microsoft.com/office/officeart/2005/8/layout/hierarchy6"/>
+    <dgm:cxn modelId="{C5C5DA7E-7625-41B0-BDF4-F13B40D2882F}" type="presOf" srcId="{95F92B39-5BD1-41DA-921B-40270E333897}" destId="{D5810A6F-9BEC-4CA9-A2D9-D690ED127B30}" srcOrd="0" destOrd="0" presId="urn:microsoft.com/office/officeart/2005/8/layout/hierarchy6"/>
+    <dgm:cxn modelId="{C5FAB381-F340-4B7A-BFF8-003E4B2959E3}" type="presOf" srcId="{1CCEED45-57D7-4641-81C9-5908579CE245}" destId="{6B117D17-8BD8-4AE3-810B-A881321E5DD9}" srcOrd="0" destOrd="0" presId="urn:microsoft.com/office/officeart/2005/8/layout/hierarchy6"/>
+    <dgm:cxn modelId="{3FEE4E86-7FD0-4619-B036-58853CEDBD5B}" type="presOf" srcId="{0B8E2C65-A4D7-4B41-A006-CAAA09EDACC5}" destId="{04405E15-0B20-4F53-A85C-E932BDDB8237}" srcOrd="0" destOrd="0" presId="urn:microsoft.com/office/officeart/2005/8/layout/hierarchy6"/>
+    <dgm:cxn modelId="{77211D87-7C08-4B32-BA36-541F9680676F}" type="presOf" srcId="{F9922D17-25E5-4FD7-B1AA-578A1B7C65C6}" destId="{2B3CB1BC-6D96-470A-BFBD-A00B79B46B8B}" srcOrd="0" destOrd="0" presId="urn:microsoft.com/office/officeart/2005/8/layout/hierarchy6"/>
     <dgm:cxn modelId="{CE25B188-AF7E-45A6-B483-2C1585C607A0}" srcId="{95F92B39-5BD1-41DA-921B-40270E333897}" destId="{595FCBCB-6F4C-41E0-9D57-CC8BC973C07C}" srcOrd="0" destOrd="0" parTransId="{51635E7D-94AB-42DB-A23F-6B9E2711ADB8}" sibTransId="{0B43550C-8A90-4189-9B67-1225304E0089}"/>
-    <dgm:cxn modelId="{F62D2C8B-4463-41B4-9FA8-643CE8E3126A}" type="presOf" srcId="{F27108DA-E888-48DE-8C97-7FDC95CC2EF6}" destId="{06FE7757-0221-4CB4-905F-C6A4BCBA3C71}" srcOrd="0" destOrd="0" presId="urn:microsoft.com/office/officeart/2005/8/layout/hierarchy6"/>
-    <dgm:cxn modelId="{502F4795-9AF2-4388-ABC6-BA3E03AE3ACC}" type="presOf" srcId="{64108CB1-DB75-4E6C-B114-0F078EBFAA65}" destId="{9E0003AA-36A8-4BDA-A4D5-AE9FD5909BC7}" srcOrd="0" destOrd="0" presId="urn:microsoft.com/office/officeart/2005/8/layout/hierarchy6"/>
-    <dgm:cxn modelId="{30A55F96-8DA0-4EC1-A524-A47232E0498E}" srcId="{638D4A18-E8B7-45E5-8EAA-4C0D29849159}" destId="{D692D1F3-8B04-4096-AA22-E14E93E2AD30}" srcOrd="0" destOrd="0" parTransId="{D4015DCB-90CE-418D-BA17-E20EB5979634}" sibTransId="{9DF5544D-7133-4BEC-80D5-5F4AB2FCACF0}"/>
-    <dgm:cxn modelId="{2931A296-5E67-41F4-B655-2D2D97556CF3}" type="presOf" srcId="{39E7187F-BF44-4434-ABA8-1C914D1E277A}" destId="{F75CBFB9-BF0A-44D1-A33C-B79AA986F053}" srcOrd="0" destOrd="0" presId="urn:microsoft.com/office/officeart/2005/8/layout/hierarchy6"/>
-    <dgm:cxn modelId="{1A358F98-1340-4BF0-A227-6269E1BC5FDB}" srcId="{984E7E1A-DD08-4E2E-A546-5DAB66C40362}" destId="{8FAE6191-0821-4960-BC96-F58E46C703A9}" srcOrd="1" destOrd="0" parTransId="{4CC81563-AFF2-44A9-B9B0-EF1C87661122}" sibTransId="{D7A373A9-FF3D-4DB9-BAA4-871B43426D41}"/>
-    <dgm:cxn modelId="{D47CA79C-8F8E-4F6C-B4A4-DC7B0D45936D}" srcId="{22D68CCB-4BEE-4732-BA18-145918E71689}" destId="{638D4A18-E8B7-45E5-8EAA-4C0D29849159}" srcOrd="0" destOrd="0" parTransId="{6331599E-52B8-4A6C-B3A0-6191E729069E}" sibTransId="{96BDABD5-5B11-468E-B806-E97AD8AE4AFA}"/>
-    <dgm:cxn modelId="{5C8AD39E-048A-4F0B-A4E5-8E7E28CD4E8E}" srcId="{EFFA102A-5D82-49D3-A6E7-45C00C42107B}" destId="{818A50AE-2897-4A8A-A2D4-C798E3839759}" srcOrd="0" destOrd="0" parTransId="{6E64CD67-6FB7-4233-986F-C1A61F90D25C}" sibTransId="{C0AF5DF9-2ED6-42D3-8F8C-F06FCA8338A2}"/>
-    <dgm:cxn modelId="{4B88D7A5-3EC0-4459-AA6F-F6EF968C760A}" type="presOf" srcId="{D0F8BDB2-13EF-4738-B074-310F7068418D}" destId="{508D3B25-CBDB-434C-AECC-728B5C07BAD5}" srcOrd="0" destOrd="0" presId="urn:microsoft.com/office/officeart/2005/8/layout/hierarchy6"/>
-    <dgm:cxn modelId="{50A123AB-70AF-42EF-B4AC-A864625C080A}" type="presOf" srcId="{6E64CD67-6FB7-4233-986F-C1A61F90D25C}" destId="{A181B12C-7C20-4BE9-8886-24DDE0080781}" srcOrd="0" destOrd="0" presId="urn:microsoft.com/office/officeart/2005/8/layout/hierarchy6"/>
-    <dgm:cxn modelId="{092181AB-6C19-4EB2-9873-D2A1DC6C023B}" type="presOf" srcId="{8FAE6191-0821-4960-BC96-F58E46C703A9}" destId="{98829285-C359-4558-A8AB-ED49C5195838}" srcOrd="0" destOrd="0" presId="urn:microsoft.com/office/officeart/2005/8/layout/hierarchy6"/>
-    <dgm:cxn modelId="{BB0EF5AC-564D-459C-B645-0E52862EFB04}" type="presOf" srcId="{910FF4E3-4B73-471E-A733-428EDE879319}" destId="{7A395ACB-AFE5-47F8-A645-E93A88EBEA6B}" srcOrd="0" destOrd="0" presId="urn:microsoft.com/office/officeart/2005/8/layout/hierarchy6"/>
-    <dgm:cxn modelId="{606288B5-F503-4B9D-A927-3107CB71235F}" type="presOf" srcId="{90E52BB7-1EB0-47DC-82EE-28BBD13D64E9}" destId="{EF24AA40-32E7-44EE-B69D-486DD25DA9EB}" srcOrd="0" destOrd="0" presId="urn:microsoft.com/office/officeart/2005/8/layout/hierarchy6"/>
-    <dgm:cxn modelId="{CBB959BD-F310-42E3-94D7-20241BC405C5}" type="presOf" srcId="{210E38F1-6443-4897-BC67-3DC469B10B3A}" destId="{88BF71CB-FA56-4717-8190-D58921A87BD4}" srcOrd="0" destOrd="0" presId="urn:microsoft.com/office/officeart/2005/8/layout/hierarchy6"/>
+    <dgm:cxn modelId="{7913308D-F778-4BBC-8980-529D5C0F05BE}" type="presOf" srcId="{46EFE5C5-7E26-4632-AB0D-CFDE009726AC}" destId="{3DD57934-5E09-442C-A927-0F5009AB258D}" srcOrd="0" destOrd="0" presId="urn:microsoft.com/office/officeart/2005/8/layout/hierarchy6"/>
+    <dgm:cxn modelId="{9FCA2F95-4C52-44D3-B337-D897B787A92D}" type="presOf" srcId="{8FAE6191-0821-4960-BC96-F58E46C703A9}" destId="{0F2BF6AD-BDCF-45A6-B033-76813ED1DA7F}" srcOrd="0" destOrd="0" presId="urn:microsoft.com/office/officeart/2005/8/layout/hierarchy6"/>
+    <dgm:cxn modelId="{30A55F96-8DA0-4EC1-A524-A47232E0498E}" srcId="{A9C89BFF-0134-47A9-B18B-7F769EAE5F3A}" destId="{D692D1F3-8B04-4096-AA22-E14E93E2AD30}" srcOrd="0" destOrd="0" parTransId="{D4015DCB-90CE-418D-BA17-E20EB5979634}" sibTransId="{9DF5544D-7133-4BEC-80D5-5F4AB2FCACF0}"/>
+    <dgm:cxn modelId="{1A358F98-1340-4BF0-A227-6269E1BC5FDB}" srcId="{984E7E1A-DD08-4E2E-A546-5DAB66C40362}" destId="{8FAE6191-0821-4960-BC96-F58E46C703A9}" srcOrd="2" destOrd="0" parTransId="{4CC81563-AFF2-44A9-B9B0-EF1C87661122}" sibTransId="{D7A373A9-FF3D-4DB9-BAA4-871B43426D41}"/>
+    <dgm:cxn modelId="{D47CA79C-8F8E-4F6C-B4A4-DC7B0D45936D}" srcId="{8FAE6191-0821-4960-BC96-F58E46C703A9}" destId="{638D4A18-E8B7-45E5-8EAA-4C0D29849159}" srcOrd="0" destOrd="0" parTransId="{6331599E-52B8-4A6C-B3A0-6191E729069E}" sibTransId="{96BDABD5-5B11-468E-B806-E97AD8AE4AFA}"/>
+    <dgm:cxn modelId="{125CC5A0-28FC-4DA9-8629-1F85BF376C9E}" type="presOf" srcId="{28EC855E-094C-4BED-9FB2-2C030C8FFA45}" destId="{B8BBA04E-A661-4440-88BC-48A5A46928AD}" srcOrd="0" destOrd="0" presId="urn:microsoft.com/office/officeart/2005/8/layout/hierarchy6"/>
+    <dgm:cxn modelId="{3A83FBA2-44DA-4599-BD4D-B967B18028CE}" type="presOf" srcId="{A9C89BFF-0134-47A9-B18B-7F769EAE5F3A}" destId="{DA212266-545D-45F1-A27D-0FB54745C5C9}" srcOrd="0" destOrd="0" presId="urn:microsoft.com/office/officeart/2005/8/layout/hierarchy6"/>
+    <dgm:cxn modelId="{44B0DBA9-EF14-4049-8471-9149CECD84CA}" type="presOf" srcId="{B3339EB3-2CFC-4D27-A28B-A1DA1C20A05A}" destId="{94C352C4-3E3C-489A-9242-7542C89615E3}" srcOrd="0" destOrd="0" presId="urn:microsoft.com/office/officeart/2005/8/layout/hierarchy6"/>
+    <dgm:cxn modelId="{5E0893AA-DC3B-49E0-8C2D-56BA48009DD0}" type="presOf" srcId="{210E38F1-6443-4897-BC67-3DC469B10B3A}" destId="{AE1D8903-F48F-42E3-945F-5C5316952795}" srcOrd="0" destOrd="0" presId="urn:microsoft.com/office/officeart/2005/8/layout/hierarchy6"/>
+    <dgm:cxn modelId="{C3E5FAB0-6E74-4C16-8909-1EAA3A8DE479}" type="presOf" srcId="{4672E1E4-8BCB-4F8A-9715-DD03D099E9B8}" destId="{7C69395F-B695-4DFD-9AE3-CCCC3BD07CBB}" srcOrd="0" destOrd="0" presId="urn:microsoft.com/office/officeart/2005/8/layout/hierarchy6"/>
+    <dgm:cxn modelId="{DA14B1B2-ECFC-4D44-92B1-BEC1F0213248}" type="presOf" srcId="{82C78B36-0FA6-435A-86B9-9330BA5F59EB}" destId="{5F36A6FB-CB7F-4DE6-B6F5-DE1826698F42}" srcOrd="0" destOrd="0" presId="urn:microsoft.com/office/officeart/2005/8/layout/hierarchy6"/>
+    <dgm:cxn modelId="{18760BB4-4568-4CC5-A218-603643F963A6}" type="presOf" srcId="{4CC81563-AFF2-44A9-B9B0-EF1C87661122}" destId="{8C51603B-18E2-460C-A259-41942E28FCC3}" srcOrd="0" destOrd="0" presId="urn:microsoft.com/office/officeart/2005/8/layout/hierarchy6"/>
+    <dgm:cxn modelId="{77E3D7B8-FF68-4B8B-90B6-B8264E692A72}" srcId="{F9922D17-25E5-4FD7-B1AA-578A1B7C65C6}" destId="{82C78B36-0FA6-435A-86B9-9330BA5F59EB}" srcOrd="0" destOrd="0" parTransId="{EDC9A178-2154-4366-98B0-33B34586D7EA}" sibTransId="{01114DF0-1419-4280-A420-E0C884386A4F}"/>
+    <dgm:cxn modelId="{36CF5DBA-4966-49D8-94F1-FAC98510D4DF}" type="presOf" srcId="{E195E9F6-7564-48BE-A20F-8E15DF27D81A}" destId="{920982DC-2630-4054-B387-AEC5EDAB1340}" srcOrd="0" destOrd="0" presId="urn:microsoft.com/office/officeart/2005/8/layout/hierarchy6"/>
+    <dgm:cxn modelId="{EEB469BA-FECB-41C0-B3C4-44F45DB0F25C}" type="presOf" srcId="{6331599E-52B8-4A6C-B3A0-6191E729069E}" destId="{C35DDB86-B450-4822-9D2F-E71FF9968A21}" srcOrd="0" destOrd="0" presId="urn:microsoft.com/office/officeart/2005/8/layout/hierarchy6"/>
+    <dgm:cxn modelId="{DA425ABA-1E59-4D58-A3F9-7632E86B868D}" type="presOf" srcId="{39401BF9-8334-48FD-97B1-B5FF75DD8ED7}" destId="{44A92FEE-33E2-4B91-A94C-B4EA8EE86B60}" srcOrd="0" destOrd="0" presId="urn:microsoft.com/office/officeart/2005/8/layout/hierarchy6"/>
+    <dgm:cxn modelId="{362B10BB-9CBA-499E-B87E-549CB8B04D92}" srcId="{984E7E1A-DD08-4E2E-A546-5DAB66C40362}" destId="{E1A4E5F0-82C1-4444-9CDA-2EFE9A53106D}" srcOrd="0" destOrd="0" parTransId="{FC8D3CF0-2901-4A86-BB1A-052FBF8D6B11}" sibTransId="{1F038FBC-60CA-48E2-9EB7-A456DEFE1AE4}"/>
+    <dgm:cxn modelId="{0BDA3BBB-DEB6-4BF6-9D8C-5DF0FD6F9376}" type="presOf" srcId="{44E55A98-4A09-4633-8BC8-3C1A3C60F82C}" destId="{4E69DF13-5E8E-4E91-975F-9FDDE2936E47}" srcOrd="0" destOrd="0" presId="urn:microsoft.com/office/officeart/2005/8/layout/hierarchy6"/>
     <dgm:cxn modelId="{1A0C89BF-D174-4ED0-8083-1CC9998E7155}" srcId="{8D053341-47DE-4A56-8DB5-F4344314674C}" destId="{EFFA102A-5D82-49D3-A6E7-45C00C42107B}" srcOrd="0" destOrd="0" parTransId="{DFFEDB4F-CB16-440A-AC1A-1DC7D4CDB94A}" sibTransId="{B62333E8-4DCB-4AEF-9231-01F6B6767A44}"/>
-    <dgm:cxn modelId="{A1A42AC5-B3CA-474B-A03B-83A5BC59A4EF}" srcId="{984E7E1A-DD08-4E2E-A546-5DAB66C40362}" destId="{8D053341-47DE-4A56-8DB5-F4344314674C}" srcOrd="0" destOrd="0" parTransId="{EBD4D5EB-965D-43EB-B803-B2DBA1A47692}" sibTransId="{176D6055-7813-445A-AD4E-B8512697E12E}"/>
-    <dgm:cxn modelId="{8A33DAC6-D9DF-4D48-B64D-808F92F2B77E}" srcId="{818A50AE-2897-4A8A-A2D4-C798E3839759}" destId="{95F92B39-5BD1-41DA-921B-40270E333897}" srcOrd="0" destOrd="0" parTransId="{78A11304-B47B-426C-80D9-23F105284D80}" sibTransId="{19CA03D8-84BD-45E9-ACB4-36731CEB3A27}"/>
-    <dgm:cxn modelId="{6C09A7CF-ED9E-4F5C-A208-29FC73FCD37A}" srcId="{46EFE5C5-7E26-4632-AB0D-CFDE009726AC}" destId="{C6E69E37-3961-44EE-94E9-D23872BEE4C9}" srcOrd="0" destOrd="0" parTransId="{39E7187F-BF44-4434-ABA8-1C914D1E277A}" sibTransId="{DEA9B8DE-9278-41C4-8958-F47B791467F4}"/>
-    <dgm:cxn modelId="{0D9639D3-0F68-4944-810F-23C0962D110F}" type="presOf" srcId="{28EC855E-094C-4BED-9FB2-2C030C8FFA45}" destId="{F466743B-97CF-4FAA-9E07-3737C57455A5}" srcOrd="0" destOrd="0" presId="urn:microsoft.com/office/officeart/2005/8/layout/hierarchy6"/>
-    <dgm:cxn modelId="{4900DBD3-31F0-49AE-8333-B1D734FB2364}" type="presOf" srcId="{5A1392F2-9813-4C0C-9524-55F25A946D72}" destId="{2BA6003D-FD41-41E9-BCA1-01EBE4EE20D3}" srcOrd="0" destOrd="0" presId="urn:microsoft.com/office/officeart/2005/8/layout/hierarchy6"/>
-    <dgm:cxn modelId="{242DF2D3-F3A7-4348-A721-6000EAFAE055}" srcId="{984E7E1A-DD08-4E2E-A546-5DAB66C40362}" destId="{46EFE5C5-7E26-4632-AB0D-CFDE009726AC}" srcOrd="2" destOrd="0" parTransId="{8EBD0BB1-A983-499A-AFE0-A135C6D6EAF4}" sibTransId="{5914253C-0C02-433E-BBB4-A56090EFD1EA}"/>
+    <dgm:cxn modelId="{A1A42AC5-B3CA-474B-A03B-83A5BC59A4EF}" srcId="{984E7E1A-DD08-4E2E-A546-5DAB66C40362}" destId="{8D053341-47DE-4A56-8DB5-F4344314674C}" srcOrd="1" destOrd="0" parTransId="{EBD4D5EB-965D-43EB-B803-B2DBA1A47692}" sibTransId="{176D6055-7813-445A-AD4E-B8512697E12E}"/>
+    <dgm:cxn modelId="{D358ABC6-1102-4F18-B5B8-68BF2A9736F6}" type="presOf" srcId="{CA5091F9-074B-4255-B185-C09D0BE2BF7B}" destId="{C5D095A0-8EE6-4EB9-8612-3D40277D1615}" srcOrd="0" destOrd="0" presId="urn:microsoft.com/office/officeart/2005/8/layout/hierarchy6"/>
+    <dgm:cxn modelId="{FDA7AFC6-A5D6-4C1E-88EA-9467ADC72810}" type="presOf" srcId="{39E7187F-BF44-4434-ABA8-1C914D1E277A}" destId="{4EED4EC6-C75E-4237-B513-1F528969B037}" srcOrd="0" destOrd="0" presId="urn:microsoft.com/office/officeart/2005/8/layout/hierarchy6"/>
+    <dgm:cxn modelId="{8A33DAC6-D9DF-4D48-B64D-808F92F2B77E}" srcId="{EFFA102A-5D82-49D3-A6E7-45C00C42107B}" destId="{95F92B39-5BD1-41DA-921B-40270E333897}" srcOrd="0" destOrd="0" parTransId="{78A11304-B47B-426C-80D9-23F105284D80}" sibTransId="{19CA03D8-84BD-45E9-ACB4-36731CEB3A27}"/>
+    <dgm:cxn modelId="{96ABEFCB-93B8-4F1F-9ED6-D30BB529CB39}" type="presOf" srcId="{84BE1630-6BEF-48BE-BEB4-441EA60AE7C5}" destId="{F735E2CF-8C29-48C1-84C7-830FEF7D1A26}" srcOrd="0" destOrd="0" presId="urn:microsoft.com/office/officeart/2005/8/layout/hierarchy6"/>
+    <dgm:cxn modelId="{6C09A7CF-ED9E-4F5C-A208-29FC73FCD37A}" srcId="{FF50E59C-F10C-40A6-8558-2A7E5F304E5C}" destId="{C6E69E37-3961-44EE-94E9-D23872BEE4C9}" srcOrd="0" destOrd="0" parTransId="{39E7187F-BF44-4434-ABA8-1C914D1E277A}" sibTransId="{DEA9B8DE-9278-41C4-8958-F47B791467F4}"/>
+    <dgm:cxn modelId="{242DF2D3-F3A7-4348-A721-6000EAFAE055}" srcId="{984E7E1A-DD08-4E2E-A546-5DAB66C40362}" destId="{46EFE5C5-7E26-4632-AB0D-CFDE009726AC}" srcOrd="3" destOrd="0" parTransId="{8EBD0BB1-A983-499A-AFE0-A135C6D6EAF4}" sibTransId="{5914253C-0C02-433E-BBB4-A56090EFD1EA}"/>
     <dgm:cxn modelId="{FF2520D5-DC6D-4AA8-A9F8-CF8972E73887}" type="presOf" srcId="{984E7E1A-DD08-4E2E-A546-5DAB66C40362}" destId="{AA34BBA1-AEFC-405E-88F0-054659A90B63}" srcOrd="0" destOrd="0" presId="urn:microsoft.com/office/officeart/2005/8/layout/hierarchy6"/>
+    <dgm:cxn modelId="{35BBE3DC-B803-4D65-BF7B-5A0E28927E99}" type="presOf" srcId="{7B0BD396-2B46-40BD-AC76-2EF21EDDDC81}" destId="{4E400D75-3AC2-42DF-9470-72FBEAC0BB79}" srcOrd="0" destOrd="0" presId="urn:microsoft.com/office/officeart/2005/8/layout/hierarchy6"/>
     <dgm:cxn modelId="{B822AFDD-53D7-4668-990A-0FC76370D21F}" srcId="{210E38F1-6443-4897-BC67-3DC469B10B3A}" destId="{E195E9F6-7564-48BE-A20F-8E15DF27D81A}" srcOrd="0" destOrd="0" parTransId="{D0F8BDB2-13EF-4738-B074-310F7068418D}" sibTransId="{4A84E83F-0A4E-451D-B074-37C705FAC49A}"/>
-    <dgm:cxn modelId="{9CD9DEDE-0ABC-4BC8-8EED-926624F8029E}" type="presOf" srcId="{F9806694-F79F-4F0F-B80B-D8AEC14A4AE4}" destId="{9F6C2837-18E1-42E8-B36E-26D798F13CAA}" srcOrd="0" destOrd="0" presId="urn:microsoft.com/office/officeart/2005/8/layout/hierarchy6"/>
+    <dgm:cxn modelId="{D9C703DF-C2A5-44FA-A89E-745B9D962509}" type="presOf" srcId="{910FF4E3-4B73-471E-A733-428EDE879319}" destId="{AEE5FF50-BB8D-4A70-8A11-9F9219A16C96}" srcOrd="0" destOrd="0" presId="urn:microsoft.com/office/officeart/2005/8/layout/hierarchy6"/>
     <dgm:cxn modelId="{CA998EDF-D1EC-4F21-BC02-F8E5D809124E}" srcId="{90E52BB7-1EB0-47DC-82EE-28BBD13D64E9}" destId="{65164E71-4DD3-40F1-A30B-EC613D040542}" srcOrd="0" destOrd="0" parTransId="{602223CB-CFD7-40C2-91FA-E4E1E82D12F8}" sibTransId="{21CD02D9-E652-489A-8BF4-F425E3CF6D26}"/>
-    <dgm:cxn modelId="{318806E0-51BA-4146-A58B-683225FF1FD9}" type="presOf" srcId="{65164E71-4DD3-40F1-A30B-EC613D040542}" destId="{D96C27F6-8F1F-4C78-BC8B-2BA73823F3B2}" srcOrd="0" destOrd="0" presId="urn:microsoft.com/office/officeart/2005/8/layout/hierarchy6"/>
-    <dgm:cxn modelId="{95A684E0-D949-4D3E-B0E7-62A76A87E434}" type="presOf" srcId="{22D68CCB-4BEE-4732-BA18-145918E71689}" destId="{66711AFB-4282-4BD5-A024-70EEE22E8ED8}" srcOrd="0" destOrd="0" presId="urn:microsoft.com/office/officeart/2005/8/layout/hierarchy6"/>
     <dgm:cxn modelId="{8237BEE0-D1B1-440F-9385-3C24B42C9D37}" srcId="{D692D1F3-8B04-4096-AA22-E14E93E2AD30}" destId="{1CCEED45-57D7-4641-81C9-5908579CE245}" srcOrd="0" destOrd="0" parTransId="{0B8E2C65-A4D7-4B41-A006-CAAA09EDACC5}" sibTransId="{3565B9CB-B1EE-400D-B2B9-2B551D737D10}"/>
-    <dgm:cxn modelId="{315020E2-D7B1-470A-A75B-A8A3010E177D}" type="presOf" srcId="{46EFE5C5-7E26-4632-AB0D-CFDE009726AC}" destId="{5B4C9849-DEB8-40B2-959E-E2FFC9C320FA}" srcOrd="0" destOrd="0" presId="urn:microsoft.com/office/officeart/2005/8/layout/hierarchy6"/>
-    <dgm:cxn modelId="{44BC1EE3-FF57-452E-9F1C-1297E9ECAE80}" srcId="{984E7E1A-DD08-4E2E-A546-5DAB66C40362}" destId="{6169ABB3-9EA3-4A97-9BDB-7BF1A5E8319C}" srcOrd="4" destOrd="0" parTransId="{28EC855E-094C-4BED-9FB2-2C030C8FFA45}" sibTransId="{5DD54D20-2A68-4F1C-81FF-4637F3180AB6}"/>
-    <dgm:cxn modelId="{18B771E9-B40D-4B8A-AEDA-9DA0FAD87DAE}" type="presOf" srcId="{6169ABB3-9EA3-4A97-9BDB-7BF1A5E8319C}" destId="{A41A0699-52FD-4C1F-BA71-1940B09DFCB3}" srcOrd="0" destOrd="0" presId="urn:microsoft.com/office/officeart/2005/8/layout/hierarchy6"/>
-    <dgm:cxn modelId="{856BF3EA-08CB-4C8D-9091-C873E64B660B}" type="presOf" srcId="{C6E69E37-3961-44EE-94E9-D23872BEE4C9}" destId="{A53AEAF4-DE63-41BC-865B-CDA9095339F1}" srcOrd="0" destOrd="0" presId="urn:microsoft.com/office/officeart/2005/8/layout/hierarchy6"/>
-    <dgm:cxn modelId="{2FC541EE-72D6-4594-BA4D-2E2FAF5A220F}" type="presOf" srcId="{DFFEDB4F-CB16-440A-AC1A-1DC7D4CDB94A}" destId="{CD65A56E-BEB9-4A66-90D9-A9B1CD0B97DF}" srcOrd="0" destOrd="0" presId="urn:microsoft.com/office/officeart/2005/8/layout/hierarchy6"/>
+    <dgm:cxn modelId="{F84D45E2-3E63-4761-9BCF-333D1C003CC5}" type="presOf" srcId="{64108CB1-DB75-4E6C-B114-0F078EBFAA65}" destId="{C5044203-A88D-4B18-9810-49E9EA828504}" srcOrd="0" destOrd="0" presId="urn:microsoft.com/office/officeart/2005/8/layout/hierarchy6"/>
+    <dgm:cxn modelId="{44BC1EE3-FF57-452E-9F1C-1297E9ECAE80}" srcId="{984E7E1A-DD08-4E2E-A546-5DAB66C40362}" destId="{6169ABB3-9EA3-4A97-9BDB-7BF1A5E8319C}" srcOrd="5" destOrd="0" parTransId="{28EC855E-094C-4BED-9FB2-2C030C8FFA45}" sibTransId="{5DD54D20-2A68-4F1C-81FF-4637F3180AB6}"/>
+    <dgm:cxn modelId="{F57EDAEA-7763-4011-9500-4CC8DC67B403}" type="presOf" srcId="{2B9145D1-EB7E-4900-B323-62729B920F30}" destId="{51EAB6DB-A7F8-4F89-835D-ED7DFDC5E4CD}" srcOrd="0" destOrd="0" presId="urn:microsoft.com/office/officeart/2005/8/layout/hierarchy6"/>
+    <dgm:cxn modelId="{E949D7ED-2CB8-4319-AEDC-329A81FF8E20}" type="presOf" srcId="{D692D1F3-8B04-4096-AA22-E14E93E2AD30}" destId="{C2262EFB-5BE9-4548-98FA-51838DD8F6DF}" srcOrd="0" destOrd="0" presId="urn:microsoft.com/office/officeart/2005/8/layout/hierarchy6"/>
     <dgm:cxn modelId="{8BBAB2EF-486F-4C2D-8E6B-30F22B08CEDE}" srcId="{6343E979-4FE4-4A70-B59E-3E22D3659816}" destId="{90E52BB7-1EB0-47DC-82EE-28BBD13D64E9}" srcOrd="0" destOrd="0" parTransId="{7B0BD396-2B46-40BD-AC76-2EF21EDDDC81}" sibTransId="{6C2204E5-3FD4-4E2D-A0D8-AA639C5B78BB}"/>
-    <dgm:cxn modelId="{D9C5D9F2-5AD0-46AC-B53A-0532970DAECF}" type="presOf" srcId="{7A8423F9-E18F-49C7-AF47-88948CD8E18D}" destId="{D7F2430B-BCB5-408D-B434-E52E0A1944C0}" srcOrd="0" destOrd="0" presId="urn:microsoft.com/office/officeart/2005/8/layout/hierarchy6"/>
-    <dgm:cxn modelId="{965517F4-C9E3-4AEB-9595-DB78F8BE46AA}" type="presOf" srcId="{1CCEED45-57D7-4641-81C9-5908579CE245}" destId="{51E35AD2-0735-436F-A82F-19F611F0258D}" srcOrd="0" destOrd="0" presId="urn:microsoft.com/office/officeart/2005/8/layout/hierarchy6"/>
-    <dgm:cxn modelId="{6308E6F4-05B7-49BF-9773-6262DF0A5586}" type="presOf" srcId="{2B9145D1-EB7E-4900-B323-62729B920F30}" destId="{7AC4104E-E4B8-401B-8EEB-D04E808E6EE5}" srcOrd="0" destOrd="0" presId="urn:microsoft.com/office/officeart/2005/8/layout/hierarchy6"/>
-    <dgm:cxn modelId="{4236A6F7-FF9C-4705-BCEE-4E9B1754C1A2}" type="presOf" srcId="{6331599E-52B8-4A6C-B3A0-6191E729069E}" destId="{FBEC95B0-C69A-4159-A230-69B97543DC08}" srcOrd="0" destOrd="0" presId="urn:microsoft.com/office/officeart/2005/8/layout/hierarchy6"/>
+    <dgm:cxn modelId="{299BA1F1-77DE-4055-88BB-D4D32D3E2C09}" type="presOf" srcId="{8EBD0BB1-A983-499A-AFE0-A135C6D6EAF4}" destId="{47BBE90B-CBEF-42FD-96FB-4EAFAF81779C}" srcOrd="0" destOrd="0" presId="urn:microsoft.com/office/officeart/2005/8/layout/hierarchy6"/>
+    <dgm:cxn modelId="{9DA529F3-75D9-4F31-936B-4F5E7915B8A6}" srcId="{1CCEED45-57D7-4641-81C9-5908579CE245}" destId="{F9922D17-25E5-4FD7-B1AA-578A1B7C65C6}" srcOrd="0" destOrd="0" parTransId="{B3339EB3-2CFC-4D27-A28B-A1DA1C20A05A}" sibTransId="{87586727-6439-4071-A1E4-91EA3F157492}"/>
+    <dgm:cxn modelId="{F474DBF5-A7AE-4C06-AD43-D4A8175A9F08}" type="presOf" srcId="{5A1392F2-9813-4C0C-9524-55F25A946D72}" destId="{95517795-1F73-461A-B8A9-0DB9072BC468}" srcOrd="0" destOrd="0" presId="urn:microsoft.com/office/officeart/2005/8/layout/hierarchy6"/>
+    <dgm:cxn modelId="{C0E481F8-8D94-4563-BC9A-A3A0DC8B6A55}" type="presOf" srcId="{7A8423F9-E18F-49C7-AF47-88948CD8E18D}" destId="{70099853-D6C6-45DD-8965-6B3F303FCB7B}" srcOrd="0" destOrd="0" presId="urn:microsoft.com/office/officeart/2005/8/layout/hierarchy6"/>
     <dgm:cxn modelId="{E66A6DFA-838B-4265-BAE3-732A6B928409}" srcId="{142E7667-7801-477A-80B1-678DFCEE8B9B}" destId="{6343E979-4FE4-4A70-B59E-3E22D3659816}" srcOrd="0" destOrd="0" parTransId="{7A8423F9-E18F-49C7-AF47-88948CD8E18D}" sibTransId="{A2AAA9C3-C9BC-414E-AD60-200EF2F1EFA3}"/>
-    <dgm:cxn modelId="{62BB2EFC-BB8A-4B92-8454-390B74124D28}" type="presOf" srcId="{D692D1F3-8B04-4096-AA22-E14E93E2AD30}" destId="{DBC340A0-3818-4944-BAC4-6FC41200E407}" srcOrd="0" destOrd="0" presId="urn:microsoft.com/office/officeart/2005/8/layout/hierarchy6"/>
+    <dgm:cxn modelId="{B396A2FD-6378-4D31-ADB9-32D748CDC76A}" type="presOf" srcId="{65164E71-4DD3-40F1-A30B-EC613D040542}" destId="{E9D5C307-8A1D-4EC7-B20E-8E8F48C13981}" srcOrd="0" destOrd="0" presId="urn:microsoft.com/office/officeart/2005/8/layout/hierarchy6"/>
     <dgm:cxn modelId="{FE7B2495-E11B-4F2A-A472-9C4679DD959E}" type="presParOf" srcId="{327FBF58-624F-4F1F-9921-6E06642364B9}" destId="{F042D168-04ED-406A-BCDD-96683E332C13}" srcOrd="0" destOrd="0" presId="urn:microsoft.com/office/officeart/2005/8/layout/hierarchy6"/>
     <dgm:cxn modelId="{F78C82B2-410C-4859-BFB9-C14C59C714CE}" type="presParOf" srcId="{F042D168-04ED-406A-BCDD-96683E332C13}" destId="{7FFCBE30-6850-4976-A6ED-5C6F49188539}" srcOrd="0" destOrd="0" presId="urn:microsoft.com/office/officeart/2005/8/layout/hierarchy6"/>
     <dgm:cxn modelId="{9D50259A-7E3A-4076-BFD8-E98B3AC83138}" type="presParOf" srcId="{7FFCBE30-6850-4976-A6ED-5C6F49188539}" destId="{E2405E1B-AD31-4EB2-A052-20046520C88A}" srcOrd="0" destOrd="0" presId="urn:microsoft.com/office/officeart/2005/8/layout/hierarchy6"/>
     <dgm:cxn modelId="{724CD78F-93B9-437E-93C4-AF9EDE7D28D4}" type="presParOf" srcId="{E2405E1B-AD31-4EB2-A052-20046520C88A}" destId="{AA34BBA1-AEFC-405E-88F0-054659A90B63}" srcOrd="0" destOrd="0" presId="urn:microsoft.com/office/officeart/2005/8/layout/hierarchy6"/>
     <dgm:cxn modelId="{7FBF47FB-2DF7-4C8B-B218-7522F669B31D}" type="presParOf" srcId="{E2405E1B-AD31-4EB2-A052-20046520C88A}" destId="{1310C93A-257F-43F9-9C19-53032BA77C1A}" srcOrd="1" destOrd="0" presId="urn:microsoft.com/office/officeart/2005/8/layout/hierarchy6"/>
-    <dgm:cxn modelId="{DABD0B2D-07FF-438A-8D2E-D4E68973ECC6}" type="presParOf" srcId="{1310C93A-257F-43F9-9C19-53032BA77C1A}" destId="{ECE94489-582E-4D24-A60B-70DA935857A8}" srcOrd="0" destOrd="0" presId="urn:microsoft.com/office/officeart/2005/8/layout/hierarchy6"/>
-    <dgm:cxn modelId="{449A0D86-23CA-4B2D-89D7-652EE05A6C69}" type="presParOf" srcId="{1310C93A-257F-43F9-9C19-53032BA77C1A}" destId="{5F312DF0-B144-46EF-80A8-6149129CD48F}" srcOrd="1" destOrd="0" presId="urn:microsoft.com/office/officeart/2005/8/layout/hierarchy6"/>
-    <dgm:cxn modelId="{8117AE7F-840D-4553-963B-96464F32ACFD}" type="presParOf" srcId="{5F312DF0-B144-46EF-80A8-6149129CD48F}" destId="{B6589975-B071-491E-8570-70970CA1F480}" srcOrd="0" destOrd="0" presId="urn:microsoft.com/office/officeart/2005/8/layout/hierarchy6"/>
-    <dgm:cxn modelId="{CBD35FDC-73FE-4FD9-A411-C5B7B8BCBD04}" type="presParOf" srcId="{5F312DF0-B144-46EF-80A8-6149129CD48F}" destId="{6ED74DED-473C-4A59-A8E8-4B4D6ADF5E5C}" srcOrd="1" destOrd="0" presId="urn:microsoft.com/office/officeart/2005/8/layout/hierarchy6"/>
-    <dgm:cxn modelId="{3371D517-0FC0-4346-A472-5A80E21F630C}" type="presParOf" srcId="{6ED74DED-473C-4A59-A8E8-4B4D6ADF5E5C}" destId="{CD65A56E-BEB9-4A66-90D9-A9B1CD0B97DF}" srcOrd="0" destOrd="0" presId="urn:microsoft.com/office/officeart/2005/8/layout/hierarchy6"/>
-    <dgm:cxn modelId="{0EDB99E5-A1CD-48DC-B5F8-52335A73DDD4}" type="presParOf" srcId="{6ED74DED-473C-4A59-A8E8-4B4D6ADF5E5C}" destId="{3EE2DEFF-E970-4131-B36A-2F6424042DF4}" srcOrd="1" destOrd="0" presId="urn:microsoft.com/office/officeart/2005/8/layout/hierarchy6"/>
-    <dgm:cxn modelId="{40BB2C38-2CA9-4B35-9C8C-270A032FC4DD}" type="presParOf" srcId="{3EE2DEFF-E970-4131-B36A-2F6424042DF4}" destId="{BCE69E19-3950-4634-98DB-22EACA842756}" srcOrd="0" destOrd="0" presId="urn:microsoft.com/office/officeart/2005/8/layout/hierarchy6"/>
-    <dgm:cxn modelId="{0B4EFEE5-C633-43E2-9841-225620969F90}" type="presParOf" srcId="{3EE2DEFF-E970-4131-B36A-2F6424042DF4}" destId="{CC92A5DE-A111-4E5F-9584-E116B07E6C9A}" srcOrd="1" destOrd="0" presId="urn:microsoft.com/office/officeart/2005/8/layout/hierarchy6"/>
-    <dgm:cxn modelId="{B7AF1EC0-8995-4725-873C-FA3444C13CEC}" type="presParOf" srcId="{CC92A5DE-A111-4E5F-9584-E116B07E6C9A}" destId="{A181B12C-7C20-4BE9-8886-24DDE0080781}" srcOrd="0" destOrd="0" presId="urn:microsoft.com/office/officeart/2005/8/layout/hierarchy6"/>
-    <dgm:cxn modelId="{3AE16C7B-0CC8-4804-823D-0409C6C040DC}" type="presParOf" srcId="{CC92A5DE-A111-4E5F-9584-E116B07E6C9A}" destId="{0105F6F2-5817-4FF1-AB62-D7013DF19AC5}" srcOrd="1" destOrd="0" presId="urn:microsoft.com/office/officeart/2005/8/layout/hierarchy6"/>
-    <dgm:cxn modelId="{E8C1A0A9-6558-43AC-B3C9-92DDD709498A}" type="presParOf" srcId="{0105F6F2-5817-4FF1-AB62-D7013DF19AC5}" destId="{6A78302F-C42E-4BD7-B84C-CB25A3C0F412}" srcOrd="0" destOrd="0" presId="urn:microsoft.com/office/officeart/2005/8/layout/hierarchy6"/>
-    <dgm:cxn modelId="{6FFE2D80-D985-462A-B445-66F9991B6A6A}" type="presParOf" srcId="{0105F6F2-5817-4FF1-AB62-D7013DF19AC5}" destId="{DB340480-A83C-4660-BD91-76653F6A6971}" srcOrd="1" destOrd="0" presId="urn:microsoft.com/office/officeart/2005/8/layout/hierarchy6"/>
-    <dgm:cxn modelId="{52176FEC-C836-4167-A58F-A9D5435397AD}" type="presParOf" srcId="{DB340480-A83C-4660-BD91-76653F6A6971}" destId="{9B8E5F4D-3D7A-47D4-BEB1-7A4D761EC373}" srcOrd="0" destOrd="0" presId="urn:microsoft.com/office/officeart/2005/8/layout/hierarchy6"/>
-    <dgm:cxn modelId="{9B01BBBC-7679-44B5-A35F-3ED39210D446}" type="presParOf" srcId="{DB340480-A83C-4660-BD91-76653F6A6971}" destId="{7A1FB452-FB2C-4721-A9BA-FE2A490FD508}" srcOrd="1" destOrd="0" presId="urn:microsoft.com/office/officeart/2005/8/layout/hierarchy6"/>
-    <dgm:cxn modelId="{399FC100-F8DC-4933-8259-185377EDC203}" type="presParOf" srcId="{7A1FB452-FB2C-4721-A9BA-FE2A490FD508}" destId="{EA693939-0FD8-4332-A064-9C5C4989F6C3}" srcOrd="0" destOrd="0" presId="urn:microsoft.com/office/officeart/2005/8/layout/hierarchy6"/>
-    <dgm:cxn modelId="{D36BFF0C-10D1-4C58-8BA6-0BA36385B5AF}" type="presParOf" srcId="{7A1FB452-FB2C-4721-A9BA-FE2A490FD508}" destId="{CDB800C3-DCBF-42B3-8E7A-8A9E5EC43744}" srcOrd="1" destOrd="0" presId="urn:microsoft.com/office/officeart/2005/8/layout/hierarchy6"/>
-    <dgm:cxn modelId="{7244E611-05C6-40E9-BAB1-64FACBE6D22D}" type="presParOf" srcId="{CDB800C3-DCBF-42B3-8E7A-8A9E5EC43744}" destId="{439A7915-4019-4A23-8AAB-5EA84524E00E}" srcOrd="0" destOrd="0" presId="urn:microsoft.com/office/officeart/2005/8/layout/hierarchy6"/>
-    <dgm:cxn modelId="{134CB8DE-BC0F-498A-8C75-CC2826834A60}" type="presParOf" srcId="{CDB800C3-DCBF-42B3-8E7A-8A9E5EC43744}" destId="{D0B0546A-D532-4ACD-9D86-90216A7665A1}" srcOrd="1" destOrd="0" presId="urn:microsoft.com/office/officeart/2005/8/layout/hierarchy6"/>
-    <dgm:cxn modelId="{F0548F7E-6994-4603-BA1D-CEA336E48598}" type="presParOf" srcId="{D0B0546A-D532-4ACD-9D86-90216A7665A1}" destId="{2D6C4C6A-CE06-40A6-A211-64F15A14B0FC}" srcOrd="0" destOrd="0" presId="urn:microsoft.com/office/officeart/2005/8/layout/hierarchy6"/>
-    <dgm:cxn modelId="{00F2F7C9-B4B4-4A28-AE40-9E6789BBA650}" type="presParOf" srcId="{D0B0546A-D532-4ACD-9D86-90216A7665A1}" destId="{760313C0-717F-4AE7-A5F2-574534105C44}" srcOrd="1" destOrd="0" presId="urn:microsoft.com/office/officeart/2005/8/layout/hierarchy6"/>
-    <dgm:cxn modelId="{94DEC067-5FDE-42E5-9053-E53EBA767DD2}" type="presParOf" srcId="{760313C0-717F-4AE7-A5F2-574534105C44}" destId="{CF7FDC77-853E-4DFC-9828-0DC60053379E}" srcOrd="0" destOrd="0" presId="urn:microsoft.com/office/officeart/2005/8/layout/hierarchy6"/>
-    <dgm:cxn modelId="{DCEAE172-C913-4C08-A985-5456A7F1CFE3}" type="presParOf" srcId="{760313C0-717F-4AE7-A5F2-574534105C44}" destId="{5BD994D5-C433-4FE2-AB61-4264BFEF7809}" srcOrd="1" destOrd="0" presId="urn:microsoft.com/office/officeart/2005/8/layout/hierarchy6"/>
-    <dgm:cxn modelId="{AB577680-3D68-47DF-8664-C6AE5417AF2E}" type="presParOf" srcId="{5BD994D5-C433-4FE2-AB61-4264BFEF7809}" destId="{7B17D095-05F0-4567-ACF5-DAE1C7F71050}" srcOrd="0" destOrd="0" presId="urn:microsoft.com/office/officeart/2005/8/layout/hierarchy6"/>
-    <dgm:cxn modelId="{9E1F569E-0462-4CFD-A2BF-CEC72E7E7A77}" type="presParOf" srcId="{5BD994D5-C433-4FE2-AB61-4264BFEF7809}" destId="{90EFF611-D625-4166-8403-F0F91E00F887}" srcOrd="1" destOrd="0" presId="urn:microsoft.com/office/officeart/2005/8/layout/hierarchy6"/>
-    <dgm:cxn modelId="{F763AFA7-28EC-49FA-97E0-0E4E1C6DEEC4}" type="presParOf" srcId="{90EFF611-D625-4166-8403-F0F91E00F887}" destId="{1BEB3F5D-527E-4392-A984-BA9906967D01}" srcOrd="0" destOrd="0" presId="urn:microsoft.com/office/officeart/2005/8/layout/hierarchy6"/>
-    <dgm:cxn modelId="{F5D185E7-E459-4134-B59B-9F845837F2F8}" type="presParOf" srcId="{90EFF611-D625-4166-8403-F0F91E00F887}" destId="{03025104-540D-4BA6-9A3D-EA09C36727C9}" srcOrd="1" destOrd="0" presId="urn:microsoft.com/office/officeart/2005/8/layout/hierarchy6"/>
-    <dgm:cxn modelId="{83E16EB9-2439-4E2C-9D67-C8C867D5BB2A}" type="presParOf" srcId="{03025104-540D-4BA6-9A3D-EA09C36727C9}" destId="{149DFA66-F11C-4DFF-BDBE-E00AC7EA378B}" srcOrd="0" destOrd="0" presId="urn:microsoft.com/office/officeart/2005/8/layout/hierarchy6"/>
-    <dgm:cxn modelId="{F52216C6-6AB1-46D5-A600-342A01F87792}" type="presParOf" srcId="{03025104-540D-4BA6-9A3D-EA09C36727C9}" destId="{360CDA88-C970-408D-858E-968CC4642C27}" srcOrd="1" destOrd="0" presId="urn:microsoft.com/office/officeart/2005/8/layout/hierarchy6"/>
-    <dgm:cxn modelId="{172D4185-08D3-4FB0-A9EB-79BE772234AE}" type="presParOf" srcId="{1310C93A-257F-43F9-9C19-53032BA77C1A}" destId="{61106BEE-8394-41F9-A438-4FF037DCC549}" srcOrd="2" destOrd="0" presId="urn:microsoft.com/office/officeart/2005/8/layout/hierarchy6"/>
-    <dgm:cxn modelId="{548F8743-7D1D-4246-AB1E-AF02896AE7F9}" type="presParOf" srcId="{1310C93A-257F-43F9-9C19-53032BA77C1A}" destId="{A905BD00-D3F3-4827-A249-E4CC3BEC9E1E}" srcOrd="3" destOrd="0" presId="urn:microsoft.com/office/officeart/2005/8/layout/hierarchy6"/>
-    <dgm:cxn modelId="{913D643B-D419-4CB9-8B97-6A31D3060918}" type="presParOf" srcId="{A905BD00-D3F3-4827-A249-E4CC3BEC9E1E}" destId="{98829285-C359-4558-A8AB-ED49C5195838}" srcOrd="0" destOrd="0" presId="urn:microsoft.com/office/officeart/2005/8/layout/hierarchy6"/>
-    <dgm:cxn modelId="{8758D0B3-DEF6-474E-88C9-4BDD612647EA}" type="presParOf" srcId="{A905BD00-D3F3-4827-A249-E4CC3BEC9E1E}" destId="{C79E3FC8-6FFA-4104-9274-2CE789AF8770}" srcOrd="1" destOrd="0" presId="urn:microsoft.com/office/officeart/2005/8/layout/hierarchy6"/>
-    <dgm:cxn modelId="{4F198978-0CF5-4A2D-8F5D-2BEC759F67EA}" type="presParOf" srcId="{C79E3FC8-6FFA-4104-9274-2CE789AF8770}" destId="{9B20D733-63A4-4B62-A174-9E852702C56C}" srcOrd="0" destOrd="0" presId="urn:microsoft.com/office/officeart/2005/8/layout/hierarchy6"/>
-    <dgm:cxn modelId="{1C5FFE62-9195-4C74-BD71-28C788C4B3D3}" type="presParOf" srcId="{C79E3FC8-6FFA-4104-9274-2CE789AF8770}" destId="{0A780892-20FA-4CAE-B5A0-9EB90BE4DDCC}" srcOrd="1" destOrd="0" presId="urn:microsoft.com/office/officeart/2005/8/layout/hierarchy6"/>
-    <dgm:cxn modelId="{9327D7D3-8BA4-40C8-B00E-BED192B828F5}" type="presParOf" srcId="{0A780892-20FA-4CAE-B5A0-9EB90BE4DDCC}" destId="{66711AFB-4282-4BD5-A024-70EEE22E8ED8}" srcOrd="0" destOrd="0" presId="urn:microsoft.com/office/officeart/2005/8/layout/hierarchy6"/>
-    <dgm:cxn modelId="{B3D4BDA4-4745-4A30-8005-D436261386EA}" type="presParOf" srcId="{0A780892-20FA-4CAE-B5A0-9EB90BE4DDCC}" destId="{2C2F2558-EE81-4BDE-8A7A-443008F126E3}" srcOrd="1" destOrd="0" presId="urn:microsoft.com/office/officeart/2005/8/layout/hierarchy6"/>
-    <dgm:cxn modelId="{067E1A96-6F83-4F36-8BE4-3A51363C5729}" type="presParOf" srcId="{2C2F2558-EE81-4BDE-8A7A-443008F126E3}" destId="{FBEC95B0-C69A-4159-A230-69B97543DC08}" srcOrd="0" destOrd="0" presId="urn:microsoft.com/office/officeart/2005/8/layout/hierarchy6"/>
-    <dgm:cxn modelId="{3DF0AFC3-5487-429C-AC7C-F4703E7B800E}" type="presParOf" srcId="{2C2F2558-EE81-4BDE-8A7A-443008F126E3}" destId="{583EE7A7-AB15-4E84-9056-1298A137DA59}" srcOrd="1" destOrd="0" presId="urn:microsoft.com/office/officeart/2005/8/layout/hierarchy6"/>
-    <dgm:cxn modelId="{EC88C775-2FF2-46A6-A27F-E1A70342D008}" type="presParOf" srcId="{583EE7A7-AB15-4E84-9056-1298A137DA59}" destId="{F1CD7CC0-9E0D-4303-82AE-D7A2B5AF17DB}" srcOrd="0" destOrd="0" presId="urn:microsoft.com/office/officeart/2005/8/layout/hierarchy6"/>
-    <dgm:cxn modelId="{915D7C40-0631-4301-9AC3-01B2D59A5043}" type="presParOf" srcId="{583EE7A7-AB15-4E84-9056-1298A137DA59}" destId="{9D18E0B5-D1B0-4C2C-9208-AE34251A3D41}" srcOrd="1" destOrd="0" presId="urn:microsoft.com/office/officeart/2005/8/layout/hierarchy6"/>
-    <dgm:cxn modelId="{6B04511E-7B5D-4EAC-8C19-80CED4EC3825}" type="presParOf" srcId="{9D18E0B5-D1B0-4C2C-9208-AE34251A3D41}" destId="{E16ADE93-99AF-45AE-A7EE-51F95CB0B46A}" srcOrd="0" destOrd="0" presId="urn:microsoft.com/office/officeart/2005/8/layout/hierarchy6"/>
-    <dgm:cxn modelId="{4CDC8EEA-3E93-4CE9-9EBC-8522F27C876B}" type="presParOf" srcId="{9D18E0B5-D1B0-4C2C-9208-AE34251A3D41}" destId="{F9DCA430-5528-44F3-AD22-5D1130D7C8CE}" srcOrd="1" destOrd="0" presId="urn:microsoft.com/office/officeart/2005/8/layout/hierarchy6"/>
-    <dgm:cxn modelId="{91FE1554-B391-44C3-B0AF-71AD543A7364}" type="presParOf" srcId="{F9DCA430-5528-44F3-AD22-5D1130D7C8CE}" destId="{DBC340A0-3818-4944-BAC4-6FC41200E407}" srcOrd="0" destOrd="0" presId="urn:microsoft.com/office/officeart/2005/8/layout/hierarchy6"/>
-    <dgm:cxn modelId="{98EB08C7-5967-4F94-BBEA-410EB01E4B4B}" type="presParOf" srcId="{F9DCA430-5528-44F3-AD22-5D1130D7C8CE}" destId="{869B50F0-9FD0-4765-844E-562E1EB55596}" srcOrd="1" destOrd="0" presId="urn:microsoft.com/office/officeart/2005/8/layout/hierarchy6"/>
-    <dgm:cxn modelId="{D0CEB76F-DBB5-4FCA-90F0-B48F10249A69}" type="presParOf" srcId="{869B50F0-9FD0-4765-844E-562E1EB55596}" destId="{3E27615C-4EFE-4C20-92E5-F66765CC04DB}" srcOrd="0" destOrd="0" presId="urn:microsoft.com/office/officeart/2005/8/layout/hierarchy6"/>
-    <dgm:cxn modelId="{DF37E0FA-CF25-4750-8433-5A2208B46F5E}" type="presParOf" srcId="{869B50F0-9FD0-4765-844E-562E1EB55596}" destId="{947C2A81-96B4-4538-A048-A7C54725EA18}" srcOrd="1" destOrd="0" presId="urn:microsoft.com/office/officeart/2005/8/layout/hierarchy6"/>
-    <dgm:cxn modelId="{A1D50FA8-6341-4C8C-9E39-E9DD43063AC8}" type="presParOf" srcId="{947C2A81-96B4-4538-A048-A7C54725EA18}" destId="{51E35AD2-0735-436F-A82F-19F611F0258D}" srcOrd="0" destOrd="0" presId="urn:microsoft.com/office/officeart/2005/8/layout/hierarchy6"/>
-    <dgm:cxn modelId="{D3839C87-684D-467B-AAB8-BC7752692F55}" type="presParOf" srcId="{947C2A81-96B4-4538-A048-A7C54725EA18}" destId="{F7C8D71A-AB03-4A25-9FDF-E79865D25CE8}" srcOrd="1" destOrd="0" presId="urn:microsoft.com/office/officeart/2005/8/layout/hierarchy6"/>
-    <dgm:cxn modelId="{3C007122-0DE5-4312-80F5-E621384BBC9F}" type="presParOf" srcId="{1310C93A-257F-43F9-9C19-53032BA77C1A}" destId="{02AF57A5-5631-4829-8B1F-9F87C7E5BF9A}" srcOrd="4" destOrd="0" presId="urn:microsoft.com/office/officeart/2005/8/layout/hierarchy6"/>
-    <dgm:cxn modelId="{3BF78CC8-E71C-47FB-83AA-4A9F78FEFCA8}" type="presParOf" srcId="{1310C93A-257F-43F9-9C19-53032BA77C1A}" destId="{9E80533F-1EE1-40B2-9B7E-67577DC38AE8}" srcOrd="5" destOrd="0" presId="urn:microsoft.com/office/officeart/2005/8/layout/hierarchy6"/>
-    <dgm:cxn modelId="{6EBBADAB-FE30-437A-8AD2-C2AF67C035F0}" type="presParOf" srcId="{9E80533F-1EE1-40B2-9B7E-67577DC38AE8}" destId="{5B4C9849-DEB8-40B2-959E-E2FFC9C320FA}" srcOrd="0" destOrd="0" presId="urn:microsoft.com/office/officeart/2005/8/layout/hierarchy6"/>
-    <dgm:cxn modelId="{4B90117A-286C-497B-AB1E-768B15597DE4}" type="presParOf" srcId="{9E80533F-1EE1-40B2-9B7E-67577DC38AE8}" destId="{5D0B2B23-C64F-440F-84A3-01FF45CFA593}" srcOrd="1" destOrd="0" presId="urn:microsoft.com/office/officeart/2005/8/layout/hierarchy6"/>
-    <dgm:cxn modelId="{6B91A4EE-254B-4193-8EAF-85C1E33A8D9C}" type="presParOf" srcId="{5D0B2B23-C64F-440F-84A3-01FF45CFA593}" destId="{F75CBFB9-BF0A-44D1-A33C-B79AA986F053}" srcOrd="0" destOrd="0" presId="urn:microsoft.com/office/officeart/2005/8/layout/hierarchy6"/>
-    <dgm:cxn modelId="{00E74D37-42F7-40AE-9A2A-54F7B06F04D5}" type="presParOf" srcId="{5D0B2B23-C64F-440F-84A3-01FF45CFA593}" destId="{67DE66BD-20EA-42E4-BA13-B22F5E9296A9}" srcOrd="1" destOrd="0" presId="urn:microsoft.com/office/officeart/2005/8/layout/hierarchy6"/>
-    <dgm:cxn modelId="{F9091F81-3CEC-4DC0-B9B0-450BCDB7E392}" type="presParOf" srcId="{67DE66BD-20EA-42E4-BA13-B22F5E9296A9}" destId="{A53AEAF4-DE63-41BC-865B-CDA9095339F1}" srcOrd="0" destOrd="0" presId="urn:microsoft.com/office/officeart/2005/8/layout/hierarchy6"/>
-    <dgm:cxn modelId="{FE94711F-713F-457E-89B2-D26A9C16BAD6}" type="presParOf" srcId="{67DE66BD-20EA-42E4-BA13-B22F5E9296A9}" destId="{F44AAF35-394F-47E3-8E27-174E41BB2B6D}" srcOrd="1" destOrd="0" presId="urn:microsoft.com/office/officeart/2005/8/layout/hierarchy6"/>
-    <dgm:cxn modelId="{B5F464F9-BFE1-4689-BD34-110A1B9ADDA3}" type="presParOf" srcId="{F44AAF35-394F-47E3-8E27-174E41BB2B6D}" destId="{CA90F6F9-60A6-482D-9CEF-AA80F0D193AE}" srcOrd="0" destOrd="0" presId="urn:microsoft.com/office/officeart/2005/8/layout/hierarchy6"/>
-    <dgm:cxn modelId="{EF0B6B57-20E1-4F5D-880F-C215F8D3E6D3}" type="presParOf" srcId="{F44AAF35-394F-47E3-8E27-174E41BB2B6D}" destId="{5E62636B-7A4A-4996-905D-FE6B0DAA9875}" srcOrd="1" destOrd="0" presId="urn:microsoft.com/office/officeart/2005/8/layout/hierarchy6"/>
-    <dgm:cxn modelId="{F1530C6D-8312-4EAC-9B82-C74848CDE6BE}" type="presParOf" srcId="{5E62636B-7A4A-4996-905D-FE6B0DAA9875}" destId="{FAE55E79-8B96-4C0A-BE86-86E1DECB95C8}" srcOrd="0" destOrd="0" presId="urn:microsoft.com/office/officeart/2005/8/layout/hierarchy6"/>
-    <dgm:cxn modelId="{E96C8A31-D3DB-4F71-819B-C540D60A60DB}" type="presParOf" srcId="{5E62636B-7A4A-4996-905D-FE6B0DAA9875}" destId="{AD793D23-3C02-4A8E-A566-B2B63E9511E3}" srcOrd="1" destOrd="0" presId="urn:microsoft.com/office/officeart/2005/8/layout/hierarchy6"/>
-    <dgm:cxn modelId="{6851259F-7722-4D2D-86D5-967BB1794579}" type="presParOf" srcId="{1310C93A-257F-43F9-9C19-53032BA77C1A}" destId="{2DFB326B-B609-43F8-A763-08BEA677E07F}" srcOrd="6" destOrd="0" presId="urn:microsoft.com/office/officeart/2005/8/layout/hierarchy6"/>
-    <dgm:cxn modelId="{B1CA310C-6649-46BF-874E-D25F1162C9AC}" type="presParOf" srcId="{1310C93A-257F-43F9-9C19-53032BA77C1A}" destId="{0E91A336-26C0-4988-8AFD-FD0ADA59622E}" srcOrd="7" destOrd="0" presId="urn:microsoft.com/office/officeart/2005/8/layout/hierarchy6"/>
-    <dgm:cxn modelId="{0B5BEA52-506E-4DAC-9D4F-13A6C0D44DB7}" type="presParOf" srcId="{0E91A336-26C0-4988-8AFD-FD0ADA59622E}" destId="{ED51B719-283F-4EED-B2CC-182439F80BA8}" srcOrd="0" destOrd="0" presId="urn:microsoft.com/office/officeart/2005/8/layout/hierarchy6"/>
-    <dgm:cxn modelId="{AEC2DD75-2A2E-424E-AF2F-494A4C963023}" type="presParOf" srcId="{0E91A336-26C0-4988-8AFD-FD0ADA59622E}" destId="{E18409C6-6472-4325-82AD-0CFC42357F07}" srcOrd="1" destOrd="0" presId="urn:microsoft.com/office/officeart/2005/8/layout/hierarchy6"/>
-    <dgm:cxn modelId="{6259C65A-D31E-4639-897A-9521284BB1B8}" type="presParOf" srcId="{E18409C6-6472-4325-82AD-0CFC42357F07}" destId="{291C996E-0EB8-4C7C-A09D-BCD184B0D448}" srcOrd="0" destOrd="0" presId="urn:microsoft.com/office/officeart/2005/8/layout/hierarchy6"/>
-    <dgm:cxn modelId="{1FEE88B2-B214-4B77-BE2B-18CE0CC0748C}" type="presParOf" srcId="{E18409C6-6472-4325-82AD-0CFC42357F07}" destId="{C21A9BE0-E976-4A83-95BD-260F6B2B8B28}" srcOrd="1" destOrd="0" presId="urn:microsoft.com/office/officeart/2005/8/layout/hierarchy6"/>
-    <dgm:cxn modelId="{A37B529C-EB5B-43D8-962D-5DFABEB167CB}" type="presParOf" srcId="{C21A9BE0-E976-4A83-95BD-260F6B2B8B28}" destId="{FC12F369-519B-4055-B6C8-695637AC848E}" srcOrd="0" destOrd="0" presId="urn:microsoft.com/office/officeart/2005/8/layout/hierarchy6"/>
-    <dgm:cxn modelId="{81D47214-B55A-427C-8357-9E26B9A3B4C0}" type="presParOf" srcId="{C21A9BE0-E976-4A83-95BD-260F6B2B8B28}" destId="{B0462487-E286-448F-90A0-64B688911226}" srcOrd="1" destOrd="0" presId="urn:microsoft.com/office/officeart/2005/8/layout/hierarchy6"/>
-    <dgm:cxn modelId="{21270EFD-C3A4-481F-8DA5-D60DF88EFAFA}" type="presParOf" srcId="{B0462487-E286-448F-90A0-64B688911226}" destId="{D7F2430B-BCB5-408D-B434-E52E0A1944C0}" srcOrd="0" destOrd="0" presId="urn:microsoft.com/office/officeart/2005/8/layout/hierarchy6"/>
-    <dgm:cxn modelId="{12F0611E-06CE-45C4-8E9B-1E90C48A204B}" type="presParOf" srcId="{B0462487-E286-448F-90A0-64B688911226}" destId="{5C8173AF-9672-4BF6-9AF5-834E599B74D0}" srcOrd="1" destOrd="0" presId="urn:microsoft.com/office/officeart/2005/8/layout/hierarchy6"/>
-    <dgm:cxn modelId="{5F714113-8152-46D9-92AF-8302537AC647}" type="presParOf" srcId="{5C8173AF-9672-4BF6-9AF5-834E599B74D0}" destId="{95C57D1B-15F4-4DDD-96A4-BFBFEA71B3BB}" srcOrd="0" destOrd="0" presId="urn:microsoft.com/office/officeart/2005/8/layout/hierarchy6"/>
-    <dgm:cxn modelId="{BE2E6794-6A72-42E4-B0C4-A1D80255DDD4}" type="presParOf" srcId="{5C8173AF-9672-4BF6-9AF5-834E599B74D0}" destId="{75A1DEC4-64BE-4286-9069-8CDFE3D2B551}" srcOrd="1" destOrd="0" presId="urn:microsoft.com/office/officeart/2005/8/layout/hierarchy6"/>
-    <dgm:cxn modelId="{B50C9BB6-2A82-4D76-A30C-6D7287CC9DB4}" type="presParOf" srcId="{75A1DEC4-64BE-4286-9069-8CDFE3D2B551}" destId="{F3B7109E-FC5E-4032-9E48-7AE989930E7F}" srcOrd="0" destOrd="0" presId="urn:microsoft.com/office/officeart/2005/8/layout/hierarchy6"/>
-    <dgm:cxn modelId="{4EE61DA7-0B21-41D1-B0C7-E41A6452C70B}" type="presParOf" srcId="{75A1DEC4-64BE-4286-9069-8CDFE3D2B551}" destId="{2B8B9E40-5DE3-4297-87BA-B7CEF8A0A728}" srcOrd="1" destOrd="0" presId="urn:microsoft.com/office/officeart/2005/8/layout/hierarchy6"/>
-    <dgm:cxn modelId="{0233EB14-B698-46BA-8362-272B9702147A}" type="presParOf" srcId="{2B8B9E40-5DE3-4297-87BA-B7CEF8A0A728}" destId="{EF24AA40-32E7-44EE-B69D-486DD25DA9EB}" srcOrd="0" destOrd="0" presId="urn:microsoft.com/office/officeart/2005/8/layout/hierarchy6"/>
-    <dgm:cxn modelId="{C443FA1D-7214-4B5E-AA25-83A60D126DE4}" type="presParOf" srcId="{2B8B9E40-5DE3-4297-87BA-B7CEF8A0A728}" destId="{2269E0C1-CD48-4A37-99AA-4353054B5DE3}" srcOrd="1" destOrd="0" presId="urn:microsoft.com/office/officeart/2005/8/layout/hierarchy6"/>
-    <dgm:cxn modelId="{D25689E9-92CA-4D47-9E87-F23420A559BF}" type="presParOf" srcId="{2269E0C1-CD48-4A37-99AA-4353054B5DE3}" destId="{1B1B1F7A-7EF2-4ACB-B5C6-900D03138544}" srcOrd="0" destOrd="0" presId="urn:microsoft.com/office/officeart/2005/8/layout/hierarchy6"/>
-    <dgm:cxn modelId="{31E3051E-7476-4CD2-AA59-9E849EBCA4A0}" type="presParOf" srcId="{2269E0C1-CD48-4A37-99AA-4353054B5DE3}" destId="{0282E576-4781-48E5-98C4-B2C8833E05C7}" srcOrd="1" destOrd="0" presId="urn:microsoft.com/office/officeart/2005/8/layout/hierarchy6"/>
-    <dgm:cxn modelId="{037DCC62-4CEE-42E3-806A-0C0AC3AE7D5B}" type="presParOf" srcId="{0282E576-4781-48E5-98C4-B2C8833E05C7}" destId="{D96C27F6-8F1F-4C78-BC8B-2BA73823F3B2}" srcOrd="0" destOrd="0" presId="urn:microsoft.com/office/officeart/2005/8/layout/hierarchy6"/>
-    <dgm:cxn modelId="{66C19A65-C58A-4439-B284-08A702A2449C}" type="presParOf" srcId="{0282E576-4781-48E5-98C4-B2C8833E05C7}" destId="{FA67AF65-67DB-40B9-AC54-180B9D0EE6EC}" srcOrd="1" destOrd="0" presId="urn:microsoft.com/office/officeart/2005/8/layout/hierarchy6"/>
-    <dgm:cxn modelId="{E8ECFAB2-D96B-4BCC-957B-157CB4EB5740}" type="presParOf" srcId="{1310C93A-257F-43F9-9C19-53032BA77C1A}" destId="{F466743B-97CF-4FAA-9E07-3737C57455A5}" srcOrd="8" destOrd="0" presId="urn:microsoft.com/office/officeart/2005/8/layout/hierarchy6"/>
-    <dgm:cxn modelId="{2EE612BD-406F-4722-812C-60F4C6F19CD1}" type="presParOf" srcId="{1310C93A-257F-43F9-9C19-53032BA77C1A}" destId="{910B1F4A-7546-445F-AEF0-7D9E58A38AE0}" srcOrd="9" destOrd="0" presId="urn:microsoft.com/office/officeart/2005/8/layout/hierarchy6"/>
-    <dgm:cxn modelId="{2BF1E945-ED62-41CE-A537-61FAD3FC9CC6}" type="presParOf" srcId="{910B1F4A-7546-445F-AEF0-7D9E58A38AE0}" destId="{A41A0699-52FD-4C1F-BA71-1940B09DFCB3}" srcOrd="0" destOrd="0" presId="urn:microsoft.com/office/officeart/2005/8/layout/hierarchy6"/>
-    <dgm:cxn modelId="{EDCB45C2-9B37-47C4-9AA2-8D122CDAE0C8}" type="presParOf" srcId="{910B1F4A-7546-445F-AEF0-7D9E58A38AE0}" destId="{F2672B5B-774F-4E17-9064-11B64443A4B2}" srcOrd="1" destOrd="0" presId="urn:microsoft.com/office/officeart/2005/8/layout/hierarchy6"/>
-    <dgm:cxn modelId="{996A04D8-C970-4CCB-BFF7-711323D57CAB}" type="presParOf" srcId="{F2672B5B-774F-4E17-9064-11B64443A4B2}" destId="{7F4F1B5F-FC30-4418-B6B9-340A889AAB9A}" srcOrd="0" destOrd="0" presId="urn:microsoft.com/office/officeart/2005/8/layout/hierarchy6"/>
-    <dgm:cxn modelId="{30B4A9B1-E1DC-4BD6-8702-681AF68F0D53}" type="presParOf" srcId="{F2672B5B-774F-4E17-9064-11B64443A4B2}" destId="{B8E27EE2-3F57-4053-9C7E-C862359B5E62}" srcOrd="1" destOrd="0" presId="urn:microsoft.com/office/officeart/2005/8/layout/hierarchy6"/>
-    <dgm:cxn modelId="{56EBDEA2-7E2E-4730-A981-116BC9A3E704}" type="presParOf" srcId="{B8E27EE2-3F57-4053-9C7E-C862359B5E62}" destId="{9E0003AA-36A8-4BDA-A4D5-AE9FD5909BC7}" srcOrd="0" destOrd="0" presId="urn:microsoft.com/office/officeart/2005/8/layout/hierarchy6"/>
-    <dgm:cxn modelId="{1CE21569-0674-4C28-A17A-488FB9D91220}" type="presParOf" srcId="{B8E27EE2-3F57-4053-9C7E-C862359B5E62}" destId="{EE3406C2-0F9C-4D1C-ACA4-2C3C20DB7B05}" srcOrd="1" destOrd="0" presId="urn:microsoft.com/office/officeart/2005/8/layout/hierarchy6"/>
-    <dgm:cxn modelId="{211A7AE8-474C-4C55-9249-54564E16E930}" type="presParOf" srcId="{EE3406C2-0F9C-4D1C-ACA4-2C3C20DB7B05}" destId="{C7ECFBED-B4C0-49F9-8060-B5CF65818561}" srcOrd="0" destOrd="0" presId="urn:microsoft.com/office/officeart/2005/8/layout/hierarchy6"/>
-    <dgm:cxn modelId="{CA8BB861-4C8F-4B44-A922-4F9FE754D680}" type="presParOf" srcId="{EE3406C2-0F9C-4D1C-ACA4-2C3C20DB7B05}" destId="{E084BBFE-2722-4C42-92DF-4A57675786AF}" srcOrd="1" destOrd="0" presId="urn:microsoft.com/office/officeart/2005/8/layout/hierarchy6"/>
-    <dgm:cxn modelId="{6A406722-9D80-4EBC-AEA3-FDDDEC38DF85}" type="presParOf" srcId="{E084BBFE-2722-4C42-92DF-4A57675786AF}" destId="{88BF71CB-FA56-4717-8190-D58921A87BD4}" srcOrd="0" destOrd="0" presId="urn:microsoft.com/office/officeart/2005/8/layout/hierarchy6"/>
-    <dgm:cxn modelId="{3A904474-1240-498A-8277-C6802F14C5BD}" type="presParOf" srcId="{E084BBFE-2722-4C42-92DF-4A57675786AF}" destId="{4FBD2F03-0729-4C7D-80BB-89C15520BE60}" srcOrd="1" destOrd="0" presId="urn:microsoft.com/office/officeart/2005/8/layout/hierarchy6"/>
-    <dgm:cxn modelId="{E10B3098-C494-4CBD-A087-138D620EE0C6}" type="presParOf" srcId="{4FBD2F03-0729-4C7D-80BB-89C15520BE60}" destId="{508D3B25-CBDB-434C-AECC-728B5C07BAD5}" srcOrd="0" destOrd="0" presId="urn:microsoft.com/office/officeart/2005/8/layout/hierarchy6"/>
-    <dgm:cxn modelId="{B1135CF4-DA52-43FC-B2D7-8FE340D1B398}" type="presParOf" srcId="{4FBD2F03-0729-4C7D-80BB-89C15520BE60}" destId="{3E540AA3-5704-4090-A67D-865DF8D30698}" srcOrd="1" destOrd="0" presId="urn:microsoft.com/office/officeart/2005/8/layout/hierarchy6"/>
-    <dgm:cxn modelId="{224ABD48-3787-4CD3-B21B-81DC0E3388D1}" type="presParOf" srcId="{3E540AA3-5704-4090-A67D-865DF8D30698}" destId="{8F73F0A0-EB89-411D-B484-5DDA096E7375}" srcOrd="0" destOrd="0" presId="urn:microsoft.com/office/officeart/2005/8/layout/hierarchy6"/>
-    <dgm:cxn modelId="{703988D2-D937-4EEE-BB46-AFD38A2B9B34}" type="presParOf" srcId="{3E540AA3-5704-4090-A67D-865DF8D30698}" destId="{B5A80A12-AD68-4B8E-AA02-DAB23B0EC808}" srcOrd="1" destOrd="0" presId="urn:microsoft.com/office/officeart/2005/8/layout/hierarchy6"/>
-    <dgm:cxn modelId="{C2EF249A-8E0C-441A-9213-6E7A0DC58791}" type="presParOf" srcId="{1310C93A-257F-43F9-9C19-53032BA77C1A}" destId="{674FAE3C-400A-42DF-AF51-5FE9A33D05FF}" srcOrd="10" destOrd="0" presId="urn:microsoft.com/office/officeart/2005/8/layout/hierarchy6"/>
-    <dgm:cxn modelId="{3A184E70-C165-4847-A977-611E854868F1}" type="presParOf" srcId="{1310C93A-257F-43F9-9C19-53032BA77C1A}" destId="{8470595E-4388-4A58-9637-586E180AD740}" srcOrd="11" destOrd="0" presId="urn:microsoft.com/office/officeart/2005/8/layout/hierarchy6"/>
-    <dgm:cxn modelId="{207801FF-F7FD-487C-92B6-09FC57BEAC0E}" type="presParOf" srcId="{8470595E-4388-4A58-9637-586E180AD740}" destId="{06FE7757-0221-4CB4-905F-C6A4BCBA3C71}" srcOrd="0" destOrd="0" presId="urn:microsoft.com/office/officeart/2005/8/layout/hierarchy6"/>
-    <dgm:cxn modelId="{232CE646-98AA-4759-96BC-EEE32EF03DD2}" type="presParOf" srcId="{8470595E-4388-4A58-9637-586E180AD740}" destId="{5BD4478D-B641-48B8-8A2A-420109793208}" srcOrd="1" destOrd="0" presId="urn:microsoft.com/office/officeart/2005/8/layout/hierarchy6"/>
-    <dgm:cxn modelId="{A08547DA-853D-4983-888C-28CC69238792}" type="presParOf" srcId="{5BD4478D-B641-48B8-8A2A-420109793208}" destId="{9F6C2837-18E1-42E8-B36E-26D798F13CAA}" srcOrd="0" destOrd="0" presId="urn:microsoft.com/office/officeart/2005/8/layout/hierarchy6"/>
-    <dgm:cxn modelId="{DCBB9900-71AB-4898-ABBA-FF6F4E7E1F67}" type="presParOf" srcId="{5BD4478D-B641-48B8-8A2A-420109793208}" destId="{4E141796-AC40-4B30-9C5B-C2F45C40886F}" srcOrd="1" destOrd="0" presId="urn:microsoft.com/office/officeart/2005/8/layout/hierarchy6"/>
-    <dgm:cxn modelId="{C9BD5F2E-D05E-4A68-B79F-8829F9938913}" type="presParOf" srcId="{4E141796-AC40-4B30-9C5B-C2F45C40886F}" destId="{7A395ACB-AFE5-47F8-A645-E93A88EBEA6B}" srcOrd="0" destOrd="0" presId="urn:microsoft.com/office/officeart/2005/8/layout/hierarchy6"/>
-    <dgm:cxn modelId="{B2C92969-EC18-470E-B609-17787123E10C}" type="presParOf" srcId="{4E141796-AC40-4B30-9C5B-C2F45C40886F}" destId="{8F51FB6D-419B-4757-8A2B-6084DECD1589}" srcOrd="1" destOrd="0" presId="urn:microsoft.com/office/officeart/2005/8/layout/hierarchy6"/>
-    <dgm:cxn modelId="{BF0C3BD5-A2AB-4650-AE7D-5B2E96ABC36F}" type="presParOf" srcId="{8F51FB6D-419B-4757-8A2B-6084DECD1589}" destId="{2BA6003D-FD41-41E9-BCA1-01EBE4EE20D3}" srcOrd="0" destOrd="0" presId="urn:microsoft.com/office/officeart/2005/8/layout/hierarchy6"/>
-    <dgm:cxn modelId="{80E53C49-0958-42E7-9777-8CB8A200D6D4}" type="presParOf" srcId="{8F51FB6D-419B-4757-8A2B-6084DECD1589}" destId="{4985FEBC-40F4-4116-8833-83E61FD2B786}" srcOrd="1" destOrd="0" presId="urn:microsoft.com/office/officeart/2005/8/layout/hierarchy6"/>
-    <dgm:cxn modelId="{7F569548-A306-44FA-BF0C-50EB23315DB5}" type="presParOf" srcId="{4985FEBC-40F4-4116-8833-83E61FD2B786}" destId="{7AC4104E-E4B8-401B-8EEB-D04E808E6EE5}" srcOrd="0" destOrd="0" presId="urn:microsoft.com/office/officeart/2005/8/layout/hierarchy6"/>
-    <dgm:cxn modelId="{6A705080-7C15-4E40-AF53-1C5D18C1BA97}" type="presParOf" srcId="{4985FEBC-40F4-4116-8833-83E61FD2B786}" destId="{E2C8F209-971D-404B-9F44-DC7BD439D3B3}" srcOrd="1" destOrd="0" presId="urn:microsoft.com/office/officeart/2005/8/layout/hierarchy6"/>
+    <dgm:cxn modelId="{AD2DA087-6F09-4FD1-8430-4FDE5756A688}" type="presParOf" srcId="{1310C93A-257F-43F9-9C19-53032BA77C1A}" destId="{909756E3-99E7-44AA-A3C7-19374AE5DAB8}" srcOrd="0" destOrd="0" presId="urn:microsoft.com/office/officeart/2005/8/layout/hierarchy6"/>
+    <dgm:cxn modelId="{4D3CAFB8-87D2-4BB2-9EC7-915185ED71A2}" type="presParOf" srcId="{1310C93A-257F-43F9-9C19-53032BA77C1A}" destId="{149939F9-980F-4A64-99A3-ADA2117BBF76}" srcOrd="1" destOrd="0" presId="urn:microsoft.com/office/officeart/2005/8/layout/hierarchy6"/>
+    <dgm:cxn modelId="{B136D6BB-5401-4897-B7CC-90422079D1D9}" type="presParOf" srcId="{149939F9-980F-4A64-99A3-ADA2117BBF76}" destId="{7AC0F532-950B-4237-B2A3-453E379DA90E}" srcOrd="0" destOrd="0" presId="urn:microsoft.com/office/officeart/2005/8/layout/hierarchy6"/>
+    <dgm:cxn modelId="{F7EA879A-57FB-473A-B67A-88B6135DBC80}" type="presParOf" srcId="{149939F9-980F-4A64-99A3-ADA2117BBF76}" destId="{9F017FD8-B1BC-4867-9605-53103D0083A2}" srcOrd="1" destOrd="0" presId="urn:microsoft.com/office/officeart/2005/8/layout/hierarchy6"/>
+    <dgm:cxn modelId="{712117CF-A0C2-4276-BEA9-7AAD7710A81F}" type="presParOf" srcId="{1310C93A-257F-43F9-9C19-53032BA77C1A}" destId="{6F2A1E2D-C6A8-49EA-9BF1-89BB72F13956}" srcOrd="2" destOrd="0" presId="urn:microsoft.com/office/officeart/2005/8/layout/hierarchy6"/>
+    <dgm:cxn modelId="{AF976977-0388-4165-90C4-E87EE470786C}" type="presParOf" srcId="{1310C93A-257F-43F9-9C19-53032BA77C1A}" destId="{21D72E1E-6071-433F-B914-13438C8D8E51}" srcOrd="3" destOrd="0" presId="urn:microsoft.com/office/officeart/2005/8/layout/hierarchy6"/>
+    <dgm:cxn modelId="{21AEB831-CA9E-47D9-B9E2-B3FB4D9074D5}" type="presParOf" srcId="{21D72E1E-6071-433F-B914-13438C8D8E51}" destId="{E3195452-4088-4894-8DFD-AE2BFA9054E4}" srcOrd="0" destOrd="0" presId="urn:microsoft.com/office/officeart/2005/8/layout/hierarchy6"/>
+    <dgm:cxn modelId="{4103F03D-04FD-485C-8AB5-C151D7A508BD}" type="presParOf" srcId="{21D72E1E-6071-433F-B914-13438C8D8E51}" destId="{62F5AF95-DFA1-40C4-9CD2-C4F56FF6D824}" srcOrd="1" destOrd="0" presId="urn:microsoft.com/office/officeart/2005/8/layout/hierarchy6"/>
+    <dgm:cxn modelId="{CD7CFC0D-94BA-4400-87C0-A2C4C1EE52BA}" type="presParOf" srcId="{62F5AF95-DFA1-40C4-9CD2-C4F56FF6D824}" destId="{CADF8BA8-4C18-4BCF-B785-1B1223495F63}" srcOrd="0" destOrd="0" presId="urn:microsoft.com/office/officeart/2005/8/layout/hierarchy6"/>
+    <dgm:cxn modelId="{07E30A29-4619-4279-94B0-3D831F02B6FC}" type="presParOf" srcId="{62F5AF95-DFA1-40C4-9CD2-C4F56FF6D824}" destId="{34D5AAE3-37A8-4E7C-819A-D19088BB043E}" srcOrd="1" destOrd="0" presId="urn:microsoft.com/office/officeart/2005/8/layout/hierarchy6"/>
+    <dgm:cxn modelId="{8E87681A-C449-40AC-9E8E-1FC6D49C92D5}" type="presParOf" srcId="{34D5AAE3-37A8-4E7C-819A-D19088BB043E}" destId="{C85E5849-5BD0-41A7-BC45-A54BCA8E87E7}" srcOrd="0" destOrd="0" presId="urn:microsoft.com/office/officeart/2005/8/layout/hierarchy6"/>
+    <dgm:cxn modelId="{5590DA0C-1EB8-472F-B57C-1A87044C7A01}" type="presParOf" srcId="{34D5AAE3-37A8-4E7C-819A-D19088BB043E}" destId="{DCB2E8AE-66FE-4AD6-880F-C593DC37301C}" srcOrd="1" destOrd="0" presId="urn:microsoft.com/office/officeart/2005/8/layout/hierarchy6"/>
+    <dgm:cxn modelId="{6CC3BF52-EEFD-4BFB-9FE6-7ED788A0C18F}" type="presParOf" srcId="{DCB2E8AE-66FE-4AD6-880F-C593DC37301C}" destId="{38D40A92-1EB9-4FB5-ADC1-9A0DF87BEE8D}" srcOrd="0" destOrd="0" presId="urn:microsoft.com/office/officeart/2005/8/layout/hierarchy6"/>
+    <dgm:cxn modelId="{D9C523BF-DA97-4E26-A42B-DB4E09E5FB1B}" type="presParOf" srcId="{DCB2E8AE-66FE-4AD6-880F-C593DC37301C}" destId="{59416600-D01D-44D5-A7DC-38ADD146E729}" srcOrd="1" destOrd="0" presId="urn:microsoft.com/office/officeart/2005/8/layout/hierarchy6"/>
+    <dgm:cxn modelId="{3561A164-E7F9-4048-B91A-FC3FA4FBDA4E}" type="presParOf" srcId="{59416600-D01D-44D5-A7DC-38ADD146E729}" destId="{D5810A6F-9BEC-4CA9-A2D9-D690ED127B30}" srcOrd="0" destOrd="0" presId="urn:microsoft.com/office/officeart/2005/8/layout/hierarchy6"/>
+    <dgm:cxn modelId="{F03E12C3-6790-4A03-9106-3147EB09CFF7}" type="presParOf" srcId="{59416600-D01D-44D5-A7DC-38ADD146E729}" destId="{D087C909-8EBC-4A41-82A3-F989599A6FCF}" srcOrd="1" destOrd="0" presId="urn:microsoft.com/office/officeart/2005/8/layout/hierarchy6"/>
+    <dgm:cxn modelId="{6253E9B1-DE95-405D-860E-735ADBAF6FDA}" type="presParOf" srcId="{D087C909-8EBC-4A41-82A3-F989599A6FCF}" destId="{03FC8A99-0567-4C91-89DE-DB16B2C0A767}" srcOrd="0" destOrd="0" presId="urn:microsoft.com/office/officeart/2005/8/layout/hierarchy6"/>
+    <dgm:cxn modelId="{50F7E2C1-B928-4CB9-B048-3572018CF923}" type="presParOf" srcId="{D087C909-8EBC-4A41-82A3-F989599A6FCF}" destId="{02A89A3D-B0E3-41F5-8E8F-CFC3C0648A88}" srcOrd="1" destOrd="0" presId="urn:microsoft.com/office/officeart/2005/8/layout/hierarchy6"/>
+    <dgm:cxn modelId="{4CEFF63B-5BA8-4224-9D52-F68D7AE01BE4}" type="presParOf" srcId="{02A89A3D-B0E3-41F5-8E8F-CFC3C0648A88}" destId="{55C79116-3FEA-41A8-A479-CB0E380F7808}" srcOrd="0" destOrd="0" presId="urn:microsoft.com/office/officeart/2005/8/layout/hierarchy6"/>
+    <dgm:cxn modelId="{3B410F39-DC4E-449C-B356-35A1D552BC63}" type="presParOf" srcId="{02A89A3D-B0E3-41F5-8E8F-CFC3C0648A88}" destId="{71BB90E9-42D8-4260-AC0A-A4147B2D318A}" srcOrd="1" destOrd="0" presId="urn:microsoft.com/office/officeart/2005/8/layout/hierarchy6"/>
+    <dgm:cxn modelId="{9985CCAD-014A-4966-B665-34F4E4C423EF}" type="presParOf" srcId="{1310C93A-257F-43F9-9C19-53032BA77C1A}" destId="{8C51603B-18E2-460C-A259-41942E28FCC3}" srcOrd="4" destOrd="0" presId="urn:microsoft.com/office/officeart/2005/8/layout/hierarchy6"/>
+    <dgm:cxn modelId="{707F7786-333B-4AE4-B321-BC462E3B0DFE}" type="presParOf" srcId="{1310C93A-257F-43F9-9C19-53032BA77C1A}" destId="{29999C70-A7D1-453F-A16C-32EDE5B12858}" srcOrd="5" destOrd="0" presId="urn:microsoft.com/office/officeart/2005/8/layout/hierarchy6"/>
+    <dgm:cxn modelId="{1BB30C99-DB09-4F14-BE05-2DD3F9D078DD}" type="presParOf" srcId="{29999C70-A7D1-453F-A16C-32EDE5B12858}" destId="{0F2BF6AD-BDCF-45A6-B033-76813ED1DA7F}" srcOrd="0" destOrd="0" presId="urn:microsoft.com/office/officeart/2005/8/layout/hierarchy6"/>
+    <dgm:cxn modelId="{07EA4BD9-6B24-4C93-8BDD-9D2D34798300}" type="presParOf" srcId="{29999C70-A7D1-453F-A16C-32EDE5B12858}" destId="{C941B135-69D7-4323-BA9F-3C43B5F1A467}" srcOrd="1" destOrd="0" presId="urn:microsoft.com/office/officeart/2005/8/layout/hierarchy6"/>
+    <dgm:cxn modelId="{8DEB1662-6C92-4EEF-89CC-A4B4640718BF}" type="presParOf" srcId="{C941B135-69D7-4323-BA9F-3C43B5F1A467}" destId="{C35DDB86-B450-4822-9D2F-E71FF9968A21}" srcOrd="0" destOrd="0" presId="urn:microsoft.com/office/officeart/2005/8/layout/hierarchy6"/>
+    <dgm:cxn modelId="{FB0E653D-A9EE-4BAA-B2CA-1298C21E9405}" type="presParOf" srcId="{C941B135-69D7-4323-BA9F-3C43B5F1A467}" destId="{BB462D65-ACC4-4544-B7C4-30776D42B558}" srcOrd="1" destOrd="0" presId="urn:microsoft.com/office/officeart/2005/8/layout/hierarchy6"/>
+    <dgm:cxn modelId="{B301C2A9-86F8-4566-956E-CC43601A3B39}" type="presParOf" srcId="{BB462D65-ACC4-4544-B7C4-30776D42B558}" destId="{3D170F9E-3701-4D1E-8282-7786501540B5}" srcOrd="0" destOrd="0" presId="urn:microsoft.com/office/officeart/2005/8/layout/hierarchy6"/>
+    <dgm:cxn modelId="{6107B7A9-6685-41BE-A2B9-77FEA2C7BA17}" type="presParOf" srcId="{BB462D65-ACC4-4544-B7C4-30776D42B558}" destId="{9B480D89-7082-434B-8DB0-91EF10463405}" srcOrd="1" destOrd="0" presId="urn:microsoft.com/office/officeart/2005/8/layout/hierarchy6"/>
+    <dgm:cxn modelId="{D7BA54D1-767B-4705-960F-7F99107CC0A6}" type="presParOf" srcId="{9B480D89-7082-434B-8DB0-91EF10463405}" destId="{6068B2E9-439A-4D4A-9F07-1BD033C7220C}" srcOrd="0" destOrd="0" presId="urn:microsoft.com/office/officeart/2005/8/layout/hierarchy6"/>
+    <dgm:cxn modelId="{FBD604DF-8C7C-4DBB-A680-02024330056D}" type="presParOf" srcId="{9B480D89-7082-434B-8DB0-91EF10463405}" destId="{2AB79E5E-3E0F-4B15-8C12-2C7C7F37CC6E}" srcOrd="1" destOrd="0" presId="urn:microsoft.com/office/officeart/2005/8/layout/hierarchy6"/>
+    <dgm:cxn modelId="{7F896A2D-030E-45FE-A74E-78C09FCCB223}" type="presParOf" srcId="{2AB79E5E-3E0F-4B15-8C12-2C7C7F37CC6E}" destId="{DA212266-545D-45F1-A27D-0FB54745C5C9}" srcOrd="0" destOrd="0" presId="urn:microsoft.com/office/officeart/2005/8/layout/hierarchy6"/>
+    <dgm:cxn modelId="{909C004D-E078-4EB6-92BA-850E255B7CFD}" type="presParOf" srcId="{2AB79E5E-3E0F-4B15-8C12-2C7C7F37CC6E}" destId="{260D8AF3-1154-4CC0-AD53-C84DA5FA04E1}" srcOrd="1" destOrd="0" presId="urn:microsoft.com/office/officeart/2005/8/layout/hierarchy6"/>
+    <dgm:cxn modelId="{2523AEC1-E7F4-4B70-BE69-F69F7713F261}" type="presParOf" srcId="{260D8AF3-1154-4CC0-AD53-C84DA5FA04E1}" destId="{9546DA21-7CA2-4F3B-87CA-3168F16C6E7E}" srcOrd="0" destOrd="0" presId="urn:microsoft.com/office/officeart/2005/8/layout/hierarchy6"/>
+    <dgm:cxn modelId="{21BA7765-ECBA-4ADB-B535-739D944CB812}" type="presParOf" srcId="{260D8AF3-1154-4CC0-AD53-C84DA5FA04E1}" destId="{8B18F66F-752D-4B20-8C19-341C00949D60}" srcOrd="1" destOrd="0" presId="urn:microsoft.com/office/officeart/2005/8/layout/hierarchy6"/>
+    <dgm:cxn modelId="{D9312272-CDBD-4C45-82E2-D516FA3DE743}" type="presParOf" srcId="{8B18F66F-752D-4B20-8C19-341C00949D60}" destId="{C2262EFB-5BE9-4548-98FA-51838DD8F6DF}" srcOrd="0" destOrd="0" presId="urn:microsoft.com/office/officeart/2005/8/layout/hierarchy6"/>
+    <dgm:cxn modelId="{1048F611-CC29-459F-A6AD-B559D1141C1B}" type="presParOf" srcId="{8B18F66F-752D-4B20-8C19-341C00949D60}" destId="{12141DC4-C979-4542-83DB-5BA320FCFE51}" srcOrd="1" destOrd="0" presId="urn:microsoft.com/office/officeart/2005/8/layout/hierarchy6"/>
+    <dgm:cxn modelId="{823EE4FE-2BFA-40A7-8402-F2C7CED96121}" type="presParOf" srcId="{12141DC4-C979-4542-83DB-5BA320FCFE51}" destId="{04405E15-0B20-4F53-A85C-E932BDDB8237}" srcOrd="0" destOrd="0" presId="urn:microsoft.com/office/officeart/2005/8/layout/hierarchy6"/>
+    <dgm:cxn modelId="{3C9E33A9-BF8F-403A-A3E0-F9A21ABA5173}" type="presParOf" srcId="{12141DC4-C979-4542-83DB-5BA320FCFE51}" destId="{19068072-4B54-4A6F-963A-48715DEA5881}" srcOrd="1" destOrd="0" presId="urn:microsoft.com/office/officeart/2005/8/layout/hierarchy6"/>
+    <dgm:cxn modelId="{85F105A3-76B1-4C4B-B023-C6CFE0BC433A}" type="presParOf" srcId="{19068072-4B54-4A6F-963A-48715DEA5881}" destId="{6B117D17-8BD8-4AE3-810B-A881321E5DD9}" srcOrd="0" destOrd="0" presId="urn:microsoft.com/office/officeart/2005/8/layout/hierarchy6"/>
+    <dgm:cxn modelId="{2E5FEA40-A3AF-479D-8E7A-E3FE51E3CAE2}" type="presParOf" srcId="{19068072-4B54-4A6F-963A-48715DEA5881}" destId="{BBB2DBB5-E63F-495F-9C9A-8A5D8522A497}" srcOrd="1" destOrd="0" presId="urn:microsoft.com/office/officeart/2005/8/layout/hierarchy6"/>
+    <dgm:cxn modelId="{D36B4E2F-DAAE-49D3-8E60-0C52F8CB04A4}" type="presParOf" srcId="{BBB2DBB5-E63F-495F-9C9A-8A5D8522A497}" destId="{94C352C4-3E3C-489A-9242-7542C89615E3}" srcOrd="0" destOrd="0" presId="urn:microsoft.com/office/officeart/2005/8/layout/hierarchy6"/>
+    <dgm:cxn modelId="{27EF01DB-E1FB-42DC-8B5D-E8027972A60F}" type="presParOf" srcId="{BBB2DBB5-E63F-495F-9C9A-8A5D8522A497}" destId="{716E8AC2-84AE-4D29-9A1D-2C84766F12F0}" srcOrd="1" destOrd="0" presId="urn:microsoft.com/office/officeart/2005/8/layout/hierarchy6"/>
+    <dgm:cxn modelId="{B9C70025-4DA3-4401-9847-09EFE0E0C0D9}" type="presParOf" srcId="{716E8AC2-84AE-4D29-9A1D-2C84766F12F0}" destId="{2B3CB1BC-6D96-470A-BFBD-A00B79B46B8B}" srcOrd="0" destOrd="0" presId="urn:microsoft.com/office/officeart/2005/8/layout/hierarchy6"/>
+    <dgm:cxn modelId="{A79B98F2-B859-48F7-86D6-FDAA8749386B}" type="presParOf" srcId="{716E8AC2-84AE-4D29-9A1D-2C84766F12F0}" destId="{9539B342-F682-40BB-9BD0-39FC5337E852}" srcOrd="1" destOrd="0" presId="urn:microsoft.com/office/officeart/2005/8/layout/hierarchy6"/>
+    <dgm:cxn modelId="{8F9E8AFC-4BCF-4703-802D-955D1FD4FDC2}" type="presParOf" srcId="{9539B342-F682-40BB-9BD0-39FC5337E852}" destId="{CB6BE97F-F378-44D8-A2B2-1513F719E2F3}" srcOrd="0" destOrd="0" presId="urn:microsoft.com/office/officeart/2005/8/layout/hierarchy6"/>
+    <dgm:cxn modelId="{DE2B9125-CB28-4D88-9C63-D484910D54C5}" type="presParOf" srcId="{9539B342-F682-40BB-9BD0-39FC5337E852}" destId="{037A5789-658A-4803-8635-D7D7917B1D18}" srcOrd="1" destOrd="0" presId="urn:microsoft.com/office/officeart/2005/8/layout/hierarchy6"/>
+    <dgm:cxn modelId="{8B07ABDE-94A9-4E7D-B088-05756AC710EA}" type="presParOf" srcId="{037A5789-658A-4803-8635-D7D7917B1D18}" destId="{5F36A6FB-CB7F-4DE6-B6F5-DE1826698F42}" srcOrd="0" destOrd="0" presId="urn:microsoft.com/office/officeart/2005/8/layout/hierarchy6"/>
+    <dgm:cxn modelId="{64F50E32-1E09-498B-BEBF-424864B067BF}" type="presParOf" srcId="{037A5789-658A-4803-8635-D7D7917B1D18}" destId="{7B16E392-CFB9-4511-80CC-B12B55CE4AF9}" srcOrd="1" destOrd="0" presId="urn:microsoft.com/office/officeart/2005/8/layout/hierarchy6"/>
+    <dgm:cxn modelId="{3FC87264-2722-4B1B-BC24-87622BA2FD3B}" type="presParOf" srcId="{1310C93A-257F-43F9-9C19-53032BA77C1A}" destId="{47BBE90B-CBEF-42FD-96FB-4EAFAF81779C}" srcOrd="6" destOrd="0" presId="urn:microsoft.com/office/officeart/2005/8/layout/hierarchy6"/>
+    <dgm:cxn modelId="{B2C7C222-1440-4A94-95A4-6E3ADECBCCFC}" type="presParOf" srcId="{1310C93A-257F-43F9-9C19-53032BA77C1A}" destId="{565B9193-3092-4191-B4D7-4450FED5158B}" srcOrd="7" destOrd="0" presId="urn:microsoft.com/office/officeart/2005/8/layout/hierarchy6"/>
+    <dgm:cxn modelId="{07735899-A477-413F-80D1-29D75B7D238C}" type="presParOf" srcId="{565B9193-3092-4191-B4D7-4450FED5158B}" destId="{3DD57934-5E09-442C-A927-0F5009AB258D}" srcOrd="0" destOrd="0" presId="urn:microsoft.com/office/officeart/2005/8/layout/hierarchy6"/>
+    <dgm:cxn modelId="{1066C492-333C-49EC-A5CC-AE72018CCFD9}" type="presParOf" srcId="{565B9193-3092-4191-B4D7-4450FED5158B}" destId="{D24D47FE-523A-4015-9CAA-901FC0D214D5}" srcOrd="1" destOrd="0" presId="urn:microsoft.com/office/officeart/2005/8/layout/hierarchy6"/>
+    <dgm:cxn modelId="{CAF36A91-B481-4707-9C88-98A2B1F9F473}" type="presParOf" srcId="{D24D47FE-523A-4015-9CAA-901FC0D214D5}" destId="{4E69DF13-5E8E-4E91-975F-9FDDE2936E47}" srcOrd="0" destOrd="0" presId="urn:microsoft.com/office/officeart/2005/8/layout/hierarchy6"/>
+    <dgm:cxn modelId="{F84B4DEA-A328-4662-867B-088EBF9475E8}" type="presParOf" srcId="{D24D47FE-523A-4015-9CAA-901FC0D214D5}" destId="{9D3D95EC-2023-4BA1-A515-21302324505A}" srcOrd="1" destOrd="0" presId="urn:microsoft.com/office/officeart/2005/8/layout/hierarchy6"/>
+    <dgm:cxn modelId="{3F9FB7BF-DDE2-4D69-995E-FA6CE1E42F23}" type="presParOf" srcId="{9D3D95EC-2023-4BA1-A515-21302324505A}" destId="{93C93900-8187-43D3-8589-C801987549D8}" srcOrd="0" destOrd="0" presId="urn:microsoft.com/office/officeart/2005/8/layout/hierarchy6"/>
+    <dgm:cxn modelId="{62ADD731-A57B-4EF5-9E97-4F9485B70C79}" type="presParOf" srcId="{9D3D95EC-2023-4BA1-A515-21302324505A}" destId="{47B2A419-6ED4-4C73-86AA-9F655C1C9D2A}" srcOrd="1" destOrd="0" presId="urn:microsoft.com/office/officeart/2005/8/layout/hierarchy6"/>
+    <dgm:cxn modelId="{0328358D-9AC2-4506-B79D-9BA7C993F504}" type="presParOf" srcId="{47B2A419-6ED4-4C73-86AA-9F655C1C9D2A}" destId="{4EED4EC6-C75E-4237-B513-1F528969B037}" srcOrd="0" destOrd="0" presId="urn:microsoft.com/office/officeart/2005/8/layout/hierarchy6"/>
+    <dgm:cxn modelId="{8FDFE82C-F837-44AC-A02F-E62594519BEB}" type="presParOf" srcId="{47B2A419-6ED4-4C73-86AA-9F655C1C9D2A}" destId="{6E0FDFC1-4213-4B9B-8ECC-5730827380B1}" srcOrd="1" destOrd="0" presId="urn:microsoft.com/office/officeart/2005/8/layout/hierarchy6"/>
+    <dgm:cxn modelId="{4DDF0D92-0BDF-4229-8768-34F3215AA93F}" type="presParOf" srcId="{6E0FDFC1-4213-4B9B-8ECC-5730827380B1}" destId="{712DC4DD-54A4-4D11-93B8-AF86C0982CE7}" srcOrd="0" destOrd="0" presId="urn:microsoft.com/office/officeart/2005/8/layout/hierarchy6"/>
+    <dgm:cxn modelId="{1FF76F1D-0206-4BBC-B4EA-CF680036CA80}" type="presParOf" srcId="{6E0FDFC1-4213-4B9B-8ECC-5730827380B1}" destId="{06FE832E-06DC-449D-9623-40B31DE5260A}" srcOrd="1" destOrd="0" presId="urn:microsoft.com/office/officeart/2005/8/layout/hierarchy6"/>
+    <dgm:cxn modelId="{51CA2E49-9BBF-4EB0-BD17-93F0239BCC06}" type="presParOf" srcId="{06FE832E-06DC-449D-9623-40B31DE5260A}" destId="{C5D095A0-8EE6-4EB9-8612-3D40277D1615}" srcOrd="0" destOrd="0" presId="urn:microsoft.com/office/officeart/2005/8/layout/hierarchy6"/>
+    <dgm:cxn modelId="{885CC7C6-8B3F-4D41-8733-42A45BC9B1C5}" type="presParOf" srcId="{06FE832E-06DC-449D-9623-40B31DE5260A}" destId="{B6F8A37B-3728-4132-A0B2-2D455B49C14C}" srcOrd="1" destOrd="0" presId="urn:microsoft.com/office/officeart/2005/8/layout/hierarchy6"/>
+    <dgm:cxn modelId="{4FE04A9C-C830-48A6-B315-1143C4550A90}" type="presParOf" srcId="{B6F8A37B-3728-4132-A0B2-2D455B49C14C}" destId="{23569E60-B42A-46D6-895B-EB403DAEAB39}" srcOrd="0" destOrd="0" presId="urn:microsoft.com/office/officeart/2005/8/layout/hierarchy6"/>
+    <dgm:cxn modelId="{3C465CF2-BFDB-4F79-A4E8-038DE37D0B2B}" type="presParOf" srcId="{B6F8A37B-3728-4132-A0B2-2D455B49C14C}" destId="{8AEC3380-BF7F-458C-A43B-E053B8AAB6C8}" srcOrd="1" destOrd="0" presId="urn:microsoft.com/office/officeart/2005/8/layout/hierarchy6"/>
+    <dgm:cxn modelId="{EBD5E54E-ED40-4A2D-ABBF-427F6308CEB8}" type="presParOf" srcId="{1310C93A-257F-43F9-9C19-53032BA77C1A}" destId="{F735E2CF-8C29-48C1-84C7-830FEF7D1A26}" srcOrd="8" destOrd="0" presId="urn:microsoft.com/office/officeart/2005/8/layout/hierarchy6"/>
+    <dgm:cxn modelId="{16400667-1294-40B1-9D00-F9B8F8E057E3}" type="presParOf" srcId="{1310C93A-257F-43F9-9C19-53032BA77C1A}" destId="{48AFB0DB-A5F1-4E3C-A955-DF837FAD14E4}" srcOrd="9" destOrd="0" presId="urn:microsoft.com/office/officeart/2005/8/layout/hierarchy6"/>
+    <dgm:cxn modelId="{37C69F07-B942-472F-AA00-B88797B89307}" type="presParOf" srcId="{48AFB0DB-A5F1-4E3C-A955-DF837FAD14E4}" destId="{8083ECF3-4A6D-4D09-B080-CA9E2FF57236}" srcOrd="0" destOrd="0" presId="urn:microsoft.com/office/officeart/2005/8/layout/hierarchy6"/>
+    <dgm:cxn modelId="{D9421810-1E4A-4E8A-A41E-12AD83F3226D}" type="presParOf" srcId="{48AFB0DB-A5F1-4E3C-A955-DF837FAD14E4}" destId="{2C493079-29ED-4E87-A787-50DAC8099E25}" srcOrd="1" destOrd="0" presId="urn:microsoft.com/office/officeart/2005/8/layout/hierarchy6"/>
+    <dgm:cxn modelId="{05DEDC60-1F55-402F-B439-D2DEB12E1510}" type="presParOf" srcId="{2C493079-29ED-4E87-A787-50DAC8099E25}" destId="{64900635-8DCD-4DF3-B12D-2B985CABC71A}" srcOrd="0" destOrd="0" presId="urn:microsoft.com/office/officeart/2005/8/layout/hierarchy6"/>
+    <dgm:cxn modelId="{4B6BA802-A140-4292-8E60-4BEDCC1C4E89}" type="presParOf" srcId="{2C493079-29ED-4E87-A787-50DAC8099E25}" destId="{773E5E19-E898-4FB5-9479-84A75550A456}" srcOrd="1" destOrd="0" presId="urn:microsoft.com/office/officeart/2005/8/layout/hierarchy6"/>
+    <dgm:cxn modelId="{9F17AAE1-7FC4-48ED-853B-23E7AC442179}" type="presParOf" srcId="{773E5E19-E898-4FB5-9479-84A75550A456}" destId="{92DF44D8-235C-4496-9E5B-04260D070234}" srcOrd="0" destOrd="0" presId="urn:microsoft.com/office/officeart/2005/8/layout/hierarchy6"/>
+    <dgm:cxn modelId="{917E8832-54D2-4D5B-8AB5-4E7A535CCA2C}" type="presParOf" srcId="{773E5E19-E898-4FB5-9479-84A75550A456}" destId="{B78E7553-FDDA-4447-9D04-EE2E1E15DB85}" srcOrd="1" destOrd="0" presId="urn:microsoft.com/office/officeart/2005/8/layout/hierarchy6"/>
+    <dgm:cxn modelId="{46B517F7-CC53-43B6-B03B-96490AF3DE17}" type="presParOf" srcId="{B78E7553-FDDA-4447-9D04-EE2E1E15DB85}" destId="{70099853-D6C6-45DD-8965-6B3F303FCB7B}" srcOrd="0" destOrd="0" presId="urn:microsoft.com/office/officeart/2005/8/layout/hierarchy6"/>
+    <dgm:cxn modelId="{8B1CF518-F467-4F51-8CB7-D8ED6123FEF5}" type="presParOf" srcId="{B78E7553-FDDA-4447-9D04-EE2E1E15DB85}" destId="{38A51D49-7BF0-47A8-95A1-F9BFBDD027E6}" srcOrd="1" destOrd="0" presId="urn:microsoft.com/office/officeart/2005/8/layout/hierarchy6"/>
+    <dgm:cxn modelId="{E68B63E7-D628-466E-BCCC-409545786FDE}" type="presParOf" srcId="{38A51D49-7BF0-47A8-95A1-F9BFBDD027E6}" destId="{9D4DAB13-3BDF-4004-BBF9-0AF61D5F5F89}" srcOrd="0" destOrd="0" presId="urn:microsoft.com/office/officeart/2005/8/layout/hierarchy6"/>
+    <dgm:cxn modelId="{07C92456-9B06-44AC-906C-8A0D9088F836}" type="presParOf" srcId="{38A51D49-7BF0-47A8-95A1-F9BFBDD027E6}" destId="{723F23CC-2BC6-4953-8F94-321AECE23CFE}" srcOrd="1" destOrd="0" presId="urn:microsoft.com/office/officeart/2005/8/layout/hierarchy6"/>
+    <dgm:cxn modelId="{B54EED4F-C532-4332-B301-A3CF6257B2F5}" type="presParOf" srcId="{723F23CC-2BC6-4953-8F94-321AECE23CFE}" destId="{4E400D75-3AC2-42DF-9470-72FBEAC0BB79}" srcOrd="0" destOrd="0" presId="urn:microsoft.com/office/officeart/2005/8/layout/hierarchy6"/>
+    <dgm:cxn modelId="{EA11D73C-D8B7-44D7-9FC7-D570CB77D31E}" type="presParOf" srcId="{723F23CC-2BC6-4953-8F94-321AECE23CFE}" destId="{E95B1BFA-DB58-4ECD-9D19-69ECEFA2AF32}" srcOrd="1" destOrd="0" presId="urn:microsoft.com/office/officeart/2005/8/layout/hierarchy6"/>
+    <dgm:cxn modelId="{1BF7FDED-AB88-4EE6-8ED5-9159F7140696}" type="presParOf" srcId="{E95B1BFA-DB58-4ECD-9D19-69ECEFA2AF32}" destId="{CF04F5AB-3563-4DB1-A4BC-F556F7D0C9D5}" srcOrd="0" destOrd="0" presId="urn:microsoft.com/office/officeart/2005/8/layout/hierarchy6"/>
+    <dgm:cxn modelId="{8DB7C214-38DA-4B04-A3B4-1EBB25145F92}" type="presParOf" srcId="{E95B1BFA-DB58-4ECD-9D19-69ECEFA2AF32}" destId="{5BE4BF58-CDFC-41D8-A720-52A2E11068F3}" srcOrd="1" destOrd="0" presId="urn:microsoft.com/office/officeart/2005/8/layout/hierarchy6"/>
+    <dgm:cxn modelId="{B2E4C63C-B4FB-40F4-A5A2-B88F94165C01}" type="presParOf" srcId="{5BE4BF58-CDFC-41D8-A720-52A2E11068F3}" destId="{B6371254-1FFA-4EC8-9A90-4F69AC26C4B8}" srcOrd="0" destOrd="0" presId="urn:microsoft.com/office/officeart/2005/8/layout/hierarchy6"/>
+    <dgm:cxn modelId="{9E4F5C23-60E7-42D9-8539-12014637D64B}" type="presParOf" srcId="{5BE4BF58-CDFC-41D8-A720-52A2E11068F3}" destId="{A9817A76-8597-449D-B92F-8AEE85191D54}" srcOrd="1" destOrd="0" presId="urn:microsoft.com/office/officeart/2005/8/layout/hierarchy6"/>
+    <dgm:cxn modelId="{DC67EDB2-E951-4F08-BD25-16AF740C3033}" type="presParOf" srcId="{A9817A76-8597-449D-B92F-8AEE85191D54}" destId="{E9D5C307-8A1D-4EC7-B20E-8E8F48C13981}" srcOrd="0" destOrd="0" presId="urn:microsoft.com/office/officeart/2005/8/layout/hierarchy6"/>
+    <dgm:cxn modelId="{80DBD0A9-EF0A-4D72-BEFF-ACDD8D37C4B9}" type="presParOf" srcId="{A9817A76-8597-449D-B92F-8AEE85191D54}" destId="{1D2F9C2F-4C3B-4B47-AF86-182981AA931E}" srcOrd="1" destOrd="0" presId="urn:microsoft.com/office/officeart/2005/8/layout/hierarchy6"/>
+    <dgm:cxn modelId="{A72AF3F6-8260-4779-845C-F0F2EA1F6CDA}" type="presParOf" srcId="{1310C93A-257F-43F9-9C19-53032BA77C1A}" destId="{B8BBA04E-A661-4440-88BC-48A5A46928AD}" srcOrd="10" destOrd="0" presId="urn:microsoft.com/office/officeart/2005/8/layout/hierarchy6"/>
+    <dgm:cxn modelId="{C23F8E6E-92FE-4539-9B4F-C5E535D2CE07}" type="presParOf" srcId="{1310C93A-257F-43F9-9C19-53032BA77C1A}" destId="{21323A3E-798F-4FD2-849A-C556E8FABEB5}" srcOrd="11" destOrd="0" presId="urn:microsoft.com/office/officeart/2005/8/layout/hierarchy6"/>
+    <dgm:cxn modelId="{006D4888-BFD5-4D1F-87E9-13A0A0748B93}" type="presParOf" srcId="{21323A3E-798F-4FD2-849A-C556E8FABEB5}" destId="{F5D11855-5721-4682-A076-B1B508937B57}" srcOrd="0" destOrd="0" presId="urn:microsoft.com/office/officeart/2005/8/layout/hierarchy6"/>
+    <dgm:cxn modelId="{206DE533-D7DC-4314-BA19-27BDA6400DF3}" type="presParOf" srcId="{21323A3E-798F-4FD2-849A-C556E8FABEB5}" destId="{E2849A17-F155-4BD3-88DE-721F27239E2B}" srcOrd="1" destOrd="0" presId="urn:microsoft.com/office/officeart/2005/8/layout/hierarchy6"/>
+    <dgm:cxn modelId="{4574A691-B1C7-4F48-B23C-5806DE941CB5}" type="presParOf" srcId="{E2849A17-F155-4BD3-88DE-721F27239E2B}" destId="{7C69395F-B695-4DFD-9AE3-CCCC3BD07CBB}" srcOrd="0" destOrd="0" presId="urn:microsoft.com/office/officeart/2005/8/layout/hierarchy6"/>
+    <dgm:cxn modelId="{E529B10A-5A62-4641-B8D3-7E6AB357B249}" type="presParOf" srcId="{E2849A17-F155-4BD3-88DE-721F27239E2B}" destId="{3EE85766-1C49-483D-9618-F660A73E9A38}" srcOrd="1" destOrd="0" presId="urn:microsoft.com/office/officeart/2005/8/layout/hierarchy6"/>
+    <dgm:cxn modelId="{3EBA9610-B959-424E-914E-E1DE609331C7}" type="presParOf" srcId="{3EE85766-1C49-483D-9618-F660A73E9A38}" destId="{C5044203-A88D-4B18-9810-49E9EA828504}" srcOrd="0" destOrd="0" presId="urn:microsoft.com/office/officeart/2005/8/layout/hierarchy6"/>
+    <dgm:cxn modelId="{293B1311-06C5-4256-91D7-4250CD3EAE3A}" type="presParOf" srcId="{3EE85766-1C49-483D-9618-F660A73E9A38}" destId="{144BA307-1F5B-428B-A812-E4187108EE29}" srcOrd="1" destOrd="0" presId="urn:microsoft.com/office/officeart/2005/8/layout/hierarchy6"/>
+    <dgm:cxn modelId="{574A1ECC-6259-4CB2-A932-85686E283E15}" type="presParOf" srcId="{144BA307-1F5B-428B-A812-E4187108EE29}" destId="{3D2151FC-33BA-453D-AA0E-CDDCBD0EEE9C}" srcOrd="0" destOrd="0" presId="urn:microsoft.com/office/officeart/2005/8/layout/hierarchy6"/>
+    <dgm:cxn modelId="{2038CFA9-A4E9-45C3-87F7-11FE7DC211F5}" type="presParOf" srcId="{144BA307-1F5B-428B-A812-E4187108EE29}" destId="{3194FAF6-EE57-4E36-8BE0-00D4A11857C5}" srcOrd="1" destOrd="0" presId="urn:microsoft.com/office/officeart/2005/8/layout/hierarchy6"/>
+    <dgm:cxn modelId="{D1652715-94C7-4C04-B9F3-466DE1DF67B4}" type="presParOf" srcId="{3194FAF6-EE57-4E36-8BE0-00D4A11857C5}" destId="{AE1D8903-F48F-42E3-945F-5C5316952795}" srcOrd="0" destOrd="0" presId="urn:microsoft.com/office/officeart/2005/8/layout/hierarchy6"/>
+    <dgm:cxn modelId="{E6F4B5CE-73DE-444E-9B5D-0C79986FE060}" type="presParOf" srcId="{3194FAF6-EE57-4E36-8BE0-00D4A11857C5}" destId="{17165570-09AE-408C-AB80-EDC0C6614B48}" srcOrd="1" destOrd="0" presId="urn:microsoft.com/office/officeart/2005/8/layout/hierarchy6"/>
+    <dgm:cxn modelId="{1F4F1C14-F77F-4FD2-819B-AA42448ACF89}" type="presParOf" srcId="{17165570-09AE-408C-AB80-EDC0C6614B48}" destId="{2D318F84-E12B-497C-A08E-FA9EE0475B26}" srcOrd="0" destOrd="0" presId="urn:microsoft.com/office/officeart/2005/8/layout/hierarchy6"/>
+    <dgm:cxn modelId="{92DF2BAA-03E6-4959-BCB1-E6D2CDD04756}" type="presParOf" srcId="{17165570-09AE-408C-AB80-EDC0C6614B48}" destId="{D8EC8B46-CDC9-4660-94F0-DF6EFA39AF9C}" srcOrd="1" destOrd="0" presId="urn:microsoft.com/office/officeart/2005/8/layout/hierarchy6"/>
+    <dgm:cxn modelId="{EA89C2A6-98FF-4A5D-AA35-A35FE5290350}" type="presParOf" srcId="{D8EC8B46-CDC9-4660-94F0-DF6EFA39AF9C}" destId="{920982DC-2630-4054-B387-AEC5EDAB1340}" srcOrd="0" destOrd="0" presId="urn:microsoft.com/office/officeart/2005/8/layout/hierarchy6"/>
+    <dgm:cxn modelId="{65304D0F-17DB-42D8-B38B-594F1A6A9E21}" type="presParOf" srcId="{D8EC8B46-CDC9-4660-94F0-DF6EFA39AF9C}" destId="{486EF65B-A10B-44C6-B9CA-9FB5ECE47B71}" srcOrd="1" destOrd="0" presId="urn:microsoft.com/office/officeart/2005/8/layout/hierarchy6"/>
+    <dgm:cxn modelId="{5B277E27-28B1-48EE-8E11-14D1AB40E21F}" type="presParOf" srcId="{1310C93A-257F-43F9-9C19-53032BA77C1A}" destId="{44A92FEE-33E2-4B91-A94C-B4EA8EE86B60}" srcOrd="12" destOrd="0" presId="urn:microsoft.com/office/officeart/2005/8/layout/hierarchy6"/>
+    <dgm:cxn modelId="{524296C5-F72B-4958-9EBC-24C2924CB235}" type="presParOf" srcId="{1310C93A-257F-43F9-9C19-53032BA77C1A}" destId="{26A5A1AB-7539-4101-9F47-3BBB79D00FCA}" srcOrd="13" destOrd="0" presId="urn:microsoft.com/office/officeart/2005/8/layout/hierarchy6"/>
+    <dgm:cxn modelId="{D1FFDF63-6562-4E9C-8ADE-20C5A5FBFBC1}" type="presParOf" srcId="{26A5A1AB-7539-4101-9F47-3BBB79D00FCA}" destId="{1D4FB0B1-442C-44CE-BE21-E9FDAD3A9144}" srcOrd="0" destOrd="0" presId="urn:microsoft.com/office/officeart/2005/8/layout/hierarchy6"/>
+    <dgm:cxn modelId="{21973BDB-CD72-47EB-AAB3-7A8C7A58C3B0}" type="presParOf" srcId="{26A5A1AB-7539-4101-9F47-3BBB79D00FCA}" destId="{F1F1C683-82EB-43FB-9832-003B95D9A3E2}" srcOrd="1" destOrd="0" presId="urn:microsoft.com/office/officeart/2005/8/layout/hierarchy6"/>
+    <dgm:cxn modelId="{BD0A043B-7321-4EEA-A000-084DB3BCBCE5}" type="presParOf" srcId="{F1F1C683-82EB-43FB-9832-003B95D9A3E2}" destId="{BD3EDBA1-58E6-46D1-8F92-11C7D932A901}" srcOrd="0" destOrd="0" presId="urn:microsoft.com/office/officeart/2005/8/layout/hierarchy6"/>
+    <dgm:cxn modelId="{10D74852-3EBD-442E-8CCC-D95F78C46835}" type="presParOf" srcId="{F1F1C683-82EB-43FB-9832-003B95D9A3E2}" destId="{73C9CD6F-BB82-478D-BAB4-EE3A6FD8797C}" srcOrd="1" destOrd="0" presId="urn:microsoft.com/office/officeart/2005/8/layout/hierarchy6"/>
+    <dgm:cxn modelId="{C2153C96-76D5-40ED-BE2D-AA25A15BAF04}" type="presParOf" srcId="{73C9CD6F-BB82-478D-BAB4-EE3A6FD8797C}" destId="{AEE5FF50-BB8D-4A70-8A11-9F9219A16C96}" srcOrd="0" destOrd="0" presId="urn:microsoft.com/office/officeart/2005/8/layout/hierarchy6"/>
+    <dgm:cxn modelId="{3181B321-281A-4FF1-ADD4-AD8E82090775}" type="presParOf" srcId="{73C9CD6F-BB82-478D-BAB4-EE3A6FD8797C}" destId="{8681F635-FEC3-4AAC-A631-7EF8C3595481}" srcOrd="1" destOrd="0" presId="urn:microsoft.com/office/officeart/2005/8/layout/hierarchy6"/>
+    <dgm:cxn modelId="{B9D66DB1-27EB-4CE4-85BA-13E3D221FB68}" type="presParOf" srcId="{8681F635-FEC3-4AAC-A631-7EF8C3595481}" destId="{95517795-1F73-461A-B8A9-0DB9072BC468}" srcOrd="0" destOrd="0" presId="urn:microsoft.com/office/officeart/2005/8/layout/hierarchy6"/>
+    <dgm:cxn modelId="{32C84F68-8464-4C35-847D-44EAFDE44A13}" type="presParOf" srcId="{8681F635-FEC3-4AAC-A631-7EF8C3595481}" destId="{9BFB5F0E-9487-4CD9-94ED-4B747B95E452}" srcOrd="1" destOrd="0" presId="urn:microsoft.com/office/officeart/2005/8/layout/hierarchy6"/>
+    <dgm:cxn modelId="{17197F85-2F8B-4EF0-A781-136FABCE758A}" type="presParOf" srcId="{9BFB5F0E-9487-4CD9-94ED-4B747B95E452}" destId="{51EAB6DB-A7F8-4F89-835D-ED7DFDC5E4CD}" srcOrd="0" destOrd="0" presId="urn:microsoft.com/office/officeart/2005/8/layout/hierarchy6"/>
+    <dgm:cxn modelId="{17F24DDE-0AB3-4BF3-89A9-BD7603C56854}" type="presParOf" srcId="{9BFB5F0E-9487-4CD9-94ED-4B747B95E452}" destId="{39F4CE89-3B6A-4973-B184-14329B08CC52}" srcOrd="1" destOrd="0" presId="urn:microsoft.com/office/officeart/2005/8/layout/hierarchy6"/>
     <dgm:cxn modelId="{66135ACE-AFD5-4188-8623-5FEA1ECD0534}" type="presParOf" srcId="{327FBF58-624F-4F1F-9921-6E06642364B9}" destId="{9E32E7D7-3694-4D3D-93A8-B6E3BCA66E70}" srcOrd="1" destOrd="0" presId="urn:microsoft.com/office/officeart/2005/8/layout/hierarchy6"/>
   </dgm:cxnLst>
   <dgm:bg/>
@@ -2795,12 +2864,12 @@
         </a:fontRef>
       </dsp:style>
       <dsp:txBody>
-        <a:bodyPr spcFirstLastPara="0" vert="horz" wrap="square" lIns="34290" tIns="34290" rIns="34290" bIns="34290" numCol="1" spcCol="1270" anchor="ctr" anchorCtr="0">
+        <a:bodyPr spcFirstLastPara="0" vert="horz" wrap="square" lIns="30480" tIns="30480" rIns="30480" bIns="30480" numCol="1" spcCol="1270" anchor="ctr" anchorCtr="0">
           <a:noAutofit/>
         </a:bodyPr>
         <a:lstStyle/>
         <a:p>
-          <a:pPr marL="0" lvl="0" indent="0" algn="ctr" defTabSz="400050">
+          <a:pPr marL="0" lvl="0" indent="0" algn="ctr" defTabSz="355600">
             <a:lnSpc>
               <a:spcPct val="90000"/>
             </a:lnSpc>
@@ -2813,14 +2882,14 @@
             <a:buNone/>
           </a:pPr>
           <a:r>
-            <a:rPr lang="es-ES_tradnl" sz="900" kern="1200" dirty="0"/>
+            <a:rPr lang="es-ES_tradnl" sz="800" kern="1200" dirty="0"/>
             <a:t>Proyecto </a:t>
           </a:r>
           <a:r>
-            <a:rPr lang="es-ES_tradnl" sz="900" kern="1200" dirty="0" err="1"/>
+            <a:rPr lang="es-ES_tradnl" sz="800" kern="1200" dirty="0" err="1"/>
             <a:t>MeCuida</a:t>
           </a:r>
-          <a:endParaRPr lang="es-ES" sz="900" kern="1200" dirty="0"/>
+          <a:endParaRPr lang="es-ES" sz="800" kern="1200" dirty="0"/>
         </a:p>
       </dsp:txBody>
       <dsp:txXfrm>
@@ -2828,15 +2897,15 @@
         <a:ext cx="856696" cy="559525"/>
       </dsp:txXfrm>
     </dsp:sp>
-    <dsp:sp modelId="{ECE94489-582E-4D24-A60B-70DA935857A8}">
+    <dsp:sp modelId="{909756E3-99E7-44AA-A3C7-19374AE5DAB8}">
       <dsp:nvSpPr>
         <dsp:cNvPr id="0" name=""/>
         <dsp:cNvSpPr/>
       </dsp:nvSpPr>
       <dsp:spPr>
         <a:xfrm>
-          <a:off x="2569104" y="598548"/>
-          <a:ext cx="2897416" cy="237736"/>
+          <a:off x="1989621" y="598548"/>
+          <a:ext cx="3476899" cy="237736"/>
         </a:xfrm>
         <a:custGeom>
           <a:avLst/>
@@ -2847,10 +2916,10 @@
           <a:pathLst>
             <a:path>
               <a:moveTo>
-                <a:pt x="2897416" y="0"/>
+                <a:pt x="3476899" y="0"/>
               </a:moveTo>
               <a:lnTo>
-                <a:pt x="2897416" y="118868"/>
+                <a:pt x="3476899" y="118868"/>
               </a:lnTo>
               <a:lnTo>
                 <a:pt x="0" y="118868"/>
@@ -2890,14 +2959,14 @@
         <a:fontRef idx="minor"/>
       </dsp:style>
     </dsp:sp>
-    <dsp:sp modelId="{B6589975-B071-491E-8570-70970CA1F480}">
+    <dsp:sp modelId="{7AC0F532-950B-4237-B2A3-453E379DA90E}">
       <dsp:nvSpPr>
         <dsp:cNvPr id="0" name=""/>
         <dsp:cNvSpPr/>
       </dsp:nvSpPr>
       <dsp:spPr>
         <a:xfrm>
-          <a:off x="2123348" y="836284"/>
+          <a:off x="1543865" y="836284"/>
           <a:ext cx="891512" cy="594341"/>
         </a:xfrm>
         <a:prstGeom prst="roundRect">
@@ -2943,12 +3012,12 @@
         </a:fontRef>
       </dsp:style>
       <dsp:txBody>
-        <a:bodyPr spcFirstLastPara="0" vert="horz" wrap="square" lIns="34290" tIns="34290" rIns="34290" bIns="34290" numCol="1" spcCol="1270" anchor="ctr" anchorCtr="0">
+        <a:bodyPr spcFirstLastPara="0" vert="horz" wrap="square" lIns="30480" tIns="30480" rIns="30480" bIns="30480" numCol="1" spcCol="1270" anchor="ctr" anchorCtr="0">
           <a:noAutofit/>
         </a:bodyPr>
         <a:lstStyle/>
         <a:p>
-          <a:pPr marL="0" lvl="0" indent="0" algn="ctr" defTabSz="400050">
+          <a:pPr marL="0" lvl="0" indent="0" algn="ctr" defTabSz="355600">
             <a:lnSpc>
               <a:spcPct val="90000"/>
             </a:lnSpc>
@@ -2961,25 +3030,173 @@
             <a:buNone/>
           </a:pPr>
           <a:r>
-            <a:rPr lang="es-ES_tradnl" sz="900" kern="1200" dirty="0"/>
-            <a:t>1. Análisis</a:t>
+            <a:rPr lang="en-US" sz="800" kern="1200" dirty="0"/>
+            <a:t>1. </a:t>
           </a:r>
-          <a:endParaRPr lang="es-ES" sz="900" kern="1200" dirty="0"/>
+          <a:r>
+            <a:rPr lang="en-US" sz="800" kern="1200" dirty="0" err="1"/>
+            <a:t>Inicio</a:t>
+          </a:r>
+          <a:endParaRPr lang="es-ES" sz="800" kern="1200" dirty="0"/>
         </a:p>
       </dsp:txBody>
       <dsp:txXfrm>
-        <a:off x="2140756" y="853692"/>
+        <a:off x="1561273" y="853692"/>
         <a:ext cx="856696" cy="559525"/>
       </dsp:txXfrm>
     </dsp:sp>
-    <dsp:sp modelId="{CD65A56E-BEB9-4A66-90D9-A9B1CD0B97DF}">
+    <dsp:sp modelId="{6F2A1E2D-C6A8-49EA-9BF1-89BB72F13956}">
       <dsp:nvSpPr>
         <dsp:cNvPr id="0" name=""/>
         <dsp:cNvSpPr/>
       </dsp:nvSpPr>
       <dsp:spPr>
         <a:xfrm>
-          <a:off x="2523384" y="1430626"/>
+          <a:off x="3148587" y="598548"/>
+          <a:ext cx="2317933" cy="237736"/>
+        </a:xfrm>
+        <a:custGeom>
+          <a:avLst/>
+          <a:gdLst/>
+          <a:ahLst/>
+          <a:cxnLst/>
+          <a:rect l="0" t="0" r="0" b="0"/>
+          <a:pathLst>
+            <a:path>
+              <a:moveTo>
+                <a:pt x="2317933" y="0"/>
+              </a:moveTo>
+              <a:lnTo>
+                <a:pt x="2317933" y="118868"/>
+              </a:lnTo>
+              <a:lnTo>
+                <a:pt x="0" y="118868"/>
+              </a:lnTo>
+              <a:lnTo>
+                <a:pt x="0" y="237736"/>
+              </a:lnTo>
+            </a:path>
+          </a:pathLst>
+        </a:custGeom>
+        <a:noFill/>
+        <a:ln w="12700" cap="flat" cmpd="sng" algn="ctr">
+          <a:solidFill>
+            <a:schemeClr val="accent1">
+              <a:tint val="90000"/>
+              <a:hueOff val="0"/>
+              <a:satOff val="0"/>
+              <a:lumOff val="0"/>
+              <a:alphaOff val="0"/>
+            </a:schemeClr>
+          </a:solidFill>
+          <a:prstDash val="solid"/>
+          <a:miter lim="800000"/>
+        </a:ln>
+        <a:effectLst/>
+      </dsp:spPr>
+      <dsp:style>
+        <a:lnRef idx="2">
+          <a:scrgbClr r="0" g="0" b="0"/>
+        </a:lnRef>
+        <a:fillRef idx="0">
+          <a:scrgbClr r="0" g="0" b="0"/>
+        </a:fillRef>
+        <a:effectRef idx="0">
+          <a:scrgbClr r="0" g="0" b="0"/>
+        </a:effectRef>
+        <a:fontRef idx="minor"/>
+      </dsp:style>
+    </dsp:sp>
+    <dsp:sp modelId="{E3195452-4088-4894-8DFD-AE2BFA9054E4}">
+      <dsp:nvSpPr>
+        <dsp:cNvPr id="0" name=""/>
+        <dsp:cNvSpPr/>
+      </dsp:nvSpPr>
+      <dsp:spPr>
+        <a:xfrm>
+          <a:off x="2702831" y="836284"/>
+          <a:ext cx="891512" cy="594341"/>
+        </a:xfrm>
+        <a:prstGeom prst="roundRect">
+          <a:avLst>
+            <a:gd name="adj" fmla="val 10000"/>
+          </a:avLst>
+        </a:prstGeom>
+        <a:solidFill>
+          <a:schemeClr val="accent1">
+            <a:shade val="80000"/>
+            <a:hueOff val="0"/>
+            <a:satOff val="0"/>
+            <a:lumOff val="0"/>
+            <a:alphaOff val="0"/>
+          </a:schemeClr>
+        </a:solidFill>
+        <a:ln w="19050" cap="flat" cmpd="sng" algn="ctr">
+          <a:solidFill>
+            <a:schemeClr val="lt1">
+              <a:hueOff val="0"/>
+              <a:satOff val="0"/>
+              <a:lumOff val="0"/>
+              <a:alphaOff val="0"/>
+            </a:schemeClr>
+          </a:solidFill>
+          <a:prstDash val="solid"/>
+          <a:miter lim="800000"/>
+        </a:ln>
+        <a:effectLst/>
+      </dsp:spPr>
+      <dsp:style>
+        <a:lnRef idx="3">
+          <a:scrgbClr r="0" g="0" b="0"/>
+        </a:lnRef>
+        <a:fillRef idx="1">
+          <a:scrgbClr r="0" g="0" b="0"/>
+        </a:fillRef>
+        <a:effectRef idx="1">
+          <a:scrgbClr r="0" g="0" b="0"/>
+        </a:effectRef>
+        <a:fontRef idx="minor">
+          <a:schemeClr val="lt1"/>
+        </a:fontRef>
+      </dsp:style>
+      <dsp:txBody>
+        <a:bodyPr spcFirstLastPara="0" vert="horz" wrap="square" lIns="30480" tIns="30480" rIns="30480" bIns="30480" numCol="1" spcCol="1270" anchor="ctr" anchorCtr="0">
+          <a:noAutofit/>
+        </a:bodyPr>
+        <a:lstStyle/>
+        <a:p>
+          <a:pPr marL="0" lvl="0" indent="0" algn="ctr" defTabSz="355600">
+            <a:lnSpc>
+              <a:spcPct val="90000"/>
+            </a:lnSpc>
+            <a:spcBef>
+              <a:spcPct val="0"/>
+            </a:spcBef>
+            <a:spcAft>
+              <a:spcPct val="35000"/>
+            </a:spcAft>
+            <a:buNone/>
+          </a:pPr>
+          <a:r>
+            <a:rPr lang="es-ES_tradnl" sz="800" kern="1200" dirty="0"/>
+            <a:t>2. Análisis</a:t>
+          </a:r>
+          <a:endParaRPr lang="es-ES" sz="800" kern="1200" dirty="0"/>
+        </a:p>
+      </dsp:txBody>
+      <dsp:txXfrm>
+        <a:off x="2720239" y="853692"/>
+        <a:ext cx="856696" cy="559525"/>
+      </dsp:txXfrm>
+    </dsp:sp>
+    <dsp:sp modelId="{CADF8BA8-4C18-4BCF-B785-1B1223495F63}">
+      <dsp:nvSpPr>
+        <dsp:cNvPr id="0" name=""/>
+        <dsp:cNvSpPr/>
+      </dsp:nvSpPr>
+      <dsp:spPr>
+        <a:xfrm>
+          <a:off x="3102867" y="1430626"/>
           <a:ext cx="91440" cy="237736"/>
         </a:xfrm>
         <a:custGeom>
@@ -3028,14 +3245,14 @@
         <a:fontRef idx="minor"/>
       </dsp:style>
     </dsp:sp>
-    <dsp:sp modelId="{BCE69E19-3950-4634-98DB-22EACA842756}">
+    <dsp:sp modelId="{C85E5849-5BD0-41A7-BC45-A54BCA8E87E7}">
       <dsp:nvSpPr>
         <dsp:cNvPr id="0" name=""/>
         <dsp:cNvSpPr/>
       </dsp:nvSpPr>
       <dsp:spPr>
         <a:xfrm>
-          <a:off x="2123348" y="1668363"/>
+          <a:off x="2702831" y="1668363"/>
           <a:ext cx="891512" cy="594341"/>
         </a:xfrm>
         <a:prstGeom prst="roundRect">
@@ -3081,12 +3298,12 @@
         </a:fontRef>
       </dsp:style>
       <dsp:txBody>
-        <a:bodyPr spcFirstLastPara="0" vert="horz" wrap="square" lIns="34290" tIns="34290" rIns="34290" bIns="34290" numCol="1" spcCol="1270" anchor="ctr" anchorCtr="0">
+        <a:bodyPr spcFirstLastPara="0" vert="horz" wrap="square" lIns="30480" tIns="30480" rIns="30480" bIns="30480" numCol="1" spcCol="1270" anchor="ctr" anchorCtr="0">
           <a:noAutofit/>
         </a:bodyPr>
         <a:lstStyle/>
         <a:p>
-          <a:pPr marL="0" lvl="0" indent="0" algn="ctr" defTabSz="400050">
+          <a:pPr marL="0" lvl="0" indent="0" algn="ctr" defTabSz="355600">
             <a:lnSpc>
               <a:spcPct val="90000"/>
             </a:lnSpc>
@@ -3099,25 +3316,25 @@
             <a:buNone/>
           </a:pPr>
           <a:r>
-            <a:rPr lang="es-ES_tradnl" sz="900" kern="1200" dirty="0"/>
-            <a:t>1.1. Requerimientos Funcionales</a:t>
+            <a:rPr lang="es-ES_tradnl" sz="800" kern="1200" dirty="0"/>
+            <a:t>2.1. Requerimientos</a:t>
           </a:r>
-          <a:endParaRPr lang="es-ES" sz="900" kern="1200" dirty="0"/>
+          <a:endParaRPr lang="es-ES" sz="800" kern="1200" dirty="0"/>
         </a:p>
       </dsp:txBody>
       <dsp:txXfrm>
-        <a:off x="2140756" y="1685771"/>
+        <a:off x="2720239" y="1685771"/>
         <a:ext cx="856696" cy="559525"/>
       </dsp:txXfrm>
     </dsp:sp>
-    <dsp:sp modelId="{A181B12C-7C20-4BE9-8886-24DDE0080781}">
+    <dsp:sp modelId="{38D40A92-1EB9-4FB5-ADC1-9A0DF87BEE8D}">
       <dsp:nvSpPr>
         <dsp:cNvPr id="0" name=""/>
         <dsp:cNvSpPr/>
       </dsp:nvSpPr>
       <dsp:spPr>
         <a:xfrm>
-          <a:off x="2523384" y="2262705"/>
+          <a:off x="3102867" y="2262705"/>
           <a:ext cx="91440" cy="237736"/>
         </a:xfrm>
         <a:custGeom>
@@ -3166,14 +3383,14 @@
         <a:fontRef idx="minor"/>
       </dsp:style>
     </dsp:sp>
-    <dsp:sp modelId="{6A78302F-C42E-4BD7-B84C-CB25A3C0F412}">
+    <dsp:sp modelId="{D5810A6F-9BEC-4CA9-A2D9-D690ED127B30}">
       <dsp:nvSpPr>
         <dsp:cNvPr id="0" name=""/>
         <dsp:cNvSpPr/>
       </dsp:nvSpPr>
       <dsp:spPr>
         <a:xfrm>
-          <a:off x="2123348" y="2500441"/>
+          <a:off x="2702831" y="2500441"/>
           <a:ext cx="891512" cy="594341"/>
         </a:xfrm>
         <a:prstGeom prst="roundRect">
@@ -3219,12 +3436,12 @@
         </a:fontRef>
       </dsp:style>
       <dsp:txBody>
-        <a:bodyPr spcFirstLastPara="0" vert="horz" wrap="square" lIns="34290" tIns="34290" rIns="34290" bIns="34290" numCol="1" spcCol="1270" anchor="ctr" anchorCtr="0">
+        <a:bodyPr spcFirstLastPara="0" vert="horz" wrap="square" lIns="30480" tIns="30480" rIns="30480" bIns="30480" numCol="1" spcCol="1270" anchor="ctr" anchorCtr="0">
           <a:noAutofit/>
         </a:bodyPr>
         <a:lstStyle/>
         <a:p>
-          <a:pPr marL="0" lvl="0" indent="0" algn="ctr" defTabSz="400050">
+          <a:pPr marL="0" lvl="0" indent="0" algn="ctr" defTabSz="355600">
             <a:lnSpc>
               <a:spcPct val="90000"/>
             </a:lnSpc>
@@ -3237,25 +3454,25 @@
             <a:buNone/>
           </a:pPr>
           <a:r>
-            <a:rPr lang="es-ES_tradnl" sz="900" kern="1200" dirty="0"/>
-            <a:t>1.2. Requerimientos no funcionales</a:t>
+            <a:rPr lang="es-ES_tradnl" sz="800" kern="1200" dirty="0"/>
+            <a:t>2.2. Contexto y Riesgos</a:t>
           </a:r>
-          <a:endParaRPr lang="es-ES" sz="900" kern="1200" dirty="0"/>
+          <a:endParaRPr lang="es-ES" sz="800" kern="1200" dirty="0"/>
         </a:p>
       </dsp:txBody>
       <dsp:txXfrm>
-        <a:off x="2140756" y="2517849"/>
+        <a:off x="2720239" y="2517849"/>
         <a:ext cx="856696" cy="559525"/>
       </dsp:txXfrm>
     </dsp:sp>
-    <dsp:sp modelId="{9B8E5F4D-3D7A-47D4-BEB1-7A4D761EC373}">
+    <dsp:sp modelId="{03FC8A99-0567-4C91-89DE-DB16B2C0A767}">
       <dsp:nvSpPr>
         <dsp:cNvPr id="0" name=""/>
         <dsp:cNvSpPr/>
       </dsp:nvSpPr>
       <dsp:spPr>
         <a:xfrm>
-          <a:off x="2523384" y="3094783"/>
+          <a:off x="3102867" y="3094783"/>
           <a:ext cx="91440" cy="237736"/>
         </a:xfrm>
         <a:custGeom>
@@ -3304,14 +3521,14 @@
         <a:fontRef idx="minor"/>
       </dsp:style>
     </dsp:sp>
-    <dsp:sp modelId="{EA693939-0FD8-4332-A064-9C5C4989F6C3}">
+    <dsp:sp modelId="{55C79116-3FEA-41A8-A479-CB0E380F7808}">
       <dsp:nvSpPr>
         <dsp:cNvPr id="0" name=""/>
         <dsp:cNvSpPr/>
       </dsp:nvSpPr>
       <dsp:spPr>
         <a:xfrm>
-          <a:off x="2123348" y="3332520"/>
+          <a:off x="2702831" y="3332520"/>
           <a:ext cx="891512" cy="594341"/>
         </a:xfrm>
         <a:prstGeom prst="roundRect">
@@ -3357,12 +3574,12 @@
         </a:fontRef>
       </dsp:style>
       <dsp:txBody>
-        <a:bodyPr spcFirstLastPara="0" vert="horz" wrap="square" lIns="34290" tIns="34290" rIns="34290" bIns="34290" numCol="1" spcCol="1270" anchor="ctr" anchorCtr="0">
+        <a:bodyPr spcFirstLastPara="0" vert="horz" wrap="square" lIns="30480" tIns="30480" rIns="30480" bIns="30480" numCol="1" spcCol="1270" anchor="ctr" anchorCtr="0">
           <a:noAutofit/>
         </a:bodyPr>
         <a:lstStyle/>
         <a:p>
-          <a:pPr marL="0" lvl="0" indent="0" algn="ctr" defTabSz="400050">
+          <a:pPr marL="0" lvl="0" indent="0" algn="ctr" defTabSz="355600">
             <a:lnSpc>
               <a:spcPct val="90000"/>
             </a:lnSpc>
@@ -3375,25 +3592,307 @@
             <a:buNone/>
           </a:pPr>
           <a:r>
-            <a:rPr lang="es-ES_tradnl" sz="900" kern="1200" dirty="0"/>
-            <a:t>1.3. Riesgos</a:t>
+            <a:rPr lang="es-ES_tradnl" sz="800" kern="1200" dirty="0"/>
+            <a:t>2.3.Identificación de Interesados</a:t>
           </a:r>
-          <a:endParaRPr lang="es-ES" sz="900" kern="1200" dirty="0"/>
+          <a:endParaRPr lang="es-ES" sz="800" kern="1200" dirty="0"/>
         </a:p>
       </dsp:txBody>
       <dsp:txXfrm>
-        <a:off x="2140756" y="3349928"/>
+        <a:off x="2720239" y="3349928"/>
         <a:ext cx="856696" cy="559525"/>
       </dsp:txXfrm>
     </dsp:sp>
-    <dsp:sp modelId="{439A7915-4019-4A23-8AAB-5EA84524E00E}">
+    <dsp:sp modelId="{8C51603B-18E2-460C-A259-41942E28FCC3}">
       <dsp:nvSpPr>
         <dsp:cNvPr id="0" name=""/>
         <dsp:cNvSpPr/>
       </dsp:nvSpPr>
       <dsp:spPr>
         <a:xfrm>
-          <a:off x="2523384" y="3926862"/>
+          <a:off x="4307554" y="598548"/>
+          <a:ext cx="1158966" cy="237736"/>
+        </a:xfrm>
+        <a:custGeom>
+          <a:avLst/>
+          <a:gdLst/>
+          <a:ahLst/>
+          <a:cxnLst/>
+          <a:rect l="0" t="0" r="0" b="0"/>
+          <a:pathLst>
+            <a:path>
+              <a:moveTo>
+                <a:pt x="1158966" y="0"/>
+              </a:moveTo>
+              <a:lnTo>
+                <a:pt x="1158966" y="118868"/>
+              </a:lnTo>
+              <a:lnTo>
+                <a:pt x="0" y="118868"/>
+              </a:lnTo>
+              <a:lnTo>
+                <a:pt x="0" y="237736"/>
+              </a:lnTo>
+            </a:path>
+          </a:pathLst>
+        </a:custGeom>
+        <a:noFill/>
+        <a:ln w="12700" cap="flat" cmpd="sng" algn="ctr">
+          <a:solidFill>
+            <a:schemeClr val="accent1">
+              <a:tint val="90000"/>
+              <a:hueOff val="0"/>
+              <a:satOff val="0"/>
+              <a:lumOff val="0"/>
+              <a:alphaOff val="0"/>
+            </a:schemeClr>
+          </a:solidFill>
+          <a:prstDash val="solid"/>
+          <a:miter lim="800000"/>
+        </a:ln>
+        <a:effectLst/>
+      </dsp:spPr>
+      <dsp:style>
+        <a:lnRef idx="2">
+          <a:scrgbClr r="0" g="0" b="0"/>
+        </a:lnRef>
+        <a:fillRef idx="0">
+          <a:scrgbClr r="0" g="0" b="0"/>
+        </a:fillRef>
+        <a:effectRef idx="0">
+          <a:scrgbClr r="0" g="0" b="0"/>
+        </a:effectRef>
+        <a:fontRef idx="minor"/>
+      </dsp:style>
+    </dsp:sp>
+    <dsp:sp modelId="{0F2BF6AD-BDCF-45A6-B033-76813ED1DA7F}">
+      <dsp:nvSpPr>
+        <dsp:cNvPr id="0" name=""/>
+        <dsp:cNvSpPr/>
+      </dsp:nvSpPr>
+      <dsp:spPr>
+        <a:xfrm>
+          <a:off x="3861798" y="836284"/>
+          <a:ext cx="891512" cy="594341"/>
+        </a:xfrm>
+        <a:prstGeom prst="roundRect">
+          <a:avLst>
+            <a:gd name="adj" fmla="val 10000"/>
+          </a:avLst>
+        </a:prstGeom>
+        <a:solidFill>
+          <a:schemeClr val="accent1">
+            <a:shade val="80000"/>
+            <a:hueOff val="0"/>
+            <a:satOff val="0"/>
+            <a:lumOff val="0"/>
+            <a:alphaOff val="0"/>
+          </a:schemeClr>
+        </a:solidFill>
+        <a:ln w="19050" cap="flat" cmpd="sng" algn="ctr">
+          <a:solidFill>
+            <a:schemeClr val="lt1">
+              <a:hueOff val="0"/>
+              <a:satOff val="0"/>
+              <a:lumOff val="0"/>
+              <a:alphaOff val="0"/>
+            </a:schemeClr>
+          </a:solidFill>
+          <a:prstDash val="solid"/>
+          <a:miter lim="800000"/>
+        </a:ln>
+        <a:effectLst/>
+      </dsp:spPr>
+      <dsp:style>
+        <a:lnRef idx="3">
+          <a:scrgbClr r="0" g="0" b="0"/>
+        </a:lnRef>
+        <a:fillRef idx="1">
+          <a:scrgbClr r="0" g="0" b="0"/>
+        </a:fillRef>
+        <a:effectRef idx="1">
+          <a:scrgbClr r="0" g="0" b="0"/>
+        </a:effectRef>
+        <a:fontRef idx="minor">
+          <a:schemeClr val="lt1"/>
+        </a:fontRef>
+      </dsp:style>
+      <dsp:txBody>
+        <a:bodyPr spcFirstLastPara="0" vert="horz" wrap="square" lIns="30480" tIns="30480" rIns="30480" bIns="30480" numCol="1" spcCol="1270" anchor="ctr" anchorCtr="0">
+          <a:noAutofit/>
+        </a:bodyPr>
+        <a:lstStyle/>
+        <a:p>
+          <a:pPr marL="0" lvl="0" indent="0" algn="ctr" defTabSz="355600">
+            <a:lnSpc>
+              <a:spcPct val="90000"/>
+            </a:lnSpc>
+            <a:spcBef>
+              <a:spcPct val="0"/>
+            </a:spcBef>
+            <a:spcAft>
+              <a:spcPct val="35000"/>
+            </a:spcAft>
+            <a:buNone/>
+          </a:pPr>
+          <a:r>
+            <a:rPr lang="es-ES_tradnl" sz="800" kern="1200" dirty="0"/>
+            <a:t>3. Planificación</a:t>
+          </a:r>
+          <a:endParaRPr lang="es-ES" sz="800" kern="1200" dirty="0"/>
+        </a:p>
+      </dsp:txBody>
+      <dsp:txXfrm>
+        <a:off x="3879206" y="853692"/>
+        <a:ext cx="856696" cy="559525"/>
+      </dsp:txXfrm>
+    </dsp:sp>
+    <dsp:sp modelId="{C35DDB86-B450-4822-9D2F-E71FF9968A21}">
+      <dsp:nvSpPr>
+        <dsp:cNvPr id="0" name=""/>
+        <dsp:cNvSpPr/>
+      </dsp:nvSpPr>
+      <dsp:spPr>
+        <a:xfrm>
+          <a:off x="4261834" y="1430626"/>
+          <a:ext cx="91440" cy="237736"/>
+        </a:xfrm>
+        <a:custGeom>
+          <a:avLst/>
+          <a:gdLst/>
+          <a:ahLst/>
+          <a:cxnLst/>
+          <a:rect l="0" t="0" r="0" b="0"/>
+          <a:pathLst>
+            <a:path>
+              <a:moveTo>
+                <a:pt x="45720" y="0"/>
+              </a:moveTo>
+              <a:lnTo>
+                <a:pt x="45720" y="237736"/>
+              </a:lnTo>
+            </a:path>
+          </a:pathLst>
+        </a:custGeom>
+        <a:noFill/>
+        <a:ln w="12700" cap="flat" cmpd="sng" algn="ctr">
+          <a:solidFill>
+            <a:schemeClr val="accent1">
+              <a:tint val="70000"/>
+              <a:hueOff val="0"/>
+              <a:satOff val="0"/>
+              <a:lumOff val="0"/>
+              <a:alphaOff val="0"/>
+            </a:schemeClr>
+          </a:solidFill>
+          <a:prstDash val="solid"/>
+          <a:miter lim="800000"/>
+        </a:ln>
+        <a:effectLst/>
+      </dsp:spPr>
+      <dsp:style>
+        <a:lnRef idx="2">
+          <a:scrgbClr r="0" g="0" b="0"/>
+        </a:lnRef>
+        <a:fillRef idx="0">
+          <a:scrgbClr r="0" g="0" b="0"/>
+        </a:fillRef>
+        <a:effectRef idx="0">
+          <a:scrgbClr r="0" g="0" b="0"/>
+        </a:effectRef>
+        <a:fontRef idx="minor"/>
+      </dsp:style>
+    </dsp:sp>
+    <dsp:sp modelId="{3D170F9E-3701-4D1E-8282-7786501540B5}">
+      <dsp:nvSpPr>
+        <dsp:cNvPr id="0" name=""/>
+        <dsp:cNvSpPr/>
+      </dsp:nvSpPr>
+      <dsp:spPr>
+        <a:xfrm>
+          <a:off x="3861798" y="1668363"/>
+          <a:ext cx="891512" cy="594341"/>
+        </a:xfrm>
+        <a:prstGeom prst="roundRect">
+          <a:avLst>
+            <a:gd name="adj" fmla="val 10000"/>
+          </a:avLst>
+        </a:prstGeom>
+        <a:solidFill>
+          <a:schemeClr val="accent1">
+            <a:tint val="99000"/>
+            <a:hueOff val="0"/>
+            <a:satOff val="0"/>
+            <a:lumOff val="0"/>
+            <a:alphaOff val="0"/>
+          </a:schemeClr>
+        </a:solidFill>
+        <a:ln w="19050" cap="flat" cmpd="sng" algn="ctr">
+          <a:solidFill>
+            <a:schemeClr val="lt1">
+              <a:hueOff val="0"/>
+              <a:satOff val="0"/>
+              <a:lumOff val="0"/>
+              <a:alphaOff val="0"/>
+            </a:schemeClr>
+          </a:solidFill>
+          <a:prstDash val="solid"/>
+          <a:miter lim="800000"/>
+        </a:ln>
+        <a:effectLst/>
+      </dsp:spPr>
+      <dsp:style>
+        <a:lnRef idx="3">
+          <a:scrgbClr r="0" g="0" b="0"/>
+        </a:lnRef>
+        <a:fillRef idx="1">
+          <a:scrgbClr r="0" g="0" b="0"/>
+        </a:fillRef>
+        <a:effectRef idx="1">
+          <a:scrgbClr r="0" g="0" b="0"/>
+        </a:effectRef>
+        <a:fontRef idx="minor">
+          <a:schemeClr val="lt1"/>
+        </a:fontRef>
+      </dsp:style>
+      <dsp:txBody>
+        <a:bodyPr spcFirstLastPara="0" vert="horz" wrap="square" lIns="30480" tIns="30480" rIns="30480" bIns="30480" numCol="1" spcCol="1270" anchor="ctr" anchorCtr="0">
+          <a:noAutofit/>
+        </a:bodyPr>
+        <a:lstStyle/>
+        <a:p>
+          <a:pPr marL="0" lvl="0" indent="0" algn="ctr" defTabSz="355600">
+            <a:lnSpc>
+              <a:spcPct val="90000"/>
+            </a:lnSpc>
+            <a:spcBef>
+              <a:spcPct val="0"/>
+            </a:spcBef>
+            <a:spcAft>
+              <a:spcPct val="35000"/>
+            </a:spcAft>
+            <a:buNone/>
+          </a:pPr>
+          <a:r>
+            <a:rPr lang="es-ES_tradnl" sz="800" kern="1200" dirty="0"/>
+            <a:t>3.1. Reuniones</a:t>
+          </a:r>
+          <a:endParaRPr lang="es-ES" sz="800" kern="1200" dirty="0"/>
+        </a:p>
+      </dsp:txBody>
+      <dsp:txXfrm>
+        <a:off x="3879206" y="1685771"/>
+        <a:ext cx="856696" cy="559525"/>
+      </dsp:txXfrm>
+    </dsp:sp>
+    <dsp:sp modelId="{6068B2E9-439A-4D4A-9F07-1BD033C7220C}">
+      <dsp:nvSpPr>
+        <dsp:cNvPr id="0" name=""/>
+        <dsp:cNvSpPr/>
+      </dsp:nvSpPr>
+      <dsp:spPr>
+        <a:xfrm>
+          <a:off x="4261834" y="2262705"/>
           <a:ext cx="91440" cy="237736"/>
         </a:xfrm>
         <a:custGeom>
@@ -3442,14 +3941,14 @@
         <a:fontRef idx="minor"/>
       </dsp:style>
     </dsp:sp>
-    <dsp:sp modelId="{2D6C4C6A-CE06-40A6-A211-64F15A14B0FC}">
+    <dsp:sp modelId="{DA212266-545D-45F1-A27D-0FB54745C5C9}">
       <dsp:nvSpPr>
         <dsp:cNvPr id="0" name=""/>
         <dsp:cNvSpPr/>
       </dsp:nvSpPr>
       <dsp:spPr>
         <a:xfrm>
-          <a:off x="2123348" y="4164598"/>
+          <a:off x="3861798" y="2500441"/>
           <a:ext cx="891512" cy="594341"/>
         </a:xfrm>
         <a:prstGeom prst="roundRect">
@@ -3495,12 +3994,12 @@
         </a:fontRef>
       </dsp:style>
       <dsp:txBody>
-        <a:bodyPr spcFirstLastPara="0" vert="horz" wrap="square" lIns="34290" tIns="34290" rIns="34290" bIns="34290" numCol="1" spcCol="1270" anchor="ctr" anchorCtr="0">
+        <a:bodyPr spcFirstLastPara="0" vert="horz" wrap="square" lIns="30480" tIns="30480" rIns="30480" bIns="30480" numCol="1" spcCol="1270" anchor="ctr" anchorCtr="0">
           <a:noAutofit/>
         </a:bodyPr>
         <a:lstStyle/>
         <a:p>
-          <a:pPr marL="0" lvl="0" indent="0" algn="ctr" defTabSz="400050">
+          <a:pPr marL="0" lvl="0" indent="0" algn="ctr" defTabSz="355600">
             <a:lnSpc>
               <a:spcPct val="90000"/>
             </a:lnSpc>
@@ -3513,25 +4012,25 @@
             <a:buNone/>
           </a:pPr>
           <a:r>
-            <a:rPr lang="es-ES_tradnl" sz="900" kern="1200" dirty="0"/>
-            <a:t>1.4. Contexto</a:t>
+            <a:rPr lang="es-ES_tradnl" sz="800" kern="1200" dirty="0"/>
+            <a:t>3.2. Cronograma</a:t>
           </a:r>
-          <a:endParaRPr lang="es-ES" sz="900" kern="1200" dirty="0"/>
+          <a:endParaRPr lang="es-ES" sz="800" kern="1200" dirty="0"/>
         </a:p>
       </dsp:txBody>
       <dsp:txXfrm>
-        <a:off x="2140756" y="4182006"/>
+        <a:off x="3879206" y="2517849"/>
         <a:ext cx="856696" cy="559525"/>
       </dsp:txXfrm>
     </dsp:sp>
-    <dsp:sp modelId="{CF7FDC77-853E-4DFC-9828-0DC60053379E}">
+    <dsp:sp modelId="{9546DA21-7CA2-4F3B-87CA-3168F16C6E7E}">
       <dsp:nvSpPr>
         <dsp:cNvPr id="0" name=""/>
         <dsp:cNvSpPr/>
       </dsp:nvSpPr>
       <dsp:spPr>
         <a:xfrm>
-          <a:off x="2523384" y="4758940"/>
+          <a:off x="4261834" y="3094783"/>
           <a:ext cx="91440" cy="237736"/>
         </a:xfrm>
         <a:custGeom>
@@ -3580,14 +4079,14 @@
         <a:fontRef idx="minor"/>
       </dsp:style>
     </dsp:sp>
-    <dsp:sp modelId="{7B17D095-05F0-4567-ACF5-DAE1C7F71050}">
+    <dsp:sp modelId="{C2262EFB-5BE9-4548-98FA-51838DD8F6DF}">
       <dsp:nvSpPr>
         <dsp:cNvPr id="0" name=""/>
         <dsp:cNvSpPr/>
       </dsp:nvSpPr>
       <dsp:spPr>
         <a:xfrm>
-          <a:off x="2123348" y="4996677"/>
+          <a:off x="3861798" y="3332520"/>
           <a:ext cx="891512" cy="594341"/>
         </a:xfrm>
         <a:prstGeom prst="roundRect">
@@ -3633,12 +4132,12 @@
         </a:fontRef>
       </dsp:style>
       <dsp:txBody>
-        <a:bodyPr spcFirstLastPara="0" vert="horz" wrap="square" lIns="34290" tIns="34290" rIns="34290" bIns="34290" numCol="1" spcCol="1270" anchor="ctr" anchorCtr="0">
+        <a:bodyPr spcFirstLastPara="0" vert="horz" wrap="square" lIns="30480" tIns="30480" rIns="30480" bIns="30480" numCol="1" spcCol="1270" anchor="ctr" anchorCtr="0">
           <a:noAutofit/>
         </a:bodyPr>
         <a:lstStyle/>
         <a:p>
-          <a:pPr marL="0" lvl="0" indent="0" algn="ctr" defTabSz="400050">
+          <a:pPr marL="0" lvl="0" indent="0" algn="ctr" defTabSz="355600">
             <a:lnSpc>
               <a:spcPct val="90000"/>
             </a:lnSpc>
@@ -3651,25 +4150,25 @@
             <a:buNone/>
           </a:pPr>
           <a:r>
-            <a:rPr lang="es-ES_tradnl" sz="900" kern="1200" dirty="0"/>
-            <a:t>1.5. Documentación Inicial</a:t>
+            <a:rPr lang="es-ES_tradnl" sz="800" kern="1200" dirty="0"/>
+            <a:t>3.3. Calidad y Validación</a:t>
           </a:r>
-          <a:endParaRPr lang="es-ES" sz="900" kern="1200" dirty="0"/>
+          <a:endParaRPr lang="es-ES" sz="800" kern="1200" dirty="0"/>
         </a:p>
       </dsp:txBody>
       <dsp:txXfrm>
-        <a:off x="2140756" y="5014085"/>
+        <a:off x="3879206" y="3349928"/>
         <a:ext cx="856696" cy="559525"/>
       </dsp:txXfrm>
     </dsp:sp>
-    <dsp:sp modelId="{1BEB3F5D-527E-4392-A984-BA9906967D01}">
+    <dsp:sp modelId="{04405E15-0B20-4F53-A85C-E932BDDB8237}">
       <dsp:nvSpPr>
         <dsp:cNvPr id="0" name=""/>
         <dsp:cNvSpPr/>
       </dsp:nvSpPr>
       <dsp:spPr>
         <a:xfrm>
-          <a:off x="2523384" y="5591019"/>
+          <a:off x="4261834" y="3926862"/>
           <a:ext cx="91440" cy="237736"/>
         </a:xfrm>
         <a:custGeom>
@@ -3718,14 +4217,14 @@
         <a:fontRef idx="minor"/>
       </dsp:style>
     </dsp:sp>
-    <dsp:sp modelId="{149DFA66-F11C-4DFF-BDBE-E00AC7EA378B}">
+    <dsp:sp modelId="{6B117D17-8BD8-4AE3-810B-A881321E5DD9}">
       <dsp:nvSpPr>
         <dsp:cNvPr id="0" name=""/>
         <dsp:cNvSpPr/>
       </dsp:nvSpPr>
       <dsp:spPr>
         <a:xfrm>
-          <a:off x="2123348" y="5828755"/>
+          <a:off x="3861798" y="4164598"/>
           <a:ext cx="891512" cy="594341"/>
         </a:xfrm>
         <a:prstGeom prst="roundRect">
@@ -3771,12 +4270,12 @@
         </a:fontRef>
       </dsp:style>
       <dsp:txBody>
-        <a:bodyPr spcFirstLastPara="0" vert="horz" wrap="square" lIns="34290" tIns="34290" rIns="34290" bIns="34290" numCol="1" spcCol="1270" anchor="ctr" anchorCtr="0">
+        <a:bodyPr spcFirstLastPara="0" vert="horz" wrap="square" lIns="30480" tIns="30480" rIns="30480" bIns="30480" numCol="1" spcCol="1270" anchor="ctr" anchorCtr="0">
           <a:noAutofit/>
         </a:bodyPr>
         <a:lstStyle/>
         <a:p>
-          <a:pPr marL="0" lvl="0" indent="0" algn="ctr" defTabSz="400050">
+          <a:pPr marL="0" lvl="0" indent="0" algn="ctr" defTabSz="355600">
             <a:lnSpc>
               <a:spcPct val="90000"/>
             </a:lnSpc>
@@ -3789,25 +4288,26 @@
             <a:buNone/>
           </a:pPr>
           <a:r>
-            <a:rPr lang="es-ES_tradnl" sz="900" kern="1200" dirty="0"/>
-            <a:t>1.6 Identificación de Interesados</a:t>
+            <a:rPr lang="es-ES_tradnl" sz="800" kern="1200" dirty="0"/>
+            <a:t>3.4. Costes</a:t>
           </a:r>
+          <a:endParaRPr lang="es-ES" sz="800" kern="1200" dirty="0"/>
         </a:p>
       </dsp:txBody>
       <dsp:txXfrm>
-        <a:off x="2140756" y="5846163"/>
+        <a:off x="3879206" y="4182006"/>
         <a:ext cx="856696" cy="559525"/>
       </dsp:txXfrm>
     </dsp:sp>
-    <dsp:sp modelId="{61106BEE-8394-41F9-A438-4FF037DCC549}">
+    <dsp:sp modelId="{94C352C4-3E3C-489A-9242-7542C89615E3}">
       <dsp:nvSpPr>
         <dsp:cNvPr id="0" name=""/>
         <dsp:cNvSpPr/>
       </dsp:nvSpPr>
       <dsp:spPr>
         <a:xfrm>
-          <a:off x="3728071" y="598548"/>
-          <a:ext cx="1738449" cy="237736"/>
+          <a:off x="4261834" y="4758940"/>
+          <a:ext cx="91440" cy="237736"/>
         </a:xfrm>
         <a:custGeom>
           <a:avLst/>
@@ -3818,16 +4318,290 @@
           <a:pathLst>
             <a:path>
               <a:moveTo>
-                <a:pt x="1738449" y="0"/>
+                <a:pt x="45720" y="0"/>
               </a:moveTo>
               <a:lnTo>
-                <a:pt x="1738449" y="118868"/>
+                <a:pt x="45720" y="237736"/>
               </a:lnTo>
+            </a:path>
+          </a:pathLst>
+        </a:custGeom>
+        <a:noFill/>
+        <a:ln w="12700" cap="flat" cmpd="sng" algn="ctr">
+          <a:solidFill>
+            <a:schemeClr val="accent1">
+              <a:tint val="50000"/>
+              <a:hueOff val="0"/>
+              <a:satOff val="0"/>
+              <a:lumOff val="0"/>
+              <a:alphaOff val="0"/>
+            </a:schemeClr>
+          </a:solidFill>
+          <a:prstDash val="solid"/>
+          <a:miter lim="800000"/>
+        </a:ln>
+        <a:effectLst/>
+      </dsp:spPr>
+      <dsp:style>
+        <a:lnRef idx="2">
+          <a:scrgbClr r="0" g="0" b="0"/>
+        </a:lnRef>
+        <a:fillRef idx="0">
+          <a:scrgbClr r="0" g="0" b="0"/>
+        </a:fillRef>
+        <a:effectRef idx="0">
+          <a:scrgbClr r="0" g="0" b="0"/>
+        </a:effectRef>
+        <a:fontRef idx="minor"/>
+      </dsp:style>
+    </dsp:sp>
+    <dsp:sp modelId="{2B3CB1BC-6D96-470A-BFBD-A00B79B46B8B}">
+      <dsp:nvSpPr>
+        <dsp:cNvPr id="0" name=""/>
+        <dsp:cNvSpPr/>
+      </dsp:nvSpPr>
+      <dsp:spPr>
+        <a:xfrm>
+          <a:off x="3861798" y="4996677"/>
+          <a:ext cx="891512" cy="594341"/>
+        </a:xfrm>
+        <a:prstGeom prst="roundRect">
+          <a:avLst>
+            <a:gd name="adj" fmla="val 10000"/>
+          </a:avLst>
+        </a:prstGeom>
+        <a:solidFill>
+          <a:schemeClr val="accent1">
+            <a:tint val="70000"/>
+            <a:hueOff val="0"/>
+            <a:satOff val="0"/>
+            <a:lumOff val="0"/>
+            <a:alphaOff val="0"/>
+          </a:schemeClr>
+        </a:solidFill>
+        <a:ln w="19050" cap="flat" cmpd="sng" algn="ctr">
+          <a:solidFill>
+            <a:schemeClr val="lt1">
+              <a:hueOff val="0"/>
+              <a:satOff val="0"/>
+              <a:lumOff val="0"/>
+              <a:alphaOff val="0"/>
+            </a:schemeClr>
+          </a:solidFill>
+          <a:prstDash val="solid"/>
+          <a:miter lim="800000"/>
+        </a:ln>
+        <a:effectLst/>
+      </dsp:spPr>
+      <dsp:style>
+        <a:lnRef idx="3">
+          <a:scrgbClr r="0" g="0" b="0"/>
+        </a:lnRef>
+        <a:fillRef idx="1">
+          <a:scrgbClr r="0" g="0" b="0"/>
+        </a:fillRef>
+        <a:effectRef idx="1">
+          <a:scrgbClr r="0" g="0" b="0"/>
+        </a:effectRef>
+        <a:fontRef idx="minor">
+          <a:schemeClr val="lt1"/>
+        </a:fontRef>
+      </dsp:style>
+      <dsp:txBody>
+        <a:bodyPr spcFirstLastPara="0" vert="horz" wrap="square" lIns="30480" tIns="30480" rIns="30480" bIns="30480" numCol="1" spcCol="1270" anchor="ctr" anchorCtr="0">
+          <a:noAutofit/>
+        </a:bodyPr>
+        <a:lstStyle/>
+        <a:p>
+          <a:pPr marL="0" lvl="0" indent="0" algn="ctr" defTabSz="355600">
+            <a:lnSpc>
+              <a:spcPct val="90000"/>
+            </a:lnSpc>
+            <a:spcBef>
+              <a:spcPct val="0"/>
+            </a:spcBef>
+            <a:spcAft>
+              <a:spcPct val="35000"/>
+            </a:spcAft>
+            <a:buNone/>
+          </a:pPr>
+          <a:r>
+            <a:rPr lang="en-US" sz="800" kern="1200" dirty="0"/>
+            <a:t>3.5. RRHH</a:t>
+          </a:r>
+          <a:endParaRPr lang="es-ES" sz="800" kern="1200" dirty="0"/>
+        </a:p>
+      </dsp:txBody>
+      <dsp:txXfrm>
+        <a:off x="3879206" y="5014085"/>
+        <a:ext cx="856696" cy="559525"/>
+      </dsp:txXfrm>
+    </dsp:sp>
+    <dsp:sp modelId="{CB6BE97F-F378-44D8-A2B2-1513F719E2F3}">
+      <dsp:nvSpPr>
+        <dsp:cNvPr id="0" name=""/>
+        <dsp:cNvSpPr/>
+      </dsp:nvSpPr>
+      <dsp:spPr>
+        <a:xfrm>
+          <a:off x="4261834" y="5591019"/>
+          <a:ext cx="91440" cy="237736"/>
+        </a:xfrm>
+        <a:custGeom>
+          <a:avLst/>
+          <a:gdLst/>
+          <a:ahLst/>
+          <a:cxnLst/>
+          <a:rect l="0" t="0" r="0" b="0"/>
+          <a:pathLst>
+            <a:path>
+              <a:moveTo>
+                <a:pt x="45720" y="0"/>
+              </a:moveTo>
               <a:lnTo>
-                <a:pt x="0" y="118868"/>
+                <a:pt x="45720" y="237736"/>
               </a:lnTo>
+            </a:path>
+          </a:pathLst>
+        </a:custGeom>
+        <a:noFill/>
+        <a:ln w="12700" cap="flat" cmpd="sng" algn="ctr">
+          <a:solidFill>
+            <a:schemeClr val="accent1">
+              <a:tint val="50000"/>
+              <a:hueOff val="0"/>
+              <a:satOff val="0"/>
+              <a:lumOff val="0"/>
+              <a:alphaOff val="0"/>
+            </a:schemeClr>
+          </a:solidFill>
+          <a:prstDash val="solid"/>
+          <a:miter lim="800000"/>
+        </a:ln>
+        <a:effectLst/>
+      </dsp:spPr>
+      <dsp:style>
+        <a:lnRef idx="2">
+          <a:scrgbClr r="0" g="0" b="0"/>
+        </a:lnRef>
+        <a:fillRef idx="0">
+          <a:scrgbClr r="0" g="0" b="0"/>
+        </a:fillRef>
+        <a:effectRef idx="0">
+          <a:scrgbClr r="0" g="0" b="0"/>
+        </a:effectRef>
+        <a:fontRef idx="minor"/>
+      </dsp:style>
+    </dsp:sp>
+    <dsp:sp modelId="{5F36A6FB-CB7F-4DE6-B6F5-DE1826698F42}">
+      <dsp:nvSpPr>
+        <dsp:cNvPr id="0" name=""/>
+        <dsp:cNvSpPr/>
+      </dsp:nvSpPr>
+      <dsp:spPr>
+        <a:xfrm>
+          <a:off x="3861798" y="5828755"/>
+          <a:ext cx="891512" cy="594341"/>
+        </a:xfrm>
+        <a:prstGeom prst="roundRect">
+          <a:avLst>
+            <a:gd name="adj" fmla="val 10000"/>
+          </a:avLst>
+        </a:prstGeom>
+        <a:solidFill>
+          <a:schemeClr val="accent1">
+            <a:tint val="70000"/>
+            <a:hueOff val="0"/>
+            <a:satOff val="0"/>
+            <a:lumOff val="0"/>
+            <a:alphaOff val="0"/>
+          </a:schemeClr>
+        </a:solidFill>
+        <a:ln w="19050" cap="flat" cmpd="sng" algn="ctr">
+          <a:solidFill>
+            <a:schemeClr val="lt1">
+              <a:hueOff val="0"/>
+              <a:satOff val="0"/>
+              <a:lumOff val="0"/>
+              <a:alphaOff val="0"/>
+            </a:schemeClr>
+          </a:solidFill>
+          <a:prstDash val="solid"/>
+          <a:miter lim="800000"/>
+        </a:ln>
+        <a:effectLst/>
+      </dsp:spPr>
+      <dsp:style>
+        <a:lnRef idx="3">
+          <a:scrgbClr r="0" g="0" b="0"/>
+        </a:lnRef>
+        <a:fillRef idx="1">
+          <a:scrgbClr r="0" g="0" b="0"/>
+        </a:fillRef>
+        <a:effectRef idx="1">
+          <a:scrgbClr r="0" g="0" b="0"/>
+        </a:effectRef>
+        <a:fontRef idx="minor">
+          <a:schemeClr val="lt1"/>
+        </a:fontRef>
+      </dsp:style>
+      <dsp:txBody>
+        <a:bodyPr spcFirstLastPara="0" vert="horz" wrap="square" lIns="30480" tIns="30480" rIns="30480" bIns="30480" numCol="1" spcCol="1270" anchor="ctr" anchorCtr="0">
+          <a:noAutofit/>
+        </a:bodyPr>
+        <a:lstStyle/>
+        <a:p>
+          <a:pPr marL="0" lvl="0" indent="0" algn="ctr" defTabSz="355600">
+            <a:lnSpc>
+              <a:spcPct val="90000"/>
+            </a:lnSpc>
+            <a:spcBef>
+              <a:spcPct val="0"/>
+            </a:spcBef>
+            <a:spcAft>
+              <a:spcPct val="35000"/>
+            </a:spcAft>
+            <a:buNone/>
+          </a:pPr>
+          <a:r>
+            <a:rPr lang="en-US" sz="800" kern="1200" dirty="0"/>
+            <a:t>3.6. </a:t>
+          </a:r>
+          <a:r>
+            <a:rPr lang="en-US" sz="800" kern="1200" dirty="0" err="1"/>
+            <a:t>Riesgos</a:t>
+          </a:r>
+          <a:endParaRPr lang="es-ES" sz="800" kern="1200" dirty="0"/>
+        </a:p>
+      </dsp:txBody>
+      <dsp:txXfrm>
+        <a:off x="3879206" y="5846163"/>
+        <a:ext cx="856696" cy="559525"/>
+      </dsp:txXfrm>
+    </dsp:sp>
+    <dsp:sp modelId="{47BBE90B-CBEF-42FD-96FB-4EAFAF81779C}">
+      <dsp:nvSpPr>
+        <dsp:cNvPr id="0" name=""/>
+        <dsp:cNvSpPr/>
+      </dsp:nvSpPr>
+      <dsp:spPr>
+        <a:xfrm>
+          <a:off x="5420801" y="598548"/>
+          <a:ext cx="91440" cy="237736"/>
+        </a:xfrm>
+        <a:custGeom>
+          <a:avLst/>
+          <a:gdLst/>
+          <a:ahLst/>
+          <a:cxnLst/>
+          <a:rect l="0" t="0" r="0" b="0"/>
+          <a:pathLst>
+            <a:path>
+              <a:moveTo>
+                <a:pt x="45720" y="0"/>
+              </a:moveTo>
               <a:lnTo>
-                <a:pt x="0" y="237736"/>
+                <a:pt x="45720" y="237736"/>
               </a:lnTo>
             </a:path>
           </a:pathLst>
@@ -3861,14 +4635,14 @@
         <a:fontRef idx="minor"/>
       </dsp:style>
     </dsp:sp>
-    <dsp:sp modelId="{98829285-C359-4558-A8AB-ED49C5195838}">
+    <dsp:sp modelId="{3DD57934-5E09-442C-A927-0F5009AB258D}">
       <dsp:nvSpPr>
         <dsp:cNvPr id="0" name=""/>
         <dsp:cNvSpPr/>
       </dsp:nvSpPr>
       <dsp:spPr>
         <a:xfrm>
-          <a:off x="3282314" y="836284"/>
+          <a:off x="5020764" y="836284"/>
           <a:ext cx="891512" cy="594341"/>
         </a:xfrm>
         <a:prstGeom prst="roundRect">
@@ -3914,12 +4688,12 @@
         </a:fontRef>
       </dsp:style>
       <dsp:txBody>
-        <a:bodyPr spcFirstLastPara="0" vert="horz" wrap="square" lIns="34290" tIns="34290" rIns="34290" bIns="34290" numCol="1" spcCol="1270" anchor="ctr" anchorCtr="0">
+        <a:bodyPr spcFirstLastPara="0" vert="horz" wrap="square" lIns="30480" tIns="30480" rIns="30480" bIns="30480" numCol="1" spcCol="1270" anchor="ctr" anchorCtr="0">
           <a:noAutofit/>
         </a:bodyPr>
         <a:lstStyle/>
         <a:p>
-          <a:pPr marL="0" lvl="0" indent="0" algn="ctr" defTabSz="400050">
+          <a:pPr marL="0" lvl="0" indent="0" algn="ctr" defTabSz="355600">
             <a:lnSpc>
               <a:spcPct val="90000"/>
             </a:lnSpc>
@@ -3932,25 +4706,25 @@
             <a:buNone/>
           </a:pPr>
           <a:r>
-            <a:rPr lang="es-ES_tradnl" sz="900" kern="1200" dirty="0"/>
-            <a:t>2. Planificación</a:t>
+            <a:rPr lang="es-ES_tradnl" sz="800" kern="1200" dirty="0"/>
+            <a:t>4. Desarrollo</a:t>
           </a:r>
-          <a:endParaRPr lang="es-ES" sz="900" kern="1200" dirty="0"/>
+          <a:endParaRPr lang="es-ES" sz="800" kern="1200" dirty="0"/>
         </a:p>
       </dsp:txBody>
       <dsp:txXfrm>
-        <a:off x="3299722" y="853692"/>
+        <a:off x="5038172" y="853692"/>
         <a:ext cx="856696" cy="559525"/>
       </dsp:txXfrm>
     </dsp:sp>
-    <dsp:sp modelId="{9B20D733-63A4-4B62-A174-9E852702C56C}">
+    <dsp:sp modelId="{4E69DF13-5E8E-4E91-975F-9FDDE2936E47}">
       <dsp:nvSpPr>
         <dsp:cNvPr id="0" name=""/>
         <dsp:cNvSpPr/>
       </dsp:nvSpPr>
       <dsp:spPr>
         <a:xfrm>
-          <a:off x="3682351" y="1430626"/>
+          <a:off x="5420801" y="1430626"/>
           <a:ext cx="91440" cy="237736"/>
         </a:xfrm>
         <a:custGeom>
@@ -3999,14 +4773,14 @@
         <a:fontRef idx="minor"/>
       </dsp:style>
     </dsp:sp>
-    <dsp:sp modelId="{66711AFB-4282-4BD5-A024-70EEE22E8ED8}">
+    <dsp:sp modelId="{93C93900-8187-43D3-8589-C801987549D8}">
       <dsp:nvSpPr>
         <dsp:cNvPr id="0" name=""/>
         <dsp:cNvSpPr/>
       </dsp:nvSpPr>
       <dsp:spPr>
         <a:xfrm>
-          <a:off x="3282314" y="1668363"/>
+          <a:off x="5020764" y="1668363"/>
           <a:ext cx="891512" cy="594341"/>
         </a:xfrm>
         <a:prstGeom prst="roundRect">
@@ -4052,12 +4826,12 @@
         </a:fontRef>
       </dsp:style>
       <dsp:txBody>
-        <a:bodyPr spcFirstLastPara="0" vert="horz" wrap="square" lIns="34290" tIns="34290" rIns="34290" bIns="34290" numCol="1" spcCol="1270" anchor="ctr" anchorCtr="0">
+        <a:bodyPr spcFirstLastPara="0" vert="horz" wrap="square" lIns="30480" tIns="30480" rIns="30480" bIns="30480" numCol="1" spcCol="1270" anchor="ctr" anchorCtr="0">
           <a:noAutofit/>
         </a:bodyPr>
         <a:lstStyle/>
         <a:p>
-          <a:pPr marL="0" lvl="0" indent="0" algn="ctr" defTabSz="400050">
+          <a:pPr marL="0" lvl="0" indent="0" algn="ctr" defTabSz="355600">
             <a:lnSpc>
               <a:spcPct val="90000"/>
             </a:lnSpc>
@@ -4070,25 +4844,25 @@
             <a:buNone/>
           </a:pPr>
           <a:r>
-            <a:rPr lang="es-ES_tradnl" sz="900" kern="1200" dirty="0"/>
-            <a:t>2.1. Acuerdos</a:t>
+            <a:rPr lang="es-ES_tradnl" sz="800" kern="1200" dirty="0"/>
+            <a:t>4.1. Acuerdos</a:t>
           </a:r>
-          <a:endParaRPr lang="es-ES" sz="900" kern="1200" dirty="0"/>
+          <a:endParaRPr lang="es-ES" sz="800" kern="1200" dirty="0"/>
         </a:p>
       </dsp:txBody>
       <dsp:txXfrm>
-        <a:off x="3299722" y="1685771"/>
+        <a:off x="5038172" y="1685771"/>
         <a:ext cx="856696" cy="559525"/>
       </dsp:txXfrm>
     </dsp:sp>
-    <dsp:sp modelId="{FBEC95B0-C69A-4159-A230-69B97543DC08}">
+    <dsp:sp modelId="{4EED4EC6-C75E-4237-B513-1F528969B037}">
       <dsp:nvSpPr>
         <dsp:cNvPr id="0" name=""/>
         <dsp:cNvSpPr/>
       </dsp:nvSpPr>
       <dsp:spPr>
         <a:xfrm>
-          <a:off x="3682351" y="2262705"/>
+          <a:off x="5420801" y="2262705"/>
           <a:ext cx="91440" cy="237736"/>
         </a:xfrm>
         <a:custGeom>
@@ -4137,14 +4911,14 @@
         <a:fontRef idx="minor"/>
       </dsp:style>
     </dsp:sp>
-    <dsp:sp modelId="{F1CD7CC0-9E0D-4303-82AE-D7A2B5AF17DB}">
+    <dsp:sp modelId="{712DC4DD-54A4-4D11-93B8-AF86C0982CE7}">
       <dsp:nvSpPr>
         <dsp:cNvPr id="0" name=""/>
         <dsp:cNvSpPr/>
       </dsp:nvSpPr>
       <dsp:spPr>
         <a:xfrm>
-          <a:off x="3282314" y="2500441"/>
+          <a:off x="5020764" y="2500441"/>
           <a:ext cx="891512" cy="594341"/>
         </a:xfrm>
         <a:prstGeom prst="roundRect">
@@ -4190,12 +4964,12 @@
         </a:fontRef>
       </dsp:style>
       <dsp:txBody>
-        <a:bodyPr spcFirstLastPara="0" vert="horz" wrap="square" lIns="34290" tIns="34290" rIns="34290" bIns="34290" numCol="1" spcCol="1270" anchor="ctr" anchorCtr="0">
+        <a:bodyPr spcFirstLastPara="0" vert="horz" wrap="square" lIns="30480" tIns="30480" rIns="30480" bIns="30480" numCol="1" spcCol="1270" anchor="ctr" anchorCtr="0">
           <a:noAutofit/>
         </a:bodyPr>
         <a:lstStyle/>
         <a:p>
-          <a:pPr marL="0" lvl="0" indent="0" algn="ctr" defTabSz="400050">
+          <a:pPr marL="0" lvl="0" indent="0" algn="ctr" defTabSz="355600">
             <a:lnSpc>
               <a:spcPct val="90000"/>
             </a:lnSpc>
@@ -4208,25 +4982,25 @@
             <a:buNone/>
           </a:pPr>
           <a:r>
-            <a:rPr lang="es-ES_tradnl" sz="900" kern="1200" dirty="0"/>
-            <a:t>2.2. Reuniones</a:t>
+            <a:rPr lang="es-ES_tradnl" sz="800" kern="1200" dirty="0"/>
+            <a:t>4.2. Control de procesos</a:t>
           </a:r>
-          <a:endParaRPr lang="es-ES" sz="900" kern="1200" dirty="0"/>
+          <a:endParaRPr lang="es-ES" sz="800" kern="1200" dirty="0"/>
         </a:p>
       </dsp:txBody>
       <dsp:txXfrm>
-        <a:off x="3299722" y="2517849"/>
+        <a:off x="5038172" y="2517849"/>
         <a:ext cx="856696" cy="559525"/>
       </dsp:txXfrm>
     </dsp:sp>
-    <dsp:sp modelId="{E16ADE93-99AF-45AE-A7EE-51F95CB0B46A}">
+    <dsp:sp modelId="{C5D095A0-8EE6-4EB9-8612-3D40277D1615}">
       <dsp:nvSpPr>
         <dsp:cNvPr id="0" name=""/>
         <dsp:cNvSpPr/>
       </dsp:nvSpPr>
       <dsp:spPr>
         <a:xfrm>
-          <a:off x="3682351" y="3094783"/>
+          <a:off x="5420801" y="3094783"/>
           <a:ext cx="91440" cy="237736"/>
         </a:xfrm>
         <a:custGeom>
@@ -4275,14 +5049,14 @@
         <a:fontRef idx="minor"/>
       </dsp:style>
     </dsp:sp>
-    <dsp:sp modelId="{DBC340A0-3818-4944-BAC4-6FC41200E407}">
+    <dsp:sp modelId="{23569E60-B42A-46D6-895B-EB403DAEAB39}">
       <dsp:nvSpPr>
         <dsp:cNvPr id="0" name=""/>
         <dsp:cNvSpPr/>
       </dsp:nvSpPr>
       <dsp:spPr>
         <a:xfrm>
-          <a:off x="3282314" y="3332520"/>
+          <a:off x="5020764" y="3332520"/>
           <a:ext cx="891512" cy="594341"/>
         </a:xfrm>
         <a:prstGeom prst="roundRect">
@@ -4328,12 +5102,12 @@
         </a:fontRef>
       </dsp:style>
       <dsp:txBody>
-        <a:bodyPr spcFirstLastPara="0" vert="horz" wrap="square" lIns="34290" tIns="34290" rIns="34290" bIns="34290" numCol="1" spcCol="1270" anchor="ctr" anchorCtr="0">
+        <a:bodyPr spcFirstLastPara="0" vert="horz" wrap="square" lIns="30480" tIns="30480" rIns="30480" bIns="30480" numCol="1" spcCol="1270" anchor="ctr" anchorCtr="0">
           <a:noAutofit/>
         </a:bodyPr>
         <a:lstStyle/>
         <a:p>
-          <a:pPr marL="0" lvl="0" indent="0" algn="ctr" defTabSz="400050">
+          <a:pPr marL="0" lvl="0" indent="0" algn="ctr" defTabSz="355600">
             <a:lnSpc>
               <a:spcPct val="90000"/>
             </a:lnSpc>
@@ -4346,25 +5120,307 @@
             <a:buNone/>
           </a:pPr>
           <a:r>
-            <a:rPr lang="es-ES_tradnl" sz="900" kern="1200" dirty="0"/>
-            <a:t>2.3. Calidad y Validación</a:t>
+            <a:rPr lang="es-ES_tradnl" sz="800" kern="1200" dirty="0"/>
+            <a:t>4.2. Gestión de compras</a:t>
           </a:r>
-          <a:endParaRPr lang="es-ES" sz="900" kern="1200" dirty="0"/>
+          <a:endParaRPr lang="es-ES" sz="800" kern="1200" dirty="0"/>
         </a:p>
       </dsp:txBody>
       <dsp:txXfrm>
-        <a:off x="3299722" y="3349928"/>
+        <a:off x="5038172" y="3349928"/>
         <a:ext cx="856696" cy="559525"/>
       </dsp:txXfrm>
     </dsp:sp>
-    <dsp:sp modelId="{3E27615C-4EFE-4C20-92E5-F66765CC04DB}">
+    <dsp:sp modelId="{F735E2CF-8C29-48C1-84C7-830FEF7D1A26}">
       <dsp:nvSpPr>
         <dsp:cNvPr id="0" name=""/>
         <dsp:cNvSpPr/>
       </dsp:nvSpPr>
       <dsp:spPr>
         <a:xfrm>
-          <a:off x="3682351" y="3926862"/>
+          <a:off x="5466521" y="598548"/>
+          <a:ext cx="1158966" cy="237736"/>
+        </a:xfrm>
+        <a:custGeom>
+          <a:avLst/>
+          <a:gdLst/>
+          <a:ahLst/>
+          <a:cxnLst/>
+          <a:rect l="0" t="0" r="0" b="0"/>
+          <a:pathLst>
+            <a:path>
+              <a:moveTo>
+                <a:pt x="0" y="0"/>
+              </a:moveTo>
+              <a:lnTo>
+                <a:pt x="0" y="118868"/>
+              </a:lnTo>
+              <a:lnTo>
+                <a:pt x="1158966" y="118868"/>
+              </a:lnTo>
+              <a:lnTo>
+                <a:pt x="1158966" y="237736"/>
+              </a:lnTo>
+            </a:path>
+          </a:pathLst>
+        </a:custGeom>
+        <a:noFill/>
+        <a:ln w="12700" cap="flat" cmpd="sng" algn="ctr">
+          <a:solidFill>
+            <a:schemeClr val="accent1">
+              <a:tint val="90000"/>
+              <a:hueOff val="0"/>
+              <a:satOff val="0"/>
+              <a:lumOff val="0"/>
+              <a:alphaOff val="0"/>
+            </a:schemeClr>
+          </a:solidFill>
+          <a:prstDash val="solid"/>
+          <a:miter lim="800000"/>
+        </a:ln>
+        <a:effectLst/>
+      </dsp:spPr>
+      <dsp:style>
+        <a:lnRef idx="2">
+          <a:scrgbClr r="0" g="0" b="0"/>
+        </a:lnRef>
+        <a:fillRef idx="0">
+          <a:scrgbClr r="0" g="0" b="0"/>
+        </a:fillRef>
+        <a:effectRef idx="0">
+          <a:scrgbClr r="0" g="0" b="0"/>
+        </a:effectRef>
+        <a:fontRef idx="minor"/>
+      </dsp:style>
+    </dsp:sp>
+    <dsp:sp modelId="{8083ECF3-4A6D-4D09-B080-CA9E2FF57236}">
+      <dsp:nvSpPr>
+        <dsp:cNvPr id="0" name=""/>
+        <dsp:cNvSpPr/>
+      </dsp:nvSpPr>
+      <dsp:spPr>
+        <a:xfrm>
+          <a:off x="6179731" y="836284"/>
+          <a:ext cx="891512" cy="594341"/>
+        </a:xfrm>
+        <a:prstGeom prst="roundRect">
+          <a:avLst>
+            <a:gd name="adj" fmla="val 10000"/>
+          </a:avLst>
+        </a:prstGeom>
+        <a:solidFill>
+          <a:schemeClr val="accent1">
+            <a:shade val="80000"/>
+            <a:hueOff val="0"/>
+            <a:satOff val="0"/>
+            <a:lumOff val="0"/>
+            <a:alphaOff val="0"/>
+          </a:schemeClr>
+        </a:solidFill>
+        <a:ln w="19050" cap="flat" cmpd="sng" algn="ctr">
+          <a:solidFill>
+            <a:schemeClr val="lt1">
+              <a:hueOff val="0"/>
+              <a:satOff val="0"/>
+              <a:lumOff val="0"/>
+              <a:alphaOff val="0"/>
+            </a:schemeClr>
+          </a:solidFill>
+          <a:prstDash val="solid"/>
+          <a:miter lim="800000"/>
+        </a:ln>
+        <a:effectLst/>
+      </dsp:spPr>
+      <dsp:style>
+        <a:lnRef idx="3">
+          <a:scrgbClr r="0" g="0" b="0"/>
+        </a:lnRef>
+        <a:fillRef idx="1">
+          <a:scrgbClr r="0" g="0" b="0"/>
+        </a:fillRef>
+        <a:effectRef idx="1">
+          <a:scrgbClr r="0" g="0" b="0"/>
+        </a:effectRef>
+        <a:fontRef idx="minor">
+          <a:schemeClr val="lt1"/>
+        </a:fontRef>
+      </dsp:style>
+      <dsp:txBody>
+        <a:bodyPr spcFirstLastPara="0" vert="horz" wrap="square" lIns="30480" tIns="30480" rIns="30480" bIns="30480" numCol="1" spcCol="1270" anchor="ctr" anchorCtr="0">
+          <a:noAutofit/>
+        </a:bodyPr>
+        <a:lstStyle/>
+        <a:p>
+          <a:pPr marL="0" lvl="0" indent="0" algn="ctr" defTabSz="355600">
+            <a:lnSpc>
+              <a:spcPct val="90000"/>
+            </a:lnSpc>
+            <a:spcBef>
+              <a:spcPct val="0"/>
+            </a:spcBef>
+            <a:spcAft>
+              <a:spcPct val="35000"/>
+            </a:spcAft>
+            <a:buNone/>
+          </a:pPr>
+          <a:r>
+            <a:rPr lang="es-ES_tradnl" sz="800" kern="1200" dirty="0"/>
+            <a:t>5. Formación</a:t>
+          </a:r>
+          <a:endParaRPr lang="es-ES" sz="800" kern="1200" dirty="0"/>
+        </a:p>
+      </dsp:txBody>
+      <dsp:txXfrm>
+        <a:off x="6197139" y="853692"/>
+        <a:ext cx="856696" cy="559525"/>
+      </dsp:txXfrm>
+    </dsp:sp>
+    <dsp:sp modelId="{64900635-8DCD-4DF3-B12D-2B985CABC71A}">
+      <dsp:nvSpPr>
+        <dsp:cNvPr id="0" name=""/>
+        <dsp:cNvSpPr/>
+      </dsp:nvSpPr>
+      <dsp:spPr>
+        <a:xfrm>
+          <a:off x="6579767" y="1430626"/>
+          <a:ext cx="91440" cy="237736"/>
+        </a:xfrm>
+        <a:custGeom>
+          <a:avLst/>
+          <a:gdLst/>
+          <a:ahLst/>
+          <a:cxnLst/>
+          <a:rect l="0" t="0" r="0" b="0"/>
+          <a:pathLst>
+            <a:path>
+              <a:moveTo>
+                <a:pt x="45720" y="0"/>
+              </a:moveTo>
+              <a:lnTo>
+                <a:pt x="45720" y="237736"/>
+              </a:lnTo>
+            </a:path>
+          </a:pathLst>
+        </a:custGeom>
+        <a:noFill/>
+        <a:ln w="12700" cap="flat" cmpd="sng" algn="ctr">
+          <a:solidFill>
+            <a:schemeClr val="accent1">
+              <a:tint val="70000"/>
+              <a:hueOff val="0"/>
+              <a:satOff val="0"/>
+              <a:lumOff val="0"/>
+              <a:alphaOff val="0"/>
+            </a:schemeClr>
+          </a:solidFill>
+          <a:prstDash val="solid"/>
+          <a:miter lim="800000"/>
+        </a:ln>
+        <a:effectLst/>
+      </dsp:spPr>
+      <dsp:style>
+        <a:lnRef idx="2">
+          <a:scrgbClr r="0" g="0" b="0"/>
+        </a:lnRef>
+        <a:fillRef idx="0">
+          <a:scrgbClr r="0" g="0" b="0"/>
+        </a:fillRef>
+        <a:effectRef idx="0">
+          <a:scrgbClr r="0" g="0" b="0"/>
+        </a:effectRef>
+        <a:fontRef idx="minor"/>
+      </dsp:style>
+    </dsp:sp>
+    <dsp:sp modelId="{92DF44D8-235C-4496-9E5B-04260D070234}">
+      <dsp:nvSpPr>
+        <dsp:cNvPr id="0" name=""/>
+        <dsp:cNvSpPr/>
+      </dsp:nvSpPr>
+      <dsp:spPr>
+        <a:xfrm>
+          <a:off x="6179731" y="1668363"/>
+          <a:ext cx="891512" cy="594341"/>
+        </a:xfrm>
+        <a:prstGeom prst="roundRect">
+          <a:avLst>
+            <a:gd name="adj" fmla="val 10000"/>
+          </a:avLst>
+        </a:prstGeom>
+        <a:solidFill>
+          <a:schemeClr val="accent1">
+            <a:tint val="99000"/>
+            <a:hueOff val="0"/>
+            <a:satOff val="0"/>
+            <a:lumOff val="0"/>
+            <a:alphaOff val="0"/>
+          </a:schemeClr>
+        </a:solidFill>
+        <a:ln w="19050" cap="flat" cmpd="sng" algn="ctr">
+          <a:solidFill>
+            <a:schemeClr val="lt1">
+              <a:hueOff val="0"/>
+              <a:satOff val="0"/>
+              <a:lumOff val="0"/>
+              <a:alphaOff val="0"/>
+            </a:schemeClr>
+          </a:solidFill>
+          <a:prstDash val="solid"/>
+          <a:miter lim="800000"/>
+        </a:ln>
+        <a:effectLst/>
+      </dsp:spPr>
+      <dsp:style>
+        <a:lnRef idx="3">
+          <a:scrgbClr r="0" g="0" b="0"/>
+        </a:lnRef>
+        <a:fillRef idx="1">
+          <a:scrgbClr r="0" g="0" b="0"/>
+        </a:fillRef>
+        <a:effectRef idx="1">
+          <a:scrgbClr r="0" g="0" b="0"/>
+        </a:effectRef>
+        <a:fontRef idx="minor">
+          <a:schemeClr val="lt1"/>
+        </a:fontRef>
+      </dsp:style>
+      <dsp:txBody>
+        <a:bodyPr spcFirstLastPara="0" vert="horz" wrap="square" lIns="30480" tIns="30480" rIns="30480" bIns="30480" numCol="1" spcCol="1270" anchor="ctr" anchorCtr="0">
+          <a:noAutofit/>
+        </a:bodyPr>
+        <a:lstStyle/>
+        <a:p>
+          <a:pPr marL="0" lvl="0" indent="0" algn="ctr" defTabSz="355600">
+            <a:lnSpc>
+              <a:spcPct val="90000"/>
+            </a:lnSpc>
+            <a:spcBef>
+              <a:spcPct val="0"/>
+            </a:spcBef>
+            <a:spcAft>
+              <a:spcPct val="35000"/>
+            </a:spcAft>
+            <a:buNone/>
+          </a:pPr>
+          <a:r>
+            <a:rPr lang="es-ES_tradnl" sz="800" kern="1200" dirty="0"/>
+            <a:t>5.1. Cursos</a:t>
+          </a:r>
+          <a:endParaRPr lang="es-ES" sz="800" kern="1200" dirty="0"/>
+        </a:p>
+      </dsp:txBody>
+      <dsp:txXfrm>
+        <a:off x="6197139" y="1685771"/>
+        <a:ext cx="856696" cy="559525"/>
+      </dsp:txXfrm>
+    </dsp:sp>
+    <dsp:sp modelId="{70099853-D6C6-45DD-8965-6B3F303FCB7B}">
+      <dsp:nvSpPr>
+        <dsp:cNvPr id="0" name=""/>
+        <dsp:cNvSpPr/>
+      </dsp:nvSpPr>
+      <dsp:spPr>
+        <a:xfrm>
+          <a:off x="6579767" y="2262705"/>
           <a:ext cx="91440" cy="237736"/>
         </a:xfrm>
         <a:custGeom>
@@ -4413,14 +5469,14 @@
         <a:fontRef idx="minor"/>
       </dsp:style>
     </dsp:sp>
-    <dsp:sp modelId="{51E35AD2-0735-436F-A82F-19F611F0258D}">
+    <dsp:sp modelId="{9D4DAB13-3BDF-4004-BBF9-0AF61D5F5F89}">
       <dsp:nvSpPr>
         <dsp:cNvPr id="0" name=""/>
         <dsp:cNvSpPr/>
       </dsp:nvSpPr>
       <dsp:spPr>
         <a:xfrm>
-          <a:off x="3282314" y="4164598"/>
+          <a:off x="6179731" y="2500441"/>
           <a:ext cx="891512" cy="594341"/>
         </a:xfrm>
         <a:prstGeom prst="roundRect">
@@ -4466,12 +5522,12 @@
         </a:fontRef>
       </dsp:style>
       <dsp:txBody>
-        <a:bodyPr spcFirstLastPara="0" vert="horz" wrap="square" lIns="34290" tIns="34290" rIns="34290" bIns="34290" numCol="1" spcCol="1270" anchor="ctr" anchorCtr="0">
+        <a:bodyPr spcFirstLastPara="0" vert="horz" wrap="square" lIns="30480" tIns="30480" rIns="30480" bIns="30480" numCol="1" spcCol="1270" anchor="ctr" anchorCtr="0">
           <a:noAutofit/>
         </a:bodyPr>
         <a:lstStyle/>
         <a:p>
-          <a:pPr marL="0" lvl="0" indent="0" algn="ctr" defTabSz="400050">
+          <a:pPr marL="0" lvl="0" indent="0" algn="ctr" defTabSz="355600">
             <a:lnSpc>
               <a:spcPct val="90000"/>
             </a:lnSpc>
@@ -4484,26 +5540,26 @@
             <a:buNone/>
           </a:pPr>
           <a:r>
-            <a:rPr lang="es-ES_tradnl" sz="900" kern="1200" dirty="0"/>
-            <a:t>2.4. Cronograma</a:t>
+            <a:rPr lang="es-ES_tradnl" sz="800" kern="1200" dirty="0"/>
+            <a:t>5.2. Personal</a:t>
           </a:r>
-          <a:endParaRPr lang="es-ES" sz="900" kern="1200" dirty="0"/>
+          <a:endParaRPr lang="es-ES" sz="800" kern="1200" dirty="0"/>
         </a:p>
       </dsp:txBody>
       <dsp:txXfrm>
-        <a:off x="3299722" y="4182006"/>
+        <a:off x="6197139" y="2517849"/>
         <a:ext cx="856696" cy="559525"/>
       </dsp:txXfrm>
     </dsp:sp>
-    <dsp:sp modelId="{02AF57A5-5631-4829-8B1F-9F87C7E5BF9A}">
+    <dsp:sp modelId="{4E400D75-3AC2-42DF-9470-72FBEAC0BB79}">
       <dsp:nvSpPr>
         <dsp:cNvPr id="0" name=""/>
         <dsp:cNvSpPr/>
       </dsp:nvSpPr>
       <dsp:spPr>
         <a:xfrm>
-          <a:off x="4887037" y="598548"/>
-          <a:ext cx="579483" cy="237736"/>
+          <a:off x="6579767" y="3094783"/>
+          <a:ext cx="91440" cy="237736"/>
         </a:xfrm>
         <a:custGeom>
           <a:avLst/>
@@ -4514,16 +5570,292 @@
           <a:pathLst>
             <a:path>
               <a:moveTo>
-                <a:pt x="579483" y="0"/>
+                <a:pt x="45720" y="0"/>
               </a:moveTo>
               <a:lnTo>
-                <a:pt x="579483" y="118868"/>
+                <a:pt x="45720" y="237736"/>
               </a:lnTo>
+            </a:path>
+          </a:pathLst>
+        </a:custGeom>
+        <a:noFill/>
+        <a:ln w="12700" cap="flat" cmpd="sng" algn="ctr">
+          <a:solidFill>
+            <a:schemeClr val="accent1">
+              <a:tint val="50000"/>
+              <a:hueOff val="0"/>
+              <a:satOff val="0"/>
+              <a:lumOff val="0"/>
+              <a:alphaOff val="0"/>
+            </a:schemeClr>
+          </a:solidFill>
+          <a:prstDash val="solid"/>
+          <a:miter lim="800000"/>
+        </a:ln>
+        <a:effectLst/>
+      </dsp:spPr>
+      <dsp:style>
+        <a:lnRef idx="2">
+          <a:scrgbClr r="0" g="0" b="0"/>
+        </a:lnRef>
+        <a:fillRef idx="0">
+          <a:scrgbClr r="0" g="0" b="0"/>
+        </a:fillRef>
+        <a:effectRef idx="0">
+          <a:scrgbClr r="0" g="0" b="0"/>
+        </a:effectRef>
+        <a:fontRef idx="minor"/>
+      </dsp:style>
+    </dsp:sp>
+    <dsp:sp modelId="{CF04F5AB-3563-4DB1-A4BC-F556F7D0C9D5}">
+      <dsp:nvSpPr>
+        <dsp:cNvPr id="0" name=""/>
+        <dsp:cNvSpPr/>
+      </dsp:nvSpPr>
+      <dsp:spPr>
+        <a:xfrm>
+          <a:off x="6179731" y="3332520"/>
+          <a:ext cx="891512" cy="594341"/>
+        </a:xfrm>
+        <a:prstGeom prst="roundRect">
+          <a:avLst>
+            <a:gd name="adj" fmla="val 10000"/>
+          </a:avLst>
+        </a:prstGeom>
+        <a:solidFill>
+          <a:schemeClr val="accent1">
+            <a:tint val="70000"/>
+            <a:hueOff val="0"/>
+            <a:satOff val="0"/>
+            <a:lumOff val="0"/>
+            <a:alphaOff val="0"/>
+          </a:schemeClr>
+        </a:solidFill>
+        <a:ln w="19050" cap="flat" cmpd="sng" algn="ctr">
+          <a:solidFill>
+            <a:schemeClr val="lt1">
+              <a:hueOff val="0"/>
+              <a:satOff val="0"/>
+              <a:lumOff val="0"/>
+              <a:alphaOff val="0"/>
+            </a:schemeClr>
+          </a:solidFill>
+          <a:prstDash val="solid"/>
+          <a:miter lim="800000"/>
+        </a:ln>
+        <a:effectLst/>
+      </dsp:spPr>
+      <dsp:style>
+        <a:lnRef idx="3">
+          <a:scrgbClr r="0" g="0" b="0"/>
+        </a:lnRef>
+        <a:fillRef idx="1">
+          <a:scrgbClr r="0" g="0" b="0"/>
+        </a:fillRef>
+        <a:effectRef idx="1">
+          <a:scrgbClr r="0" g="0" b="0"/>
+        </a:effectRef>
+        <a:fontRef idx="minor">
+          <a:schemeClr val="lt1"/>
+        </a:fontRef>
+      </dsp:style>
+      <dsp:txBody>
+        <a:bodyPr spcFirstLastPara="0" vert="horz" wrap="square" lIns="30480" tIns="30480" rIns="30480" bIns="30480" numCol="1" spcCol="1270" anchor="ctr" anchorCtr="0">
+          <a:noAutofit/>
+        </a:bodyPr>
+        <a:lstStyle/>
+        <a:p>
+          <a:pPr marL="0" lvl="0" indent="0" algn="ctr" defTabSz="355600">
+            <a:lnSpc>
+              <a:spcPct val="90000"/>
+            </a:lnSpc>
+            <a:spcBef>
+              <a:spcPct val="0"/>
+            </a:spcBef>
+            <a:spcAft>
+              <a:spcPct val="35000"/>
+            </a:spcAft>
+            <a:buNone/>
+          </a:pPr>
+          <a:r>
+            <a:rPr lang="es-ES_tradnl" sz="800" kern="1200" dirty="0"/>
+            <a:t>5.3 Documentación</a:t>
+          </a:r>
+          <a:endParaRPr lang="es-ES" sz="800" kern="1200" dirty="0"/>
+        </a:p>
+      </dsp:txBody>
+      <dsp:txXfrm>
+        <a:off x="6197139" y="3349928"/>
+        <a:ext cx="856696" cy="559525"/>
+      </dsp:txXfrm>
+    </dsp:sp>
+    <dsp:sp modelId="{B6371254-1FFA-4EC8-9A90-4F69AC26C4B8}">
+      <dsp:nvSpPr>
+        <dsp:cNvPr id="0" name=""/>
+        <dsp:cNvSpPr/>
+      </dsp:nvSpPr>
+      <dsp:spPr>
+        <a:xfrm>
+          <a:off x="6579767" y="3926862"/>
+          <a:ext cx="91440" cy="237736"/>
+        </a:xfrm>
+        <a:custGeom>
+          <a:avLst/>
+          <a:gdLst/>
+          <a:ahLst/>
+          <a:cxnLst/>
+          <a:rect l="0" t="0" r="0" b="0"/>
+          <a:pathLst>
+            <a:path>
+              <a:moveTo>
+                <a:pt x="45720" y="0"/>
+              </a:moveTo>
+              <a:lnTo>
+                <a:pt x="45720" y="237736"/>
+              </a:lnTo>
+            </a:path>
+          </a:pathLst>
+        </a:custGeom>
+        <a:noFill/>
+        <a:ln w="12700" cap="flat" cmpd="sng" algn="ctr">
+          <a:solidFill>
+            <a:schemeClr val="accent1">
+              <a:tint val="50000"/>
+              <a:hueOff val="0"/>
+              <a:satOff val="0"/>
+              <a:lumOff val="0"/>
+              <a:alphaOff val="0"/>
+            </a:schemeClr>
+          </a:solidFill>
+          <a:prstDash val="solid"/>
+          <a:miter lim="800000"/>
+        </a:ln>
+        <a:effectLst/>
+      </dsp:spPr>
+      <dsp:style>
+        <a:lnRef idx="2">
+          <a:scrgbClr r="0" g="0" b="0"/>
+        </a:lnRef>
+        <a:fillRef idx="0">
+          <a:scrgbClr r="0" g="0" b="0"/>
+        </a:fillRef>
+        <a:effectRef idx="0">
+          <a:scrgbClr r="0" g="0" b="0"/>
+        </a:effectRef>
+        <a:fontRef idx="minor"/>
+      </dsp:style>
+    </dsp:sp>
+    <dsp:sp modelId="{E9D5C307-8A1D-4EC7-B20E-8E8F48C13981}">
+      <dsp:nvSpPr>
+        <dsp:cNvPr id="0" name=""/>
+        <dsp:cNvSpPr/>
+      </dsp:nvSpPr>
+      <dsp:spPr>
+        <a:xfrm>
+          <a:off x="6179731" y="4164598"/>
+          <a:ext cx="891512" cy="594341"/>
+        </a:xfrm>
+        <a:prstGeom prst="roundRect">
+          <a:avLst>
+            <a:gd name="adj" fmla="val 10000"/>
+          </a:avLst>
+        </a:prstGeom>
+        <a:solidFill>
+          <a:schemeClr val="accent1">
+            <a:tint val="70000"/>
+            <a:hueOff val="0"/>
+            <a:satOff val="0"/>
+            <a:lumOff val="0"/>
+            <a:alphaOff val="0"/>
+          </a:schemeClr>
+        </a:solidFill>
+        <a:ln w="19050" cap="flat" cmpd="sng" algn="ctr">
+          <a:solidFill>
+            <a:schemeClr val="lt1">
+              <a:hueOff val="0"/>
+              <a:satOff val="0"/>
+              <a:lumOff val="0"/>
+              <a:alphaOff val="0"/>
+            </a:schemeClr>
+          </a:solidFill>
+          <a:prstDash val="solid"/>
+          <a:miter lim="800000"/>
+        </a:ln>
+        <a:effectLst/>
+      </dsp:spPr>
+      <dsp:style>
+        <a:lnRef idx="3">
+          <a:scrgbClr r="0" g="0" b="0"/>
+        </a:lnRef>
+        <a:fillRef idx="1">
+          <a:scrgbClr r="0" g="0" b="0"/>
+        </a:fillRef>
+        <a:effectRef idx="1">
+          <a:scrgbClr r="0" g="0" b="0"/>
+        </a:effectRef>
+        <a:fontRef idx="minor">
+          <a:schemeClr val="lt1"/>
+        </a:fontRef>
+      </dsp:style>
+      <dsp:txBody>
+        <a:bodyPr spcFirstLastPara="0" vert="horz" wrap="square" lIns="30480" tIns="30480" rIns="30480" bIns="30480" numCol="1" spcCol="1270" anchor="ctr" anchorCtr="0">
+          <a:noAutofit/>
+        </a:bodyPr>
+        <a:lstStyle/>
+        <a:p>
+          <a:pPr marL="0" lvl="0" indent="0" algn="ctr" defTabSz="355600">
+            <a:lnSpc>
+              <a:spcPct val="90000"/>
+            </a:lnSpc>
+            <a:spcBef>
+              <a:spcPct val="0"/>
+            </a:spcBef>
+            <a:spcAft>
+              <a:spcPct val="35000"/>
+            </a:spcAft>
+            <a:buNone/>
+          </a:pPr>
+          <a:r>
+            <a:rPr lang="es-ES_tradnl" sz="800" kern="1200" dirty="0"/>
+            <a:t>5.4 Certificación</a:t>
+          </a:r>
+          <a:endParaRPr lang="es-ES" sz="800" kern="1200" dirty="0"/>
+        </a:p>
+      </dsp:txBody>
+      <dsp:txXfrm>
+        <a:off x="6197139" y="4182006"/>
+        <a:ext cx="856696" cy="559525"/>
+      </dsp:txXfrm>
+    </dsp:sp>
+    <dsp:sp modelId="{B8BBA04E-A661-4440-88BC-48A5A46928AD}">
+      <dsp:nvSpPr>
+        <dsp:cNvPr id="0" name=""/>
+        <dsp:cNvSpPr/>
+      </dsp:nvSpPr>
+      <dsp:spPr>
+        <a:xfrm>
+          <a:off x="5466521" y="598548"/>
+          <a:ext cx="2317933" cy="237736"/>
+        </a:xfrm>
+        <a:custGeom>
+          <a:avLst/>
+          <a:gdLst/>
+          <a:ahLst/>
+          <a:cxnLst/>
+          <a:rect l="0" t="0" r="0" b="0"/>
+          <a:pathLst>
+            <a:path>
+              <a:moveTo>
+                <a:pt x="0" y="0"/>
+              </a:moveTo>
               <a:lnTo>
                 <a:pt x="0" y="118868"/>
               </a:lnTo>
               <a:lnTo>
-                <a:pt x="0" y="237736"/>
+                <a:pt x="2317933" y="118868"/>
+              </a:lnTo>
+              <a:lnTo>
+                <a:pt x="2317933" y="237736"/>
               </a:lnTo>
             </a:path>
           </a:pathLst>
@@ -4557,14 +5889,14 @@
         <a:fontRef idx="minor"/>
       </dsp:style>
     </dsp:sp>
-    <dsp:sp modelId="{5B4C9849-DEB8-40B2-959E-E2FFC9C320FA}">
+    <dsp:sp modelId="{F5D11855-5721-4682-A076-B1B508937B57}">
       <dsp:nvSpPr>
         <dsp:cNvPr id="0" name=""/>
         <dsp:cNvSpPr/>
       </dsp:nvSpPr>
       <dsp:spPr>
         <a:xfrm>
-          <a:off x="4441281" y="836284"/>
+          <a:off x="7338697" y="836284"/>
           <a:ext cx="891512" cy="594341"/>
         </a:xfrm>
         <a:prstGeom prst="roundRect">
@@ -4610,12 +5942,12 @@
         </a:fontRef>
       </dsp:style>
       <dsp:txBody>
-        <a:bodyPr spcFirstLastPara="0" vert="horz" wrap="square" lIns="34290" tIns="34290" rIns="34290" bIns="34290" numCol="1" spcCol="1270" anchor="ctr" anchorCtr="0">
+        <a:bodyPr spcFirstLastPara="0" vert="horz" wrap="square" lIns="30480" tIns="30480" rIns="30480" bIns="30480" numCol="1" spcCol="1270" anchor="ctr" anchorCtr="0">
           <a:noAutofit/>
         </a:bodyPr>
         <a:lstStyle/>
         <a:p>
-          <a:pPr marL="0" lvl="0" indent="0" algn="ctr" defTabSz="400050">
+          <a:pPr marL="0" lvl="0" indent="0" algn="ctr" defTabSz="355600">
             <a:lnSpc>
               <a:spcPct val="90000"/>
             </a:lnSpc>
@@ -4628,25 +5960,25 @@
             <a:buNone/>
           </a:pPr>
           <a:r>
-            <a:rPr lang="es-ES_tradnl" sz="900" kern="1200" dirty="0"/>
-            <a:t>3. Desarrollo</a:t>
+            <a:rPr lang="es-ES_tradnl" sz="800" kern="1200" dirty="0"/>
+            <a:t>6. Integración y pruebas</a:t>
           </a:r>
-          <a:endParaRPr lang="es-ES" sz="900" kern="1200" dirty="0"/>
+          <a:endParaRPr lang="es-ES" sz="800" kern="1200" dirty="0"/>
         </a:p>
       </dsp:txBody>
       <dsp:txXfrm>
-        <a:off x="4458689" y="853692"/>
+        <a:off x="7356105" y="853692"/>
         <a:ext cx="856696" cy="559525"/>
       </dsp:txXfrm>
     </dsp:sp>
-    <dsp:sp modelId="{F75CBFB9-BF0A-44D1-A33C-B79AA986F053}">
+    <dsp:sp modelId="{7C69395F-B695-4DFD-9AE3-CCCC3BD07CBB}">
       <dsp:nvSpPr>
         <dsp:cNvPr id="0" name=""/>
         <dsp:cNvSpPr/>
       </dsp:nvSpPr>
       <dsp:spPr>
         <a:xfrm>
-          <a:off x="4841317" y="1430626"/>
+          <a:off x="7738734" y="1430626"/>
           <a:ext cx="91440" cy="237736"/>
         </a:xfrm>
         <a:custGeom>
@@ -4695,14 +6027,14 @@
         <a:fontRef idx="minor"/>
       </dsp:style>
     </dsp:sp>
-    <dsp:sp modelId="{A53AEAF4-DE63-41BC-865B-CDA9095339F1}">
+    <dsp:sp modelId="{C5044203-A88D-4B18-9810-49E9EA828504}">
       <dsp:nvSpPr>
         <dsp:cNvPr id="0" name=""/>
         <dsp:cNvSpPr/>
       </dsp:nvSpPr>
       <dsp:spPr>
         <a:xfrm>
-          <a:off x="4441281" y="1668363"/>
+          <a:off x="7338697" y="1668363"/>
           <a:ext cx="891512" cy="594341"/>
         </a:xfrm>
         <a:prstGeom prst="roundRect">
@@ -4748,12 +6080,12 @@
         </a:fontRef>
       </dsp:style>
       <dsp:txBody>
-        <a:bodyPr spcFirstLastPara="0" vert="horz" wrap="square" lIns="34290" tIns="34290" rIns="34290" bIns="34290" numCol="1" spcCol="1270" anchor="ctr" anchorCtr="0">
+        <a:bodyPr spcFirstLastPara="0" vert="horz" wrap="square" lIns="30480" tIns="30480" rIns="30480" bIns="30480" numCol="1" spcCol="1270" anchor="ctr" anchorCtr="0">
           <a:noAutofit/>
         </a:bodyPr>
         <a:lstStyle/>
         <a:p>
-          <a:pPr marL="0" lvl="0" indent="0" algn="ctr" defTabSz="400050">
+          <a:pPr marL="0" lvl="0" indent="0" algn="ctr" defTabSz="355600">
             <a:lnSpc>
               <a:spcPct val="90000"/>
             </a:lnSpc>
@@ -4766,25 +6098,25 @@
             <a:buNone/>
           </a:pPr>
           <a:r>
-            <a:rPr lang="es-ES_tradnl" sz="900" kern="1200" dirty="0"/>
-            <a:t>3.1. Control de procesos</a:t>
+            <a:rPr lang="es-ES_tradnl" sz="800" kern="1200" dirty="0"/>
+            <a:t>6.1. Integración en muestra</a:t>
           </a:r>
-          <a:endParaRPr lang="es-ES" sz="900" kern="1200" dirty="0"/>
+          <a:endParaRPr lang="es-ES" sz="800" kern="1200" dirty="0"/>
         </a:p>
       </dsp:txBody>
       <dsp:txXfrm>
-        <a:off x="4458689" y="1685771"/>
+        <a:off x="7356105" y="1685771"/>
         <a:ext cx="856696" cy="559525"/>
       </dsp:txXfrm>
     </dsp:sp>
-    <dsp:sp modelId="{CA90F6F9-60A6-482D-9CEF-AA80F0D193AE}">
+    <dsp:sp modelId="{3D2151FC-33BA-453D-AA0E-CDDCBD0EEE9C}">
       <dsp:nvSpPr>
         <dsp:cNvPr id="0" name=""/>
         <dsp:cNvSpPr/>
       </dsp:nvSpPr>
       <dsp:spPr>
         <a:xfrm>
-          <a:off x="4841317" y="2262705"/>
+          <a:off x="7738734" y="2262705"/>
           <a:ext cx="91440" cy="237736"/>
         </a:xfrm>
         <a:custGeom>
@@ -4833,14 +6165,14 @@
         <a:fontRef idx="minor"/>
       </dsp:style>
     </dsp:sp>
-    <dsp:sp modelId="{FAE55E79-8B96-4C0A-BE86-86E1DECB95C8}">
+    <dsp:sp modelId="{AE1D8903-F48F-42E3-945F-5C5316952795}">
       <dsp:nvSpPr>
         <dsp:cNvPr id="0" name=""/>
         <dsp:cNvSpPr/>
       </dsp:nvSpPr>
       <dsp:spPr>
         <a:xfrm>
-          <a:off x="4441281" y="2500441"/>
+          <a:off x="7338697" y="2500441"/>
           <a:ext cx="891512" cy="594341"/>
         </a:xfrm>
         <a:prstGeom prst="roundRect">
@@ -4886,12 +6218,12 @@
         </a:fontRef>
       </dsp:style>
       <dsp:txBody>
-        <a:bodyPr spcFirstLastPara="0" vert="horz" wrap="square" lIns="34290" tIns="34290" rIns="34290" bIns="34290" numCol="1" spcCol="1270" anchor="ctr" anchorCtr="0">
+        <a:bodyPr spcFirstLastPara="0" vert="horz" wrap="square" lIns="30480" tIns="30480" rIns="30480" bIns="30480" numCol="1" spcCol="1270" anchor="ctr" anchorCtr="0">
           <a:noAutofit/>
         </a:bodyPr>
         <a:lstStyle/>
         <a:p>
-          <a:pPr marL="0" lvl="0" indent="0" algn="ctr" defTabSz="400050">
+          <a:pPr marL="0" lvl="0" indent="0" algn="ctr" defTabSz="355600">
             <a:lnSpc>
               <a:spcPct val="90000"/>
             </a:lnSpc>
@@ -4904,18 +6236,156 @@
             <a:buNone/>
           </a:pPr>
           <a:r>
-            <a:rPr lang="es-ES_tradnl" sz="900" kern="1200" dirty="0"/>
-            <a:t>3.2. Gestión de compras</a:t>
+            <a:rPr lang="es-ES_tradnl" sz="800" kern="1200" dirty="0"/>
+            <a:t>6.2. Obtención de resultados</a:t>
           </a:r>
-          <a:endParaRPr lang="es-ES" sz="900" kern="1200" dirty="0"/>
+          <a:endParaRPr lang="es-ES" sz="800" kern="1200" dirty="0"/>
         </a:p>
       </dsp:txBody>
       <dsp:txXfrm>
-        <a:off x="4458689" y="2517849"/>
+        <a:off x="7356105" y="2517849"/>
         <a:ext cx="856696" cy="559525"/>
       </dsp:txXfrm>
     </dsp:sp>
-    <dsp:sp modelId="{2DFB326B-B609-43F8-A763-08BEA677E07F}">
+    <dsp:sp modelId="{2D318F84-E12B-497C-A08E-FA9EE0475B26}">
+      <dsp:nvSpPr>
+        <dsp:cNvPr id="0" name=""/>
+        <dsp:cNvSpPr/>
+      </dsp:nvSpPr>
+      <dsp:spPr>
+        <a:xfrm>
+          <a:off x="7738734" y="3094783"/>
+          <a:ext cx="91440" cy="237736"/>
+        </a:xfrm>
+        <a:custGeom>
+          <a:avLst/>
+          <a:gdLst/>
+          <a:ahLst/>
+          <a:cxnLst/>
+          <a:rect l="0" t="0" r="0" b="0"/>
+          <a:pathLst>
+            <a:path>
+              <a:moveTo>
+                <a:pt x="45720" y="0"/>
+              </a:moveTo>
+              <a:lnTo>
+                <a:pt x="45720" y="237736"/>
+              </a:lnTo>
+            </a:path>
+          </a:pathLst>
+        </a:custGeom>
+        <a:noFill/>
+        <a:ln w="12700" cap="flat" cmpd="sng" algn="ctr">
+          <a:solidFill>
+            <a:schemeClr val="accent1">
+              <a:tint val="50000"/>
+              <a:hueOff val="0"/>
+              <a:satOff val="0"/>
+              <a:lumOff val="0"/>
+              <a:alphaOff val="0"/>
+            </a:schemeClr>
+          </a:solidFill>
+          <a:prstDash val="solid"/>
+          <a:miter lim="800000"/>
+        </a:ln>
+        <a:effectLst/>
+      </dsp:spPr>
+      <dsp:style>
+        <a:lnRef idx="2">
+          <a:scrgbClr r="0" g="0" b="0"/>
+        </a:lnRef>
+        <a:fillRef idx="0">
+          <a:scrgbClr r="0" g="0" b="0"/>
+        </a:fillRef>
+        <a:effectRef idx="0">
+          <a:scrgbClr r="0" g="0" b="0"/>
+        </a:effectRef>
+        <a:fontRef idx="minor"/>
+      </dsp:style>
+    </dsp:sp>
+    <dsp:sp modelId="{920982DC-2630-4054-B387-AEC5EDAB1340}">
+      <dsp:nvSpPr>
+        <dsp:cNvPr id="0" name=""/>
+        <dsp:cNvSpPr/>
+      </dsp:nvSpPr>
+      <dsp:spPr>
+        <a:xfrm>
+          <a:off x="7338697" y="3332520"/>
+          <a:ext cx="891512" cy="594341"/>
+        </a:xfrm>
+        <a:prstGeom prst="roundRect">
+          <a:avLst>
+            <a:gd name="adj" fmla="val 10000"/>
+          </a:avLst>
+        </a:prstGeom>
+        <a:solidFill>
+          <a:schemeClr val="accent1">
+            <a:tint val="70000"/>
+            <a:hueOff val="0"/>
+            <a:satOff val="0"/>
+            <a:lumOff val="0"/>
+            <a:alphaOff val="0"/>
+          </a:schemeClr>
+        </a:solidFill>
+        <a:ln w="19050" cap="flat" cmpd="sng" algn="ctr">
+          <a:solidFill>
+            <a:schemeClr val="lt1">
+              <a:hueOff val="0"/>
+              <a:satOff val="0"/>
+              <a:lumOff val="0"/>
+              <a:alphaOff val="0"/>
+            </a:schemeClr>
+          </a:solidFill>
+          <a:prstDash val="solid"/>
+          <a:miter lim="800000"/>
+        </a:ln>
+        <a:effectLst/>
+      </dsp:spPr>
+      <dsp:style>
+        <a:lnRef idx="3">
+          <a:scrgbClr r="0" g="0" b="0"/>
+        </a:lnRef>
+        <a:fillRef idx="1">
+          <a:scrgbClr r="0" g="0" b="0"/>
+        </a:fillRef>
+        <a:effectRef idx="1">
+          <a:scrgbClr r="0" g="0" b="0"/>
+        </a:effectRef>
+        <a:fontRef idx="minor">
+          <a:schemeClr val="lt1"/>
+        </a:fontRef>
+      </dsp:style>
+      <dsp:txBody>
+        <a:bodyPr spcFirstLastPara="0" vert="horz" wrap="square" lIns="30480" tIns="30480" rIns="30480" bIns="30480" numCol="1" spcCol="1270" anchor="ctr" anchorCtr="0">
+          <a:noAutofit/>
+        </a:bodyPr>
+        <a:lstStyle/>
+        <a:p>
+          <a:pPr marL="0" lvl="0" indent="0" algn="ctr" defTabSz="355600">
+            <a:lnSpc>
+              <a:spcPct val="90000"/>
+            </a:lnSpc>
+            <a:spcBef>
+              <a:spcPct val="0"/>
+            </a:spcBef>
+            <a:spcAft>
+              <a:spcPct val="35000"/>
+            </a:spcAft>
+            <a:buNone/>
+          </a:pPr>
+          <a:r>
+            <a:rPr lang="es-ES_tradnl" sz="800" kern="1200" dirty="0"/>
+            <a:t>6.3. Validación de resultados</a:t>
+          </a:r>
+          <a:endParaRPr lang="es-ES" sz="800" kern="1200" dirty="0"/>
+        </a:p>
+      </dsp:txBody>
+      <dsp:txXfrm>
+        <a:off x="7356105" y="3349928"/>
+        <a:ext cx="856696" cy="559525"/>
+      </dsp:txXfrm>
+    </dsp:sp>
+    <dsp:sp modelId="{44A92FEE-33E2-4B91-A94C-B4EA8EE86B60}">
       <dsp:nvSpPr>
         <dsp:cNvPr id="0" name=""/>
         <dsp:cNvSpPr/>
@@ -4923,7 +6393,7 @@
       <dsp:spPr>
         <a:xfrm>
           <a:off x="5466521" y="598548"/>
-          <a:ext cx="579483" cy="237736"/>
+          <a:ext cx="3476899" cy="237736"/>
         </a:xfrm>
         <a:custGeom>
           <a:avLst/>
@@ -4940,10 +6410,10 @@
                 <a:pt x="0" y="118868"/>
               </a:lnTo>
               <a:lnTo>
-                <a:pt x="579483" y="118868"/>
+                <a:pt x="3476899" y="118868"/>
               </a:lnTo>
               <a:lnTo>
-                <a:pt x="579483" y="237736"/>
+                <a:pt x="3476899" y="237736"/>
               </a:lnTo>
             </a:path>
           </a:pathLst>
@@ -4977,14 +6447,14 @@
         <a:fontRef idx="minor"/>
       </dsp:style>
     </dsp:sp>
-    <dsp:sp modelId="{ED51B719-283F-4EED-B2CC-182439F80BA8}">
+    <dsp:sp modelId="{1D4FB0B1-442C-44CE-BE21-E9FDAD3A9144}">
       <dsp:nvSpPr>
         <dsp:cNvPr id="0" name=""/>
         <dsp:cNvSpPr/>
       </dsp:nvSpPr>
       <dsp:spPr>
         <a:xfrm>
-          <a:off x="5600247" y="836284"/>
+          <a:off x="8497664" y="836284"/>
           <a:ext cx="891512" cy="594341"/>
         </a:xfrm>
         <a:prstGeom prst="roundRect">
@@ -5030,12 +6500,12 @@
         </a:fontRef>
       </dsp:style>
       <dsp:txBody>
-        <a:bodyPr spcFirstLastPara="0" vert="horz" wrap="square" lIns="34290" tIns="34290" rIns="34290" bIns="34290" numCol="1" spcCol="1270" anchor="ctr" anchorCtr="0">
+        <a:bodyPr spcFirstLastPara="0" vert="horz" wrap="square" lIns="30480" tIns="30480" rIns="30480" bIns="30480" numCol="1" spcCol="1270" anchor="ctr" anchorCtr="0">
           <a:noAutofit/>
         </a:bodyPr>
         <a:lstStyle/>
         <a:p>
-          <a:pPr marL="0" lvl="0" indent="0" algn="ctr" defTabSz="400050">
+          <a:pPr marL="0" lvl="0" indent="0" algn="ctr" defTabSz="355600">
             <a:lnSpc>
               <a:spcPct val="90000"/>
             </a:lnSpc>
@@ -5048,25 +6518,25 @@
             <a:buNone/>
           </a:pPr>
           <a:r>
-            <a:rPr lang="es-ES_tradnl" sz="900" kern="1200" dirty="0"/>
-            <a:t>4. Formación</a:t>
+            <a:rPr lang="es-ES_tradnl" sz="800" kern="1200" dirty="0"/>
+            <a:t>7. Cierre</a:t>
           </a:r>
-          <a:endParaRPr lang="es-ES" sz="900" kern="1200" dirty="0"/>
+          <a:endParaRPr lang="es-ES" sz="800" kern="1200" dirty="0"/>
         </a:p>
       </dsp:txBody>
       <dsp:txXfrm>
-        <a:off x="5617655" y="853692"/>
+        <a:off x="8515072" y="853692"/>
         <a:ext cx="856696" cy="559525"/>
       </dsp:txXfrm>
     </dsp:sp>
-    <dsp:sp modelId="{291C996E-0EB8-4C7C-A09D-BCD184B0D448}">
+    <dsp:sp modelId="{BD3EDBA1-58E6-46D1-8F92-11C7D932A901}">
       <dsp:nvSpPr>
         <dsp:cNvPr id="0" name=""/>
         <dsp:cNvSpPr/>
       </dsp:nvSpPr>
       <dsp:spPr>
         <a:xfrm>
-          <a:off x="6000284" y="1430626"/>
+          <a:off x="8897700" y="1430626"/>
           <a:ext cx="91440" cy="237736"/>
         </a:xfrm>
         <a:custGeom>
@@ -5115,14 +6585,14 @@
         <a:fontRef idx="minor"/>
       </dsp:style>
     </dsp:sp>
-    <dsp:sp modelId="{FC12F369-519B-4055-B6C8-695637AC848E}">
+    <dsp:sp modelId="{AEE5FF50-BB8D-4A70-8A11-9F9219A16C96}">
       <dsp:nvSpPr>
         <dsp:cNvPr id="0" name=""/>
         <dsp:cNvSpPr/>
       </dsp:nvSpPr>
       <dsp:spPr>
         <a:xfrm>
-          <a:off x="5600247" y="1668363"/>
+          <a:off x="8497664" y="1668363"/>
           <a:ext cx="891512" cy="594341"/>
         </a:xfrm>
         <a:prstGeom prst="roundRect">
@@ -5168,12 +6638,12 @@
         </a:fontRef>
       </dsp:style>
       <dsp:txBody>
-        <a:bodyPr spcFirstLastPara="0" vert="horz" wrap="square" lIns="34290" tIns="34290" rIns="34290" bIns="34290" numCol="1" spcCol="1270" anchor="ctr" anchorCtr="0">
+        <a:bodyPr spcFirstLastPara="0" vert="horz" wrap="square" lIns="30480" tIns="30480" rIns="30480" bIns="30480" numCol="1" spcCol="1270" anchor="ctr" anchorCtr="0">
           <a:noAutofit/>
         </a:bodyPr>
         <a:lstStyle/>
         <a:p>
-          <a:pPr marL="0" lvl="0" indent="0" algn="ctr" defTabSz="400050">
+          <a:pPr marL="0" lvl="0" indent="0" algn="ctr" defTabSz="355600">
             <a:lnSpc>
               <a:spcPct val="90000"/>
             </a:lnSpc>
@@ -5186,25 +6656,25 @@
             <a:buNone/>
           </a:pPr>
           <a:r>
-            <a:rPr lang="es-ES_tradnl" sz="900" kern="1200" dirty="0"/>
-            <a:t>4.1. Cursos</a:t>
+            <a:rPr lang="es-ES_tradnl" sz="800" kern="1200" dirty="0"/>
+            <a:t>7.1. Implementación final</a:t>
           </a:r>
-          <a:endParaRPr lang="es-ES" sz="900" kern="1200" dirty="0"/>
+          <a:endParaRPr lang="es-ES" sz="800" kern="1200" dirty="0"/>
         </a:p>
       </dsp:txBody>
       <dsp:txXfrm>
-        <a:off x="5617655" y="1685771"/>
+        <a:off x="8515072" y="1685771"/>
         <a:ext cx="856696" cy="559525"/>
       </dsp:txXfrm>
     </dsp:sp>
-    <dsp:sp modelId="{D7F2430B-BCB5-408D-B434-E52E0A1944C0}">
+    <dsp:sp modelId="{95517795-1F73-461A-B8A9-0DB9072BC468}">
       <dsp:nvSpPr>
         <dsp:cNvPr id="0" name=""/>
         <dsp:cNvSpPr/>
       </dsp:nvSpPr>
       <dsp:spPr>
         <a:xfrm>
-          <a:off x="6000284" y="2262705"/>
+          <a:off x="8897700" y="2262705"/>
           <a:ext cx="91440" cy="237736"/>
         </a:xfrm>
         <a:custGeom>
@@ -5253,14 +6723,14 @@
         <a:fontRef idx="minor"/>
       </dsp:style>
     </dsp:sp>
-    <dsp:sp modelId="{95C57D1B-15F4-4DDD-96A4-BFBFEA71B3BB}">
+    <dsp:sp modelId="{51EAB6DB-A7F8-4F89-835D-ED7DFDC5E4CD}">
       <dsp:nvSpPr>
         <dsp:cNvPr id="0" name=""/>
         <dsp:cNvSpPr/>
       </dsp:nvSpPr>
       <dsp:spPr>
         <a:xfrm>
-          <a:off x="5600247" y="2500441"/>
+          <a:off x="8497664" y="2500441"/>
           <a:ext cx="891512" cy="594341"/>
         </a:xfrm>
         <a:prstGeom prst="roundRect">
@@ -5306,12 +6776,12 @@
         </a:fontRef>
       </dsp:style>
       <dsp:txBody>
-        <a:bodyPr spcFirstLastPara="0" vert="horz" wrap="square" lIns="34290" tIns="34290" rIns="34290" bIns="34290" numCol="1" spcCol="1270" anchor="ctr" anchorCtr="0">
+        <a:bodyPr spcFirstLastPara="0" vert="horz" wrap="square" lIns="30480" tIns="30480" rIns="30480" bIns="30480" numCol="1" spcCol="1270" anchor="ctr" anchorCtr="0">
           <a:noAutofit/>
         </a:bodyPr>
         <a:lstStyle/>
         <a:p>
-          <a:pPr marL="0" lvl="0" indent="0" algn="ctr" defTabSz="400050">
+          <a:pPr marL="0" lvl="0" indent="0" algn="ctr" defTabSz="355600">
             <a:lnSpc>
               <a:spcPct val="90000"/>
             </a:lnSpc>
@@ -5324,1268 +6794,14 @@
             <a:buNone/>
           </a:pPr>
           <a:r>
-            <a:rPr lang="es-ES_tradnl" sz="900" kern="1200" dirty="0"/>
-            <a:t>4.2. Personal</a:t>
+            <a:rPr lang="es-ES_tradnl" sz="800" kern="1200" dirty="0"/>
+            <a:t>7.2. Documentación</a:t>
           </a:r>
-          <a:endParaRPr lang="es-ES" sz="900" kern="1200" dirty="0"/>
+          <a:endParaRPr lang="es-ES" sz="800" kern="1200" dirty="0"/>
         </a:p>
       </dsp:txBody>
       <dsp:txXfrm>
-        <a:off x="5617655" y="2517849"/>
-        <a:ext cx="856696" cy="559525"/>
-      </dsp:txXfrm>
-    </dsp:sp>
-    <dsp:sp modelId="{F3B7109E-FC5E-4032-9E48-7AE989930E7F}">
-      <dsp:nvSpPr>
-        <dsp:cNvPr id="0" name=""/>
-        <dsp:cNvSpPr/>
-      </dsp:nvSpPr>
-      <dsp:spPr>
-        <a:xfrm>
-          <a:off x="6000284" y="3094783"/>
-          <a:ext cx="91440" cy="237736"/>
-        </a:xfrm>
-        <a:custGeom>
-          <a:avLst/>
-          <a:gdLst/>
-          <a:ahLst/>
-          <a:cxnLst/>
-          <a:rect l="0" t="0" r="0" b="0"/>
-          <a:pathLst>
-            <a:path>
-              <a:moveTo>
-                <a:pt x="45720" y="0"/>
-              </a:moveTo>
-              <a:lnTo>
-                <a:pt x="45720" y="237736"/>
-              </a:lnTo>
-            </a:path>
-          </a:pathLst>
-        </a:custGeom>
-        <a:noFill/>
-        <a:ln w="12700" cap="flat" cmpd="sng" algn="ctr">
-          <a:solidFill>
-            <a:schemeClr val="accent1">
-              <a:tint val="50000"/>
-              <a:hueOff val="0"/>
-              <a:satOff val="0"/>
-              <a:lumOff val="0"/>
-              <a:alphaOff val="0"/>
-            </a:schemeClr>
-          </a:solidFill>
-          <a:prstDash val="solid"/>
-          <a:miter lim="800000"/>
-        </a:ln>
-        <a:effectLst/>
-      </dsp:spPr>
-      <dsp:style>
-        <a:lnRef idx="2">
-          <a:scrgbClr r="0" g="0" b="0"/>
-        </a:lnRef>
-        <a:fillRef idx="0">
-          <a:scrgbClr r="0" g="0" b="0"/>
-        </a:fillRef>
-        <a:effectRef idx="0">
-          <a:scrgbClr r="0" g="0" b="0"/>
-        </a:effectRef>
-        <a:fontRef idx="minor"/>
-      </dsp:style>
-    </dsp:sp>
-    <dsp:sp modelId="{EF24AA40-32E7-44EE-B69D-486DD25DA9EB}">
-      <dsp:nvSpPr>
-        <dsp:cNvPr id="0" name=""/>
-        <dsp:cNvSpPr/>
-      </dsp:nvSpPr>
-      <dsp:spPr>
-        <a:xfrm>
-          <a:off x="5600247" y="3332520"/>
-          <a:ext cx="891512" cy="594341"/>
-        </a:xfrm>
-        <a:prstGeom prst="roundRect">
-          <a:avLst>
-            <a:gd name="adj" fmla="val 10000"/>
-          </a:avLst>
-        </a:prstGeom>
-        <a:solidFill>
-          <a:schemeClr val="accent1">
-            <a:tint val="70000"/>
-            <a:hueOff val="0"/>
-            <a:satOff val="0"/>
-            <a:lumOff val="0"/>
-            <a:alphaOff val="0"/>
-          </a:schemeClr>
-        </a:solidFill>
-        <a:ln w="19050" cap="flat" cmpd="sng" algn="ctr">
-          <a:solidFill>
-            <a:schemeClr val="lt1">
-              <a:hueOff val="0"/>
-              <a:satOff val="0"/>
-              <a:lumOff val="0"/>
-              <a:alphaOff val="0"/>
-            </a:schemeClr>
-          </a:solidFill>
-          <a:prstDash val="solid"/>
-          <a:miter lim="800000"/>
-        </a:ln>
-        <a:effectLst/>
-      </dsp:spPr>
-      <dsp:style>
-        <a:lnRef idx="3">
-          <a:scrgbClr r="0" g="0" b="0"/>
-        </a:lnRef>
-        <a:fillRef idx="1">
-          <a:scrgbClr r="0" g="0" b="0"/>
-        </a:fillRef>
-        <a:effectRef idx="1">
-          <a:scrgbClr r="0" g="0" b="0"/>
-        </a:effectRef>
-        <a:fontRef idx="minor">
-          <a:schemeClr val="lt1"/>
-        </a:fontRef>
-      </dsp:style>
-      <dsp:txBody>
-        <a:bodyPr spcFirstLastPara="0" vert="horz" wrap="square" lIns="34290" tIns="34290" rIns="34290" bIns="34290" numCol="1" spcCol="1270" anchor="ctr" anchorCtr="0">
-          <a:noAutofit/>
-        </a:bodyPr>
-        <a:lstStyle/>
-        <a:p>
-          <a:pPr marL="0" lvl="0" indent="0" algn="ctr" defTabSz="400050">
-            <a:lnSpc>
-              <a:spcPct val="90000"/>
-            </a:lnSpc>
-            <a:spcBef>
-              <a:spcPct val="0"/>
-            </a:spcBef>
-            <a:spcAft>
-              <a:spcPct val="35000"/>
-            </a:spcAft>
-            <a:buNone/>
-          </a:pPr>
-          <a:r>
-            <a:rPr lang="es-ES_tradnl" sz="900" kern="1200" dirty="0"/>
-            <a:t>4.3 Documentación</a:t>
-          </a:r>
-          <a:endParaRPr lang="es-ES" sz="900" kern="1200" dirty="0"/>
-        </a:p>
-      </dsp:txBody>
-      <dsp:txXfrm>
-        <a:off x="5617655" y="3349928"/>
-        <a:ext cx="856696" cy="559525"/>
-      </dsp:txXfrm>
-    </dsp:sp>
-    <dsp:sp modelId="{1B1B1F7A-7EF2-4ACB-B5C6-900D03138544}">
-      <dsp:nvSpPr>
-        <dsp:cNvPr id="0" name=""/>
-        <dsp:cNvSpPr/>
-      </dsp:nvSpPr>
-      <dsp:spPr>
-        <a:xfrm>
-          <a:off x="6000284" y="3926862"/>
-          <a:ext cx="91440" cy="237736"/>
-        </a:xfrm>
-        <a:custGeom>
-          <a:avLst/>
-          <a:gdLst/>
-          <a:ahLst/>
-          <a:cxnLst/>
-          <a:rect l="0" t="0" r="0" b="0"/>
-          <a:pathLst>
-            <a:path>
-              <a:moveTo>
-                <a:pt x="45720" y="0"/>
-              </a:moveTo>
-              <a:lnTo>
-                <a:pt x="45720" y="237736"/>
-              </a:lnTo>
-            </a:path>
-          </a:pathLst>
-        </a:custGeom>
-        <a:noFill/>
-        <a:ln w="12700" cap="flat" cmpd="sng" algn="ctr">
-          <a:solidFill>
-            <a:schemeClr val="accent1">
-              <a:tint val="50000"/>
-              <a:hueOff val="0"/>
-              <a:satOff val="0"/>
-              <a:lumOff val="0"/>
-              <a:alphaOff val="0"/>
-            </a:schemeClr>
-          </a:solidFill>
-          <a:prstDash val="solid"/>
-          <a:miter lim="800000"/>
-        </a:ln>
-        <a:effectLst/>
-      </dsp:spPr>
-      <dsp:style>
-        <a:lnRef idx="2">
-          <a:scrgbClr r="0" g="0" b="0"/>
-        </a:lnRef>
-        <a:fillRef idx="0">
-          <a:scrgbClr r="0" g="0" b="0"/>
-        </a:fillRef>
-        <a:effectRef idx="0">
-          <a:scrgbClr r="0" g="0" b="0"/>
-        </a:effectRef>
-        <a:fontRef idx="minor"/>
-      </dsp:style>
-    </dsp:sp>
-    <dsp:sp modelId="{D96C27F6-8F1F-4C78-BC8B-2BA73823F3B2}">
-      <dsp:nvSpPr>
-        <dsp:cNvPr id="0" name=""/>
-        <dsp:cNvSpPr/>
-      </dsp:nvSpPr>
-      <dsp:spPr>
-        <a:xfrm>
-          <a:off x="5600247" y="4164598"/>
-          <a:ext cx="891512" cy="594341"/>
-        </a:xfrm>
-        <a:prstGeom prst="roundRect">
-          <a:avLst>
-            <a:gd name="adj" fmla="val 10000"/>
-          </a:avLst>
-        </a:prstGeom>
-        <a:solidFill>
-          <a:schemeClr val="accent1">
-            <a:tint val="70000"/>
-            <a:hueOff val="0"/>
-            <a:satOff val="0"/>
-            <a:lumOff val="0"/>
-            <a:alphaOff val="0"/>
-          </a:schemeClr>
-        </a:solidFill>
-        <a:ln w="19050" cap="flat" cmpd="sng" algn="ctr">
-          <a:solidFill>
-            <a:schemeClr val="lt1">
-              <a:hueOff val="0"/>
-              <a:satOff val="0"/>
-              <a:lumOff val="0"/>
-              <a:alphaOff val="0"/>
-            </a:schemeClr>
-          </a:solidFill>
-          <a:prstDash val="solid"/>
-          <a:miter lim="800000"/>
-        </a:ln>
-        <a:effectLst/>
-      </dsp:spPr>
-      <dsp:style>
-        <a:lnRef idx="3">
-          <a:scrgbClr r="0" g="0" b="0"/>
-        </a:lnRef>
-        <a:fillRef idx="1">
-          <a:scrgbClr r="0" g="0" b="0"/>
-        </a:fillRef>
-        <a:effectRef idx="1">
-          <a:scrgbClr r="0" g="0" b="0"/>
-        </a:effectRef>
-        <a:fontRef idx="minor">
-          <a:schemeClr val="lt1"/>
-        </a:fontRef>
-      </dsp:style>
-      <dsp:txBody>
-        <a:bodyPr spcFirstLastPara="0" vert="horz" wrap="square" lIns="34290" tIns="34290" rIns="34290" bIns="34290" numCol="1" spcCol="1270" anchor="ctr" anchorCtr="0">
-          <a:noAutofit/>
-        </a:bodyPr>
-        <a:lstStyle/>
-        <a:p>
-          <a:pPr marL="0" lvl="0" indent="0" algn="ctr" defTabSz="400050">
-            <a:lnSpc>
-              <a:spcPct val="90000"/>
-            </a:lnSpc>
-            <a:spcBef>
-              <a:spcPct val="0"/>
-            </a:spcBef>
-            <a:spcAft>
-              <a:spcPct val="35000"/>
-            </a:spcAft>
-            <a:buNone/>
-          </a:pPr>
-          <a:r>
-            <a:rPr lang="es-ES_tradnl" sz="900" kern="1200" dirty="0"/>
-            <a:t>4.4 Certificación</a:t>
-          </a:r>
-          <a:endParaRPr lang="es-ES" sz="900" kern="1200" dirty="0"/>
-        </a:p>
-      </dsp:txBody>
-      <dsp:txXfrm>
-        <a:off x="5617655" y="4182006"/>
-        <a:ext cx="856696" cy="559525"/>
-      </dsp:txXfrm>
-    </dsp:sp>
-    <dsp:sp modelId="{F466743B-97CF-4FAA-9E07-3737C57455A5}">
-      <dsp:nvSpPr>
-        <dsp:cNvPr id="0" name=""/>
-        <dsp:cNvSpPr/>
-      </dsp:nvSpPr>
-      <dsp:spPr>
-        <a:xfrm>
-          <a:off x="5466521" y="598548"/>
-          <a:ext cx="1738449" cy="237736"/>
-        </a:xfrm>
-        <a:custGeom>
-          <a:avLst/>
-          <a:gdLst/>
-          <a:ahLst/>
-          <a:cxnLst/>
-          <a:rect l="0" t="0" r="0" b="0"/>
-          <a:pathLst>
-            <a:path>
-              <a:moveTo>
-                <a:pt x="0" y="0"/>
-              </a:moveTo>
-              <a:lnTo>
-                <a:pt x="0" y="118868"/>
-              </a:lnTo>
-              <a:lnTo>
-                <a:pt x="1738449" y="118868"/>
-              </a:lnTo>
-              <a:lnTo>
-                <a:pt x="1738449" y="237736"/>
-              </a:lnTo>
-            </a:path>
-          </a:pathLst>
-        </a:custGeom>
-        <a:noFill/>
-        <a:ln w="12700" cap="flat" cmpd="sng" algn="ctr">
-          <a:solidFill>
-            <a:schemeClr val="accent1">
-              <a:tint val="90000"/>
-              <a:hueOff val="0"/>
-              <a:satOff val="0"/>
-              <a:lumOff val="0"/>
-              <a:alphaOff val="0"/>
-            </a:schemeClr>
-          </a:solidFill>
-          <a:prstDash val="solid"/>
-          <a:miter lim="800000"/>
-        </a:ln>
-        <a:effectLst/>
-      </dsp:spPr>
-      <dsp:style>
-        <a:lnRef idx="2">
-          <a:scrgbClr r="0" g="0" b="0"/>
-        </a:lnRef>
-        <a:fillRef idx="0">
-          <a:scrgbClr r="0" g="0" b="0"/>
-        </a:fillRef>
-        <a:effectRef idx="0">
-          <a:scrgbClr r="0" g="0" b="0"/>
-        </a:effectRef>
-        <a:fontRef idx="minor"/>
-      </dsp:style>
-    </dsp:sp>
-    <dsp:sp modelId="{A41A0699-52FD-4C1F-BA71-1940B09DFCB3}">
-      <dsp:nvSpPr>
-        <dsp:cNvPr id="0" name=""/>
-        <dsp:cNvSpPr/>
-      </dsp:nvSpPr>
-      <dsp:spPr>
-        <a:xfrm>
-          <a:off x="6759214" y="836284"/>
-          <a:ext cx="891512" cy="594341"/>
-        </a:xfrm>
-        <a:prstGeom prst="roundRect">
-          <a:avLst>
-            <a:gd name="adj" fmla="val 10000"/>
-          </a:avLst>
-        </a:prstGeom>
-        <a:solidFill>
-          <a:schemeClr val="accent1">
-            <a:shade val="80000"/>
-            <a:hueOff val="0"/>
-            <a:satOff val="0"/>
-            <a:lumOff val="0"/>
-            <a:alphaOff val="0"/>
-          </a:schemeClr>
-        </a:solidFill>
-        <a:ln w="19050" cap="flat" cmpd="sng" algn="ctr">
-          <a:solidFill>
-            <a:schemeClr val="lt1">
-              <a:hueOff val="0"/>
-              <a:satOff val="0"/>
-              <a:lumOff val="0"/>
-              <a:alphaOff val="0"/>
-            </a:schemeClr>
-          </a:solidFill>
-          <a:prstDash val="solid"/>
-          <a:miter lim="800000"/>
-        </a:ln>
-        <a:effectLst/>
-      </dsp:spPr>
-      <dsp:style>
-        <a:lnRef idx="3">
-          <a:scrgbClr r="0" g="0" b="0"/>
-        </a:lnRef>
-        <a:fillRef idx="1">
-          <a:scrgbClr r="0" g="0" b="0"/>
-        </a:fillRef>
-        <a:effectRef idx="1">
-          <a:scrgbClr r="0" g="0" b="0"/>
-        </a:effectRef>
-        <a:fontRef idx="minor">
-          <a:schemeClr val="lt1"/>
-        </a:fontRef>
-      </dsp:style>
-      <dsp:txBody>
-        <a:bodyPr spcFirstLastPara="0" vert="horz" wrap="square" lIns="34290" tIns="34290" rIns="34290" bIns="34290" numCol="1" spcCol="1270" anchor="ctr" anchorCtr="0">
-          <a:noAutofit/>
-        </a:bodyPr>
-        <a:lstStyle/>
-        <a:p>
-          <a:pPr marL="0" lvl="0" indent="0" algn="ctr" defTabSz="400050">
-            <a:lnSpc>
-              <a:spcPct val="90000"/>
-            </a:lnSpc>
-            <a:spcBef>
-              <a:spcPct val="0"/>
-            </a:spcBef>
-            <a:spcAft>
-              <a:spcPct val="35000"/>
-            </a:spcAft>
-            <a:buNone/>
-          </a:pPr>
-          <a:r>
-            <a:rPr lang="es-ES_tradnl" sz="900" kern="1200" dirty="0"/>
-            <a:t>5. Integración y pruebas</a:t>
-          </a:r>
-          <a:endParaRPr lang="es-ES" sz="900" kern="1200" dirty="0"/>
-        </a:p>
-      </dsp:txBody>
-      <dsp:txXfrm>
-        <a:off x="6776622" y="853692"/>
-        <a:ext cx="856696" cy="559525"/>
-      </dsp:txXfrm>
-    </dsp:sp>
-    <dsp:sp modelId="{7F4F1B5F-FC30-4418-B6B9-340A889AAB9A}">
-      <dsp:nvSpPr>
-        <dsp:cNvPr id="0" name=""/>
-        <dsp:cNvSpPr/>
-      </dsp:nvSpPr>
-      <dsp:spPr>
-        <a:xfrm>
-          <a:off x="7159250" y="1430626"/>
-          <a:ext cx="91440" cy="237736"/>
-        </a:xfrm>
-        <a:custGeom>
-          <a:avLst/>
-          <a:gdLst/>
-          <a:ahLst/>
-          <a:cxnLst/>
-          <a:rect l="0" t="0" r="0" b="0"/>
-          <a:pathLst>
-            <a:path>
-              <a:moveTo>
-                <a:pt x="45720" y="0"/>
-              </a:moveTo>
-              <a:lnTo>
-                <a:pt x="45720" y="237736"/>
-              </a:lnTo>
-            </a:path>
-          </a:pathLst>
-        </a:custGeom>
-        <a:noFill/>
-        <a:ln w="12700" cap="flat" cmpd="sng" algn="ctr">
-          <a:solidFill>
-            <a:schemeClr val="accent1">
-              <a:tint val="70000"/>
-              <a:hueOff val="0"/>
-              <a:satOff val="0"/>
-              <a:lumOff val="0"/>
-              <a:alphaOff val="0"/>
-            </a:schemeClr>
-          </a:solidFill>
-          <a:prstDash val="solid"/>
-          <a:miter lim="800000"/>
-        </a:ln>
-        <a:effectLst/>
-      </dsp:spPr>
-      <dsp:style>
-        <a:lnRef idx="2">
-          <a:scrgbClr r="0" g="0" b="0"/>
-        </a:lnRef>
-        <a:fillRef idx="0">
-          <a:scrgbClr r="0" g="0" b="0"/>
-        </a:fillRef>
-        <a:effectRef idx="0">
-          <a:scrgbClr r="0" g="0" b="0"/>
-        </a:effectRef>
-        <a:fontRef idx="minor"/>
-      </dsp:style>
-    </dsp:sp>
-    <dsp:sp modelId="{9E0003AA-36A8-4BDA-A4D5-AE9FD5909BC7}">
-      <dsp:nvSpPr>
-        <dsp:cNvPr id="0" name=""/>
-        <dsp:cNvSpPr/>
-      </dsp:nvSpPr>
-      <dsp:spPr>
-        <a:xfrm>
-          <a:off x="6759214" y="1668363"/>
-          <a:ext cx="891512" cy="594341"/>
-        </a:xfrm>
-        <a:prstGeom prst="roundRect">
-          <a:avLst>
-            <a:gd name="adj" fmla="val 10000"/>
-          </a:avLst>
-        </a:prstGeom>
-        <a:solidFill>
-          <a:schemeClr val="accent1">
-            <a:tint val="99000"/>
-            <a:hueOff val="0"/>
-            <a:satOff val="0"/>
-            <a:lumOff val="0"/>
-            <a:alphaOff val="0"/>
-          </a:schemeClr>
-        </a:solidFill>
-        <a:ln w="19050" cap="flat" cmpd="sng" algn="ctr">
-          <a:solidFill>
-            <a:schemeClr val="lt1">
-              <a:hueOff val="0"/>
-              <a:satOff val="0"/>
-              <a:lumOff val="0"/>
-              <a:alphaOff val="0"/>
-            </a:schemeClr>
-          </a:solidFill>
-          <a:prstDash val="solid"/>
-          <a:miter lim="800000"/>
-        </a:ln>
-        <a:effectLst/>
-      </dsp:spPr>
-      <dsp:style>
-        <a:lnRef idx="3">
-          <a:scrgbClr r="0" g="0" b="0"/>
-        </a:lnRef>
-        <a:fillRef idx="1">
-          <a:scrgbClr r="0" g="0" b="0"/>
-        </a:fillRef>
-        <a:effectRef idx="1">
-          <a:scrgbClr r="0" g="0" b="0"/>
-        </a:effectRef>
-        <a:fontRef idx="minor">
-          <a:schemeClr val="lt1"/>
-        </a:fontRef>
-      </dsp:style>
-      <dsp:txBody>
-        <a:bodyPr spcFirstLastPara="0" vert="horz" wrap="square" lIns="34290" tIns="34290" rIns="34290" bIns="34290" numCol="1" spcCol="1270" anchor="ctr" anchorCtr="0">
-          <a:noAutofit/>
-        </a:bodyPr>
-        <a:lstStyle/>
-        <a:p>
-          <a:pPr marL="0" lvl="0" indent="0" algn="ctr" defTabSz="400050">
-            <a:lnSpc>
-              <a:spcPct val="90000"/>
-            </a:lnSpc>
-            <a:spcBef>
-              <a:spcPct val="0"/>
-            </a:spcBef>
-            <a:spcAft>
-              <a:spcPct val="35000"/>
-            </a:spcAft>
-            <a:buNone/>
-          </a:pPr>
-          <a:r>
-            <a:rPr lang="es-ES_tradnl" sz="900" kern="1200" dirty="0"/>
-            <a:t>5.1. Integración en muestra</a:t>
-          </a:r>
-          <a:endParaRPr lang="es-ES" sz="900" kern="1200" dirty="0"/>
-        </a:p>
-      </dsp:txBody>
-      <dsp:txXfrm>
-        <a:off x="6776622" y="1685771"/>
-        <a:ext cx="856696" cy="559525"/>
-      </dsp:txXfrm>
-    </dsp:sp>
-    <dsp:sp modelId="{C7ECFBED-B4C0-49F9-8060-B5CF65818561}">
-      <dsp:nvSpPr>
-        <dsp:cNvPr id="0" name=""/>
-        <dsp:cNvSpPr/>
-      </dsp:nvSpPr>
-      <dsp:spPr>
-        <a:xfrm>
-          <a:off x="7159250" y="2262705"/>
-          <a:ext cx="91440" cy="237736"/>
-        </a:xfrm>
-        <a:custGeom>
-          <a:avLst/>
-          <a:gdLst/>
-          <a:ahLst/>
-          <a:cxnLst/>
-          <a:rect l="0" t="0" r="0" b="0"/>
-          <a:pathLst>
-            <a:path>
-              <a:moveTo>
-                <a:pt x="45720" y="0"/>
-              </a:moveTo>
-              <a:lnTo>
-                <a:pt x="45720" y="237736"/>
-              </a:lnTo>
-            </a:path>
-          </a:pathLst>
-        </a:custGeom>
-        <a:noFill/>
-        <a:ln w="12700" cap="flat" cmpd="sng" algn="ctr">
-          <a:solidFill>
-            <a:schemeClr val="accent1">
-              <a:tint val="50000"/>
-              <a:hueOff val="0"/>
-              <a:satOff val="0"/>
-              <a:lumOff val="0"/>
-              <a:alphaOff val="0"/>
-            </a:schemeClr>
-          </a:solidFill>
-          <a:prstDash val="solid"/>
-          <a:miter lim="800000"/>
-        </a:ln>
-        <a:effectLst/>
-      </dsp:spPr>
-      <dsp:style>
-        <a:lnRef idx="2">
-          <a:scrgbClr r="0" g="0" b="0"/>
-        </a:lnRef>
-        <a:fillRef idx="0">
-          <a:scrgbClr r="0" g="0" b="0"/>
-        </a:fillRef>
-        <a:effectRef idx="0">
-          <a:scrgbClr r="0" g="0" b="0"/>
-        </a:effectRef>
-        <a:fontRef idx="minor"/>
-      </dsp:style>
-    </dsp:sp>
-    <dsp:sp modelId="{88BF71CB-FA56-4717-8190-D58921A87BD4}">
-      <dsp:nvSpPr>
-        <dsp:cNvPr id="0" name=""/>
-        <dsp:cNvSpPr/>
-      </dsp:nvSpPr>
-      <dsp:spPr>
-        <a:xfrm>
-          <a:off x="6759214" y="2500441"/>
-          <a:ext cx="891512" cy="594341"/>
-        </a:xfrm>
-        <a:prstGeom prst="roundRect">
-          <a:avLst>
-            <a:gd name="adj" fmla="val 10000"/>
-          </a:avLst>
-        </a:prstGeom>
-        <a:solidFill>
-          <a:schemeClr val="accent1">
-            <a:tint val="70000"/>
-            <a:hueOff val="0"/>
-            <a:satOff val="0"/>
-            <a:lumOff val="0"/>
-            <a:alphaOff val="0"/>
-          </a:schemeClr>
-        </a:solidFill>
-        <a:ln w="19050" cap="flat" cmpd="sng" algn="ctr">
-          <a:solidFill>
-            <a:schemeClr val="lt1">
-              <a:hueOff val="0"/>
-              <a:satOff val="0"/>
-              <a:lumOff val="0"/>
-              <a:alphaOff val="0"/>
-            </a:schemeClr>
-          </a:solidFill>
-          <a:prstDash val="solid"/>
-          <a:miter lim="800000"/>
-        </a:ln>
-        <a:effectLst/>
-      </dsp:spPr>
-      <dsp:style>
-        <a:lnRef idx="3">
-          <a:scrgbClr r="0" g="0" b="0"/>
-        </a:lnRef>
-        <a:fillRef idx="1">
-          <a:scrgbClr r="0" g="0" b="0"/>
-        </a:fillRef>
-        <a:effectRef idx="1">
-          <a:scrgbClr r="0" g="0" b="0"/>
-        </a:effectRef>
-        <a:fontRef idx="minor">
-          <a:schemeClr val="lt1"/>
-        </a:fontRef>
-      </dsp:style>
-      <dsp:txBody>
-        <a:bodyPr spcFirstLastPara="0" vert="horz" wrap="square" lIns="34290" tIns="34290" rIns="34290" bIns="34290" numCol="1" spcCol="1270" anchor="ctr" anchorCtr="0">
-          <a:noAutofit/>
-        </a:bodyPr>
-        <a:lstStyle/>
-        <a:p>
-          <a:pPr marL="0" lvl="0" indent="0" algn="ctr" defTabSz="400050">
-            <a:lnSpc>
-              <a:spcPct val="90000"/>
-            </a:lnSpc>
-            <a:spcBef>
-              <a:spcPct val="0"/>
-            </a:spcBef>
-            <a:spcAft>
-              <a:spcPct val="35000"/>
-            </a:spcAft>
-            <a:buNone/>
-          </a:pPr>
-          <a:r>
-            <a:rPr lang="es-ES_tradnl" sz="900" kern="1200" dirty="0"/>
-            <a:t>5.2. Obtención de resultados</a:t>
-          </a:r>
-          <a:endParaRPr lang="es-ES" sz="900" kern="1200" dirty="0"/>
-        </a:p>
-      </dsp:txBody>
-      <dsp:txXfrm>
-        <a:off x="6776622" y="2517849"/>
-        <a:ext cx="856696" cy="559525"/>
-      </dsp:txXfrm>
-    </dsp:sp>
-    <dsp:sp modelId="{508D3B25-CBDB-434C-AECC-728B5C07BAD5}">
-      <dsp:nvSpPr>
-        <dsp:cNvPr id="0" name=""/>
-        <dsp:cNvSpPr/>
-      </dsp:nvSpPr>
-      <dsp:spPr>
-        <a:xfrm>
-          <a:off x="7159250" y="3094783"/>
-          <a:ext cx="91440" cy="237736"/>
-        </a:xfrm>
-        <a:custGeom>
-          <a:avLst/>
-          <a:gdLst/>
-          <a:ahLst/>
-          <a:cxnLst/>
-          <a:rect l="0" t="0" r="0" b="0"/>
-          <a:pathLst>
-            <a:path>
-              <a:moveTo>
-                <a:pt x="45720" y="0"/>
-              </a:moveTo>
-              <a:lnTo>
-                <a:pt x="45720" y="237736"/>
-              </a:lnTo>
-            </a:path>
-          </a:pathLst>
-        </a:custGeom>
-        <a:noFill/>
-        <a:ln w="12700" cap="flat" cmpd="sng" algn="ctr">
-          <a:solidFill>
-            <a:schemeClr val="accent1">
-              <a:tint val="50000"/>
-              <a:hueOff val="0"/>
-              <a:satOff val="0"/>
-              <a:lumOff val="0"/>
-              <a:alphaOff val="0"/>
-            </a:schemeClr>
-          </a:solidFill>
-          <a:prstDash val="solid"/>
-          <a:miter lim="800000"/>
-        </a:ln>
-        <a:effectLst/>
-      </dsp:spPr>
-      <dsp:style>
-        <a:lnRef idx="2">
-          <a:scrgbClr r="0" g="0" b="0"/>
-        </a:lnRef>
-        <a:fillRef idx="0">
-          <a:scrgbClr r="0" g="0" b="0"/>
-        </a:fillRef>
-        <a:effectRef idx="0">
-          <a:scrgbClr r="0" g="0" b="0"/>
-        </a:effectRef>
-        <a:fontRef idx="minor"/>
-      </dsp:style>
-    </dsp:sp>
-    <dsp:sp modelId="{8F73F0A0-EB89-411D-B484-5DDA096E7375}">
-      <dsp:nvSpPr>
-        <dsp:cNvPr id="0" name=""/>
-        <dsp:cNvSpPr/>
-      </dsp:nvSpPr>
-      <dsp:spPr>
-        <a:xfrm>
-          <a:off x="6759214" y="3332520"/>
-          <a:ext cx="891512" cy="594341"/>
-        </a:xfrm>
-        <a:prstGeom prst="roundRect">
-          <a:avLst>
-            <a:gd name="adj" fmla="val 10000"/>
-          </a:avLst>
-        </a:prstGeom>
-        <a:solidFill>
-          <a:schemeClr val="accent1">
-            <a:tint val="70000"/>
-            <a:hueOff val="0"/>
-            <a:satOff val="0"/>
-            <a:lumOff val="0"/>
-            <a:alphaOff val="0"/>
-          </a:schemeClr>
-        </a:solidFill>
-        <a:ln w="19050" cap="flat" cmpd="sng" algn="ctr">
-          <a:solidFill>
-            <a:schemeClr val="lt1">
-              <a:hueOff val="0"/>
-              <a:satOff val="0"/>
-              <a:lumOff val="0"/>
-              <a:alphaOff val="0"/>
-            </a:schemeClr>
-          </a:solidFill>
-          <a:prstDash val="solid"/>
-          <a:miter lim="800000"/>
-        </a:ln>
-        <a:effectLst/>
-      </dsp:spPr>
-      <dsp:style>
-        <a:lnRef idx="3">
-          <a:scrgbClr r="0" g="0" b="0"/>
-        </a:lnRef>
-        <a:fillRef idx="1">
-          <a:scrgbClr r="0" g="0" b="0"/>
-        </a:fillRef>
-        <a:effectRef idx="1">
-          <a:scrgbClr r="0" g="0" b="0"/>
-        </a:effectRef>
-        <a:fontRef idx="minor">
-          <a:schemeClr val="lt1"/>
-        </a:fontRef>
-      </dsp:style>
-      <dsp:txBody>
-        <a:bodyPr spcFirstLastPara="0" vert="horz" wrap="square" lIns="34290" tIns="34290" rIns="34290" bIns="34290" numCol="1" spcCol="1270" anchor="ctr" anchorCtr="0">
-          <a:noAutofit/>
-        </a:bodyPr>
-        <a:lstStyle/>
-        <a:p>
-          <a:pPr marL="0" lvl="0" indent="0" algn="ctr" defTabSz="400050">
-            <a:lnSpc>
-              <a:spcPct val="90000"/>
-            </a:lnSpc>
-            <a:spcBef>
-              <a:spcPct val="0"/>
-            </a:spcBef>
-            <a:spcAft>
-              <a:spcPct val="35000"/>
-            </a:spcAft>
-            <a:buNone/>
-          </a:pPr>
-          <a:r>
-            <a:rPr lang="es-ES_tradnl" sz="900" kern="1200" dirty="0"/>
-            <a:t>5.3. Validación de resultados</a:t>
-          </a:r>
-          <a:endParaRPr lang="es-ES" sz="900" kern="1200" dirty="0"/>
-        </a:p>
-      </dsp:txBody>
-      <dsp:txXfrm>
-        <a:off x="6776622" y="3349928"/>
-        <a:ext cx="856696" cy="559525"/>
-      </dsp:txXfrm>
-    </dsp:sp>
-    <dsp:sp modelId="{674FAE3C-400A-42DF-AF51-5FE9A33D05FF}">
-      <dsp:nvSpPr>
-        <dsp:cNvPr id="0" name=""/>
-        <dsp:cNvSpPr/>
-      </dsp:nvSpPr>
-      <dsp:spPr>
-        <a:xfrm>
-          <a:off x="5466521" y="598548"/>
-          <a:ext cx="2897416" cy="237736"/>
-        </a:xfrm>
-        <a:custGeom>
-          <a:avLst/>
-          <a:gdLst/>
-          <a:ahLst/>
-          <a:cxnLst/>
-          <a:rect l="0" t="0" r="0" b="0"/>
-          <a:pathLst>
-            <a:path>
-              <a:moveTo>
-                <a:pt x="0" y="0"/>
-              </a:moveTo>
-              <a:lnTo>
-                <a:pt x="0" y="118868"/>
-              </a:lnTo>
-              <a:lnTo>
-                <a:pt x="2897416" y="118868"/>
-              </a:lnTo>
-              <a:lnTo>
-                <a:pt x="2897416" y="237736"/>
-              </a:lnTo>
-            </a:path>
-          </a:pathLst>
-        </a:custGeom>
-        <a:noFill/>
-        <a:ln w="12700" cap="flat" cmpd="sng" algn="ctr">
-          <a:solidFill>
-            <a:schemeClr val="accent1">
-              <a:tint val="90000"/>
-              <a:hueOff val="0"/>
-              <a:satOff val="0"/>
-              <a:lumOff val="0"/>
-              <a:alphaOff val="0"/>
-            </a:schemeClr>
-          </a:solidFill>
-          <a:prstDash val="solid"/>
-          <a:miter lim="800000"/>
-        </a:ln>
-        <a:effectLst/>
-      </dsp:spPr>
-      <dsp:style>
-        <a:lnRef idx="2">
-          <a:scrgbClr r="0" g="0" b="0"/>
-        </a:lnRef>
-        <a:fillRef idx="0">
-          <a:scrgbClr r="0" g="0" b="0"/>
-        </a:fillRef>
-        <a:effectRef idx="0">
-          <a:scrgbClr r="0" g="0" b="0"/>
-        </a:effectRef>
-        <a:fontRef idx="minor"/>
-      </dsp:style>
-    </dsp:sp>
-    <dsp:sp modelId="{06FE7757-0221-4CB4-905F-C6A4BCBA3C71}">
-      <dsp:nvSpPr>
-        <dsp:cNvPr id="0" name=""/>
-        <dsp:cNvSpPr/>
-      </dsp:nvSpPr>
-      <dsp:spPr>
-        <a:xfrm>
-          <a:off x="7918180" y="836284"/>
-          <a:ext cx="891512" cy="594341"/>
-        </a:xfrm>
-        <a:prstGeom prst="roundRect">
-          <a:avLst>
-            <a:gd name="adj" fmla="val 10000"/>
-          </a:avLst>
-        </a:prstGeom>
-        <a:solidFill>
-          <a:schemeClr val="accent1">
-            <a:shade val="80000"/>
-            <a:hueOff val="0"/>
-            <a:satOff val="0"/>
-            <a:lumOff val="0"/>
-            <a:alphaOff val="0"/>
-          </a:schemeClr>
-        </a:solidFill>
-        <a:ln w="19050" cap="flat" cmpd="sng" algn="ctr">
-          <a:solidFill>
-            <a:schemeClr val="lt1">
-              <a:hueOff val="0"/>
-              <a:satOff val="0"/>
-              <a:lumOff val="0"/>
-              <a:alphaOff val="0"/>
-            </a:schemeClr>
-          </a:solidFill>
-          <a:prstDash val="solid"/>
-          <a:miter lim="800000"/>
-        </a:ln>
-        <a:effectLst/>
-      </dsp:spPr>
-      <dsp:style>
-        <a:lnRef idx="3">
-          <a:scrgbClr r="0" g="0" b="0"/>
-        </a:lnRef>
-        <a:fillRef idx="1">
-          <a:scrgbClr r="0" g="0" b="0"/>
-        </a:fillRef>
-        <a:effectRef idx="1">
-          <a:scrgbClr r="0" g="0" b="0"/>
-        </a:effectRef>
-        <a:fontRef idx="minor">
-          <a:schemeClr val="lt1"/>
-        </a:fontRef>
-      </dsp:style>
-      <dsp:txBody>
-        <a:bodyPr spcFirstLastPara="0" vert="horz" wrap="square" lIns="34290" tIns="34290" rIns="34290" bIns="34290" numCol="1" spcCol="1270" anchor="ctr" anchorCtr="0">
-          <a:noAutofit/>
-        </a:bodyPr>
-        <a:lstStyle/>
-        <a:p>
-          <a:pPr marL="0" lvl="0" indent="0" algn="ctr" defTabSz="400050">
-            <a:lnSpc>
-              <a:spcPct val="90000"/>
-            </a:lnSpc>
-            <a:spcBef>
-              <a:spcPct val="0"/>
-            </a:spcBef>
-            <a:spcAft>
-              <a:spcPct val="35000"/>
-            </a:spcAft>
-            <a:buNone/>
-          </a:pPr>
-          <a:r>
-            <a:rPr lang="es-ES_tradnl" sz="900" kern="1200" dirty="0"/>
-            <a:t>6. Cierre</a:t>
-          </a:r>
-          <a:endParaRPr lang="es-ES" sz="900" kern="1200" dirty="0"/>
-        </a:p>
-      </dsp:txBody>
-      <dsp:txXfrm>
-        <a:off x="7935588" y="853692"/>
-        <a:ext cx="856696" cy="559525"/>
-      </dsp:txXfrm>
-    </dsp:sp>
-    <dsp:sp modelId="{9F6C2837-18E1-42E8-B36E-26D798F13CAA}">
-      <dsp:nvSpPr>
-        <dsp:cNvPr id="0" name=""/>
-        <dsp:cNvSpPr/>
-      </dsp:nvSpPr>
-      <dsp:spPr>
-        <a:xfrm>
-          <a:off x="8318217" y="1430626"/>
-          <a:ext cx="91440" cy="237736"/>
-        </a:xfrm>
-        <a:custGeom>
-          <a:avLst/>
-          <a:gdLst/>
-          <a:ahLst/>
-          <a:cxnLst/>
-          <a:rect l="0" t="0" r="0" b="0"/>
-          <a:pathLst>
-            <a:path>
-              <a:moveTo>
-                <a:pt x="45720" y="0"/>
-              </a:moveTo>
-              <a:lnTo>
-                <a:pt x="45720" y="237736"/>
-              </a:lnTo>
-            </a:path>
-          </a:pathLst>
-        </a:custGeom>
-        <a:noFill/>
-        <a:ln w="12700" cap="flat" cmpd="sng" algn="ctr">
-          <a:solidFill>
-            <a:schemeClr val="accent1">
-              <a:tint val="70000"/>
-              <a:hueOff val="0"/>
-              <a:satOff val="0"/>
-              <a:lumOff val="0"/>
-              <a:alphaOff val="0"/>
-            </a:schemeClr>
-          </a:solidFill>
-          <a:prstDash val="solid"/>
-          <a:miter lim="800000"/>
-        </a:ln>
-        <a:effectLst/>
-      </dsp:spPr>
-      <dsp:style>
-        <a:lnRef idx="2">
-          <a:scrgbClr r="0" g="0" b="0"/>
-        </a:lnRef>
-        <a:fillRef idx="0">
-          <a:scrgbClr r="0" g="0" b="0"/>
-        </a:fillRef>
-        <a:effectRef idx="0">
-          <a:scrgbClr r="0" g="0" b="0"/>
-        </a:effectRef>
-        <a:fontRef idx="minor"/>
-      </dsp:style>
-    </dsp:sp>
-    <dsp:sp modelId="{7A395ACB-AFE5-47F8-A645-E93A88EBEA6B}">
-      <dsp:nvSpPr>
-        <dsp:cNvPr id="0" name=""/>
-        <dsp:cNvSpPr/>
-      </dsp:nvSpPr>
-      <dsp:spPr>
-        <a:xfrm>
-          <a:off x="7918180" y="1668363"/>
-          <a:ext cx="891512" cy="594341"/>
-        </a:xfrm>
-        <a:prstGeom prst="roundRect">
-          <a:avLst>
-            <a:gd name="adj" fmla="val 10000"/>
-          </a:avLst>
-        </a:prstGeom>
-        <a:solidFill>
-          <a:schemeClr val="accent1">
-            <a:tint val="99000"/>
-            <a:hueOff val="0"/>
-            <a:satOff val="0"/>
-            <a:lumOff val="0"/>
-            <a:alphaOff val="0"/>
-          </a:schemeClr>
-        </a:solidFill>
-        <a:ln w="19050" cap="flat" cmpd="sng" algn="ctr">
-          <a:solidFill>
-            <a:schemeClr val="lt1">
-              <a:hueOff val="0"/>
-              <a:satOff val="0"/>
-              <a:lumOff val="0"/>
-              <a:alphaOff val="0"/>
-            </a:schemeClr>
-          </a:solidFill>
-          <a:prstDash val="solid"/>
-          <a:miter lim="800000"/>
-        </a:ln>
-        <a:effectLst/>
-      </dsp:spPr>
-      <dsp:style>
-        <a:lnRef idx="3">
-          <a:scrgbClr r="0" g="0" b="0"/>
-        </a:lnRef>
-        <a:fillRef idx="1">
-          <a:scrgbClr r="0" g="0" b="0"/>
-        </a:fillRef>
-        <a:effectRef idx="1">
-          <a:scrgbClr r="0" g="0" b="0"/>
-        </a:effectRef>
-        <a:fontRef idx="minor">
-          <a:schemeClr val="lt1"/>
-        </a:fontRef>
-      </dsp:style>
-      <dsp:txBody>
-        <a:bodyPr spcFirstLastPara="0" vert="horz" wrap="square" lIns="34290" tIns="34290" rIns="34290" bIns="34290" numCol="1" spcCol="1270" anchor="ctr" anchorCtr="0">
-          <a:noAutofit/>
-        </a:bodyPr>
-        <a:lstStyle/>
-        <a:p>
-          <a:pPr marL="0" lvl="0" indent="0" algn="ctr" defTabSz="400050">
-            <a:lnSpc>
-              <a:spcPct val="90000"/>
-            </a:lnSpc>
-            <a:spcBef>
-              <a:spcPct val="0"/>
-            </a:spcBef>
-            <a:spcAft>
-              <a:spcPct val="35000"/>
-            </a:spcAft>
-            <a:buNone/>
-          </a:pPr>
-          <a:r>
-            <a:rPr lang="es-ES_tradnl" sz="900" kern="1200" dirty="0"/>
-            <a:t>6.1. Implementación final</a:t>
-          </a:r>
-          <a:endParaRPr lang="es-ES" sz="900" kern="1200" dirty="0"/>
-        </a:p>
-      </dsp:txBody>
-      <dsp:txXfrm>
-        <a:off x="7935588" y="1685771"/>
-        <a:ext cx="856696" cy="559525"/>
-      </dsp:txXfrm>
-    </dsp:sp>
-    <dsp:sp modelId="{2BA6003D-FD41-41E9-BCA1-01EBE4EE20D3}">
-      <dsp:nvSpPr>
-        <dsp:cNvPr id="0" name=""/>
-        <dsp:cNvSpPr/>
-      </dsp:nvSpPr>
-      <dsp:spPr>
-        <a:xfrm>
-          <a:off x="8318217" y="2262705"/>
-          <a:ext cx="91440" cy="237736"/>
-        </a:xfrm>
-        <a:custGeom>
-          <a:avLst/>
-          <a:gdLst/>
-          <a:ahLst/>
-          <a:cxnLst/>
-          <a:rect l="0" t="0" r="0" b="0"/>
-          <a:pathLst>
-            <a:path>
-              <a:moveTo>
-                <a:pt x="45720" y="0"/>
-              </a:moveTo>
-              <a:lnTo>
-                <a:pt x="45720" y="237736"/>
-              </a:lnTo>
-            </a:path>
-          </a:pathLst>
-        </a:custGeom>
-        <a:noFill/>
-        <a:ln w="12700" cap="flat" cmpd="sng" algn="ctr">
-          <a:solidFill>
-            <a:schemeClr val="accent1">
-              <a:tint val="50000"/>
-              <a:hueOff val="0"/>
-              <a:satOff val="0"/>
-              <a:lumOff val="0"/>
-              <a:alphaOff val="0"/>
-            </a:schemeClr>
-          </a:solidFill>
-          <a:prstDash val="solid"/>
-          <a:miter lim="800000"/>
-        </a:ln>
-        <a:effectLst/>
-      </dsp:spPr>
-      <dsp:style>
-        <a:lnRef idx="2">
-          <a:scrgbClr r="0" g="0" b="0"/>
-        </a:lnRef>
-        <a:fillRef idx="0">
-          <a:scrgbClr r="0" g="0" b="0"/>
-        </a:fillRef>
-        <a:effectRef idx="0">
-          <a:scrgbClr r="0" g="0" b="0"/>
-        </a:effectRef>
-        <a:fontRef idx="minor"/>
-      </dsp:style>
-    </dsp:sp>
-    <dsp:sp modelId="{7AC4104E-E4B8-401B-8EEB-D04E808E6EE5}">
-      <dsp:nvSpPr>
-        <dsp:cNvPr id="0" name=""/>
-        <dsp:cNvSpPr/>
-      </dsp:nvSpPr>
-      <dsp:spPr>
-        <a:xfrm>
-          <a:off x="7918180" y="2500441"/>
-          <a:ext cx="891512" cy="594341"/>
-        </a:xfrm>
-        <a:prstGeom prst="roundRect">
-          <a:avLst>
-            <a:gd name="adj" fmla="val 10000"/>
-          </a:avLst>
-        </a:prstGeom>
-        <a:solidFill>
-          <a:schemeClr val="accent1">
-            <a:tint val="70000"/>
-            <a:hueOff val="0"/>
-            <a:satOff val="0"/>
-            <a:lumOff val="0"/>
-            <a:alphaOff val="0"/>
-          </a:schemeClr>
-        </a:solidFill>
-        <a:ln w="19050" cap="flat" cmpd="sng" algn="ctr">
-          <a:solidFill>
-            <a:schemeClr val="lt1">
-              <a:hueOff val="0"/>
-              <a:satOff val="0"/>
-              <a:lumOff val="0"/>
-              <a:alphaOff val="0"/>
-            </a:schemeClr>
-          </a:solidFill>
-          <a:prstDash val="solid"/>
-          <a:miter lim="800000"/>
-        </a:ln>
-        <a:effectLst/>
-      </dsp:spPr>
-      <dsp:style>
-        <a:lnRef idx="3">
-          <a:scrgbClr r="0" g="0" b="0"/>
-        </a:lnRef>
-        <a:fillRef idx="1">
-          <a:scrgbClr r="0" g="0" b="0"/>
-        </a:fillRef>
-        <a:effectRef idx="1">
-          <a:scrgbClr r="0" g="0" b="0"/>
-        </a:effectRef>
-        <a:fontRef idx="minor">
-          <a:schemeClr val="lt1"/>
-        </a:fontRef>
-      </dsp:style>
-      <dsp:txBody>
-        <a:bodyPr spcFirstLastPara="0" vert="horz" wrap="square" lIns="34290" tIns="34290" rIns="34290" bIns="34290" numCol="1" spcCol="1270" anchor="ctr" anchorCtr="0">
-          <a:noAutofit/>
-        </a:bodyPr>
-        <a:lstStyle/>
-        <a:p>
-          <a:pPr marL="0" lvl="0" indent="0" algn="ctr" defTabSz="400050">
-            <a:lnSpc>
-              <a:spcPct val="90000"/>
-            </a:lnSpc>
-            <a:spcBef>
-              <a:spcPct val="0"/>
-            </a:spcBef>
-            <a:spcAft>
-              <a:spcPct val="35000"/>
-            </a:spcAft>
-            <a:buNone/>
-          </a:pPr>
-          <a:r>
-            <a:rPr lang="es-ES_tradnl" sz="900" kern="1200" dirty="0"/>
-            <a:t>6.2. Documentación</a:t>
-          </a:r>
-          <a:endParaRPr lang="es-ES" sz="900" kern="1200" dirty="0"/>
-        </a:p>
-      </dsp:txBody>
-      <dsp:txXfrm>
-        <a:off x="7935588" y="2517849"/>
+        <a:off x="8515072" y="2517849"/>
         <a:ext cx="856696" cy="559525"/>
       </dsp:txXfrm>
     </dsp:sp>
@@ -8285,7 +8501,7 @@
           <a:p>
             <a:fld id="{0D884D29-9179-45AE-BA9A-C08EE7A5CD94}" type="datetimeFigureOut">
               <a:rPr lang="es-ES" smtClean="0"/>
-              <a:t>02/11/2018</a:t>
+              <a:t>04/11/2018</a:t>
             </a:fld>
             <a:endParaRPr lang="es-ES"/>
           </a:p>
@@ -8339,7 +8555,7 @@
           <a:p>
             <a:fld id="{A48DEAC8-0F5D-4654-993D-4CF0837E1519}" type="slidenum">
               <a:rPr lang="es-ES" smtClean="0"/>
-              <a:t>‹Nº›</a:t>
+              <a:t>‹#›</a:t>
             </a:fld>
             <a:endParaRPr lang="es-ES"/>
           </a:p>
@@ -8483,7 +8699,7 @@
           <a:p>
             <a:fld id="{0D884D29-9179-45AE-BA9A-C08EE7A5CD94}" type="datetimeFigureOut">
               <a:rPr lang="es-ES" smtClean="0"/>
-              <a:t>02/11/2018</a:t>
+              <a:t>04/11/2018</a:t>
             </a:fld>
             <a:endParaRPr lang="es-ES"/>
           </a:p>
@@ -8537,7 +8753,7 @@
           <a:p>
             <a:fld id="{A48DEAC8-0F5D-4654-993D-4CF0837E1519}" type="slidenum">
               <a:rPr lang="es-ES" smtClean="0"/>
-              <a:t>‹Nº›</a:t>
+              <a:t>‹#›</a:t>
             </a:fld>
             <a:endParaRPr lang="es-ES"/>
           </a:p>
@@ -8691,7 +8907,7 @@
           <a:p>
             <a:fld id="{0D884D29-9179-45AE-BA9A-C08EE7A5CD94}" type="datetimeFigureOut">
               <a:rPr lang="es-ES" smtClean="0"/>
-              <a:t>02/11/2018</a:t>
+              <a:t>04/11/2018</a:t>
             </a:fld>
             <a:endParaRPr lang="es-ES"/>
           </a:p>
@@ -8745,7 +8961,7 @@
           <a:p>
             <a:fld id="{A48DEAC8-0F5D-4654-993D-4CF0837E1519}" type="slidenum">
               <a:rPr lang="es-ES" smtClean="0"/>
-              <a:t>‹Nº›</a:t>
+              <a:t>‹#›</a:t>
             </a:fld>
             <a:endParaRPr lang="es-ES"/>
           </a:p>
@@ -8889,7 +9105,7 @@
           <a:p>
             <a:fld id="{0D884D29-9179-45AE-BA9A-C08EE7A5CD94}" type="datetimeFigureOut">
               <a:rPr lang="es-ES" smtClean="0"/>
-              <a:t>02/11/2018</a:t>
+              <a:t>04/11/2018</a:t>
             </a:fld>
             <a:endParaRPr lang="es-ES"/>
           </a:p>
@@ -8943,7 +9159,7 @@
           <a:p>
             <a:fld id="{A48DEAC8-0F5D-4654-993D-4CF0837E1519}" type="slidenum">
               <a:rPr lang="es-ES" smtClean="0"/>
-              <a:t>‹Nº›</a:t>
+              <a:t>‹#›</a:t>
             </a:fld>
             <a:endParaRPr lang="es-ES"/>
           </a:p>
@@ -9164,7 +9380,7 @@
           <a:p>
             <a:fld id="{0D884D29-9179-45AE-BA9A-C08EE7A5CD94}" type="datetimeFigureOut">
               <a:rPr lang="es-ES" smtClean="0"/>
-              <a:t>02/11/2018</a:t>
+              <a:t>04/11/2018</a:t>
             </a:fld>
             <a:endParaRPr lang="es-ES"/>
           </a:p>
@@ -9218,7 +9434,7 @@
           <a:p>
             <a:fld id="{A48DEAC8-0F5D-4654-993D-4CF0837E1519}" type="slidenum">
               <a:rPr lang="es-ES" smtClean="0"/>
-              <a:t>‹Nº›</a:t>
+              <a:t>‹#›</a:t>
             </a:fld>
             <a:endParaRPr lang="es-ES"/>
           </a:p>
@@ -9429,7 +9645,7 @@
           <a:p>
             <a:fld id="{0D884D29-9179-45AE-BA9A-C08EE7A5CD94}" type="datetimeFigureOut">
               <a:rPr lang="es-ES" smtClean="0"/>
-              <a:t>02/11/2018</a:t>
+              <a:t>04/11/2018</a:t>
             </a:fld>
             <a:endParaRPr lang="es-ES"/>
           </a:p>
@@ -9483,7 +9699,7 @@
           <a:p>
             <a:fld id="{A48DEAC8-0F5D-4654-993D-4CF0837E1519}" type="slidenum">
               <a:rPr lang="es-ES" smtClean="0"/>
-              <a:t>‹Nº›</a:t>
+              <a:t>‹#›</a:t>
             </a:fld>
             <a:endParaRPr lang="es-ES"/>
           </a:p>
@@ -9841,7 +10057,7 @@
           <a:p>
             <a:fld id="{0D884D29-9179-45AE-BA9A-C08EE7A5CD94}" type="datetimeFigureOut">
               <a:rPr lang="es-ES" smtClean="0"/>
-              <a:t>02/11/2018</a:t>
+              <a:t>04/11/2018</a:t>
             </a:fld>
             <a:endParaRPr lang="es-ES"/>
           </a:p>
@@ -9895,7 +10111,7 @@
           <a:p>
             <a:fld id="{A48DEAC8-0F5D-4654-993D-4CF0837E1519}" type="slidenum">
               <a:rPr lang="es-ES" smtClean="0"/>
-              <a:t>‹Nº›</a:t>
+              <a:t>‹#›</a:t>
             </a:fld>
             <a:endParaRPr lang="es-ES"/>
           </a:p>
@@ -9982,7 +10198,7 @@
           <a:p>
             <a:fld id="{0D884D29-9179-45AE-BA9A-C08EE7A5CD94}" type="datetimeFigureOut">
               <a:rPr lang="es-ES" smtClean="0"/>
-              <a:t>02/11/2018</a:t>
+              <a:t>04/11/2018</a:t>
             </a:fld>
             <a:endParaRPr lang="es-ES"/>
           </a:p>
@@ -10036,7 +10252,7 @@
           <a:p>
             <a:fld id="{A48DEAC8-0F5D-4654-993D-4CF0837E1519}" type="slidenum">
               <a:rPr lang="es-ES" smtClean="0"/>
-              <a:t>‹Nº›</a:t>
+              <a:t>‹#›</a:t>
             </a:fld>
             <a:endParaRPr lang="es-ES"/>
           </a:p>
@@ -10095,7 +10311,7 @@
           <a:p>
             <a:fld id="{0D884D29-9179-45AE-BA9A-C08EE7A5CD94}" type="datetimeFigureOut">
               <a:rPr lang="es-ES" smtClean="0"/>
-              <a:t>02/11/2018</a:t>
+              <a:t>04/11/2018</a:t>
             </a:fld>
             <a:endParaRPr lang="es-ES"/>
           </a:p>
@@ -10149,7 +10365,7 @@
           <a:p>
             <a:fld id="{A48DEAC8-0F5D-4654-993D-4CF0837E1519}" type="slidenum">
               <a:rPr lang="es-ES" smtClean="0"/>
-              <a:t>‹Nº›</a:t>
+              <a:t>‹#›</a:t>
             </a:fld>
             <a:endParaRPr lang="es-ES"/>
           </a:p>
@@ -10406,7 +10622,7 @@
           <a:p>
             <a:fld id="{0D884D29-9179-45AE-BA9A-C08EE7A5CD94}" type="datetimeFigureOut">
               <a:rPr lang="es-ES" smtClean="0"/>
-              <a:t>02/11/2018</a:t>
+              <a:t>04/11/2018</a:t>
             </a:fld>
             <a:endParaRPr lang="es-ES"/>
           </a:p>
@@ -10460,7 +10676,7 @@
           <a:p>
             <a:fld id="{A48DEAC8-0F5D-4654-993D-4CF0837E1519}" type="slidenum">
               <a:rPr lang="es-ES" smtClean="0"/>
-              <a:t>‹Nº›</a:t>
+              <a:t>‹#›</a:t>
             </a:fld>
             <a:endParaRPr lang="es-ES"/>
           </a:p>
@@ -10694,7 +10910,7 @@
           <a:p>
             <a:fld id="{0D884D29-9179-45AE-BA9A-C08EE7A5CD94}" type="datetimeFigureOut">
               <a:rPr lang="es-ES" smtClean="0"/>
-              <a:t>02/11/2018</a:t>
+              <a:t>04/11/2018</a:t>
             </a:fld>
             <a:endParaRPr lang="es-ES"/>
           </a:p>
@@ -10748,7 +10964,7 @@
           <a:p>
             <a:fld id="{A48DEAC8-0F5D-4654-993D-4CF0837E1519}" type="slidenum">
               <a:rPr lang="es-ES" smtClean="0"/>
-              <a:t>‹Nº›</a:t>
+              <a:t>‹#›</a:t>
             </a:fld>
             <a:endParaRPr lang="es-ES"/>
           </a:p>
@@ -10935,7 +11151,7 @@
           <a:p>
             <a:fld id="{0D884D29-9179-45AE-BA9A-C08EE7A5CD94}" type="datetimeFigureOut">
               <a:rPr lang="es-ES" smtClean="0"/>
-              <a:t>02/11/2018</a:t>
+              <a:t>04/11/2018</a:t>
             </a:fld>
             <a:endParaRPr lang="es-ES"/>
           </a:p>
@@ -11025,7 +11241,7 @@
           <a:p>
             <a:fld id="{A48DEAC8-0F5D-4654-993D-4CF0837E1519}" type="slidenum">
               <a:rPr lang="es-ES" smtClean="0"/>
-              <a:t>‹Nº›</a:t>
+              <a:t>‹#›</a:t>
             </a:fld>
             <a:endParaRPr lang="es-ES"/>
           </a:p>
@@ -11365,7 +11581,7 @@
           <p:nvPr>
             <p:extLst>
               <p:ext uri="{D42A27DB-BD31-4B8C-83A1-F6EECF244321}">
-                <p14:modId xmlns:p14="http://schemas.microsoft.com/office/powerpoint/2010/main" val="1497416171"/>
+                <p14:modId xmlns:p14="http://schemas.microsoft.com/office/powerpoint/2010/main" val="1381855546"/>
               </p:ext>
             </p:extLst>
           </p:nvPr>

--- a/Documentos_generados/Integracion_Alcance/Alcance/WBS.pptx
+++ b/Documentos_generados/Integracion_Alcance/Alcance/WBS.pptx
@@ -1454,7 +1454,7 @@
         </a:p>
       </dgm:t>
     </dgm:pt>
-    <dgm:pt modelId="{C6E69E37-3961-44EE-94E9-D23872BEE4C9}">
+    <dgm:pt modelId="{142E7667-7801-477A-80B1-678DFCEE8B9B}">
       <dgm:prSet/>
       <dgm:spPr/>
       <dgm:t>
@@ -1463,13 +1463,13 @@
         <a:p>
           <a:r>
             <a:rPr lang="es-ES_tradnl" dirty="0"/>
-            <a:t>4.2. Control de procesos</a:t>
+            <a:t>5.1. Modelo de formación</a:t>
           </a:r>
           <a:endParaRPr lang="es-ES" dirty="0"/>
         </a:p>
       </dgm:t>
     </dgm:pt>
-    <dgm:pt modelId="{39E7187F-BF44-4434-ABA8-1C914D1E277A}" type="parTrans" cxnId="{6C09A7CF-ED9E-4F5C-A208-29FC73FCD37A}">
+    <dgm:pt modelId="{ACDCB4B0-FE3A-4189-B855-4AF36F6C0D74}" type="parTrans" cxnId="{4236410F-A92F-4C87-BF14-3DA943DADA64}">
       <dgm:prSet/>
       <dgm:spPr/>
       <dgm:t>
@@ -1480,7 +1480,7 @@
         </a:p>
       </dgm:t>
     </dgm:pt>
-    <dgm:pt modelId="{DEA9B8DE-9278-41C4-8958-F47B791467F4}" type="sibTrans" cxnId="{6C09A7CF-ED9E-4F5C-A208-29FC73FCD37A}">
+    <dgm:pt modelId="{5C06A405-8210-48F4-A408-225051F39FBE}" type="sibTrans" cxnId="{4236410F-A92F-4C87-BF14-3DA943DADA64}">
       <dgm:prSet/>
       <dgm:spPr/>
       <dgm:t>
@@ -1491,7 +1491,7 @@
         </a:p>
       </dgm:t>
     </dgm:pt>
-    <dgm:pt modelId="{DEA8DC5E-722E-4FFF-BA91-EA999F6AAE91}">
+    <dgm:pt modelId="{6343E979-4FE4-4A70-B59E-3E22D3659816}">
       <dgm:prSet/>
       <dgm:spPr/>
       <dgm:t>
@@ -1500,13 +1500,13 @@
         <a:p>
           <a:r>
             <a:rPr lang="es-ES_tradnl" dirty="0"/>
-            <a:t>4.2. Gestión de compras</a:t>
+            <a:t>5.2. Formación de Personal</a:t>
           </a:r>
           <a:endParaRPr lang="es-ES" dirty="0"/>
         </a:p>
       </dgm:t>
     </dgm:pt>
-    <dgm:pt modelId="{CA5091F9-074B-4255-B185-C09D0BE2BF7B}" type="parTrans" cxnId="{8AF7D83C-2A35-4B4E-9A89-87807C35D1FB}">
+    <dgm:pt modelId="{7A8423F9-E18F-49C7-AF47-88948CD8E18D}" type="parTrans" cxnId="{E66A6DFA-838B-4265-BAE3-732A6B928409}">
       <dgm:prSet/>
       <dgm:spPr/>
       <dgm:t>
@@ -1517,7 +1517,7 @@
         </a:p>
       </dgm:t>
     </dgm:pt>
-    <dgm:pt modelId="{64D4773E-534A-4E7B-A0A1-8D87DE867EA7}" type="sibTrans" cxnId="{8AF7D83C-2A35-4B4E-9A89-87807C35D1FB}">
+    <dgm:pt modelId="{A2AAA9C3-C9BC-414E-AD60-200EF2F1EFA3}" type="sibTrans" cxnId="{E66A6DFA-838B-4265-BAE3-732A6B928409}">
       <dgm:prSet/>
       <dgm:spPr/>
       <dgm:t>
@@ -1528,7 +1528,7 @@
         </a:p>
       </dgm:t>
     </dgm:pt>
-    <dgm:pt modelId="{142E7667-7801-477A-80B1-678DFCEE8B9B}">
+    <dgm:pt modelId="{90E52BB7-1EB0-47DC-82EE-28BBD13D64E9}">
       <dgm:prSet/>
       <dgm:spPr/>
       <dgm:t>
@@ -1537,81 +1537,7 @@
         <a:p>
           <a:r>
             <a:rPr lang="es-ES_tradnl" dirty="0"/>
-            <a:t>5.1. Cursos</a:t>
-          </a:r>
-          <a:endParaRPr lang="es-ES" dirty="0"/>
-        </a:p>
-      </dgm:t>
-    </dgm:pt>
-    <dgm:pt modelId="{ACDCB4B0-FE3A-4189-B855-4AF36F6C0D74}" type="parTrans" cxnId="{4236410F-A92F-4C87-BF14-3DA943DADA64}">
-      <dgm:prSet/>
-      <dgm:spPr/>
-      <dgm:t>
-        <a:bodyPr/>
-        <a:lstStyle/>
-        <a:p>
-          <a:endParaRPr lang="es-ES"/>
-        </a:p>
-      </dgm:t>
-    </dgm:pt>
-    <dgm:pt modelId="{5C06A405-8210-48F4-A408-225051F39FBE}" type="sibTrans" cxnId="{4236410F-A92F-4C87-BF14-3DA943DADA64}">
-      <dgm:prSet/>
-      <dgm:spPr/>
-      <dgm:t>
-        <a:bodyPr/>
-        <a:lstStyle/>
-        <a:p>
-          <a:endParaRPr lang="es-ES"/>
-        </a:p>
-      </dgm:t>
-    </dgm:pt>
-    <dgm:pt modelId="{6343E979-4FE4-4A70-B59E-3E22D3659816}">
-      <dgm:prSet/>
-      <dgm:spPr/>
-      <dgm:t>
-        <a:bodyPr/>
-        <a:lstStyle/>
-        <a:p>
-          <a:r>
-            <a:rPr lang="es-ES_tradnl" dirty="0"/>
-            <a:t>5.2. Personal</a:t>
-          </a:r>
-          <a:endParaRPr lang="es-ES" dirty="0"/>
-        </a:p>
-      </dgm:t>
-    </dgm:pt>
-    <dgm:pt modelId="{7A8423F9-E18F-49C7-AF47-88948CD8E18D}" type="parTrans" cxnId="{E66A6DFA-838B-4265-BAE3-732A6B928409}">
-      <dgm:prSet/>
-      <dgm:spPr/>
-      <dgm:t>
-        <a:bodyPr/>
-        <a:lstStyle/>
-        <a:p>
-          <a:endParaRPr lang="es-ES"/>
-        </a:p>
-      </dgm:t>
-    </dgm:pt>
-    <dgm:pt modelId="{A2AAA9C3-C9BC-414E-AD60-200EF2F1EFA3}" type="sibTrans" cxnId="{E66A6DFA-838B-4265-BAE3-732A6B928409}">
-      <dgm:prSet/>
-      <dgm:spPr/>
-      <dgm:t>
-        <a:bodyPr/>
-        <a:lstStyle/>
-        <a:p>
-          <a:endParaRPr lang="es-ES"/>
-        </a:p>
-      </dgm:t>
-    </dgm:pt>
-    <dgm:pt modelId="{90E52BB7-1EB0-47DC-82EE-28BBD13D64E9}">
-      <dgm:prSet/>
-      <dgm:spPr/>
-      <dgm:t>
-        <a:bodyPr/>
-        <a:lstStyle/>
-        <a:p>
-          <a:r>
-            <a:rPr lang="es-ES_tradnl" dirty="0"/>
-            <a:t>5.3 Documentación</a:t>
+            <a:t>5.3 Manuales</a:t>
           </a:r>
           <a:endParaRPr lang="es-ES" dirty="0"/>
         </a:p>
@@ -2091,6 +2017,43 @@
         </a:p>
       </dgm:t>
     </dgm:pt>
+    <dgm:pt modelId="{C6E69E37-3961-44EE-94E9-D23872BEE4C9}">
+      <dgm:prSet/>
+      <dgm:spPr/>
+      <dgm:t>
+        <a:bodyPr/>
+        <a:lstStyle/>
+        <a:p>
+          <a:r>
+            <a:rPr lang="es-ES_tradnl" dirty="0"/>
+            <a:t>4.2. Control de procesos</a:t>
+          </a:r>
+          <a:endParaRPr lang="es-ES" dirty="0"/>
+        </a:p>
+      </dgm:t>
+    </dgm:pt>
+    <dgm:pt modelId="{DEA9B8DE-9278-41C4-8958-F47B791467F4}" type="sibTrans" cxnId="{6C09A7CF-ED9E-4F5C-A208-29FC73FCD37A}">
+      <dgm:prSet/>
+      <dgm:spPr/>
+      <dgm:t>
+        <a:bodyPr/>
+        <a:lstStyle/>
+        <a:p>
+          <a:endParaRPr lang="es-ES"/>
+        </a:p>
+      </dgm:t>
+    </dgm:pt>
+    <dgm:pt modelId="{39E7187F-BF44-4434-ABA8-1C914D1E277A}" type="parTrans" cxnId="{6C09A7CF-ED9E-4F5C-A208-29FC73FCD37A}">
+      <dgm:prSet/>
+      <dgm:spPr/>
+      <dgm:t>
+        <a:bodyPr/>
+        <a:lstStyle/>
+        <a:p>
+          <a:endParaRPr lang="es-ES"/>
+        </a:p>
+      </dgm:t>
+    </dgm:pt>
     <dgm:pt modelId="{327FBF58-624F-4F1F-9921-6E06642364B9}" type="pres">
       <dgm:prSet presAssocID="{664B246F-00B5-4610-86EB-ACE0B8B7FA38}" presName="mainComposite" presStyleCnt="0">
         <dgm:presLayoutVars>
@@ -2182,7 +2145,7 @@
       <dgm:spPr/>
     </dgm:pt>
     <dgm:pt modelId="{38D40A92-1EB9-4FB5-ADC1-9A0DF87BEE8D}" type="pres">
-      <dgm:prSet presAssocID="{78A11304-B47B-426C-80D9-23F105284D80}" presName="Name19" presStyleLbl="parChTrans1D4" presStyleIdx="0" presStyleCnt="15"/>
+      <dgm:prSet presAssocID="{78A11304-B47B-426C-80D9-23F105284D80}" presName="Name19" presStyleLbl="parChTrans1D4" presStyleIdx="0" presStyleCnt="14"/>
       <dgm:spPr/>
     </dgm:pt>
     <dgm:pt modelId="{59416600-D01D-44D5-A7DC-38ADD146E729}" type="pres">
@@ -2190,7 +2153,7 @@
       <dgm:spPr/>
     </dgm:pt>
     <dgm:pt modelId="{D5810A6F-9BEC-4CA9-A2D9-D690ED127B30}" type="pres">
-      <dgm:prSet presAssocID="{95F92B39-5BD1-41DA-921B-40270E333897}" presName="level2Shape" presStyleLbl="node4" presStyleIdx="0" presStyleCnt="15"/>
+      <dgm:prSet presAssocID="{95F92B39-5BD1-41DA-921B-40270E333897}" presName="level2Shape" presStyleLbl="node4" presStyleIdx="0" presStyleCnt="14"/>
       <dgm:spPr/>
     </dgm:pt>
     <dgm:pt modelId="{D087C909-8EBC-4A41-82A3-F989599A6FCF}" type="pres">
@@ -2198,7 +2161,7 @@
       <dgm:spPr/>
     </dgm:pt>
     <dgm:pt modelId="{03FC8A99-0567-4C91-89DE-DB16B2C0A767}" type="pres">
-      <dgm:prSet presAssocID="{51635E7D-94AB-42DB-A23F-6B9E2711ADB8}" presName="Name19" presStyleLbl="parChTrans1D4" presStyleIdx="1" presStyleCnt="15"/>
+      <dgm:prSet presAssocID="{51635E7D-94AB-42DB-A23F-6B9E2711ADB8}" presName="Name19" presStyleLbl="parChTrans1D4" presStyleIdx="1" presStyleCnt="14"/>
       <dgm:spPr/>
     </dgm:pt>
     <dgm:pt modelId="{02A89A3D-B0E3-41F5-8E8F-CFC3C0648A88}" type="pres">
@@ -2206,7 +2169,7 @@
       <dgm:spPr/>
     </dgm:pt>
     <dgm:pt modelId="{55C79116-3FEA-41A8-A479-CB0E380F7808}" type="pres">
-      <dgm:prSet presAssocID="{595FCBCB-6F4C-41E0-9D57-CC8BC973C07C}" presName="level2Shape" presStyleLbl="node4" presStyleIdx="1" presStyleCnt="15"/>
+      <dgm:prSet presAssocID="{595FCBCB-6F4C-41E0-9D57-CC8BC973C07C}" presName="level2Shape" presStyleLbl="node4" presStyleIdx="1" presStyleCnt="14"/>
       <dgm:spPr/>
     </dgm:pt>
     <dgm:pt modelId="{71BB90E9-42D8-4260-AC0A-A4147B2D318A}" type="pres">
@@ -2246,7 +2209,7 @@
       <dgm:spPr/>
     </dgm:pt>
     <dgm:pt modelId="{6068B2E9-439A-4D4A-9F07-1BD033C7220C}" type="pres">
-      <dgm:prSet presAssocID="{76C26345-8BCA-4CE2-B48B-2D33FBBB060B}" presName="Name19" presStyleLbl="parChTrans1D4" presStyleIdx="2" presStyleCnt="15"/>
+      <dgm:prSet presAssocID="{76C26345-8BCA-4CE2-B48B-2D33FBBB060B}" presName="Name19" presStyleLbl="parChTrans1D4" presStyleIdx="2" presStyleCnt="14"/>
       <dgm:spPr/>
     </dgm:pt>
     <dgm:pt modelId="{2AB79E5E-3E0F-4B15-8C12-2C7C7F37CC6E}" type="pres">
@@ -2254,7 +2217,7 @@
       <dgm:spPr/>
     </dgm:pt>
     <dgm:pt modelId="{DA212266-545D-45F1-A27D-0FB54745C5C9}" type="pres">
-      <dgm:prSet presAssocID="{A9C89BFF-0134-47A9-B18B-7F769EAE5F3A}" presName="level2Shape" presStyleLbl="node4" presStyleIdx="2" presStyleCnt="15"/>
+      <dgm:prSet presAssocID="{A9C89BFF-0134-47A9-B18B-7F769EAE5F3A}" presName="level2Shape" presStyleLbl="node4" presStyleIdx="2" presStyleCnt="14"/>
       <dgm:spPr/>
     </dgm:pt>
     <dgm:pt modelId="{260D8AF3-1154-4CC0-AD53-C84DA5FA04E1}" type="pres">
@@ -2262,7 +2225,7 @@
       <dgm:spPr/>
     </dgm:pt>
     <dgm:pt modelId="{9546DA21-7CA2-4F3B-87CA-3168F16C6E7E}" type="pres">
-      <dgm:prSet presAssocID="{D4015DCB-90CE-418D-BA17-E20EB5979634}" presName="Name19" presStyleLbl="parChTrans1D4" presStyleIdx="3" presStyleCnt="15"/>
+      <dgm:prSet presAssocID="{D4015DCB-90CE-418D-BA17-E20EB5979634}" presName="Name19" presStyleLbl="parChTrans1D4" presStyleIdx="3" presStyleCnt="14"/>
       <dgm:spPr/>
     </dgm:pt>
     <dgm:pt modelId="{8B18F66F-752D-4B20-8C19-341C00949D60}" type="pres">
@@ -2270,7 +2233,7 @@
       <dgm:spPr/>
     </dgm:pt>
     <dgm:pt modelId="{C2262EFB-5BE9-4548-98FA-51838DD8F6DF}" type="pres">
-      <dgm:prSet presAssocID="{D692D1F3-8B04-4096-AA22-E14E93E2AD30}" presName="level2Shape" presStyleLbl="node4" presStyleIdx="3" presStyleCnt="15"/>
+      <dgm:prSet presAssocID="{D692D1F3-8B04-4096-AA22-E14E93E2AD30}" presName="level2Shape" presStyleLbl="node4" presStyleIdx="3" presStyleCnt="14"/>
       <dgm:spPr/>
     </dgm:pt>
     <dgm:pt modelId="{12141DC4-C979-4542-83DB-5BA320FCFE51}" type="pres">
@@ -2278,7 +2241,7 @@
       <dgm:spPr/>
     </dgm:pt>
     <dgm:pt modelId="{04405E15-0B20-4F53-A85C-E932BDDB8237}" type="pres">
-      <dgm:prSet presAssocID="{0B8E2C65-A4D7-4B41-A006-CAAA09EDACC5}" presName="Name19" presStyleLbl="parChTrans1D4" presStyleIdx="4" presStyleCnt="15"/>
+      <dgm:prSet presAssocID="{0B8E2C65-A4D7-4B41-A006-CAAA09EDACC5}" presName="Name19" presStyleLbl="parChTrans1D4" presStyleIdx="4" presStyleCnt="14"/>
       <dgm:spPr/>
     </dgm:pt>
     <dgm:pt modelId="{19068072-4B54-4A6F-963A-48715DEA5881}" type="pres">
@@ -2286,7 +2249,7 @@
       <dgm:spPr/>
     </dgm:pt>
     <dgm:pt modelId="{6B117D17-8BD8-4AE3-810B-A881321E5DD9}" type="pres">
-      <dgm:prSet presAssocID="{1CCEED45-57D7-4641-81C9-5908579CE245}" presName="level2Shape" presStyleLbl="node4" presStyleIdx="4" presStyleCnt="15"/>
+      <dgm:prSet presAssocID="{1CCEED45-57D7-4641-81C9-5908579CE245}" presName="level2Shape" presStyleLbl="node4" presStyleIdx="4" presStyleCnt="14"/>
       <dgm:spPr/>
     </dgm:pt>
     <dgm:pt modelId="{BBB2DBB5-E63F-495F-9C9A-8A5D8522A497}" type="pres">
@@ -2294,7 +2257,7 @@
       <dgm:spPr/>
     </dgm:pt>
     <dgm:pt modelId="{94C352C4-3E3C-489A-9242-7542C89615E3}" type="pres">
-      <dgm:prSet presAssocID="{B3339EB3-2CFC-4D27-A28B-A1DA1C20A05A}" presName="Name19" presStyleLbl="parChTrans1D4" presStyleIdx="5" presStyleCnt="15"/>
+      <dgm:prSet presAssocID="{B3339EB3-2CFC-4D27-A28B-A1DA1C20A05A}" presName="Name19" presStyleLbl="parChTrans1D4" presStyleIdx="5" presStyleCnt="14"/>
       <dgm:spPr/>
     </dgm:pt>
     <dgm:pt modelId="{716E8AC2-84AE-4D29-9A1D-2C84766F12F0}" type="pres">
@@ -2302,7 +2265,7 @@
       <dgm:spPr/>
     </dgm:pt>
     <dgm:pt modelId="{2B3CB1BC-6D96-470A-BFBD-A00B79B46B8B}" type="pres">
-      <dgm:prSet presAssocID="{F9922D17-25E5-4FD7-B1AA-578A1B7C65C6}" presName="level2Shape" presStyleLbl="node4" presStyleIdx="5" presStyleCnt="15"/>
+      <dgm:prSet presAssocID="{F9922D17-25E5-4FD7-B1AA-578A1B7C65C6}" presName="level2Shape" presStyleLbl="node4" presStyleIdx="5" presStyleCnt="14"/>
       <dgm:spPr/>
     </dgm:pt>
     <dgm:pt modelId="{9539B342-F682-40BB-9BD0-39FC5337E852}" type="pres">
@@ -2310,7 +2273,7 @@
       <dgm:spPr/>
     </dgm:pt>
     <dgm:pt modelId="{CB6BE97F-F378-44D8-A2B2-1513F719E2F3}" type="pres">
-      <dgm:prSet presAssocID="{EDC9A178-2154-4366-98B0-33B34586D7EA}" presName="Name19" presStyleLbl="parChTrans1D4" presStyleIdx="6" presStyleCnt="15"/>
+      <dgm:prSet presAssocID="{EDC9A178-2154-4366-98B0-33B34586D7EA}" presName="Name19" presStyleLbl="parChTrans1D4" presStyleIdx="6" presStyleCnt="14"/>
       <dgm:spPr/>
     </dgm:pt>
     <dgm:pt modelId="{037A5789-658A-4803-8635-D7D7917B1D18}" type="pres">
@@ -2318,7 +2281,7 @@
       <dgm:spPr/>
     </dgm:pt>
     <dgm:pt modelId="{5F36A6FB-CB7F-4DE6-B6F5-DE1826698F42}" type="pres">
-      <dgm:prSet presAssocID="{82C78B36-0FA6-435A-86B9-9330BA5F59EB}" presName="level2Shape" presStyleLbl="node4" presStyleIdx="6" presStyleCnt="15"/>
+      <dgm:prSet presAssocID="{82C78B36-0FA6-435A-86B9-9330BA5F59EB}" presName="level2Shape" presStyleLbl="node4" presStyleIdx="6" presStyleCnt="14"/>
       <dgm:spPr/>
     </dgm:pt>
     <dgm:pt modelId="{7B16E392-CFB9-4511-80CC-B12B55CE4AF9}" type="pres">
@@ -2358,7 +2321,7 @@
       <dgm:spPr/>
     </dgm:pt>
     <dgm:pt modelId="{4EED4EC6-C75E-4237-B513-1F528969B037}" type="pres">
-      <dgm:prSet presAssocID="{39E7187F-BF44-4434-ABA8-1C914D1E277A}" presName="Name19" presStyleLbl="parChTrans1D4" presStyleIdx="7" presStyleCnt="15"/>
+      <dgm:prSet presAssocID="{39E7187F-BF44-4434-ABA8-1C914D1E277A}" presName="Name19" presStyleLbl="parChTrans1D4" presStyleIdx="7" presStyleCnt="14"/>
       <dgm:spPr/>
     </dgm:pt>
     <dgm:pt modelId="{6E0FDFC1-4213-4B9B-8ECC-5730827380B1}" type="pres">
@@ -2366,29 +2329,13 @@
       <dgm:spPr/>
     </dgm:pt>
     <dgm:pt modelId="{712DC4DD-54A4-4D11-93B8-AF86C0982CE7}" type="pres">
-      <dgm:prSet presAssocID="{C6E69E37-3961-44EE-94E9-D23872BEE4C9}" presName="level2Shape" presStyleLbl="node4" presStyleIdx="7" presStyleCnt="15"/>
+      <dgm:prSet presAssocID="{C6E69E37-3961-44EE-94E9-D23872BEE4C9}" presName="level2Shape" presStyleLbl="node4" presStyleIdx="7" presStyleCnt="14"/>
       <dgm:spPr/>
     </dgm:pt>
     <dgm:pt modelId="{06FE832E-06DC-449D-9623-40B31DE5260A}" type="pres">
       <dgm:prSet presAssocID="{C6E69E37-3961-44EE-94E9-D23872BEE4C9}" presName="hierChild3" presStyleCnt="0"/>
       <dgm:spPr/>
     </dgm:pt>
-    <dgm:pt modelId="{C5D095A0-8EE6-4EB9-8612-3D40277D1615}" type="pres">
-      <dgm:prSet presAssocID="{CA5091F9-074B-4255-B185-C09D0BE2BF7B}" presName="Name19" presStyleLbl="parChTrans1D4" presStyleIdx="8" presStyleCnt="15"/>
-      <dgm:spPr/>
-    </dgm:pt>
-    <dgm:pt modelId="{B6F8A37B-3728-4132-A0B2-2D455B49C14C}" type="pres">
-      <dgm:prSet presAssocID="{DEA8DC5E-722E-4FFF-BA91-EA999F6AAE91}" presName="Name21" presStyleCnt="0"/>
-      <dgm:spPr/>
-    </dgm:pt>
-    <dgm:pt modelId="{23569E60-B42A-46D6-895B-EB403DAEAB39}" type="pres">
-      <dgm:prSet presAssocID="{DEA8DC5E-722E-4FFF-BA91-EA999F6AAE91}" presName="level2Shape" presStyleLbl="node4" presStyleIdx="8" presStyleCnt="15"/>
-      <dgm:spPr/>
-    </dgm:pt>
-    <dgm:pt modelId="{8AEC3380-BF7F-458C-A43B-E053B8AAB6C8}" type="pres">
-      <dgm:prSet presAssocID="{DEA8DC5E-722E-4FFF-BA91-EA999F6AAE91}" presName="hierChild3" presStyleCnt="0"/>
-      <dgm:spPr/>
-    </dgm:pt>
     <dgm:pt modelId="{F735E2CF-8C29-48C1-84C7-830FEF7D1A26}" type="pres">
       <dgm:prSet presAssocID="{84BE1630-6BEF-48BE-BEB4-441EA60AE7C5}" presName="Name19" presStyleLbl="parChTrans1D2" presStyleIdx="4" presStyleCnt="7"/>
       <dgm:spPr/>
@@ -2422,7 +2369,7 @@
       <dgm:spPr/>
     </dgm:pt>
     <dgm:pt modelId="{70099853-D6C6-45DD-8965-6B3F303FCB7B}" type="pres">
-      <dgm:prSet presAssocID="{7A8423F9-E18F-49C7-AF47-88948CD8E18D}" presName="Name19" presStyleLbl="parChTrans1D4" presStyleIdx="9" presStyleCnt="15"/>
+      <dgm:prSet presAssocID="{7A8423F9-E18F-49C7-AF47-88948CD8E18D}" presName="Name19" presStyleLbl="parChTrans1D4" presStyleIdx="8" presStyleCnt="14"/>
       <dgm:spPr/>
     </dgm:pt>
     <dgm:pt modelId="{38A51D49-7BF0-47A8-95A1-F9BFBDD027E6}" type="pres">
@@ -2430,7 +2377,7 @@
       <dgm:spPr/>
     </dgm:pt>
     <dgm:pt modelId="{9D4DAB13-3BDF-4004-BBF9-0AF61D5F5F89}" type="pres">
-      <dgm:prSet presAssocID="{6343E979-4FE4-4A70-B59E-3E22D3659816}" presName="level2Shape" presStyleLbl="node4" presStyleIdx="9" presStyleCnt="15"/>
+      <dgm:prSet presAssocID="{6343E979-4FE4-4A70-B59E-3E22D3659816}" presName="level2Shape" presStyleLbl="node4" presStyleIdx="8" presStyleCnt="14"/>
       <dgm:spPr/>
     </dgm:pt>
     <dgm:pt modelId="{723F23CC-2BC6-4953-8F94-321AECE23CFE}" type="pres">
@@ -2438,7 +2385,7 @@
       <dgm:spPr/>
     </dgm:pt>
     <dgm:pt modelId="{4E400D75-3AC2-42DF-9470-72FBEAC0BB79}" type="pres">
-      <dgm:prSet presAssocID="{7B0BD396-2B46-40BD-AC76-2EF21EDDDC81}" presName="Name19" presStyleLbl="parChTrans1D4" presStyleIdx="10" presStyleCnt="15"/>
+      <dgm:prSet presAssocID="{7B0BD396-2B46-40BD-AC76-2EF21EDDDC81}" presName="Name19" presStyleLbl="parChTrans1D4" presStyleIdx="9" presStyleCnt="14"/>
       <dgm:spPr/>
     </dgm:pt>
     <dgm:pt modelId="{E95B1BFA-DB58-4ECD-9D19-69ECEFA2AF32}" type="pres">
@@ -2446,7 +2393,7 @@
       <dgm:spPr/>
     </dgm:pt>
     <dgm:pt modelId="{CF04F5AB-3563-4DB1-A4BC-F556F7D0C9D5}" type="pres">
-      <dgm:prSet presAssocID="{90E52BB7-1EB0-47DC-82EE-28BBD13D64E9}" presName="level2Shape" presStyleLbl="node4" presStyleIdx="10" presStyleCnt="15"/>
+      <dgm:prSet presAssocID="{90E52BB7-1EB0-47DC-82EE-28BBD13D64E9}" presName="level2Shape" presStyleLbl="node4" presStyleIdx="9" presStyleCnt="14"/>
       <dgm:spPr/>
     </dgm:pt>
     <dgm:pt modelId="{5BE4BF58-CDFC-41D8-A720-52A2E11068F3}" type="pres">
@@ -2454,7 +2401,7 @@
       <dgm:spPr/>
     </dgm:pt>
     <dgm:pt modelId="{B6371254-1FFA-4EC8-9A90-4F69AC26C4B8}" type="pres">
-      <dgm:prSet presAssocID="{602223CB-CFD7-40C2-91FA-E4E1E82D12F8}" presName="Name19" presStyleLbl="parChTrans1D4" presStyleIdx="11" presStyleCnt="15"/>
+      <dgm:prSet presAssocID="{602223CB-CFD7-40C2-91FA-E4E1E82D12F8}" presName="Name19" presStyleLbl="parChTrans1D4" presStyleIdx="10" presStyleCnt="14"/>
       <dgm:spPr/>
     </dgm:pt>
     <dgm:pt modelId="{A9817A76-8597-449D-B92F-8AEE85191D54}" type="pres">
@@ -2462,7 +2409,7 @@
       <dgm:spPr/>
     </dgm:pt>
     <dgm:pt modelId="{E9D5C307-8A1D-4EC7-B20E-8E8F48C13981}" type="pres">
-      <dgm:prSet presAssocID="{65164E71-4DD3-40F1-A30B-EC613D040542}" presName="level2Shape" presStyleLbl="node4" presStyleIdx="11" presStyleCnt="15"/>
+      <dgm:prSet presAssocID="{65164E71-4DD3-40F1-A30B-EC613D040542}" presName="level2Shape" presStyleLbl="node4" presStyleIdx="10" presStyleCnt="14"/>
       <dgm:spPr/>
     </dgm:pt>
     <dgm:pt modelId="{1D2F9C2F-4C3B-4B47-AF86-182981AA931E}" type="pres">
@@ -2502,7 +2449,7 @@
       <dgm:spPr/>
     </dgm:pt>
     <dgm:pt modelId="{3D2151FC-33BA-453D-AA0E-CDDCBD0EEE9C}" type="pres">
-      <dgm:prSet presAssocID="{658605B8-67B6-4965-9219-87AD07A2BD57}" presName="Name19" presStyleLbl="parChTrans1D4" presStyleIdx="12" presStyleCnt="15"/>
+      <dgm:prSet presAssocID="{658605B8-67B6-4965-9219-87AD07A2BD57}" presName="Name19" presStyleLbl="parChTrans1D4" presStyleIdx="11" presStyleCnt="14"/>
       <dgm:spPr/>
     </dgm:pt>
     <dgm:pt modelId="{3194FAF6-EE57-4E36-8BE0-00D4A11857C5}" type="pres">
@@ -2510,7 +2457,7 @@
       <dgm:spPr/>
     </dgm:pt>
     <dgm:pt modelId="{AE1D8903-F48F-42E3-945F-5C5316952795}" type="pres">
-      <dgm:prSet presAssocID="{210E38F1-6443-4897-BC67-3DC469B10B3A}" presName="level2Shape" presStyleLbl="node4" presStyleIdx="12" presStyleCnt="15"/>
+      <dgm:prSet presAssocID="{210E38F1-6443-4897-BC67-3DC469B10B3A}" presName="level2Shape" presStyleLbl="node4" presStyleIdx="11" presStyleCnt="14"/>
       <dgm:spPr/>
     </dgm:pt>
     <dgm:pt modelId="{17165570-09AE-408C-AB80-EDC0C6614B48}" type="pres">
@@ -2518,7 +2465,7 @@
       <dgm:spPr/>
     </dgm:pt>
     <dgm:pt modelId="{2D318F84-E12B-497C-A08E-FA9EE0475B26}" type="pres">
-      <dgm:prSet presAssocID="{D0F8BDB2-13EF-4738-B074-310F7068418D}" presName="Name19" presStyleLbl="parChTrans1D4" presStyleIdx="13" presStyleCnt="15"/>
+      <dgm:prSet presAssocID="{D0F8BDB2-13EF-4738-B074-310F7068418D}" presName="Name19" presStyleLbl="parChTrans1D4" presStyleIdx="12" presStyleCnt="14"/>
       <dgm:spPr/>
     </dgm:pt>
     <dgm:pt modelId="{D8EC8B46-CDC9-4660-94F0-DF6EFA39AF9C}" type="pres">
@@ -2526,7 +2473,7 @@
       <dgm:spPr/>
     </dgm:pt>
     <dgm:pt modelId="{920982DC-2630-4054-B387-AEC5EDAB1340}" type="pres">
-      <dgm:prSet presAssocID="{E195E9F6-7564-48BE-A20F-8E15DF27D81A}" presName="level2Shape" presStyleLbl="node4" presStyleIdx="13" presStyleCnt="15"/>
+      <dgm:prSet presAssocID="{E195E9F6-7564-48BE-A20F-8E15DF27D81A}" presName="level2Shape" presStyleLbl="node4" presStyleIdx="12" presStyleCnt="14"/>
       <dgm:spPr/>
     </dgm:pt>
     <dgm:pt modelId="{486EF65B-A10B-44C6-B9CA-9FB5ECE47B71}" type="pres">
@@ -2566,7 +2513,7 @@
       <dgm:spPr/>
     </dgm:pt>
     <dgm:pt modelId="{95517795-1F73-461A-B8A9-0DB9072BC468}" type="pres">
-      <dgm:prSet presAssocID="{5A1392F2-9813-4C0C-9524-55F25A946D72}" presName="Name19" presStyleLbl="parChTrans1D4" presStyleIdx="14" presStyleCnt="15"/>
+      <dgm:prSet presAssocID="{5A1392F2-9813-4C0C-9524-55F25A946D72}" presName="Name19" presStyleLbl="parChTrans1D4" presStyleIdx="13" presStyleCnt="14"/>
       <dgm:spPr/>
     </dgm:pt>
     <dgm:pt modelId="{9BFB5F0E-9487-4CD9-94ED-4B747B95E452}" type="pres">
@@ -2574,7 +2521,7 @@
       <dgm:spPr/>
     </dgm:pt>
     <dgm:pt modelId="{51EAB6DB-A7F8-4F89-835D-ED7DFDC5E4CD}" type="pres">
-      <dgm:prSet presAssocID="{2B9145D1-EB7E-4900-B323-62729B920F30}" presName="level2Shape" presStyleLbl="node4" presStyleIdx="14" presStyleCnt="15"/>
+      <dgm:prSet presAssocID="{2B9145D1-EB7E-4900-B323-62729B920F30}" presName="level2Shape" presStyleLbl="node4" presStyleIdx="13" presStyleCnt="14"/>
       <dgm:spPr/>
     </dgm:pt>
     <dgm:pt modelId="{39F4CE89-3B6A-4973-B184-14329B08CC52}" type="pres">
@@ -2607,24 +2554,22 @@
     <dgm:cxn modelId="{9DCF0037-6392-4338-9C43-9BE404EE76C6}" type="presOf" srcId="{FF50E59C-F10C-40A6-8558-2A7E5F304E5C}" destId="{93C93900-8187-43D3-8589-C801987549D8}" srcOrd="0" destOrd="0" presId="urn:microsoft.com/office/officeart/2005/8/layout/hierarchy6"/>
     <dgm:cxn modelId="{CE761E37-2097-40AB-B199-7E36BC1D1880}" type="presOf" srcId="{EFFA102A-5D82-49D3-A6E7-45C00C42107B}" destId="{C85E5849-5BD0-41A7-BC45-A54BCA8E87E7}" srcOrd="0" destOrd="0" presId="urn:microsoft.com/office/officeart/2005/8/layout/hierarchy6"/>
     <dgm:cxn modelId="{3678BB3C-ABCE-4036-8BF9-7D306D14FF35}" srcId="{984E7E1A-DD08-4E2E-A546-5DAB66C40362}" destId="{F27108DA-E888-48DE-8C97-7FDC95CC2EF6}" srcOrd="6" destOrd="0" parTransId="{39401BF9-8334-48FD-97B1-B5FF75DD8ED7}" sibTransId="{66761398-FF62-4B70-AD78-EE255350EFAC}"/>
-    <dgm:cxn modelId="{8AF7D83C-2A35-4B4E-9A89-87807C35D1FB}" srcId="{C6E69E37-3961-44EE-94E9-D23872BEE4C9}" destId="{DEA8DC5E-722E-4FFF-BA91-EA999F6AAE91}" srcOrd="0" destOrd="0" parTransId="{CA5091F9-074B-4255-B185-C09D0BE2BF7B}" sibTransId="{64D4773E-534A-4E7B-A0A1-8D87DE867EA7}"/>
     <dgm:cxn modelId="{A2852640-88E7-443E-9784-8B9CD43E7FFF}" type="presOf" srcId="{602223CB-CFD7-40C2-91FA-E4E1E82D12F8}" destId="{B6371254-1FFA-4EC8-9A90-4F69AC26C4B8}" srcOrd="0" destOrd="0" presId="urn:microsoft.com/office/officeart/2005/8/layout/hierarchy6"/>
+    <dgm:cxn modelId="{19267D47-12AF-407B-95D0-CE67232A70C6}" type="presOf" srcId="{664B246F-00B5-4610-86EB-ACE0B8B7FA38}" destId="{327FBF58-624F-4F1F-9921-6E06642364B9}" srcOrd="0" destOrd="0" presId="urn:microsoft.com/office/officeart/2005/8/layout/hierarchy6"/>
+    <dgm:cxn modelId="{8F9BFC49-62BA-4DBB-A4FA-FDF3587EA851}" srcId="{6169ABB3-9EA3-4A97-9BDB-7BF1A5E8319C}" destId="{64108CB1-DB75-4E6C-B114-0F078EBFAA65}" srcOrd="0" destOrd="0" parTransId="{4672E1E4-8BCB-4F8A-9715-DD03D099E9B8}" sibTransId="{926064D3-9C23-498F-82E9-95C446588308}"/>
+    <dgm:cxn modelId="{7C3DE64C-953A-4B36-89BF-C3A300F94624}" srcId="{984E7E1A-DD08-4E2E-A546-5DAB66C40362}" destId="{FB132DEB-3EBB-4B7B-9E10-1EA28E437B0C}" srcOrd="4" destOrd="0" parTransId="{84BE1630-6BEF-48BE-BEB4-441EA60AE7C5}" sibTransId="{3DA0803E-74EB-47A7-880B-91D87ACD481A}"/>
+    <dgm:cxn modelId="{6193E151-7B4B-421D-8E3E-D3E6FEF0B0BC}" srcId="{64108CB1-DB75-4E6C-B114-0F078EBFAA65}" destId="{210E38F1-6443-4897-BC67-3DC469B10B3A}" srcOrd="0" destOrd="0" parTransId="{658605B8-67B6-4965-9219-87AD07A2BD57}" sibTransId="{0132DBF9-A877-41CA-AAEC-9BACB1A6367E}"/>
+    <dgm:cxn modelId="{85363456-C352-4A49-B620-DC5013112521}" type="presOf" srcId="{E1A4E5F0-82C1-4444-9CDA-2EFE9A53106D}" destId="{7AC0F532-950B-4237-B2A3-453E379DA90E}" srcOrd="0" destOrd="0" presId="urn:microsoft.com/office/officeart/2005/8/layout/hierarchy6"/>
     <dgm:cxn modelId="{B391775D-525A-4463-8187-54DC5ADE9173}" srcId="{638D4A18-E8B7-45E5-8EAA-4C0D29849159}" destId="{A9C89BFF-0134-47A9-B18B-7F769EAE5F3A}" srcOrd="0" destOrd="0" parTransId="{76C26345-8BCA-4CE2-B48B-2D33FBBB060B}" sibTransId="{9B9C4B6C-A25D-4B6F-9C1D-204100944D66}"/>
     <dgm:cxn modelId="{1B414D5E-DAE6-43F4-8636-B9840380AF37}" srcId="{46EFE5C5-7E26-4632-AB0D-CFDE009726AC}" destId="{FF50E59C-F10C-40A6-8558-2A7E5F304E5C}" srcOrd="0" destOrd="0" parTransId="{44E55A98-4A09-4633-8BC8-3C1A3C60F82C}" sibTransId="{CE397DF0-0DE8-4FA7-B0E1-41D1DCB9AFE5}"/>
     <dgm:cxn modelId="{CA475D5F-B922-4F1A-BAC9-748E3A74C050}" type="presOf" srcId="{EBD4D5EB-965D-43EB-B803-B2DBA1A47692}" destId="{6F2A1E2D-C6A8-49EA-9BF1-89BB72F13956}" srcOrd="0" destOrd="0" presId="urn:microsoft.com/office/officeart/2005/8/layout/hierarchy6"/>
     <dgm:cxn modelId="{3075BF60-0E71-406F-899F-7B94CC627092}" type="presOf" srcId="{F27108DA-E888-48DE-8C97-7FDC95CC2EF6}" destId="{1D4FB0B1-442C-44CE-BE21-E9FDAD3A9144}" srcOrd="0" destOrd="0" presId="urn:microsoft.com/office/officeart/2005/8/layout/hierarchy6"/>
     <dgm:cxn modelId="{AE0BF061-65D8-4D34-8606-743D4072C890}" type="presOf" srcId="{DFFEDB4F-CB16-440A-AC1A-1DC7D4CDB94A}" destId="{CADF8BA8-4C18-4BCF-B785-1B1223495F63}" srcOrd="0" destOrd="0" presId="urn:microsoft.com/office/officeart/2005/8/layout/hierarchy6"/>
     <dgm:cxn modelId="{F804F562-696E-426C-80BC-987310D8D62E}" type="presOf" srcId="{C6E69E37-3961-44EE-94E9-D23872BEE4C9}" destId="{712DC4DD-54A4-4D11-93B8-AF86C0982CE7}" srcOrd="0" destOrd="0" presId="urn:microsoft.com/office/officeart/2005/8/layout/hierarchy6"/>
-    <dgm:cxn modelId="{8B58F964-2F52-4B55-83BA-29040AD2CF62}" type="presOf" srcId="{DEA8DC5E-722E-4FFF-BA91-EA999F6AAE91}" destId="{23569E60-B42A-46D6-895B-EB403DAEAB39}" srcOrd="0" destOrd="0" presId="urn:microsoft.com/office/officeart/2005/8/layout/hierarchy6"/>
     <dgm:cxn modelId="{076B8F65-719A-45DD-B51F-75F05F158467}" type="presOf" srcId="{658605B8-67B6-4965-9219-87AD07A2BD57}" destId="{3D2151FC-33BA-453D-AA0E-CDDCBD0EEE9C}" srcOrd="0" destOrd="0" presId="urn:microsoft.com/office/officeart/2005/8/layout/hierarchy6"/>
-    <dgm:cxn modelId="{19267D47-12AF-407B-95D0-CE67232A70C6}" type="presOf" srcId="{664B246F-00B5-4610-86EB-ACE0B8B7FA38}" destId="{327FBF58-624F-4F1F-9921-6E06642364B9}" srcOrd="0" destOrd="0" presId="urn:microsoft.com/office/officeart/2005/8/layout/hierarchy6"/>
     <dgm:cxn modelId="{28D1F069-CC6A-4B7D-87AB-024ED5B8F742}" type="presOf" srcId="{FC8D3CF0-2901-4A86-BB1A-052FBF8D6B11}" destId="{909756E3-99E7-44AA-A3C7-19374AE5DAB8}" srcOrd="0" destOrd="0" presId="urn:microsoft.com/office/officeart/2005/8/layout/hierarchy6"/>
-    <dgm:cxn modelId="{8F9BFC49-62BA-4DBB-A4FA-FDF3587EA851}" srcId="{6169ABB3-9EA3-4A97-9BDB-7BF1A5E8319C}" destId="{64108CB1-DB75-4E6C-B114-0F078EBFAA65}" srcOrd="0" destOrd="0" parTransId="{4672E1E4-8BCB-4F8A-9715-DD03D099E9B8}" sibTransId="{926064D3-9C23-498F-82E9-95C446588308}"/>
-    <dgm:cxn modelId="{7C3DE64C-953A-4B36-89BF-C3A300F94624}" srcId="{984E7E1A-DD08-4E2E-A546-5DAB66C40362}" destId="{FB132DEB-3EBB-4B7B-9E10-1EA28E437B0C}" srcOrd="4" destOrd="0" parTransId="{84BE1630-6BEF-48BE-BEB4-441EA60AE7C5}" sibTransId="{3DA0803E-74EB-47A7-880B-91D87ACD481A}"/>
-    <dgm:cxn modelId="{6193E151-7B4B-421D-8E3E-D3E6FEF0B0BC}" srcId="{64108CB1-DB75-4E6C-B114-0F078EBFAA65}" destId="{210E38F1-6443-4897-BC67-3DC469B10B3A}" srcOrd="0" destOrd="0" parTransId="{658605B8-67B6-4965-9219-87AD07A2BD57}" sibTransId="{0132DBF9-A877-41CA-AAEC-9BACB1A6367E}"/>
     <dgm:cxn modelId="{E9FD1272-E01D-4880-BFDE-9A1AAA5292D5}" srcId="{910FF4E3-4B73-471E-A733-428EDE879319}" destId="{2B9145D1-EB7E-4900-B323-62729B920F30}" srcOrd="0" destOrd="0" parTransId="{5A1392F2-9813-4C0C-9524-55F25A946D72}" sibTransId="{FE9D72FD-6015-4C6F-8761-506C30B7F8B6}"/>
     <dgm:cxn modelId="{4C43D973-FE5F-4969-B009-5FF2F8FD2D9D}" type="presOf" srcId="{F9806694-F79F-4F0F-B80B-D8AEC14A4AE4}" destId="{BD3EDBA1-58E6-46D1-8F92-11C7D932A901}" srcOrd="0" destOrd="0" presId="urn:microsoft.com/office/officeart/2005/8/layout/hierarchy6"/>
-    <dgm:cxn modelId="{85363456-C352-4A49-B620-DC5013112521}" type="presOf" srcId="{E1A4E5F0-82C1-4444-9CDA-2EFE9A53106D}" destId="{7AC0F532-950B-4237-B2A3-453E379DA90E}" srcOrd="0" destOrd="0" presId="urn:microsoft.com/office/officeart/2005/8/layout/hierarchy6"/>
     <dgm:cxn modelId="{B835F177-20F8-4C9B-8676-0FA87CFA76ED}" type="presOf" srcId="{FB132DEB-3EBB-4B7B-9E10-1EA28E437B0C}" destId="{8083ECF3-4A6D-4D09-B080-CA9E2FF57236}" srcOrd="0" destOrd="0" presId="urn:microsoft.com/office/officeart/2005/8/layout/hierarchy6"/>
     <dgm:cxn modelId="{C5C5DA7E-7625-41B0-BDF4-F13B40D2882F}" type="presOf" srcId="{95F92B39-5BD1-41DA-921B-40270E333897}" destId="{D5810A6F-9BEC-4CA9-A2D9-D690ED127B30}" srcOrd="0" destOrd="0" presId="urn:microsoft.com/office/officeart/2005/8/layout/hierarchy6"/>
     <dgm:cxn modelId="{C5FAB381-F340-4B7A-BFF8-003E4B2959E3}" type="presOf" srcId="{1CCEED45-57D7-4641-81C9-5908579CE245}" destId="{6B117D17-8BD8-4AE3-810B-A881321E5DD9}" srcOrd="0" destOrd="0" presId="urn:microsoft.com/office/officeart/2005/8/layout/hierarchy6"/>
@@ -2644,14 +2589,13 @@
     <dgm:cxn modelId="{DA14B1B2-ECFC-4D44-92B1-BEC1F0213248}" type="presOf" srcId="{82C78B36-0FA6-435A-86B9-9330BA5F59EB}" destId="{5F36A6FB-CB7F-4DE6-B6F5-DE1826698F42}" srcOrd="0" destOrd="0" presId="urn:microsoft.com/office/officeart/2005/8/layout/hierarchy6"/>
     <dgm:cxn modelId="{18760BB4-4568-4CC5-A218-603643F963A6}" type="presOf" srcId="{4CC81563-AFF2-44A9-B9B0-EF1C87661122}" destId="{8C51603B-18E2-460C-A259-41942E28FCC3}" srcOrd="0" destOrd="0" presId="urn:microsoft.com/office/officeart/2005/8/layout/hierarchy6"/>
     <dgm:cxn modelId="{77E3D7B8-FF68-4B8B-90B6-B8264E692A72}" srcId="{F9922D17-25E5-4FD7-B1AA-578A1B7C65C6}" destId="{82C78B36-0FA6-435A-86B9-9330BA5F59EB}" srcOrd="0" destOrd="0" parTransId="{EDC9A178-2154-4366-98B0-33B34586D7EA}" sibTransId="{01114DF0-1419-4280-A420-E0C884386A4F}"/>
+    <dgm:cxn modelId="{DA425ABA-1E59-4D58-A3F9-7632E86B868D}" type="presOf" srcId="{39401BF9-8334-48FD-97B1-B5FF75DD8ED7}" destId="{44A92FEE-33E2-4B91-A94C-B4EA8EE86B60}" srcOrd="0" destOrd="0" presId="urn:microsoft.com/office/officeart/2005/8/layout/hierarchy6"/>
     <dgm:cxn modelId="{36CF5DBA-4966-49D8-94F1-FAC98510D4DF}" type="presOf" srcId="{E195E9F6-7564-48BE-A20F-8E15DF27D81A}" destId="{920982DC-2630-4054-B387-AEC5EDAB1340}" srcOrd="0" destOrd="0" presId="urn:microsoft.com/office/officeart/2005/8/layout/hierarchy6"/>
     <dgm:cxn modelId="{EEB469BA-FECB-41C0-B3C4-44F45DB0F25C}" type="presOf" srcId="{6331599E-52B8-4A6C-B3A0-6191E729069E}" destId="{C35DDB86-B450-4822-9D2F-E71FF9968A21}" srcOrd="0" destOrd="0" presId="urn:microsoft.com/office/officeart/2005/8/layout/hierarchy6"/>
-    <dgm:cxn modelId="{DA425ABA-1E59-4D58-A3F9-7632E86B868D}" type="presOf" srcId="{39401BF9-8334-48FD-97B1-B5FF75DD8ED7}" destId="{44A92FEE-33E2-4B91-A94C-B4EA8EE86B60}" srcOrd="0" destOrd="0" presId="urn:microsoft.com/office/officeart/2005/8/layout/hierarchy6"/>
     <dgm:cxn modelId="{362B10BB-9CBA-499E-B87E-549CB8B04D92}" srcId="{984E7E1A-DD08-4E2E-A546-5DAB66C40362}" destId="{E1A4E5F0-82C1-4444-9CDA-2EFE9A53106D}" srcOrd="0" destOrd="0" parTransId="{FC8D3CF0-2901-4A86-BB1A-052FBF8D6B11}" sibTransId="{1F038FBC-60CA-48E2-9EB7-A456DEFE1AE4}"/>
     <dgm:cxn modelId="{0BDA3BBB-DEB6-4BF6-9D8C-5DF0FD6F9376}" type="presOf" srcId="{44E55A98-4A09-4633-8BC8-3C1A3C60F82C}" destId="{4E69DF13-5E8E-4E91-975F-9FDDE2936E47}" srcOrd="0" destOrd="0" presId="urn:microsoft.com/office/officeart/2005/8/layout/hierarchy6"/>
     <dgm:cxn modelId="{1A0C89BF-D174-4ED0-8083-1CC9998E7155}" srcId="{8D053341-47DE-4A56-8DB5-F4344314674C}" destId="{EFFA102A-5D82-49D3-A6E7-45C00C42107B}" srcOrd="0" destOrd="0" parTransId="{DFFEDB4F-CB16-440A-AC1A-1DC7D4CDB94A}" sibTransId="{B62333E8-4DCB-4AEF-9231-01F6B6767A44}"/>
     <dgm:cxn modelId="{A1A42AC5-B3CA-474B-A03B-83A5BC59A4EF}" srcId="{984E7E1A-DD08-4E2E-A546-5DAB66C40362}" destId="{8D053341-47DE-4A56-8DB5-F4344314674C}" srcOrd="1" destOrd="0" parTransId="{EBD4D5EB-965D-43EB-B803-B2DBA1A47692}" sibTransId="{176D6055-7813-445A-AD4E-B8512697E12E}"/>
-    <dgm:cxn modelId="{D358ABC6-1102-4F18-B5B8-68BF2A9736F6}" type="presOf" srcId="{CA5091F9-074B-4255-B185-C09D0BE2BF7B}" destId="{C5D095A0-8EE6-4EB9-8612-3D40277D1615}" srcOrd="0" destOrd="0" presId="urn:microsoft.com/office/officeart/2005/8/layout/hierarchy6"/>
     <dgm:cxn modelId="{FDA7AFC6-A5D6-4C1E-88EA-9467ADC72810}" type="presOf" srcId="{39E7187F-BF44-4434-ABA8-1C914D1E277A}" destId="{4EED4EC6-C75E-4237-B513-1F528969B037}" srcOrd="0" destOrd="0" presId="urn:microsoft.com/office/officeart/2005/8/layout/hierarchy6"/>
     <dgm:cxn modelId="{8A33DAC6-D9DF-4D48-B64D-808F92F2B77E}" srcId="{EFFA102A-5D82-49D3-A6E7-45C00C42107B}" destId="{95F92B39-5BD1-41DA-921B-40270E333897}" srcOrd="0" destOrd="0" parTransId="{78A11304-B47B-426C-80D9-23F105284D80}" sibTransId="{19CA03D8-84BD-45E9-ACB4-36731CEB3A27}"/>
     <dgm:cxn modelId="{96ABEFCB-93B8-4F1F-9ED6-D30BB529CB39}" type="presOf" srcId="{84BE1630-6BEF-48BE-BEB4-441EA60AE7C5}" destId="{F735E2CF-8C29-48C1-84C7-830FEF7D1A26}" srcOrd="0" destOrd="0" presId="urn:microsoft.com/office/officeart/2005/8/layout/hierarchy6"/>
@@ -2739,10 +2683,6 @@
     <dgm:cxn modelId="{8FDFE82C-F837-44AC-A02F-E62594519BEB}" type="presParOf" srcId="{47B2A419-6ED4-4C73-86AA-9F655C1C9D2A}" destId="{6E0FDFC1-4213-4B9B-8ECC-5730827380B1}" srcOrd="1" destOrd="0" presId="urn:microsoft.com/office/officeart/2005/8/layout/hierarchy6"/>
     <dgm:cxn modelId="{4DDF0D92-0BDF-4229-8768-34F3215AA93F}" type="presParOf" srcId="{6E0FDFC1-4213-4B9B-8ECC-5730827380B1}" destId="{712DC4DD-54A4-4D11-93B8-AF86C0982CE7}" srcOrd="0" destOrd="0" presId="urn:microsoft.com/office/officeart/2005/8/layout/hierarchy6"/>
     <dgm:cxn modelId="{1FF76F1D-0206-4BBC-B4EA-CF680036CA80}" type="presParOf" srcId="{6E0FDFC1-4213-4B9B-8ECC-5730827380B1}" destId="{06FE832E-06DC-449D-9623-40B31DE5260A}" srcOrd="1" destOrd="0" presId="urn:microsoft.com/office/officeart/2005/8/layout/hierarchy6"/>
-    <dgm:cxn modelId="{51CA2E49-9BBF-4EB0-BD17-93F0239BCC06}" type="presParOf" srcId="{06FE832E-06DC-449D-9623-40B31DE5260A}" destId="{C5D095A0-8EE6-4EB9-8612-3D40277D1615}" srcOrd="0" destOrd="0" presId="urn:microsoft.com/office/officeart/2005/8/layout/hierarchy6"/>
-    <dgm:cxn modelId="{885CC7C6-8B3F-4D41-8733-42A45BC9B1C5}" type="presParOf" srcId="{06FE832E-06DC-449D-9623-40B31DE5260A}" destId="{B6F8A37B-3728-4132-A0B2-2D455B49C14C}" srcOrd="1" destOrd="0" presId="urn:microsoft.com/office/officeart/2005/8/layout/hierarchy6"/>
-    <dgm:cxn modelId="{4FE04A9C-C830-48A6-B315-1143C4550A90}" type="presParOf" srcId="{B6F8A37B-3728-4132-A0B2-2D455B49C14C}" destId="{23569E60-B42A-46D6-895B-EB403DAEAB39}" srcOrd="0" destOrd="0" presId="urn:microsoft.com/office/officeart/2005/8/layout/hierarchy6"/>
-    <dgm:cxn modelId="{3C465CF2-BFDB-4F79-A4E8-038DE37D0B2B}" type="presParOf" srcId="{B6F8A37B-3728-4132-A0B2-2D455B49C14C}" destId="{8AEC3380-BF7F-458C-A43B-E053B8AAB6C8}" srcOrd="1" destOrd="0" presId="urn:microsoft.com/office/officeart/2005/8/layout/hierarchy6"/>
     <dgm:cxn modelId="{EBD5E54E-ED40-4A2D-ABBF-427F6308CEB8}" type="presParOf" srcId="{1310C93A-257F-43F9-9C19-53032BA77C1A}" destId="{F735E2CF-8C29-48C1-84C7-830FEF7D1A26}" srcOrd="8" destOrd="0" presId="urn:microsoft.com/office/officeart/2005/8/layout/hierarchy6"/>
     <dgm:cxn modelId="{16400667-1294-40B1-9D00-F9B8F8E057E3}" type="presParOf" srcId="{1310C93A-257F-43F9-9C19-53032BA77C1A}" destId="{48AFB0DB-A5F1-4E3C-A955-DF837FAD14E4}" srcOrd="9" destOrd="0" presId="urn:microsoft.com/office/officeart/2005/8/layout/hierarchy6"/>
     <dgm:cxn modelId="{37C69F07-B942-472F-AA00-B88797B89307}" type="presParOf" srcId="{48AFB0DB-A5F1-4E3C-A955-DF837FAD14E4}" destId="{8083ECF3-4A6D-4D09-B080-CA9E2FF57236}" srcOrd="0" destOrd="0" presId="urn:microsoft.com/office/officeart/2005/8/layout/hierarchy6"/>
@@ -4993,144 +4933,6 @@
         <a:ext cx="856696" cy="559525"/>
       </dsp:txXfrm>
     </dsp:sp>
-    <dsp:sp modelId="{C5D095A0-8EE6-4EB9-8612-3D40277D1615}">
-      <dsp:nvSpPr>
-        <dsp:cNvPr id="0" name=""/>
-        <dsp:cNvSpPr/>
-      </dsp:nvSpPr>
-      <dsp:spPr>
-        <a:xfrm>
-          <a:off x="5420801" y="3094783"/>
-          <a:ext cx="91440" cy="237736"/>
-        </a:xfrm>
-        <a:custGeom>
-          <a:avLst/>
-          <a:gdLst/>
-          <a:ahLst/>
-          <a:cxnLst/>
-          <a:rect l="0" t="0" r="0" b="0"/>
-          <a:pathLst>
-            <a:path>
-              <a:moveTo>
-                <a:pt x="45720" y="0"/>
-              </a:moveTo>
-              <a:lnTo>
-                <a:pt x="45720" y="237736"/>
-              </a:lnTo>
-            </a:path>
-          </a:pathLst>
-        </a:custGeom>
-        <a:noFill/>
-        <a:ln w="12700" cap="flat" cmpd="sng" algn="ctr">
-          <a:solidFill>
-            <a:schemeClr val="accent1">
-              <a:tint val="50000"/>
-              <a:hueOff val="0"/>
-              <a:satOff val="0"/>
-              <a:lumOff val="0"/>
-              <a:alphaOff val="0"/>
-            </a:schemeClr>
-          </a:solidFill>
-          <a:prstDash val="solid"/>
-          <a:miter lim="800000"/>
-        </a:ln>
-        <a:effectLst/>
-      </dsp:spPr>
-      <dsp:style>
-        <a:lnRef idx="2">
-          <a:scrgbClr r="0" g="0" b="0"/>
-        </a:lnRef>
-        <a:fillRef idx="0">
-          <a:scrgbClr r="0" g="0" b="0"/>
-        </a:fillRef>
-        <a:effectRef idx="0">
-          <a:scrgbClr r="0" g="0" b="0"/>
-        </a:effectRef>
-        <a:fontRef idx="minor"/>
-      </dsp:style>
-    </dsp:sp>
-    <dsp:sp modelId="{23569E60-B42A-46D6-895B-EB403DAEAB39}">
-      <dsp:nvSpPr>
-        <dsp:cNvPr id="0" name=""/>
-        <dsp:cNvSpPr/>
-      </dsp:nvSpPr>
-      <dsp:spPr>
-        <a:xfrm>
-          <a:off x="5020764" y="3332520"/>
-          <a:ext cx="891512" cy="594341"/>
-        </a:xfrm>
-        <a:prstGeom prst="roundRect">
-          <a:avLst>
-            <a:gd name="adj" fmla="val 10000"/>
-          </a:avLst>
-        </a:prstGeom>
-        <a:solidFill>
-          <a:schemeClr val="accent1">
-            <a:tint val="70000"/>
-            <a:hueOff val="0"/>
-            <a:satOff val="0"/>
-            <a:lumOff val="0"/>
-            <a:alphaOff val="0"/>
-          </a:schemeClr>
-        </a:solidFill>
-        <a:ln w="19050" cap="flat" cmpd="sng" algn="ctr">
-          <a:solidFill>
-            <a:schemeClr val="lt1">
-              <a:hueOff val="0"/>
-              <a:satOff val="0"/>
-              <a:lumOff val="0"/>
-              <a:alphaOff val="0"/>
-            </a:schemeClr>
-          </a:solidFill>
-          <a:prstDash val="solid"/>
-          <a:miter lim="800000"/>
-        </a:ln>
-        <a:effectLst/>
-      </dsp:spPr>
-      <dsp:style>
-        <a:lnRef idx="3">
-          <a:scrgbClr r="0" g="0" b="0"/>
-        </a:lnRef>
-        <a:fillRef idx="1">
-          <a:scrgbClr r="0" g="0" b="0"/>
-        </a:fillRef>
-        <a:effectRef idx="1">
-          <a:scrgbClr r="0" g="0" b="0"/>
-        </a:effectRef>
-        <a:fontRef idx="minor">
-          <a:schemeClr val="lt1"/>
-        </a:fontRef>
-      </dsp:style>
-      <dsp:txBody>
-        <a:bodyPr spcFirstLastPara="0" vert="horz" wrap="square" lIns="30480" tIns="30480" rIns="30480" bIns="30480" numCol="1" spcCol="1270" anchor="ctr" anchorCtr="0">
-          <a:noAutofit/>
-        </a:bodyPr>
-        <a:lstStyle/>
-        <a:p>
-          <a:pPr marL="0" lvl="0" indent="0" algn="ctr" defTabSz="355600">
-            <a:lnSpc>
-              <a:spcPct val="90000"/>
-            </a:lnSpc>
-            <a:spcBef>
-              <a:spcPct val="0"/>
-            </a:spcBef>
-            <a:spcAft>
-              <a:spcPct val="35000"/>
-            </a:spcAft>
-            <a:buNone/>
-          </a:pPr>
-          <a:r>
-            <a:rPr lang="es-ES_tradnl" sz="800" kern="1200" dirty="0"/>
-            <a:t>4.2. Gestión de compras</a:t>
-          </a:r>
-          <a:endParaRPr lang="es-ES" sz="800" kern="1200" dirty="0"/>
-        </a:p>
-      </dsp:txBody>
-      <dsp:txXfrm>
-        <a:off x="5038172" y="3349928"/>
-        <a:ext cx="856696" cy="559525"/>
-      </dsp:txXfrm>
-    </dsp:sp>
     <dsp:sp modelId="{F735E2CF-8C29-48C1-84C7-830FEF7D1A26}">
       <dsp:nvSpPr>
         <dsp:cNvPr id="0" name=""/>
@@ -5403,7 +5205,7 @@
           </a:pPr>
           <a:r>
             <a:rPr lang="es-ES_tradnl" sz="800" kern="1200" dirty="0"/>
-            <a:t>5.1. Cursos</a:t>
+            <a:t>5.1. Modelo de formación</a:t>
           </a:r>
           <a:endParaRPr lang="es-ES" sz="800" kern="1200" dirty="0"/>
         </a:p>
@@ -5541,7 +5343,7 @@
           </a:pPr>
           <a:r>
             <a:rPr lang="es-ES_tradnl" sz="800" kern="1200" dirty="0"/>
-            <a:t>5.2. Personal</a:t>
+            <a:t>5.2. Formación de Personal</a:t>
           </a:r>
           <a:endParaRPr lang="es-ES" sz="800" kern="1200" dirty="0"/>
         </a:p>
@@ -5679,7 +5481,7 @@
           </a:pPr>
           <a:r>
             <a:rPr lang="es-ES_tradnl" sz="800" kern="1200" dirty="0"/>
-            <a:t>5.3 Documentación</a:t>
+            <a:t>5.3 Manuales</a:t>
           </a:r>
           <a:endParaRPr lang="es-ES" sz="800" kern="1200" dirty="0"/>
         </a:p>
@@ -8501,7 +8303,7 @@
           <a:p>
             <a:fld id="{0D884D29-9179-45AE-BA9A-C08EE7A5CD94}" type="datetimeFigureOut">
               <a:rPr lang="es-ES" smtClean="0"/>
-              <a:t>04/11/2018</a:t>
+              <a:t>8/11/18</a:t>
             </a:fld>
             <a:endParaRPr lang="es-ES"/>
           </a:p>
@@ -8555,7 +8357,7 @@
           <a:p>
             <a:fld id="{A48DEAC8-0F5D-4654-993D-4CF0837E1519}" type="slidenum">
               <a:rPr lang="es-ES" smtClean="0"/>
-              <a:t>‹#›</a:t>
+              <a:t>‹Nº›</a:t>
             </a:fld>
             <a:endParaRPr lang="es-ES"/>
           </a:p>
@@ -8699,7 +8501,7 @@
           <a:p>
             <a:fld id="{0D884D29-9179-45AE-BA9A-C08EE7A5CD94}" type="datetimeFigureOut">
               <a:rPr lang="es-ES" smtClean="0"/>
-              <a:t>04/11/2018</a:t>
+              <a:t>8/11/18</a:t>
             </a:fld>
             <a:endParaRPr lang="es-ES"/>
           </a:p>
@@ -8753,7 +8555,7 @@
           <a:p>
             <a:fld id="{A48DEAC8-0F5D-4654-993D-4CF0837E1519}" type="slidenum">
               <a:rPr lang="es-ES" smtClean="0"/>
-              <a:t>‹#›</a:t>
+              <a:t>‹Nº›</a:t>
             </a:fld>
             <a:endParaRPr lang="es-ES"/>
           </a:p>
@@ -8907,7 +8709,7 @@
           <a:p>
             <a:fld id="{0D884D29-9179-45AE-BA9A-C08EE7A5CD94}" type="datetimeFigureOut">
               <a:rPr lang="es-ES" smtClean="0"/>
-              <a:t>04/11/2018</a:t>
+              <a:t>8/11/18</a:t>
             </a:fld>
             <a:endParaRPr lang="es-ES"/>
           </a:p>
@@ -8961,7 +8763,7 @@
           <a:p>
             <a:fld id="{A48DEAC8-0F5D-4654-993D-4CF0837E1519}" type="slidenum">
               <a:rPr lang="es-ES" smtClean="0"/>
-              <a:t>‹#›</a:t>
+              <a:t>‹Nº›</a:t>
             </a:fld>
             <a:endParaRPr lang="es-ES"/>
           </a:p>
@@ -9105,7 +8907,7 @@
           <a:p>
             <a:fld id="{0D884D29-9179-45AE-BA9A-C08EE7A5CD94}" type="datetimeFigureOut">
               <a:rPr lang="es-ES" smtClean="0"/>
-              <a:t>04/11/2018</a:t>
+              <a:t>8/11/18</a:t>
             </a:fld>
             <a:endParaRPr lang="es-ES"/>
           </a:p>
@@ -9159,7 +8961,7 @@
           <a:p>
             <a:fld id="{A48DEAC8-0F5D-4654-993D-4CF0837E1519}" type="slidenum">
               <a:rPr lang="es-ES" smtClean="0"/>
-              <a:t>‹#›</a:t>
+              <a:t>‹Nº›</a:t>
             </a:fld>
             <a:endParaRPr lang="es-ES"/>
           </a:p>
@@ -9380,7 +9182,7 @@
           <a:p>
             <a:fld id="{0D884D29-9179-45AE-BA9A-C08EE7A5CD94}" type="datetimeFigureOut">
               <a:rPr lang="es-ES" smtClean="0"/>
-              <a:t>04/11/2018</a:t>
+              <a:t>8/11/18</a:t>
             </a:fld>
             <a:endParaRPr lang="es-ES"/>
           </a:p>
@@ -9434,7 +9236,7 @@
           <a:p>
             <a:fld id="{A48DEAC8-0F5D-4654-993D-4CF0837E1519}" type="slidenum">
               <a:rPr lang="es-ES" smtClean="0"/>
-              <a:t>‹#›</a:t>
+              <a:t>‹Nº›</a:t>
             </a:fld>
             <a:endParaRPr lang="es-ES"/>
           </a:p>
@@ -9645,7 +9447,7 @@
           <a:p>
             <a:fld id="{0D884D29-9179-45AE-BA9A-C08EE7A5CD94}" type="datetimeFigureOut">
               <a:rPr lang="es-ES" smtClean="0"/>
-              <a:t>04/11/2018</a:t>
+              <a:t>8/11/18</a:t>
             </a:fld>
             <a:endParaRPr lang="es-ES"/>
           </a:p>
@@ -9699,7 +9501,7 @@
           <a:p>
             <a:fld id="{A48DEAC8-0F5D-4654-993D-4CF0837E1519}" type="slidenum">
               <a:rPr lang="es-ES" smtClean="0"/>
-              <a:t>‹#›</a:t>
+              <a:t>‹Nº›</a:t>
             </a:fld>
             <a:endParaRPr lang="es-ES"/>
           </a:p>
@@ -10057,7 +9859,7 @@
           <a:p>
             <a:fld id="{0D884D29-9179-45AE-BA9A-C08EE7A5CD94}" type="datetimeFigureOut">
               <a:rPr lang="es-ES" smtClean="0"/>
-              <a:t>04/11/2018</a:t>
+              <a:t>8/11/18</a:t>
             </a:fld>
             <a:endParaRPr lang="es-ES"/>
           </a:p>
@@ -10111,7 +9913,7 @@
           <a:p>
             <a:fld id="{A48DEAC8-0F5D-4654-993D-4CF0837E1519}" type="slidenum">
               <a:rPr lang="es-ES" smtClean="0"/>
-              <a:t>‹#›</a:t>
+              <a:t>‹Nº›</a:t>
             </a:fld>
             <a:endParaRPr lang="es-ES"/>
           </a:p>
@@ -10198,7 +10000,7 @@
           <a:p>
             <a:fld id="{0D884D29-9179-45AE-BA9A-C08EE7A5CD94}" type="datetimeFigureOut">
               <a:rPr lang="es-ES" smtClean="0"/>
-              <a:t>04/11/2018</a:t>
+              <a:t>8/11/18</a:t>
             </a:fld>
             <a:endParaRPr lang="es-ES"/>
           </a:p>
@@ -10252,7 +10054,7 @@
           <a:p>
             <a:fld id="{A48DEAC8-0F5D-4654-993D-4CF0837E1519}" type="slidenum">
               <a:rPr lang="es-ES" smtClean="0"/>
-              <a:t>‹#›</a:t>
+              <a:t>‹Nº›</a:t>
             </a:fld>
             <a:endParaRPr lang="es-ES"/>
           </a:p>
@@ -10311,7 +10113,7 @@
           <a:p>
             <a:fld id="{0D884D29-9179-45AE-BA9A-C08EE7A5CD94}" type="datetimeFigureOut">
               <a:rPr lang="es-ES" smtClean="0"/>
-              <a:t>04/11/2018</a:t>
+              <a:t>8/11/18</a:t>
             </a:fld>
             <a:endParaRPr lang="es-ES"/>
           </a:p>
@@ -10365,7 +10167,7 @@
           <a:p>
             <a:fld id="{A48DEAC8-0F5D-4654-993D-4CF0837E1519}" type="slidenum">
               <a:rPr lang="es-ES" smtClean="0"/>
-              <a:t>‹#›</a:t>
+              <a:t>‹Nº›</a:t>
             </a:fld>
             <a:endParaRPr lang="es-ES"/>
           </a:p>
@@ -10622,7 +10424,7 @@
           <a:p>
             <a:fld id="{0D884D29-9179-45AE-BA9A-C08EE7A5CD94}" type="datetimeFigureOut">
               <a:rPr lang="es-ES" smtClean="0"/>
-              <a:t>04/11/2018</a:t>
+              <a:t>8/11/18</a:t>
             </a:fld>
             <a:endParaRPr lang="es-ES"/>
           </a:p>
@@ -10676,7 +10478,7 @@
           <a:p>
             <a:fld id="{A48DEAC8-0F5D-4654-993D-4CF0837E1519}" type="slidenum">
               <a:rPr lang="es-ES" smtClean="0"/>
-              <a:t>‹#›</a:t>
+              <a:t>‹Nº›</a:t>
             </a:fld>
             <a:endParaRPr lang="es-ES"/>
           </a:p>
@@ -10910,7 +10712,7 @@
           <a:p>
             <a:fld id="{0D884D29-9179-45AE-BA9A-C08EE7A5CD94}" type="datetimeFigureOut">
               <a:rPr lang="es-ES" smtClean="0"/>
-              <a:t>04/11/2018</a:t>
+              <a:t>8/11/18</a:t>
             </a:fld>
             <a:endParaRPr lang="es-ES"/>
           </a:p>
@@ -10964,7 +10766,7 @@
           <a:p>
             <a:fld id="{A48DEAC8-0F5D-4654-993D-4CF0837E1519}" type="slidenum">
               <a:rPr lang="es-ES" smtClean="0"/>
-              <a:t>‹#›</a:t>
+              <a:t>‹Nº›</a:t>
             </a:fld>
             <a:endParaRPr lang="es-ES"/>
           </a:p>
@@ -11151,7 +10953,7 @@
           <a:p>
             <a:fld id="{0D884D29-9179-45AE-BA9A-C08EE7A5CD94}" type="datetimeFigureOut">
               <a:rPr lang="es-ES" smtClean="0"/>
-              <a:t>04/11/2018</a:t>
+              <a:t>8/11/18</a:t>
             </a:fld>
             <a:endParaRPr lang="es-ES"/>
           </a:p>
@@ -11241,7 +11043,7 @@
           <a:p>
             <a:fld id="{A48DEAC8-0F5D-4654-993D-4CF0837E1519}" type="slidenum">
               <a:rPr lang="es-ES" smtClean="0"/>
-              <a:t>‹#›</a:t>
+              <a:t>‹Nº›</a:t>
             </a:fld>
             <a:endParaRPr lang="es-ES"/>
           </a:p>
@@ -11581,7 +11383,7 @@
           <p:nvPr>
             <p:extLst>
               <p:ext uri="{D42A27DB-BD31-4B8C-83A1-F6EECF244321}">
-                <p14:modId xmlns:p14="http://schemas.microsoft.com/office/powerpoint/2010/main" val="1381855546"/>
+                <p14:modId xmlns:p14="http://schemas.microsoft.com/office/powerpoint/2010/main" val="3994487223"/>
               </p:ext>
             </p:extLst>
           </p:nvPr>

--- a/Documentos_generados/Integracion_Alcance/Alcance/WBS.pptx
+++ b/Documentos_generados/Integracion_Alcance/Alcance/WBS.pptx
@@ -1648,7 +1648,7 @@
         <a:p>
           <a:r>
             <a:rPr lang="es-ES_tradnl" dirty="0"/>
-            <a:t>6.2. Obtención de resultados</a:t>
+            <a:t>6.2. Obtención de datos</a:t>
           </a:r>
           <a:endParaRPr lang="es-ES" dirty="0"/>
         </a:p>
@@ -6039,7 +6039,7 @@
           </a:pPr>
           <a:r>
             <a:rPr lang="es-ES_tradnl" sz="800" kern="1200" dirty="0"/>
-            <a:t>6.2. Obtención de resultados</a:t>
+            <a:t>6.2. Obtención de datos</a:t>
           </a:r>
           <a:endParaRPr lang="es-ES" sz="800" kern="1200" dirty="0"/>
         </a:p>
@@ -11383,7 +11383,7 @@
           <p:nvPr>
             <p:extLst>
               <p:ext uri="{D42A27DB-BD31-4B8C-83A1-F6EECF244321}">
-                <p14:modId xmlns:p14="http://schemas.microsoft.com/office/powerpoint/2010/main" val="3994487223"/>
+                <p14:modId xmlns:p14="http://schemas.microsoft.com/office/powerpoint/2010/main" val="1642367468"/>
               </p:ext>
             </p:extLst>
           </p:nvPr>
